--- a/git및github첫걸음3-forkclonePR.pptx
+++ b/git및github첫걸음3-forkclonePR.pptx
@@ -240,7 +240,7 @@
           <a:p>
             <a:fld id="{A17B9194-BDE3-40E3-983E-94CE6FA773AF}" type="datetimeFigureOut">
               <a:rPr lang="ko-KR" altLang="en-US" smtClean="0"/>
-              <a:t>2021-04-06</a:t>
+              <a:t>2021-04-07</a:t>
             </a:fld>
             <a:endParaRPr lang="ko-KR" altLang="en-US"/>
           </a:p>
@@ -3810,7 +3810,7 @@
           <a:p>
             <a:fld id="{30E72A5D-AC2D-4154-80BD-D3C3745E4EB5}" type="datetimeFigureOut">
               <a:rPr lang="ko-KR" altLang="en-US" smtClean="0"/>
-              <a:t>2021-04-06</a:t>
+              <a:t>2021-04-07</a:t>
             </a:fld>
             <a:endParaRPr lang="ko-KR" altLang="en-US"/>
           </a:p>
@@ -4023,7 +4023,7 @@
           <a:p>
             <a:fld id="{30E72A5D-AC2D-4154-80BD-D3C3745E4EB5}" type="datetimeFigureOut">
               <a:rPr lang="ko-KR" altLang="en-US" smtClean="0"/>
-              <a:t>2021-04-06</a:t>
+              <a:t>2021-04-07</a:t>
             </a:fld>
             <a:endParaRPr lang="ko-KR" altLang="en-US"/>
           </a:p>
@@ -20873,8 +20873,8 @@
         </p:nvSpPr>
         <p:spPr>
           <a:xfrm>
-            <a:off x="341787" y="1120545"/>
-            <a:ext cx="8642350" cy="1425886"/>
+            <a:off x="341787" y="957257"/>
+            <a:ext cx="8642350" cy="5225829"/>
           </a:xfrm>
           <a:prstGeom prst="rect">
             <a:avLst/>
@@ -21026,235 +21026,525 @@
           <a:p>
             <a:r>
               <a:rPr lang="ko-KR" altLang="en-US" dirty="0"/>
-              <a:t>전체 요약 순서 </a:t>
-            </a:r>
-            <a:endParaRPr lang="en-US" altLang="ko-KR" dirty="0">
-              <a:latin typeface="+mn-ea"/>
-            </a:endParaRPr>
-          </a:p>
-        </p:txBody>
-      </p:sp>
-      <p:sp>
-        <p:nvSpPr>
-          <p:cNvPr id="6" name="TextBox 5">
-            <a:extLst>
-              <a:ext uri="{FF2B5EF4-FFF2-40B4-BE49-F238E27FC236}">
-                <a16:creationId xmlns:a16="http://schemas.microsoft.com/office/drawing/2014/main" id="{B782965D-956A-4084-8F1A-D0E07F47077A}"/>
-              </a:ext>
-            </a:extLst>
-          </p:cNvPr>
-          <p:cNvSpPr txBox="1"/>
-          <p:nvPr/>
-        </p:nvSpPr>
-        <p:spPr>
-          <a:xfrm>
-            <a:off x="539551" y="1650670"/>
-            <a:ext cx="7304314" cy="3139321"/>
-          </a:xfrm>
-          <a:prstGeom prst="rect">
-            <a:avLst/>
-          </a:prstGeom>
-          <a:noFill/>
-        </p:spPr>
-        <p:txBody>
-          <a:bodyPr wrap="square">
-            <a:spAutoFit/>
-          </a:bodyPr>
-          <a:lstStyle/>
-          <a:p>
-            <a:pPr algn="l"/>
-            <a:r>
-              <a:rPr lang="en-US" altLang="ko-KR" sz="1800" b="0" i="0" dirty="0">
-                <a:solidFill>
-                  <a:srgbClr val="444444"/>
-                </a:solidFill>
-                <a:effectLst/>
-                <a:latin typeface="Swiss 721 SWA"/>
-              </a:rPr>
-              <a:t>In summary, if you want to contribute to a project, the simplest way is to:</a:t>
-            </a:r>
-          </a:p>
-          <a:p>
-            <a:pPr algn="l">
-              <a:buFont typeface="+mj-lt"/>
-              <a:buAutoNum type="arabicPeriod"/>
+              <a:t>전체 요약 순서</a:t>
+            </a:r>
+            <a:endParaRPr lang="en-US" altLang="ko-KR" dirty="0"/>
+          </a:p>
+          <a:p>
+            <a:pPr marL="533400" lvl="1" indent="-266700">
+              <a:buFont typeface="+mj-ea"/>
+              <a:buAutoNum type="circleNumDbPlain"/>
             </a:pPr>
             <a:r>
-              <a:rPr lang="en-US" altLang="ko-KR" sz="1800" b="0" i="0" dirty="0">
-                <a:solidFill>
-                  <a:srgbClr val="444444"/>
-                </a:solidFill>
-                <a:effectLst/>
-                <a:latin typeface="Swiss 721 SWA"/>
-              </a:rPr>
-              <a:t>Find a project you want to contribute to</a:t>
-            </a:r>
-          </a:p>
-          <a:p>
-            <a:pPr algn="l">
-              <a:buFont typeface="+mj-lt"/>
-              <a:buAutoNum type="arabicPeriod"/>
+              <a:rPr lang="ko-KR" altLang="en-US" dirty="0">
+                <a:latin typeface="+mn-ea"/>
+              </a:rPr>
+              <a:t>나의 </a:t>
+            </a:r>
+            <a:r>
+              <a:rPr lang="en-US" altLang="ko-KR" dirty="0" err="1">
+                <a:latin typeface="+mn-ea"/>
+              </a:rPr>
+              <a:t>github</a:t>
+            </a:r>
+            <a:r>
+              <a:rPr lang="en-US" altLang="ko-KR" dirty="0">
+                <a:latin typeface="+mn-ea"/>
+              </a:rPr>
+              <a:t> </a:t>
+            </a:r>
+            <a:r>
+              <a:rPr lang="ko-KR" altLang="en-US" dirty="0">
+                <a:latin typeface="+mn-ea"/>
+              </a:rPr>
+              <a:t>계정에 로그인</a:t>
+            </a:r>
+            <a:endParaRPr lang="en-US" altLang="ko-KR" dirty="0">
+              <a:latin typeface="+mn-ea"/>
+            </a:endParaRPr>
+          </a:p>
+          <a:p>
+            <a:pPr marL="533400" lvl="1" indent="-266700">
+              <a:buFont typeface="+mj-ea"/>
+              <a:buAutoNum type="circleNumDbPlain"/>
             </a:pPr>
             <a:r>
-              <a:rPr lang="en-US" altLang="ko-KR" sz="1800" b="0" i="0" dirty="0">
-                <a:solidFill>
-                  <a:srgbClr val="444444"/>
-                </a:solidFill>
-                <a:effectLst/>
-                <a:latin typeface="Swiss 721 SWA"/>
-              </a:rPr>
-              <a:t>Fork it</a:t>
-            </a:r>
-          </a:p>
-          <a:p>
-            <a:pPr algn="l">
-              <a:buFont typeface="+mj-lt"/>
-              <a:buAutoNum type="arabicPeriod"/>
+              <a:rPr lang="ko-KR" altLang="en-US" dirty="0">
+                <a:latin typeface="+mn-ea"/>
+              </a:rPr>
+              <a:t>참여하고 싶은 저장소</a:t>
+            </a:r>
+            <a:r>
+              <a:rPr lang="en-US" altLang="ko-KR" dirty="0">
+                <a:latin typeface="+mn-ea"/>
+              </a:rPr>
+              <a:t>(upstream)</a:t>
+            </a:r>
+            <a:r>
+              <a:rPr lang="ko-KR" altLang="en-US" dirty="0">
+                <a:latin typeface="+mn-ea"/>
+              </a:rPr>
+              <a:t> 찾기</a:t>
+            </a:r>
+            <a:endParaRPr lang="en-US" altLang="ko-KR" dirty="0">
+              <a:latin typeface="+mn-ea"/>
+            </a:endParaRPr>
+          </a:p>
+          <a:p>
+            <a:pPr marL="533400" lvl="1" indent="-266700">
+              <a:buFont typeface="+mj-ea"/>
+              <a:buAutoNum type="circleNumDbPlain"/>
             </a:pPr>
             <a:r>
-              <a:rPr lang="en-US" altLang="ko-KR" sz="1800" b="0" i="0" dirty="0">
-                <a:solidFill>
-                  <a:srgbClr val="444444"/>
-                </a:solidFill>
-                <a:effectLst/>
-                <a:latin typeface="Swiss 721 SWA"/>
-              </a:rPr>
-              <a:t>Clone it to your local system</a:t>
-            </a:r>
-          </a:p>
-          <a:p>
-            <a:pPr algn="l">
-              <a:buFont typeface="+mj-lt"/>
-              <a:buAutoNum type="arabicPeriod"/>
+              <a:rPr lang="en-US" altLang="ko-KR" dirty="0">
+                <a:latin typeface="+mn-ea"/>
+              </a:rPr>
+              <a:t>Fork</a:t>
+            </a:r>
+            <a:r>
+              <a:rPr lang="ko-KR" altLang="en-US" dirty="0">
+                <a:latin typeface="+mn-ea"/>
+              </a:rPr>
+              <a:t>하기</a:t>
+            </a:r>
+            <a:endParaRPr lang="en-US" altLang="ko-KR" dirty="0">
+              <a:latin typeface="+mn-ea"/>
+            </a:endParaRPr>
+          </a:p>
+          <a:p>
+            <a:pPr marL="533400" lvl="1" indent="-266700">
+              <a:buFont typeface="+mj-ea"/>
+              <a:buAutoNum type="circleNumDbPlain"/>
             </a:pPr>
             <a:r>
-              <a:rPr lang="en-US" altLang="ko-KR" sz="1800" b="0" i="0" dirty="0">
-                <a:solidFill>
-                  <a:srgbClr val="444444"/>
-                </a:solidFill>
-                <a:effectLst/>
-                <a:latin typeface="Swiss 721 SWA"/>
-              </a:rPr>
-              <a:t>Make a new branch</a:t>
-            </a:r>
-          </a:p>
-          <a:p>
-            <a:pPr algn="l">
-              <a:buFont typeface="+mj-lt"/>
-              <a:buAutoNum type="arabicPeriod"/>
+              <a:rPr lang="ko-KR" altLang="en-US" dirty="0">
+                <a:latin typeface="+mn-ea"/>
+              </a:rPr>
+              <a:t>나의 로컬저장소로 </a:t>
+            </a:r>
+            <a:r>
+              <a:rPr lang="en-US" altLang="ko-KR" dirty="0">
+                <a:latin typeface="+mn-ea"/>
+              </a:rPr>
+              <a:t>clone</a:t>
+            </a:r>
+            <a:r>
+              <a:rPr lang="ko-KR" altLang="en-US" dirty="0">
+                <a:latin typeface="+mn-ea"/>
+              </a:rPr>
+              <a:t>하기 </a:t>
+            </a:r>
+            <a:r>
+              <a:rPr lang="en-US" altLang="ko-KR" dirty="0">
+                <a:latin typeface="+mn-ea"/>
+              </a:rPr>
+              <a:t> ☞ git clone</a:t>
+            </a:r>
+            <a:r>
+              <a:rPr lang="ko-KR" altLang="en-US" dirty="0">
+                <a:latin typeface="+mn-ea"/>
+              </a:rPr>
+              <a:t> </a:t>
+            </a:r>
+            <a:r>
+              <a:rPr lang="en-US" altLang="ko-KR" dirty="0">
+                <a:latin typeface="+mn-ea"/>
+              </a:rPr>
+              <a:t>upstream-</a:t>
+            </a:r>
+            <a:r>
+              <a:rPr lang="en-US" altLang="ko-KR" dirty="0" err="1">
+                <a:latin typeface="+mn-ea"/>
+              </a:rPr>
+              <a:t>adress</a:t>
+            </a:r>
+            <a:endParaRPr lang="en-US" altLang="ko-KR" dirty="0">
+              <a:latin typeface="+mn-ea"/>
+            </a:endParaRPr>
+          </a:p>
+          <a:p>
+            <a:pPr marL="533400" lvl="1" indent="-266700">
+              <a:buFont typeface="+mj-ea"/>
+              <a:buAutoNum type="circleNumDbPlain"/>
             </a:pPr>
             <a:r>
-              <a:rPr lang="en-US" altLang="ko-KR" sz="1800" b="0" i="0" dirty="0">
-                <a:solidFill>
-                  <a:srgbClr val="444444"/>
-                </a:solidFill>
-                <a:effectLst/>
-                <a:latin typeface="Swiss 721 SWA"/>
-              </a:rPr>
-              <a:t>Make your changes</a:t>
-            </a:r>
-          </a:p>
-          <a:p>
-            <a:pPr algn="l">
-              <a:buFont typeface="+mj-lt"/>
-              <a:buAutoNum type="arabicPeriod"/>
+              <a:rPr lang="ko-KR" altLang="en-US" dirty="0">
+                <a:latin typeface="+mn-ea"/>
+              </a:rPr>
+              <a:t>로컬저장소에서 작업 </a:t>
+            </a:r>
+            <a:r>
+              <a:rPr lang="en-US" altLang="ko-KR" dirty="0">
+                <a:latin typeface="+mn-ea"/>
+              </a:rPr>
+              <a:t>branch </a:t>
+            </a:r>
+            <a:r>
+              <a:rPr lang="ko-KR" altLang="en-US" dirty="0">
+                <a:latin typeface="+mn-ea"/>
+              </a:rPr>
+              <a:t>만들기</a:t>
+            </a:r>
+            <a:r>
+              <a:rPr lang="en-US" altLang="ko-KR" dirty="0">
+                <a:latin typeface="+mn-ea"/>
+              </a:rPr>
+              <a:t> ☞ git checkout</a:t>
+            </a:r>
+            <a:r>
+              <a:rPr lang="ko-KR" altLang="en-US" dirty="0">
+                <a:latin typeface="+mn-ea"/>
+              </a:rPr>
+              <a:t> </a:t>
+            </a:r>
+            <a:r>
+              <a:rPr lang="en-US" altLang="ko-KR" dirty="0">
+                <a:latin typeface="+mn-ea"/>
+              </a:rPr>
+              <a:t>–b</a:t>
+            </a:r>
+            <a:r>
+              <a:rPr lang="ko-KR" altLang="en-US" dirty="0">
+                <a:latin typeface="+mn-ea"/>
+              </a:rPr>
+              <a:t> </a:t>
+            </a:r>
+            <a:r>
+              <a:rPr lang="en-US" altLang="ko-KR" dirty="0">
+                <a:latin typeface="+mn-ea"/>
+              </a:rPr>
+              <a:t>new-branch</a:t>
+            </a:r>
+          </a:p>
+          <a:p>
+            <a:pPr marL="533400" lvl="1" indent="-266700">
+              <a:buFont typeface="+mj-ea"/>
+              <a:buAutoNum type="circleNumDbPlain"/>
             </a:pPr>
             <a:r>
-              <a:rPr lang="en-US" altLang="ko-KR" sz="1800" b="0" i="0" dirty="0">
-                <a:solidFill>
-                  <a:srgbClr val="444444"/>
-                </a:solidFill>
-                <a:effectLst/>
-                <a:latin typeface="Swiss 721 SWA"/>
-              </a:rPr>
-              <a:t>Push it back to your repo</a:t>
-            </a:r>
-          </a:p>
-          <a:p>
-            <a:pPr algn="l">
-              <a:buFont typeface="+mj-lt"/>
-              <a:buAutoNum type="arabicPeriod"/>
+              <a:rPr lang="ko-KR" altLang="en-US" dirty="0">
+                <a:latin typeface="+mn-ea"/>
+              </a:rPr>
+              <a:t>기여할 내용 수정작업하기</a:t>
+            </a:r>
+            <a:endParaRPr lang="en-US" altLang="ko-KR" dirty="0">
+              <a:latin typeface="+mn-ea"/>
+            </a:endParaRPr>
+          </a:p>
+          <a:p>
+            <a:pPr marL="533400" lvl="1" indent="-266700">
+              <a:buFont typeface="+mj-ea"/>
+              <a:buAutoNum type="circleNumDbPlain"/>
             </a:pPr>
             <a:r>
-              <a:rPr lang="en-US" altLang="ko-KR" sz="1800" b="0" i="0" dirty="0">
-                <a:solidFill>
-                  <a:srgbClr val="444444"/>
-                </a:solidFill>
-                <a:effectLst/>
-                <a:latin typeface="Swiss 721 SWA"/>
-              </a:rPr>
-              <a:t>Click the </a:t>
-            </a:r>
-            <a:r>
-              <a:rPr lang="en-US" altLang="ko-KR" sz="1800" b="1" i="0" dirty="0">
-                <a:solidFill>
-                  <a:srgbClr val="444444"/>
-                </a:solidFill>
-                <a:effectLst/>
-                <a:latin typeface="Swiss 721 SWA"/>
-              </a:rPr>
-              <a:t>Compare &amp; pull request</a:t>
-            </a:r>
-            <a:r>
-              <a:rPr lang="en-US" altLang="ko-KR" sz="1800" b="0" i="0" dirty="0">
-                <a:solidFill>
-                  <a:srgbClr val="444444"/>
-                </a:solidFill>
-                <a:effectLst/>
-                <a:latin typeface="Swiss 721 SWA"/>
-              </a:rPr>
-              <a:t> button</a:t>
-            </a:r>
-          </a:p>
-          <a:p>
-            <a:pPr algn="l">
-              <a:buFont typeface="+mj-lt"/>
-              <a:buAutoNum type="arabicPeriod"/>
+              <a:rPr lang="ko-KR" altLang="en-US" dirty="0">
+                <a:latin typeface="+mn-ea"/>
+              </a:rPr>
+              <a:t>나의 원격저장소</a:t>
+            </a:r>
+            <a:r>
+              <a:rPr lang="en-US" altLang="ko-KR" dirty="0">
+                <a:latin typeface="+mn-ea"/>
+              </a:rPr>
+              <a:t>(origin)</a:t>
+            </a:r>
+            <a:r>
+              <a:rPr lang="ko-KR" altLang="en-US" dirty="0">
+                <a:latin typeface="+mn-ea"/>
+              </a:rPr>
+              <a:t>로 </a:t>
+            </a:r>
+            <a:r>
+              <a:rPr lang="en-US" altLang="ko-KR" dirty="0">
+                <a:latin typeface="+mn-ea"/>
+              </a:rPr>
+              <a:t>push</a:t>
+            </a:r>
+            <a:r>
+              <a:rPr lang="ko-KR" altLang="en-US" dirty="0">
+                <a:latin typeface="+mn-ea"/>
+              </a:rPr>
+              <a:t>하기</a:t>
+            </a:r>
+            <a:r>
+              <a:rPr lang="en-US" altLang="ko-KR" dirty="0">
+                <a:latin typeface="+mn-ea"/>
+              </a:rPr>
+              <a:t> ☞ git push –u origin new-branch</a:t>
+            </a:r>
+          </a:p>
+          <a:p>
+            <a:pPr marL="533400" lvl="1" indent="-266700">
+              <a:buFont typeface="+mj-ea"/>
+              <a:buAutoNum type="circleNumDbPlain"/>
             </a:pPr>
             <a:r>
-              <a:rPr lang="en-US" altLang="ko-KR" sz="1800" b="0" i="0" dirty="0">
-                <a:solidFill>
-                  <a:srgbClr val="444444"/>
-                </a:solidFill>
-                <a:effectLst/>
-                <a:latin typeface="Swiss 721 SWA"/>
-              </a:rPr>
-              <a:t>Click </a:t>
-            </a:r>
-            <a:r>
-              <a:rPr lang="en-US" altLang="ko-KR" sz="1800" b="1" i="0" dirty="0">
-                <a:solidFill>
-                  <a:srgbClr val="444444"/>
-                </a:solidFill>
-                <a:effectLst/>
-                <a:latin typeface="Swiss 721 SWA"/>
-              </a:rPr>
-              <a:t>Create pull request</a:t>
-            </a:r>
-            <a:r>
-              <a:rPr lang="en-US" altLang="ko-KR" sz="1800" b="0" i="0" dirty="0">
-                <a:solidFill>
-                  <a:srgbClr val="444444"/>
-                </a:solidFill>
-                <a:effectLst/>
-                <a:latin typeface="Swiss 721 SWA"/>
-              </a:rPr>
-              <a:t> to open a new pull request</a:t>
-            </a:r>
-          </a:p>
-          <a:p>
-            <a:pPr algn="l"/>
-            <a:r>
-              <a:rPr lang="en-US" altLang="ko-KR" sz="1800" b="0" i="0" dirty="0">
-                <a:solidFill>
-                  <a:srgbClr val="444444"/>
-                </a:solidFill>
-                <a:effectLst/>
-                <a:latin typeface="Swiss 721 SWA"/>
-              </a:rPr>
-              <a:t>If the reviewers ask for changes, repeat steps 5 and 6 to add more commits to your pull request</a:t>
-            </a:r>
-            <a:endParaRPr lang="ko-KR" altLang="en-US" dirty="0"/>
+              <a:rPr lang="ko-KR" altLang="en-US" dirty="0">
+                <a:latin typeface="+mn-ea"/>
+              </a:rPr>
+              <a:t>나의 원격저장소</a:t>
+            </a:r>
+            <a:r>
+              <a:rPr lang="en-US" altLang="ko-KR" dirty="0">
+                <a:latin typeface="+mn-ea"/>
+              </a:rPr>
+              <a:t>(origin)</a:t>
+            </a:r>
+            <a:r>
+              <a:rPr lang="ko-KR" altLang="en-US" dirty="0">
+                <a:latin typeface="+mn-ea"/>
+              </a:rPr>
+              <a:t>에서 </a:t>
+            </a:r>
+            <a:r>
+              <a:rPr lang="en-US" altLang="ko-KR" dirty="0">
+                <a:latin typeface="+mn-ea"/>
+              </a:rPr>
+              <a:t>Compare &amp; pull request </a:t>
+            </a:r>
+            <a:r>
+              <a:rPr lang="ko-KR" altLang="en-US" dirty="0">
+                <a:latin typeface="+mn-ea"/>
+              </a:rPr>
+              <a:t>하기</a:t>
+            </a:r>
+            <a:endParaRPr lang="en-US" altLang="ko-KR" dirty="0">
+              <a:latin typeface="+mn-ea"/>
+            </a:endParaRPr>
+          </a:p>
+          <a:p>
+            <a:pPr marL="533400" lvl="1" indent="-266700">
+              <a:buFont typeface="+mj-ea"/>
+              <a:buAutoNum type="circleNumDbPlain"/>
+            </a:pPr>
+            <a:r>
+              <a:rPr lang="ko-KR" altLang="en-US" dirty="0">
+                <a:latin typeface="+mn-ea"/>
+              </a:rPr>
+              <a:t>나의 원격저장소</a:t>
+            </a:r>
+            <a:r>
+              <a:rPr lang="en-US" altLang="ko-KR" dirty="0">
+                <a:latin typeface="+mn-ea"/>
+              </a:rPr>
+              <a:t>(origin)</a:t>
+            </a:r>
+            <a:r>
+              <a:rPr lang="ko-KR" altLang="en-US" dirty="0">
+                <a:latin typeface="+mn-ea"/>
+              </a:rPr>
+              <a:t>에서</a:t>
+            </a:r>
+            <a:r>
+              <a:rPr lang="en-US" altLang="ko-KR" dirty="0">
+                <a:latin typeface="+mn-ea"/>
+              </a:rPr>
+              <a:t> Create</a:t>
+            </a:r>
+            <a:r>
+              <a:rPr lang="ko-KR" altLang="en-US" dirty="0">
+                <a:latin typeface="+mn-ea"/>
+              </a:rPr>
+              <a:t> </a:t>
+            </a:r>
+            <a:r>
+              <a:rPr lang="en-US" altLang="ko-KR" dirty="0">
+                <a:latin typeface="+mn-ea"/>
+              </a:rPr>
+              <a:t>pull request</a:t>
+            </a:r>
+            <a:r>
+              <a:rPr lang="ko-KR" altLang="en-US" dirty="0">
+                <a:latin typeface="+mn-ea"/>
+              </a:rPr>
+              <a:t>하기</a:t>
+            </a:r>
+            <a:endParaRPr lang="en-US" altLang="ko-KR" dirty="0">
+              <a:latin typeface="+mn-ea"/>
+            </a:endParaRPr>
+          </a:p>
+          <a:p>
+            <a:pPr marL="533400" lvl="1" indent="-266700">
+              <a:buFont typeface="+mj-ea"/>
+              <a:buAutoNum type="circleNumDbPlain"/>
+            </a:pPr>
+            <a:r>
+              <a:rPr lang="ko-KR" altLang="en-US" dirty="0">
+                <a:latin typeface="+mn-ea"/>
+              </a:rPr>
+              <a:t>승인 후</a:t>
+            </a:r>
+            <a:r>
+              <a:rPr lang="en-US" altLang="ko-KR" dirty="0">
+                <a:latin typeface="+mn-ea"/>
+              </a:rPr>
+              <a:t>, upstream</a:t>
+            </a:r>
+            <a:r>
+              <a:rPr lang="ko-KR" altLang="en-US" dirty="0">
+                <a:latin typeface="+mn-ea"/>
+              </a:rPr>
+              <a:t>내용을 </a:t>
+            </a:r>
+            <a:r>
+              <a:rPr lang="en-US" altLang="ko-KR" dirty="0">
+                <a:latin typeface="+mn-ea"/>
+              </a:rPr>
+              <a:t>local</a:t>
+            </a:r>
+            <a:r>
+              <a:rPr lang="ko-KR" altLang="en-US" dirty="0">
+                <a:latin typeface="+mn-ea"/>
+              </a:rPr>
+              <a:t> 저장소에 </a:t>
+            </a:r>
+            <a:r>
+              <a:rPr lang="en-US" altLang="ko-KR" dirty="0">
+                <a:latin typeface="+mn-ea"/>
+              </a:rPr>
+              <a:t>pull</a:t>
+            </a:r>
+            <a:r>
+              <a:rPr lang="ko-KR" altLang="en-US" dirty="0">
+                <a:latin typeface="+mn-ea"/>
+              </a:rPr>
+              <a:t>하기</a:t>
+            </a:r>
+            <a:r>
+              <a:rPr lang="en-US" altLang="ko-KR" dirty="0">
+                <a:latin typeface="+mn-ea"/>
+              </a:rPr>
+              <a:t> ☞ git pull </a:t>
+            </a:r>
+            <a:r>
+              <a:rPr lang="en-US" altLang="ko-KR" dirty="0" err="1">
+                <a:latin typeface="+mn-ea"/>
+              </a:rPr>
+              <a:t>upsteam</a:t>
+            </a:r>
+            <a:r>
+              <a:rPr lang="en-US" altLang="ko-KR" dirty="0">
+                <a:latin typeface="+mn-ea"/>
+              </a:rPr>
+              <a:t> main</a:t>
+            </a:r>
+          </a:p>
+          <a:p>
+            <a:pPr marL="533400" lvl="1" indent="-266700">
+              <a:buFont typeface="+mj-ea"/>
+              <a:buAutoNum type="circleNumDbPlain"/>
+            </a:pPr>
+            <a:r>
+              <a:rPr lang="ko-KR" altLang="en-US" dirty="0">
+                <a:latin typeface="+mn-ea"/>
+              </a:rPr>
+              <a:t>로컬저장소에서 작업한 </a:t>
+            </a:r>
+            <a:r>
+              <a:rPr lang="en-US" altLang="ko-KR" dirty="0">
+                <a:latin typeface="+mn-ea"/>
+              </a:rPr>
+              <a:t>branch </a:t>
+            </a:r>
+            <a:r>
+              <a:rPr lang="ko-KR" altLang="en-US" dirty="0">
+                <a:latin typeface="+mn-ea"/>
+              </a:rPr>
+              <a:t>지우기</a:t>
+            </a:r>
+            <a:r>
+              <a:rPr lang="en-US" altLang="ko-KR" dirty="0">
+                <a:latin typeface="+mn-ea"/>
+              </a:rPr>
+              <a:t> ☞ git branch –d new-branch</a:t>
+            </a:r>
+          </a:p>
+          <a:p>
+            <a:pPr marL="533400" lvl="1" indent="-266700">
+              <a:buFont typeface="+mj-ea"/>
+              <a:buAutoNum type="circleNumDbPlain"/>
+            </a:pPr>
+            <a:r>
+              <a:rPr lang="ko-KR" altLang="en-US" dirty="0">
+                <a:latin typeface="+mn-ea"/>
+              </a:rPr>
+              <a:t>로컬저장소 내용을 </a:t>
+            </a:r>
+            <a:r>
+              <a:rPr lang="en-US" altLang="ko-KR" dirty="0">
+                <a:latin typeface="+mn-ea"/>
+              </a:rPr>
+              <a:t>origin</a:t>
+            </a:r>
+            <a:r>
+              <a:rPr lang="ko-KR" altLang="en-US" dirty="0">
+                <a:latin typeface="+mn-ea"/>
+              </a:rPr>
+              <a:t>으로 </a:t>
+            </a:r>
+            <a:r>
+              <a:rPr lang="en-US" altLang="ko-KR" dirty="0">
+                <a:latin typeface="+mn-ea"/>
+              </a:rPr>
+              <a:t>push</a:t>
+            </a:r>
+            <a:r>
+              <a:rPr lang="ko-KR" altLang="en-US" dirty="0">
+                <a:latin typeface="+mn-ea"/>
+              </a:rPr>
+              <a:t>하기</a:t>
+            </a:r>
+            <a:r>
+              <a:rPr lang="en-US" altLang="ko-KR" dirty="0">
+                <a:latin typeface="+mn-ea"/>
+              </a:rPr>
+              <a:t> ☞ git push origin main</a:t>
+            </a:r>
+          </a:p>
+          <a:p>
+            <a:pPr marL="533400" lvl="1" indent="-266700">
+              <a:buFont typeface="+mj-ea"/>
+              <a:buAutoNum type="circleNumDbPlain"/>
+            </a:pPr>
+            <a:r>
+              <a:rPr lang="ko-KR" altLang="en-US" dirty="0">
+                <a:latin typeface="+mn-ea"/>
+              </a:rPr>
+              <a:t>원격저장소</a:t>
+            </a:r>
+            <a:r>
+              <a:rPr lang="en-US" altLang="ko-KR" dirty="0">
+                <a:latin typeface="+mn-ea"/>
+              </a:rPr>
+              <a:t>(origin) </a:t>
+            </a:r>
+            <a:r>
+              <a:rPr lang="ko-KR" altLang="en-US" dirty="0" err="1">
+                <a:latin typeface="+mn-ea"/>
+              </a:rPr>
+              <a:t>브랜치</a:t>
+            </a:r>
+            <a:r>
+              <a:rPr lang="ko-KR" altLang="en-US" dirty="0">
+                <a:latin typeface="+mn-ea"/>
+              </a:rPr>
+              <a:t> 삭제하기</a:t>
+            </a:r>
+            <a:r>
+              <a:rPr lang="en-US" altLang="ko-KR" dirty="0">
+                <a:latin typeface="+mn-ea"/>
+              </a:rPr>
+              <a:t> ☞ git push –d origin new-branch </a:t>
+            </a:r>
+          </a:p>
+          <a:p>
+            <a:pPr marL="533400" lvl="1" indent="-266700">
+              <a:buFont typeface="+mj-ea"/>
+              <a:buAutoNum type="circleNumDbPlain"/>
+            </a:pPr>
+            <a:endParaRPr lang="en-US" altLang="ko-KR" dirty="0">
+              <a:latin typeface="+mn-ea"/>
+            </a:endParaRPr>
           </a:p>
         </p:txBody>
       </p:sp>

--- a/git및github첫걸음3-forkclonePR.pptx
+++ b/git및github첫걸음3-forkclonePR.pptx
@@ -11161,8 +11161,13 @@
           <a:p>
             <a:r>
               <a:rPr lang="ko-KR" altLang="en-US" dirty="0"/>
-              <a:t>실습 내용</a:t>
-            </a:r>
+              <a:t>실습 내용 </a:t>
+            </a:r>
+            <a:r>
+              <a:rPr lang="en-US" altLang="ko-KR" dirty="0"/>
+              <a:t>(Forking workflow)</a:t>
+            </a:r>
+            <a:endParaRPr lang="ko-KR" altLang="en-US" dirty="0"/>
           </a:p>
         </p:txBody>
       </p:sp>

--- a/git및github첫걸음3-forkclonePR.pptx
+++ b/git및github첫걸음3-forkclonePR.pptx
@@ -634,6 +634,469 @@
         <p:txBody>
           <a:bodyPr/>
           <a:lstStyle/>
+          <a:p>
+            <a:pPr fontAlgn="base"/>
+            <a:r>
+              <a:rPr lang="ko-KR" altLang="en-US" sz="1200" b="0" i="0" kern="1200" dirty="0" err="1" smtClean="0">
+                <a:solidFill>
+                  <a:schemeClr val="tx1"/>
+                </a:solidFill>
+                <a:effectLst/>
+                <a:latin typeface="+mn-lt"/>
+                <a:ea typeface="+mn-ea"/>
+                <a:cs typeface="+mn-cs"/>
+              </a:rPr>
+              <a:t>브랜치</a:t>
+            </a:r>
+            <a:r>
+              <a:rPr lang="ko-KR" altLang="en-US" sz="1200" b="0" i="0" kern="1200" dirty="0" smtClean="0">
+                <a:solidFill>
+                  <a:schemeClr val="tx1"/>
+                </a:solidFill>
+                <a:effectLst/>
+                <a:latin typeface="+mn-lt"/>
+                <a:ea typeface="+mn-ea"/>
+                <a:cs typeface="+mn-cs"/>
+              </a:rPr>
+              <a:t> </a:t>
+            </a:r>
+            <a:r>
+              <a:rPr lang="en-US" altLang="ko-KR" sz="1200" b="0" i="0" kern="1200" dirty="0" smtClean="0">
+                <a:solidFill>
+                  <a:schemeClr val="tx1"/>
+                </a:solidFill>
+                <a:effectLst/>
+                <a:latin typeface="+mn-lt"/>
+                <a:ea typeface="+mn-ea"/>
+                <a:cs typeface="+mn-cs"/>
+              </a:rPr>
+              <a:t>pull</a:t>
+            </a:r>
+            <a:r>
+              <a:rPr lang="en-US" altLang="ko-KR" sz="1200" b="0" i="0" kern="1200" baseline="0" dirty="0" smtClean="0">
+                <a:solidFill>
+                  <a:schemeClr val="tx1"/>
+                </a:solidFill>
+                <a:effectLst/>
+                <a:latin typeface="+mn-lt"/>
+                <a:ea typeface="+mn-ea"/>
+                <a:cs typeface="+mn-cs"/>
+              </a:rPr>
+              <a:t> : </a:t>
+            </a:r>
+            <a:endParaRPr lang="en-US" altLang="ko-KR" sz="1200" b="0" i="0" kern="1200" dirty="0" smtClean="0">
+              <a:solidFill>
+                <a:schemeClr val="tx1"/>
+              </a:solidFill>
+              <a:effectLst/>
+              <a:latin typeface="+mn-lt"/>
+              <a:ea typeface="+mn-ea"/>
+              <a:cs typeface="+mn-cs"/>
+            </a:endParaRPr>
+          </a:p>
+          <a:p>
+            <a:pPr fontAlgn="base"/>
+            <a:r>
+              <a:rPr lang="en-US" altLang="ko-KR" sz="1200" b="0" i="0" kern="1200" dirty="0" smtClean="0">
+                <a:solidFill>
+                  <a:schemeClr val="tx1"/>
+                </a:solidFill>
+                <a:effectLst/>
+                <a:latin typeface="+mn-lt"/>
+                <a:ea typeface="+mn-ea"/>
+                <a:cs typeface="+mn-cs"/>
+              </a:rPr>
+              <a:t>1. </a:t>
+            </a:r>
+            <a:r>
+              <a:rPr lang="en-US" altLang="ko-KR" sz="1200" b="0" i="0" kern="1200" dirty="0" err="1" smtClean="0">
+                <a:solidFill>
+                  <a:schemeClr val="tx1"/>
+                </a:solidFill>
+                <a:effectLst/>
+                <a:latin typeface="+mn-lt"/>
+                <a:ea typeface="+mn-ea"/>
+                <a:cs typeface="+mn-cs"/>
+              </a:rPr>
+              <a:t>git</a:t>
+            </a:r>
+            <a:r>
+              <a:rPr lang="en-US" altLang="ko-KR" sz="1200" b="0" i="0" kern="1200" dirty="0" smtClean="0">
+                <a:solidFill>
+                  <a:schemeClr val="tx1"/>
+                </a:solidFill>
+                <a:effectLst/>
+                <a:latin typeface="+mn-lt"/>
+                <a:ea typeface="+mn-ea"/>
+                <a:cs typeface="+mn-cs"/>
+              </a:rPr>
+              <a:t> fetch origin # This will bring all the remote branches to your local.</a:t>
+            </a:r>
+          </a:p>
+          <a:p>
+            <a:pPr fontAlgn="base"/>
+            <a:r>
+              <a:rPr lang="en-US" altLang="ko-KR" sz="1200" b="0" i="0" kern="1200" dirty="0" smtClean="0">
+                <a:solidFill>
+                  <a:schemeClr val="tx1"/>
+                </a:solidFill>
+                <a:effectLst/>
+                <a:latin typeface="+mn-lt"/>
+                <a:ea typeface="+mn-ea"/>
+                <a:cs typeface="+mn-cs"/>
+              </a:rPr>
+              <a:t>2. </a:t>
+            </a:r>
+            <a:r>
+              <a:rPr lang="en-US" altLang="ko-KR" sz="1200" b="0" i="0" kern="1200" dirty="0" err="1" smtClean="0">
+                <a:solidFill>
+                  <a:schemeClr val="tx1"/>
+                </a:solidFill>
+                <a:effectLst/>
+                <a:latin typeface="+mn-lt"/>
+                <a:ea typeface="+mn-ea"/>
+                <a:cs typeface="+mn-cs"/>
+              </a:rPr>
+              <a:t>git</a:t>
+            </a:r>
+            <a:r>
+              <a:rPr lang="en-US" altLang="ko-KR" sz="1200" b="0" i="0" kern="1200" dirty="0" smtClean="0">
+                <a:solidFill>
+                  <a:schemeClr val="tx1"/>
+                </a:solidFill>
+                <a:effectLst/>
+                <a:latin typeface="+mn-lt"/>
+                <a:ea typeface="+mn-ea"/>
+                <a:cs typeface="+mn-cs"/>
+              </a:rPr>
+              <a:t> branch –a # This will show you all the remote branches.</a:t>
+            </a:r>
+          </a:p>
+          <a:p>
+            <a:pPr fontAlgn="base"/>
+            <a:r>
+              <a:rPr lang="en-US" altLang="ko-KR" sz="1200" b="0" i="0" kern="1200" dirty="0" smtClean="0">
+                <a:solidFill>
+                  <a:schemeClr val="tx1"/>
+                </a:solidFill>
+                <a:effectLst/>
+                <a:latin typeface="+mn-lt"/>
+                <a:ea typeface="+mn-ea"/>
+                <a:cs typeface="+mn-cs"/>
+              </a:rPr>
+              <a:t>3.</a:t>
+            </a:r>
+            <a:r>
+              <a:rPr lang="en-US" altLang="ko-KR" sz="1200" b="0" i="0" kern="1200" baseline="0" dirty="0" smtClean="0">
+                <a:solidFill>
+                  <a:schemeClr val="tx1"/>
+                </a:solidFill>
+                <a:effectLst/>
+                <a:latin typeface="+mn-lt"/>
+                <a:ea typeface="+mn-ea"/>
+                <a:cs typeface="+mn-cs"/>
+              </a:rPr>
+              <a:t> </a:t>
+            </a:r>
+            <a:r>
+              <a:rPr lang="en-US" altLang="ko-KR" sz="1200" b="0" i="0" kern="1200" dirty="0" err="1" smtClean="0">
+                <a:solidFill>
+                  <a:schemeClr val="tx1"/>
+                </a:solidFill>
+                <a:effectLst/>
+                <a:latin typeface="+mn-lt"/>
+                <a:ea typeface="+mn-ea"/>
+                <a:cs typeface="+mn-cs"/>
+              </a:rPr>
+              <a:t>git</a:t>
+            </a:r>
+            <a:r>
+              <a:rPr lang="en-US" altLang="ko-KR" sz="1200" b="0" i="0" kern="1200" dirty="0" smtClean="0">
+                <a:solidFill>
+                  <a:schemeClr val="tx1"/>
+                </a:solidFill>
+                <a:effectLst/>
+                <a:latin typeface="+mn-lt"/>
+                <a:ea typeface="+mn-ea"/>
+                <a:cs typeface="+mn-cs"/>
+              </a:rPr>
+              <a:t> checkout --track origin/develop # </a:t>
+            </a:r>
+            <a:r>
+              <a:rPr lang="ko-KR" altLang="en-US" sz="1200" b="0" i="0" kern="1200" dirty="0" err="1" smtClean="0">
+                <a:solidFill>
+                  <a:schemeClr val="tx1"/>
+                </a:solidFill>
+                <a:effectLst/>
+                <a:latin typeface="+mn-lt"/>
+                <a:ea typeface="+mn-ea"/>
+                <a:cs typeface="+mn-cs"/>
+              </a:rPr>
+              <a:t>원격브랜치</a:t>
+            </a:r>
+            <a:r>
+              <a:rPr lang="ko-KR" altLang="en-US" sz="1200" b="0" i="0" kern="1200" dirty="0" smtClean="0">
+                <a:solidFill>
+                  <a:schemeClr val="tx1"/>
+                </a:solidFill>
+                <a:effectLst/>
+                <a:latin typeface="+mn-lt"/>
+                <a:ea typeface="+mn-ea"/>
+                <a:cs typeface="+mn-cs"/>
+              </a:rPr>
+              <a:t> 이름이 </a:t>
+            </a:r>
+            <a:r>
+              <a:rPr lang="en-US" altLang="ko-KR" sz="1200" b="0" i="0" kern="1200" dirty="0" smtClean="0">
+                <a:solidFill>
+                  <a:schemeClr val="tx1"/>
+                </a:solidFill>
+                <a:effectLst/>
+                <a:latin typeface="+mn-lt"/>
+                <a:ea typeface="+mn-ea"/>
+                <a:cs typeface="+mn-cs"/>
+              </a:rPr>
+              <a:t>develop</a:t>
+            </a:r>
+          </a:p>
+          <a:p>
+            <a:pPr fontAlgn="base"/>
+            <a:r>
+              <a:rPr lang="en-US" altLang="ko-KR" sz="1200" b="0" i="0" kern="1200" dirty="0" smtClean="0">
+                <a:solidFill>
+                  <a:schemeClr val="tx1"/>
+                </a:solidFill>
+                <a:effectLst/>
+                <a:latin typeface="+mn-lt"/>
+                <a:ea typeface="+mn-ea"/>
+                <a:cs typeface="+mn-cs"/>
+              </a:rPr>
+              <a:t>  </a:t>
+            </a:r>
+            <a:r>
+              <a:rPr lang="ko-KR" altLang="en-US" sz="1200" b="0" i="0" kern="1200" dirty="0" smtClean="0">
+                <a:solidFill>
+                  <a:schemeClr val="tx1"/>
+                </a:solidFill>
+                <a:effectLst/>
+                <a:latin typeface="+mn-lt"/>
+                <a:ea typeface="+mn-ea"/>
+                <a:cs typeface="+mn-cs"/>
+              </a:rPr>
+              <a:t>혹은</a:t>
+            </a:r>
+            <a:r>
+              <a:rPr lang="en-US" altLang="ko-KR" sz="1200" b="0" i="0" kern="1200" dirty="0" smtClean="0">
+                <a:solidFill>
+                  <a:schemeClr val="tx1"/>
+                </a:solidFill>
+                <a:effectLst/>
+                <a:latin typeface="+mn-lt"/>
+                <a:ea typeface="+mn-ea"/>
+                <a:cs typeface="+mn-cs"/>
+              </a:rPr>
+              <a:t>,  </a:t>
+            </a:r>
+            <a:r>
+              <a:rPr lang="en-US" altLang="ko-KR" sz="1200" b="0" i="0" kern="1200" dirty="0" err="1" smtClean="0">
+                <a:solidFill>
+                  <a:schemeClr val="tx1"/>
+                </a:solidFill>
+                <a:effectLst/>
+                <a:latin typeface="+mn-lt"/>
+                <a:ea typeface="+mn-ea"/>
+                <a:cs typeface="+mn-cs"/>
+              </a:rPr>
+              <a:t>git</a:t>
+            </a:r>
+            <a:r>
+              <a:rPr lang="en-US" altLang="ko-KR" sz="1200" b="0" i="0" kern="1200" dirty="0" smtClean="0">
+                <a:solidFill>
+                  <a:schemeClr val="tx1"/>
+                </a:solidFill>
+                <a:effectLst/>
+                <a:latin typeface="+mn-lt"/>
+                <a:ea typeface="+mn-ea"/>
+                <a:cs typeface="+mn-cs"/>
+              </a:rPr>
+              <a:t> checkout -t origin/develop </a:t>
+            </a:r>
+          </a:p>
+          <a:p>
+            <a:pPr marL="0" marR="0" indent="0" algn="l" defTabSz="914400" rtl="0" eaLnBrk="1" fontAlgn="base" latinLnBrk="1" hangingPunct="1">
+              <a:lnSpc>
+                <a:spcPct val="100000"/>
+              </a:lnSpc>
+              <a:spcBef>
+                <a:spcPts val="0"/>
+              </a:spcBef>
+              <a:spcAft>
+                <a:spcPts val="0"/>
+              </a:spcAft>
+              <a:buClrTx/>
+              <a:buSzTx/>
+              <a:buFontTx/>
+              <a:buNone/>
+              <a:tabLst/>
+              <a:defRPr/>
+            </a:pPr>
+            <a:r>
+              <a:rPr lang="en-US" altLang="ko-KR" sz="1200" b="0" i="0" kern="1200" dirty="0" smtClean="0">
+                <a:solidFill>
+                  <a:schemeClr val="tx1"/>
+                </a:solidFill>
+                <a:effectLst/>
+                <a:latin typeface="+mn-lt"/>
+                <a:ea typeface="+mn-ea"/>
+                <a:cs typeface="+mn-cs"/>
+              </a:rPr>
+              <a:t> </a:t>
+            </a:r>
+            <a:r>
+              <a:rPr lang="en-US" altLang="ko-KR" sz="1200" b="0" i="0" kern="1200" baseline="0" dirty="0" smtClean="0">
+                <a:solidFill>
+                  <a:schemeClr val="tx1"/>
+                </a:solidFill>
+                <a:effectLst/>
+                <a:latin typeface="+mn-lt"/>
+                <a:ea typeface="+mn-ea"/>
+                <a:cs typeface="+mn-cs"/>
+              </a:rPr>
+              <a:t> </a:t>
+            </a:r>
+            <a:r>
+              <a:rPr lang="ko-KR" altLang="en-US" sz="1200" b="0" i="0" kern="1200" baseline="0" dirty="0" smtClean="0">
+                <a:solidFill>
+                  <a:schemeClr val="tx1"/>
+                </a:solidFill>
+                <a:effectLst/>
+                <a:latin typeface="+mn-lt"/>
+                <a:ea typeface="+mn-ea"/>
+                <a:cs typeface="+mn-cs"/>
+              </a:rPr>
+              <a:t>혹은</a:t>
+            </a:r>
+            <a:r>
+              <a:rPr lang="en-US" altLang="ko-KR" sz="1200" b="0" i="0" kern="1200" baseline="0" dirty="0" smtClean="0">
+                <a:solidFill>
+                  <a:schemeClr val="tx1"/>
+                </a:solidFill>
+                <a:effectLst/>
+                <a:latin typeface="+mn-lt"/>
+                <a:ea typeface="+mn-ea"/>
+                <a:cs typeface="+mn-cs"/>
+              </a:rPr>
+              <a:t>,  </a:t>
+            </a:r>
+            <a:r>
+              <a:rPr lang="en-US" altLang="ko-KR" sz="1200" b="0" i="0" kern="1200" dirty="0" err="1" smtClean="0">
+                <a:solidFill>
+                  <a:schemeClr val="tx1"/>
+                </a:solidFill>
+                <a:effectLst/>
+                <a:latin typeface="+mn-lt"/>
+                <a:ea typeface="+mn-ea"/>
+                <a:cs typeface="+mn-cs"/>
+              </a:rPr>
+              <a:t>git</a:t>
+            </a:r>
+            <a:r>
+              <a:rPr lang="en-US" altLang="ko-KR" sz="1200" b="0" i="0" kern="1200" dirty="0" smtClean="0">
+                <a:solidFill>
+                  <a:schemeClr val="tx1"/>
+                </a:solidFill>
+                <a:effectLst/>
+                <a:latin typeface="+mn-lt"/>
+                <a:ea typeface="+mn-ea"/>
+                <a:cs typeface="+mn-cs"/>
+              </a:rPr>
+              <a:t> checkout –b develop origin/develop # </a:t>
+            </a:r>
+            <a:r>
+              <a:rPr lang="ko-KR" altLang="en-US" sz="1200" b="0" i="0" kern="1200" dirty="0" smtClean="0">
+                <a:solidFill>
+                  <a:schemeClr val="tx1"/>
+                </a:solidFill>
+                <a:effectLst/>
+                <a:latin typeface="+mn-lt"/>
+                <a:ea typeface="+mn-ea"/>
+                <a:cs typeface="+mn-cs"/>
+              </a:rPr>
+              <a:t>원격</a:t>
+            </a:r>
+            <a:r>
+              <a:rPr lang="en-US" altLang="ko-KR" sz="1200" b="0" i="0" kern="1200" dirty="0" smtClean="0">
+                <a:solidFill>
+                  <a:schemeClr val="tx1"/>
+                </a:solidFill>
+                <a:effectLst/>
+                <a:latin typeface="+mn-lt"/>
+                <a:ea typeface="+mn-ea"/>
+                <a:cs typeface="+mn-cs"/>
+              </a:rPr>
+              <a:t>develop</a:t>
+            </a:r>
+            <a:r>
+              <a:rPr lang="ko-KR" altLang="en-US" sz="1200" b="0" i="0" kern="1200" dirty="0" smtClean="0">
+                <a:solidFill>
+                  <a:schemeClr val="tx1"/>
+                </a:solidFill>
+                <a:effectLst/>
+                <a:latin typeface="+mn-lt"/>
+                <a:ea typeface="+mn-ea"/>
+                <a:cs typeface="+mn-cs"/>
+              </a:rPr>
+              <a:t>를 나의 </a:t>
+            </a:r>
+            <a:r>
+              <a:rPr lang="en-US" altLang="ko-KR" sz="1200" b="0" i="0" kern="1200" dirty="0" smtClean="0">
+                <a:solidFill>
+                  <a:schemeClr val="tx1"/>
+                </a:solidFill>
+                <a:effectLst/>
+                <a:latin typeface="+mn-lt"/>
+                <a:ea typeface="+mn-ea"/>
+                <a:cs typeface="+mn-cs"/>
+              </a:rPr>
+              <a:t>develop</a:t>
+            </a:r>
+            <a:r>
+              <a:rPr lang="ko-KR" altLang="en-US" sz="1200" b="0" i="0" kern="1200" dirty="0" smtClean="0">
+                <a:solidFill>
+                  <a:schemeClr val="tx1"/>
+                </a:solidFill>
+                <a:effectLst/>
+                <a:latin typeface="+mn-lt"/>
+                <a:ea typeface="+mn-ea"/>
+                <a:cs typeface="+mn-cs"/>
+              </a:rPr>
+              <a:t>로 </a:t>
+            </a:r>
+            <a:r>
+              <a:rPr lang="en-US" altLang="ko-KR" sz="1200" b="0" i="0" kern="1200" dirty="0" smtClean="0">
+                <a:solidFill>
+                  <a:schemeClr val="tx1"/>
+                </a:solidFill>
+                <a:effectLst/>
+                <a:latin typeface="+mn-lt"/>
+                <a:ea typeface="+mn-ea"/>
+                <a:cs typeface="+mn-cs"/>
+              </a:rPr>
+              <a:t>checkout</a:t>
+            </a:r>
+          </a:p>
+          <a:p>
+            <a:pPr fontAlgn="base"/>
+            <a:endParaRPr lang="en-US" altLang="ko-KR" sz="1200" b="0" i="0" kern="1200" dirty="0" smtClean="0">
+              <a:solidFill>
+                <a:schemeClr val="tx1"/>
+              </a:solidFill>
+              <a:effectLst/>
+              <a:latin typeface="+mn-lt"/>
+              <a:ea typeface="+mn-ea"/>
+              <a:cs typeface="+mn-cs"/>
+            </a:endParaRPr>
+          </a:p>
           <a:p>
             <a:endParaRPr lang="ko-KR" altLang="en-US" dirty="0"/>
           </a:p>
@@ -5443,7 +5906,97 @@
             <a:pPr marL="266700" lvl="1" indent="0">
               <a:buNone/>
             </a:pPr>
-            <a:endParaRPr lang="en-US" altLang="ko-KR" dirty="0">
+            <a:r>
+              <a:rPr lang="en-US" altLang="ko-KR" dirty="0" smtClean="0">
+                <a:latin typeface="+mn-ea"/>
+              </a:rPr>
+              <a:t>      - </a:t>
+            </a:r>
+            <a:r>
+              <a:rPr lang="en-US" altLang="ko-KR" sz="1400" dirty="0" smtClean="0">
+                <a:solidFill>
+                  <a:srgbClr val="0000FF"/>
+                </a:solidFill>
+                <a:latin typeface="+mn-ea"/>
+              </a:rPr>
+              <a:t>main</a:t>
+            </a:r>
+            <a:r>
+              <a:rPr lang="ko-KR" altLang="en-US" sz="1400" dirty="0" smtClean="0">
+                <a:solidFill>
+                  <a:srgbClr val="0000FF"/>
+                </a:solidFill>
+                <a:latin typeface="+mn-ea"/>
+              </a:rPr>
+              <a:t>외 다른 </a:t>
+            </a:r>
+            <a:r>
+              <a:rPr lang="en-US" altLang="ko-KR" sz="1400" dirty="0" smtClean="0">
+                <a:solidFill>
+                  <a:srgbClr val="0000FF"/>
+                </a:solidFill>
+                <a:latin typeface="+mn-ea"/>
+              </a:rPr>
+              <a:t>branch</a:t>
+            </a:r>
+            <a:r>
+              <a:rPr lang="ko-KR" altLang="en-US" sz="1400" dirty="0" smtClean="0">
+                <a:solidFill>
+                  <a:srgbClr val="0000FF"/>
+                </a:solidFill>
+                <a:latin typeface="+mn-ea"/>
+              </a:rPr>
+              <a:t>는 복사되지 않으니 따로 받아야 함 </a:t>
+            </a:r>
+            <a:r>
+              <a:rPr lang="en-US" altLang="ko-KR" sz="1400" dirty="0" smtClean="0">
+                <a:solidFill>
+                  <a:srgbClr val="0000FF"/>
+                </a:solidFill>
+                <a:latin typeface="+mn-ea"/>
+              </a:rPr>
+              <a:t>(</a:t>
+            </a:r>
+            <a:r>
+              <a:rPr lang="en-US" altLang="ko-KR" sz="1400" dirty="0" err="1" smtClean="0">
+                <a:latin typeface="+mn-ea"/>
+              </a:rPr>
+              <a:t>git</a:t>
+            </a:r>
+            <a:r>
+              <a:rPr lang="en-US" altLang="ko-KR" sz="1400" dirty="0" smtClean="0">
+                <a:latin typeface="+mn-ea"/>
+              </a:rPr>
+              <a:t> </a:t>
+            </a:r>
+            <a:r>
+              <a:rPr lang="en-US" altLang="ko-KR" sz="1400" dirty="0">
+                <a:latin typeface="+mn-ea"/>
+              </a:rPr>
+              <a:t>checkout -t </a:t>
+            </a:r>
+            <a:r>
+              <a:rPr lang="en-US" altLang="ko-KR" sz="1400" dirty="0" smtClean="0">
+                <a:latin typeface="+mn-ea"/>
+              </a:rPr>
+              <a:t>origin/</a:t>
+            </a:r>
+            <a:r>
+              <a:rPr lang="ko-KR" altLang="en-US" sz="1400" dirty="0" err="1" smtClean="0">
+                <a:latin typeface="+mn-ea"/>
+              </a:rPr>
+              <a:t>브랜치명</a:t>
+            </a:r>
+            <a:r>
+              <a:rPr lang="en-US" altLang="ko-KR" sz="1400" dirty="0" smtClean="0">
+                <a:latin typeface="+mn-ea"/>
+              </a:rPr>
+              <a:t>)</a:t>
+            </a:r>
+            <a:endParaRPr lang="en-US" altLang="ko-KR" dirty="0">
+              <a:solidFill>
+                <a:srgbClr val="0000FF"/>
+              </a:solidFill>
               <a:latin typeface="+mn-ea"/>
             </a:endParaRPr>
           </a:p>

--- a/git및github첫걸음3-forkclonePR.pptx
+++ b/git및github첫걸음3-forkclonePR.pptx
@@ -5,7 +5,7 @@
     <p:sldMasterId id="2147483660" r:id="rId1"/>
   </p:sldMasterIdLst>
   <p:notesMasterIdLst>
-    <p:notesMasterId r:id="rId35"/>
+    <p:notesMasterId r:id="rId36"/>
   </p:notesMasterIdLst>
   <p:sldIdLst>
     <p:sldId id="369" r:id="rId2"/>
@@ -41,6 +41,7 @@
     <p:sldId id="474" r:id="rId32"/>
     <p:sldId id="475" r:id="rId33"/>
     <p:sldId id="476" r:id="rId34"/>
+    <p:sldId id="479" r:id="rId35"/>
   </p:sldIdLst>
   <p:sldSz cx="9144000" cy="6858000" type="screen4x3"/>
   <p:notesSz cx="6858000" cy="9144000"/>
@@ -240,7 +241,7 @@
           <a:p>
             <a:fld id="{A17B9194-BDE3-40E3-983E-94CE6FA773AF}" type="datetimeFigureOut">
               <a:rPr lang="ko-KR" altLang="en-US" smtClean="0"/>
-              <a:t>2021-04-07</a:t>
+              <a:t>2021-04-08</a:t>
             </a:fld>
             <a:endParaRPr lang="ko-KR" altLang="en-US"/>
           </a:p>
@@ -637,7 +638,7 @@
           <a:p>
             <a:pPr fontAlgn="base"/>
             <a:r>
-              <a:rPr lang="ko-KR" altLang="en-US" sz="1200" b="0" i="0" kern="1200" dirty="0" err="1" smtClean="0">
+              <a:rPr lang="ko-KR" altLang="en-US" sz="1200" b="0" i="0" kern="1200" dirty="0" err="1">
                 <a:solidFill>
                   <a:schemeClr val="tx1"/>
                 </a:solidFill>
@@ -649,7 +650,7 @@
               <a:t>브랜치</a:t>
             </a:r>
             <a:r>
-              <a:rPr lang="ko-KR" altLang="en-US" sz="1200" b="0" i="0" kern="1200" dirty="0" smtClean="0">
+              <a:rPr lang="ko-KR" altLang="en-US" sz="1200" b="0" i="0" kern="1200" dirty="0">
                 <a:solidFill>
                   <a:schemeClr val="tx1"/>
                 </a:solidFill>
@@ -661,7 +662,7 @@
               <a:t> </a:t>
             </a:r>
             <a:r>
-              <a:rPr lang="en-US" altLang="ko-KR" sz="1200" b="0" i="0" kern="1200" dirty="0" smtClean="0">
+              <a:rPr lang="en-US" altLang="ko-KR" sz="1200" b="0" i="0" kern="1200" dirty="0">
                 <a:solidFill>
                   <a:schemeClr val="tx1"/>
                 </a:solidFill>
@@ -673,7 +674,7 @@
               <a:t>pull</a:t>
             </a:r>
             <a:r>
-              <a:rPr lang="en-US" altLang="ko-KR" sz="1200" b="0" i="0" kern="1200" baseline="0" dirty="0" smtClean="0">
+              <a:rPr lang="en-US" altLang="ko-KR" sz="1200" b="0" i="0" kern="1200" baseline="0" dirty="0">
                 <a:solidFill>
                   <a:schemeClr val="tx1"/>
                 </a:solidFill>
@@ -684,7 +685,7 @@
               </a:rPr>
               <a:t> : </a:t>
             </a:r>
-            <a:endParaRPr lang="en-US" altLang="ko-KR" sz="1200" b="0" i="0" kern="1200" dirty="0" smtClean="0">
+            <a:endParaRPr lang="en-US" altLang="ko-KR" sz="1200" b="0" i="0" kern="1200" dirty="0">
               <a:solidFill>
                 <a:schemeClr val="tx1"/>
               </a:solidFill>
@@ -697,7 +698,7 @@
           <a:p>
             <a:pPr fontAlgn="base"/>
             <a:r>
-              <a:rPr lang="en-US" altLang="ko-KR" sz="1200" b="0" i="0" kern="1200" dirty="0" smtClean="0">
+              <a:rPr lang="en-US" altLang="ko-KR" sz="1200" b="0" i="0" kern="1200" dirty="0">
                 <a:solidFill>
                   <a:schemeClr val="tx1"/>
                 </a:solidFill>
@@ -709,7 +710,7 @@
               <a:t>1. </a:t>
             </a:r>
             <a:r>
-              <a:rPr lang="en-US" altLang="ko-KR" sz="1200" b="0" i="0" kern="1200" dirty="0" err="1" smtClean="0">
+              <a:rPr lang="en-US" altLang="ko-KR" sz="1200" b="0" i="0" kern="1200" dirty="0" err="1">
                 <a:solidFill>
                   <a:schemeClr val="tx1"/>
                 </a:solidFill>
@@ -721,7 +722,7 @@
               <a:t>git</a:t>
             </a:r>
             <a:r>
-              <a:rPr lang="en-US" altLang="ko-KR" sz="1200" b="0" i="0" kern="1200" dirty="0" smtClean="0">
+              <a:rPr lang="en-US" altLang="ko-KR" sz="1200" b="0" i="0" kern="1200" dirty="0">
                 <a:solidFill>
                   <a:schemeClr val="tx1"/>
                 </a:solidFill>
@@ -736,7 +737,7 @@
           <a:p>
             <a:pPr fontAlgn="base"/>
             <a:r>
-              <a:rPr lang="en-US" altLang="ko-KR" sz="1200" b="0" i="0" kern="1200" dirty="0" smtClean="0">
+              <a:rPr lang="en-US" altLang="ko-KR" sz="1200" b="0" i="0" kern="1200" dirty="0">
                 <a:solidFill>
                   <a:schemeClr val="tx1"/>
                 </a:solidFill>
@@ -748,7 +749,7 @@
               <a:t>2. </a:t>
             </a:r>
             <a:r>
-              <a:rPr lang="en-US" altLang="ko-KR" sz="1200" b="0" i="0" kern="1200" dirty="0" err="1" smtClean="0">
+              <a:rPr lang="en-US" altLang="ko-KR" sz="1200" b="0" i="0" kern="1200" dirty="0" err="1">
                 <a:solidFill>
                   <a:schemeClr val="tx1"/>
                 </a:solidFill>
@@ -760,7 +761,7 @@
               <a:t>git</a:t>
             </a:r>
             <a:r>
-              <a:rPr lang="en-US" altLang="ko-KR" sz="1200" b="0" i="0" kern="1200" dirty="0" smtClean="0">
+              <a:rPr lang="en-US" altLang="ko-KR" sz="1200" b="0" i="0" kern="1200" dirty="0">
                 <a:solidFill>
                   <a:schemeClr val="tx1"/>
                 </a:solidFill>
@@ -775,7 +776,7 @@
           <a:p>
             <a:pPr fontAlgn="base"/>
             <a:r>
-              <a:rPr lang="en-US" altLang="ko-KR" sz="1200" b="0" i="0" kern="1200" dirty="0" smtClean="0">
+              <a:rPr lang="en-US" altLang="ko-KR" sz="1200" b="0" i="0" kern="1200" dirty="0">
                 <a:solidFill>
                   <a:schemeClr val="tx1"/>
                 </a:solidFill>
@@ -787,7 +788,7 @@
               <a:t>3.</a:t>
             </a:r>
             <a:r>
-              <a:rPr lang="en-US" altLang="ko-KR" sz="1200" b="0" i="0" kern="1200" baseline="0" dirty="0" smtClean="0">
+              <a:rPr lang="en-US" altLang="ko-KR" sz="1200" b="0" i="0" kern="1200" baseline="0" dirty="0">
                 <a:solidFill>
                   <a:schemeClr val="tx1"/>
                 </a:solidFill>
@@ -799,7 +800,7 @@
               <a:t> </a:t>
             </a:r>
             <a:r>
-              <a:rPr lang="en-US" altLang="ko-KR" sz="1200" b="0" i="0" kern="1200" dirty="0" err="1" smtClean="0">
+              <a:rPr lang="en-US" altLang="ko-KR" sz="1200" b="0" i="0" kern="1200" dirty="0" err="1">
                 <a:solidFill>
                   <a:schemeClr val="tx1"/>
                 </a:solidFill>
@@ -811,7 +812,7 @@
               <a:t>git</a:t>
             </a:r>
             <a:r>
-              <a:rPr lang="en-US" altLang="ko-KR" sz="1200" b="0" i="0" kern="1200" dirty="0" smtClean="0">
+              <a:rPr lang="en-US" altLang="ko-KR" sz="1200" b="0" i="0" kern="1200" dirty="0">
                 <a:solidFill>
                   <a:schemeClr val="tx1"/>
                 </a:solidFill>
@@ -823,7 +824,7 @@
               <a:t> checkout --track origin/develop # </a:t>
             </a:r>
             <a:r>
-              <a:rPr lang="ko-KR" altLang="en-US" sz="1200" b="0" i="0" kern="1200" dirty="0" err="1" smtClean="0">
+              <a:rPr lang="ko-KR" altLang="en-US" sz="1200" b="0" i="0" kern="1200" dirty="0" err="1">
                 <a:solidFill>
                   <a:schemeClr val="tx1"/>
                 </a:solidFill>
@@ -835,7 +836,7 @@
               <a:t>원격브랜치</a:t>
             </a:r>
             <a:r>
-              <a:rPr lang="ko-KR" altLang="en-US" sz="1200" b="0" i="0" kern="1200" dirty="0" smtClean="0">
+              <a:rPr lang="ko-KR" altLang="en-US" sz="1200" b="0" i="0" kern="1200" dirty="0">
                 <a:solidFill>
                   <a:schemeClr val="tx1"/>
                 </a:solidFill>
@@ -847,7 +848,7 @@
               <a:t> 이름이 </a:t>
             </a:r>
             <a:r>
-              <a:rPr lang="en-US" altLang="ko-KR" sz="1200" b="0" i="0" kern="1200" dirty="0" smtClean="0">
+              <a:rPr lang="en-US" altLang="ko-KR" sz="1200" b="0" i="0" kern="1200" dirty="0">
                 <a:solidFill>
                   <a:schemeClr val="tx1"/>
                 </a:solidFill>
@@ -862,7 +863,7 @@
           <a:p>
             <a:pPr fontAlgn="base"/>
             <a:r>
-              <a:rPr lang="en-US" altLang="ko-KR" sz="1200" b="0" i="0" kern="1200" dirty="0" smtClean="0">
+              <a:rPr lang="en-US" altLang="ko-KR" sz="1200" b="0" i="0" kern="1200" dirty="0">
                 <a:solidFill>
                   <a:schemeClr val="tx1"/>
                 </a:solidFill>
@@ -874,7 +875,7 @@
               <a:t>  </a:t>
             </a:r>
             <a:r>
-              <a:rPr lang="ko-KR" altLang="en-US" sz="1200" b="0" i="0" kern="1200" dirty="0" smtClean="0">
+              <a:rPr lang="ko-KR" altLang="en-US" sz="1200" b="0" i="0" kern="1200" dirty="0">
                 <a:solidFill>
                   <a:schemeClr val="tx1"/>
                 </a:solidFill>
@@ -886,7 +887,7 @@
               <a:t>혹은</a:t>
             </a:r>
             <a:r>
-              <a:rPr lang="en-US" altLang="ko-KR" sz="1200" b="0" i="0" kern="1200" dirty="0" smtClean="0">
+              <a:rPr lang="en-US" altLang="ko-KR" sz="1200" b="0" i="0" kern="1200" dirty="0">
                 <a:solidFill>
                   <a:schemeClr val="tx1"/>
                 </a:solidFill>
@@ -895,10 +896,10 @@
                 <a:ea typeface="+mn-ea"/>
                 <a:cs typeface="+mn-cs"/>
               </a:rPr>
-              <a:t>,  </a:t>
-            </a:r>
-            <a:r>
-              <a:rPr lang="en-US" altLang="ko-KR" sz="1200" b="0" i="0" kern="1200" dirty="0" err="1" smtClean="0">
+              <a:t>,  git checkout -t origin/develop # develop</a:t>
+            </a:r>
+            <a:r>
+              <a:rPr lang="ko-KR" altLang="en-US" sz="1200" b="0" i="0" kern="1200" dirty="0">
                 <a:solidFill>
                   <a:schemeClr val="tx1"/>
                 </a:solidFill>
@@ -907,20 +908,17 @@
                 <a:ea typeface="+mn-ea"/>
                 <a:cs typeface="+mn-cs"/>
               </a:rPr>
-              <a:t>git</a:t>
-            </a:r>
-            <a:r>
-              <a:rPr lang="en-US" altLang="ko-KR" sz="1200" b="0" i="0" kern="1200" dirty="0" smtClean="0">
-                <a:solidFill>
-                  <a:schemeClr val="tx1"/>
-                </a:solidFill>
-                <a:effectLst/>
-                <a:latin typeface="+mn-lt"/>
-                <a:ea typeface="+mn-ea"/>
-                <a:cs typeface="+mn-cs"/>
-              </a:rPr>
-              <a:t> checkout -t origin/develop </a:t>
-            </a:r>
+              <a:t> 자동 생성됨</a:t>
+            </a:r>
+            <a:endParaRPr lang="en-US" altLang="ko-KR" sz="1200" b="0" i="0" kern="1200" dirty="0">
+              <a:solidFill>
+                <a:schemeClr val="tx1"/>
+              </a:solidFill>
+              <a:effectLst/>
+              <a:latin typeface="+mn-lt"/>
+              <a:ea typeface="+mn-ea"/>
+              <a:cs typeface="+mn-cs"/>
+            </a:endParaRPr>
           </a:p>
           <a:p>
             <a:pPr marL="0" marR="0" indent="0" algn="l" defTabSz="914400" rtl="0" eaLnBrk="1" fontAlgn="base" latinLnBrk="1" hangingPunct="1">
@@ -941,7 +939,7 @@
               <a:defRPr/>
             </a:pPr>
             <a:r>
-              <a:rPr lang="en-US" altLang="ko-KR" sz="1200" b="0" i="0" kern="1200" dirty="0" smtClean="0">
+              <a:rPr lang="en-US" altLang="ko-KR" sz="1200" b="0" i="0" kern="1200" dirty="0">
                 <a:solidFill>
                   <a:schemeClr val="tx1"/>
                 </a:solidFill>
@@ -953,7 +951,7 @@
               <a:t> </a:t>
             </a:r>
             <a:r>
-              <a:rPr lang="en-US" altLang="ko-KR" sz="1200" b="0" i="0" kern="1200" baseline="0" dirty="0" smtClean="0">
+              <a:rPr lang="en-US" altLang="ko-KR" sz="1200" b="0" i="0" kern="1200" baseline="0" dirty="0">
                 <a:solidFill>
                   <a:schemeClr val="tx1"/>
                 </a:solidFill>
@@ -965,7 +963,7 @@
               <a:t> </a:t>
             </a:r>
             <a:r>
-              <a:rPr lang="ko-KR" altLang="en-US" sz="1200" b="0" i="0" kern="1200" baseline="0" dirty="0" smtClean="0">
+              <a:rPr lang="ko-KR" altLang="en-US" sz="1200" b="0" i="0" kern="1200" baseline="0" dirty="0">
                 <a:solidFill>
                   <a:schemeClr val="tx1"/>
                 </a:solidFill>
@@ -977,7 +975,7 @@
               <a:t>혹은</a:t>
             </a:r>
             <a:r>
-              <a:rPr lang="en-US" altLang="ko-KR" sz="1200" b="0" i="0" kern="1200" baseline="0" dirty="0" smtClean="0">
+              <a:rPr lang="en-US" altLang="ko-KR" sz="1200" b="0" i="0" kern="1200" baseline="0" dirty="0">
                 <a:solidFill>
                   <a:schemeClr val="tx1"/>
                 </a:solidFill>
@@ -989,7 +987,7 @@
               <a:t>,  </a:t>
             </a:r>
             <a:r>
-              <a:rPr lang="en-US" altLang="ko-KR" sz="1200" b="0" i="0" kern="1200" dirty="0" err="1" smtClean="0">
+              <a:rPr lang="en-US" altLang="ko-KR" sz="1200" b="0" i="0" kern="1200" dirty="0" err="1">
                 <a:solidFill>
                   <a:schemeClr val="tx1"/>
                 </a:solidFill>
@@ -1001,7 +999,7 @@
               <a:t>git</a:t>
             </a:r>
             <a:r>
-              <a:rPr lang="en-US" altLang="ko-KR" sz="1200" b="0" i="0" kern="1200" dirty="0" smtClean="0">
+              <a:rPr lang="en-US" altLang="ko-KR" sz="1200" b="0" i="0" kern="1200" dirty="0">
                 <a:solidFill>
                   <a:schemeClr val="tx1"/>
                 </a:solidFill>
@@ -1013,7 +1011,7 @@
               <a:t> checkout –b develop origin/develop # </a:t>
             </a:r>
             <a:r>
-              <a:rPr lang="ko-KR" altLang="en-US" sz="1200" b="0" i="0" kern="1200" dirty="0" smtClean="0">
+              <a:rPr lang="ko-KR" altLang="en-US" sz="1200" b="0" i="0" kern="1200" dirty="0">
                 <a:solidFill>
                   <a:schemeClr val="tx1"/>
                 </a:solidFill>
@@ -1025,7 +1023,7 @@
               <a:t>원격</a:t>
             </a:r>
             <a:r>
-              <a:rPr lang="en-US" altLang="ko-KR" sz="1200" b="0" i="0" kern="1200" dirty="0" smtClean="0">
+              <a:rPr lang="en-US" altLang="ko-KR" sz="1200" b="0" i="0" kern="1200" dirty="0">
                 <a:solidFill>
                   <a:schemeClr val="tx1"/>
                 </a:solidFill>
@@ -1037,7 +1035,7 @@
               <a:t>develop</a:t>
             </a:r>
             <a:r>
-              <a:rPr lang="ko-KR" altLang="en-US" sz="1200" b="0" i="0" kern="1200" dirty="0" smtClean="0">
+              <a:rPr lang="ko-KR" altLang="en-US" sz="1200" b="0" i="0" kern="1200" dirty="0">
                 <a:solidFill>
                   <a:schemeClr val="tx1"/>
                 </a:solidFill>
@@ -1049,7 +1047,7 @@
               <a:t>를 나의 </a:t>
             </a:r>
             <a:r>
-              <a:rPr lang="en-US" altLang="ko-KR" sz="1200" b="0" i="0" kern="1200" dirty="0" smtClean="0">
+              <a:rPr lang="en-US" altLang="ko-KR" sz="1200" b="0" i="0" kern="1200" dirty="0">
                 <a:solidFill>
                   <a:schemeClr val="tx1"/>
                 </a:solidFill>
@@ -1061,7 +1059,7 @@
               <a:t>develop</a:t>
             </a:r>
             <a:r>
-              <a:rPr lang="ko-KR" altLang="en-US" sz="1200" b="0" i="0" kern="1200" dirty="0" smtClean="0">
+              <a:rPr lang="ko-KR" altLang="en-US" sz="1200" b="0" i="0" kern="1200" dirty="0">
                 <a:solidFill>
                   <a:schemeClr val="tx1"/>
                 </a:solidFill>
@@ -1073,7 +1071,7 @@
               <a:t>로 </a:t>
             </a:r>
             <a:r>
-              <a:rPr lang="en-US" altLang="ko-KR" sz="1200" b="0" i="0" kern="1200" dirty="0" smtClean="0">
+              <a:rPr lang="en-US" altLang="ko-KR" sz="1200" b="0" i="0" kern="1200" dirty="0">
                 <a:solidFill>
                   <a:schemeClr val="tx1"/>
                 </a:solidFill>
@@ -1087,7 +1085,7 @@
           </a:p>
           <a:p>
             <a:pPr fontAlgn="base"/>
-            <a:endParaRPr lang="en-US" altLang="ko-KR" sz="1200" b="0" i="0" kern="1200" dirty="0" smtClean="0">
+            <a:endParaRPr lang="en-US" altLang="ko-KR" sz="1200" b="0" i="0" kern="1200" dirty="0">
               <a:solidFill>
                 <a:schemeClr val="tx1"/>
               </a:solidFill>
@@ -1518,7 +1516,239 @@
           <a:bodyPr/>
           <a:lstStyle/>
           <a:p>
-            <a:endParaRPr lang="ko-KR" altLang="en-US" dirty="0"/>
+            <a:r>
+              <a:rPr lang="ko-KR" altLang="en-US" dirty="0">
+                <a:solidFill>
+                  <a:srgbClr val="FF0000"/>
+                </a:solidFill>
+              </a:rPr>
+              <a:t>같은 </a:t>
+            </a:r>
+            <a:r>
+              <a:rPr lang="ko-KR" altLang="en-US" dirty="0" err="1">
+                <a:solidFill>
+                  <a:srgbClr val="FF0000"/>
+                </a:solidFill>
+              </a:rPr>
+              <a:t>브랜치</a:t>
+            </a:r>
+            <a:r>
+              <a:rPr lang="ko-KR" altLang="en-US" dirty="0">
+                <a:solidFill>
+                  <a:srgbClr val="FF0000"/>
+                </a:solidFill>
+              </a:rPr>
+              <a:t> 이름으로 </a:t>
+            </a:r>
+            <a:r>
+              <a:rPr lang="en-US" altLang="ko-KR" dirty="0">
+                <a:solidFill>
+                  <a:srgbClr val="FF0000"/>
+                </a:solidFill>
+              </a:rPr>
+              <a:t>git push</a:t>
+            </a:r>
+            <a:r>
+              <a:rPr lang="ko-KR" altLang="en-US" dirty="0">
+                <a:solidFill>
+                  <a:srgbClr val="FF0000"/>
+                </a:solidFill>
+              </a:rPr>
+              <a:t>를 하면 처음 사용할 때만 </a:t>
+            </a:r>
+            <a:r>
+              <a:rPr lang="en-US" altLang="ko-KR" dirty="0" err="1">
+                <a:solidFill>
+                  <a:srgbClr val="FF0000"/>
+                </a:solidFill>
+              </a:rPr>
+              <a:t>compate&amp;PR</a:t>
+            </a:r>
+            <a:r>
+              <a:rPr lang="en-US" altLang="ko-KR" dirty="0">
+                <a:solidFill>
+                  <a:srgbClr val="FF0000"/>
+                </a:solidFill>
+              </a:rPr>
+              <a:t> </a:t>
+            </a:r>
+            <a:r>
+              <a:rPr lang="ko-KR" altLang="en-US" dirty="0">
+                <a:solidFill>
+                  <a:srgbClr val="FF0000"/>
+                </a:solidFill>
+              </a:rPr>
+              <a:t>알림판이 보이고 이후부터는 따로 </a:t>
+            </a:r>
+            <a:r>
+              <a:rPr lang="en-US" altLang="ko-KR" dirty="0">
+                <a:solidFill>
+                  <a:srgbClr val="FF0000"/>
+                </a:solidFill>
+              </a:rPr>
+              <a:t>pull</a:t>
+            </a:r>
+            <a:r>
+              <a:rPr lang="ko-KR" altLang="en-US" dirty="0">
+                <a:solidFill>
+                  <a:srgbClr val="FF0000"/>
+                </a:solidFill>
+              </a:rPr>
+              <a:t> </a:t>
+            </a:r>
+            <a:r>
+              <a:rPr lang="en-US" altLang="ko-KR" dirty="0">
+                <a:solidFill>
+                  <a:srgbClr val="FF0000"/>
+                </a:solidFill>
+              </a:rPr>
+              <a:t>request</a:t>
+            </a:r>
+            <a:r>
+              <a:rPr lang="ko-KR" altLang="en-US" dirty="0">
+                <a:solidFill>
+                  <a:srgbClr val="FF0000"/>
+                </a:solidFill>
+              </a:rPr>
+              <a:t>를 해야 함</a:t>
+            </a:r>
+            <a:r>
+              <a:rPr lang="en-US" altLang="ko-KR" dirty="0">
+                <a:solidFill>
+                  <a:srgbClr val="FF0000"/>
+                </a:solidFill>
+              </a:rPr>
+              <a:t>. (</a:t>
+            </a:r>
+            <a:r>
+              <a:rPr lang="ko-KR" altLang="en-US" dirty="0">
+                <a:solidFill>
+                  <a:srgbClr val="FF0000"/>
+                </a:solidFill>
+              </a:rPr>
+              <a:t>주의</a:t>
+            </a:r>
+            <a:r>
+              <a:rPr lang="en-US" altLang="ko-KR" dirty="0">
+                <a:solidFill>
+                  <a:srgbClr val="FF0000"/>
+                </a:solidFill>
+              </a:rPr>
+              <a:t>)</a:t>
+            </a:r>
+          </a:p>
+          <a:p>
+            <a:r>
+              <a:rPr lang="ko-KR" altLang="en-US" dirty="0" err="1">
+                <a:solidFill>
+                  <a:srgbClr val="FF0000"/>
+                </a:solidFill>
+              </a:rPr>
+              <a:t>브랜치명이</a:t>
+            </a:r>
+            <a:r>
+              <a:rPr lang="ko-KR" altLang="en-US" dirty="0">
+                <a:solidFill>
+                  <a:srgbClr val="FF0000"/>
+                </a:solidFill>
+              </a:rPr>
+              <a:t> 이전에 삭제된 </a:t>
+            </a:r>
+            <a:r>
+              <a:rPr lang="ko-KR" altLang="en-US" dirty="0" err="1">
+                <a:solidFill>
+                  <a:srgbClr val="FF0000"/>
+                </a:solidFill>
+              </a:rPr>
+              <a:t>브랜치명이라고</a:t>
+            </a:r>
+            <a:r>
+              <a:rPr lang="ko-KR" altLang="en-US" dirty="0">
+                <a:solidFill>
+                  <a:srgbClr val="FF0000"/>
+                </a:solidFill>
+              </a:rPr>
+              <a:t> 하더라도 </a:t>
+            </a:r>
+            <a:r>
+              <a:rPr lang="en-US" altLang="ko-KR" dirty="0" err="1">
+                <a:solidFill>
+                  <a:srgbClr val="FF0000"/>
+                </a:solidFill>
+              </a:rPr>
+              <a:t>github</a:t>
+            </a:r>
+            <a:r>
+              <a:rPr lang="ko-KR" altLang="en-US" dirty="0">
+                <a:solidFill>
+                  <a:srgbClr val="FF0000"/>
+                </a:solidFill>
+              </a:rPr>
+              <a:t>는 </a:t>
+            </a:r>
+            <a:r>
+              <a:rPr lang="ko-KR" altLang="en-US" dirty="0" err="1">
+                <a:solidFill>
+                  <a:srgbClr val="FF0000"/>
+                </a:solidFill>
+              </a:rPr>
+              <a:t>반복사용하는</a:t>
+            </a:r>
+            <a:r>
+              <a:rPr lang="ko-KR" altLang="en-US" dirty="0">
+                <a:solidFill>
+                  <a:srgbClr val="FF0000"/>
+                </a:solidFill>
+              </a:rPr>
+              <a:t> 것으로 인식함</a:t>
+            </a:r>
+            <a:r>
+              <a:rPr lang="en-US" altLang="ko-KR" dirty="0">
+                <a:solidFill>
+                  <a:srgbClr val="FF0000"/>
+                </a:solidFill>
+              </a:rPr>
+              <a:t>.</a:t>
+            </a:r>
+          </a:p>
+          <a:p>
+            <a:r>
+              <a:rPr lang="ko-KR" altLang="en-US" dirty="0">
+                <a:solidFill>
+                  <a:srgbClr val="FF0000"/>
+                </a:solidFill>
+              </a:rPr>
+              <a:t>따라서 혼동을 방지하기 위하여는 한번 사용하고 지운 </a:t>
+            </a:r>
+            <a:r>
+              <a:rPr lang="ko-KR" altLang="en-US" dirty="0" err="1">
+                <a:solidFill>
+                  <a:srgbClr val="FF0000"/>
+                </a:solidFill>
+              </a:rPr>
+              <a:t>브랜치이름은</a:t>
+            </a:r>
+            <a:r>
+              <a:rPr lang="ko-KR" altLang="en-US" dirty="0">
+                <a:solidFill>
+                  <a:srgbClr val="FF0000"/>
+                </a:solidFill>
+              </a:rPr>
+              <a:t> 다시 사용하지 말도록 함</a:t>
+            </a:r>
+            <a:r>
+              <a:rPr lang="en-US" altLang="ko-KR" dirty="0">
+                <a:solidFill>
+                  <a:srgbClr val="FF0000"/>
+                </a:solidFill>
+              </a:rPr>
+              <a:t>.</a:t>
+            </a:r>
+            <a:endParaRPr lang="ko-KR" altLang="en-US" dirty="0">
+              <a:solidFill>
+                <a:srgbClr val="FF0000"/>
+              </a:solidFill>
+            </a:endParaRPr>
           </a:p>
         </p:txBody>
       </p:sp>
@@ -1854,6 +2084,168 @@
           <a:bodyPr/>
           <a:lstStyle/>
           <a:p>
+            <a:pPr algn="l" fontAlgn="base"/>
+            <a:r>
+              <a:rPr lang="en-US" altLang="ko-KR" b="0" i="0" dirty="0">
+                <a:solidFill>
+                  <a:srgbClr val="242729"/>
+                </a:solidFill>
+                <a:effectLst/>
+                <a:latin typeface="Arial" panose="020B0604020202020204" pitchFamily="34" charset="0"/>
+              </a:rPr>
+              <a:t>A pull request has at the top of the page it's status. There's 3 </a:t>
+            </a:r>
+            <a:r>
+              <a:rPr lang="en-US" altLang="ko-KR" b="0" i="0" dirty="0" err="1">
+                <a:solidFill>
+                  <a:srgbClr val="242729"/>
+                </a:solidFill>
+                <a:effectLst/>
+                <a:latin typeface="Arial" panose="020B0604020202020204" pitchFamily="34" charset="0"/>
+              </a:rPr>
+              <a:t>possibilties</a:t>
+            </a:r>
+            <a:r>
+              <a:rPr lang="en-US" altLang="ko-KR" b="0" i="0" dirty="0">
+                <a:solidFill>
+                  <a:srgbClr val="242729"/>
+                </a:solidFill>
+                <a:effectLst/>
+                <a:latin typeface="Arial" panose="020B0604020202020204" pitchFamily="34" charset="0"/>
+              </a:rPr>
+              <a:t>:</a:t>
+            </a:r>
+          </a:p>
+          <a:p>
+            <a:pPr algn="l" fontAlgn="base"/>
+            <a:r>
+              <a:rPr lang="en-US" altLang="ko-KR" b="0" i="0" dirty="0">
+                <a:solidFill>
+                  <a:srgbClr val="242729"/>
+                </a:solidFill>
+                <a:effectLst/>
+                <a:latin typeface="Arial" panose="020B0604020202020204" pitchFamily="34" charset="0"/>
+              </a:rPr>
+              <a:t>PR</a:t>
+            </a:r>
+            <a:r>
+              <a:rPr lang="ko-KR" altLang="en-US" b="0" i="0" dirty="0">
+                <a:solidFill>
+                  <a:srgbClr val="242729"/>
+                </a:solidFill>
+                <a:effectLst/>
+                <a:latin typeface="Arial" panose="020B0604020202020204" pitchFamily="34" charset="0"/>
+              </a:rPr>
+              <a:t>은 세가지 상태만 존재</a:t>
+            </a:r>
+            <a:endParaRPr lang="en-US" altLang="ko-KR" b="0" i="0" dirty="0">
+              <a:solidFill>
+                <a:srgbClr val="242729"/>
+              </a:solidFill>
+              <a:effectLst/>
+              <a:latin typeface="Arial" panose="020B0604020202020204" pitchFamily="34" charset="0"/>
+            </a:endParaRPr>
+          </a:p>
+          <a:p>
+            <a:pPr algn="l" fontAlgn="base">
+              <a:buFont typeface="Arial" panose="020B0604020202020204" pitchFamily="34" charset="0"/>
+              <a:buChar char="•"/>
+            </a:pPr>
+            <a:r>
+              <a:rPr lang="en-US" altLang="ko-KR" b="0" i="0" dirty="0">
+                <a:solidFill>
+                  <a:srgbClr val="242729"/>
+                </a:solidFill>
+                <a:effectLst/>
+                <a:latin typeface="inherit"/>
+              </a:rPr>
+              <a:t> open: pending, might need some change. </a:t>
+            </a:r>
+            <a:r>
+              <a:rPr lang="ko-KR" altLang="en-US" b="0" i="0" dirty="0">
+                <a:solidFill>
+                  <a:srgbClr val="242729"/>
+                </a:solidFill>
+                <a:effectLst/>
+                <a:latin typeface="inherit"/>
+              </a:rPr>
+              <a:t>진행중</a:t>
+            </a:r>
+            <a:endParaRPr lang="en-US" altLang="ko-KR" b="0" i="0" dirty="0">
+              <a:solidFill>
+                <a:srgbClr val="242729"/>
+              </a:solidFill>
+              <a:effectLst/>
+              <a:latin typeface="inherit"/>
+            </a:endParaRPr>
+          </a:p>
+          <a:p>
+            <a:pPr algn="l" fontAlgn="base">
+              <a:buFont typeface="Arial" panose="020B0604020202020204" pitchFamily="34" charset="0"/>
+              <a:buChar char="•"/>
+            </a:pPr>
+            <a:r>
+              <a:rPr lang="en-US" altLang="ko-KR" b="0" i="0" dirty="0">
+                <a:solidFill>
+                  <a:srgbClr val="242729"/>
+                </a:solidFill>
+                <a:effectLst/>
+                <a:latin typeface="inherit"/>
+              </a:rPr>
+              <a:t> closed: refused, </a:t>
+            </a:r>
+            <a:r>
+              <a:rPr lang="ko-KR" altLang="en-US" b="0" i="0" dirty="0">
+                <a:solidFill>
+                  <a:srgbClr val="242729"/>
+                </a:solidFill>
+                <a:effectLst/>
+                <a:latin typeface="inherit"/>
+              </a:rPr>
+              <a:t>반려</a:t>
+            </a:r>
+            <a:endParaRPr lang="en-US" altLang="ko-KR" b="0" i="0" dirty="0">
+              <a:solidFill>
+                <a:srgbClr val="242729"/>
+              </a:solidFill>
+              <a:effectLst/>
+              <a:latin typeface="inherit"/>
+            </a:endParaRPr>
+          </a:p>
+          <a:p>
+            <a:pPr algn="l" fontAlgn="base">
+              <a:buFont typeface="Arial" panose="020B0604020202020204" pitchFamily="34" charset="0"/>
+              <a:buChar char="•"/>
+            </a:pPr>
+            <a:r>
+              <a:rPr lang="en-US" altLang="ko-KR" b="0" i="0" dirty="0">
+                <a:solidFill>
+                  <a:srgbClr val="242729"/>
+                </a:solidFill>
+                <a:effectLst/>
+                <a:latin typeface="inherit"/>
+              </a:rPr>
+              <a:t> merged</a:t>
+            </a:r>
+            <a:r>
+              <a:rPr lang="en-US" altLang="ko-KR" b="0" i="0">
+                <a:solidFill>
+                  <a:srgbClr val="242729"/>
+                </a:solidFill>
+                <a:effectLst/>
+                <a:latin typeface="inherit"/>
+              </a:rPr>
+              <a:t>: accepted, </a:t>
+            </a:r>
+            <a:endParaRPr lang="en-US" altLang="ko-KR" b="0" i="0" dirty="0">
+              <a:solidFill>
+                <a:srgbClr val="242729"/>
+              </a:solidFill>
+              <a:effectLst/>
+              <a:latin typeface="inherit"/>
+            </a:endParaRPr>
+          </a:p>
+          <a:p>
             <a:endParaRPr lang="ko-KR" altLang="en-US" dirty="0"/>
           </a:p>
         </p:txBody>
@@ -3197,6 +3589,90 @@
     <p:extLst>
       <p:ext uri="{BB962C8B-B14F-4D97-AF65-F5344CB8AC3E}">
         <p14:creationId xmlns:p14="http://schemas.microsoft.com/office/powerpoint/2010/main" val="3921415717"/>
+      </p:ext>
+    </p:extLst>
+  </p:cSld>
+  <p:clrMapOvr>
+    <a:masterClrMapping/>
+  </p:clrMapOvr>
+</p:notes>
+</file>
+
+<file path=ppt/notesSlides/notesSlide33.xml><?xml version="1.0" encoding="utf-8"?>
+<p:notes xmlns:a="http://schemas.openxmlformats.org/drawingml/2006/main" xmlns:r="http://schemas.openxmlformats.org/officeDocument/2006/relationships" xmlns:p="http://schemas.openxmlformats.org/presentationml/2006/main">
+  <p:cSld>
+    <p:spTree>
+      <p:nvGrpSpPr>
+        <p:cNvPr id="1" name=""/>
+        <p:cNvGrpSpPr/>
+        <p:nvPr/>
+      </p:nvGrpSpPr>
+      <p:grpSpPr>
+        <a:xfrm>
+          <a:off x="0" y="0"/>
+          <a:ext cx="0" cy="0"/>
+          <a:chOff x="0" y="0"/>
+          <a:chExt cx="0" cy="0"/>
+        </a:xfrm>
+      </p:grpSpPr>
+      <p:sp>
+        <p:nvSpPr>
+          <p:cNvPr id="2" name="슬라이드 이미지 개체 틀 1"/>
+          <p:cNvSpPr>
+            <a:spLocks noGrp="1" noRot="1" noChangeAspect="1"/>
+          </p:cNvSpPr>
+          <p:nvPr>
+            <p:ph type="sldImg"/>
+          </p:nvPr>
+        </p:nvSpPr>
+        <p:spPr/>
+      </p:sp>
+      <p:sp>
+        <p:nvSpPr>
+          <p:cNvPr id="3" name="슬라이드 노트 개체 틀 2"/>
+          <p:cNvSpPr>
+            <a:spLocks noGrp="1"/>
+          </p:cNvSpPr>
+          <p:nvPr>
+            <p:ph type="body" idx="1"/>
+          </p:nvPr>
+        </p:nvSpPr>
+        <p:spPr/>
+        <p:txBody>
+          <a:bodyPr/>
+          <a:lstStyle/>
+          <a:p>
+            <a:endParaRPr lang="ko-KR" altLang="en-US" dirty="0"/>
+          </a:p>
+        </p:txBody>
+      </p:sp>
+      <p:sp>
+        <p:nvSpPr>
+          <p:cNvPr id="4" name="슬라이드 번호 개체 틀 3"/>
+          <p:cNvSpPr>
+            <a:spLocks noGrp="1"/>
+          </p:cNvSpPr>
+          <p:nvPr>
+            <p:ph type="sldNum" sz="quarter" idx="10"/>
+          </p:nvPr>
+        </p:nvSpPr>
+        <p:spPr/>
+        <p:txBody>
+          <a:bodyPr/>
+          <a:lstStyle/>
+          <a:p>
+            <a:fld id="{625D4AC4-540A-4436-887D-BF6A8FCF1275}" type="slidenum">
+              <a:rPr lang="ko-KR" altLang="en-US" smtClean="0"/>
+              <a:t>34</a:t>
+            </a:fld>
+            <a:endParaRPr lang="ko-KR" altLang="en-US"/>
+          </a:p>
+        </p:txBody>
+      </p:sp>
+    </p:spTree>
+    <p:extLst>
+      <p:ext uri="{BB962C8B-B14F-4D97-AF65-F5344CB8AC3E}">
+        <p14:creationId xmlns:p14="http://schemas.microsoft.com/office/powerpoint/2010/main" val="9878519"/>
       </p:ext>
     </p:extLst>
   </p:cSld>
@@ -4273,7 +4749,7 @@
           <a:p>
             <a:fld id="{30E72A5D-AC2D-4154-80BD-D3C3745E4EB5}" type="datetimeFigureOut">
               <a:rPr lang="ko-KR" altLang="en-US" smtClean="0"/>
-              <a:t>2021-04-07</a:t>
+              <a:t>2021-04-08</a:t>
             </a:fld>
             <a:endParaRPr lang="ko-KR" altLang="en-US"/>
           </a:p>
@@ -4486,7 +4962,7 @@
           <a:p>
             <a:fld id="{30E72A5D-AC2D-4154-80BD-D3C3745E4EB5}" type="datetimeFigureOut">
               <a:rPr lang="ko-KR" altLang="en-US" smtClean="0"/>
-              <a:t>2021-04-07</a:t>
+              <a:t>2021-04-08</a:t>
             </a:fld>
             <a:endParaRPr lang="ko-KR" altLang="en-US"/>
           </a:p>
@@ -5907,13 +6383,13 @@
               <a:buNone/>
             </a:pPr>
             <a:r>
-              <a:rPr lang="en-US" altLang="ko-KR" dirty="0" smtClean="0">
+              <a:rPr lang="en-US" altLang="ko-KR" dirty="0">
                 <a:latin typeface="+mn-ea"/>
               </a:rPr>
               <a:t>      - </a:t>
             </a:r>
             <a:r>
-              <a:rPr lang="en-US" altLang="ko-KR" sz="1400" dirty="0" smtClean="0">
+              <a:rPr lang="en-US" altLang="ko-KR" sz="1400" dirty="0">
                 <a:solidFill>
                   <a:srgbClr val="0000FF"/>
                 </a:solidFill>
@@ -5922,7 +6398,7 @@
               <a:t>main</a:t>
             </a:r>
             <a:r>
-              <a:rPr lang="ko-KR" altLang="en-US" sz="1400" dirty="0" smtClean="0">
+              <a:rPr lang="ko-KR" altLang="en-US" sz="1400" dirty="0">
                 <a:solidFill>
                   <a:srgbClr val="0000FF"/>
                 </a:solidFill>
@@ -5931,7 +6407,7 @@
               <a:t>외 다른 </a:t>
             </a:r>
             <a:r>
-              <a:rPr lang="en-US" altLang="ko-KR" sz="1400" dirty="0" smtClean="0">
+              <a:rPr lang="en-US" altLang="ko-KR" sz="1400" dirty="0">
                 <a:solidFill>
                   <a:srgbClr val="0000FF"/>
                 </a:solidFill>
@@ -5940,7 +6416,7 @@
               <a:t>branch</a:t>
             </a:r>
             <a:r>
-              <a:rPr lang="ko-KR" altLang="en-US" sz="1400" dirty="0" smtClean="0">
+              <a:rPr lang="ko-KR" altLang="en-US" sz="1400" dirty="0">
                 <a:solidFill>
                   <a:srgbClr val="0000FF"/>
                 </a:solidFill>
@@ -5949,7 +6425,7 @@
               <a:t>는 복사되지 않으니 따로 받아야 함 </a:t>
             </a:r>
             <a:r>
-              <a:rPr lang="en-US" altLang="ko-KR" sz="1400" dirty="0" smtClean="0">
+              <a:rPr lang="en-US" altLang="ko-KR" sz="1400" dirty="0">
                 <a:solidFill>
                   <a:srgbClr val="0000FF"/>
                 </a:solidFill>
@@ -5958,37 +6434,25 @@
               <a:t>(</a:t>
             </a:r>
             <a:r>
-              <a:rPr lang="en-US" altLang="ko-KR" sz="1400" dirty="0" err="1" smtClean="0">
+              <a:rPr lang="en-US" altLang="ko-KR" sz="1400" dirty="0" err="1">
                 <a:latin typeface="+mn-ea"/>
               </a:rPr>
               <a:t>git</a:t>
             </a:r>
             <a:r>
-              <a:rPr lang="en-US" altLang="ko-KR" sz="1400" dirty="0" smtClean="0">
-                <a:latin typeface="+mn-ea"/>
-              </a:rPr>
-              <a:t> </a:t>
-            </a:r>
-            <a:r>
               <a:rPr lang="en-US" altLang="ko-KR" sz="1400" dirty="0">
                 <a:latin typeface="+mn-ea"/>
               </a:rPr>
-              <a:t>checkout -t </a:t>
-            </a:r>
-            <a:r>
-              <a:rPr lang="en-US" altLang="ko-KR" sz="1400" dirty="0" smtClean="0">
-                <a:latin typeface="+mn-ea"/>
-              </a:rPr>
-              <a:t>origin/</a:t>
-            </a:r>
-            <a:r>
-              <a:rPr lang="ko-KR" altLang="en-US" sz="1400" dirty="0" err="1" smtClean="0">
+              <a:t> checkout -t origin/</a:t>
+            </a:r>
+            <a:r>
+              <a:rPr lang="ko-KR" altLang="en-US" sz="1400" dirty="0" err="1">
                 <a:latin typeface="+mn-ea"/>
               </a:rPr>
               <a:t>브랜치명</a:t>
             </a:r>
             <a:r>
-              <a:rPr lang="en-US" altLang="ko-KR" sz="1400" dirty="0" smtClean="0">
+              <a:rPr lang="en-US" altLang="ko-KR" sz="1400" dirty="0">
                 <a:latin typeface="+mn-ea"/>
               </a:rPr>
               <a:t>)</a:t>
@@ -8812,7 +9276,7 @@
             <a:pPr marL="266700" lvl="1" indent="0">
               <a:buNone/>
             </a:pPr>
-            <a:endParaRPr lang="en-US" altLang="ko-KR" dirty="0">
+            <a:endParaRPr lang="en-US" altLang="ko-KR" sz="2000" dirty="0">
               <a:latin typeface="+mn-ea"/>
             </a:endParaRPr>
           </a:p>
@@ -8820,9 +9284,72 @@
             <a:pPr marL="266700" lvl="1" indent="0">
               <a:buNone/>
             </a:pPr>
-            <a:endParaRPr lang="en-US" altLang="ko-KR" dirty="0">
-              <a:latin typeface="+mn-ea"/>
-            </a:endParaRPr>
+            <a:r>
+              <a:rPr lang="en-US" altLang="ko-KR" sz="1200" dirty="0">
+                <a:latin typeface="+mn-ea"/>
+              </a:rPr>
+              <a:t>※ </a:t>
+            </a:r>
+            <a:r>
+              <a:rPr lang="ko-KR" altLang="en-US" sz="1200" dirty="0">
+                <a:latin typeface="+mn-ea"/>
+              </a:rPr>
+              <a:t>같은 </a:t>
+            </a:r>
+            <a:r>
+              <a:rPr lang="ko-KR" altLang="en-US" sz="1200" dirty="0" err="1">
+                <a:latin typeface="+mn-ea"/>
+              </a:rPr>
+              <a:t>브랜치</a:t>
+            </a:r>
+            <a:r>
+              <a:rPr lang="ko-KR" altLang="en-US" sz="1200" dirty="0">
+                <a:latin typeface="+mn-ea"/>
+              </a:rPr>
+              <a:t> 이름으로 </a:t>
+            </a:r>
+            <a:r>
+              <a:rPr lang="en-US" altLang="ko-KR" sz="1200" dirty="0">
+                <a:latin typeface="+mn-ea"/>
+              </a:rPr>
+              <a:t>push</a:t>
+            </a:r>
+            <a:r>
+              <a:rPr lang="ko-KR" altLang="en-US" sz="1200" dirty="0">
+                <a:latin typeface="+mn-ea"/>
+              </a:rPr>
+              <a:t>하면 두번째부터는 </a:t>
+            </a:r>
+            <a:r>
+              <a:rPr lang="en-US" altLang="ko-KR" sz="1200" dirty="0">
+                <a:latin typeface="+mn-ea"/>
+              </a:rPr>
+              <a:t>‘</a:t>
+            </a:r>
+            <a:r>
+              <a:rPr lang="en-US" altLang="ko-KR" sz="1200" dirty="0" err="1">
+                <a:latin typeface="+mn-ea"/>
+              </a:rPr>
+              <a:t>compare&amp;pull</a:t>
+            </a:r>
+            <a:r>
+              <a:rPr lang="en-US" altLang="ko-KR" sz="1200" dirty="0">
+                <a:latin typeface="+mn-ea"/>
+              </a:rPr>
+              <a:t> request’</a:t>
+            </a:r>
+            <a:r>
+              <a:rPr lang="ko-KR" altLang="en-US" sz="1200" dirty="0">
+                <a:latin typeface="+mn-ea"/>
+              </a:rPr>
+              <a:t>화면을 따로 나타나지 않음</a:t>
+            </a:r>
+            <a:r>
+              <a:rPr lang="en-US" altLang="ko-KR" sz="1200" dirty="0">
+                <a:latin typeface="+mn-ea"/>
+              </a:rPr>
+              <a:t>.</a:t>
+            </a:r>
           </a:p>
         </p:txBody>
       </p:sp>
@@ -13278,13 +13805,14 @@
           </p:cNvPr>
           <p:cNvCxnSpPr>
             <a:cxnSpLocks/>
+            <a:stCxn id="27" idx="1"/>
           </p:cNvCxnSpPr>
           <p:nvPr/>
         </p:nvCxnSpPr>
         <p:spPr>
-          <a:xfrm flipV="1">
-            <a:off x="539551" y="2921003"/>
-            <a:ext cx="122059" cy="142092"/>
+          <a:xfrm flipH="1" flipV="1">
+            <a:off x="1465454" y="2921004"/>
+            <a:ext cx="129270" cy="91890"/>
           </a:xfrm>
           <a:prstGeom prst="straightConnector1">
             <a:avLst/>
@@ -13325,8 +13853,8 @@
         </p:nvSpPr>
         <p:spPr>
           <a:xfrm>
-            <a:off x="-654" y="3027728"/>
-            <a:ext cx="882181" cy="738664"/>
+            <a:off x="1594724" y="2859005"/>
+            <a:ext cx="2495498" cy="307777"/>
           </a:xfrm>
           <a:prstGeom prst="rect">
             <a:avLst/>
@@ -13339,14 +13867,13 @@
           </a:bodyPr>
           <a:lstStyle/>
           <a:p>
-            <a:pPr algn="ctr"/>
             <a:r>
               <a:rPr lang="ko-KR" altLang="en-US" sz="1400" dirty="0">
                 <a:solidFill>
                   <a:srgbClr val="0000FF"/>
                 </a:solidFill>
               </a:rPr>
-              <a:t>검토 요청 접수 완료 진행중임</a:t>
+              <a:t>  진행중 상태</a:t>
             </a:r>
           </a:p>
         </p:txBody>
@@ -22110,6 +22637,299 @@
     <p:extLst>
       <p:ext uri="{BB962C8B-B14F-4D97-AF65-F5344CB8AC3E}">
         <p14:creationId xmlns:p14="http://schemas.microsoft.com/office/powerpoint/2010/main" val="473554646"/>
+      </p:ext>
+    </p:extLst>
+  </p:cSld>
+  <p:clrMapOvr>
+    <a:masterClrMapping/>
+  </p:clrMapOvr>
+</p:sld>
+</file>
+
+<file path=ppt/slides/slide34.xml><?xml version="1.0" encoding="utf-8"?>
+<p:sld xmlns:a="http://schemas.openxmlformats.org/drawingml/2006/main" xmlns:r="http://schemas.openxmlformats.org/officeDocument/2006/relationships" xmlns:p="http://schemas.openxmlformats.org/presentationml/2006/main">
+  <p:cSld>
+    <p:spTree>
+      <p:nvGrpSpPr>
+        <p:cNvPr id="1" name=""/>
+        <p:cNvGrpSpPr/>
+        <p:nvPr/>
+      </p:nvGrpSpPr>
+      <p:grpSpPr>
+        <a:xfrm>
+          <a:off x="0" y="0"/>
+          <a:ext cx="0" cy="0"/>
+          <a:chOff x="0" y="0"/>
+          <a:chExt cx="0" cy="0"/>
+        </a:xfrm>
+      </p:grpSpPr>
+      <p:sp>
+        <p:nvSpPr>
+          <p:cNvPr id="4" name="제목 3">
+            <a:extLst>
+              <a:ext uri="{FF2B5EF4-FFF2-40B4-BE49-F238E27FC236}">
+                <a16:creationId xmlns:a16="http://schemas.microsoft.com/office/drawing/2014/main" id="{F0CEB32B-CB43-4410-BA08-A97E4BC47FCB}"/>
+              </a:ext>
+            </a:extLst>
+          </p:cNvPr>
+          <p:cNvSpPr>
+            <a:spLocks noGrp="1"/>
+          </p:cNvSpPr>
+          <p:nvPr>
+            <p:ph type="title"/>
+          </p:nvPr>
+        </p:nvSpPr>
+        <p:spPr>
+          <a:xfrm>
+            <a:off x="539551" y="192300"/>
+            <a:ext cx="8244853" cy="576064"/>
+          </a:xfrm>
+        </p:spPr>
+        <p:txBody>
+          <a:bodyPr>
+            <a:normAutofit/>
+          </a:bodyPr>
+          <a:lstStyle/>
+          <a:p>
+            <a:r>
+              <a:rPr lang="ko-KR" altLang="en-US" dirty="0"/>
+              <a:t>오픈소스 참조</a:t>
+            </a:r>
+          </a:p>
+        </p:txBody>
+      </p:sp>
+      <p:sp>
+        <p:nvSpPr>
+          <p:cNvPr id="11" name="내용 개체 틀 2">
+            <a:extLst>
+              <a:ext uri="{FF2B5EF4-FFF2-40B4-BE49-F238E27FC236}">
+                <a16:creationId xmlns:a16="http://schemas.microsoft.com/office/drawing/2014/main" id="{A44AC902-3746-40D6-9827-94B46EEDDC67}"/>
+              </a:ext>
+            </a:extLst>
+          </p:cNvPr>
+          <p:cNvSpPr txBox="1">
+            <a:spLocks/>
+          </p:cNvSpPr>
+          <p:nvPr/>
+        </p:nvSpPr>
+        <p:spPr>
+          <a:xfrm>
+            <a:off x="341787" y="957257"/>
+            <a:ext cx="8642350" cy="5225829"/>
+          </a:xfrm>
+          <a:prstGeom prst="rect">
+            <a:avLst/>
+          </a:prstGeom>
+        </p:spPr>
+        <p:txBody>
+          <a:bodyPr vert="horz" lIns="91440" tIns="45720" rIns="91440" bIns="45720" rtlCol="0">
+            <a:noAutofit/>
+          </a:bodyPr>
+          <a:lstStyle>
+            <a:lvl1pPr marL="266700" indent="-266700" defTabSz="914400" latinLnBrk="1">
+              <a:lnSpc>
+                <a:spcPct val="150000"/>
+              </a:lnSpc>
+              <a:spcBef>
+                <a:spcPct val="0"/>
+              </a:spcBef>
+              <a:buClr>
+                <a:schemeClr val="tx1">
+                  <a:lumMod val="65000"/>
+                  <a:lumOff val="35000"/>
+                </a:schemeClr>
+              </a:buClr>
+              <a:buFont typeface="Wingdings" pitchFamily="2" charset="2"/>
+              <a:buChar char="n"/>
+              <a:defRPr sz="2000" b="1">
+                <a:latin typeface="+mn-ea"/>
+              </a:defRPr>
+            </a:lvl1pPr>
+            <a:lvl2pPr marL="447675" lvl="1" indent="-180975" defTabSz="914400" latinLnBrk="1">
+              <a:lnSpc>
+                <a:spcPct val="150000"/>
+              </a:lnSpc>
+              <a:spcBef>
+                <a:spcPts val="0"/>
+              </a:spcBef>
+              <a:spcAft>
+                <a:spcPts val="0"/>
+              </a:spcAft>
+              <a:buClr>
+                <a:schemeClr val="tx1">
+                  <a:lumMod val="50000"/>
+                  <a:lumOff val="50000"/>
+                </a:schemeClr>
+              </a:buClr>
+              <a:buFont typeface="Wingdings" pitchFamily="2" charset="2"/>
+              <a:buChar char="§"/>
+              <a:defRPr sz="1600"/>
+            </a:lvl2pPr>
+            <a:lvl3pPr marL="628650" indent="-180975" defTabSz="914400" latinLnBrk="1">
+              <a:lnSpc>
+                <a:spcPct val="150000"/>
+              </a:lnSpc>
+              <a:spcBef>
+                <a:spcPts val="500"/>
+              </a:spcBef>
+              <a:spcAft>
+                <a:spcPts val="300"/>
+              </a:spcAft>
+              <a:buClr>
+                <a:schemeClr val="tx1">
+                  <a:lumMod val="65000"/>
+                  <a:lumOff val="35000"/>
+                </a:schemeClr>
+              </a:buClr>
+              <a:buFont typeface="Arial" panose="020B0604020202020204" pitchFamily="34" charset="0"/>
+              <a:buChar char="•"/>
+              <a:defRPr sz="1400"/>
+            </a:lvl3pPr>
+            <a:lvl4pPr marL="809625" indent="-180975" defTabSz="914400" latinLnBrk="1">
+              <a:lnSpc>
+                <a:spcPct val="150000"/>
+              </a:lnSpc>
+              <a:spcBef>
+                <a:spcPts val="500"/>
+              </a:spcBef>
+              <a:spcAft>
+                <a:spcPts val="300"/>
+              </a:spcAft>
+              <a:buClr>
+                <a:schemeClr val="tx1">
+                  <a:lumMod val="65000"/>
+                  <a:lumOff val="35000"/>
+                </a:schemeClr>
+              </a:buClr>
+              <a:buSzPct val="96000"/>
+              <a:buFont typeface="Arial" panose="020B0604020202020204" pitchFamily="34" charset="0"/>
+              <a:buChar char="•"/>
+              <a:defRPr sz="1200"/>
+            </a:lvl4pPr>
+            <a:lvl5pPr marL="990600" indent="-180975" defTabSz="914400" latinLnBrk="1">
+              <a:lnSpc>
+                <a:spcPct val="150000"/>
+              </a:lnSpc>
+              <a:spcBef>
+                <a:spcPts val="500"/>
+              </a:spcBef>
+              <a:buClr>
+                <a:schemeClr val="tx1">
+                  <a:lumMod val="65000"/>
+                  <a:lumOff val="35000"/>
+                </a:schemeClr>
+              </a:buClr>
+              <a:buFont typeface="Arial" panose="020B0604020202020204" pitchFamily="34" charset="0"/>
+              <a:buChar char="•"/>
+              <a:defRPr sz="1000"/>
+            </a:lvl5pPr>
+            <a:lvl6pPr marL="2514600" indent="-228600" defTabSz="914400" latinLnBrk="1">
+              <a:lnSpc>
+                <a:spcPct val="90000"/>
+              </a:lnSpc>
+              <a:spcBef>
+                <a:spcPts val="500"/>
+              </a:spcBef>
+              <a:buFont typeface="Arial" panose="020B0604020202020204" pitchFamily="34" charset="0"/>
+              <a:buChar char="•"/>
+            </a:lvl6pPr>
+            <a:lvl7pPr marL="2971800" indent="-228600" defTabSz="914400" latinLnBrk="1">
+              <a:lnSpc>
+                <a:spcPct val="90000"/>
+              </a:lnSpc>
+              <a:spcBef>
+                <a:spcPts val="500"/>
+              </a:spcBef>
+              <a:buFont typeface="Arial" panose="020B0604020202020204" pitchFamily="34" charset="0"/>
+              <a:buChar char="•"/>
+            </a:lvl7pPr>
+            <a:lvl8pPr marL="3429000" indent="-228600" defTabSz="914400" latinLnBrk="1">
+              <a:lnSpc>
+                <a:spcPct val="90000"/>
+              </a:lnSpc>
+              <a:spcBef>
+                <a:spcPts val="500"/>
+              </a:spcBef>
+              <a:buFont typeface="Arial" panose="020B0604020202020204" pitchFamily="34" charset="0"/>
+              <a:buChar char="•"/>
+            </a:lvl8pPr>
+            <a:lvl9pPr marL="3886200" indent="-228600" defTabSz="914400" latinLnBrk="1">
+              <a:lnSpc>
+                <a:spcPct val="90000"/>
+              </a:lnSpc>
+              <a:spcBef>
+                <a:spcPts val="500"/>
+              </a:spcBef>
+              <a:buFont typeface="Arial" panose="020B0604020202020204" pitchFamily="34" charset="0"/>
+              <a:buChar char="•"/>
+            </a:lvl9pPr>
+          </a:lstStyle>
+          <a:p>
+            <a:r>
+              <a:rPr lang="ko-KR" altLang="en-US" dirty="0"/>
+              <a:t>오픈소스 소개</a:t>
+            </a:r>
+            <a:endParaRPr lang="en-US" altLang="ko-KR" dirty="0"/>
+          </a:p>
+          <a:p>
+            <a:pPr marL="0" indent="0">
+              <a:buNone/>
+            </a:pPr>
+            <a:r>
+              <a:rPr lang="en-US" altLang="ko-KR" sz="1800" b="0" dirty="0">
+                <a:latin typeface="+mn-ea"/>
+              </a:rPr>
+              <a:t>  </a:t>
+            </a:r>
+            <a:r>
+              <a:rPr lang="ko-KR" altLang="en-US" sz="1800" b="0" dirty="0">
+                <a:latin typeface="+mn-ea"/>
+              </a:rPr>
+              <a:t>네이버 오픈소스 가이드 </a:t>
+            </a:r>
+            <a:r>
+              <a:rPr lang="en-US" altLang="ko-KR" sz="1800" b="0" dirty="0">
+                <a:latin typeface="+mn-ea"/>
+              </a:rPr>
+              <a:t>:     </a:t>
+            </a:r>
+          </a:p>
+          <a:p>
+            <a:pPr marL="0" indent="0">
+              <a:buNone/>
+            </a:pPr>
+            <a:r>
+              <a:rPr lang="en-US" altLang="ko-KR" sz="1800" b="0" dirty="0">
+                <a:hlinkClick r:id="rId3"/>
+              </a:rPr>
+              <a:t>  </a:t>
+            </a:r>
+            <a:r>
+              <a:rPr lang="en-US" altLang="ko-KR" sz="1800" b="0" dirty="0">
+                <a:latin typeface="+mn-ea"/>
+                <a:hlinkClick r:id="rId3"/>
+              </a:rPr>
+              <a:t>https://naver.github.io/OpenSourceGuide/book/</a:t>
+            </a:r>
+            <a:endParaRPr lang="en-US" altLang="ko-KR" sz="1800" b="0" dirty="0">
+              <a:latin typeface="+mn-ea"/>
+            </a:endParaRPr>
+          </a:p>
+          <a:p>
+            <a:pPr marL="533400" lvl="1" indent="-266700">
+              <a:buFont typeface="+mj-ea"/>
+              <a:buAutoNum type="circleNumDbPlain"/>
+            </a:pPr>
+            <a:endParaRPr lang="en-US" altLang="ko-KR" dirty="0">
+              <a:latin typeface="+mn-ea"/>
+            </a:endParaRPr>
+          </a:p>
+        </p:txBody>
+      </p:sp>
+    </p:spTree>
+    <p:extLst>
+      <p:ext uri="{BB962C8B-B14F-4D97-AF65-F5344CB8AC3E}">
+        <p14:creationId xmlns:p14="http://schemas.microsoft.com/office/powerpoint/2010/main" val="284537333"/>
       </p:ext>
     </p:extLst>
   </p:cSld>

--- a/git및github첫걸음3-forkclonePR.pptx
+++ b/git및github첫걸음3-forkclonePR.pptx
@@ -241,7 +241,7 @@
           <a:p>
             <a:fld id="{A17B9194-BDE3-40E3-983E-94CE6FA773AF}" type="datetimeFigureOut">
               <a:rPr lang="ko-KR" altLang="en-US" smtClean="0"/>
-              <a:t>2021-04-08</a:t>
+              <a:t>2021-04-09</a:t>
             </a:fld>
             <a:endParaRPr lang="ko-KR" altLang="en-US"/>
           </a:p>
@@ -4749,7 +4749,7 @@
           <a:p>
             <a:fld id="{30E72A5D-AC2D-4154-80BD-D3C3745E4EB5}" type="datetimeFigureOut">
               <a:rPr lang="ko-KR" altLang="en-US" smtClean="0"/>
-              <a:t>2021-04-08</a:t>
+              <a:t>2021-04-09</a:t>
             </a:fld>
             <a:endParaRPr lang="ko-KR" altLang="en-US"/>
           </a:p>
@@ -4962,7 +4962,7 @@
           <a:p>
             <a:fld id="{30E72A5D-AC2D-4154-80BD-D3C3745E4EB5}" type="datetimeFigureOut">
               <a:rPr lang="ko-KR" altLang="en-US" smtClean="0"/>
-              <a:t>2021-04-08</a:t>
+              <a:t>2021-04-09</a:t>
             </a:fld>
             <a:endParaRPr lang="ko-KR" altLang="en-US"/>
           </a:p>
@@ -13608,8 +13608,8 @@
         </p:nvSpPr>
         <p:spPr>
           <a:xfrm>
-            <a:off x="4470415" y="2189239"/>
-            <a:ext cx="2173454" cy="523220"/>
+            <a:off x="4470414" y="2189239"/>
+            <a:ext cx="2507265" cy="307777"/>
           </a:xfrm>
           <a:prstGeom prst="rect">
             <a:avLst/>
@@ -13645,7 +13645,7 @@
                   <a:srgbClr val="0000FF"/>
                 </a:solidFill>
               </a:rPr>
-              <a:t>고유 순서</a:t>
+              <a:t>고유 번호</a:t>
             </a:r>
           </a:p>
         </p:txBody>

--- a/git및github첫걸음3-forkclonePR.pptx
+++ b/git및github첫걸음3-forkclonePR.pptx
@@ -5,7 +5,7 @@
     <p:sldMasterId id="2147483660" r:id="rId1"/>
   </p:sldMasterIdLst>
   <p:notesMasterIdLst>
-    <p:notesMasterId r:id="rId36"/>
+    <p:notesMasterId r:id="rId37"/>
   </p:notesMasterIdLst>
   <p:sldIdLst>
     <p:sldId id="369" r:id="rId2"/>
@@ -42,6 +42,7 @@
     <p:sldId id="475" r:id="rId33"/>
     <p:sldId id="476" r:id="rId34"/>
     <p:sldId id="479" r:id="rId35"/>
+    <p:sldId id="480" r:id="rId36"/>
   </p:sldIdLst>
   <p:sldSz cx="9144000" cy="6858000" type="screen4x3"/>
   <p:notesSz cx="6858000" cy="9144000"/>
@@ -241,7 +242,7 @@
           <a:p>
             <a:fld id="{A17B9194-BDE3-40E3-983E-94CE6FA773AF}" type="datetimeFigureOut">
               <a:rPr lang="ko-KR" altLang="en-US" smtClean="0"/>
-              <a:t>2021-04-09</a:t>
+              <a:t>2021-04-12</a:t>
             </a:fld>
             <a:endParaRPr lang="ko-KR" altLang="en-US"/>
           </a:p>
@@ -3682,6 +3683,90 @@
 </p:notes>
 </file>
 
+<file path=ppt/notesSlides/notesSlide34.xml><?xml version="1.0" encoding="utf-8"?>
+<p:notes xmlns:a="http://schemas.openxmlformats.org/drawingml/2006/main" xmlns:r="http://schemas.openxmlformats.org/officeDocument/2006/relationships" xmlns:p="http://schemas.openxmlformats.org/presentationml/2006/main">
+  <p:cSld>
+    <p:spTree>
+      <p:nvGrpSpPr>
+        <p:cNvPr id="1" name=""/>
+        <p:cNvGrpSpPr/>
+        <p:nvPr/>
+      </p:nvGrpSpPr>
+      <p:grpSpPr>
+        <a:xfrm>
+          <a:off x="0" y="0"/>
+          <a:ext cx="0" cy="0"/>
+          <a:chOff x="0" y="0"/>
+          <a:chExt cx="0" cy="0"/>
+        </a:xfrm>
+      </p:grpSpPr>
+      <p:sp>
+        <p:nvSpPr>
+          <p:cNvPr id="2" name="슬라이드 이미지 개체 틀 1"/>
+          <p:cNvSpPr>
+            <a:spLocks noGrp="1" noRot="1" noChangeAspect="1"/>
+          </p:cNvSpPr>
+          <p:nvPr>
+            <p:ph type="sldImg"/>
+          </p:nvPr>
+        </p:nvSpPr>
+        <p:spPr/>
+      </p:sp>
+      <p:sp>
+        <p:nvSpPr>
+          <p:cNvPr id="3" name="슬라이드 노트 개체 틀 2"/>
+          <p:cNvSpPr>
+            <a:spLocks noGrp="1"/>
+          </p:cNvSpPr>
+          <p:nvPr>
+            <p:ph type="body" idx="1"/>
+          </p:nvPr>
+        </p:nvSpPr>
+        <p:spPr/>
+        <p:txBody>
+          <a:bodyPr/>
+          <a:lstStyle/>
+          <a:p>
+            <a:endParaRPr lang="ko-KR" altLang="en-US" dirty="0"/>
+          </a:p>
+        </p:txBody>
+      </p:sp>
+      <p:sp>
+        <p:nvSpPr>
+          <p:cNvPr id="4" name="슬라이드 번호 개체 틀 3"/>
+          <p:cNvSpPr>
+            <a:spLocks noGrp="1"/>
+          </p:cNvSpPr>
+          <p:nvPr>
+            <p:ph type="sldNum" sz="quarter" idx="10"/>
+          </p:nvPr>
+        </p:nvSpPr>
+        <p:spPr/>
+        <p:txBody>
+          <a:bodyPr/>
+          <a:lstStyle/>
+          <a:p>
+            <a:fld id="{625D4AC4-540A-4436-887D-BF6A8FCF1275}" type="slidenum">
+              <a:rPr lang="ko-KR" altLang="en-US" smtClean="0"/>
+              <a:t>35</a:t>
+            </a:fld>
+            <a:endParaRPr lang="ko-KR" altLang="en-US"/>
+          </a:p>
+        </p:txBody>
+      </p:sp>
+    </p:spTree>
+    <p:extLst>
+      <p:ext uri="{BB962C8B-B14F-4D97-AF65-F5344CB8AC3E}">
+        <p14:creationId xmlns:p14="http://schemas.microsoft.com/office/powerpoint/2010/main" val="643792404"/>
+      </p:ext>
+    </p:extLst>
+  </p:cSld>
+  <p:clrMapOvr>
+    <a:masterClrMapping/>
+  </p:clrMapOvr>
+</p:notes>
+</file>
+
 <file path=ppt/notesSlides/notesSlide4.xml><?xml version="1.0" encoding="utf-8"?>
 <p:notes xmlns:a="http://schemas.openxmlformats.org/drawingml/2006/main" xmlns:r="http://schemas.openxmlformats.org/officeDocument/2006/relationships" xmlns:p="http://schemas.openxmlformats.org/presentationml/2006/main">
   <p:cSld>
@@ -4749,7 +4834,7 @@
           <a:p>
             <a:fld id="{30E72A5D-AC2D-4154-80BD-D3C3745E4EB5}" type="datetimeFigureOut">
               <a:rPr lang="ko-KR" altLang="en-US" smtClean="0"/>
-              <a:t>2021-04-09</a:t>
+              <a:t>2021-04-12</a:t>
             </a:fld>
             <a:endParaRPr lang="ko-KR" altLang="en-US"/>
           </a:p>
@@ -4962,7 +5047,7 @@
           <a:p>
             <a:fld id="{30E72A5D-AC2D-4154-80BD-D3C3745E4EB5}" type="datetimeFigureOut">
               <a:rPr lang="ko-KR" altLang="en-US" smtClean="0"/>
-              <a:t>2021-04-09</a:t>
+              <a:t>2021-04-12</a:t>
             </a:fld>
             <a:endParaRPr lang="ko-KR" altLang="en-US"/>
           </a:p>
@@ -22692,9 +22777,26 @@
           <a:lstStyle/>
           <a:p>
             <a:r>
+              <a:rPr lang="en-US" altLang="ko-KR" dirty="0"/>
+              <a:t>Fork</a:t>
+            </a:r>
+            <a:r>
               <a:rPr lang="ko-KR" altLang="en-US" dirty="0"/>
-              <a:t>오픈소스 참조</a:t>
-            </a:r>
+              <a:t>후</a:t>
+            </a:r>
+            <a:r>
+              <a:rPr lang="en-US" altLang="ko-KR" dirty="0"/>
+              <a:t>, collaborator </a:t>
+            </a:r>
+            <a:r>
+              <a:rPr lang="ko-KR" altLang="en-US" dirty="0"/>
+              <a:t>선정되면</a:t>
+            </a:r>
+            <a:r>
+              <a:rPr lang="en-US" altLang="ko-KR" dirty="0"/>
+              <a:t>?</a:t>
+            </a:r>
+            <a:endParaRPr lang="ko-KR" altLang="en-US" dirty="0"/>
           </a:p>
         </p:txBody>
       </p:sp>
@@ -22867,6 +22969,750 @@
           <a:p>
             <a:r>
               <a:rPr lang="ko-KR" altLang="en-US" dirty="0"/>
+              <a:t>나의 원격저장소에 </a:t>
+            </a:r>
+            <a:r>
+              <a:rPr lang="en-US" altLang="ko-KR" dirty="0"/>
+              <a:t>2</a:t>
+            </a:r>
+            <a:r>
+              <a:rPr lang="ko-KR" altLang="en-US" dirty="0"/>
+              <a:t>개의 저장소가 생성 연결됨</a:t>
+            </a:r>
+            <a:endParaRPr lang="en-US" altLang="ko-KR" dirty="0"/>
+          </a:p>
+          <a:p>
+            <a:pPr lvl="1"/>
+            <a:r>
+              <a:rPr lang="ko-KR" altLang="en-US" dirty="0">
+                <a:latin typeface="+mn-ea"/>
+              </a:rPr>
+              <a:t>처음에 </a:t>
+            </a:r>
+            <a:r>
+              <a:rPr lang="en-US" altLang="ko-KR" dirty="0">
+                <a:latin typeface="+mn-ea"/>
+              </a:rPr>
+              <a:t>contributor</a:t>
+            </a:r>
+            <a:r>
+              <a:rPr lang="ko-KR" altLang="en-US" dirty="0">
+                <a:latin typeface="+mn-ea"/>
+              </a:rPr>
+              <a:t>로 </a:t>
+            </a:r>
+            <a:r>
+              <a:rPr lang="en-US" altLang="ko-KR" dirty="0">
+                <a:latin typeface="+mn-ea"/>
+              </a:rPr>
+              <a:t>fork</a:t>
+            </a:r>
+            <a:r>
+              <a:rPr lang="ko-KR" altLang="en-US" dirty="0">
+                <a:latin typeface="+mn-ea"/>
+              </a:rPr>
+              <a:t>를 하여 </a:t>
+            </a:r>
+            <a:r>
+              <a:rPr lang="en-US" altLang="ko-KR" dirty="0">
+                <a:latin typeface="+mn-ea"/>
+              </a:rPr>
+              <a:t>origin/fork</a:t>
+            </a:r>
+            <a:r>
+              <a:rPr lang="ko-KR" altLang="en-US" dirty="0" err="1">
+                <a:latin typeface="+mn-ea"/>
+              </a:rPr>
+              <a:t>브랜치가</a:t>
+            </a:r>
+            <a:r>
+              <a:rPr lang="ko-KR" altLang="en-US" dirty="0">
+                <a:latin typeface="+mn-ea"/>
+              </a:rPr>
+              <a:t> 생기고</a:t>
+            </a:r>
+            <a:r>
+              <a:rPr lang="en-US" altLang="ko-KR" dirty="0">
+                <a:latin typeface="+mn-ea"/>
+              </a:rPr>
+              <a:t>, </a:t>
+            </a:r>
+          </a:p>
+          <a:p>
+            <a:pPr marL="266700" lvl="1" indent="0">
+              <a:buNone/>
+            </a:pPr>
+            <a:r>
+              <a:rPr lang="en-US" altLang="ko-KR" dirty="0">
+                <a:latin typeface="+mn-ea"/>
+              </a:rPr>
+              <a:t>   </a:t>
+            </a:r>
+            <a:r>
+              <a:rPr lang="ko-KR" altLang="en-US" dirty="0">
+                <a:latin typeface="+mn-ea"/>
+              </a:rPr>
+              <a:t>이후</a:t>
+            </a:r>
+            <a:r>
+              <a:rPr lang="en-US" altLang="ko-KR" dirty="0">
+                <a:latin typeface="+mn-ea"/>
+              </a:rPr>
+              <a:t> collaborator </a:t>
+            </a:r>
+            <a:r>
+              <a:rPr lang="ko-KR" altLang="en-US" dirty="0">
+                <a:latin typeface="+mn-ea"/>
+              </a:rPr>
+              <a:t>등록되면서 </a:t>
+            </a:r>
+            <a:endParaRPr lang="en-US" altLang="ko-KR" dirty="0">
+              <a:latin typeface="+mn-ea"/>
+            </a:endParaRPr>
+          </a:p>
+          <a:p>
+            <a:pPr marL="266700" lvl="1" indent="0">
+              <a:buNone/>
+            </a:pPr>
+            <a:r>
+              <a:rPr lang="en-US" altLang="ko-KR" dirty="0">
+                <a:latin typeface="+mn-ea"/>
+              </a:rPr>
+              <a:t>   upstream/fork</a:t>
+            </a:r>
+            <a:r>
+              <a:rPr lang="ko-KR" altLang="en-US" dirty="0" err="1">
+                <a:latin typeface="+mn-ea"/>
+              </a:rPr>
+              <a:t>브랜치가</a:t>
+            </a:r>
+            <a:r>
+              <a:rPr lang="en-US" altLang="ko-KR" dirty="0">
+                <a:latin typeface="+mn-ea"/>
+              </a:rPr>
+              <a:t> </a:t>
+            </a:r>
+            <a:r>
+              <a:rPr lang="ko-KR" altLang="en-US" dirty="0">
+                <a:latin typeface="+mn-ea"/>
+              </a:rPr>
+              <a:t>또 생김</a:t>
+            </a:r>
+            <a:r>
+              <a:rPr lang="en-US" altLang="ko-KR" dirty="0">
+                <a:latin typeface="+mn-ea"/>
+              </a:rPr>
+              <a:t>.</a:t>
+            </a:r>
+          </a:p>
+          <a:p>
+            <a:pPr marL="266700" lvl="1" indent="0">
+              <a:buNone/>
+            </a:pPr>
+            <a:r>
+              <a:rPr lang="en-US" altLang="ko-KR" dirty="0">
+                <a:latin typeface="+mn-ea"/>
+              </a:rPr>
+              <a:t>   ∙ </a:t>
+            </a:r>
+            <a:r>
+              <a:rPr lang="ko-KR" altLang="en-US" dirty="0">
+                <a:latin typeface="+mn-ea"/>
+              </a:rPr>
+              <a:t>나의 계정</a:t>
+            </a:r>
+            <a:r>
+              <a:rPr lang="en-US" altLang="ko-KR" dirty="0">
+                <a:latin typeface="+mn-ea"/>
+              </a:rPr>
+              <a:t>: </a:t>
+            </a:r>
+            <a:r>
+              <a:rPr lang="en-US" altLang="ko-KR" dirty="0" err="1">
+                <a:latin typeface="+mn-ea"/>
+              </a:rPr>
+              <a:t>fasthill</a:t>
+            </a:r>
+            <a:r>
+              <a:rPr lang="en-US" altLang="ko-KR" dirty="0">
+                <a:latin typeface="+mn-ea"/>
+              </a:rPr>
+              <a:t>-sibling </a:t>
+            </a:r>
+          </a:p>
+          <a:p>
+            <a:pPr marL="266700" lvl="1" indent="0">
+              <a:buNone/>
+            </a:pPr>
+            <a:r>
+              <a:rPr lang="en-US" altLang="ko-KR" dirty="0">
+                <a:latin typeface="+mn-ea"/>
+              </a:rPr>
+              <a:t>   ∙ upstream</a:t>
+            </a:r>
+            <a:r>
+              <a:rPr lang="ko-KR" altLang="en-US" dirty="0">
+                <a:latin typeface="+mn-ea"/>
+              </a:rPr>
+              <a:t>계정</a:t>
+            </a:r>
+            <a:r>
+              <a:rPr lang="en-US" altLang="ko-KR" dirty="0">
+                <a:latin typeface="+mn-ea"/>
+              </a:rPr>
+              <a:t>: </a:t>
+            </a:r>
+            <a:r>
+              <a:rPr lang="en-US" altLang="ko-KR" dirty="0" err="1">
+                <a:latin typeface="+mn-ea"/>
+              </a:rPr>
+              <a:t>fasthill</a:t>
+            </a:r>
+            <a:endParaRPr lang="en-US" altLang="ko-KR" dirty="0">
+              <a:latin typeface="+mn-ea"/>
+            </a:endParaRPr>
+          </a:p>
+          <a:p>
+            <a:pPr lvl="1"/>
+            <a:r>
+              <a:rPr lang="en-US" altLang="ko-KR" dirty="0">
+                <a:latin typeface="+mn-ea"/>
+              </a:rPr>
+              <a:t>PR</a:t>
+            </a:r>
+            <a:r>
+              <a:rPr lang="ko-KR" altLang="en-US" dirty="0">
+                <a:latin typeface="+mn-ea"/>
+              </a:rPr>
+              <a:t>을 할 경우</a:t>
+            </a:r>
+            <a:r>
+              <a:rPr lang="en-US" altLang="ko-KR" dirty="0">
+                <a:latin typeface="+mn-ea"/>
+              </a:rPr>
+              <a:t>, compare</a:t>
+            </a:r>
+            <a:r>
+              <a:rPr lang="ko-KR" altLang="en-US" dirty="0">
+                <a:latin typeface="+mn-ea"/>
+              </a:rPr>
+              <a:t>할 수 있는 선택이</a:t>
+            </a:r>
+            <a:endParaRPr lang="en-US" altLang="ko-KR" dirty="0">
+              <a:latin typeface="+mn-ea"/>
+            </a:endParaRPr>
+          </a:p>
+          <a:p>
+            <a:pPr marL="266700" lvl="1" indent="0">
+              <a:buNone/>
+            </a:pPr>
+            <a:r>
+              <a:rPr lang="en-US" altLang="ko-KR" dirty="0">
+                <a:latin typeface="+mn-ea"/>
+              </a:rPr>
+              <a:t>   upstream branch</a:t>
+            </a:r>
+            <a:r>
+              <a:rPr lang="ko-KR" altLang="en-US" dirty="0">
+                <a:latin typeface="+mn-ea"/>
+              </a:rPr>
+              <a:t> 혹은 </a:t>
+            </a:r>
+            <a:r>
+              <a:rPr lang="en-US" altLang="ko-KR" dirty="0">
+                <a:latin typeface="+mn-ea"/>
+              </a:rPr>
+              <a:t>origin branch</a:t>
+            </a:r>
+            <a:r>
+              <a:rPr lang="ko-KR" altLang="en-US" dirty="0">
+                <a:latin typeface="+mn-ea"/>
+              </a:rPr>
+              <a:t>를 선정할 수 있음</a:t>
+            </a:r>
+            <a:r>
+              <a:rPr lang="en-US" altLang="ko-KR" dirty="0">
+                <a:latin typeface="+mn-ea"/>
+              </a:rPr>
+              <a:t>.</a:t>
+            </a:r>
+            <a:endParaRPr lang="en-US" altLang="ko-KR" dirty="0"/>
+          </a:p>
+          <a:p>
+            <a:endParaRPr lang="en-US" altLang="ko-KR" dirty="0"/>
+          </a:p>
+        </p:txBody>
+      </p:sp>
+      <p:pic>
+        <p:nvPicPr>
+          <p:cNvPr id="3" name="그림 2">
+            <a:extLst>
+              <a:ext uri="{FF2B5EF4-FFF2-40B4-BE49-F238E27FC236}">
+                <a16:creationId xmlns:a16="http://schemas.microsoft.com/office/drawing/2014/main" id="{589072EC-DEC8-4B2C-A4E3-00A575DAEF49}"/>
+              </a:ext>
+            </a:extLst>
+          </p:cNvPr>
+          <p:cNvPicPr>
+            <a:picLocks noChangeAspect="1"/>
+          </p:cNvPicPr>
+          <p:nvPr/>
+        </p:nvPicPr>
+        <p:blipFill>
+          <a:blip r:embed="rId3"/>
+          <a:stretch>
+            <a:fillRect/>
+          </a:stretch>
+        </p:blipFill>
+        <p:spPr>
+          <a:xfrm>
+            <a:off x="855423" y="4102417"/>
+            <a:ext cx="6105525" cy="1990725"/>
+          </a:xfrm>
+          <a:prstGeom prst="rect">
+            <a:avLst/>
+          </a:prstGeom>
+        </p:spPr>
+      </p:pic>
+      <p:cxnSp>
+        <p:nvCxnSpPr>
+          <p:cNvPr id="6" name="직선 화살표 연결선 5">
+            <a:extLst>
+              <a:ext uri="{FF2B5EF4-FFF2-40B4-BE49-F238E27FC236}">
+                <a16:creationId xmlns:a16="http://schemas.microsoft.com/office/drawing/2014/main" id="{5E6ECA00-3058-49B4-BF28-75DD7D928A45}"/>
+              </a:ext>
+            </a:extLst>
+          </p:cNvPr>
+          <p:cNvCxnSpPr>
+            <a:cxnSpLocks/>
+          </p:cNvCxnSpPr>
+          <p:nvPr/>
+        </p:nvCxnSpPr>
+        <p:spPr>
+          <a:xfrm>
+            <a:off x="2087640" y="3993534"/>
+            <a:ext cx="140258" cy="1451157"/>
+          </a:xfrm>
+          <a:prstGeom prst="straightConnector1">
+            <a:avLst/>
+          </a:prstGeom>
+          <a:ln w="25400">
+            <a:solidFill>
+              <a:srgbClr val="0000FF"/>
+            </a:solidFill>
+            <a:tailEnd type="triangle"/>
+          </a:ln>
+        </p:spPr>
+        <p:style>
+          <a:lnRef idx="1">
+            <a:schemeClr val="accent1"/>
+          </a:lnRef>
+          <a:fillRef idx="0">
+            <a:schemeClr val="accent1"/>
+          </a:fillRef>
+          <a:effectRef idx="0">
+            <a:schemeClr val="accent1"/>
+          </a:effectRef>
+          <a:fontRef idx="minor">
+            <a:schemeClr val="tx1"/>
+          </a:fontRef>
+        </p:style>
+      </p:cxnSp>
+      <p:cxnSp>
+        <p:nvCxnSpPr>
+          <p:cNvPr id="8" name="직선 화살표 연결선 7">
+            <a:extLst>
+              <a:ext uri="{FF2B5EF4-FFF2-40B4-BE49-F238E27FC236}">
+                <a16:creationId xmlns:a16="http://schemas.microsoft.com/office/drawing/2014/main" id="{1D8865E8-576F-41C0-81D4-B16D01CBE86A}"/>
+              </a:ext>
+            </a:extLst>
+          </p:cNvPr>
+          <p:cNvCxnSpPr>
+            <a:cxnSpLocks/>
+          </p:cNvCxnSpPr>
+          <p:nvPr/>
+        </p:nvCxnSpPr>
+        <p:spPr>
+          <a:xfrm flipH="1">
+            <a:off x="2696688" y="3993534"/>
+            <a:ext cx="625392" cy="1938636"/>
+          </a:xfrm>
+          <a:prstGeom prst="straightConnector1">
+            <a:avLst/>
+          </a:prstGeom>
+          <a:ln w="25400">
+            <a:solidFill>
+              <a:srgbClr val="0000FF"/>
+            </a:solidFill>
+            <a:tailEnd type="triangle"/>
+          </a:ln>
+        </p:spPr>
+        <p:style>
+          <a:lnRef idx="1">
+            <a:schemeClr val="accent1"/>
+          </a:lnRef>
+          <a:fillRef idx="0">
+            <a:schemeClr val="accent1"/>
+          </a:fillRef>
+          <a:effectRef idx="0">
+            <a:schemeClr val="accent1"/>
+          </a:effectRef>
+          <a:fontRef idx="minor">
+            <a:schemeClr val="tx1"/>
+          </a:fontRef>
+        </p:style>
+      </p:cxnSp>
+      <p:pic>
+        <p:nvPicPr>
+          <p:cNvPr id="10" name="그림 9">
+            <a:extLst>
+              <a:ext uri="{FF2B5EF4-FFF2-40B4-BE49-F238E27FC236}">
+                <a16:creationId xmlns:a16="http://schemas.microsoft.com/office/drawing/2014/main" id="{8CCF7B9A-3A14-41FF-A191-F0790D2E2990}"/>
+              </a:ext>
+            </a:extLst>
+          </p:cNvPr>
+          <p:cNvPicPr>
+            <a:picLocks noChangeAspect="1"/>
+          </p:cNvPicPr>
+          <p:nvPr/>
+        </p:nvPicPr>
+        <p:blipFill>
+          <a:blip r:embed="rId4"/>
+          <a:stretch>
+            <a:fillRect/>
+          </a:stretch>
+        </p:blipFill>
+        <p:spPr>
+          <a:xfrm>
+            <a:off x="6916102" y="1861036"/>
+            <a:ext cx="2085975" cy="1066800"/>
+          </a:xfrm>
+          <a:prstGeom prst="rect">
+            <a:avLst/>
+          </a:prstGeom>
+        </p:spPr>
+      </p:pic>
+      <p:cxnSp>
+        <p:nvCxnSpPr>
+          <p:cNvPr id="12" name="직선 화살표 연결선 11">
+            <a:extLst>
+              <a:ext uri="{FF2B5EF4-FFF2-40B4-BE49-F238E27FC236}">
+                <a16:creationId xmlns:a16="http://schemas.microsoft.com/office/drawing/2014/main" id="{99FE7D2C-28AF-4B8B-8BF1-8671EEDECC14}"/>
+              </a:ext>
+            </a:extLst>
+          </p:cNvPr>
+          <p:cNvCxnSpPr>
+            <a:cxnSpLocks/>
+          </p:cNvCxnSpPr>
+          <p:nvPr/>
+        </p:nvCxnSpPr>
+        <p:spPr>
+          <a:xfrm>
+            <a:off x="4937760" y="1772193"/>
+            <a:ext cx="2023188" cy="433797"/>
+          </a:xfrm>
+          <a:prstGeom prst="straightConnector1">
+            <a:avLst/>
+          </a:prstGeom>
+          <a:ln w="25400">
+            <a:solidFill>
+              <a:srgbClr val="0000FF"/>
+            </a:solidFill>
+            <a:tailEnd type="triangle"/>
+          </a:ln>
+        </p:spPr>
+        <p:style>
+          <a:lnRef idx="1">
+            <a:schemeClr val="accent1"/>
+          </a:lnRef>
+          <a:fillRef idx="0">
+            <a:schemeClr val="accent1"/>
+          </a:fillRef>
+          <a:effectRef idx="0">
+            <a:schemeClr val="accent1"/>
+          </a:effectRef>
+          <a:fontRef idx="minor">
+            <a:schemeClr val="tx1"/>
+          </a:fontRef>
+        </p:style>
+      </p:cxnSp>
+      <p:cxnSp>
+        <p:nvCxnSpPr>
+          <p:cNvPr id="15" name="직선 화살표 연결선 14">
+            <a:extLst>
+              <a:ext uri="{FF2B5EF4-FFF2-40B4-BE49-F238E27FC236}">
+                <a16:creationId xmlns:a16="http://schemas.microsoft.com/office/drawing/2014/main" id="{C89D4BA3-43E1-4D40-9A9B-A2207C88E677}"/>
+              </a:ext>
+            </a:extLst>
+          </p:cNvPr>
+          <p:cNvCxnSpPr>
+            <a:cxnSpLocks/>
+          </p:cNvCxnSpPr>
+          <p:nvPr/>
+        </p:nvCxnSpPr>
+        <p:spPr>
+          <a:xfrm>
+            <a:off x="3863340" y="2377440"/>
+            <a:ext cx="3097608" cy="131470"/>
+          </a:xfrm>
+          <a:prstGeom prst="straightConnector1">
+            <a:avLst/>
+          </a:prstGeom>
+          <a:ln w="25400">
+            <a:solidFill>
+              <a:srgbClr val="0000FF"/>
+            </a:solidFill>
+            <a:tailEnd type="triangle"/>
+          </a:ln>
+        </p:spPr>
+        <p:style>
+          <a:lnRef idx="1">
+            <a:schemeClr val="accent1"/>
+          </a:lnRef>
+          <a:fillRef idx="0">
+            <a:schemeClr val="accent1"/>
+          </a:fillRef>
+          <a:effectRef idx="0">
+            <a:schemeClr val="accent1"/>
+          </a:effectRef>
+          <a:fontRef idx="minor">
+            <a:schemeClr val="tx1"/>
+          </a:fontRef>
+        </p:style>
+      </p:cxnSp>
+    </p:spTree>
+    <p:extLst>
+      <p:ext uri="{BB962C8B-B14F-4D97-AF65-F5344CB8AC3E}">
+        <p14:creationId xmlns:p14="http://schemas.microsoft.com/office/powerpoint/2010/main" val="284537333"/>
+      </p:ext>
+    </p:extLst>
+  </p:cSld>
+  <p:clrMapOvr>
+    <a:masterClrMapping/>
+  </p:clrMapOvr>
+</p:sld>
+</file>
+
+<file path=ppt/slides/slide35.xml><?xml version="1.0" encoding="utf-8"?>
+<p:sld xmlns:a="http://schemas.openxmlformats.org/drawingml/2006/main" xmlns:r="http://schemas.openxmlformats.org/officeDocument/2006/relationships" xmlns:p="http://schemas.openxmlformats.org/presentationml/2006/main">
+  <p:cSld>
+    <p:spTree>
+      <p:nvGrpSpPr>
+        <p:cNvPr id="1" name=""/>
+        <p:cNvGrpSpPr/>
+        <p:nvPr/>
+      </p:nvGrpSpPr>
+      <p:grpSpPr>
+        <a:xfrm>
+          <a:off x="0" y="0"/>
+          <a:ext cx="0" cy="0"/>
+          <a:chOff x="0" y="0"/>
+          <a:chExt cx="0" cy="0"/>
+        </a:xfrm>
+      </p:grpSpPr>
+      <p:sp>
+        <p:nvSpPr>
+          <p:cNvPr id="4" name="제목 3">
+            <a:extLst>
+              <a:ext uri="{FF2B5EF4-FFF2-40B4-BE49-F238E27FC236}">
+                <a16:creationId xmlns:a16="http://schemas.microsoft.com/office/drawing/2014/main" id="{F0CEB32B-CB43-4410-BA08-A97E4BC47FCB}"/>
+              </a:ext>
+            </a:extLst>
+          </p:cNvPr>
+          <p:cNvSpPr>
+            <a:spLocks noGrp="1"/>
+          </p:cNvSpPr>
+          <p:nvPr>
+            <p:ph type="title"/>
+          </p:nvPr>
+        </p:nvSpPr>
+        <p:spPr>
+          <a:xfrm>
+            <a:off x="539551" y="192300"/>
+            <a:ext cx="8244853" cy="576064"/>
+          </a:xfrm>
+        </p:spPr>
+        <p:txBody>
+          <a:bodyPr>
+            <a:normAutofit/>
+          </a:bodyPr>
+          <a:lstStyle/>
+          <a:p>
+            <a:r>
+              <a:rPr lang="ko-KR" altLang="en-US" dirty="0"/>
+              <a:t>오픈소스 참조</a:t>
+            </a:r>
+          </a:p>
+        </p:txBody>
+      </p:sp>
+      <p:sp>
+        <p:nvSpPr>
+          <p:cNvPr id="11" name="내용 개체 틀 2">
+            <a:extLst>
+              <a:ext uri="{FF2B5EF4-FFF2-40B4-BE49-F238E27FC236}">
+                <a16:creationId xmlns:a16="http://schemas.microsoft.com/office/drawing/2014/main" id="{A44AC902-3746-40D6-9827-94B46EEDDC67}"/>
+              </a:ext>
+            </a:extLst>
+          </p:cNvPr>
+          <p:cNvSpPr txBox="1">
+            <a:spLocks/>
+          </p:cNvSpPr>
+          <p:nvPr/>
+        </p:nvSpPr>
+        <p:spPr>
+          <a:xfrm>
+            <a:off x="341787" y="957257"/>
+            <a:ext cx="8642350" cy="5225829"/>
+          </a:xfrm>
+          <a:prstGeom prst="rect">
+            <a:avLst/>
+          </a:prstGeom>
+        </p:spPr>
+        <p:txBody>
+          <a:bodyPr vert="horz" lIns="91440" tIns="45720" rIns="91440" bIns="45720" rtlCol="0">
+            <a:noAutofit/>
+          </a:bodyPr>
+          <a:lstStyle>
+            <a:lvl1pPr marL="266700" indent="-266700" defTabSz="914400" latinLnBrk="1">
+              <a:lnSpc>
+                <a:spcPct val="150000"/>
+              </a:lnSpc>
+              <a:spcBef>
+                <a:spcPct val="0"/>
+              </a:spcBef>
+              <a:buClr>
+                <a:schemeClr val="tx1">
+                  <a:lumMod val="65000"/>
+                  <a:lumOff val="35000"/>
+                </a:schemeClr>
+              </a:buClr>
+              <a:buFont typeface="Wingdings" pitchFamily="2" charset="2"/>
+              <a:buChar char="n"/>
+              <a:defRPr sz="2000" b="1">
+                <a:latin typeface="+mn-ea"/>
+              </a:defRPr>
+            </a:lvl1pPr>
+            <a:lvl2pPr marL="447675" lvl="1" indent="-180975" defTabSz="914400" latinLnBrk="1">
+              <a:lnSpc>
+                <a:spcPct val="150000"/>
+              </a:lnSpc>
+              <a:spcBef>
+                <a:spcPts val="0"/>
+              </a:spcBef>
+              <a:spcAft>
+                <a:spcPts val="0"/>
+              </a:spcAft>
+              <a:buClr>
+                <a:schemeClr val="tx1">
+                  <a:lumMod val="50000"/>
+                  <a:lumOff val="50000"/>
+                </a:schemeClr>
+              </a:buClr>
+              <a:buFont typeface="Wingdings" pitchFamily="2" charset="2"/>
+              <a:buChar char="§"/>
+              <a:defRPr sz="1600"/>
+            </a:lvl2pPr>
+            <a:lvl3pPr marL="628650" indent="-180975" defTabSz="914400" latinLnBrk="1">
+              <a:lnSpc>
+                <a:spcPct val="150000"/>
+              </a:lnSpc>
+              <a:spcBef>
+                <a:spcPts val="500"/>
+              </a:spcBef>
+              <a:spcAft>
+                <a:spcPts val="300"/>
+              </a:spcAft>
+              <a:buClr>
+                <a:schemeClr val="tx1">
+                  <a:lumMod val="65000"/>
+                  <a:lumOff val="35000"/>
+                </a:schemeClr>
+              </a:buClr>
+              <a:buFont typeface="Arial" panose="020B0604020202020204" pitchFamily="34" charset="0"/>
+              <a:buChar char="•"/>
+              <a:defRPr sz="1400"/>
+            </a:lvl3pPr>
+            <a:lvl4pPr marL="809625" indent="-180975" defTabSz="914400" latinLnBrk="1">
+              <a:lnSpc>
+                <a:spcPct val="150000"/>
+              </a:lnSpc>
+              <a:spcBef>
+                <a:spcPts val="500"/>
+              </a:spcBef>
+              <a:spcAft>
+                <a:spcPts val="300"/>
+              </a:spcAft>
+              <a:buClr>
+                <a:schemeClr val="tx1">
+                  <a:lumMod val="65000"/>
+                  <a:lumOff val="35000"/>
+                </a:schemeClr>
+              </a:buClr>
+              <a:buSzPct val="96000"/>
+              <a:buFont typeface="Arial" panose="020B0604020202020204" pitchFamily="34" charset="0"/>
+              <a:buChar char="•"/>
+              <a:defRPr sz="1200"/>
+            </a:lvl4pPr>
+            <a:lvl5pPr marL="990600" indent="-180975" defTabSz="914400" latinLnBrk="1">
+              <a:lnSpc>
+                <a:spcPct val="150000"/>
+              </a:lnSpc>
+              <a:spcBef>
+                <a:spcPts val="500"/>
+              </a:spcBef>
+              <a:buClr>
+                <a:schemeClr val="tx1">
+                  <a:lumMod val="65000"/>
+                  <a:lumOff val="35000"/>
+                </a:schemeClr>
+              </a:buClr>
+              <a:buFont typeface="Arial" panose="020B0604020202020204" pitchFamily="34" charset="0"/>
+              <a:buChar char="•"/>
+              <a:defRPr sz="1000"/>
+            </a:lvl5pPr>
+            <a:lvl6pPr marL="2514600" indent="-228600" defTabSz="914400" latinLnBrk="1">
+              <a:lnSpc>
+                <a:spcPct val="90000"/>
+              </a:lnSpc>
+              <a:spcBef>
+                <a:spcPts val="500"/>
+              </a:spcBef>
+              <a:buFont typeface="Arial" panose="020B0604020202020204" pitchFamily="34" charset="0"/>
+              <a:buChar char="•"/>
+            </a:lvl6pPr>
+            <a:lvl7pPr marL="2971800" indent="-228600" defTabSz="914400" latinLnBrk="1">
+              <a:lnSpc>
+                <a:spcPct val="90000"/>
+              </a:lnSpc>
+              <a:spcBef>
+                <a:spcPts val="500"/>
+              </a:spcBef>
+              <a:buFont typeface="Arial" panose="020B0604020202020204" pitchFamily="34" charset="0"/>
+              <a:buChar char="•"/>
+            </a:lvl7pPr>
+            <a:lvl8pPr marL="3429000" indent="-228600" defTabSz="914400" latinLnBrk="1">
+              <a:lnSpc>
+                <a:spcPct val="90000"/>
+              </a:lnSpc>
+              <a:spcBef>
+                <a:spcPts val="500"/>
+              </a:spcBef>
+              <a:buFont typeface="Arial" panose="020B0604020202020204" pitchFamily="34" charset="0"/>
+              <a:buChar char="•"/>
+            </a:lvl8pPr>
+            <a:lvl9pPr marL="3886200" indent="-228600" defTabSz="914400" latinLnBrk="1">
+              <a:lnSpc>
+                <a:spcPct val="90000"/>
+              </a:lnSpc>
+              <a:spcBef>
+                <a:spcPts val="500"/>
+              </a:spcBef>
+              <a:buFont typeface="Arial" panose="020B0604020202020204" pitchFamily="34" charset="0"/>
+              <a:buChar char="•"/>
+            </a:lvl9pPr>
+          </a:lstStyle>
+          <a:p>
+            <a:r>
+              <a:rPr lang="ko-KR" altLang="en-US" dirty="0"/>
               <a:t>오픈소스 소개</a:t>
             </a:r>
             <a:endParaRPr lang="en-US" altLang="ko-KR" dirty="0"/>
@@ -22929,7 +23775,7 @@
     </p:spTree>
     <p:extLst>
       <p:ext uri="{BB962C8B-B14F-4D97-AF65-F5344CB8AC3E}">
-        <p14:creationId xmlns:p14="http://schemas.microsoft.com/office/powerpoint/2010/main" val="284537333"/>
+        <p14:creationId xmlns:p14="http://schemas.microsoft.com/office/powerpoint/2010/main" val="643486013"/>
       </p:ext>
     </p:extLst>
   </p:cSld>

--- a/git및github첫걸음3-forkclonePR.pptx
+++ b/git및github첫걸음3-forkclonePR.pptx
@@ -5,7 +5,7 @@
     <p:sldMasterId id="2147483660" r:id="rId1"/>
   </p:sldMasterIdLst>
   <p:notesMasterIdLst>
-    <p:notesMasterId r:id="rId37"/>
+    <p:notesMasterId r:id="rId39"/>
   </p:notesMasterIdLst>
   <p:sldIdLst>
     <p:sldId id="369" r:id="rId2"/>
@@ -27,22 +27,24 @@
     <p:sldId id="291" r:id="rId18"/>
     <p:sldId id="461" r:id="rId19"/>
     <p:sldId id="462" r:id="rId20"/>
-    <p:sldId id="463" r:id="rId21"/>
-    <p:sldId id="464" r:id="rId22"/>
-    <p:sldId id="465" r:id="rId23"/>
-    <p:sldId id="466" r:id="rId24"/>
-    <p:sldId id="467" r:id="rId25"/>
-    <p:sldId id="468" r:id="rId26"/>
-    <p:sldId id="469" r:id="rId27"/>
-    <p:sldId id="470" r:id="rId28"/>
-    <p:sldId id="471" r:id="rId29"/>
-    <p:sldId id="472" r:id="rId30"/>
-    <p:sldId id="473" r:id="rId31"/>
-    <p:sldId id="474" r:id="rId32"/>
-    <p:sldId id="475" r:id="rId33"/>
-    <p:sldId id="476" r:id="rId34"/>
-    <p:sldId id="479" r:id="rId35"/>
-    <p:sldId id="480" r:id="rId36"/>
+    <p:sldId id="481" r:id="rId21"/>
+    <p:sldId id="463" r:id="rId22"/>
+    <p:sldId id="464" r:id="rId23"/>
+    <p:sldId id="465" r:id="rId24"/>
+    <p:sldId id="466" r:id="rId25"/>
+    <p:sldId id="482" r:id="rId26"/>
+    <p:sldId id="467" r:id="rId27"/>
+    <p:sldId id="468" r:id="rId28"/>
+    <p:sldId id="469" r:id="rId29"/>
+    <p:sldId id="470" r:id="rId30"/>
+    <p:sldId id="471" r:id="rId31"/>
+    <p:sldId id="472" r:id="rId32"/>
+    <p:sldId id="473" r:id="rId33"/>
+    <p:sldId id="474" r:id="rId34"/>
+    <p:sldId id="475" r:id="rId35"/>
+    <p:sldId id="476" r:id="rId36"/>
+    <p:sldId id="480" r:id="rId37"/>
+    <p:sldId id="479" r:id="rId38"/>
   </p:sldIdLst>
   <p:sldSz cx="9144000" cy="6858000" type="screen4x3"/>
   <p:notesSz cx="6858000" cy="9144000"/>
@@ -242,7 +244,7 @@
           <a:p>
             <a:fld id="{A17B9194-BDE3-40E3-983E-94CE6FA773AF}" type="datetimeFigureOut">
               <a:rPr lang="ko-KR" altLang="en-US" smtClean="0"/>
-              <a:t>2021-04-12</a:t>
+              <a:t>2021-04-15</a:t>
             </a:fld>
             <a:endParaRPr lang="ko-KR" altLang="en-US"/>
           </a:p>
@@ -553,6 +555,52 @@
           <a:bodyPr/>
           <a:lstStyle/>
           <a:p>
+            <a:r>
+              <a:rPr lang="en-US" altLang="ko-KR" dirty="0"/>
+              <a:t>Upstream </a:t>
+            </a:r>
+            <a:r>
+              <a:rPr lang="ko-KR" altLang="en-US" dirty="0"/>
+              <a:t>개념과 </a:t>
+            </a:r>
+            <a:r>
+              <a:rPr lang="en-US" altLang="ko-KR" dirty="0"/>
+              <a:t>origin </a:t>
+            </a:r>
+            <a:r>
+              <a:rPr lang="ko-KR" altLang="en-US" dirty="0"/>
+              <a:t>개념 이해 시키기</a:t>
+            </a:r>
+            <a:r>
+              <a:rPr lang="en-US" altLang="ko-KR" dirty="0"/>
+              <a:t>. </a:t>
+            </a:r>
+            <a:r>
+              <a:rPr lang="ko-KR" altLang="en-US" dirty="0"/>
+              <a:t>이름은 자기 마음대로 정할 수 있으나 일반 </a:t>
+            </a:r>
+            <a:r>
+              <a:rPr lang="en-US" altLang="ko-KR" dirty="0"/>
+              <a:t>convention</a:t>
+            </a:r>
+            <a:r>
+              <a:rPr lang="ko-KR" altLang="en-US" dirty="0"/>
+              <a:t>를 사용하는 것이 좋음</a:t>
+            </a:r>
+            <a:r>
+              <a:rPr lang="en-US" altLang="ko-KR" dirty="0"/>
+              <a:t>.</a:t>
+            </a:r>
+          </a:p>
+          <a:p>
+            <a:r>
+              <a:rPr lang="ko-KR" altLang="en-US" dirty="0"/>
+              <a:t>복사 복제 같은 의미로 사용함</a:t>
+            </a:r>
+            <a:r>
+              <a:rPr lang="en-US" altLang="ko-KR" dirty="0"/>
+              <a:t>.</a:t>
+            </a:r>
             <a:endParaRPr lang="ko-KR" altLang="en-US" dirty="0"/>
           </a:p>
         </p:txBody>
@@ -747,31 +795,7 @@
                 <a:ea typeface="+mn-ea"/>
                 <a:cs typeface="+mn-cs"/>
               </a:rPr>
-              <a:t>2. </a:t>
-            </a:r>
-            <a:r>
-              <a:rPr lang="en-US" altLang="ko-KR" sz="1200" b="0" i="0" kern="1200" dirty="0" err="1">
-                <a:solidFill>
-                  <a:schemeClr val="tx1"/>
-                </a:solidFill>
-                <a:effectLst/>
-                <a:latin typeface="+mn-lt"/>
-                <a:ea typeface="+mn-ea"/>
-                <a:cs typeface="+mn-cs"/>
-              </a:rPr>
-              <a:t>git</a:t>
-            </a:r>
-            <a:r>
-              <a:rPr lang="en-US" altLang="ko-KR" sz="1200" b="0" i="0" kern="1200" dirty="0">
-                <a:solidFill>
-                  <a:schemeClr val="tx1"/>
-                </a:solidFill>
-                <a:effectLst/>
-                <a:latin typeface="+mn-lt"/>
-                <a:ea typeface="+mn-ea"/>
-                <a:cs typeface="+mn-cs"/>
-              </a:rPr>
-              <a:t> branch –a # This will show you all the remote branches.</a:t>
+              <a:t>2. git branch -a # This will show you all the remote branches.</a:t>
             </a:r>
           </a:p>
           <a:p>
@@ -2085,168 +2109,6 @@
           <a:bodyPr/>
           <a:lstStyle/>
           <a:p>
-            <a:pPr algn="l" fontAlgn="base"/>
-            <a:r>
-              <a:rPr lang="en-US" altLang="ko-KR" b="0" i="0" dirty="0">
-                <a:solidFill>
-                  <a:srgbClr val="242729"/>
-                </a:solidFill>
-                <a:effectLst/>
-                <a:latin typeface="Arial" panose="020B0604020202020204" pitchFamily="34" charset="0"/>
-              </a:rPr>
-              <a:t>A pull request has at the top of the page it's status. There's 3 </a:t>
-            </a:r>
-            <a:r>
-              <a:rPr lang="en-US" altLang="ko-KR" b="0" i="0" dirty="0" err="1">
-                <a:solidFill>
-                  <a:srgbClr val="242729"/>
-                </a:solidFill>
-                <a:effectLst/>
-                <a:latin typeface="Arial" panose="020B0604020202020204" pitchFamily="34" charset="0"/>
-              </a:rPr>
-              <a:t>possibilties</a:t>
-            </a:r>
-            <a:r>
-              <a:rPr lang="en-US" altLang="ko-KR" b="0" i="0" dirty="0">
-                <a:solidFill>
-                  <a:srgbClr val="242729"/>
-                </a:solidFill>
-                <a:effectLst/>
-                <a:latin typeface="Arial" panose="020B0604020202020204" pitchFamily="34" charset="0"/>
-              </a:rPr>
-              <a:t>:</a:t>
-            </a:r>
-          </a:p>
-          <a:p>
-            <a:pPr algn="l" fontAlgn="base"/>
-            <a:r>
-              <a:rPr lang="en-US" altLang="ko-KR" b="0" i="0" dirty="0">
-                <a:solidFill>
-                  <a:srgbClr val="242729"/>
-                </a:solidFill>
-                <a:effectLst/>
-                <a:latin typeface="Arial" panose="020B0604020202020204" pitchFamily="34" charset="0"/>
-              </a:rPr>
-              <a:t>PR</a:t>
-            </a:r>
-            <a:r>
-              <a:rPr lang="ko-KR" altLang="en-US" b="0" i="0" dirty="0">
-                <a:solidFill>
-                  <a:srgbClr val="242729"/>
-                </a:solidFill>
-                <a:effectLst/>
-                <a:latin typeface="Arial" panose="020B0604020202020204" pitchFamily="34" charset="0"/>
-              </a:rPr>
-              <a:t>은 세가지 상태만 존재</a:t>
-            </a:r>
-            <a:endParaRPr lang="en-US" altLang="ko-KR" b="0" i="0" dirty="0">
-              <a:solidFill>
-                <a:srgbClr val="242729"/>
-              </a:solidFill>
-              <a:effectLst/>
-              <a:latin typeface="Arial" panose="020B0604020202020204" pitchFamily="34" charset="0"/>
-            </a:endParaRPr>
-          </a:p>
-          <a:p>
-            <a:pPr algn="l" fontAlgn="base">
-              <a:buFont typeface="Arial" panose="020B0604020202020204" pitchFamily="34" charset="0"/>
-              <a:buChar char="•"/>
-            </a:pPr>
-            <a:r>
-              <a:rPr lang="en-US" altLang="ko-KR" b="0" i="0" dirty="0">
-                <a:solidFill>
-                  <a:srgbClr val="242729"/>
-                </a:solidFill>
-                <a:effectLst/>
-                <a:latin typeface="inherit"/>
-              </a:rPr>
-              <a:t> open: pending, might need some change. </a:t>
-            </a:r>
-            <a:r>
-              <a:rPr lang="ko-KR" altLang="en-US" b="0" i="0" dirty="0">
-                <a:solidFill>
-                  <a:srgbClr val="242729"/>
-                </a:solidFill>
-                <a:effectLst/>
-                <a:latin typeface="inherit"/>
-              </a:rPr>
-              <a:t>진행중</a:t>
-            </a:r>
-            <a:endParaRPr lang="en-US" altLang="ko-KR" b="0" i="0" dirty="0">
-              <a:solidFill>
-                <a:srgbClr val="242729"/>
-              </a:solidFill>
-              <a:effectLst/>
-              <a:latin typeface="inherit"/>
-            </a:endParaRPr>
-          </a:p>
-          <a:p>
-            <a:pPr algn="l" fontAlgn="base">
-              <a:buFont typeface="Arial" panose="020B0604020202020204" pitchFamily="34" charset="0"/>
-              <a:buChar char="•"/>
-            </a:pPr>
-            <a:r>
-              <a:rPr lang="en-US" altLang="ko-KR" b="0" i="0" dirty="0">
-                <a:solidFill>
-                  <a:srgbClr val="242729"/>
-                </a:solidFill>
-                <a:effectLst/>
-                <a:latin typeface="inherit"/>
-              </a:rPr>
-              <a:t> closed: refused, </a:t>
-            </a:r>
-            <a:r>
-              <a:rPr lang="ko-KR" altLang="en-US" b="0" i="0" dirty="0">
-                <a:solidFill>
-                  <a:srgbClr val="242729"/>
-                </a:solidFill>
-                <a:effectLst/>
-                <a:latin typeface="inherit"/>
-              </a:rPr>
-              <a:t>반려</a:t>
-            </a:r>
-            <a:endParaRPr lang="en-US" altLang="ko-KR" b="0" i="0" dirty="0">
-              <a:solidFill>
-                <a:srgbClr val="242729"/>
-              </a:solidFill>
-              <a:effectLst/>
-              <a:latin typeface="inherit"/>
-            </a:endParaRPr>
-          </a:p>
-          <a:p>
-            <a:pPr algn="l" fontAlgn="base">
-              <a:buFont typeface="Arial" panose="020B0604020202020204" pitchFamily="34" charset="0"/>
-              <a:buChar char="•"/>
-            </a:pPr>
-            <a:r>
-              <a:rPr lang="en-US" altLang="ko-KR" b="0" i="0" dirty="0">
-                <a:solidFill>
-                  <a:srgbClr val="242729"/>
-                </a:solidFill>
-                <a:effectLst/>
-                <a:latin typeface="inherit"/>
-              </a:rPr>
-              <a:t> merged</a:t>
-            </a:r>
-            <a:r>
-              <a:rPr lang="en-US" altLang="ko-KR" b="0" i="0">
-                <a:solidFill>
-                  <a:srgbClr val="242729"/>
-                </a:solidFill>
-                <a:effectLst/>
-                <a:latin typeface="inherit"/>
-              </a:rPr>
-              <a:t>: accepted, </a:t>
-            </a:r>
-            <a:endParaRPr lang="en-US" altLang="ko-KR" b="0" i="0" dirty="0">
-              <a:solidFill>
-                <a:srgbClr val="242729"/>
-              </a:solidFill>
-              <a:effectLst/>
-              <a:latin typeface="inherit"/>
-            </a:endParaRPr>
-          </a:p>
-          <a:p>
             <a:endParaRPr lang="ko-KR" altLang="en-US" dirty="0"/>
           </a:p>
         </p:txBody>
@@ -2277,7 +2139,7 @@
     </p:spTree>
     <p:extLst>
       <p:ext uri="{BB962C8B-B14F-4D97-AF65-F5344CB8AC3E}">
-        <p14:creationId xmlns:p14="http://schemas.microsoft.com/office/powerpoint/2010/main" val="2284435275"/>
+        <p14:creationId xmlns:p14="http://schemas.microsoft.com/office/powerpoint/2010/main" val="955375317"/>
       </p:ext>
     </p:extLst>
   </p:cSld>
@@ -2365,16 +2227,98 @@
             </a:r>
             <a:r>
               <a:rPr lang="ko-KR" altLang="en-US" baseline="0" dirty="0"/>
-              <a:t>본인 </a:t>
-            </a:r>
-            <a:r>
-              <a:rPr lang="ko-KR" altLang="en-US" baseline="0" dirty="0" err="1"/>
-              <a:t>니네임</a:t>
+              <a:t>본인 닉네임</a:t>
             </a:r>
             <a:r>
               <a:rPr lang="en-US" altLang="ko-KR" baseline="0" dirty="0"/>
               <a:t>)</a:t>
             </a:r>
+          </a:p>
+          <a:p>
+            <a:r>
+              <a:rPr lang="ko-KR" altLang="en-US" baseline="0" dirty="0"/>
+              <a:t>지난번 시간에 만들어 사용한 </a:t>
+            </a:r>
+            <a:r>
+              <a:rPr lang="en-US" altLang="ko-KR" baseline="0" dirty="0"/>
+              <a:t>repo </a:t>
+            </a:r>
+            <a:r>
+              <a:rPr lang="ko-KR" altLang="en-US" baseline="0" dirty="0"/>
+              <a:t>사용</a:t>
+            </a:r>
+            <a:endParaRPr lang="en-US" altLang="ko-KR" baseline="0" dirty="0"/>
+          </a:p>
+          <a:p>
+            <a:r>
+              <a:rPr lang="ko-KR" altLang="en-US" baseline="0" dirty="0"/>
+              <a:t>두 명씩 짝지어서 진행 </a:t>
+            </a:r>
+            <a:r>
+              <a:rPr lang="en-US" altLang="ko-KR" baseline="0" dirty="0"/>
+              <a:t>(</a:t>
+            </a:r>
+            <a:r>
+              <a:rPr lang="ko-KR" altLang="en-US" baseline="0" dirty="0"/>
+              <a:t>아니면 순서대로 진행</a:t>
+            </a:r>
+            <a:r>
+              <a:rPr lang="en-US" altLang="ko-KR" baseline="0" dirty="0"/>
+              <a:t>. 1</a:t>
+            </a:r>
+            <a:r>
+              <a:rPr lang="ko-KR" altLang="en-US" baseline="0" dirty="0"/>
+              <a:t>번은 </a:t>
+            </a:r>
+            <a:r>
+              <a:rPr lang="en-US" altLang="ko-KR" baseline="0" dirty="0"/>
+              <a:t>2</a:t>
+            </a:r>
+            <a:r>
+              <a:rPr lang="ko-KR" altLang="en-US" baseline="0" dirty="0"/>
+              <a:t>번을 </a:t>
+            </a:r>
+            <a:r>
+              <a:rPr lang="en-US" altLang="ko-KR" baseline="0" dirty="0"/>
+              <a:t>fork</a:t>
+            </a:r>
+            <a:r>
+              <a:rPr lang="ko-KR" altLang="en-US" baseline="0" dirty="0"/>
+              <a:t>하고</a:t>
+            </a:r>
+            <a:r>
+              <a:rPr lang="en-US" altLang="ko-KR" baseline="0" dirty="0"/>
+              <a:t>, 2</a:t>
+            </a:r>
+            <a:r>
+              <a:rPr lang="ko-KR" altLang="en-US" baseline="0" dirty="0"/>
+              <a:t>번은 </a:t>
+            </a:r>
+            <a:r>
+              <a:rPr lang="en-US" altLang="ko-KR" baseline="0" dirty="0"/>
+              <a:t>3</a:t>
+            </a:r>
+            <a:r>
+              <a:rPr lang="ko-KR" altLang="en-US" baseline="0" dirty="0"/>
+              <a:t>번을 </a:t>
+            </a:r>
+            <a:r>
+              <a:rPr lang="en-US" altLang="ko-KR" baseline="0" dirty="0"/>
+              <a:t>fork</a:t>
+            </a:r>
+            <a:r>
+              <a:rPr lang="ko-KR" altLang="en-US" baseline="0" dirty="0"/>
+              <a:t>하는 식으로</a:t>
+            </a:r>
+            <a:r>
+              <a:rPr lang="en-US" altLang="ko-KR" baseline="0" dirty="0"/>
+              <a:t>..</a:t>
+            </a:r>
+          </a:p>
+          <a:p>
+            <a:endParaRPr lang="en-US" altLang="ko-KR" baseline="0" dirty="0"/>
+          </a:p>
+          <a:p>
             <a:endParaRPr lang="ko-KR" altLang="en-US" dirty="0"/>
           </a:p>
         </p:txBody>
@@ -2459,6 +2403,168 @@
           <a:bodyPr/>
           <a:lstStyle/>
           <a:p>
+            <a:pPr algn="l" fontAlgn="base"/>
+            <a:r>
+              <a:rPr lang="en-US" altLang="ko-KR" b="0" i="0" dirty="0">
+                <a:solidFill>
+                  <a:srgbClr val="242729"/>
+                </a:solidFill>
+                <a:effectLst/>
+                <a:latin typeface="Arial" panose="020B0604020202020204" pitchFamily="34" charset="0"/>
+              </a:rPr>
+              <a:t>A pull request has at the top of the page it's status. There's 3 </a:t>
+            </a:r>
+            <a:r>
+              <a:rPr lang="en-US" altLang="ko-KR" b="0" i="0" dirty="0" err="1">
+                <a:solidFill>
+                  <a:srgbClr val="242729"/>
+                </a:solidFill>
+                <a:effectLst/>
+                <a:latin typeface="Arial" panose="020B0604020202020204" pitchFamily="34" charset="0"/>
+              </a:rPr>
+              <a:t>possibilties</a:t>
+            </a:r>
+            <a:r>
+              <a:rPr lang="en-US" altLang="ko-KR" b="0" i="0" dirty="0">
+                <a:solidFill>
+                  <a:srgbClr val="242729"/>
+                </a:solidFill>
+                <a:effectLst/>
+                <a:latin typeface="Arial" panose="020B0604020202020204" pitchFamily="34" charset="0"/>
+              </a:rPr>
+              <a:t>:</a:t>
+            </a:r>
+          </a:p>
+          <a:p>
+            <a:pPr algn="l" fontAlgn="base"/>
+            <a:r>
+              <a:rPr lang="en-US" altLang="ko-KR" b="0" i="0" dirty="0">
+                <a:solidFill>
+                  <a:srgbClr val="242729"/>
+                </a:solidFill>
+                <a:effectLst/>
+                <a:latin typeface="Arial" panose="020B0604020202020204" pitchFamily="34" charset="0"/>
+              </a:rPr>
+              <a:t>PR</a:t>
+            </a:r>
+            <a:r>
+              <a:rPr lang="ko-KR" altLang="en-US" b="0" i="0" dirty="0">
+                <a:solidFill>
+                  <a:srgbClr val="242729"/>
+                </a:solidFill>
+                <a:effectLst/>
+                <a:latin typeface="Arial" panose="020B0604020202020204" pitchFamily="34" charset="0"/>
+              </a:rPr>
+              <a:t>은 세가지 상태만 존재</a:t>
+            </a:r>
+            <a:endParaRPr lang="en-US" altLang="ko-KR" b="0" i="0" dirty="0">
+              <a:solidFill>
+                <a:srgbClr val="242729"/>
+              </a:solidFill>
+              <a:effectLst/>
+              <a:latin typeface="Arial" panose="020B0604020202020204" pitchFamily="34" charset="0"/>
+            </a:endParaRPr>
+          </a:p>
+          <a:p>
+            <a:pPr algn="l" fontAlgn="base">
+              <a:buFont typeface="Arial" panose="020B0604020202020204" pitchFamily="34" charset="0"/>
+              <a:buChar char="•"/>
+            </a:pPr>
+            <a:r>
+              <a:rPr lang="en-US" altLang="ko-KR" b="0" i="0" dirty="0">
+                <a:solidFill>
+                  <a:srgbClr val="242729"/>
+                </a:solidFill>
+                <a:effectLst/>
+                <a:latin typeface="inherit"/>
+              </a:rPr>
+              <a:t> open: pending, might need some change. </a:t>
+            </a:r>
+            <a:r>
+              <a:rPr lang="ko-KR" altLang="en-US" b="0" i="0" dirty="0">
+                <a:solidFill>
+                  <a:srgbClr val="242729"/>
+                </a:solidFill>
+                <a:effectLst/>
+                <a:latin typeface="inherit"/>
+              </a:rPr>
+              <a:t>진행중</a:t>
+            </a:r>
+            <a:endParaRPr lang="en-US" altLang="ko-KR" b="0" i="0" dirty="0">
+              <a:solidFill>
+                <a:srgbClr val="242729"/>
+              </a:solidFill>
+              <a:effectLst/>
+              <a:latin typeface="inherit"/>
+            </a:endParaRPr>
+          </a:p>
+          <a:p>
+            <a:pPr algn="l" fontAlgn="base">
+              <a:buFont typeface="Arial" panose="020B0604020202020204" pitchFamily="34" charset="0"/>
+              <a:buChar char="•"/>
+            </a:pPr>
+            <a:r>
+              <a:rPr lang="en-US" altLang="ko-KR" b="0" i="0" dirty="0">
+                <a:solidFill>
+                  <a:srgbClr val="242729"/>
+                </a:solidFill>
+                <a:effectLst/>
+                <a:latin typeface="inherit"/>
+              </a:rPr>
+              <a:t> closed: refused, </a:t>
+            </a:r>
+            <a:r>
+              <a:rPr lang="ko-KR" altLang="en-US" b="0" i="0" dirty="0">
+                <a:solidFill>
+                  <a:srgbClr val="242729"/>
+                </a:solidFill>
+                <a:effectLst/>
+                <a:latin typeface="inherit"/>
+              </a:rPr>
+              <a:t>반려</a:t>
+            </a:r>
+            <a:endParaRPr lang="en-US" altLang="ko-KR" b="0" i="0" dirty="0">
+              <a:solidFill>
+                <a:srgbClr val="242729"/>
+              </a:solidFill>
+              <a:effectLst/>
+              <a:latin typeface="inherit"/>
+            </a:endParaRPr>
+          </a:p>
+          <a:p>
+            <a:pPr algn="l" fontAlgn="base">
+              <a:buFont typeface="Arial" panose="020B0604020202020204" pitchFamily="34" charset="0"/>
+              <a:buChar char="•"/>
+            </a:pPr>
+            <a:r>
+              <a:rPr lang="en-US" altLang="ko-KR" b="0" i="0" dirty="0">
+                <a:solidFill>
+                  <a:srgbClr val="242729"/>
+                </a:solidFill>
+                <a:effectLst/>
+                <a:latin typeface="inherit"/>
+              </a:rPr>
+              <a:t> merged</a:t>
+            </a:r>
+            <a:r>
+              <a:rPr lang="en-US" altLang="ko-KR" b="0" i="0">
+                <a:solidFill>
+                  <a:srgbClr val="242729"/>
+                </a:solidFill>
+                <a:effectLst/>
+                <a:latin typeface="inherit"/>
+              </a:rPr>
+              <a:t>: accepted, </a:t>
+            </a:r>
+            <a:endParaRPr lang="en-US" altLang="ko-KR" b="0" i="0" dirty="0">
+              <a:solidFill>
+                <a:srgbClr val="242729"/>
+              </a:solidFill>
+              <a:effectLst/>
+              <a:latin typeface="inherit"/>
+            </a:endParaRPr>
+          </a:p>
+          <a:p>
             <a:endParaRPr lang="ko-KR" altLang="en-US" dirty="0"/>
           </a:p>
         </p:txBody>
@@ -2489,7 +2595,7 @@
     </p:spTree>
     <p:extLst>
       <p:ext uri="{BB962C8B-B14F-4D97-AF65-F5344CB8AC3E}">
-        <p14:creationId xmlns:p14="http://schemas.microsoft.com/office/powerpoint/2010/main" val="682686660"/>
+        <p14:creationId xmlns:p14="http://schemas.microsoft.com/office/powerpoint/2010/main" val="2284435275"/>
       </p:ext>
     </p:extLst>
   </p:cSld>
@@ -2573,7 +2679,7 @@
     </p:spTree>
     <p:extLst>
       <p:ext uri="{BB962C8B-B14F-4D97-AF65-F5344CB8AC3E}">
-        <p14:creationId xmlns:p14="http://schemas.microsoft.com/office/powerpoint/2010/main" val="100087176"/>
+        <p14:creationId xmlns:p14="http://schemas.microsoft.com/office/powerpoint/2010/main" val="682686660"/>
       </p:ext>
     </p:extLst>
   </p:cSld>
@@ -2657,7 +2763,7 @@
     </p:spTree>
     <p:extLst>
       <p:ext uri="{BB962C8B-B14F-4D97-AF65-F5344CB8AC3E}">
-        <p14:creationId xmlns:p14="http://schemas.microsoft.com/office/powerpoint/2010/main" val="310189835"/>
+        <p14:creationId xmlns:p14="http://schemas.microsoft.com/office/powerpoint/2010/main" val="100087176"/>
       </p:ext>
     </p:extLst>
   </p:cSld>
@@ -2741,7 +2847,7 @@
     </p:spTree>
     <p:extLst>
       <p:ext uri="{BB962C8B-B14F-4D97-AF65-F5344CB8AC3E}">
-        <p14:creationId xmlns:p14="http://schemas.microsoft.com/office/powerpoint/2010/main" val="2421489341"/>
+        <p14:creationId xmlns:p14="http://schemas.microsoft.com/office/powerpoint/2010/main" val="310189835"/>
       </p:ext>
     </p:extLst>
   </p:cSld>
@@ -2825,7 +2931,7 @@
     </p:spTree>
     <p:extLst>
       <p:ext uri="{BB962C8B-B14F-4D97-AF65-F5344CB8AC3E}">
-        <p14:creationId xmlns:p14="http://schemas.microsoft.com/office/powerpoint/2010/main" val="2473630440"/>
+        <p14:creationId xmlns:p14="http://schemas.microsoft.com/office/powerpoint/2010/main" val="4293485451"/>
       </p:ext>
     </p:extLst>
   </p:cSld>
@@ -2909,7 +3015,7 @@
     </p:spTree>
     <p:extLst>
       <p:ext uri="{BB962C8B-B14F-4D97-AF65-F5344CB8AC3E}">
-        <p14:creationId xmlns:p14="http://schemas.microsoft.com/office/powerpoint/2010/main" val="1769796061"/>
+        <p14:creationId xmlns:p14="http://schemas.microsoft.com/office/powerpoint/2010/main" val="2421489341"/>
       </p:ext>
     </p:extLst>
   </p:cSld>
@@ -2993,7 +3099,7 @@
     </p:spTree>
     <p:extLst>
       <p:ext uri="{BB962C8B-B14F-4D97-AF65-F5344CB8AC3E}">
-        <p14:creationId xmlns:p14="http://schemas.microsoft.com/office/powerpoint/2010/main" val="3129914869"/>
+        <p14:creationId xmlns:p14="http://schemas.microsoft.com/office/powerpoint/2010/main" val="2473630440"/>
       </p:ext>
     </p:extLst>
   </p:cSld>
@@ -3077,7 +3183,7 @@
     </p:spTree>
     <p:extLst>
       <p:ext uri="{BB962C8B-B14F-4D97-AF65-F5344CB8AC3E}">
-        <p14:creationId xmlns:p14="http://schemas.microsoft.com/office/powerpoint/2010/main" val="2839265189"/>
+        <p14:creationId xmlns:p14="http://schemas.microsoft.com/office/powerpoint/2010/main" val="1769796061"/>
       </p:ext>
     </p:extLst>
   </p:cSld>
@@ -3131,7 +3237,10 @@
           <a:bodyPr/>
           <a:lstStyle/>
           <a:p>
-            <a:endParaRPr lang="ko-KR" altLang="en-US" dirty="0"/>
+            <a:r>
+              <a:rPr lang="ko-KR" altLang="en-US" dirty="0"/>
+              <a:t>남의 저장소에 내가 보낸 내용이 등록됨</a:t>
+            </a:r>
           </a:p>
         </p:txBody>
       </p:sp>
@@ -3161,7 +3270,7 @@
     </p:spTree>
     <p:extLst>
       <p:ext uri="{BB962C8B-B14F-4D97-AF65-F5344CB8AC3E}">
-        <p14:creationId xmlns:p14="http://schemas.microsoft.com/office/powerpoint/2010/main" val="1121768718"/>
+        <p14:creationId xmlns:p14="http://schemas.microsoft.com/office/powerpoint/2010/main" val="3129914869"/>
       </p:ext>
     </p:extLst>
   </p:cSld>
@@ -3245,7 +3354,7 @@
     </p:spTree>
     <p:extLst>
       <p:ext uri="{BB962C8B-B14F-4D97-AF65-F5344CB8AC3E}">
-        <p14:creationId xmlns:p14="http://schemas.microsoft.com/office/powerpoint/2010/main" val="3343605157"/>
+        <p14:creationId xmlns:p14="http://schemas.microsoft.com/office/powerpoint/2010/main" val="2839265189"/>
       </p:ext>
     </p:extLst>
   </p:cSld>
@@ -3413,7 +3522,7 @@
     </p:spTree>
     <p:extLst>
       <p:ext uri="{BB962C8B-B14F-4D97-AF65-F5344CB8AC3E}">
-        <p14:creationId xmlns:p14="http://schemas.microsoft.com/office/powerpoint/2010/main" val="1425186992"/>
+        <p14:creationId xmlns:p14="http://schemas.microsoft.com/office/powerpoint/2010/main" val="1121768718"/>
       </p:ext>
     </p:extLst>
   </p:cSld>
@@ -3497,7 +3606,7 @@
     </p:spTree>
     <p:extLst>
       <p:ext uri="{BB962C8B-B14F-4D97-AF65-F5344CB8AC3E}">
-        <p14:creationId xmlns:p14="http://schemas.microsoft.com/office/powerpoint/2010/main" val="2586362448"/>
+        <p14:creationId xmlns:p14="http://schemas.microsoft.com/office/powerpoint/2010/main" val="3343605157"/>
       </p:ext>
     </p:extLst>
   </p:cSld>
@@ -3551,14 +3660,6 @@
           <a:bodyPr/>
           <a:lstStyle/>
           <a:p>
-            <a:r>
-              <a:rPr lang="ko-KR" altLang="en-US" dirty="0"/>
-              <a:t>참조 </a:t>
-            </a:r>
-            <a:r>
-              <a:rPr lang="en-US" altLang="ko-KR" dirty="0"/>
-              <a:t>: https://opensource.com/article/19/7/create-pull-request-github</a:t>
-            </a:r>
             <a:endParaRPr lang="ko-KR" altLang="en-US" dirty="0"/>
           </a:p>
         </p:txBody>
@@ -3589,7 +3690,7 @@
     </p:spTree>
     <p:extLst>
       <p:ext uri="{BB962C8B-B14F-4D97-AF65-F5344CB8AC3E}">
-        <p14:creationId xmlns:p14="http://schemas.microsoft.com/office/powerpoint/2010/main" val="3921415717"/>
+        <p14:creationId xmlns:p14="http://schemas.microsoft.com/office/powerpoint/2010/main" val="1425186992"/>
       </p:ext>
     </p:extLst>
   </p:cSld>
@@ -3643,6 +3744,42 @@
           <a:bodyPr/>
           <a:lstStyle/>
           <a:p>
+            <a:r>
+              <a:rPr lang="en-US" altLang="ko-KR" dirty="0"/>
+              <a:t>Push</a:t>
+            </a:r>
+            <a:r>
+              <a:rPr lang="ko-KR" altLang="en-US" dirty="0"/>
+              <a:t> </a:t>
+            </a:r>
+            <a:r>
+              <a:rPr lang="en-US" altLang="ko-KR" dirty="0"/>
+              <a:t>–d</a:t>
+            </a:r>
+            <a:r>
+              <a:rPr lang="ko-KR" altLang="en-US" dirty="0"/>
+              <a:t> </a:t>
+            </a:r>
+            <a:r>
+              <a:rPr lang="en-US" altLang="ko-KR" dirty="0"/>
+              <a:t>…</a:t>
+            </a:r>
+            <a:r>
+              <a:rPr lang="ko-KR" altLang="en-US" dirty="0"/>
+              <a:t> </a:t>
+            </a:r>
+            <a:r>
+              <a:rPr lang="en-US" altLang="ko-KR" dirty="0"/>
+              <a:t>branch –d </a:t>
+            </a:r>
+            <a:r>
+              <a:rPr lang="ko-KR" altLang="en-US" dirty="0"/>
+              <a:t>가 아님</a:t>
+            </a:r>
+            <a:r>
+              <a:rPr lang="en-US" altLang="ko-KR" dirty="0"/>
+              <a:t>.</a:t>
+            </a:r>
             <a:endParaRPr lang="ko-KR" altLang="en-US" dirty="0"/>
           </a:p>
         </p:txBody>
@@ -3673,7 +3810,7 @@
     </p:spTree>
     <p:extLst>
       <p:ext uri="{BB962C8B-B14F-4D97-AF65-F5344CB8AC3E}">
-        <p14:creationId xmlns:p14="http://schemas.microsoft.com/office/powerpoint/2010/main" val="9878519"/>
+        <p14:creationId xmlns:p14="http://schemas.microsoft.com/office/powerpoint/2010/main" val="2586362448"/>
       </p:ext>
     </p:extLst>
   </p:cSld>
@@ -3727,6 +3864,14 @@
           <a:bodyPr/>
           <a:lstStyle/>
           <a:p>
+            <a:r>
+              <a:rPr lang="ko-KR" altLang="en-US" dirty="0"/>
+              <a:t>참조 </a:t>
+            </a:r>
+            <a:r>
+              <a:rPr lang="en-US" altLang="ko-KR" dirty="0"/>
+              <a:t>: https://opensource.com/article/19/7/create-pull-request-github</a:t>
+            </a:r>
             <a:endParaRPr lang="ko-KR" altLang="en-US" dirty="0"/>
           </a:p>
         </p:txBody>
@@ -3757,7 +3902,175 @@
     </p:spTree>
     <p:extLst>
       <p:ext uri="{BB962C8B-B14F-4D97-AF65-F5344CB8AC3E}">
+        <p14:creationId xmlns:p14="http://schemas.microsoft.com/office/powerpoint/2010/main" val="3921415717"/>
+      </p:ext>
+    </p:extLst>
+  </p:cSld>
+  <p:clrMapOvr>
+    <a:masterClrMapping/>
+  </p:clrMapOvr>
+</p:notes>
+</file>
+
+<file path=ppt/notesSlides/notesSlide35.xml><?xml version="1.0" encoding="utf-8"?>
+<p:notes xmlns:a="http://schemas.openxmlformats.org/drawingml/2006/main" xmlns:r="http://schemas.openxmlformats.org/officeDocument/2006/relationships" xmlns:p="http://schemas.openxmlformats.org/presentationml/2006/main">
+  <p:cSld>
+    <p:spTree>
+      <p:nvGrpSpPr>
+        <p:cNvPr id="1" name=""/>
+        <p:cNvGrpSpPr/>
+        <p:nvPr/>
+      </p:nvGrpSpPr>
+      <p:grpSpPr>
+        <a:xfrm>
+          <a:off x="0" y="0"/>
+          <a:ext cx="0" cy="0"/>
+          <a:chOff x="0" y="0"/>
+          <a:chExt cx="0" cy="0"/>
+        </a:xfrm>
+      </p:grpSpPr>
+      <p:sp>
+        <p:nvSpPr>
+          <p:cNvPr id="2" name="슬라이드 이미지 개체 틀 1"/>
+          <p:cNvSpPr>
+            <a:spLocks noGrp="1" noRot="1" noChangeAspect="1"/>
+          </p:cNvSpPr>
+          <p:nvPr>
+            <p:ph type="sldImg"/>
+          </p:nvPr>
+        </p:nvSpPr>
+        <p:spPr/>
+      </p:sp>
+      <p:sp>
+        <p:nvSpPr>
+          <p:cNvPr id="3" name="슬라이드 노트 개체 틀 2"/>
+          <p:cNvSpPr>
+            <a:spLocks noGrp="1"/>
+          </p:cNvSpPr>
+          <p:nvPr>
+            <p:ph type="body" idx="1"/>
+          </p:nvPr>
+        </p:nvSpPr>
+        <p:spPr/>
+        <p:txBody>
+          <a:bodyPr/>
+          <a:lstStyle/>
+          <a:p>
+            <a:endParaRPr lang="ko-KR" altLang="en-US" dirty="0"/>
+          </a:p>
+        </p:txBody>
+      </p:sp>
+      <p:sp>
+        <p:nvSpPr>
+          <p:cNvPr id="4" name="슬라이드 번호 개체 틀 3"/>
+          <p:cNvSpPr>
+            <a:spLocks noGrp="1"/>
+          </p:cNvSpPr>
+          <p:nvPr>
+            <p:ph type="sldNum" sz="quarter" idx="10"/>
+          </p:nvPr>
+        </p:nvSpPr>
+        <p:spPr/>
+        <p:txBody>
+          <a:bodyPr/>
+          <a:lstStyle/>
+          <a:p>
+            <a:fld id="{625D4AC4-540A-4436-887D-BF6A8FCF1275}" type="slidenum">
+              <a:rPr lang="ko-KR" altLang="en-US" smtClean="0"/>
+              <a:t>36</a:t>
+            </a:fld>
+            <a:endParaRPr lang="ko-KR" altLang="en-US"/>
+          </a:p>
+        </p:txBody>
+      </p:sp>
+    </p:spTree>
+    <p:extLst>
+      <p:ext uri="{BB962C8B-B14F-4D97-AF65-F5344CB8AC3E}">
         <p14:creationId xmlns:p14="http://schemas.microsoft.com/office/powerpoint/2010/main" val="643792404"/>
+      </p:ext>
+    </p:extLst>
+  </p:cSld>
+  <p:clrMapOvr>
+    <a:masterClrMapping/>
+  </p:clrMapOvr>
+</p:notes>
+</file>
+
+<file path=ppt/notesSlides/notesSlide36.xml><?xml version="1.0" encoding="utf-8"?>
+<p:notes xmlns:a="http://schemas.openxmlformats.org/drawingml/2006/main" xmlns:r="http://schemas.openxmlformats.org/officeDocument/2006/relationships" xmlns:p="http://schemas.openxmlformats.org/presentationml/2006/main">
+  <p:cSld>
+    <p:spTree>
+      <p:nvGrpSpPr>
+        <p:cNvPr id="1" name=""/>
+        <p:cNvGrpSpPr/>
+        <p:nvPr/>
+      </p:nvGrpSpPr>
+      <p:grpSpPr>
+        <a:xfrm>
+          <a:off x="0" y="0"/>
+          <a:ext cx="0" cy="0"/>
+          <a:chOff x="0" y="0"/>
+          <a:chExt cx="0" cy="0"/>
+        </a:xfrm>
+      </p:grpSpPr>
+      <p:sp>
+        <p:nvSpPr>
+          <p:cNvPr id="2" name="슬라이드 이미지 개체 틀 1"/>
+          <p:cNvSpPr>
+            <a:spLocks noGrp="1" noRot="1" noChangeAspect="1"/>
+          </p:cNvSpPr>
+          <p:nvPr>
+            <p:ph type="sldImg"/>
+          </p:nvPr>
+        </p:nvSpPr>
+        <p:spPr/>
+      </p:sp>
+      <p:sp>
+        <p:nvSpPr>
+          <p:cNvPr id="3" name="슬라이드 노트 개체 틀 2"/>
+          <p:cNvSpPr>
+            <a:spLocks noGrp="1"/>
+          </p:cNvSpPr>
+          <p:nvPr>
+            <p:ph type="body" idx="1"/>
+          </p:nvPr>
+        </p:nvSpPr>
+        <p:spPr/>
+        <p:txBody>
+          <a:bodyPr/>
+          <a:lstStyle/>
+          <a:p>
+            <a:endParaRPr lang="ko-KR" altLang="en-US" dirty="0"/>
+          </a:p>
+        </p:txBody>
+      </p:sp>
+      <p:sp>
+        <p:nvSpPr>
+          <p:cNvPr id="4" name="슬라이드 번호 개체 틀 3"/>
+          <p:cNvSpPr>
+            <a:spLocks noGrp="1"/>
+          </p:cNvSpPr>
+          <p:nvPr>
+            <p:ph type="sldNum" sz="quarter" idx="10"/>
+          </p:nvPr>
+        </p:nvSpPr>
+        <p:spPr/>
+        <p:txBody>
+          <a:bodyPr/>
+          <a:lstStyle/>
+          <a:p>
+            <a:fld id="{625D4AC4-540A-4436-887D-BF6A8FCF1275}" type="slidenum">
+              <a:rPr lang="ko-KR" altLang="en-US" smtClean="0"/>
+              <a:t>37</a:t>
+            </a:fld>
+            <a:endParaRPr lang="ko-KR" altLang="en-US"/>
+          </a:p>
+        </p:txBody>
+      </p:sp>
+    </p:spTree>
+    <p:extLst>
+      <p:ext uri="{BB962C8B-B14F-4D97-AF65-F5344CB8AC3E}">
+        <p14:creationId xmlns:p14="http://schemas.microsoft.com/office/powerpoint/2010/main" val="9878519"/>
       </p:ext>
     </p:extLst>
   </p:cSld>
@@ -4231,7 +4544,22 @@
           <a:bodyPr/>
           <a:lstStyle/>
           <a:p>
-            <a:endParaRPr lang="ko-KR" altLang="en-US" dirty="0"/>
+            <a:r>
+              <a:rPr lang="en-US" altLang="ko-KR" dirty="0"/>
+              <a:t>Remote</a:t>
+            </a:r>
+            <a:r>
+              <a:rPr lang="ko-KR" altLang="en-US" dirty="0"/>
+              <a:t> </a:t>
+            </a:r>
+            <a:r>
+              <a:rPr lang="en-US" altLang="ko-KR" dirty="0"/>
+              <a:t>add</a:t>
+            </a:r>
+            <a:r>
+              <a:rPr lang="ko-KR" altLang="en-US" dirty="0"/>
+              <a:t> 하면서 연결 통로를 만들 때 사용하였던 주소 복사 방법 동일</a:t>
+            </a:r>
           </a:p>
         </p:txBody>
       </p:sp>
@@ -4834,7 +5162,7 @@
           <a:p>
             <a:fld id="{30E72A5D-AC2D-4154-80BD-D3C3745E4EB5}" type="datetimeFigureOut">
               <a:rPr lang="ko-KR" altLang="en-US" smtClean="0"/>
-              <a:t>2021-04-12</a:t>
+              <a:t>2021-04-15</a:t>
             </a:fld>
             <a:endParaRPr lang="ko-KR" altLang="en-US"/>
           </a:p>
@@ -5047,7 +5375,7 @@
           <a:p>
             <a:fld id="{30E72A5D-AC2D-4154-80BD-D3C3745E4EB5}" type="datetimeFigureOut">
               <a:rPr lang="ko-KR" altLang="en-US" smtClean="0"/>
-              <a:t>2021-04-12</a:t>
+              <a:t>2021-04-15</a:t>
             </a:fld>
             <a:endParaRPr lang="ko-KR" altLang="en-US"/>
           </a:p>
@@ -5541,7 +5869,13 @@
       </p:grpSpPr>
       <p:pic>
         <p:nvPicPr>
-          <p:cNvPr id="2" name="그림 1"/>
+          <p:cNvPr id="5" name="그림 4">
+            <a:extLst>
+              <a:ext uri="{FF2B5EF4-FFF2-40B4-BE49-F238E27FC236}">
+                <a16:creationId xmlns:a16="http://schemas.microsoft.com/office/drawing/2014/main" id="{F2A4B90E-D031-45A6-89FC-3B6022513DC2}"/>
+              </a:ext>
+            </a:extLst>
+          </p:cNvPr>
           <p:cNvPicPr>
             <a:picLocks noChangeAspect="1"/>
           </p:cNvPicPr>
@@ -5555,8 +5889,8 @@
         </p:blipFill>
         <p:spPr>
           <a:xfrm>
-            <a:off x="855987" y="2004535"/>
-            <a:ext cx="7199996" cy="4028827"/>
+            <a:off x="993969" y="2002558"/>
+            <a:ext cx="6882894" cy="4164910"/>
           </a:xfrm>
           <a:prstGeom prst="rect">
             <a:avLst/>
@@ -5732,7 +6066,15 @@
           <a:p>
             <a:r>
               <a:rPr lang="ko-KR" altLang="en-US" dirty="0"/>
-              <a:t>나의 원격저장소를 나의 로컬저장소로 복제하기 </a:t>
+              <a:t>나의 원격저장소</a:t>
+            </a:r>
+            <a:r>
+              <a:rPr lang="en-US" altLang="ko-KR" dirty="0"/>
+              <a:t>(origin)</a:t>
+            </a:r>
+            <a:r>
+              <a:rPr lang="ko-KR" altLang="en-US" dirty="0"/>
+              <a:t>를 나의 로컬저장소로 복제하기 </a:t>
             </a:r>
             <a:r>
               <a:rPr lang="en-US" altLang="ko-KR" dirty="0"/>
@@ -5873,7 +6215,7 @@
         </p:nvSpPr>
         <p:spPr>
           <a:xfrm>
-            <a:off x="6757213" y="4603907"/>
+            <a:off x="6317830" y="4627657"/>
             <a:ext cx="350948" cy="272025"/>
           </a:xfrm>
           <a:prstGeom prst="rect">
@@ -5931,8 +6273,8 @@
         </p:nvCxnSpPr>
         <p:spPr>
           <a:xfrm>
-            <a:off x="3391382" y="1828800"/>
-            <a:ext cx="3541305" cy="2775107"/>
+            <a:off x="3360717" y="1900052"/>
+            <a:ext cx="3132587" cy="2727605"/>
           </a:xfrm>
           <a:prstGeom prst="straightConnector1">
             <a:avLst/>
@@ -5976,7 +6318,7 @@
         </p:nvSpPr>
         <p:spPr>
           <a:xfrm>
-            <a:off x="6417759" y="3709956"/>
+            <a:off x="5978376" y="3733706"/>
             <a:ext cx="844514" cy="272025"/>
           </a:xfrm>
           <a:prstGeom prst="rect">
@@ -6031,7 +6373,7 @@
         </p:nvSpPr>
         <p:spPr>
           <a:xfrm>
-            <a:off x="6861939" y="3432957"/>
+            <a:off x="6422556" y="3456707"/>
             <a:ext cx="492443" cy="276999"/>
           </a:xfrm>
           <a:prstGeom prst="rect">
@@ -6086,566 +6428,12 @@
           <a:chExt cx="0" cy="0"/>
         </a:xfrm>
       </p:grpSpPr>
-      <p:sp>
-        <p:nvSpPr>
-          <p:cNvPr id="7" name="내용 개체 틀 2">
+      <p:pic>
+        <p:nvPicPr>
+          <p:cNvPr id="3" name="그림 2">
             <a:extLst>
               <a:ext uri="{FF2B5EF4-FFF2-40B4-BE49-F238E27FC236}">
-                <a16:creationId xmlns:a16="http://schemas.microsoft.com/office/drawing/2014/main" id="{A44AC902-3746-40D6-9827-94B46EEDDC67}"/>
-              </a:ext>
-            </a:extLst>
-          </p:cNvPr>
-          <p:cNvSpPr txBox="1">
-            <a:spLocks/>
-          </p:cNvSpPr>
-          <p:nvPr/>
-        </p:nvSpPr>
-        <p:spPr>
-          <a:xfrm>
-            <a:off x="341787" y="1120544"/>
-            <a:ext cx="8642350" cy="2474557"/>
-          </a:xfrm>
-          <a:prstGeom prst="rect">
-            <a:avLst/>
-          </a:prstGeom>
-        </p:spPr>
-        <p:txBody>
-          <a:bodyPr vert="horz" lIns="91440" tIns="45720" rIns="91440" bIns="45720" rtlCol="0">
-            <a:noAutofit/>
-          </a:bodyPr>
-          <a:lstStyle>
-            <a:lvl1pPr marL="266700" indent="-266700" defTabSz="914400" latinLnBrk="1">
-              <a:lnSpc>
-                <a:spcPct val="150000"/>
-              </a:lnSpc>
-              <a:spcBef>
-                <a:spcPct val="0"/>
-              </a:spcBef>
-              <a:buClr>
-                <a:schemeClr val="tx1">
-                  <a:lumMod val="65000"/>
-                  <a:lumOff val="35000"/>
-                </a:schemeClr>
-              </a:buClr>
-              <a:buFont typeface="Wingdings" pitchFamily="2" charset="2"/>
-              <a:buChar char="n"/>
-              <a:defRPr sz="2000" b="1">
-                <a:latin typeface="+mn-ea"/>
-              </a:defRPr>
-            </a:lvl1pPr>
-            <a:lvl2pPr marL="447675" lvl="1" indent="-180975" defTabSz="914400" latinLnBrk="1">
-              <a:lnSpc>
-                <a:spcPct val="150000"/>
-              </a:lnSpc>
-              <a:spcBef>
-                <a:spcPts val="0"/>
-              </a:spcBef>
-              <a:spcAft>
-                <a:spcPts val="0"/>
-              </a:spcAft>
-              <a:buClr>
-                <a:schemeClr val="tx1">
-                  <a:lumMod val="50000"/>
-                  <a:lumOff val="50000"/>
-                </a:schemeClr>
-              </a:buClr>
-              <a:buFont typeface="Wingdings" pitchFamily="2" charset="2"/>
-              <a:buChar char="§"/>
-              <a:defRPr sz="1600"/>
-            </a:lvl2pPr>
-            <a:lvl3pPr marL="628650" indent="-180975" defTabSz="914400" latinLnBrk="1">
-              <a:lnSpc>
-                <a:spcPct val="150000"/>
-              </a:lnSpc>
-              <a:spcBef>
-                <a:spcPts val="500"/>
-              </a:spcBef>
-              <a:spcAft>
-                <a:spcPts val="300"/>
-              </a:spcAft>
-              <a:buClr>
-                <a:schemeClr val="tx1">
-                  <a:lumMod val="65000"/>
-                  <a:lumOff val="35000"/>
-                </a:schemeClr>
-              </a:buClr>
-              <a:buFont typeface="Arial" panose="020B0604020202020204" pitchFamily="34" charset="0"/>
-              <a:buChar char="•"/>
-              <a:defRPr sz="1400"/>
-            </a:lvl3pPr>
-            <a:lvl4pPr marL="809625" indent="-180975" defTabSz="914400" latinLnBrk="1">
-              <a:lnSpc>
-                <a:spcPct val="150000"/>
-              </a:lnSpc>
-              <a:spcBef>
-                <a:spcPts val="500"/>
-              </a:spcBef>
-              <a:spcAft>
-                <a:spcPts val="300"/>
-              </a:spcAft>
-              <a:buClr>
-                <a:schemeClr val="tx1">
-                  <a:lumMod val="65000"/>
-                  <a:lumOff val="35000"/>
-                </a:schemeClr>
-              </a:buClr>
-              <a:buSzPct val="96000"/>
-              <a:buFont typeface="Arial" panose="020B0604020202020204" pitchFamily="34" charset="0"/>
-              <a:buChar char="•"/>
-              <a:defRPr sz="1200"/>
-            </a:lvl4pPr>
-            <a:lvl5pPr marL="990600" indent="-180975" defTabSz="914400" latinLnBrk="1">
-              <a:lnSpc>
-                <a:spcPct val="150000"/>
-              </a:lnSpc>
-              <a:spcBef>
-                <a:spcPts val="500"/>
-              </a:spcBef>
-              <a:buClr>
-                <a:schemeClr val="tx1">
-                  <a:lumMod val="65000"/>
-                  <a:lumOff val="35000"/>
-                </a:schemeClr>
-              </a:buClr>
-              <a:buFont typeface="Arial" panose="020B0604020202020204" pitchFamily="34" charset="0"/>
-              <a:buChar char="•"/>
-              <a:defRPr sz="1000"/>
-            </a:lvl5pPr>
-            <a:lvl6pPr marL="2514600" indent="-228600" defTabSz="914400" latinLnBrk="1">
-              <a:lnSpc>
-                <a:spcPct val="90000"/>
-              </a:lnSpc>
-              <a:spcBef>
-                <a:spcPts val="500"/>
-              </a:spcBef>
-              <a:buFont typeface="Arial" panose="020B0604020202020204" pitchFamily="34" charset="0"/>
-              <a:buChar char="•"/>
-            </a:lvl6pPr>
-            <a:lvl7pPr marL="2971800" indent="-228600" defTabSz="914400" latinLnBrk="1">
-              <a:lnSpc>
-                <a:spcPct val="90000"/>
-              </a:lnSpc>
-              <a:spcBef>
-                <a:spcPts val="500"/>
-              </a:spcBef>
-              <a:buFont typeface="Arial" panose="020B0604020202020204" pitchFamily="34" charset="0"/>
-              <a:buChar char="•"/>
-            </a:lvl7pPr>
-            <a:lvl8pPr marL="3429000" indent="-228600" defTabSz="914400" latinLnBrk="1">
-              <a:lnSpc>
-                <a:spcPct val="90000"/>
-              </a:lnSpc>
-              <a:spcBef>
-                <a:spcPts val="500"/>
-              </a:spcBef>
-              <a:buFont typeface="Arial" panose="020B0604020202020204" pitchFamily="34" charset="0"/>
-              <a:buChar char="•"/>
-            </a:lvl8pPr>
-            <a:lvl9pPr marL="3886200" indent="-228600" defTabSz="914400" latinLnBrk="1">
-              <a:lnSpc>
-                <a:spcPct val="90000"/>
-              </a:lnSpc>
-              <a:spcBef>
-                <a:spcPts val="500"/>
-              </a:spcBef>
-              <a:buFont typeface="Arial" panose="020B0604020202020204" pitchFamily="34" charset="0"/>
-              <a:buChar char="•"/>
-            </a:lvl9pPr>
-          </a:lstStyle>
-          <a:p>
-            <a:r>
-              <a:rPr lang="ko-KR" altLang="en-US" dirty="0"/>
-              <a:t>나의 원격저장소를 나의 로컬저장소로 복제하기 </a:t>
-            </a:r>
-            <a:r>
-              <a:rPr lang="en-US" altLang="ko-KR" dirty="0"/>
-              <a:t>(clone)</a:t>
-            </a:r>
-          </a:p>
-          <a:p>
-            <a:pPr lvl="1"/>
-            <a:r>
-              <a:rPr lang="en-US" altLang="ko-KR" dirty="0">
-                <a:latin typeface="+mn-ea"/>
-              </a:rPr>
-              <a:t>Clone </a:t>
-            </a:r>
-            <a:r>
-              <a:rPr lang="ko-KR" altLang="en-US" dirty="0">
-                <a:latin typeface="+mn-ea"/>
-              </a:rPr>
-              <a:t>명령어 수행 </a:t>
-            </a:r>
-            <a:r>
-              <a:rPr lang="en-US" altLang="ko-KR" dirty="0">
-                <a:latin typeface="+mn-ea"/>
-              </a:rPr>
-              <a:t>(workplace directory</a:t>
-            </a:r>
-            <a:r>
-              <a:rPr lang="ko-KR" altLang="en-US" dirty="0">
-                <a:latin typeface="+mn-ea"/>
-              </a:rPr>
-              <a:t>에서 </a:t>
-            </a:r>
-            <a:r>
-              <a:rPr lang="en-US" altLang="ko-KR" dirty="0">
-                <a:latin typeface="+mn-ea"/>
-              </a:rPr>
-              <a:t>bash</a:t>
-            </a:r>
-            <a:r>
-              <a:rPr lang="ko-KR" altLang="en-US" dirty="0">
-                <a:latin typeface="+mn-ea"/>
-              </a:rPr>
-              <a:t>실행 상태</a:t>
-            </a:r>
-            <a:r>
-              <a:rPr lang="en-US" altLang="ko-KR" dirty="0">
-                <a:latin typeface="+mn-ea"/>
-              </a:rPr>
-              <a:t>)</a:t>
-            </a:r>
-          </a:p>
-          <a:p>
-            <a:pPr marL="266700" lvl="1" indent="0">
-              <a:buNone/>
-            </a:pPr>
-            <a:r>
-              <a:rPr lang="en-US" altLang="ko-KR" dirty="0">
-                <a:latin typeface="+mn-ea"/>
-              </a:rPr>
-              <a:t>   ☞ </a:t>
-            </a:r>
-            <a:r>
-              <a:rPr lang="en-US" altLang="ko-KR" dirty="0" err="1">
-                <a:latin typeface="+mn-ea"/>
-              </a:rPr>
-              <a:t>git</a:t>
-            </a:r>
-            <a:r>
-              <a:rPr lang="en-US" altLang="ko-KR" dirty="0">
-                <a:latin typeface="+mn-ea"/>
-              </a:rPr>
-              <a:t> </a:t>
-            </a:r>
-            <a:r>
-              <a:rPr lang="en-US" altLang="ko-KR" dirty="0">
-                <a:solidFill>
-                  <a:srgbClr val="FF0000"/>
-                </a:solidFill>
-                <a:latin typeface="+mn-ea"/>
-              </a:rPr>
-              <a:t>clone </a:t>
-            </a:r>
-            <a:r>
-              <a:rPr lang="en-US" altLang="ko-KR" dirty="0">
-                <a:latin typeface="+mn-ea"/>
-              </a:rPr>
-              <a:t>https://github.com/MaStoTest/fork_sample.git  ‘</a:t>
-            </a:r>
-            <a:r>
-              <a:rPr lang="ko-KR" altLang="en-US" dirty="0">
-                <a:latin typeface="+mn-ea"/>
-              </a:rPr>
-              <a:t>원하는 </a:t>
-            </a:r>
-            <a:r>
-              <a:rPr lang="ko-KR" altLang="en-US" dirty="0" err="1">
-                <a:latin typeface="+mn-ea"/>
-              </a:rPr>
-              <a:t>저장소명</a:t>
-            </a:r>
-            <a:r>
-              <a:rPr lang="en-US" altLang="ko-KR" dirty="0">
-                <a:latin typeface="+mn-ea"/>
-              </a:rPr>
-              <a:t>’</a:t>
-            </a:r>
-          </a:p>
-          <a:p>
-            <a:pPr marL="266700" lvl="1" indent="0">
-              <a:buNone/>
-            </a:pPr>
-            <a:r>
-              <a:rPr lang="en-US" altLang="ko-KR" dirty="0">
-                <a:latin typeface="+mn-ea"/>
-              </a:rPr>
-              <a:t>                     (</a:t>
-            </a:r>
-            <a:r>
-              <a:rPr lang="en-US" altLang="ko-KR" dirty="0" err="1">
-                <a:latin typeface="+mn-ea"/>
-              </a:rPr>
-              <a:t>github</a:t>
-            </a:r>
-            <a:r>
-              <a:rPr lang="ko-KR" altLang="en-US" dirty="0">
-                <a:latin typeface="+mn-ea"/>
-              </a:rPr>
-              <a:t>에서 복사한 저장소 주소</a:t>
-            </a:r>
-            <a:r>
-              <a:rPr lang="en-US" altLang="ko-KR" sz="1050" dirty="0">
-                <a:latin typeface="+mn-ea"/>
-              </a:rPr>
-              <a:t>)    ‘</a:t>
-            </a:r>
-            <a:r>
-              <a:rPr lang="ko-KR" altLang="en-US" sz="1050" dirty="0">
-                <a:latin typeface="+mn-ea"/>
-              </a:rPr>
-              <a:t>원하는 </a:t>
-            </a:r>
-            <a:r>
-              <a:rPr lang="ko-KR" altLang="en-US" sz="1050" dirty="0" err="1">
-                <a:latin typeface="+mn-ea"/>
-              </a:rPr>
-              <a:t>저장소명</a:t>
-            </a:r>
-            <a:r>
-              <a:rPr lang="en-US" altLang="ko-KR" sz="1050" dirty="0">
-                <a:latin typeface="+mn-ea"/>
-              </a:rPr>
-              <a:t>’</a:t>
-            </a:r>
-            <a:r>
-              <a:rPr lang="ko-KR" altLang="en-US" sz="1050" dirty="0">
-                <a:latin typeface="+mn-ea"/>
-              </a:rPr>
-              <a:t>이 없으면 같은 이름으로 저장소가 생성됨</a:t>
-            </a:r>
-            <a:endParaRPr lang="en-US" altLang="ko-KR" sz="1050" dirty="0">
-              <a:latin typeface="+mn-ea"/>
-            </a:endParaRPr>
-          </a:p>
-          <a:p>
-            <a:pPr marL="266700" lvl="1" indent="0">
-              <a:buNone/>
-            </a:pPr>
-            <a:r>
-              <a:rPr lang="en-US" altLang="ko-KR" dirty="0">
-                <a:latin typeface="+mn-ea"/>
-              </a:rPr>
-              <a:t>      - clone</a:t>
-            </a:r>
-            <a:r>
-              <a:rPr lang="ko-KR" altLang="en-US" dirty="0">
-                <a:latin typeface="+mn-ea"/>
-              </a:rPr>
-              <a:t>은 </a:t>
-            </a:r>
-            <a:r>
-              <a:rPr lang="en-US" altLang="ko-KR" dirty="0">
-                <a:latin typeface="+mn-ea"/>
-              </a:rPr>
-              <a:t>‘git </a:t>
-            </a:r>
-            <a:r>
-              <a:rPr lang="en-US" altLang="ko-KR" dirty="0" err="1">
-                <a:latin typeface="+mn-ea"/>
-              </a:rPr>
-              <a:t>init</a:t>
-            </a:r>
-            <a:r>
-              <a:rPr lang="en-US" altLang="ko-KR" dirty="0">
-                <a:latin typeface="+mn-ea"/>
-              </a:rPr>
-              <a:t>’ </a:t>
-            </a:r>
-            <a:r>
-              <a:rPr lang="ko-KR" altLang="en-US" dirty="0">
-                <a:latin typeface="+mn-ea"/>
-              </a:rPr>
-              <a:t>명령어 없이 원격 저장소의 내용을 로컬저장소에 그대로 복사</a:t>
-            </a:r>
-            <a:endParaRPr lang="en-US" altLang="ko-KR" dirty="0">
-              <a:latin typeface="+mn-ea"/>
-            </a:endParaRPr>
-          </a:p>
-          <a:p>
-            <a:pPr marL="266700" lvl="1" indent="0">
-              <a:buNone/>
-            </a:pPr>
-            <a:r>
-              <a:rPr lang="en-US" altLang="ko-KR" dirty="0">
-                <a:latin typeface="+mn-ea"/>
-              </a:rPr>
-              <a:t>      - </a:t>
-            </a:r>
-            <a:r>
-              <a:rPr lang="en-US" altLang="ko-KR" sz="1400" dirty="0">
-                <a:solidFill>
-                  <a:srgbClr val="0000FF"/>
-                </a:solidFill>
-                <a:latin typeface="+mn-ea"/>
-              </a:rPr>
-              <a:t>main</a:t>
-            </a:r>
-            <a:r>
-              <a:rPr lang="ko-KR" altLang="en-US" sz="1400" dirty="0">
-                <a:solidFill>
-                  <a:srgbClr val="0000FF"/>
-                </a:solidFill>
-                <a:latin typeface="+mn-ea"/>
-              </a:rPr>
-              <a:t>외 다른 </a:t>
-            </a:r>
-            <a:r>
-              <a:rPr lang="en-US" altLang="ko-KR" sz="1400" dirty="0">
-                <a:solidFill>
-                  <a:srgbClr val="0000FF"/>
-                </a:solidFill>
-                <a:latin typeface="+mn-ea"/>
-              </a:rPr>
-              <a:t>branch</a:t>
-            </a:r>
-            <a:r>
-              <a:rPr lang="ko-KR" altLang="en-US" sz="1400" dirty="0">
-                <a:solidFill>
-                  <a:srgbClr val="0000FF"/>
-                </a:solidFill>
-                <a:latin typeface="+mn-ea"/>
-              </a:rPr>
-              <a:t>는 복사되지 않으니 따로 받아야 함 </a:t>
-            </a:r>
-            <a:r>
-              <a:rPr lang="en-US" altLang="ko-KR" sz="1400" dirty="0">
-                <a:solidFill>
-                  <a:srgbClr val="0000FF"/>
-                </a:solidFill>
-                <a:latin typeface="+mn-ea"/>
-              </a:rPr>
-              <a:t>(</a:t>
-            </a:r>
-            <a:r>
-              <a:rPr lang="en-US" altLang="ko-KR" sz="1400" dirty="0" err="1">
-                <a:latin typeface="+mn-ea"/>
-              </a:rPr>
-              <a:t>git</a:t>
-            </a:r>
-            <a:r>
-              <a:rPr lang="en-US" altLang="ko-KR" sz="1400" dirty="0">
-                <a:latin typeface="+mn-ea"/>
-              </a:rPr>
-              <a:t> checkout -t origin/</a:t>
-            </a:r>
-            <a:r>
-              <a:rPr lang="ko-KR" altLang="en-US" sz="1400" dirty="0" err="1">
-                <a:latin typeface="+mn-ea"/>
-              </a:rPr>
-              <a:t>브랜치명</a:t>
-            </a:r>
-            <a:r>
-              <a:rPr lang="en-US" altLang="ko-KR" sz="1400" dirty="0">
-                <a:latin typeface="+mn-ea"/>
-              </a:rPr>
-              <a:t>)</a:t>
-            </a:r>
-            <a:endParaRPr lang="en-US" altLang="ko-KR" dirty="0">
-              <a:solidFill>
-                <a:srgbClr val="0000FF"/>
-              </a:solidFill>
-              <a:latin typeface="+mn-ea"/>
-            </a:endParaRPr>
-          </a:p>
-          <a:p>
-            <a:pPr lvl="1"/>
-            <a:r>
-              <a:rPr lang="en-US" altLang="ko-KR" dirty="0">
-                <a:latin typeface="+mn-ea"/>
-              </a:rPr>
-              <a:t>workplace</a:t>
-            </a:r>
-            <a:r>
-              <a:rPr lang="ko-KR" altLang="en-US" dirty="0">
-                <a:latin typeface="+mn-ea"/>
-              </a:rPr>
-              <a:t>로 이동하여 생성된 폴더 확인 </a:t>
-            </a:r>
-            <a:r>
-              <a:rPr lang="en-US" altLang="ko-KR" dirty="0">
-                <a:latin typeface="+mn-ea"/>
-              </a:rPr>
-              <a:t>(</a:t>
-            </a:r>
-            <a:r>
-              <a:rPr lang="ko-KR" altLang="en-US" dirty="0">
-                <a:latin typeface="+mn-ea"/>
-              </a:rPr>
-              <a:t>원격저장소 이름과 동일</a:t>
-            </a:r>
-            <a:r>
-              <a:rPr lang="en-US" altLang="ko-KR" dirty="0">
-                <a:latin typeface="+mn-ea"/>
-              </a:rPr>
-              <a:t>)</a:t>
-            </a:r>
-          </a:p>
-          <a:p>
-            <a:pPr marL="266700" lvl="1" indent="0">
-              <a:buNone/>
-            </a:pPr>
-            <a:endParaRPr lang="en-US" altLang="ko-KR" dirty="0">
-              <a:latin typeface="+mn-ea"/>
-            </a:endParaRPr>
-          </a:p>
-          <a:p>
-            <a:pPr marL="266700" lvl="1" indent="0">
-              <a:buNone/>
-            </a:pPr>
-            <a:endParaRPr lang="en-US" altLang="ko-KR" dirty="0">
-              <a:latin typeface="+mn-ea"/>
-            </a:endParaRPr>
-          </a:p>
-        </p:txBody>
-      </p:sp>
-      <p:sp>
-        <p:nvSpPr>
-          <p:cNvPr id="4" name="제목 3">
-            <a:extLst>
-              <a:ext uri="{FF2B5EF4-FFF2-40B4-BE49-F238E27FC236}">
-                <a16:creationId xmlns:a16="http://schemas.microsoft.com/office/drawing/2014/main" id="{F0CEB32B-CB43-4410-BA08-A97E4BC47FCB}"/>
-              </a:ext>
-            </a:extLst>
-          </p:cNvPr>
-          <p:cNvSpPr>
-            <a:spLocks noGrp="1"/>
-          </p:cNvSpPr>
-          <p:nvPr>
-            <p:ph type="title"/>
-          </p:nvPr>
-        </p:nvSpPr>
-        <p:spPr>
-          <a:xfrm>
-            <a:off x="539551" y="192300"/>
-            <a:ext cx="8244853" cy="576064"/>
-          </a:xfrm>
-        </p:spPr>
-        <p:txBody>
-          <a:bodyPr>
-            <a:normAutofit/>
-          </a:bodyPr>
-          <a:lstStyle/>
-          <a:p>
-            <a:r>
-              <a:rPr lang="ko-KR" altLang="en-US" dirty="0"/>
-              <a:t>나의 원격저장소에서 나의 로컬저장소로 복제하기 </a:t>
-            </a:r>
-            <a:r>
-              <a:rPr lang="en-US" altLang="ko-KR" dirty="0"/>
-              <a:t>(clone)</a:t>
-            </a:r>
-            <a:endParaRPr lang="ko-KR" altLang="en-US" dirty="0"/>
-          </a:p>
-        </p:txBody>
-      </p:sp>
-      <p:pic>
-        <p:nvPicPr>
-          <p:cNvPr id="6" name="그림 5">
-            <a:extLst>
-              <a:ext uri="{FF2B5EF4-FFF2-40B4-BE49-F238E27FC236}">
-                <a16:creationId xmlns:a16="http://schemas.microsoft.com/office/drawing/2014/main" id="{18A81D60-E543-4EED-9727-AE43F4347E12}"/>
+                <a16:creationId xmlns:a16="http://schemas.microsoft.com/office/drawing/2014/main" id="{C572C804-F82F-4350-9D21-96474609631B}"/>
               </a:ext>
             </a:extLst>
           </p:cNvPr>
@@ -6662,14 +6450,570 @@
         </p:blipFill>
         <p:spPr>
           <a:xfrm>
-            <a:off x="1714263" y="3910785"/>
-            <a:ext cx="6143626" cy="2149005"/>
+            <a:off x="1304925" y="3834336"/>
+            <a:ext cx="6534150" cy="2228850"/>
           </a:xfrm>
           <a:prstGeom prst="rect">
             <a:avLst/>
           </a:prstGeom>
         </p:spPr>
       </p:pic>
+      <p:sp>
+        <p:nvSpPr>
+          <p:cNvPr id="7" name="내용 개체 틀 2">
+            <a:extLst>
+              <a:ext uri="{FF2B5EF4-FFF2-40B4-BE49-F238E27FC236}">
+                <a16:creationId xmlns:a16="http://schemas.microsoft.com/office/drawing/2014/main" id="{A44AC902-3746-40D6-9827-94B46EEDDC67}"/>
+              </a:ext>
+            </a:extLst>
+          </p:cNvPr>
+          <p:cNvSpPr txBox="1">
+            <a:spLocks/>
+          </p:cNvSpPr>
+          <p:nvPr/>
+        </p:nvSpPr>
+        <p:spPr>
+          <a:xfrm>
+            <a:off x="341787" y="1120544"/>
+            <a:ext cx="8642350" cy="2474557"/>
+          </a:xfrm>
+          <a:prstGeom prst="rect">
+            <a:avLst/>
+          </a:prstGeom>
+        </p:spPr>
+        <p:txBody>
+          <a:bodyPr vert="horz" lIns="91440" tIns="45720" rIns="91440" bIns="45720" rtlCol="0">
+            <a:noAutofit/>
+          </a:bodyPr>
+          <a:lstStyle>
+            <a:lvl1pPr marL="266700" indent="-266700" defTabSz="914400" latinLnBrk="1">
+              <a:lnSpc>
+                <a:spcPct val="150000"/>
+              </a:lnSpc>
+              <a:spcBef>
+                <a:spcPct val="0"/>
+              </a:spcBef>
+              <a:buClr>
+                <a:schemeClr val="tx1">
+                  <a:lumMod val="65000"/>
+                  <a:lumOff val="35000"/>
+                </a:schemeClr>
+              </a:buClr>
+              <a:buFont typeface="Wingdings" pitchFamily="2" charset="2"/>
+              <a:buChar char="n"/>
+              <a:defRPr sz="2000" b="1">
+                <a:latin typeface="+mn-ea"/>
+              </a:defRPr>
+            </a:lvl1pPr>
+            <a:lvl2pPr marL="447675" lvl="1" indent="-180975" defTabSz="914400" latinLnBrk="1">
+              <a:lnSpc>
+                <a:spcPct val="150000"/>
+              </a:lnSpc>
+              <a:spcBef>
+                <a:spcPts val="0"/>
+              </a:spcBef>
+              <a:spcAft>
+                <a:spcPts val="0"/>
+              </a:spcAft>
+              <a:buClr>
+                <a:schemeClr val="tx1">
+                  <a:lumMod val="50000"/>
+                  <a:lumOff val="50000"/>
+                </a:schemeClr>
+              </a:buClr>
+              <a:buFont typeface="Wingdings" pitchFamily="2" charset="2"/>
+              <a:buChar char="§"/>
+              <a:defRPr sz="1600"/>
+            </a:lvl2pPr>
+            <a:lvl3pPr marL="628650" indent="-180975" defTabSz="914400" latinLnBrk="1">
+              <a:lnSpc>
+                <a:spcPct val="150000"/>
+              </a:lnSpc>
+              <a:spcBef>
+                <a:spcPts val="500"/>
+              </a:spcBef>
+              <a:spcAft>
+                <a:spcPts val="300"/>
+              </a:spcAft>
+              <a:buClr>
+                <a:schemeClr val="tx1">
+                  <a:lumMod val="65000"/>
+                  <a:lumOff val="35000"/>
+                </a:schemeClr>
+              </a:buClr>
+              <a:buFont typeface="Arial" panose="020B0604020202020204" pitchFamily="34" charset="0"/>
+              <a:buChar char="•"/>
+              <a:defRPr sz="1400"/>
+            </a:lvl3pPr>
+            <a:lvl4pPr marL="809625" indent="-180975" defTabSz="914400" latinLnBrk="1">
+              <a:lnSpc>
+                <a:spcPct val="150000"/>
+              </a:lnSpc>
+              <a:spcBef>
+                <a:spcPts val="500"/>
+              </a:spcBef>
+              <a:spcAft>
+                <a:spcPts val="300"/>
+              </a:spcAft>
+              <a:buClr>
+                <a:schemeClr val="tx1">
+                  <a:lumMod val="65000"/>
+                  <a:lumOff val="35000"/>
+                </a:schemeClr>
+              </a:buClr>
+              <a:buSzPct val="96000"/>
+              <a:buFont typeface="Arial" panose="020B0604020202020204" pitchFamily="34" charset="0"/>
+              <a:buChar char="•"/>
+              <a:defRPr sz="1200"/>
+            </a:lvl4pPr>
+            <a:lvl5pPr marL="990600" indent="-180975" defTabSz="914400" latinLnBrk="1">
+              <a:lnSpc>
+                <a:spcPct val="150000"/>
+              </a:lnSpc>
+              <a:spcBef>
+                <a:spcPts val="500"/>
+              </a:spcBef>
+              <a:buClr>
+                <a:schemeClr val="tx1">
+                  <a:lumMod val="65000"/>
+                  <a:lumOff val="35000"/>
+                </a:schemeClr>
+              </a:buClr>
+              <a:buFont typeface="Arial" panose="020B0604020202020204" pitchFamily="34" charset="0"/>
+              <a:buChar char="•"/>
+              <a:defRPr sz="1000"/>
+            </a:lvl5pPr>
+            <a:lvl6pPr marL="2514600" indent="-228600" defTabSz="914400" latinLnBrk="1">
+              <a:lnSpc>
+                <a:spcPct val="90000"/>
+              </a:lnSpc>
+              <a:spcBef>
+                <a:spcPts val="500"/>
+              </a:spcBef>
+              <a:buFont typeface="Arial" panose="020B0604020202020204" pitchFamily="34" charset="0"/>
+              <a:buChar char="•"/>
+            </a:lvl6pPr>
+            <a:lvl7pPr marL="2971800" indent="-228600" defTabSz="914400" latinLnBrk="1">
+              <a:lnSpc>
+                <a:spcPct val="90000"/>
+              </a:lnSpc>
+              <a:spcBef>
+                <a:spcPts val="500"/>
+              </a:spcBef>
+              <a:buFont typeface="Arial" panose="020B0604020202020204" pitchFamily="34" charset="0"/>
+              <a:buChar char="•"/>
+            </a:lvl7pPr>
+            <a:lvl8pPr marL="3429000" indent="-228600" defTabSz="914400" latinLnBrk="1">
+              <a:lnSpc>
+                <a:spcPct val="90000"/>
+              </a:lnSpc>
+              <a:spcBef>
+                <a:spcPts val="500"/>
+              </a:spcBef>
+              <a:buFont typeface="Arial" panose="020B0604020202020204" pitchFamily="34" charset="0"/>
+              <a:buChar char="•"/>
+            </a:lvl8pPr>
+            <a:lvl9pPr marL="3886200" indent="-228600" defTabSz="914400" latinLnBrk="1">
+              <a:lnSpc>
+                <a:spcPct val="90000"/>
+              </a:lnSpc>
+              <a:spcBef>
+                <a:spcPts val="500"/>
+              </a:spcBef>
+              <a:buFont typeface="Arial" panose="020B0604020202020204" pitchFamily="34" charset="0"/>
+              <a:buChar char="•"/>
+            </a:lvl9pPr>
+          </a:lstStyle>
+          <a:p>
+            <a:r>
+              <a:rPr lang="ko-KR" altLang="en-US" dirty="0"/>
+              <a:t>나의 원격저장소</a:t>
+            </a:r>
+            <a:r>
+              <a:rPr lang="en-US" altLang="ko-KR" dirty="0"/>
+              <a:t>(origin)</a:t>
+            </a:r>
+            <a:r>
+              <a:rPr lang="ko-KR" altLang="en-US" dirty="0"/>
+              <a:t>를 나의 로컬저장소로 복제하기 </a:t>
+            </a:r>
+            <a:r>
+              <a:rPr lang="en-US" altLang="ko-KR" dirty="0"/>
+              <a:t>(clone)</a:t>
+            </a:r>
+          </a:p>
+          <a:p>
+            <a:pPr lvl="1"/>
+            <a:r>
+              <a:rPr lang="en-US" altLang="ko-KR" dirty="0">
+                <a:latin typeface="+mn-ea"/>
+              </a:rPr>
+              <a:t>Clone </a:t>
+            </a:r>
+            <a:r>
+              <a:rPr lang="ko-KR" altLang="en-US" dirty="0">
+                <a:latin typeface="+mn-ea"/>
+              </a:rPr>
+              <a:t>명령어 수행 </a:t>
+            </a:r>
+            <a:r>
+              <a:rPr lang="en-US" altLang="ko-KR" dirty="0">
+                <a:latin typeface="+mn-ea"/>
+              </a:rPr>
+              <a:t>(workplace directory</a:t>
+            </a:r>
+            <a:r>
+              <a:rPr lang="ko-KR" altLang="en-US" dirty="0">
+                <a:latin typeface="+mn-ea"/>
+              </a:rPr>
+              <a:t>에서 </a:t>
+            </a:r>
+            <a:r>
+              <a:rPr lang="en-US" altLang="ko-KR" dirty="0">
+                <a:latin typeface="+mn-ea"/>
+              </a:rPr>
+              <a:t>bash</a:t>
+            </a:r>
+            <a:r>
+              <a:rPr lang="ko-KR" altLang="en-US" dirty="0">
+                <a:latin typeface="+mn-ea"/>
+              </a:rPr>
+              <a:t>실행 상태</a:t>
+            </a:r>
+            <a:r>
+              <a:rPr lang="en-US" altLang="ko-KR" dirty="0">
+                <a:latin typeface="+mn-ea"/>
+              </a:rPr>
+              <a:t>)</a:t>
+            </a:r>
+          </a:p>
+          <a:p>
+            <a:pPr marL="266700" lvl="1" indent="0">
+              <a:buNone/>
+            </a:pPr>
+            <a:r>
+              <a:rPr lang="en-US" altLang="ko-KR" dirty="0">
+                <a:latin typeface="+mn-ea"/>
+              </a:rPr>
+              <a:t>   ☞ git </a:t>
+            </a:r>
+            <a:r>
+              <a:rPr lang="en-US" altLang="ko-KR" dirty="0">
+                <a:solidFill>
+                  <a:srgbClr val="FF0000"/>
+                </a:solidFill>
+                <a:latin typeface="+mn-ea"/>
+              </a:rPr>
+              <a:t>clone </a:t>
+            </a:r>
+            <a:r>
+              <a:rPr lang="en-US" altLang="ko-KR" dirty="0">
+                <a:latin typeface="+mn-ea"/>
+              </a:rPr>
+              <a:t>https://github.com/MaStoTest/daniel-hw.git ‘</a:t>
+            </a:r>
+            <a:r>
+              <a:rPr lang="ko-KR" altLang="en-US" dirty="0">
+                <a:latin typeface="+mn-ea"/>
+              </a:rPr>
+              <a:t>원하는 </a:t>
+            </a:r>
+            <a:r>
+              <a:rPr lang="ko-KR" altLang="en-US" dirty="0" err="1">
+                <a:latin typeface="+mn-ea"/>
+              </a:rPr>
+              <a:t>저장소명</a:t>
+            </a:r>
+            <a:r>
+              <a:rPr lang="en-US" altLang="ko-KR" dirty="0">
+                <a:latin typeface="+mn-ea"/>
+              </a:rPr>
+              <a:t>’</a:t>
+            </a:r>
+          </a:p>
+          <a:p>
+            <a:pPr marL="266700" lvl="1" indent="0">
+              <a:buNone/>
+            </a:pPr>
+            <a:r>
+              <a:rPr lang="en-US" altLang="ko-KR" dirty="0">
+                <a:latin typeface="+mn-ea"/>
+              </a:rPr>
+              <a:t>                     (</a:t>
+            </a:r>
+            <a:r>
+              <a:rPr lang="en-US" altLang="ko-KR" dirty="0" err="1">
+                <a:latin typeface="+mn-ea"/>
+              </a:rPr>
+              <a:t>github</a:t>
+            </a:r>
+            <a:r>
+              <a:rPr lang="ko-KR" altLang="en-US" dirty="0">
+                <a:latin typeface="+mn-ea"/>
+              </a:rPr>
+              <a:t>에서 복사한 저장소 주소</a:t>
+            </a:r>
+            <a:r>
+              <a:rPr lang="en-US" altLang="ko-KR" dirty="0">
+                <a:latin typeface="+mn-ea"/>
+              </a:rPr>
+              <a:t>)</a:t>
+            </a:r>
+            <a:r>
+              <a:rPr lang="en-US" altLang="ko-KR" sz="1050" dirty="0">
+                <a:latin typeface="+mn-ea"/>
+              </a:rPr>
+              <a:t>   ‘</a:t>
+            </a:r>
+            <a:r>
+              <a:rPr lang="ko-KR" altLang="en-US" sz="1050" dirty="0">
+                <a:latin typeface="+mn-ea"/>
+              </a:rPr>
+              <a:t>원하는 </a:t>
+            </a:r>
+            <a:r>
+              <a:rPr lang="ko-KR" altLang="en-US" sz="1050" dirty="0" err="1">
+                <a:latin typeface="+mn-ea"/>
+              </a:rPr>
+              <a:t>저장소명</a:t>
+            </a:r>
+            <a:r>
+              <a:rPr lang="en-US" altLang="ko-KR" sz="1050" dirty="0">
+                <a:latin typeface="+mn-ea"/>
+              </a:rPr>
+              <a:t>’</a:t>
+            </a:r>
+            <a:r>
+              <a:rPr lang="ko-KR" altLang="en-US" sz="1050" dirty="0">
+                <a:latin typeface="+mn-ea"/>
+              </a:rPr>
+              <a:t>이 없으면 같은 이름으로 저장소가 생성됨</a:t>
+            </a:r>
+            <a:endParaRPr lang="en-US" altLang="ko-KR" sz="1050" dirty="0">
+              <a:latin typeface="+mn-ea"/>
+            </a:endParaRPr>
+          </a:p>
+          <a:p>
+            <a:pPr marL="266700" lvl="1" indent="0">
+              <a:buNone/>
+            </a:pPr>
+            <a:r>
+              <a:rPr lang="en-US" altLang="ko-KR" dirty="0">
+                <a:latin typeface="+mn-ea"/>
+              </a:rPr>
+              <a:t>      - clone</a:t>
+            </a:r>
+            <a:r>
+              <a:rPr lang="ko-KR" altLang="en-US" dirty="0">
+                <a:latin typeface="+mn-ea"/>
+              </a:rPr>
+              <a:t>은 </a:t>
+            </a:r>
+            <a:r>
+              <a:rPr lang="en-US" altLang="ko-KR" dirty="0">
+                <a:latin typeface="+mn-ea"/>
+              </a:rPr>
+              <a:t>‘git </a:t>
+            </a:r>
+            <a:r>
+              <a:rPr lang="en-US" altLang="ko-KR" dirty="0" err="1">
+                <a:latin typeface="+mn-ea"/>
+              </a:rPr>
+              <a:t>init</a:t>
+            </a:r>
+            <a:r>
+              <a:rPr lang="en-US" altLang="ko-KR" dirty="0">
+                <a:latin typeface="+mn-ea"/>
+              </a:rPr>
+              <a:t>’ </a:t>
+            </a:r>
+            <a:r>
+              <a:rPr lang="ko-KR" altLang="en-US" dirty="0">
+                <a:latin typeface="+mn-ea"/>
+              </a:rPr>
+              <a:t>명령어 없이 원격 저장소의 내용을 로컬저장소에 그대로 복사</a:t>
+            </a:r>
+            <a:endParaRPr lang="en-US" altLang="ko-KR" dirty="0">
+              <a:latin typeface="+mn-ea"/>
+            </a:endParaRPr>
+          </a:p>
+          <a:p>
+            <a:pPr marL="266700" lvl="1" indent="0">
+              <a:buNone/>
+            </a:pPr>
+            <a:r>
+              <a:rPr lang="en-US" altLang="ko-KR" dirty="0">
+                <a:latin typeface="+mn-ea"/>
+              </a:rPr>
+              <a:t>      - </a:t>
+            </a:r>
+            <a:r>
+              <a:rPr lang="en-US" altLang="ko-KR" sz="1400" dirty="0">
+                <a:solidFill>
+                  <a:srgbClr val="0000FF"/>
+                </a:solidFill>
+                <a:latin typeface="+mn-ea"/>
+              </a:rPr>
+              <a:t>main</a:t>
+            </a:r>
+            <a:r>
+              <a:rPr lang="ko-KR" altLang="en-US" sz="1400" dirty="0">
+                <a:solidFill>
+                  <a:srgbClr val="0000FF"/>
+                </a:solidFill>
+                <a:latin typeface="+mn-ea"/>
+              </a:rPr>
+              <a:t>외 다른 </a:t>
+            </a:r>
+            <a:r>
+              <a:rPr lang="en-US" altLang="ko-KR" sz="1400" dirty="0">
+                <a:solidFill>
+                  <a:srgbClr val="0000FF"/>
+                </a:solidFill>
+                <a:latin typeface="+mn-ea"/>
+              </a:rPr>
+              <a:t>branch</a:t>
+            </a:r>
+            <a:r>
+              <a:rPr lang="ko-KR" altLang="en-US" sz="1400" dirty="0">
+                <a:solidFill>
+                  <a:srgbClr val="0000FF"/>
+                </a:solidFill>
+                <a:latin typeface="+mn-ea"/>
+              </a:rPr>
+              <a:t>는 복사되지 않으니 따로 받아야 함 </a:t>
+            </a:r>
+            <a:r>
+              <a:rPr lang="en-US" altLang="ko-KR" sz="1400" dirty="0">
+                <a:solidFill>
+                  <a:srgbClr val="0000FF"/>
+                </a:solidFill>
+                <a:latin typeface="+mn-ea"/>
+              </a:rPr>
+              <a:t>(</a:t>
+            </a:r>
+            <a:r>
+              <a:rPr lang="en-US" altLang="ko-KR" sz="1400" dirty="0" err="1">
+                <a:latin typeface="+mn-ea"/>
+              </a:rPr>
+              <a:t>git</a:t>
+            </a:r>
+            <a:r>
+              <a:rPr lang="en-US" altLang="ko-KR" sz="1400" dirty="0">
+                <a:latin typeface="+mn-ea"/>
+              </a:rPr>
+              <a:t> checkout -t origin/</a:t>
+            </a:r>
+            <a:r>
+              <a:rPr lang="ko-KR" altLang="en-US" sz="1400" dirty="0" err="1">
+                <a:latin typeface="+mn-ea"/>
+              </a:rPr>
+              <a:t>브랜치명</a:t>
+            </a:r>
+            <a:r>
+              <a:rPr lang="en-US" altLang="ko-KR" sz="1400" dirty="0">
+                <a:latin typeface="+mn-ea"/>
+              </a:rPr>
+              <a:t>)</a:t>
+            </a:r>
+            <a:endParaRPr lang="en-US" altLang="ko-KR" dirty="0">
+              <a:solidFill>
+                <a:srgbClr val="0000FF"/>
+              </a:solidFill>
+              <a:latin typeface="+mn-ea"/>
+            </a:endParaRPr>
+          </a:p>
+          <a:p>
+            <a:pPr lvl="1"/>
+            <a:r>
+              <a:rPr lang="en-US" altLang="ko-KR" dirty="0">
+                <a:latin typeface="+mn-ea"/>
+              </a:rPr>
+              <a:t>workplace</a:t>
+            </a:r>
+            <a:r>
+              <a:rPr lang="ko-KR" altLang="en-US" dirty="0">
+                <a:latin typeface="+mn-ea"/>
+              </a:rPr>
+              <a:t>로 이동하여 생성된 폴더 확인 </a:t>
+            </a:r>
+            <a:r>
+              <a:rPr lang="en-US" altLang="ko-KR" dirty="0">
+                <a:latin typeface="+mn-ea"/>
+              </a:rPr>
+              <a:t>(</a:t>
+            </a:r>
+            <a:r>
+              <a:rPr lang="ko-KR" altLang="en-US" dirty="0">
+                <a:latin typeface="+mn-ea"/>
+              </a:rPr>
+              <a:t>원격저장소 이름과 동일</a:t>
+            </a:r>
+            <a:r>
+              <a:rPr lang="en-US" altLang="ko-KR" dirty="0">
+                <a:latin typeface="+mn-ea"/>
+              </a:rPr>
+              <a:t>)</a:t>
+            </a:r>
+          </a:p>
+          <a:p>
+            <a:pPr marL="266700" lvl="1" indent="0">
+              <a:buNone/>
+            </a:pPr>
+            <a:endParaRPr lang="en-US" altLang="ko-KR" dirty="0">
+              <a:latin typeface="+mn-ea"/>
+            </a:endParaRPr>
+          </a:p>
+          <a:p>
+            <a:pPr marL="266700" lvl="1" indent="0">
+              <a:buNone/>
+            </a:pPr>
+            <a:endParaRPr lang="en-US" altLang="ko-KR" dirty="0">
+              <a:latin typeface="+mn-ea"/>
+            </a:endParaRPr>
+          </a:p>
+        </p:txBody>
+      </p:sp>
+      <p:sp>
+        <p:nvSpPr>
+          <p:cNvPr id="4" name="제목 3">
+            <a:extLst>
+              <a:ext uri="{FF2B5EF4-FFF2-40B4-BE49-F238E27FC236}">
+                <a16:creationId xmlns:a16="http://schemas.microsoft.com/office/drawing/2014/main" id="{F0CEB32B-CB43-4410-BA08-A97E4BC47FCB}"/>
+              </a:ext>
+            </a:extLst>
+          </p:cNvPr>
+          <p:cNvSpPr>
+            <a:spLocks noGrp="1"/>
+          </p:cNvSpPr>
+          <p:nvPr>
+            <p:ph type="title"/>
+          </p:nvPr>
+        </p:nvSpPr>
+        <p:spPr>
+          <a:xfrm>
+            <a:off x="539551" y="192300"/>
+            <a:ext cx="8244853" cy="576064"/>
+          </a:xfrm>
+        </p:spPr>
+        <p:txBody>
+          <a:bodyPr>
+            <a:normAutofit/>
+          </a:bodyPr>
+          <a:lstStyle/>
+          <a:p>
+            <a:r>
+              <a:rPr lang="ko-KR" altLang="en-US" dirty="0"/>
+              <a:t>나의 원격저장소에서 나의 로컬저장소로 복제하기 </a:t>
+            </a:r>
+            <a:r>
+              <a:rPr lang="en-US" altLang="ko-KR" dirty="0"/>
+              <a:t>(clone)</a:t>
+            </a:r>
+            <a:endParaRPr lang="ko-KR" altLang="en-US" dirty="0"/>
+          </a:p>
+        </p:txBody>
+      </p:sp>
       <p:sp>
         <p:nvSpPr>
           <p:cNvPr id="8" name="직사각형 7">
@@ -6684,8 +7028,8 @@
         </p:nvSpPr>
         <p:spPr>
           <a:xfrm>
-            <a:off x="2990527" y="5377358"/>
-            <a:ext cx="945222" cy="331632"/>
+            <a:off x="3263656" y="5484232"/>
+            <a:ext cx="1308343" cy="578953"/>
           </a:xfrm>
           <a:prstGeom prst="rect">
             <a:avLst/>
@@ -6736,8 +7080,8 @@
         </p:nvSpPr>
         <p:spPr>
           <a:xfrm>
-            <a:off x="2991751" y="4925011"/>
-            <a:ext cx="945222" cy="236305"/>
+            <a:off x="3264881" y="5035137"/>
+            <a:ext cx="1307118" cy="233054"/>
           </a:xfrm>
           <a:prstGeom prst="rect">
             <a:avLst/>
@@ -6973,7 +7317,15 @@
           <a:p>
             <a:r>
               <a:rPr lang="ko-KR" altLang="en-US" dirty="0"/>
-              <a:t>나의 원격저장소를 나의 로컬저장소로 복제하기 </a:t>
+              <a:t>나의 원격저장소</a:t>
+            </a:r>
+            <a:r>
+              <a:rPr lang="en-US" altLang="ko-KR" dirty="0"/>
+              <a:t>(origin)</a:t>
+            </a:r>
+            <a:r>
+              <a:rPr lang="ko-KR" altLang="en-US" dirty="0"/>
+              <a:t>를 나의 로컬저장소로 복제하기 </a:t>
             </a:r>
             <a:r>
               <a:rPr lang="en-US" altLang="ko-KR" dirty="0"/>
@@ -6986,13 +7338,19 @@
               <a:rPr lang="en-US" altLang="ko-KR" dirty="0" err="1">
                 <a:latin typeface="+mn-ea"/>
               </a:rPr>
-              <a:t>fork_sample</a:t>
+              <a:t>daniel-hw</a:t>
+            </a:r>
+            <a:r>
+              <a:rPr lang="en-US" altLang="ko-KR" dirty="0">
+                <a:latin typeface="+mn-ea"/>
+              </a:rPr>
+              <a:t> </a:t>
             </a:r>
             <a:r>
               <a:rPr lang="ko-KR" altLang="en-US" dirty="0">
                 <a:latin typeface="+mn-ea"/>
               </a:rPr>
-              <a:t>로 이동하여 폴더 내용 확인 </a:t>
+              <a:t>폴더로 이동하여 폴더 내용 확인 </a:t>
             </a:r>
             <a:r>
               <a:rPr lang="en-US" altLang="ko-KR" dirty="0">
@@ -7010,7 +7368,7 @@
               <a:rPr lang="en-US" altLang="ko-KR" dirty="0" err="1">
                 <a:latin typeface="+mn-ea"/>
               </a:rPr>
-              <a:t>fork_sample</a:t>
+              <a:t>daniel-hw</a:t>
             </a:r>
             <a:r>
               <a:rPr lang="en-US" altLang="ko-KR" dirty="0">
@@ -7179,10 +7537,10 @@
       </p:sp>
       <p:pic>
         <p:nvPicPr>
-          <p:cNvPr id="3" name="그림 2">
+          <p:cNvPr id="5" name="그림 4">
             <a:extLst>
               <a:ext uri="{FF2B5EF4-FFF2-40B4-BE49-F238E27FC236}">
-                <a16:creationId xmlns:a16="http://schemas.microsoft.com/office/drawing/2014/main" id="{A225B3B6-F0AC-4363-BBC6-432EEC43ADB2}"/>
+                <a16:creationId xmlns:a16="http://schemas.microsoft.com/office/drawing/2014/main" id="{3DD2945F-70A7-44C5-8779-377687BE1FEF}"/>
               </a:ext>
             </a:extLst>
           </p:cNvPr>
@@ -7199,8 +7557,8 @@
         </p:blipFill>
         <p:spPr>
           <a:xfrm>
-            <a:off x="888660" y="2819826"/>
-            <a:ext cx="6791325" cy="1752600"/>
+            <a:off x="1046576" y="2761693"/>
+            <a:ext cx="6124575" cy="1762125"/>
           </a:xfrm>
           <a:prstGeom prst="rect">
             <a:avLst/>
@@ -7406,7 +7764,15 @@
           <a:p>
             <a:r>
               <a:rPr lang="ko-KR" altLang="en-US" dirty="0"/>
-              <a:t>나의 로컬저장소에서 작업하고 나의 원격저장소로 </a:t>
+              <a:t>나의 로컬저장소에서 작업하고 나의 원격저장소</a:t>
+            </a:r>
+            <a:r>
+              <a:rPr lang="en-US" altLang="ko-KR" dirty="0"/>
+              <a:t>(origin)</a:t>
+            </a:r>
+            <a:r>
+              <a:rPr lang="ko-KR" altLang="en-US" dirty="0"/>
+              <a:t>로 </a:t>
             </a:r>
             <a:r>
               <a:rPr lang="en-US" altLang="ko-KR" dirty="0"/>
@@ -7612,19 +7978,7 @@
               <a:rPr lang="en-US" altLang="ko-KR" dirty="0">
                 <a:latin typeface="+mn-ea"/>
               </a:rPr>
-              <a:t>  ☞ </a:t>
-            </a:r>
-            <a:r>
-              <a:rPr lang="en-US" altLang="ko-KR" dirty="0" err="1">
-                <a:latin typeface="+mn-ea"/>
-              </a:rPr>
-              <a:t>git</a:t>
-            </a:r>
-            <a:r>
-              <a:rPr lang="en-US" altLang="ko-KR" dirty="0">
-                <a:latin typeface="+mn-ea"/>
-              </a:rPr>
-              <a:t> checkout –b develop # develop </a:t>
+              <a:t>  ☞ git checkout -b develop # develop </a:t>
             </a:r>
             <a:r>
               <a:rPr lang="ko-KR" altLang="en-US" dirty="0" err="1">
@@ -7662,7 +8016,7 @@
               <a:rPr lang="en-US" altLang="ko-KR" dirty="0">
                 <a:latin typeface="+mn-ea"/>
               </a:rPr>
-              <a:t>: exp.txt</a:t>
+              <a:t>: program.txt</a:t>
             </a:r>
             <a:r>
               <a:rPr lang="ko-KR" altLang="en-US" dirty="0">
@@ -7682,13 +8036,37 @@
               <a:rPr lang="en-US" altLang="ko-KR" dirty="0">
                 <a:latin typeface="+mn-ea"/>
               </a:rPr>
-              <a:t>   </a:t>
+              <a:t>   ‘</a:t>
+            </a:r>
+            <a:r>
+              <a:rPr lang="en-US" altLang="ko-KR" dirty="0" err="1">
+                <a:latin typeface="+mn-ea"/>
+              </a:rPr>
+              <a:t>githubID</a:t>
+            </a:r>
+            <a:r>
+              <a:rPr lang="en-US" altLang="ko-KR" dirty="0">
+                <a:latin typeface="+mn-ea"/>
+              </a:rPr>
+              <a:t> </a:t>
             </a:r>
             <a:r>
               <a:rPr lang="ko-KR" altLang="en-US" dirty="0">
                 <a:latin typeface="+mn-ea"/>
               </a:rPr>
-              <a:t>자신을 이름을 기입하고 저장하고 닫기</a:t>
+              <a:t>작업 추가합니다</a:t>
+            </a:r>
+            <a:r>
+              <a:rPr lang="en-US" altLang="ko-KR" dirty="0">
+                <a:latin typeface="+mn-ea"/>
+              </a:rPr>
+              <a:t>.’</a:t>
+            </a:r>
+            <a:r>
+              <a:rPr lang="ko-KR" altLang="en-US" dirty="0">
+                <a:latin typeface="+mn-ea"/>
+              </a:rPr>
+              <a:t>  저장하고 닫기</a:t>
             </a:r>
             <a:endParaRPr lang="en-US" altLang="ko-KR" dirty="0">
               <a:latin typeface="+mn-ea"/>
@@ -7837,30 +8215,6 @@
           </a:p>
         </p:txBody>
       </p:sp>
-      <p:pic>
-        <p:nvPicPr>
-          <p:cNvPr id="3" name="그림 2"/>
-          <p:cNvPicPr>
-            <a:picLocks noChangeAspect="1"/>
-          </p:cNvPicPr>
-          <p:nvPr/>
-        </p:nvPicPr>
-        <p:blipFill>
-          <a:blip r:embed="rId3"/>
-          <a:stretch>
-            <a:fillRect/>
-          </a:stretch>
-        </p:blipFill>
-        <p:spPr>
-          <a:xfrm>
-            <a:off x="5969764" y="3688225"/>
-            <a:ext cx="1695450" cy="1333500"/>
-          </a:xfrm>
-          <a:prstGeom prst="rect">
-            <a:avLst/>
-          </a:prstGeom>
-        </p:spPr>
-      </p:pic>
       <p:cxnSp>
         <p:nvCxnSpPr>
           <p:cNvPr id="9" name="직선 화살표 연결선 8">
@@ -7877,8 +8231,8 @@
         </p:nvCxnSpPr>
         <p:spPr>
           <a:xfrm>
-            <a:off x="4514127" y="4398380"/>
-            <a:ext cx="1455637" cy="289367"/>
+            <a:off x="4791239" y="4395688"/>
+            <a:ext cx="658174" cy="366317"/>
           </a:xfrm>
           <a:prstGeom prst="straightConnector1">
             <a:avLst/>
@@ -7908,6 +8262,36 @@
           </a:fontRef>
         </p:style>
       </p:cxnSp>
+      <p:pic>
+        <p:nvPicPr>
+          <p:cNvPr id="5" name="그림 4">
+            <a:extLst>
+              <a:ext uri="{FF2B5EF4-FFF2-40B4-BE49-F238E27FC236}">
+                <a16:creationId xmlns:a16="http://schemas.microsoft.com/office/drawing/2014/main" id="{0924DC18-5EE4-44A0-B29C-D3546BE8B4EB}"/>
+              </a:ext>
+            </a:extLst>
+          </p:cNvPr>
+          <p:cNvPicPr>
+            <a:picLocks noChangeAspect="1"/>
+          </p:cNvPicPr>
+          <p:nvPr/>
+        </p:nvPicPr>
+        <p:blipFill>
+          <a:blip r:embed="rId3"/>
+          <a:stretch>
+            <a:fillRect/>
+          </a:stretch>
+        </p:blipFill>
+        <p:spPr>
+          <a:xfrm>
+            <a:off x="5449413" y="3562438"/>
+            <a:ext cx="2876550" cy="1524000"/>
+          </a:xfrm>
+          <a:prstGeom prst="rect">
+            <a:avLst/>
+          </a:prstGeom>
+        </p:spPr>
+      </p:pic>
     </p:spTree>
     <p:extLst>
       <p:ext uri="{BB962C8B-B14F-4D97-AF65-F5344CB8AC3E}">
@@ -8107,7 +8491,15 @@
           <a:p>
             <a:r>
               <a:rPr lang="ko-KR" altLang="en-US" dirty="0"/>
-              <a:t>나의 로컬저장소에서 작업하고 나의 원격저장소로 </a:t>
+              <a:t>나의 로컬저장소에서 작업하고 나의 원격저장소</a:t>
+            </a:r>
+            <a:r>
+              <a:rPr lang="en-US" altLang="ko-KR" dirty="0"/>
+              <a:t>(origin)</a:t>
+            </a:r>
+            <a:r>
+              <a:rPr lang="ko-KR" altLang="en-US" dirty="0"/>
+              <a:t>로 </a:t>
             </a:r>
             <a:r>
               <a:rPr lang="en-US" altLang="ko-KR" dirty="0"/>
@@ -8288,13 +8680,13 @@
               <a:rPr lang="en-US" altLang="ko-KR" dirty="0">
                 <a:latin typeface="+mn-ea"/>
               </a:rPr>
-              <a:t>  ☞ git commit –m ‘</a:t>
+              <a:t>  ☞ git commit -m ‘</a:t>
             </a:r>
             <a:r>
               <a:rPr lang="en-US" altLang="ko-KR" dirty="0" err="1">
                 <a:latin typeface="+mn-ea"/>
               </a:rPr>
-              <a:t>kangchul</a:t>
+              <a:t>MaStoTest</a:t>
             </a:r>
             <a:r>
               <a:rPr lang="en-US" altLang="ko-KR" dirty="0">
@@ -8483,7 +8875,13 @@
       </p:sp>
       <p:pic>
         <p:nvPicPr>
-          <p:cNvPr id="2" name="그림 1"/>
+          <p:cNvPr id="8" name="그림 7">
+            <a:extLst>
+              <a:ext uri="{FF2B5EF4-FFF2-40B4-BE49-F238E27FC236}">
+                <a16:creationId xmlns:a16="http://schemas.microsoft.com/office/drawing/2014/main" id="{F993E5C1-40EA-4EB1-9682-40EB96EE9BDC}"/>
+              </a:ext>
+            </a:extLst>
+          </p:cNvPr>
           <p:cNvPicPr>
             <a:picLocks noChangeAspect="1"/>
           </p:cNvPicPr>
@@ -8497,8 +8895,8 @@
         </p:blipFill>
         <p:spPr>
           <a:xfrm>
-            <a:off x="1037802" y="2450923"/>
-            <a:ext cx="5934075" cy="771525"/>
+            <a:off x="1084737" y="2432895"/>
+            <a:ext cx="6000750" cy="733425"/>
           </a:xfrm>
           <a:prstGeom prst="rect">
             <a:avLst/>
@@ -8704,7 +9102,15 @@
           <a:p>
             <a:r>
               <a:rPr lang="ko-KR" altLang="en-US" dirty="0"/>
-              <a:t>나의 로컬저장소에서 작업하고 나의 원격저장소로 </a:t>
+              <a:t>나의 로컬저장소에서 작업하고 나의 원격저장소</a:t>
+            </a:r>
+            <a:r>
+              <a:rPr lang="en-US" altLang="ko-KR" dirty="0"/>
+              <a:t>(origin)</a:t>
+            </a:r>
+            <a:r>
+              <a:rPr lang="ko-KR" altLang="en-US" dirty="0"/>
+              <a:t>로 </a:t>
             </a:r>
             <a:r>
               <a:rPr lang="en-US" altLang="ko-KR" dirty="0"/>
@@ -8881,7 +9287,7 @@
               <a:rPr lang="en-US" altLang="ko-KR" dirty="0" err="1">
                 <a:latin typeface="+mn-ea"/>
               </a:rPr>
-              <a:t>fork_sample</a:t>
+              <a:t>daniel-hw</a:t>
             </a:r>
             <a:r>
               <a:rPr lang="en-US" altLang="ko-KR" dirty="0">
@@ -9068,6 +9474,36 @@
           <a:chExt cx="0" cy="0"/>
         </a:xfrm>
       </p:grpSpPr>
+      <p:pic>
+        <p:nvPicPr>
+          <p:cNvPr id="5" name="그림 4">
+            <a:extLst>
+              <a:ext uri="{FF2B5EF4-FFF2-40B4-BE49-F238E27FC236}">
+                <a16:creationId xmlns:a16="http://schemas.microsoft.com/office/drawing/2014/main" id="{8A041E02-47BA-43A1-9EAD-729E5CF48369}"/>
+              </a:ext>
+            </a:extLst>
+          </p:cNvPr>
+          <p:cNvPicPr>
+            <a:picLocks noChangeAspect="1"/>
+          </p:cNvPicPr>
+          <p:nvPr/>
+        </p:nvPicPr>
+        <p:blipFill>
+          <a:blip r:embed="rId3"/>
+          <a:stretch>
+            <a:fillRect/>
+          </a:stretch>
+        </p:blipFill>
+        <p:spPr>
+          <a:xfrm>
+            <a:off x="564161" y="1953364"/>
+            <a:ext cx="7461830" cy="4067607"/>
+          </a:xfrm>
+          <a:prstGeom prst="rect">
+            <a:avLst/>
+          </a:prstGeom>
+        </p:spPr>
+      </p:pic>
       <p:sp>
         <p:nvSpPr>
           <p:cNvPr id="7" name="내용 개체 틀 2">
@@ -9371,66 +9807,99 @@
             </a:pPr>
             <a:r>
               <a:rPr lang="en-US" altLang="ko-KR" sz="1200" dirty="0">
+                <a:solidFill>
+                  <a:srgbClr val="0000FF"/>
+                </a:solidFill>
                 <a:latin typeface="+mn-ea"/>
               </a:rPr>
               <a:t>※ </a:t>
             </a:r>
             <a:r>
               <a:rPr lang="ko-KR" altLang="en-US" sz="1200" dirty="0">
+                <a:solidFill>
+                  <a:srgbClr val="0000FF"/>
+                </a:solidFill>
                 <a:latin typeface="+mn-ea"/>
               </a:rPr>
               <a:t>같은 </a:t>
             </a:r>
             <a:r>
               <a:rPr lang="ko-KR" altLang="en-US" sz="1200" dirty="0" err="1">
+                <a:solidFill>
+                  <a:srgbClr val="0000FF"/>
+                </a:solidFill>
                 <a:latin typeface="+mn-ea"/>
               </a:rPr>
               <a:t>브랜치</a:t>
             </a:r>
             <a:r>
               <a:rPr lang="ko-KR" altLang="en-US" sz="1200" dirty="0">
+                <a:solidFill>
+                  <a:srgbClr val="0000FF"/>
+                </a:solidFill>
                 <a:latin typeface="+mn-ea"/>
               </a:rPr>
               <a:t> 이름으로 </a:t>
             </a:r>
             <a:r>
               <a:rPr lang="en-US" altLang="ko-KR" sz="1200" dirty="0">
+                <a:solidFill>
+                  <a:srgbClr val="0000FF"/>
+                </a:solidFill>
                 <a:latin typeface="+mn-ea"/>
               </a:rPr>
               <a:t>push</a:t>
             </a:r>
             <a:r>
               <a:rPr lang="ko-KR" altLang="en-US" sz="1200" dirty="0">
+                <a:solidFill>
+                  <a:srgbClr val="0000FF"/>
+                </a:solidFill>
                 <a:latin typeface="+mn-ea"/>
               </a:rPr>
               <a:t>하면 두번째부터는 </a:t>
             </a:r>
             <a:r>
               <a:rPr lang="en-US" altLang="ko-KR" sz="1200" dirty="0">
+                <a:solidFill>
+                  <a:srgbClr val="0000FF"/>
+                </a:solidFill>
                 <a:latin typeface="+mn-ea"/>
               </a:rPr>
               <a:t>‘</a:t>
             </a:r>
             <a:r>
               <a:rPr lang="en-US" altLang="ko-KR" sz="1200" dirty="0" err="1">
+                <a:solidFill>
+                  <a:srgbClr val="0000FF"/>
+                </a:solidFill>
                 <a:latin typeface="+mn-ea"/>
               </a:rPr>
               <a:t>compare&amp;pull</a:t>
             </a:r>
             <a:r>
               <a:rPr lang="en-US" altLang="ko-KR" sz="1200" dirty="0">
+                <a:solidFill>
+                  <a:srgbClr val="0000FF"/>
+                </a:solidFill>
                 <a:latin typeface="+mn-ea"/>
               </a:rPr>
               <a:t> request’</a:t>
             </a:r>
             <a:r>
               <a:rPr lang="ko-KR" altLang="en-US" sz="1200" dirty="0">
+                <a:solidFill>
+                  <a:srgbClr val="0000FF"/>
+                </a:solidFill>
                 <a:latin typeface="+mn-ea"/>
               </a:rPr>
               <a:t>화면을 따로 나타나지 않음</a:t>
             </a:r>
             <a:r>
               <a:rPr lang="en-US" altLang="ko-KR" sz="1200" dirty="0">
+                <a:solidFill>
+                  <a:srgbClr val="0000FF"/>
+                </a:solidFill>
                 <a:latin typeface="+mn-ea"/>
               </a:rPr>
               <a:t>.</a:t>
@@ -9481,30 +9950,6 @@
           </a:p>
         </p:txBody>
       </p:sp>
-      <p:pic>
-        <p:nvPicPr>
-          <p:cNvPr id="2" name="그림 1"/>
-          <p:cNvPicPr>
-            <a:picLocks noChangeAspect="1"/>
-          </p:cNvPicPr>
-          <p:nvPr/>
-        </p:nvPicPr>
-        <p:blipFill>
-          <a:blip r:embed="rId3"/>
-          <a:stretch>
-            <a:fillRect/>
-          </a:stretch>
-        </p:blipFill>
-        <p:spPr>
-          <a:xfrm>
-            <a:off x="560610" y="2191315"/>
-            <a:ext cx="8202733" cy="3751343"/>
-          </a:xfrm>
-          <a:prstGeom prst="rect">
-            <a:avLst/>
-          </a:prstGeom>
-        </p:spPr>
-      </p:pic>
       <p:sp>
         <p:nvSpPr>
           <p:cNvPr id="8" name="직사각형 7">
@@ -9519,8 +9964,8 @@
         </p:nvSpPr>
         <p:spPr>
           <a:xfrm flipH="1">
-            <a:off x="6319777" y="3585397"/>
-            <a:ext cx="1562582" cy="277793"/>
+            <a:off x="5322244" y="3466646"/>
+            <a:ext cx="1672321" cy="250332"/>
           </a:xfrm>
           <a:prstGeom prst="rect">
             <a:avLst/>
@@ -9577,8 +10022,8 @@
         </p:nvCxnSpPr>
         <p:spPr>
           <a:xfrm>
-            <a:off x="4920343" y="2002971"/>
-            <a:ext cx="2180725" cy="1582426"/>
+            <a:off x="4120696" y="1953364"/>
+            <a:ext cx="2037708" cy="1513282"/>
           </a:xfrm>
           <a:prstGeom prst="straightConnector1">
             <a:avLst/>
@@ -9622,8 +10067,8 @@
         </p:nvSpPr>
         <p:spPr>
           <a:xfrm flipH="1">
-            <a:off x="659756" y="3411777"/>
-            <a:ext cx="7419372" cy="625033"/>
+            <a:off x="636006" y="3293027"/>
+            <a:ext cx="6465062" cy="625033"/>
           </a:xfrm>
           <a:prstGeom prst="rect">
             <a:avLst/>
@@ -9671,7 +10116,7 @@
         </p:nvSpPr>
         <p:spPr>
           <a:xfrm>
-            <a:off x="7636137" y="3360088"/>
+            <a:off x="6638605" y="3241336"/>
             <a:ext cx="492443" cy="276999"/>
           </a:xfrm>
           <a:prstGeom prst="rect">
@@ -10078,7 +10523,7 @@
             <a:pPr lvl="1"/>
             <a:r>
               <a:rPr lang="ko-KR" altLang="en-US" dirty="0"/>
-              <a:t>권한에 따른 사용 경우 두가지가 있음</a:t>
+              <a:t>권한에 따른 사용 경우 두 가지가 있음</a:t>
             </a:r>
             <a:endParaRPr lang="en-US" altLang="ko-KR" dirty="0"/>
           </a:p>
@@ -10141,7 +10586,15 @@
             </a:r>
             <a:r>
               <a:rPr lang="ko-KR" altLang="en-US" dirty="0"/>
-              <a:t>참여자로서 사용하는 경우 </a:t>
+              <a:t>참여자</a:t>
+            </a:r>
+            <a:r>
+              <a:rPr lang="en-US" altLang="ko-KR" dirty="0"/>
+              <a:t>(collaborator)</a:t>
+            </a:r>
+            <a:r>
+              <a:rPr lang="ko-KR" altLang="en-US" dirty="0"/>
+              <a:t>로서 사용하는 경우 </a:t>
             </a:r>
             <a:endParaRPr lang="en-US" altLang="ko-KR" dirty="0"/>
           </a:p>
@@ -10243,7 +10696,13 @@
       </p:grpSpPr>
       <p:pic>
         <p:nvPicPr>
-          <p:cNvPr id="19" name="그림 18"/>
+          <p:cNvPr id="3" name="그림 2">
+            <a:extLst>
+              <a:ext uri="{FF2B5EF4-FFF2-40B4-BE49-F238E27FC236}">
+                <a16:creationId xmlns:a16="http://schemas.microsoft.com/office/drawing/2014/main" id="{1B7612E9-7003-4E4D-A012-2E6D28276B70}"/>
+              </a:ext>
+            </a:extLst>
+          </p:cNvPr>
           <p:cNvPicPr>
             <a:picLocks noChangeAspect="1"/>
           </p:cNvPicPr>
@@ -10257,8 +10716,8 @@
         </p:blipFill>
         <p:spPr>
           <a:xfrm>
-            <a:off x="316387" y="2223926"/>
-            <a:ext cx="8667750" cy="3638550"/>
+            <a:off x="560481" y="2244964"/>
+            <a:ext cx="7781925" cy="3619500"/>
           </a:xfrm>
           <a:prstGeom prst="rect">
             <a:avLst/>
@@ -10554,22 +11013,6 @@
               <a:latin typeface="+mn-ea"/>
             </a:endParaRPr>
           </a:p>
-          <a:p>
-            <a:pPr marL="266700" lvl="1" indent="0">
-              <a:buNone/>
-            </a:pPr>
-            <a:endParaRPr lang="en-US" altLang="ko-KR" dirty="0">
-              <a:latin typeface="+mn-ea"/>
-            </a:endParaRPr>
-          </a:p>
-          <a:p>
-            <a:pPr marL="266700" lvl="1" indent="0">
-              <a:buNone/>
-            </a:pPr>
-            <a:endParaRPr lang="en-US" altLang="ko-KR" dirty="0">
-              <a:latin typeface="+mn-ea"/>
-            </a:endParaRPr>
-          </a:p>
         </p:txBody>
       </p:sp>
       <p:sp>
@@ -10629,8 +11072,8 @@
         </p:nvSpPr>
         <p:spPr>
           <a:xfrm flipH="1">
-            <a:off x="844951" y="4356349"/>
-            <a:ext cx="7419372" cy="338721"/>
+            <a:off x="628256" y="4356350"/>
+            <a:ext cx="7588567" cy="338720"/>
           </a:xfrm>
           <a:prstGeom prst="rect">
             <a:avLst/>
@@ -10787,7 +11230,7 @@
         </p:nvSpPr>
         <p:spPr>
           <a:xfrm flipH="1">
-            <a:off x="408626" y="3488453"/>
+            <a:off x="551127" y="3488453"/>
             <a:ext cx="2093089" cy="277793"/>
           </a:xfrm>
           <a:prstGeom prst="rect">
@@ -10889,7 +11332,7 @@
         </p:nvSpPr>
         <p:spPr>
           <a:xfrm>
-            <a:off x="1576744" y="4023304"/>
+            <a:off x="1529244" y="4023304"/>
             <a:ext cx="6386634" cy="307777"/>
           </a:xfrm>
           <a:prstGeom prst="rect">
@@ -10992,7 +11435,7 @@
         </p:nvCxnSpPr>
         <p:spPr>
           <a:xfrm>
-            <a:off x="7048771" y="4607148"/>
+            <a:off x="7001271" y="4607148"/>
             <a:ext cx="1192407" cy="0"/>
           </a:xfrm>
           <a:prstGeom prst="line">
@@ -11027,7 +11470,7 @@
         </p:nvCxnSpPr>
         <p:spPr>
           <a:xfrm>
-            <a:off x="3379808" y="4607148"/>
+            <a:off x="3332308" y="4607148"/>
             <a:ext cx="919840" cy="0"/>
           </a:xfrm>
           <a:prstGeom prst="line">
@@ -11062,8 +11505,8 @@
         </p:nvSpPr>
         <p:spPr>
           <a:xfrm>
-            <a:off x="1805645" y="4421527"/>
-            <a:ext cx="1455025" cy="202661"/>
+            <a:off x="1954706" y="4421528"/>
+            <a:ext cx="1258464" cy="202660"/>
           </a:xfrm>
           <a:prstGeom prst="roundRect">
             <a:avLst/>
@@ -11108,8 +11551,8 @@
         </p:nvSpPr>
         <p:spPr>
           <a:xfrm>
-            <a:off x="5431696" y="4421527"/>
-            <a:ext cx="1455025" cy="202661"/>
+            <a:off x="5557007" y="4421528"/>
+            <a:ext cx="1258464" cy="202660"/>
           </a:xfrm>
           <a:prstGeom prst="roundRect">
             <a:avLst/>
@@ -11154,7 +11597,7 @@
         </p:nvCxnSpPr>
         <p:spPr>
           <a:xfrm>
-            <a:off x="879459" y="4965963"/>
+            <a:off x="1010088" y="4977838"/>
             <a:ext cx="1192407" cy="0"/>
           </a:xfrm>
           <a:prstGeom prst="line">
@@ -11213,7 +11656,13 @@
       </p:grpSpPr>
       <p:pic>
         <p:nvPicPr>
-          <p:cNvPr id="6" name="그림 5"/>
+          <p:cNvPr id="3" name="그림 2">
+            <a:extLst>
+              <a:ext uri="{FF2B5EF4-FFF2-40B4-BE49-F238E27FC236}">
+                <a16:creationId xmlns:a16="http://schemas.microsoft.com/office/drawing/2014/main" id="{3DE5EF91-5BAC-4631-A5A3-6C3BBC8AD01D}"/>
+              </a:ext>
+            </a:extLst>
+          </p:cNvPr>
           <p:cNvPicPr>
             <a:picLocks noChangeAspect="1"/>
           </p:cNvPicPr>
@@ -11227,8 +11676,8 @@
         </p:blipFill>
         <p:spPr>
           <a:xfrm>
-            <a:off x="341787" y="2026986"/>
-            <a:ext cx="8105775" cy="3886200"/>
+            <a:off x="745918" y="1972372"/>
+            <a:ext cx="7200900" cy="3857625"/>
           </a:xfrm>
           <a:prstGeom prst="rect">
             <a:avLst/>
@@ -11595,7 +12044,7 @@
         </p:nvSpPr>
         <p:spPr>
           <a:xfrm flipH="1">
-            <a:off x="5979987" y="5384184"/>
+            <a:off x="5552479" y="5384184"/>
             <a:ext cx="1960245" cy="277793"/>
           </a:xfrm>
           <a:prstGeom prst="rect">
@@ -11644,7 +12093,7 @@
         </p:nvSpPr>
         <p:spPr>
           <a:xfrm>
-            <a:off x="7296348" y="5158875"/>
+            <a:off x="6868840" y="5158875"/>
             <a:ext cx="617765" cy="276999"/>
           </a:xfrm>
           <a:prstGeom prst="rect">
@@ -11683,7 +12132,7 @@
         </p:nvSpPr>
         <p:spPr>
           <a:xfrm flipH="1">
-            <a:off x="1251922" y="2202230"/>
+            <a:off x="1346922" y="2178480"/>
             <a:ext cx="2000563" cy="286326"/>
           </a:xfrm>
           <a:prstGeom prst="rect">
@@ -11740,7 +12189,7 @@
         </p:nvCxnSpPr>
         <p:spPr>
           <a:xfrm flipH="1">
-            <a:off x="1898248" y="1948622"/>
+            <a:off x="1993248" y="1901122"/>
             <a:ext cx="555585" cy="253608"/>
           </a:xfrm>
           <a:prstGeom prst="straightConnector1">
@@ -11785,8 +12234,8 @@
         </p:nvSpPr>
         <p:spPr>
           <a:xfrm flipH="1">
-            <a:off x="1251921" y="3161513"/>
-            <a:ext cx="2776068" cy="277793"/>
+            <a:off x="1441925" y="3137763"/>
+            <a:ext cx="2975465" cy="286326"/>
           </a:xfrm>
           <a:prstGeom prst="rect">
             <a:avLst/>
@@ -11842,7 +12291,7 @@
         </p:nvCxnSpPr>
         <p:spPr>
           <a:xfrm flipH="1">
-            <a:off x="2453833" y="2026986"/>
+            <a:off x="2453833" y="1991361"/>
             <a:ext cx="1963558" cy="1134527"/>
           </a:xfrm>
           <a:prstGeom prst="straightConnector1">
@@ -11908,23 +12357,7 @@
                   <a:srgbClr val="0000FF"/>
                 </a:solidFill>
               </a:rPr>
-              <a:t>화면을 밑으로 스크롤하면 </a:t>
-            </a:r>
-            <a:r>
-              <a:rPr lang="ko-KR" altLang="en-US" sz="1400" dirty="0" err="1">
-                <a:solidFill>
-                  <a:srgbClr val="0000FF"/>
-                </a:solidFill>
-              </a:rPr>
-              <a:t>변경내용도</a:t>
-            </a:r>
-            <a:r>
-              <a:rPr lang="ko-KR" altLang="en-US" sz="1400" dirty="0">
-                <a:solidFill>
-                  <a:srgbClr val="0000FF"/>
-                </a:solidFill>
-              </a:rPr>
-              <a:t> 같이 보임</a:t>
+              <a:t>화면을 밑으로 스크롤하면 변경 내용도 같이 보임</a:t>
             </a:r>
             <a:r>
               <a:rPr lang="en-US" altLang="ko-KR" sz="1400" dirty="0">
@@ -12180,6 +12613,15 @@
               <a:t>나의 원격저장소에 복사</a:t>
             </a:r>
             <a:r>
+              <a:rPr lang="en-US" altLang="ko-KR" dirty="0">
+                <a:solidFill>
+                  <a:srgbClr val="0000FF"/>
+                </a:solidFill>
+                <a:latin typeface="+mn-ea"/>
+              </a:rPr>
+              <a:t>(fork)</a:t>
+            </a:r>
+            <a:r>
               <a:rPr lang="ko-KR" altLang="en-US" dirty="0">
                 <a:latin typeface="+mn-ea"/>
               </a:rPr>
@@ -12210,6 +12652,15 @@
               <a:t>나의 로컬저장소에 다시 복사</a:t>
             </a:r>
             <a:r>
+              <a:rPr lang="en-US" altLang="ko-KR" dirty="0">
+                <a:solidFill>
+                  <a:srgbClr val="0000FF"/>
+                </a:solidFill>
+                <a:latin typeface="+mn-ea"/>
+              </a:rPr>
+              <a:t>(clone)</a:t>
+            </a:r>
+            <a:r>
               <a:rPr lang="ko-KR" altLang="en-US" dirty="0">
                 <a:latin typeface="+mn-ea"/>
               </a:rPr>
@@ -12239,12 +12690,15 @@
               </a:rPr>
               <a:t>나의 원격저장소에 올리고</a:t>
             </a:r>
-            <a:endParaRPr lang="en-US" altLang="ko-KR" dirty="0">
-              <a:solidFill>
-                <a:srgbClr val="0000FF"/>
-              </a:solidFill>
-              <a:latin typeface="+mn-ea"/>
-            </a:endParaRPr>
+            <a:r>
+              <a:rPr lang="en-US" altLang="ko-KR" dirty="0">
+                <a:solidFill>
+                  <a:srgbClr val="0000FF"/>
+                </a:solidFill>
+                <a:latin typeface="+mn-ea"/>
+              </a:rPr>
+              <a:t>(push)</a:t>
+            </a:r>
           </a:p>
           <a:p>
             <a:pPr marL="541338" lvl="1" indent="-274638">
@@ -12506,8 +12960,9 @@
             <a:avLst/>
           </a:prstGeom>
           <a:solidFill>
-            <a:schemeClr val="bg1">
-              <a:lumMod val="85000"/>
+            <a:schemeClr val="accent3">
+              <a:lumMod val="40000"/>
+              <a:lumOff val="60000"/>
             </a:schemeClr>
           </a:solidFill>
           <a:ln w="19050">
@@ -12563,9 +13018,7 @@
             <a:avLst/>
           </a:prstGeom>
           <a:solidFill>
-            <a:schemeClr val="bg1">
-              <a:lumMod val="85000"/>
-            </a:schemeClr>
+            <a:srgbClr val="92D050"/>
           </a:solidFill>
           <a:ln w="15875">
             <a:solidFill>
@@ -13393,7 +13846,13 @@
       </p:grpSpPr>
       <p:pic>
         <p:nvPicPr>
-          <p:cNvPr id="2" name="그림 1"/>
+          <p:cNvPr id="5" name="그림 4">
+            <a:extLst>
+              <a:ext uri="{FF2B5EF4-FFF2-40B4-BE49-F238E27FC236}">
+                <a16:creationId xmlns:a16="http://schemas.microsoft.com/office/drawing/2014/main" id="{5E3AD86E-5FA8-4E4D-A1AA-35476B321AAC}"/>
+              </a:ext>
+            </a:extLst>
+          </p:cNvPr>
           <p:cNvPicPr>
             <a:picLocks noChangeAspect="1"/>
           </p:cNvPicPr>
@@ -13407,8 +13866,453 @@
         </p:blipFill>
         <p:spPr>
           <a:xfrm>
-            <a:off x="539551" y="1053296"/>
-            <a:ext cx="7674510" cy="5159407"/>
+            <a:off x="727374" y="2165063"/>
+            <a:ext cx="7998473" cy="3476431"/>
+          </a:xfrm>
+          <a:prstGeom prst="rect">
+            <a:avLst/>
+          </a:prstGeom>
+        </p:spPr>
+      </p:pic>
+      <p:sp>
+        <p:nvSpPr>
+          <p:cNvPr id="7" name="내용 개체 틀 2">
+            <a:extLst>
+              <a:ext uri="{FF2B5EF4-FFF2-40B4-BE49-F238E27FC236}">
+                <a16:creationId xmlns:a16="http://schemas.microsoft.com/office/drawing/2014/main" id="{A44AC902-3746-40D6-9827-94B46EEDDC67}"/>
+              </a:ext>
+            </a:extLst>
+          </p:cNvPr>
+          <p:cNvSpPr txBox="1">
+            <a:spLocks/>
+          </p:cNvSpPr>
+          <p:nvPr/>
+        </p:nvSpPr>
+        <p:spPr>
+          <a:xfrm>
+            <a:off x="341787" y="1120545"/>
+            <a:ext cx="8642350" cy="1148094"/>
+          </a:xfrm>
+          <a:prstGeom prst="rect">
+            <a:avLst/>
+          </a:prstGeom>
+        </p:spPr>
+        <p:txBody>
+          <a:bodyPr vert="horz" lIns="91440" tIns="45720" rIns="91440" bIns="45720" rtlCol="0">
+            <a:noAutofit/>
+          </a:bodyPr>
+          <a:lstStyle>
+            <a:lvl1pPr marL="266700" indent="-266700" defTabSz="914400" latinLnBrk="1">
+              <a:lnSpc>
+                <a:spcPct val="150000"/>
+              </a:lnSpc>
+              <a:spcBef>
+                <a:spcPct val="0"/>
+              </a:spcBef>
+              <a:buClr>
+                <a:schemeClr val="tx1">
+                  <a:lumMod val="65000"/>
+                  <a:lumOff val="35000"/>
+                </a:schemeClr>
+              </a:buClr>
+              <a:buFont typeface="Wingdings" pitchFamily="2" charset="2"/>
+              <a:buChar char="n"/>
+              <a:defRPr sz="2000" b="1">
+                <a:latin typeface="+mn-ea"/>
+              </a:defRPr>
+            </a:lvl1pPr>
+            <a:lvl2pPr marL="447675" lvl="1" indent="-180975" defTabSz="914400" latinLnBrk="1">
+              <a:lnSpc>
+                <a:spcPct val="150000"/>
+              </a:lnSpc>
+              <a:spcBef>
+                <a:spcPts val="0"/>
+              </a:spcBef>
+              <a:spcAft>
+                <a:spcPts val="0"/>
+              </a:spcAft>
+              <a:buClr>
+                <a:schemeClr val="tx1">
+                  <a:lumMod val="50000"/>
+                  <a:lumOff val="50000"/>
+                </a:schemeClr>
+              </a:buClr>
+              <a:buFont typeface="Wingdings" pitchFamily="2" charset="2"/>
+              <a:buChar char="§"/>
+              <a:defRPr sz="1600"/>
+            </a:lvl2pPr>
+            <a:lvl3pPr marL="628650" indent="-180975" defTabSz="914400" latinLnBrk="1">
+              <a:lnSpc>
+                <a:spcPct val="150000"/>
+              </a:lnSpc>
+              <a:spcBef>
+                <a:spcPts val="500"/>
+              </a:spcBef>
+              <a:spcAft>
+                <a:spcPts val="300"/>
+              </a:spcAft>
+              <a:buClr>
+                <a:schemeClr val="tx1">
+                  <a:lumMod val="65000"/>
+                  <a:lumOff val="35000"/>
+                </a:schemeClr>
+              </a:buClr>
+              <a:buFont typeface="Arial" panose="020B0604020202020204" pitchFamily="34" charset="0"/>
+              <a:buChar char="•"/>
+              <a:defRPr sz="1400"/>
+            </a:lvl3pPr>
+            <a:lvl4pPr marL="809625" indent="-180975" defTabSz="914400" latinLnBrk="1">
+              <a:lnSpc>
+                <a:spcPct val="150000"/>
+              </a:lnSpc>
+              <a:spcBef>
+                <a:spcPts val="500"/>
+              </a:spcBef>
+              <a:spcAft>
+                <a:spcPts val="300"/>
+              </a:spcAft>
+              <a:buClr>
+                <a:schemeClr val="tx1">
+                  <a:lumMod val="65000"/>
+                  <a:lumOff val="35000"/>
+                </a:schemeClr>
+              </a:buClr>
+              <a:buSzPct val="96000"/>
+              <a:buFont typeface="Arial" panose="020B0604020202020204" pitchFamily="34" charset="0"/>
+              <a:buChar char="•"/>
+              <a:defRPr sz="1200"/>
+            </a:lvl4pPr>
+            <a:lvl5pPr marL="990600" indent="-180975" defTabSz="914400" latinLnBrk="1">
+              <a:lnSpc>
+                <a:spcPct val="150000"/>
+              </a:lnSpc>
+              <a:spcBef>
+                <a:spcPts val="500"/>
+              </a:spcBef>
+              <a:buClr>
+                <a:schemeClr val="tx1">
+                  <a:lumMod val="65000"/>
+                  <a:lumOff val="35000"/>
+                </a:schemeClr>
+              </a:buClr>
+              <a:buFont typeface="Arial" panose="020B0604020202020204" pitchFamily="34" charset="0"/>
+              <a:buChar char="•"/>
+              <a:defRPr sz="1000"/>
+            </a:lvl5pPr>
+            <a:lvl6pPr marL="2514600" indent="-228600" defTabSz="914400" latinLnBrk="1">
+              <a:lnSpc>
+                <a:spcPct val="90000"/>
+              </a:lnSpc>
+              <a:spcBef>
+                <a:spcPts val="500"/>
+              </a:spcBef>
+              <a:buFont typeface="Arial" panose="020B0604020202020204" pitchFamily="34" charset="0"/>
+              <a:buChar char="•"/>
+            </a:lvl6pPr>
+            <a:lvl7pPr marL="2971800" indent="-228600" defTabSz="914400" latinLnBrk="1">
+              <a:lnSpc>
+                <a:spcPct val="90000"/>
+              </a:lnSpc>
+              <a:spcBef>
+                <a:spcPts val="500"/>
+              </a:spcBef>
+              <a:buFont typeface="Arial" panose="020B0604020202020204" pitchFamily="34" charset="0"/>
+              <a:buChar char="•"/>
+            </a:lvl7pPr>
+            <a:lvl8pPr marL="3429000" indent="-228600" defTabSz="914400" latinLnBrk="1">
+              <a:lnSpc>
+                <a:spcPct val="90000"/>
+              </a:lnSpc>
+              <a:spcBef>
+                <a:spcPts val="500"/>
+              </a:spcBef>
+              <a:buFont typeface="Arial" panose="020B0604020202020204" pitchFamily="34" charset="0"/>
+              <a:buChar char="•"/>
+            </a:lvl8pPr>
+            <a:lvl9pPr marL="3886200" indent="-228600" defTabSz="914400" latinLnBrk="1">
+              <a:lnSpc>
+                <a:spcPct val="90000"/>
+              </a:lnSpc>
+              <a:spcBef>
+                <a:spcPts val="500"/>
+              </a:spcBef>
+              <a:buFont typeface="Arial" panose="020B0604020202020204" pitchFamily="34" charset="0"/>
+              <a:buChar char="•"/>
+            </a:lvl9pPr>
+          </a:lstStyle>
+          <a:p>
+            <a:r>
+              <a:rPr lang="ko-KR" altLang="en-US" dirty="0"/>
+              <a:t>나의 원격저장소에서 남의 원격저장소로 </a:t>
+            </a:r>
+            <a:r>
+              <a:rPr lang="en-US" altLang="ko-KR" dirty="0"/>
+              <a:t>pull request</a:t>
+            </a:r>
+            <a:r>
+              <a:rPr lang="ko-KR" altLang="en-US" dirty="0"/>
+              <a:t>하기</a:t>
+            </a:r>
+            <a:endParaRPr lang="en-US" altLang="ko-KR" dirty="0"/>
+          </a:p>
+          <a:p>
+            <a:pPr lvl="1"/>
+            <a:r>
+              <a:rPr lang="ko-KR" altLang="en-US" dirty="0">
+                <a:latin typeface="+mn-ea"/>
+              </a:rPr>
+              <a:t>변경 내용 확인</a:t>
+            </a:r>
+            <a:endParaRPr lang="en-US" altLang="ko-KR" dirty="0">
+              <a:latin typeface="+mn-ea"/>
+            </a:endParaRPr>
+          </a:p>
+          <a:p>
+            <a:pPr lvl="1"/>
+            <a:endParaRPr lang="en-US" altLang="ko-KR" dirty="0">
+              <a:latin typeface="+mn-ea"/>
+            </a:endParaRPr>
+          </a:p>
+          <a:p>
+            <a:pPr marL="266700" lvl="1" indent="0">
+              <a:buNone/>
+            </a:pPr>
+            <a:endParaRPr lang="en-US" altLang="ko-KR" dirty="0">
+              <a:latin typeface="+mn-ea"/>
+            </a:endParaRPr>
+          </a:p>
+          <a:p>
+            <a:pPr marL="266700" lvl="1" indent="0">
+              <a:buNone/>
+            </a:pPr>
+            <a:endParaRPr lang="en-US" altLang="ko-KR" dirty="0">
+              <a:latin typeface="+mn-ea"/>
+            </a:endParaRPr>
+          </a:p>
+          <a:p>
+            <a:pPr marL="266700" lvl="1" indent="0">
+              <a:buNone/>
+            </a:pPr>
+            <a:endParaRPr lang="en-US" altLang="ko-KR" dirty="0">
+              <a:latin typeface="+mn-ea"/>
+            </a:endParaRPr>
+          </a:p>
+          <a:p>
+            <a:pPr marL="266700" lvl="1" indent="0">
+              <a:buNone/>
+            </a:pPr>
+            <a:endParaRPr lang="en-US" altLang="ko-KR" dirty="0">
+              <a:latin typeface="+mn-ea"/>
+            </a:endParaRPr>
+          </a:p>
+          <a:p>
+            <a:pPr marL="266700" lvl="1" indent="0">
+              <a:buNone/>
+            </a:pPr>
+            <a:endParaRPr lang="en-US" altLang="ko-KR" dirty="0">
+              <a:latin typeface="+mn-ea"/>
+            </a:endParaRPr>
+          </a:p>
+          <a:p>
+            <a:pPr marL="266700" lvl="1" indent="0">
+              <a:buNone/>
+            </a:pPr>
+            <a:endParaRPr lang="en-US" altLang="ko-KR" dirty="0">
+              <a:latin typeface="+mn-ea"/>
+            </a:endParaRPr>
+          </a:p>
+        </p:txBody>
+      </p:sp>
+      <p:sp>
+        <p:nvSpPr>
+          <p:cNvPr id="4" name="제목 3">
+            <a:extLst>
+              <a:ext uri="{FF2B5EF4-FFF2-40B4-BE49-F238E27FC236}">
+                <a16:creationId xmlns:a16="http://schemas.microsoft.com/office/drawing/2014/main" id="{F0CEB32B-CB43-4410-BA08-A97E4BC47FCB}"/>
+              </a:ext>
+            </a:extLst>
+          </p:cNvPr>
+          <p:cNvSpPr>
+            <a:spLocks noGrp="1"/>
+          </p:cNvSpPr>
+          <p:nvPr>
+            <p:ph type="title"/>
+          </p:nvPr>
+        </p:nvSpPr>
+        <p:spPr>
+          <a:xfrm>
+            <a:off x="539551" y="192300"/>
+            <a:ext cx="8244853" cy="576064"/>
+          </a:xfrm>
+        </p:spPr>
+        <p:txBody>
+          <a:bodyPr>
+            <a:normAutofit/>
+          </a:bodyPr>
+          <a:lstStyle/>
+          <a:p>
+            <a:r>
+              <a:rPr lang="ko-KR" altLang="en-US" dirty="0"/>
+              <a:t>나의 원격저장소에서 남의 원격저장소로 </a:t>
+            </a:r>
+            <a:r>
+              <a:rPr lang="en-US" altLang="ko-KR" dirty="0"/>
+              <a:t>Pull Request</a:t>
+            </a:r>
+            <a:r>
+              <a:rPr lang="ko-KR" altLang="en-US" dirty="0"/>
+              <a:t>하기</a:t>
+            </a:r>
+          </a:p>
+        </p:txBody>
+      </p:sp>
+      <p:sp>
+        <p:nvSpPr>
+          <p:cNvPr id="8" name="직사각형 7">
+            <a:extLst>
+              <a:ext uri="{FF2B5EF4-FFF2-40B4-BE49-F238E27FC236}">
+                <a16:creationId xmlns:a16="http://schemas.microsoft.com/office/drawing/2014/main" id="{42E77EDC-1C0F-48D7-B49C-8EFD59FA447A}"/>
+              </a:ext>
+            </a:extLst>
+          </p:cNvPr>
+          <p:cNvSpPr/>
+          <p:nvPr/>
+        </p:nvSpPr>
+        <p:spPr>
+          <a:xfrm flipH="1">
+            <a:off x="4908594" y="5298089"/>
+            <a:ext cx="2905369" cy="276999"/>
+          </a:xfrm>
+          <a:prstGeom prst="rect">
+            <a:avLst/>
+          </a:prstGeom>
+          <a:noFill/>
+          <a:ln w="28575">
+            <a:solidFill>
+              <a:srgbClr val="FF0000"/>
+            </a:solidFill>
+          </a:ln>
+        </p:spPr>
+        <p:style>
+          <a:lnRef idx="2">
+            <a:schemeClr val="accent1">
+              <a:shade val="50000"/>
+            </a:schemeClr>
+          </a:lnRef>
+          <a:fillRef idx="1">
+            <a:schemeClr val="accent1"/>
+          </a:fillRef>
+          <a:effectRef idx="0">
+            <a:schemeClr val="accent1"/>
+          </a:effectRef>
+          <a:fontRef idx="minor">
+            <a:schemeClr val="lt1"/>
+          </a:fontRef>
+        </p:style>
+        <p:txBody>
+          <a:bodyPr rtlCol="0" anchor="ctr"/>
+          <a:lstStyle/>
+          <a:p>
+            <a:endParaRPr lang="ko-KR" altLang="en-US" b="1" dirty="0">
+              <a:solidFill>
+                <a:srgbClr val="FF0000"/>
+              </a:solidFill>
+            </a:endParaRPr>
+          </a:p>
+        </p:txBody>
+      </p:sp>
+      <p:sp>
+        <p:nvSpPr>
+          <p:cNvPr id="15" name="TextBox 14"/>
+          <p:cNvSpPr txBox="1"/>
+          <p:nvPr/>
+        </p:nvSpPr>
+        <p:spPr>
+          <a:xfrm>
+            <a:off x="6868840" y="5052000"/>
+            <a:ext cx="1099503" cy="276999"/>
+          </a:xfrm>
+          <a:prstGeom prst="rect">
+            <a:avLst/>
+          </a:prstGeom>
+          <a:noFill/>
+        </p:spPr>
+        <p:txBody>
+          <a:bodyPr wrap="square" rtlCol="0">
+            <a:spAutoFit/>
+          </a:bodyPr>
+          <a:lstStyle/>
+          <a:p>
+            <a:r>
+              <a:rPr lang="ko-KR" altLang="en-US" sz="1200">
+                <a:solidFill>
+                  <a:srgbClr val="FF0000"/>
+                </a:solidFill>
+              </a:rPr>
+              <a:t>변경 내용</a:t>
+            </a:r>
+            <a:endParaRPr lang="ko-KR" altLang="en-US" sz="1200" dirty="0">
+              <a:solidFill>
+                <a:srgbClr val="FF0000"/>
+              </a:solidFill>
+            </a:endParaRPr>
+          </a:p>
+        </p:txBody>
+      </p:sp>
+    </p:spTree>
+    <p:extLst>
+      <p:ext uri="{BB962C8B-B14F-4D97-AF65-F5344CB8AC3E}">
+        <p14:creationId xmlns:p14="http://schemas.microsoft.com/office/powerpoint/2010/main" val="2174013763"/>
+      </p:ext>
+    </p:extLst>
+  </p:cSld>
+  <p:clrMapOvr>
+    <a:masterClrMapping/>
+  </p:clrMapOvr>
+</p:sld>
+</file>
+
+<file path=ppt/slides/slide21.xml><?xml version="1.0" encoding="utf-8"?>
+<p:sld xmlns:a="http://schemas.openxmlformats.org/drawingml/2006/main" xmlns:r="http://schemas.openxmlformats.org/officeDocument/2006/relationships" xmlns:p="http://schemas.openxmlformats.org/presentationml/2006/main">
+  <p:cSld>
+    <p:spTree>
+      <p:nvGrpSpPr>
+        <p:cNvPr id="1" name=""/>
+        <p:cNvGrpSpPr/>
+        <p:nvPr/>
+      </p:nvGrpSpPr>
+      <p:grpSpPr>
+        <a:xfrm>
+          <a:off x="0" y="0"/>
+          <a:ext cx="0" cy="0"/>
+          <a:chOff x="0" y="0"/>
+          <a:chExt cx="0" cy="0"/>
+        </a:xfrm>
+      </p:grpSpPr>
+      <p:pic>
+        <p:nvPicPr>
+          <p:cNvPr id="5" name="그림 4">
+            <a:extLst>
+              <a:ext uri="{FF2B5EF4-FFF2-40B4-BE49-F238E27FC236}">
+                <a16:creationId xmlns:a16="http://schemas.microsoft.com/office/drawing/2014/main" id="{D818D049-61F2-4907-B33C-A811AEF07105}"/>
+              </a:ext>
+            </a:extLst>
+          </p:cNvPr>
+          <p:cNvPicPr>
+            <a:picLocks noChangeAspect="1"/>
+          </p:cNvPicPr>
+          <p:nvPr/>
+        </p:nvPicPr>
+        <p:blipFill>
+          <a:blip r:embed="rId3"/>
+          <a:stretch>
+            <a:fillRect/>
+          </a:stretch>
+        </p:blipFill>
+        <p:spPr>
+          <a:xfrm>
+            <a:off x="581891" y="953921"/>
+            <a:ext cx="7667996" cy="5399254"/>
           </a:xfrm>
           <a:prstGeom prst="rect">
             <a:avLst/>
@@ -13528,7 +14432,7 @@
         <p:spPr>
           <a:xfrm flipH="1">
             <a:off x="661612" y="2167467"/>
-            <a:ext cx="3158034" cy="357191"/>
+            <a:ext cx="2623646" cy="378964"/>
           </a:xfrm>
           <a:prstGeom prst="rect">
             <a:avLst/>
@@ -13582,7 +14486,7 @@
         </p:nvSpPr>
         <p:spPr>
           <a:xfrm flipH="1">
-            <a:off x="3819646" y="2167467"/>
+            <a:off x="3285258" y="2167467"/>
             <a:ext cx="428263" cy="357191"/>
           </a:xfrm>
           <a:prstGeom prst="rect">
@@ -13693,7 +14597,7 @@
         </p:nvSpPr>
         <p:spPr>
           <a:xfrm>
-            <a:off x="4470414" y="2189239"/>
+            <a:off x="4066657" y="2165489"/>
             <a:ext cx="2507265" cy="307777"/>
           </a:xfrm>
           <a:prstGeom prst="rect">
@@ -13751,7 +14655,7 @@
         </p:nvCxnSpPr>
         <p:spPr>
           <a:xfrm flipH="1">
-            <a:off x="4159536" y="2343127"/>
+            <a:off x="3755779" y="2319377"/>
             <a:ext cx="430074" cy="45986"/>
           </a:xfrm>
           <a:prstGeom prst="straightConnector1">
@@ -13793,7 +14697,7 @@
         </p:nvSpPr>
         <p:spPr>
           <a:xfrm>
-            <a:off x="4033777" y="1141134"/>
+            <a:off x="2929369" y="1176759"/>
             <a:ext cx="2173454" cy="307777"/>
           </a:xfrm>
           <a:prstGeom prst="rect">
@@ -13851,8 +14755,8 @@
         </p:nvCxnSpPr>
         <p:spPr>
           <a:xfrm flipH="1">
-            <a:off x="3566140" y="1295022"/>
-            <a:ext cx="593396" cy="304660"/>
+            <a:off x="3566140" y="1448911"/>
+            <a:ext cx="189639" cy="150771"/>
           </a:xfrm>
           <a:prstGeom prst="straightConnector1">
             <a:avLst/>
@@ -14017,7 +14921,7 @@
 </p:sld>
 </file>
 
-<file path=ppt/slides/slide21.xml><?xml version="1.0" encoding="utf-8"?>
+<file path=ppt/slides/slide22.xml><?xml version="1.0" encoding="utf-8"?>
 <p:sld xmlns:a="http://schemas.openxmlformats.org/drawingml/2006/main" xmlns:r="http://schemas.openxmlformats.org/officeDocument/2006/relationships" xmlns:p="http://schemas.openxmlformats.org/presentationml/2006/main">
   <p:cSld>
     <p:spTree>
@@ -14036,7 +14940,13 @@
       </p:grpSpPr>
       <p:pic>
         <p:nvPicPr>
-          <p:cNvPr id="3" name="그림 2"/>
+          <p:cNvPr id="5" name="그림 4">
+            <a:extLst>
+              <a:ext uri="{FF2B5EF4-FFF2-40B4-BE49-F238E27FC236}">
+                <a16:creationId xmlns:a16="http://schemas.microsoft.com/office/drawing/2014/main" id="{D4744710-DFC3-48A9-952B-50FB50C07A47}"/>
+              </a:ext>
+            </a:extLst>
+          </p:cNvPr>
           <p:cNvPicPr>
             <a:picLocks noChangeAspect="1"/>
           </p:cNvPicPr>
@@ -14050,8 +14960,8 @@
         </p:blipFill>
         <p:spPr>
           <a:xfrm>
-            <a:off x="661610" y="1975569"/>
-            <a:ext cx="7715250" cy="3924300"/>
+            <a:off x="922068" y="1884256"/>
+            <a:ext cx="6896100" cy="3476625"/>
           </a:xfrm>
           <a:prstGeom prst="rect">
             <a:avLst/>
@@ -14115,8 +15025,8 @@
         </p:nvSpPr>
         <p:spPr>
           <a:xfrm flipH="1">
-            <a:off x="5639458" y="4861188"/>
-            <a:ext cx="2507015" cy="357191"/>
+            <a:off x="5045692" y="4812338"/>
+            <a:ext cx="1628240" cy="357191"/>
           </a:xfrm>
           <a:prstGeom prst="rect">
             <a:avLst/>
@@ -14244,7 +15154,7 @@
         </p:nvCxnSpPr>
         <p:spPr>
           <a:xfrm>
-            <a:off x="1781983" y="2424644"/>
+            <a:off x="1995738" y="2424644"/>
             <a:ext cx="3597539" cy="0"/>
           </a:xfrm>
           <a:prstGeom prst="line">
@@ -14517,46 +15427,6 @@
               <a:latin typeface="+mn-ea"/>
             </a:endParaRPr>
           </a:p>
-          <a:p>
-            <a:pPr marL="266700" lvl="1" indent="0">
-              <a:buNone/>
-            </a:pPr>
-            <a:endParaRPr lang="en-US" altLang="ko-KR" dirty="0">
-              <a:latin typeface="+mn-ea"/>
-            </a:endParaRPr>
-          </a:p>
-          <a:p>
-            <a:pPr marL="266700" lvl="1" indent="0">
-              <a:buNone/>
-            </a:pPr>
-            <a:endParaRPr lang="en-US" altLang="ko-KR" dirty="0">
-              <a:latin typeface="+mn-ea"/>
-            </a:endParaRPr>
-          </a:p>
-          <a:p>
-            <a:pPr marL="266700" lvl="1" indent="0">
-              <a:buNone/>
-            </a:pPr>
-            <a:endParaRPr lang="en-US" altLang="ko-KR" dirty="0">
-              <a:latin typeface="+mn-ea"/>
-            </a:endParaRPr>
-          </a:p>
-          <a:p>
-            <a:pPr marL="266700" lvl="1" indent="0">
-              <a:buNone/>
-            </a:pPr>
-            <a:endParaRPr lang="en-US" altLang="ko-KR" dirty="0">
-              <a:latin typeface="+mn-ea"/>
-            </a:endParaRPr>
-          </a:p>
-          <a:p>
-            <a:pPr marL="266700" lvl="1" indent="0">
-              <a:buNone/>
-            </a:pPr>
-            <a:endParaRPr lang="en-US" altLang="ko-KR" dirty="0">
-              <a:latin typeface="+mn-ea"/>
-            </a:endParaRPr>
-          </a:p>
         </p:txBody>
       </p:sp>
       <p:cxnSp>
@@ -14575,7 +15445,7 @@
         </p:nvCxnSpPr>
         <p:spPr>
           <a:xfrm flipV="1">
-            <a:off x="4953965" y="4977114"/>
+            <a:off x="4324253" y="5087283"/>
             <a:ext cx="685493" cy="57873"/>
           </a:xfrm>
           <a:prstGeom prst="straightConnector1">
@@ -14616,7 +15486,7 @@
 </p:sld>
 </file>
 
-<file path=ppt/slides/slide22.xml><?xml version="1.0" encoding="utf-8"?>
+<file path=ppt/slides/slide23.xml><?xml version="1.0" encoding="utf-8"?>
 <p:sld xmlns:a="http://schemas.openxmlformats.org/drawingml/2006/main" xmlns:r="http://schemas.openxmlformats.org/officeDocument/2006/relationships" xmlns:p="http://schemas.openxmlformats.org/presentationml/2006/main">
   <p:cSld>
     <p:spTree>
@@ -15227,6 +16097,48 @@
           </a:p>
         </p:txBody>
       </p:sp>
+      <p:sp>
+        <p:nvSpPr>
+          <p:cNvPr id="3" name="TextBox 2">
+            <a:extLst>
+              <a:ext uri="{FF2B5EF4-FFF2-40B4-BE49-F238E27FC236}">
+                <a16:creationId xmlns:a16="http://schemas.microsoft.com/office/drawing/2014/main" id="{71DC316E-4D18-49AE-A850-8FBA3DF5C519}"/>
+              </a:ext>
+            </a:extLst>
+          </p:cNvPr>
+          <p:cNvSpPr txBox="1"/>
+          <p:nvPr/>
+        </p:nvSpPr>
+        <p:spPr>
+          <a:xfrm>
+            <a:off x="1988910" y="3557846"/>
+            <a:ext cx="3169457" cy="461665"/>
+          </a:xfrm>
+          <a:prstGeom prst="rect">
+            <a:avLst/>
+          </a:prstGeom>
+          <a:solidFill>
+            <a:srgbClr val="FFC000"/>
+          </a:solidFill>
+        </p:spPr>
+        <p:txBody>
+          <a:bodyPr wrap="none" rtlCol="0">
+            <a:spAutoFit/>
+          </a:bodyPr>
+          <a:lstStyle/>
+          <a:p>
+            <a:r>
+              <a:rPr lang="ko-KR" altLang="en-US" sz="2400" dirty="0"/>
+              <a:t>변경화면 대체해야 함</a:t>
+            </a:r>
+            <a:r>
+              <a:rPr lang="en-US" altLang="ko-KR" sz="2400" dirty="0"/>
+              <a:t>.</a:t>
+            </a:r>
+            <a:endParaRPr lang="ko-KR" altLang="en-US" sz="2400" dirty="0"/>
+          </a:p>
+        </p:txBody>
+      </p:sp>
     </p:spTree>
     <p:extLst>
       <p:ext uri="{BB962C8B-B14F-4D97-AF65-F5344CB8AC3E}">
@@ -15240,7 +16152,7 @@
 </p:sld>
 </file>
 
-<file path=ppt/slides/slide23.xml><?xml version="1.0" encoding="utf-8"?>
+<file path=ppt/slides/slide24.xml><?xml version="1.0" encoding="utf-8"?>
 <p:sld xmlns:a="http://schemas.openxmlformats.org/drawingml/2006/main" xmlns:r="http://schemas.openxmlformats.org/officeDocument/2006/relationships" xmlns:p="http://schemas.openxmlformats.org/presentationml/2006/main">
   <p:cSld>
     <p:spTree>
@@ -15259,7 +16171,13 @@
       </p:grpSpPr>
       <p:pic>
         <p:nvPicPr>
-          <p:cNvPr id="2" name="그림 1"/>
+          <p:cNvPr id="11" name="그림 10">
+            <a:extLst>
+              <a:ext uri="{FF2B5EF4-FFF2-40B4-BE49-F238E27FC236}">
+                <a16:creationId xmlns:a16="http://schemas.microsoft.com/office/drawing/2014/main" id="{DE9F18B1-4CA7-4FF7-822A-2EDD1E085088}"/>
+              </a:ext>
+            </a:extLst>
+          </p:cNvPr>
           <p:cNvPicPr>
             <a:picLocks noChangeAspect="1"/>
           </p:cNvPicPr>
@@ -15273,8 +16191,38 @@
         </p:blipFill>
         <p:spPr>
           <a:xfrm>
-            <a:off x="247139" y="1476291"/>
-            <a:ext cx="8829675" cy="4993957"/>
+            <a:off x="817205" y="3822899"/>
+            <a:ext cx="6355492" cy="2474943"/>
+          </a:xfrm>
+          <a:prstGeom prst="rect">
+            <a:avLst/>
+          </a:prstGeom>
+        </p:spPr>
+      </p:pic>
+      <p:pic>
+        <p:nvPicPr>
+          <p:cNvPr id="5" name="그림 4">
+            <a:extLst>
+              <a:ext uri="{FF2B5EF4-FFF2-40B4-BE49-F238E27FC236}">
+                <a16:creationId xmlns:a16="http://schemas.microsoft.com/office/drawing/2014/main" id="{B2C3B497-D23B-4E70-84B0-0F410D82B8E7}"/>
+              </a:ext>
+            </a:extLst>
+          </p:cNvPr>
+          <p:cNvPicPr>
+            <a:picLocks noChangeAspect="1"/>
+          </p:cNvPicPr>
+          <p:nvPr/>
+        </p:nvPicPr>
+        <p:blipFill>
+          <a:blip r:embed="rId4"/>
+          <a:stretch>
+            <a:fillRect/>
+          </a:stretch>
+        </p:blipFill>
+        <p:spPr>
+          <a:xfrm>
+            <a:off x="829075" y="1475818"/>
+            <a:ext cx="6355491" cy="2366113"/>
           </a:xfrm>
           <a:prstGeom prst="rect">
             <a:avLst/>
@@ -15595,8 +16543,8 @@
         </p:nvSpPr>
         <p:spPr>
           <a:xfrm flipH="1">
-            <a:off x="1153344" y="6030408"/>
-            <a:ext cx="1960245" cy="277793"/>
+            <a:off x="2228466" y="2273358"/>
+            <a:ext cx="1072872" cy="267962"/>
           </a:xfrm>
           <a:prstGeom prst="rect">
             <a:avLst/>
@@ -15638,13 +16586,571 @@
       </p:sp>
       <p:sp>
         <p:nvSpPr>
+          <p:cNvPr id="14" name="직사각형 13">
+            <a:extLst>
+              <a:ext uri="{FF2B5EF4-FFF2-40B4-BE49-F238E27FC236}">
+                <a16:creationId xmlns:a16="http://schemas.microsoft.com/office/drawing/2014/main" id="{68C71C4A-629E-4E1E-96EA-D1E64458D743}"/>
+              </a:ext>
+            </a:extLst>
+          </p:cNvPr>
+          <p:cNvSpPr/>
+          <p:nvPr/>
+        </p:nvSpPr>
+        <p:spPr>
+          <a:xfrm flipH="1">
+            <a:off x="1278440" y="5845609"/>
+            <a:ext cx="1429131" cy="276998"/>
+          </a:xfrm>
+          <a:prstGeom prst="rect">
+            <a:avLst/>
+          </a:prstGeom>
+          <a:noFill/>
+          <a:ln w="28575">
+            <a:solidFill>
+              <a:srgbClr val="FF0000"/>
+            </a:solidFill>
+          </a:ln>
+        </p:spPr>
+        <p:style>
+          <a:lnRef idx="2">
+            <a:schemeClr val="accent1">
+              <a:shade val="50000"/>
+            </a:schemeClr>
+          </a:lnRef>
+          <a:fillRef idx="1">
+            <a:schemeClr val="accent1"/>
+          </a:fillRef>
+          <a:effectRef idx="0">
+            <a:schemeClr val="accent1"/>
+          </a:effectRef>
+          <a:fontRef idx="minor">
+            <a:schemeClr val="lt1"/>
+          </a:fontRef>
+        </p:style>
+        <p:txBody>
+          <a:bodyPr rtlCol="0" anchor="ctr"/>
+          <a:lstStyle/>
+          <a:p>
+            <a:endParaRPr lang="ko-KR" altLang="en-US" b="1" dirty="0">
+              <a:solidFill>
+                <a:srgbClr val="FF0000"/>
+              </a:solidFill>
+            </a:endParaRPr>
+          </a:p>
+        </p:txBody>
+      </p:sp>
+      <p:sp>
+        <p:nvSpPr>
+          <p:cNvPr id="12" name="TextBox 11">
+            <a:extLst>
+              <a:ext uri="{FF2B5EF4-FFF2-40B4-BE49-F238E27FC236}">
+                <a16:creationId xmlns:a16="http://schemas.microsoft.com/office/drawing/2014/main" id="{4B366284-8657-4A5A-B8E1-FA45AE113E00}"/>
+              </a:ext>
+            </a:extLst>
+          </p:cNvPr>
+          <p:cNvSpPr txBox="1"/>
+          <p:nvPr/>
+        </p:nvSpPr>
+        <p:spPr>
+          <a:xfrm>
+            <a:off x="2707571" y="1943009"/>
+            <a:ext cx="763351" cy="307777"/>
+          </a:xfrm>
+          <a:prstGeom prst="rect">
+            <a:avLst/>
+          </a:prstGeom>
+          <a:noFill/>
+        </p:spPr>
+        <p:txBody>
+          <a:bodyPr wrap="none" rtlCol="0">
+            <a:spAutoFit/>
+          </a:bodyPr>
+          <a:lstStyle/>
+          <a:p>
+            <a:r>
+              <a:rPr lang="ko-KR" altLang="en-US" sz="1400">
+                <a:solidFill>
+                  <a:srgbClr val="FF0000"/>
+                </a:solidFill>
+              </a:rPr>
+              <a:t>① 클릭</a:t>
+            </a:r>
+            <a:endParaRPr lang="ko-KR" altLang="en-US" sz="1400" dirty="0">
+              <a:solidFill>
+                <a:srgbClr val="FF0000"/>
+              </a:solidFill>
+            </a:endParaRPr>
+          </a:p>
+        </p:txBody>
+      </p:sp>
+      <p:sp>
+        <p:nvSpPr>
+          <p:cNvPr id="16" name="TextBox 15">
+            <a:extLst>
+              <a:ext uri="{FF2B5EF4-FFF2-40B4-BE49-F238E27FC236}">
+                <a16:creationId xmlns:a16="http://schemas.microsoft.com/office/drawing/2014/main" id="{3FCA9B28-D024-48D1-AEB2-7831A2CE53CF}"/>
+              </a:ext>
+            </a:extLst>
+          </p:cNvPr>
+          <p:cNvSpPr txBox="1"/>
+          <p:nvPr/>
+        </p:nvSpPr>
+        <p:spPr>
+          <a:xfrm>
+            <a:off x="2729277" y="5801973"/>
+            <a:ext cx="763351" cy="307777"/>
+          </a:xfrm>
+          <a:prstGeom prst="rect">
+            <a:avLst/>
+          </a:prstGeom>
+          <a:noFill/>
+        </p:spPr>
+        <p:txBody>
+          <a:bodyPr wrap="none" rtlCol="0">
+            <a:spAutoFit/>
+          </a:bodyPr>
+          <a:lstStyle/>
+          <a:p>
+            <a:r>
+              <a:rPr lang="ko-KR" altLang="en-US" sz="1400">
+                <a:solidFill>
+                  <a:srgbClr val="FF0000"/>
+                </a:solidFill>
+              </a:rPr>
+              <a:t>② 클릭</a:t>
+            </a:r>
+            <a:endParaRPr lang="ko-KR" altLang="en-US" sz="1400" dirty="0">
+              <a:solidFill>
+                <a:srgbClr val="FF0000"/>
+              </a:solidFill>
+            </a:endParaRPr>
+          </a:p>
+        </p:txBody>
+      </p:sp>
+    </p:spTree>
+    <p:extLst>
+      <p:ext uri="{BB962C8B-B14F-4D97-AF65-F5344CB8AC3E}">
+        <p14:creationId xmlns:p14="http://schemas.microsoft.com/office/powerpoint/2010/main" val="473009607"/>
+      </p:ext>
+    </p:extLst>
+  </p:cSld>
+  <p:clrMapOvr>
+    <a:masterClrMapping/>
+  </p:clrMapOvr>
+</p:sld>
+</file>
+
+<file path=ppt/slides/slide25.xml><?xml version="1.0" encoding="utf-8"?>
+<p:sld xmlns:a="http://schemas.openxmlformats.org/drawingml/2006/main" xmlns:r="http://schemas.openxmlformats.org/officeDocument/2006/relationships" xmlns:p="http://schemas.openxmlformats.org/presentationml/2006/main">
+  <p:cSld>
+    <p:spTree>
+      <p:nvGrpSpPr>
+        <p:cNvPr id="1" name=""/>
+        <p:cNvGrpSpPr/>
+        <p:nvPr/>
+      </p:nvGrpSpPr>
+      <p:grpSpPr>
+        <a:xfrm>
+          <a:off x="0" y="0"/>
+          <a:ext cx="0" cy="0"/>
+          <a:chOff x="0" y="0"/>
+          <a:chExt cx="0" cy="0"/>
+        </a:xfrm>
+      </p:grpSpPr>
+      <p:pic>
+        <p:nvPicPr>
+          <p:cNvPr id="5" name="그림 4">
+            <a:extLst>
+              <a:ext uri="{FF2B5EF4-FFF2-40B4-BE49-F238E27FC236}">
+                <a16:creationId xmlns:a16="http://schemas.microsoft.com/office/drawing/2014/main" id="{4D6A9887-5446-4AD0-8EEB-D7722BA9B0CA}"/>
+              </a:ext>
+            </a:extLst>
+          </p:cNvPr>
+          <p:cNvPicPr>
+            <a:picLocks noChangeAspect="1"/>
+          </p:cNvPicPr>
+          <p:nvPr/>
+        </p:nvPicPr>
+        <p:blipFill>
+          <a:blip r:embed="rId3"/>
+          <a:stretch>
+            <a:fillRect/>
+          </a:stretch>
+        </p:blipFill>
+        <p:spPr>
+          <a:xfrm>
+            <a:off x="747650" y="1419952"/>
+            <a:ext cx="6531923" cy="4947447"/>
+          </a:xfrm>
+          <a:prstGeom prst="rect">
+            <a:avLst/>
+          </a:prstGeom>
+        </p:spPr>
+      </p:pic>
+      <p:sp>
+        <p:nvSpPr>
+          <p:cNvPr id="7" name="내용 개체 틀 2">
+            <a:extLst>
+              <a:ext uri="{FF2B5EF4-FFF2-40B4-BE49-F238E27FC236}">
+                <a16:creationId xmlns:a16="http://schemas.microsoft.com/office/drawing/2014/main" id="{A44AC902-3746-40D6-9827-94B46EEDDC67}"/>
+              </a:ext>
+            </a:extLst>
+          </p:cNvPr>
+          <p:cNvSpPr txBox="1">
+            <a:spLocks/>
+          </p:cNvSpPr>
+          <p:nvPr/>
+        </p:nvSpPr>
+        <p:spPr>
+          <a:xfrm>
+            <a:off x="341787" y="958495"/>
+            <a:ext cx="8642350" cy="555917"/>
+          </a:xfrm>
+          <a:prstGeom prst="rect">
+            <a:avLst/>
+          </a:prstGeom>
+        </p:spPr>
+        <p:txBody>
+          <a:bodyPr vert="horz" lIns="91440" tIns="45720" rIns="91440" bIns="45720" rtlCol="0">
+            <a:noAutofit/>
+          </a:bodyPr>
+          <a:lstStyle>
+            <a:lvl1pPr marL="266700" indent="-266700" defTabSz="914400" latinLnBrk="1">
+              <a:lnSpc>
+                <a:spcPct val="150000"/>
+              </a:lnSpc>
+              <a:spcBef>
+                <a:spcPct val="0"/>
+              </a:spcBef>
+              <a:buClr>
+                <a:schemeClr val="tx1">
+                  <a:lumMod val="65000"/>
+                  <a:lumOff val="35000"/>
+                </a:schemeClr>
+              </a:buClr>
+              <a:buFont typeface="Wingdings" pitchFamily="2" charset="2"/>
+              <a:buChar char="n"/>
+              <a:defRPr sz="2000" b="1">
+                <a:latin typeface="+mn-ea"/>
+              </a:defRPr>
+            </a:lvl1pPr>
+            <a:lvl2pPr marL="447675" lvl="1" indent="-180975" defTabSz="914400" latinLnBrk="1">
+              <a:lnSpc>
+                <a:spcPct val="150000"/>
+              </a:lnSpc>
+              <a:spcBef>
+                <a:spcPts val="0"/>
+              </a:spcBef>
+              <a:spcAft>
+                <a:spcPts val="0"/>
+              </a:spcAft>
+              <a:buClr>
+                <a:schemeClr val="tx1">
+                  <a:lumMod val="50000"/>
+                  <a:lumOff val="50000"/>
+                </a:schemeClr>
+              </a:buClr>
+              <a:buFont typeface="Wingdings" pitchFamily="2" charset="2"/>
+              <a:buChar char="§"/>
+              <a:defRPr sz="1600"/>
+            </a:lvl2pPr>
+            <a:lvl3pPr marL="628650" indent="-180975" defTabSz="914400" latinLnBrk="1">
+              <a:lnSpc>
+                <a:spcPct val="150000"/>
+              </a:lnSpc>
+              <a:spcBef>
+                <a:spcPts val="500"/>
+              </a:spcBef>
+              <a:spcAft>
+                <a:spcPts val="300"/>
+              </a:spcAft>
+              <a:buClr>
+                <a:schemeClr val="tx1">
+                  <a:lumMod val="65000"/>
+                  <a:lumOff val="35000"/>
+                </a:schemeClr>
+              </a:buClr>
+              <a:buFont typeface="Arial" panose="020B0604020202020204" pitchFamily="34" charset="0"/>
+              <a:buChar char="•"/>
+              <a:defRPr sz="1400"/>
+            </a:lvl3pPr>
+            <a:lvl4pPr marL="809625" indent="-180975" defTabSz="914400" latinLnBrk="1">
+              <a:lnSpc>
+                <a:spcPct val="150000"/>
+              </a:lnSpc>
+              <a:spcBef>
+                <a:spcPts val="500"/>
+              </a:spcBef>
+              <a:spcAft>
+                <a:spcPts val="300"/>
+              </a:spcAft>
+              <a:buClr>
+                <a:schemeClr val="tx1">
+                  <a:lumMod val="65000"/>
+                  <a:lumOff val="35000"/>
+                </a:schemeClr>
+              </a:buClr>
+              <a:buSzPct val="96000"/>
+              <a:buFont typeface="Arial" panose="020B0604020202020204" pitchFamily="34" charset="0"/>
+              <a:buChar char="•"/>
+              <a:defRPr sz="1200"/>
+            </a:lvl4pPr>
+            <a:lvl5pPr marL="990600" indent="-180975" defTabSz="914400" latinLnBrk="1">
+              <a:lnSpc>
+                <a:spcPct val="150000"/>
+              </a:lnSpc>
+              <a:spcBef>
+                <a:spcPts val="500"/>
+              </a:spcBef>
+              <a:buClr>
+                <a:schemeClr val="tx1">
+                  <a:lumMod val="65000"/>
+                  <a:lumOff val="35000"/>
+                </a:schemeClr>
+              </a:buClr>
+              <a:buFont typeface="Arial" panose="020B0604020202020204" pitchFamily="34" charset="0"/>
+              <a:buChar char="•"/>
+              <a:defRPr sz="1000"/>
+            </a:lvl5pPr>
+            <a:lvl6pPr marL="2514600" indent="-228600" defTabSz="914400" latinLnBrk="1">
+              <a:lnSpc>
+                <a:spcPct val="90000"/>
+              </a:lnSpc>
+              <a:spcBef>
+                <a:spcPts val="500"/>
+              </a:spcBef>
+              <a:buFont typeface="Arial" panose="020B0604020202020204" pitchFamily="34" charset="0"/>
+              <a:buChar char="•"/>
+            </a:lvl6pPr>
+            <a:lvl7pPr marL="2971800" indent="-228600" defTabSz="914400" latinLnBrk="1">
+              <a:lnSpc>
+                <a:spcPct val="90000"/>
+              </a:lnSpc>
+              <a:spcBef>
+                <a:spcPts val="500"/>
+              </a:spcBef>
+              <a:buFont typeface="Arial" panose="020B0604020202020204" pitchFamily="34" charset="0"/>
+              <a:buChar char="•"/>
+            </a:lvl7pPr>
+            <a:lvl8pPr marL="3429000" indent="-228600" defTabSz="914400" latinLnBrk="1">
+              <a:lnSpc>
+                <a:spcPct val="90000"/>
+              </a:lnSpc>
+              <a:spcBef>
+                <a:spcPts val="500"/>
+              </a:spcBef>
+              <a:buFont typeface="Arial" panose="020B0604020202020204" pitchFamily="34" charset="0"/>
+              <a:buChar char="•"/>
+            </a:lvl8pPr>
+            <a:lvl9pPr marL="3886200" indent="-228600" defTabSz="914400" latinLnBrk="1">
+              <a:lnSpc>
+                <a:spcPct val="90000"/>
+              </a:lnSpc>
+              <a:spcBef>
+                <a:spcPts val="500"/>
+              </a:spcBef>
+              <a:buFont typeface="Arial" panose="020B0604020202020204" pitchFamily="34" charset="0"/>
+              <a:buChar char="•"/>
+            </a:lvl9pPr>
+          </a:lstStyle>
+          <a:p>
+            <a:r>
+              <a:rPr lang="ko-KR" altLang="en-US" dirty="0"/>
+              <a:t>남의 원격저장소</a:t>
+            </a:r>
+            <a:r>
+              <a:rPr lang="en-US" altLang="ko-KR" dirty="0"/>
+              <a:t>(upstream) </a:t>
+            </a:r>
+            <a:r>
+              <a:rPr lang="ko-KR" altLang="en-US" dirty="0"/>
+              <a:t>책임자의 </a:t>
+            </a:r>
+            <a:r>
+              <a:rPr lang="en-US" altLang="ko-KR" dirty="0" err="1"/>
+              <a:t>github</a:t>
+            </a:r>
+            <a:r>
+              <a:rPr lang="en-US" altLang="ko-KR" dirty="0"/>
+              <a:t> repository</a:t>
+            </a:r>
+            <a:endParaRPr lang="en-US" altLang="ko-KR" dirty="0">
+              <a:latin typeface="+mn-ea"/>
+            </a:endParaRPr>
+          </a:p>
+          <a:p>
+            <a:pPr lvl="1"/>
+            <a:endParaRPr lang="en-US" altLang="ko-KR" dirty="0">
+              <a:latin typeface="+mn-ea"/>
+            </a:endParaRPr>
+          </a:p>
+          <a:p>
+            <a:pPr lvl="1"/>
+            <a:endParaRPr lang="en-US" altLang="ko-KR" dirty="0">
+              <a:latin typeface="+mn-ea"/>
+            </a:endParaRPr>
+          </a:p>
+          <a:p>
+            <a:pPr marL="266700" lvl="1" indent="0">
+              <a:buNone/>
+            </a:pPr>
+            <a:endParaRPr lang="en-US" altLang="ko-KR" dirty="0">
+              <a:latin typeface="+mn-ea"/>
+            </a:endParaRPr>
+          </a:p>
+          <a:p>
+            <a:pPr marL="266700" lvl="1" indent="0">
+              <a:buNone/>
+            </a:pPr>
+            <a:endParaRPr lang="en-US" altLang="ko-KR" dirty="0">
+              <a:latin typeface="+mn-ea"/>
+            </a:endParaRPr>
+          </a:p>
+          <a:p>
+            <a:pPr marL="266700" lvl="1" indent="0">
+              <a:buNone/>
+            </a:pPr>
+            <a:endParaRPr lang="en-US" altLang="ko-KR" dirty="0">
+              <a:latin typeface="+mn-ea"/>
+            </a:endParaRPr>
+          </a:p>
+          <a:p>
+            <a:pPr marL="266700" lvl="1" indent="0">
+              <a:buNone/>
+            </a:pPr>
+            <a:endParaRPr lang="en-US" altLang="ko-KR" dirty="0">
+              <a:latin typeface="+mn-ea"/>
+            </a:endParaRPr>
+          </a:p>
+          <a:p>
+            <a:pPr marL="266700" lvl="1" indent="0">
+              <a:buNone/>
+            </a:pPr>
+            <a:endParaRPr lang="en-US" altLang="ko-KR" dirty="0">
+              <a:latin typeface="+mn-ea"/>
+            </a:endParaRPr>
+          </a:p>
+          <a:p>
+            <a:pPr marL="266700" lvl="1" indent="0">
+              <a:buNone/>
+            </a:pPr>
+            <a:endParaRPr lang="en-US" altLang="ko-KR" dirty="0">
+              <a:latin typeface="+mn-ea"/>
+            </a:endParaRPr>
+          </a:p>
+        </p:txBody>
+      </p:sp>
+      <p:sp>
+        <p:nvSpPr>
+          <p:cNvPr id="4" name="제목 3">
+            <a:extLst>
+              <a:ext uri="{FF2B5EF4-FFF2-40B4-BE49-F238E27FC236}">
+                <a16:creationId xmlns:a16="http://schemas.microsoft.com/office/drawing/2014/main" id="{F0CEB32B-CB43-4410-BA08-A97E4BC47FCB}"/>
+              </a:ext>
+            </a:extLst>
+          </p:cNvPr>
+          <p:cNvSpPr>
+            <a:spLocks noGrp="1"/>
+          </p:cNvSpPr>
+          <p:nvPr>
+            <p:ph type="title"/>
+          </p:nvPr>
+        </p:nvSpPr>
+        <p:spPr>
+          <a:xfrm>
+            <a:off x="539551" y="192300"/>
+            <a:ext cx="8244853" cy="576064"/>
+          </a:xfrm>
+        </p:spPr>
+        <p:txBody>
+          <a:bodyPr>
+            <a:normAutofit/>
+          </a:bodyPr>
+          <a:lstStyle/>
+          <a:p>
+            <a:r>
+              <a:rPr lang="en-US" altLang="ko-KR" dirty="0"/>
+              <a:t>Upstream </a:t>
+            </a:r>
+            <a:r>
+              <a:rPr lang="ko-KR" altLang="en-US" dirty="0"/>
+              <a:t>책임자가 </a:t>
+            </a:r>
+            <a:r>
+              <a:rPr lang="en-US" altLang="ko-KR" dirty="0"/>
+              <a:t>merge</a:t>
+            </a:r>
+            <a:r>
+              <a:rPr lang="ko-KR" altLang="en-US" dirty="0"/>
+              <a:t> 검토하기</a:t>
+            </a:r>
+          </a:p>
+        </p:txBody>
+      </p:sp>
+      <p:sp>
+        <p:nvSpPr>
+          <p:cNvPr id="8" name="직사각형 7">
+            <a:extLst>
+              <a:ext uri="{FF2B5EF4-FFF2-40B4-BE49-F238E27FC236}">
+                <a16:creationId xmlns:a16="http://schemas.microsoft.com/office/drawing/2014/main" id="{42E77EDC-1C0F-48D7-B49C-8EFD59FA447A}"/>
+              </a:ext>
+            </a:extLst>
+          </p:cNvPr>
+          <p:cNvSpPr/>
+          <p:nvPr/>
+        </p:nvSpPr>
+        <p:spPr>
+          <a:xfrm flipH="1">
+            <a:off x="1409023" y="5911659"/>
+            <a:ext cx="1704565" cy="276993"/>
+          </a:xfrm>
+          <a:prstGeom prst="rect">
+            <a:avLst/>
+          </a:prstGeom>
+          <a:noFill/>
+          <a:ln w="28575">
+            <a:solidFill>
+              <a:srgbClr val="FF0000"/>
+            </a:solidFill>
+          </a:ln>
+        </p:spPr>
+        <p:style>
+          <a:lnRef idx="2">
+            <a:schemeClr val="accent1">
+              <a:shade val="50000"/>
+            </a:schemeClr>
+          </a:lnRef>
+          <a:fillRef idx="1">
+            <a:schemeClr val="accent1"/>
+          </a:fillRef>
+          <a:effectRef idx="0">
+            <a:schemeClr val="accent1"/>
+          </a:effectRef>
+          <a:fontRef idx="minor">
+            <a:schemeClr val="lt1"/>
+          </a:fontRef>
+        </p:style>
+        <p:txBody>
+          <a:bodyPr rtlCol="0" anchor="ctr"/>
+          <a:lstStyle/>
+          <a:p>
+            <a:endParaRPr lang="ko-KR" altLang="en-US" b="1" dirty="0">
+              <a:solidFill>
+                <a:srgbClr val="FF0000"/>
+              </a:solidFill>
+            </a:endParaRPr>
+          </a:p>
+        </p:txBody>
+      </p:sp>
+      <p:sp>
+        <p:nvSpPr>
           <p:cNvPr id="15" name="TextBox 14"/>
           <p:cNvSpPr txBox="1"/>
           <p:nvPr/>
         </p:nvSpPr>
         <p:spPr>
           <a:xfrm>
-            <a:off x="3113589" y="5845609"/>
+            <a:off x="3113589" y="5726859"/>
             <a:ext cx="1226917" cy="276999"/>
           </a:xfrm>
           <a:prstGeom prst="rect">
@@ -15682,7 +17188,7 @@
         </p:nvCxnSpPr>
         <p:spPr>
           <a:xfrm>
-            <a:off x="1299517" y="2222339"/>
+            <a:off x="1572649" y="2103589"/>
             <a:ext cx="3939690" cy="0"/>
           </a:xfrm>
           <a:prstGeom prst="line">
@@ -15723,7 +17229,7 @@
         </p:nvSpPr>
         <p:spPr>
           <a:xfrm>
-            <a:off x="4810975" y="2222339"/>
+            <a:off x="5084107" y="2103589"/>
             <a:ext cx="3658325" cy="307777"/>
           </a:xfrm>
           <a:prstGeom prst="rect">
@@ -15821,7 +17327,7 @@
         </p:nvCxnSpPr>
         <p:spPr>
           <a:xfrm flipH="1" flipV="1">
-            <a:off x="4854519" y="2222338"/>
+            <a:off x="5127651" y="2103588"/>
             <a:ext cx="239996" cy="153890"/>
           </a:xfrm>
           <a:prstGeom prst="straightConnector1">
@@ -15852,7 +17358,7 @@
     </p:spTree>
     <p:extLst>
       <p:ext uri="{BB962C8B-B14F-4D97-AF65-F5344CB8AC3E}">
-        <p14:creationId xmlns:p14="http://schemas.microsoft.com/office/powerpoint/2010/main" val="473009607"/>
+        <p14:creationId xmlns:p14="http://schemas.microsoft.com/office/powerpoint/2010/main" val="152427794"/>
       </p:ext>
     </p:extLst>
   </p:cSld>
@@ -15862,7 +17368,7 @@
 </p:sld>
 </file>
 
-<file path=ppt/slides/slide24.xml><?xml version="1.0" encoding="utf-8"?>
+<file path=ppt/slides/slide26.xml><?xml version="1.0" encoding="utf-8"?>
 <p:sld xmlns:a="http://schemas.openxmlformats.org/drawingml/2006/main" xmlns:r="http://schemas.openxmlformats.org/officeDocument/2006/relationships" xmlns:p="http://schemas.openxmlformats.org/presentationml/2006/main">
   <p:cSld>
     <p:spTree>
@@ -15879,6 +17385,36 @@
           <a:chExt cx="0" cy="0"/>
         </a:xfrm>
       </p:grpSpPr>
+      <p:pic>
+        <p:nvPicPr>
+          <p:cNvPr id="5" name="그림 4">
+            <a:extLst>
+              <a:ext uri="{FF2B5EF4-FFF2-40B4-BE49-F238E27FC236}">
+                <a16:creationId xmlns:a16="http://schemas.microsoft.com/office/drawing/2014/main" id="{9483276B-752E-4B29-A03C-71B50AA1A585}"/>
+              </a:ext>
+            </a:extLst>
+          </p:cNvPr>
+          <p:cNvPicPr>
+            <a:picLocks noChangeAspect="1"/>
+          </p:cNvPicPr>
+          <p:nvPr/>
+        </p:nvPicPr>
+        <p:blipFill>
+          <a:blip r:embed="rId3"/>
+          <a:stretch>
+            <a:fillRect/>
+          </a:stretch>
+        </p:blipFill>
+        <p:spPr>
+          <a:xfrm>
+            <a:off x="558145" y="1467400"/>
+            <a:ext cx="7350246" cy="4803409"/>
+          </a:xfrm>
+          <a:prstGeom prst="rect">
+            <a:avLst/>
+          </a:prstGeom>
+        </p:spPr>
+      </p:pic>
       <p:sp>
         <p:nvSpPr>
           <p:cNvPr id="7" name="내용 개체 틀 2">
@@ -16179,30 +17715,6 @@
           </a:p>
         </p:txBody>
       </p:sp>
-      <p:pic>
-        <p:nvPicPr>
-          <p:cNvPr id="3" name="그림 2"/>
-          <p:cNvPicPr>
-            <a:picLocks noChangeAspect="1"/>
-          </p:cNvPicPr>
-          <p:nvPr/>
-        </p:nvPicPr>
-        <p:blipFill>
-          <a:blip r:embed="rId3"/>
-          <a:stretch>
-            <a:fillRect/>
-          </a:stretch>
-        </p:blipFill>
-        <p:spPr>
-          <a:xfrm>
-            <a:off x="423804" y="1514412"/>
-            <a:ext cx="8244853" cy="4711345"/>
-          </a:xfrm>
-          <a:prstGeom prst="rect">
-            <a:avLst/>
-          </a:prstGeom>
-        </p:spPr>
-      </p:pic>
       <p:sp>
         <p:nvSpPr>
           <p:cNvPr id="9" name="직사각형 8">
@@ -16217,7 +17729,7 @@
         </p:nvSpPr>
         <p:spPr>
           <a:xfrm flipH="1">
-            <a:off x="1155506" y="3350753"/>
+            <a:off x="1262381" y="3303253"/>
             <a:ext cx="1784463" cy="357191"/>
           </a:xfrm>
           <a:prstGeom prst="rect">
@@ -16272,7 +17784,7 @@
         </p:nvSpPr>
         <p:spPr>
           <a:xfrm>
-            <a:off x="1669517" y="5747589"/>
+            <a:off x="1051998" y="5783214"/>
             <a:ext cx="3986010" cy="523220"/>
           </a:xfrm>
           <a:prstGeom prst="rect">
@@ -16381,8 +17893,8 @@
         </p:nvCxnSpPr>
         <p:spPr>
           <a:xfrm flipV="1">
-            <a:off x="5312780" y="5901478"/>
-            <a:ext cx="685493" cy="57873"/>
+            <a:off x="4846368" y="6044824"/>
+            <a:ext cx="407998" cy="25807"/>
           </a:xfrm>
           <a:prstGeom prst="straightConnector1">
             <a:avLst/>
@@ -16423,7 +17935,7 @@
         </p:nvSpPr>
         <p:spPr>
           <a:xfrm>
-            <a:off x="3132825" y="3529348"/>
+            <a:off x="4223825" y="3534535"/>
             <a:ext cx="3058304" cy="523220"/>
           </a:xfrm>
           <a:prstGeom prst="rect">
@@ -16498,8 +18010,8 @@
         </p:nvCxnSpPr>
         <p:spPr>
           <a:xfrm flipH="1" flipV="1">
-            <a:off x="2939969" y="3529349"/>
-            <a:ext cx="379806" cy="290546"/>
+            <a:off x="3046844" y="3481849"/>
+            <a:ext cx="1335151" cy="178595"/>
           </a:xfrm>
           <a:prstGeom prst="straightConnector1">
             <a:avLst/>
@@ -16534,7 +18046,7 @@
         </p:nvSpPr>
         <p:spPr>
           <a:xfrm>
-            <a:off x="2939969" y="3167201"/>
+            <a:off x="3046844" y="3119701"/>
             <a:ext cx="617765" cy="276999"/>
           </a:xfrm>
           <a:prstGeom prst="rect">
@@ -16572,7 +18084,7 @@
 </p:sld>
 </file>
 
-<file path=ppt/slides/slide25.xml><?xml version="1.0" encoding="utf-8"?>
+<file path=ppt/slides/slide27.xml><?xml version="1.0" encoding="utf-8"?>
 <p:sld xmlns:a="http://schemas.openxmlformats.org/drawingml/2006/main" xmlns:r="http://schemas.openxmlformats.org/officeDocument/2006/relationships" xmlns:p="http://schemas.openxmlformats.org/presentationml/2006/main">
   <p:cSld>
     <p:spTree>
@@ -16591,7 +18103,13 @@
       </p:grpSpPr>
       <p:pic>
         <p:nvPicPr>
-          <p:cNvPr id="2" name="그림 1"/>
+          <p:cNvPr id="5" name="그림 4">
+            <a:extLst>
+              <a:ext uri="{FF2B5EF4-FFF2-40B4-BE49-F238E27FC236}">
+                <a16:creationId xmlns:a16="http://schemas.microsoft.com/office/drawing/2014/main" id="{A1461747-5B5B-45C2-B2FB-44EB4F92A0FF}"/>
+              </a:ext>
+            </a:extLst>
+          </p:cNvPr>
           <p:cNvPicPr>
             <a:picLocks noChangeAspect="1"/>
           </p:cNvPicPr>
@@ -16605,8 +18123,8 @@
         </p:blipFill>
         <p:spPr>
           <a:xfrm>
-            <a:off x="211612" y="1698169"/>
-            <a:ext cx="8772525" cy="4019550"/>
+            <a:off x="712962" y="1690409"/>
+            <a:ext cx="7553325" cy="4048125"/>
           </a:xfrm>
           <a:prstGeom prst="rect">
             <a:avLst/>
@@ -16927,8 +18445,8 @@
         </p:nvSpPr>
         <p:spPr>
           <a:xfrm flipH="1">
-            <a:off x="877713" y="5167591"/>
-            <a:ext cx="1784463" cy="357191"/>
+            <a:off x="1567542" y="5167591"/>
+            <a:ext cx="1284633" cy="378186"/>
           </a:xfrm>
           <a:prstGeom prst="rect">
             <a:avLst/>
@@ -17015,7 +18533,7 @@
         </p:nvSpPr>
         <p:spPr>
           <a:xfrm flipH="1">
-            <a:off x="6748040" y="1794074"/>
+            <a:off x="6106771" y="1805949"/>
             <a:ext cx="1388960" cy="236592"/>
           </a:xfrm>
           <a:prstGeom prst="rect">
@@ -17069,7 +18587,7 @@
 </p:sld>
 </file>
 
-<file path=ppt/slides/slide26.xml><?xml version="1.0" encoding="utf-8"?>
+<file path=ppt/slides/slide28.xml><?xml version="1.0" encoding="utf-8"?>
 <p:sld xmlns:a="http://schemas.openxmlformats.org/drawingml/2006/main" xmlns:r="http://schemas.openxmlformats.org/officeDocument/2006/relationships" xmlns:p="http://schemas.openxmlformats.org/presentationml/2006/main">
   <p:cSld>
     <p:spTree>
@@ -17088,7 +18606,13 @@
       </p:grpSpPr>
       <p:pic>
         <p:nvPicPr>
-          <p:cNvPr id="3" name="그림 2"/>
+          <p:cNvPr id="5" name="그림 4">
+            <a:extLst>
+              <a:ext uri="{FF2B5EF4-FFF2-40B4-BE49-F238E27FC236}">
+                <a16:creationId xmlns:a16="http://schemas.microsoft.com/office/drawing/2014/main" id="{B92D79A2-6031-4B1B-9CCD-4CE699AEA8CF}"/>
+              </a:ext>
+            </a:extLst>
+          </p:cNvPr>
           <p:cNvPicPr>
             <a:picLocks noChangeAspect="1"/>
           </p:cNvPicPr>
@@ -17102,8 +18626,8 @@
         </p:blipFill>
         <p:spPr>
           <a:xfrm>
-            <a:off x="341787" y="1704543"/>
-            <a:ext cx="7951808" cy="4414936"/>
+            <a:off x="724394" y="1448245"/>
+            <a:ext cx="7337095" cy="4855164"/>
           </a:xfrm>
           <a:prstGeom prst="rect">
             <a:avLst/>
@@ -17424,7 +18948,7 @@
         </p:nvSpPr>
         <p:spPr>
           <a:xfrm flipH="1">
-            <a:off x="506203" y="3124007"/>
+            <a:off x="862463" y="3005257"/>
             <a:ext cx="907286" cy="357191"/>
           </a:xfrm>
           <a:prstGeom prst="rect">
@@ -17479,7 +19003,7 @@
         </p:nvSpPr>
         <p:spPr>
           <a:xfrm>
-            <a:off x="1234579" y="2510778"/>
+            <a:off x="1590839" y="2344528"/>
             <a:ext cx="2353573" cy="307777"/>
           </a:xfrm>
           <a:prstGeom prst="rect">
@@ -17545,7 +19069,7 @@
         </p:nvCxnSpPr>
         <p:spPr>
           <a:xfrm flipH="1">
-            <a:off x="1234579" y="2801325"/>
+            <a:off x="1590839" y="2646950"/>
             <a:ext cx="186950" cy="344454"/>
           </a:xfrm>
           <a:prstGeom prst="straightConnector1">
@@ -17628,6 +19152,100 @@
           </a:p>
         </p:txBody>
       </p:sp>
+      <p:sp>
+        <p:nvSpPr>
+          <p:cNvPr id="11" name="직사각형 10">
+            <a:extLst>
+              <a:ext uri="{FF2B5EF4-FFF2-40B4-BE49-F238E27FC236}">
+                <a16:creationId xmlns:a16="http://schemas.microsoft.com/office/drawing/2014/main" id="{F60AB607-4F33-44AC-B3B1-1E2C0B63EE78}"/>
+              </a:ext>
+            </a:extLst>
+          </p:cNvPr>
+          <p:cNvSpPr/>
+          <p:nvPr/>
+        </p:nvSpPr>
+        <p:spPr>
+          <a:xfrm flipH="1">
+            <a:off x="1895510" y="1448246"/>
+            <a:ext cx="1025820" cy="307777"/>
+          </a:xfrm>
+          <a:prstGeom prst="rect">
+            <a:avLst/>
+          </a:prstGeom>
+          <a:noFill/>
+          <a:ln w="28575">
+            <a:solidFill>
+              <a:srgbClr val="FF0000"/>
+            </a:solidFill>
+          </a:ln>
+        </p:spPr>
+        <p:style>
+          <a:lnRef idx="2">
+            <a:schemeClr val="accent1">
+              <a:shade val="50000"/>
+            </a:schemeClr>
+          </a:lnRef>
+          <a:fillRef idx="1">
+            <a:schemeClr val="accent1"/>
+          </a:fillRef>
+          <a:effectRef idx="0">
+            <a:schemeClr val="accent1"/>
+          </a:effectRef>
+          <a:fontRef idx="minor">
+            <a:schemeClr val="lt1"/>
+          </a:fontRef>
+        </p:style>
+        <p:txBody>
+          <a:bodyPr rtlCol="0" anchor="ctr"/>
+          <a:lstStyle/>
+          <a:p>
+            <a:endParaRPr lang="ko-KR" altLang="en-US" b="1" dirty="0">
+              <a:solidFill>
+                <a:srgbClr val="FF0000"/>
+              </a:solidFill>
+            </a:endParaRPr>
+          </a:p>
+        </p:txBody>
+      </p:sp>
+      <p:sp>
+        <p:nvSpPr>
+          <p:cNvPr id="13" name="TextBox 12">
+            <a:extLst>
+              <a:ext uri="{FF2B5EF4-FFF2-40B4-BE49-F238E27FC236}">
+                <a16:creationId xmlns:a16="http://schemas.microsoft.com/office/drawing/2014/main" id="{FD4ABBEB-FB55-4DBB-955D-B5F085FDBC34}"/>
+              </a:ext>
+            </a:extLst>
+          </p:cNvPr>
+          <p:cNvSpPr txBox="1"/>
+          <p:nvPr/>
+        </p:nvSpPr>
+        <p:spPr>
+          <a:xfrm>
+            <a:off x="2921330" y="1427544"/>
+            <a:ext cx="617765" cy="276999"/>
+          </a:xfrm>
+          <a:prstGeom prst="rect">
+            <a:avLst/>
+          </a:prstGeom>
+          <a:noFill/>
+        </p:spPr>
+        <p:txBody>
+          <a:bodyPr wrap="square" rtlCol="0">
+            <a:spAutoFit/>
+          </a:bodyPr>
+          <a:lstStyle/>
+          <a:p>
+            <a:r>
+              <a:rPr lang="ko-KR" altLang="en-US" sz="1200" dirty="0">
+                <a:solidFill>
+                  <a:srgbClr val="FF0000"/>
+                </a:solidFill>
+              </a:rPr>
+              <a:t>클릭</a:t>
+            </a:r>
+          </a:p>
+        </p:txBody>
+      </p:sp>
     </p:spTree>
     <p:extLst>
       <p:ext uri="{BB962C8B-B14F-4D97-AF65-F5344CB8AC3E}">
@@ -17641,7 +19259,7 @@
 </p:sld>
 </file>
 
-<file path=ppt/slides/slide27.xml><?xml version="1.0" encoding="utf-8"?>
+<file path=ppt/slides/slide29.xml><?xml version="1.0" encoding="utf-8"?>
 <p:sld xmlns:a="http://schemas.openxmlformats.org/drawingml/2006/main" xmlns:r="http://schemas.openxmlformats.org/officeDocument/2006/relationships" xmlns:p="http://schemas.openxmlformats.org/presentationml/2006/main">
   <p:cSld>
     <p:spTree>
@@ -17660,7 +19278,13 @@
       </p:grpSpPr>
       <p:pic>
         <p:nvPicPr>
-          <p:cNvPr id="2" name="그림 1"/>
+          <p:cNvPr id="5" name="그림 4">
+            <a:extLst>
+              <a:ext uri="{FF2B5EF4-FFF2-40B4-BE49-F238E27FC236}">
+                <a16:creationId xmlns:a16="http://schemas.microsoft.com/office/drawing/2014/main" id="{95923AA0-7F37-4470-AE4C-3F570BC31833}"/>
+              </a:ext>
+            </a:extLst>
+          </p:cNvPr>
           <p:cNvPicPr>
             <a:picLocks noChangeAspect="1"/>
           </p:cNvPicPr>
@@ -17674,8 +19298,8 @@
         </p:blipFill>
         <p:spPr>
           <a:xfrm>
-            <a:off x="341787" y="2337696"/>
-            <a:ext cx="8614759" cy="3161845"/>
+            <a:off x="404562" y="2126781"/>
+            <a:ext cx="8524875" cy="3381375"/>
           </a:xfrm>
           <a:prstGeom prst="rect">
             <a:avLst/>
@@ -18134,7 +19758,7 @@
 </p:sld>
 </file>
 
-<file path=ppt/slides/slide28.xml><?xml version="1.0" encoding="utf-8"?>
+<file path=ppt/slides/slide3.xml><?xml version="1.0" encoding="utf-8"?>
 <p:sld xmlns:a="http://schemas.openxmlformats.org/drawingml/2006/main" xmlns:r="http://schemas.openxmlformats.org/officeDocument/2006/relationships" xmlns:p="http://schemas.openxmlformats.org/presentationml/2006/main">
   <p:cSld>
     <p:spTree>
@@ -18153,7 +19777,13 @@
       </p:grpSpPr>
       <p:pic>
         <p:nvPicPr>
-          <p:cNvPr id="3" name="그림 2"/>
+          <p:cNvPr id="15" name="그림 14">
+            <a:extLst>
+              <a:ext uri="{FF2B5EF4-FFF2-40B4-BE49-F238E27FC236}">
+                <a16:creationId xmlns:a16="http://schemas.microsoft.com/office/drawing/2014/main" id="{30B1B07A-5742-4A58-80E1-AA4C35B4F70A}"/>
+              </a:ext>
+            </a:extLst>
+          </p:cNvPr>
           <p:cNvPicPr>
             <a:picLocks noChangeAspect="1"/>
           </p:cNvPicPr>
@@ -18167,8 +19797,892 @@
         </p:blipFill>
         <p:spPr>
           <a:xfrm>
-            <a:off x="539551" y="2268639"/>
-            <a:ext cx="7991475" cy="3076575"/>
+            <a:off x="1476639" y="3954211"/>
+            <a:ext cx="5791200" cy="2181225"/>
+          </a:xfrm>
+          <a:prstGeom prst="rect">
+            <a:avLst/>
+          </a:prstGeom>
+        </p:spPr>
+      </p:pic>
+      <p:pic>
+        <p:nvPicPr>
+          <p:cNvPr id="9" name="그림 8">
+            <a:extLst>
+              <a:ext uri="{FF2B5EF4-FFF2-40B4-BE49-F238E27FC236}">
+                <a16:creationId xmlns:a16="http://schemas.microsoft.com/office/drawing/2014/main" id="{D4CDEA5F-CACB-491A-9E7E-87E1106F19B1}"/>
+              </a:ext>
+            </a:extLst>
+          </p:cNvPr>
+          <p:cNvPicPr>
+            <a:picLocks noChangeAspect="1"/>
+          </p:cNvPicPr>
+          <p:nvPr/>
+        </p:nvPicPr>
+        <p:blipFill>
+          <a:blip r:embed="rId4"/>
+          <a:stretch>
+            <a:fillRect/>
+          </a:stretch>
+        </p:blipFill>
+        <p:spPr>
+          <a:xfrm>
+            <a:off x="1316986" y="2809523"/>
+            <a:ext cx="6391275" cy="876300"/>
+          </a:xfrm>
+          <a:prstGeom prst="rect">
+            <a:avLst/>
+          </a:prstGeom>
+        </p:spPr>
+      </p:pic>
+      <p:sp>
+        <p:nvSpPr>
+          <p:cNvPr id="7" name="내용 개체 틀 2">
+            <a:extLst>
+              <a:ext uri="{FF2B5EF4-FFF2-40B4-BE49-F238E27FC236}">
+                <a16:creationId xmlns:a16="http://schemas.microsoft.com/office/drawing/2014/main" id="{A44AC902-3746-40D6-9827-94B46EEDDC67}"/>
+              </a:ext>
+            </a:extLst>
+          </p:cNvPr>
+          <p:cNvSpPr txBox="1">
+            <a:spLocks/>
+          </p:cNvSpPr>
+          <p:nvPr/>
+        </p:nvSpPr>
+        <p:spPr>
+          <a:xfrm>
+            <a:off x="341787" y="1120544"/>
+            <a:ext cx="8642350" cy="3883255"/>
+          </a:xfrm>
+          <a:prstGeom prst="rect">
+            <a:avLst/>
+          </a:prstGeom>
+        </p:spPr>
+        <p:txBody>
+          <a:bodyPr vert="horz" lIns="91440" tIns="45720" rIns="91440" bIns="45720" rtlCol="0">
+            <a:noAutofit/>
+          </a:bodyPr>
+          <a:lstStyle>
+            <a:lvl1pPr marL="266700" indent="-266700" defTabSz="914400" latinLnBrk="1">
+              <a:lnSpc>
+                <a:spcPct val="150000"/>
+              </a:lnSpc>
+              <a:spcBef>
+                <a:spcPct val="0"/>
+              </a:spcBef>
+              <a:buClr>
+                <a:schemeClr val="tx1">
+                  <a:lumMod val="65000"/>
+                  <a:lumOff val="35000"/>
+                </a:schemeClr>
+              </a:buClr>
+              <a:buFont typeface="Wingdings" pitchFamily="2" charset="2"/>
+              <a:buChar char="n"/>
+              <a:defRPr sz="2000" b="1">
+                <a:latin typeface="+mn-ea"/>
+              </a:defRPr>
+            </a:lvl1pPr>
+            <a:lvl2pPr marL="447675" lvl="1" indent="-180975" defTabSz="914400" latinLnBrk="1">
+              <a:lnSpc>
+                <a:spcPct val="150000"/>
+              </a:lnSpc>
+              <a:spcBef>
+                <a:spcPts val="0"/>
+              </a:spcBef>
+              <a:spcAft>
+                <a:spcPts val="0"/>
+              </a:spcAft>
+              <a:buClr>
+                <a:schemeClr val="tx1">
+                  <a:lumMod val="50000"/>
+                  <a:lumOff val="50000"/>
+                </a:schemeClr>
+              </a:buClr>
+              <a:buFont typeface="Wingdings" pitchFamily="2" charset="2"/>
+              <a:buChar char="§"/>
+              <a:defRPr sz="1600"/>
+            </a:lvl2pPr>
+            <a:lvl3pPr marL="628650" indent="-180975" defTabSz="914400" latinLnBrk="1">
+              <a:lnSpc>
+                <a:spcPct val="150000"/>
+              </a:lnSpc>
+              <a:spcBef>
+                <a:spcPts val="500"/>
+              </a:spcBef>
+              <a:spcAft>
+                <a:spcPts val="300"/>
+              </a:spcAft>
+              <a:buClr>
+                <a:schemeClr val="tx1">
+                  <a:lumMod val="65000"/>
+                  <a:lumOff val="35000"/>
+                </a:schemeClr>
+              </a:buClr>
+              <a:buFont typeface="Arial" panose="020B0604020202020204" pitchFamily="34" charset="0"/>
+              <a:buChar char="•"/>
+              <a:defRPr sz="1400"/>
+            </a:lvl3pPr>
+            <a:lvl4pPr marL="809625" indent="-180975" defTabSz="914400" latinLnBrk="1">
+              <a:lnSpc>
+                <a:spcPct val="150000"/>
+              </a:lnSpc>
+              <a:spcBef>
+                <a:spcPts val="500"/>
+              </a:spcBef>
+              <a:spcAft>
+                <a:spcPts val="300"/>
+              </a:spcAft>
+              <a:buClr>
+                <a:schemeClr val="tx1">
+                  <a:lumMod val="65000"/>
+                  <a:lumOff val="35000"/>
+                </a:schemeClr>
+              </a:buClr>
+              <a:buSzPct val="96000"/>
+              <a:buFont typeface="Arial" panose="020B0604020202020204" pitchFamily="34" charset="0"/>
+              <a:buChar char="•"/>
+              <a:defRPr sz="1200"/>
+            </a:lvl4pPr>
+            <a:lvl5pPr marL="990600" indent="-180975" defTabSz="914400" latinLnBrk="1">
+              <a:lnSpc>
+                <a:spcPct val="150000"/>
+              </a:lnSpc>
+              <a:spcBef>
+                <a:spcPts val="500"/>
+              </a:spcBef>
+              <a:buClr>
+                <a:schemeClr val="tx1">
+                  <a:lumMod val="65000"/>
+                  <a:lumOff val="35000"/>
+                </a:schemeClr>
+              </a:buClr>
+              <a:buFont typeface="Arial" panose="020B0604020202020204" pitchFamily="34" charset="0"/>
+              <a:buChar char="•"/>
+              <a:defRPr sz="1000"/>
+            </a:lvl5pPr>
+            <a:lvl6pPr marL="2514600" indent="-228600" defTabSz="914400" latinLnBrk="1">
+              <a:lnSpc>
+                <a:spcPct val="90000"/>
+              </a:lnSpc>
+              <a:spcBef>
+                <a:spcPts val="500"/>
+              </a:spcBef>
+              <a:buFont typeface="Arial" panose="020B0604020202020204" pitchFamily="34" charset="0"/>
+              <a:buChar char="•"/>
+            </a:lvl6pPr>
+            <a:lvl7pPr marL="2971800" indent="-228600" defTabSz="914400" latinLnBrk="1">
+              <a:lnSpc>
+                <a:spcPct val="90000"/>
+              </a:lnSpc>
+              <a:spcBef>
+                <a:spcPts val="500"/>
+              </a:spcBef>
+              <a:buFont typeface="Arial" panose="020B0604020202020204" pitchFamily="34" charset="0"/>
+              <a:buChar char="•"/>
+            </a:lvl7pPr>
+            <a:lvl8pPr marL="3429000" indent="-228600" defTabSz="914400" latinLnBrk="1">
+              <a:lnSpc>
+                <a:spcPct val="90000"/>
+              </a:lnSpc>
+              <a:spcBef>
+                <a:spcPts val="500"/>
+              </a:spcBef>
+              <a:buFont typeface="Arial" panose="020B0604020202020204" pitchFamily="34" charset="0"/>
+              <a:buChar char="•"/>
+            </a:lvl8pPr>
+            <a:lvl9pPr marL="3886200" indent="-228600" defTabSz="914400" latinLnBrk="1">
+              <a:lnSpc>
+                <a:spcPct val="90000"/>
+              </a:lnSpc>
+              <a:spcBef>
+                <a:spcPts val="500"/>
+              </a:spcBef>
+              <a:buFont typeface="Arial" panose="020B0604020202020204" pitchFamily="34" charset="0"/>
+              <a:buChar char="•"/>
+            </a:lvl9pPr>
+          </a:lstStyle>
+          <a:p>
+            <a:r>
+              <a:rPr lang="ko-KR" altLang="en-US" dirty="0">
+                <a:solidFill>
+                  <a:srgbClr val="0000FF"/>
+                </a:solidFill>
+              </a:rPr>
+              <a:t>남의</a:t>
+            </a:r>
+            <a:r>
+              <a:rPr lang="ko-KR" altLang="en-US" dirty="0"/>
+              <a:t> 원격저장소</a:t>
+            </a:r>
+            <a:r>
+              <a:rPr lang="en-US" altLang="ko-KR" dirty="0"/>
+              <a:t>(upstream)</a:t>
+            </a:r>
+            <a:r>
+              <a:rPr lang="ko-KR" altLang="en-US" dirty="0"/>
+              <a:t>를 나의 원격저장소로 복제하기 </a:t>
+            </a:r>
+            <a:r>
+              <a:rPr lang="en-US" altLang="ko-KR" dirty="0"/>
+              <a:t>(fork)</a:t>
+            </a:r>
+          </a:p>
+          <a:p>
+            <a:pPr lvl="1"/>
+            <a:r>
+              <a:rPr lang="ko-KR" altLang="en-US" dirty="0">
+                <a:solidFill>
+                  <a:srgbClr val="0000FF"/>
+                </a:solidFill>
+                <a:latin typeface="+mn-ea"/>
+              </a:rPr>
+              <a:t>나의 원격저장소로 로그인</a:t>
+            </a:r>
+            <a:r>
+              <a:rPr lang="ko-KR" altLang="en-US" dirty="0">
+                <a:latin typeface="+mn-ea"/>
+              </a:rPr>
+              <a:t>하여 찾기 창에서 </a:t>
+            </a:r>
+            <a:endParaRPr lang="en-US" altLang="ko-KR" dirty="0">
+              <a:latin typeface="+mn-ea"/>
+            </a:endParaRPr>
+          </a:p>
+          <a:p>
+            <a:pPr marL="266700" lvl="1" indent="0">
+              <a:buNone/>
+            </a:pPr>
+            <a:r>
+              <a:rPr lang="en-US" altLang="ko-KR" dirty="0">
+                <a:latin typeface="+mn-ea"/>
+              </a:rPr>
+              <a:t>   </a:t>
+            </a:r>
+            <a:r>
+              <a:rPr lang="ko-KR" altLang="en-US" dirty="0">
+                <a:latin typeface="+mn-ea"/>
+              </a:rPr>
+              <a:t>복제하고자 하는 남의 원격저장소</a:t>
+            </a:r>
+            <a:r>
+              <a:rPr lang="en-US" altLang="ko-KR" dirty="0">
+                <a:latin typeface="+mn-ea"/>
+              </a:rPr>
+              <a:t> (</a:t>
+            </a:r>
+            <a:r>
+              <a:rPr lang="en-US" altLang="ko-KR" dirty="0" err="1">
+                <a:latin typeface="+mn-ea"/>
+              </a:rPr>
+              <a:t>paichaisw</a:t>
+            </a:r>
+            <a:r>
+              <a:rPr lang="en-US" altLang="ko-KR" dirty="0">
+                <a:latin typeface="+mn-ea"/>
+              </a:rPr>
+              <a:t>/</a:t>
+            </a:r>
+            <a:r>
+              <a:rPr lang="en-US" altLang="ko-KR" dirty="0" err="1">
+                <a:latin typeface="+mn-ea"/>
+              </a:rPr>
+              <a:t>daniel-hw</a:t>
+            </a:r>
+            <a:r>
+              <a:rPr lang="en-US" altLang="ko-KR" dirty="0">
+                <a:latin typeface="+mn-ea"/>
+              </a:rPr>
+              <a:t>) </a:t>
+            </a:r>
+            <a:r>
+              <a:rPr lang="ko-KR" altLang="en-US" dirty="0">
+                <a:latin typeface="+mn-ea"/>
+              </a:rPr>
+              <a:t>찾기 후</a:t>
+            </a:r>
+            <a:r>
+              <a:rPr lang="en-US" altLang="ko-KR" dirty="0">
+                <a:latin typeface="+mn-ea"/>
+              </a:rPr>
+              <a:t> </a:t>
+            </a:r>
+            <a:r>
+              <a:rPr lang="ko-KR" altLang="en-US" dirty="0">
+                <a:latin typeface="+mn-ea"/>
+              </a:rPr>
+              <a:t>이동</a:t>
+            </a:r>
+            <a:endParaRPr lang="en-US" altLang="ko-KR" dirty="0">
+              <a:latin typeface="+mn-ea"/>
+            </a:endParaRPr>
+          </a:p>
+          <a:p>
+            <a:pPr marL="266700" lvl="1" indent="0">
+              <a:buNone/>
+            </a:pPr>
+            <a:endParaRPr lang="en-US" altLang="ko-KR" dirty="0">
+              <a:latin typeface="+mn-ea"/>
+            </a:endParaRPr>
+          </a:p>
+          <a:p>
+            <a:pPr lvl="1"/>
+            <a:endParaRPr lang="en-US" altLang="ko-KR" dirty="0">
+              <a:latin typeface="+mn-ea"/>
+            </a:endParaRPr>
+          </a:p>
+          <a:p>
+            <a:pPr lvl="1"/>
+            <a:endParaRPr lang="en-US" altLang="ko-KR" dirty="0">
+              <a:latin typeface="+mn-ea"/>
+            </a:endParaRPr>
+          </a:p>
+          <a:p>
+            <a:pPr lvl="1"/>
+            <a:endParaRPr lang="en-US" altLang="ko-KR" dirty="0">
+              <a:latin typeface="+mn-ea"/>
+            </a:endParaRPr>
+          </a:p>
+          <a:p>
+            <a:pPr lvl="1"/>
+            <a:endParaRPr lang="en-US" altLang="ko-KR" dirty="0">
+              <a:latin typeface="+mn-ea"/>
+            </a:endParaRPr>
+          </a:p>
+          <a:p>
+            <a:pPr marL="266700" lvl="1" indent="0">
+              <a:buNone/>
+            </a:pPr>
+            <a:endParaRPr lang="en-US" altLang="ko-KR" dirty="0">
+              <a:latin typeface="+mn-ea"/>
+            </a:endParaRPr>
+          </a:p>
+        </p:txBody>
+      </p:sp>
+      <p:sp>
+        <p:nvSpPr>
+          <p:cNvPr id="4" name="제목 3">
+            <a:extLst>
+              <a:ext uri="{FF2B5EF4-FFF2-40B4-BE49-F238E27FC236}">
+                <a16:creationId xmlns:a16="http://schemas.microsoft.com/office/drawing/2014/main" id="{F0CEB32B-CB43-4410-BA08-A97E4BC47FCB}"/>
+              </a:ext>
+            </a:extLst>
+          </p:cNvPr>
+          <p:cNvSpPr>
+            <a:spLocks noGrp="1"/>
+          </p:cNvSpPr>
+          <p:nvPr>
+            <p:ph type="title"/>
+          </p:nvPr>
+        </p:nvSpPr>
+        <p:spPr/>
+        <p:txBody>
+          <a:bodyPr/>
+          <a:lstStyle/>
+          <a:p>
+            <a:r>
+              <a:rPr lang="ko-KR" altLang="en-US" dirty="0"/>
+              <a:t>남의 원격저장소를 나의 원격저장소에 복제하기 </a:t>
+            </a:r>
+            <a:r>
+              <a:rPr lang="en-US" altLang="ko-KR" dirty="0"/>
+              <a:t>(fork)</a:t>
+            </a:r>
+            <a:endParaRPr lang="ko-KR" altLang="en-US" dirty="0"/>
+          </a:p>
+        </p:txBody>
+      </p:sp>
+      <p:cxnSp>
+        <p:nvCxnSpPr>
+          <p:cNvPr id="13" name="직선 화살표 연결선 12">
+            <a:extLst>
+              <a:ext uri="{FF2B5EF4-FFF2-40B4-BE49-F238E27FC236}">
+                <a16:creationId xmlns:a16="http://schemas.microsoft.com/office/drawing/2014/main" id="{65D89615-BF16-4B5A-94F2-BF3871A389FB}"/>
+              </a:ext>
+            </a:extLst>
+          </p:cNvPr>
+          <p:cNvCxnSpPr>
+            <a:cxnSpLocks/>
+          </p:cNvCxnSpPr>
+          <p:nvPr/>
+        </p:nvCxnSpPr>
+        <p:spPr>
+          <a:xfrm>
+            <a:off x="6554914" y="2668778"/>
+            <a:ext cx="5543" cy="624901"/>
+          </a:xfrm>
+          <a:prstGeom prst="straightConnector1">
+            <a:avLst/>
+          </a:prstGeom>
+          <a:ln w="25400">
+            <a:solidFill>
+              <a:schemeClr val="accent1">
+                <a:lumMod val="60000"/>
+                <a:lumOff val="40000"/>
+              </a:schemeClr>
+            </a:solidFill>
+            <a:tailEnd type="triangle"/>
+          </a:ln>
+        </p:spPr>
+        <p:style>
+          <a:lnRef idx="1">
+            <a:schemeClr val="accent1"/>
+          </a:lnRef>
+          <a:fillRef idx="0">
+            <a:schemeClr val="accent1"/>
+          </a:fillRef>
+          <a:effectRef idx="0">
+            <a:schemeClr val="accent1"/>
+          </a:effectRef>
+          <a:fontRef idx="minor">
+            <a:schemeClr val="tx1"/>
+          </a:fontRef>
+        </p:style>
+      </p:cxnSp>
+      <p:sp>
+        <p:nvSpPr>
+          <p:cNvPr id="17" name="직사각형 16">
+            <a:extLst>
+              <a:ext uri="{FF2B5EF4-FFF2-40B4-BE49-F238E27FC236}">
+                <a16:creationId xmlns:a16="http://schemas.microsoft.com/office/drawing/2014/main" id="{F7C73F28-D263-4045-ABBE-1AD64C65C6AB}"/>
+              </a:ext>
+            </a:extLst>
+          </p:cNvPr>
+          <p:cNvSpPr/>
+          <p:nvPr/>
+        </p:nvSpPr>
+        <p:spPr>
+          <a:xfrm>
+            <a:off x="6348455" y="3293679"/>
+            <a:ext cx="833386" cy="266654"/>
+          </a:xfrm>
+          <a:prstGeom prst="rect">
+            <a:avLst/>
+          </a:prstGeom>
+          <a:noFill/>
+          <a:ln w="28575">
+            <a:solidFill>
+              <a:srgbClr val="FF0000"/>
+            </a:solidFill>
+          </a:ln>
+        </p:spPr>
+        <p:style>
+          <a:lnRef idx="2">
+            <a:schemeClr val="accent1">
+              <a:shade val="50000"/>
+            </a:schemeClr>
+          </a:lnRef>
+          <a:fillRef idx="1">
+            <a:schemeClr val="accent1"/>
+          </a:fillRef>
+          <a:effectRef idx="0">
+            <a:schemeClr val="accent1"/>
+          </a:effectRef>
+          <a:fontRef idx="minor">
+            <a:schemeClr val="lt1"/>
+          </a:fontRef>
+        </p:style>
+        <p:txBody>
+          <a:bodyPr rtlCol="0" anchor="ctr"/>
+          <a:lstStyle/>
+          <a:p>
+            <a:endParaRPr lang="ko-KR" altLang="en-US" b="1" dirty="0">
+              <a:solidFill>
+                <a:srgbClr val="FF0000"/>
+              </a:solidFill>
+            </a:endParaRPr>
+          </a:p>
+        </p:txBody>
+      </p:sp>
+      <p:sp>
+        <p:nvSpPr>
+          <p:cNvPr id="19" name="직사각형 18">
+            <a:extLst>
+              <a:ext uri="{FF2B5EF4-FFF2-40B4-BE49-F238E27FC236}">
+                <a16:creationId xmlns:a16="http://schemas.microsoft.com/office/drawing/2014/main" id="{1D5E06FA-BFBA-4CCA-A22D-3A6F5C5CC0CC}"/>
+              </a:ext>
+            </a:extLst>
+          </p:cNvPr>
+          <p:cNvSpPr/>
+          <p:nvPr/>
+        </p:nvSpPr>
+        <p:spPr>
+          <a:xfrm>
+            <a:off x="4562244" y="5338279"/>
+            <a:ext cx="2182675" cy="318134"/>
+          </a:xfrm>
+          <a:prstGeom prst="rect">
+            <a:avLst/>
+          </a:prstGeom>
+          <a:noFill/>
+          <a:ln w="28575">
+            <a:solidFill>
+              <a:srgbClr val="FF0000"/>
+            </a:solidFill>
+          </a:ln>
+        </p:spPr>
+        <p:style>
+          <a:lnRef idx="2">
+            <a:schemeClr val="accent1">
+              <a:shade val="50000"/>
+            </a:schemeClr>
+          </a:lnRef>
+          <a:fillRef idx="1">
+            <a:schemeClr val="accent1"/>
+          </a:fillRef>
+          <a:effectRef idx="0">
+            <a:schemeClr val="accent1"/>
+          </a:effectRef>
+          <a:fontRef idx="minor">
+            <a:schemeClr val="lt1"/>
+          </a:fontRef>
+        </p:style>
+        <p:txBody>
+          <a:bodyPr rtlCol="0" anchor="ctr"/>
+          <a:lstStyle/>
+          <a:p>
+            <a:endParaRPr lang="ko-KR" altLang="en-US" b="1" dirty="0">
+              <a:solidFill>
+                <a:srgbClr val="FF0000"/>
+              </a:solidFill>
+            </a:endParaRPr>
+          </a:p>
+        </p:txBody>
+      </p:sp>
+      <p:cxnSp>
+        <p:nvCxnSpPr>
+          <p:cNvPr id="20" name="직선 화살표 연결선 19">
+            <a:extLst>
+              <a:ext uri="{FF2B5EF4-FFF2-40B4-BE49-F238E27FC236}">
+                <a16:creationId xmlns:a16="http://schemas.microsoft.com/office/drawing/2014/main" id="{F9480546-BE68-417B-92B0-B55890B0911E}"/>
+              </a:ext>
+            </a:extLst>
+          </p:cNvPr>
+          <p:cNvCxnSpPr>
+            <a:cxnSpLocks/>
+          </p:cNvCxnSpPr>
+          <p:nvPr/>
+        </p:nvCxnSpPr>
+        <p:spPr>
+          <a:xfrm flipH="1">
+            <a:off x="5167087" y="3560333"/>
+            <a:ext cx="1277256" cy="1886335"/>
+          </a:xfrm>
+          <a:prstGeom prst="straightConnector1">
+            <a:avLst/>
+          </a:prstGeom>
+          <a:ln w="25400">
+            <a:solidFill>
+              <a:schemeClr val="accent1">
+                <a:lumMod val="60000"/>
+                <a:lumOff val="40000"/>
+              </a:schemeClr>
+            </a:solidFill>
+            <a:tailEnd type="triangle"/>
+          </a:ln>
+        </p:spPr>
+        <p:style>
+          <a:lnRef idx="1">
+            <a:schemeClr val="accent1"/>
+          </a:lnRef>
+          <a:fillRef idx="0">
+            <a:schemeClr val="accent1"/>
+          </a:fillRef>
+          <a:effectRef idx="0">
+            <a:schemeClr val="accent1"/>
+          </a:effectRef>
+          <a:fontRef idx="minor">
+            <a:schemeClr val="tx1"/>
+          </a:fontRef>
+        </p:style>
+      </p:cxnSp>
+      <p:sp>
+        <p:nvSpPr>
+          <p:cNvPr id="10" name="TextBox 9">
+            <a:extLst>
+              <a:ext uri="{FF2B5EF4-FFF2-40B4-BE49-F238E27FC236}">
+                <a16:creationId xmlns:a16="http://schemas.microsoft.com/office/drawing/2014/main" id="{8ECD7982-E85A-4BDF-B67F-142184D388EB}"/>
+              </a:ext>
+            </a:extLst>
+          </p:cNvPr>
+          <p:cNvSpPr txBox="1"/>
+          <p:nvPr/>
+        </p:nvSpPr>
+        <p:spPr>
+          <a:xfrm>
+            <a:off x="7000573" y="3601571"/>
+            <a:ext cx="492443" cy="276999"/>
+          </a:xfrm>
+          <a:prstGeom prst="rect">
+            <a:avLst/>
+          </a:prstGeom>
+          <a:noFill/>
+        </p:spPr>
+        <p:txBody>
+          <a:bodyPr wrap="none" rtlCol="0">
+            <a:spAutoFit/>
+          </a:bodyPr>
+          <a:lstStyle/>
+          <a:p>
+            <a:r>
+              <a:rPr lang="ko-KR" altLang="en-US" sz="1200" dirty="0">
+                <a:solidFill>
+                  <a:srgbClr val="FF0000"/>
+                </a:solidFill>
+              </a:rPr>
+              <a:t>클릭</a:t>
+            </a:r>
+          </a:p>
+        </p:txBody>
+      </p:sp>
+      <p:sp>
+        <p:nvSpPr>
+          <p:cNvPr id="11" name="TextBox 10">
+            <a:extLst>
+              <a:ext uri="{FF2B5EF4-FFF2-40B4-BE49-F238E27FC236}">
+                <a16:creationId xmlns:a16="http://schemas.microsoft.com/office/drawing/2014/main" id="{2F6C8306-739B-4AB3-9993-7EDE64405E3C}"/>
+              </a:ext>
+            </a:extLst>
+          </p:cNvPr>
+          <p:cNvSpPr txBox="1"/>
+          <p:nvPr/>
+        </p:nvSpPr>
+        <p:spPr>
+          <a:xfrm>
+            <a:off x="5653581" y="5080349"/>
+            <a:ext cx="492443" cy="276999"/>
+          </a:xfrm>
+          <a:prstGeom prst="rect">
+            <a:avLst/>
+          </a:prstGeom>
+          <a:noFill/>
+        </p:spPr>
+        <p:txBody>
+          <a:bodyPr wrap="none" rtlCol="0">
+            <a:spAutoFit/>
+          </a:bodyPr>
+          <a:lstStyle/>
+          <a:p>
+            <a:r>
+              <a:rPr lang="ko-KR" altLang="en-US" sz="1200" dirty="0">
+                <a:solidFill>
+                  <a:srgbClr val="FF0000"/>
+                </a:solidFill>
+              </a:rPr>
+              <a:t>클릭</a:t>
+            </a:r>
+          </a:p>
+        </p:txBody>
+      </p:sp>
+      <p:sp>
+        <p:nvSpPr>
+          <p:cNvPr id="12" name="TextBox 11">
+            <a:extLst>
+              <a:ext uri="{FF2B5EF4-FFF2-40B4-BE49-F238E27FC236}">
+                <a16:creationId xmlns:a16="http://schemas.microsoft.com/office/drawing/2014/main" id="{E81ADF9E-9FE2-4D3A-AD5A-E0CB32AF095C}"/>
+              </a:ext>
+            </a:extLst>
+          </p:cNvPr>
+          <p:cNvSpPr txBox="1"/>
+          <p:nvPr/>
+        </p:nvSpPr>
+        <p:spPr>
+          <a:xfrm>
+            <a:off x="1948729" y="2330224"/>
+            <a:ext cx="6778798" cy="307777"/>
+          </a:xfrm>
+          <a:prstGeom prst="rect">
+            <a:avLst/>
+          </a:prstGeom>
+          <a:noFill/>
+        </p:spPr>
+        <p:txBody>
+          <a:bodyPr wrap="square" rtlCol="0">
+            <a:spAutoFit/>
+          </a:bodyPr>
+          <a:lstStyle/>
+          <a:p>
+            <a:r>
+              <a:rPr lang="en-US" altLang="ko-KR" sz="1400" dirty="0">
+                <a:solidFill>
+                  <a:srgbClr val="FF0000"/>
+                </a:solidFill>
+                <a:latin typeface="맑은 고딕" panose="020B0503020000020004" pitchFamily="50" charset="-127"/>
+                <a:ea typeface="맑은 고딕" panose="020B0503020000020004" pitchFamily="50" charset="-127"/>
+              </a:rPr>
+              <a:t>※ </a:t>
+            </a:r>
+            <a:r>
+              <a:rPr lang="ko-KR" altLang="en-US" sz="1400" dirty="0">
+                <a:solidFill>
+                  <a:srgbClr val="FF0000"/>
+                </a:solidFill>
+                <a:latin typeface="맑은 고딕" panose="020B0503020000020004" pitchFamily="50" charset="-127"/>
+                <a:ea typeface="맑은 고딕" panose="020B0503020000020004" pitchFamily="50" charset="-127"/>
+              </a:rPr>
+              <a:t>상대방의 </a:t>
+            </a:r>
+            <a:r>
+              <a:rPr lang="en-US" altLang="ko-KR" sz="1400" dirty="0">
+                <a:solidFill>
+                  <a:srgbClr val="FF0000"/>
+                </a:solidFill>
+                <a:latin typeface="맑은 고딕" panose="020B0503020000020004" pitchFamily="50" charset="-127"/>
+                <a:ea typeface="맑은 고딕" panose="020B0503020000020004" pitchFamily="50" charset="-127"/>
+              </a:rPr>
+              <a:t>homework </a:t>
+            </a:r>
+            <a:r>
+              <a:rPr lang="ko-KR" altLang="en-US" sz="1400" dirty="0">
+                <a:solidFill>
+                  <a:srgbClr val="FF0000"/>
+                </a:solidFill>
+                <a:latin typeface="맑은 고딕" panose="020B0503020000020004" pitchFamily="50" charset="-127"/>
+                <a:ea typeface="맑은 고딕" panose="020B0503020000020004" pitchFamily="50" charset="-127"/>
+              </a:rPr>
+              <a:t>저장소</a:t>
+            </a:r>
+            <a:r>
+              <a:rPr lang="en-US" altLang="ko-KR" sz="1400" dirty="0">
+                <a:solidFill>
+                  <a:srgbClr val="FF0000"/>
+                </a:solidFill>
+              </a:rPr>
+              <a:t> (</a:t>
+            </a:r>
+            <a:r>
+              <a:rPr lang="ko-KR" altLang="en-US" sz="1400" dirty="0">
+                <a:solidFill>
+                  <a:srgbClr val="FF0000"/>
+                </a:solidFill>
+              </a:rPr>
+              <a:t>예</a:t>
+            </a:r>
+            <a:r>
+              <a:rPr lang="en-US" altLang="ko-KR" sz="1400" dirty="0">
+                <a:solidFill>
+                  <a:srgbClr val="FF0000"/>
+                </a:solidFill>
+              </a:rPr>
+              <a:t>: ‘</a:t>
+            </a:r>
+            <a:r>
+              <a:rPr lang="ko-KR" altLang="en-US" sz="1400" dirty="0">
+                <a:solidFill>
+                  <a:srgbClr val="FF0000"/>
+                </a:solidFill>
+              </a:rPr>
+              <a:t>상대방</a:t>
+            </a:r>
+            <a:r>
+              <a:rPr lang="en-US" altLang="ko-KR" sz="1400" dirty="0" err="1">
+                <a:solidFill>
+                  <a:srgbClr val="FF0000"/>
+                </a:solidFill>
+              </a:rPr>
+              <a:t>githubid</a:t>
+            </a:r>
+            <a:r>
+              <a:rPr lang="en-US" altLang="ko-KR" sz="1400" dirty="0">
+                <a:solidFill>
+                  <a:srgbClr val="FF0000"/>
+                </a:solidFill>
+              </a:rPr>
+              <a:t>/</a:t>
+            </a:r>
+            <a:r>
+              <a:rPr lang="en-US" altLang="ko-KR" sz="1400" dirty="0" err="1">
+                <a:solidFill>
+                  <a:srgbClr val="FF0000"/>
+                </a:solidFill>
+              </a:rPr>
+              <a:t>gildonghong-hw</a:t>
+            </a:r>
+            <a:r>
+              <a:rPr lang="en-US" altLang="ko-KR" sz="1400" dirty="0">
+                <a:solidFill>
+                  <a:srgbClr val="FF0000"/>
+                </a:solidFill>
+              </a:rPr>
+              <a:t>’) </a:t>
+            </a:r>
+            <a:r>
+              <a:rPr lang="ko-KR" altLang="en-US" sz="1400" dirty="0">
+                <a:solidFill>
+                  <a:srgbClr val="FF0000"/>
+                </a:solidFill>
+              </a:rPr>
+              <a:t>를 찾아서 진행</a:t>
+            </a:r>
+            <a:r>
+              <a:rPr lang="en-US" altLang="ko-KR" sz="1400" dirty="0">
+                <a:solidFill>
+                  <a:srgbClr val="FF0000"/>
+                </a:solidFill>
+              </a:rPr>
+              <a:t> </a:t>
+            </a:r>
+            <a:endParaRPr lang="ko-KR" altLang="en-US" sz="1400" dirty="0">
+              <a:solidFill>
+                <a:srgbClr val="FF0000"/>
+              </a:solidFill>
+            </a:endParaRPr>
+          </a:p>
+        </p:txBody>
+      </p:sp>
+    </p:spTree>
+    <p:extLst>
+      <p:ext uri="{BB962C8B-B14F-4D97-AF65-F5344CB8AC3E}">
+        <p14:creationId xmlns:p14="http://schemas.microsoft.com/office/powerpoint/2010/main" val="3618259593"/>
+      </p:ext>
+    </p:extLst>
+  </p:cSld>
+  <p:clrMapOvr>
+    <a:masterClrMapping/>
+  </p:clrMapOvr>
+</p:sld>
+</file>
+
+<file path=ppt/slides/slide30.xml><?xml version="1.0" encoding="utf-8"?>
+<p:sld xmlns:a="http://schemas.openxmlformats.org/drawingml/2006/main" xmlns:r="http://schemas.openxmlformats.org/officeDocument/2006/relationships" xmlns:p="http://schemas.openxmlformats.org/presentationml/2006/main">
+  <p:cSld>
+    <p:spTree>
+      <p:nvGrpSpPr>
+        <p:cNvPr id="1" name=""/>
+        <p:cNvGrpSpPr/>
+        <p:nvPr/>
+      </p:nvGrpSpPr>
+      <p:grpSpPr>
+        <a:xfrm>
+          <a:off x="0" y="0"/>
+          <a:ext cx="0" cy="0"/>
+          <a:chOff x="0" y="0"/>
+          <a:chExt cx="0" cy="0"/>
+        </a:xfrm>
+      </p:grpSpPr>
+      <p:pic>
+        <p:nvPicPr>
+          <p:cNvPr id="5" name="그림 4">
+            <a:extLst>
+              <a:ext uri="{FF2B5EF4-FFF2-40B4-BE49-F238E27FC236}">
+                <a16:creationId xmlns:a16="http://schemas.microsoft.com/office/drawing/2014/main" id="{6D6F5292-3250-482E-ADE5-97C8DAEA3B82}"/>
+              </a:ext>
+            </a:extLst>
+          </p:cNvPr>
+          <p:cNvPicPr>
+            <a:picLocks noChangeAspect="1"/>
+          </p:cNvPicPr>
+          <p:nvPr/>
+        </p:nvPicPr>
+        <p:blipFill>
+          <a:blip r:embed="rId3"/>
+          <a:stretch>
+            <a:fillRect/>
+          </a:stretch>
+        </p:blipFill>
+        <p:spPr>
+          <a:xfrm>
+            <a:off x="1069400" y="2351748"/>
+            <a:ext cx="6838950" cy="2867025"/>
           </a:xfrm>
           <a:prstGeom prst="rect">
             <a:avLst/>
@@ -18545,7 +21059,7 @@
 </p:sld>
 </file>
 
-<file path=ppt/slides/slide29.xml><?xml version="1.0" encoding="utf-8"?>
+<file path=ppt/slides/slide31.xml><?xml version="1.0" encoding="utf-8"?>
 <p:sld xmlns:a="http://schemas.openxmlformats.org/drawingml/2006/main" xmlns:r="http://schemas.openxmlformats.org/officeDocument/2006/relationships" xmlns:p="http://schemas.openxmlformats.org/presentationml/2006/main">
   <p:cSld>
     <p:spTree>
@@ -18562,6 +21076,36 @@
           <a:chExt cx="0" cy="0"/>
         </a:xfrm>
       </p:grpSpPr>
+      <p:pic>
+        <p:nvPicPr>
+          <p:cNvPr id="3" name="그림 2">
+            <a:extLst>
+              <a:ext uri="{FF2B5EF4-FFF2-40B4-BE49-F238E27FC236}">
+                <a16:creationId xmlns:a16="http://schemas.microsoft.com/office/drawing/2014/main" id="{2EC29761-4A35-4B2D-8364-DE9E7B2B009C}"/>
+              </a:ext>
+            </a:extLst>
+          </p:cNvPr>
+          <p:cNvPicPr>
+            <a:picLocks noChangeAspect="1"/>
+          </p:cNvPicPr>
+          <p:nvPr/>
+        </p:nvPicPr>
+        <p:blipFill>
+          <a:blip r:embed="rId3"/>
+          <a:stretch>
+            <a:fillRect/>
+          </a:stretch>
+        </p:blipFill>
+        <p:spPr>
+          <a:xfrm>
+            <a:off x="587051" y="2301136"/>
+            <a:ext cx="8077200" cy="4210050"/>
+          </a:xfrm>
+          <a:prstGeom prst="rect">
+            <a:avLst/>
+          </a:prstGeom>
+        </p:spPr>
+      </p:pic>
       <p:sp>
         <p:nvSpPr>
           <p:cNvPr id="4" name="제목 3">
@@ -18598,61 +21142,6 @@
               <a:rPr lang="ko-KR" altLang="en-US" dirty="0"/>
               <a:t>최종결과 확인 후 마무리 작업</a:t>
             </a:r>
-          </a:p>
-        </p:txBody>
-      </p:sp>
-      <p:sp>
-        <p:nvSpPr>
-          <p:cNvPr id="9" name="직사각형 8">
-            <a:extLst>
-              <a:ext uri="{FF2B5EF4-FFF2-40B4-BE49-F238E27FC236}">
-                <a16:creationId xmlns:a16="http://schemas.microsoft.com/office/drawing/2014/main" id="{42E77EDC-1C0F-48D7-B49C-8EFD59FA447A}"/>
-              </a:ext>
-            </a:extLst>
-          </p:cNvPr>
-          <p:cNvSpPr/>
-          <p:nvPr/>
-        </p:nvSpPr>
-        <p:spPr>
-          <a:xfrm flipH="1">
-            <a:off x="2669289" y="4062669"/>
-            <a:ext cx="1601767" cy="308357"/>
-          </a:xfrm>
-          <a:prstGeom prst="rect">
-            <a:avLst/>
-          </a:prstGeom>
-          <a:noFill/>
-          <a:ln w="28575">
-            <a:solidFill>
-              <a:srgbClr val="FF0000"/>
-            </a:solidFill>
-          </a:ln>
-        </p:spPr>
-        <p:style>
-          <a:lnRef idx="2">
-            <a:schemeClr val="accent1">
-              <a:shade val="50000"/>
-            </a:schemeClr>
-          </a:lnRef>
-          <a:fillRef idx="1">
-            <a:schemeClr val="accent1"/>
-          </a:fillRef>
-          <a:effectRef idx="0">
-            <a:schemeClr val="accent1"/>
-          </a:effectRef>
-          <a:fontRef idx="minor">
-            <a:schemeClr val="lt1"/>
-          </a:fontRef>
-        </p:style>
-        <p:txBody>
-          <a:bodyPr rtlCol="0" anchor="ctr"/>
-          <a:lstStyle/>
-          <a:p>
-            <a:endParaRPr lang="ko-KR" altLang="en-US" b="1" dirty="0">
-              <a:solidFill>
-                <a:srgbClr val="FF0000"/>
-              </a:solidFill>
-            </a:endParaRPr>
           </a:p>
         </p:txBody>
       </p:sp>
@@ -18951,30 +21440,6 @@
           </a:p>
         </p:txBody>
       </p:sp>
-      <p:pic>
-        <p:nvPicPr>
-          <p:cNvPr id="5" name="그림 4"/>
-          <p:cNvPicPr>
-            <a:picLocks noChangeAspect="1"/>
-          </p:cNvPicPr>
-          <p:nvPr/>
-        </p:nvPicPr>
-        <p:blipFill>
-          <a:blip r:embed="rId3"/>
-          <a:stretch>
-            <a:fillRect/>
-          </a:stretch>
-        </p:blipFill>
-        <p:spPr>
-          <a:xfrm>
-            <a:off x="632149" y="2702952"/>
-            <a:ext cx="7486411" cy="3298723"/>
-          </a:xfrm>
-          <a:prstGeom prst="rect">
-            <a:avLst/>
-          </a:prstGeom>
-        </p:spPr>
-      </p:pic>
       <p:sp>
         <p:nvSpPr>
           <p:cNvPr id="6" name="직사각형 5">
@@ -18989,7 +21454,7 @@
         </p:nvSpPr>
         <p:spPr>
           <a:xfrm flipH="1">
-            <a:off x="6901607" y="4446199"/>
+            <a:off x="7495366" y="4588703"/>
             <a:ext cx="282963" cy="286326"/>
           </a:xfrm>
           <a:prstGeom prst="rect">
@@ -19046,8 +21511,8 @@
         </p:nvCxnSpPr>
         <p:spPr>
           <a:xfrm>
-            <a:off x="4974771" y="2358991"/>
-            <a:ext cx="1932007" cy="2050547"/>
+            <a:off x="4974771" y="2335241"/>
+            <a:ext cx="2520595" cy="2253462"/>
           </a:xfrm>
           <a:prstGeom prst="straightConnector1">
             <a:avLst/>
@@ -19090,7 +21555,7 @@
 </p:sld>
 </file>
 
-<file path=ppt/slides/slide3.xml><?xml version="1.0" encoding="utf-8"?>
+<file path=ppt/slides/slide32.xml><?xml version="1.0" encoding="utf-8"?>
 <p:sld xmlns:a="http://schemas.openxmlformats.org/drawingml/2006/main" xmlns:r="http://schemas.openxmlformats.org/officeDocument/2006/relationships" xmlns:p="http://schemas.openxmlformats.org/presentationml/2006/main">
   <p:cSld>
     <p:spTree>
@@ -19107,57 +21572,48 @@
           <a:chExt cx="0" cy="0"/>
         </a:xfrm>
       </p:grpSpPr>
-      <p:pic>
-        <p:nvPicPr>
-          <p:cNvPr id="6" name="그림 5"/>
-          <p:cNvPicPr>
-            <a:picLocks noChangeAspect="1"/>
-          </p:cNvPicPr>
-          <p:nvPr/>
-        </p:nvPicPr>
-        <p:blipFill>
-          <a:blip r:embed="rId3"/>
-          <a:stretch>
-            <a:fillRect/>
-          </a:stretch>
-        </p:blipFill>
+      <p:sp>
+        <p:nvSpPr>
+          <p:cNvPr id="4" name="제목 3">
+            <a:extLst>
+              <a:ext uri="{FF2B5EF4-FFF2-40B4-BE49-F238E27FC236}">
+                <a16:creationId xmlns:a16="http://schemas.microsoft.com/office/drawing/2014/main" id="{F0CEB32B-CB43-4410-BA08-A97E4BC47FCB}"/>
+              </a:ext>
+            </a:extLst>
+          </p:cNvPr>
+          <p:cNvSpPr>
+            <a:spLocks noGrp="1"/>
+          </p:cNvSpPr>
+          <p:nvPr>
+            <p:ph type="title"/>
+          </p:nvPr>
+        </p:nvSpPr>
         <p:spPr>
           <a:xfrm>
-            <a:off x="789719" y="3635432"/>
-            <a:ext cx="6496050" cy="2381250"/>
+            <a:off x="539551" y="192300"/>
+            <a:ext cx="8244853" cy="576064"/>
           </a:xfrm>
-          <a:prstGeom prst="rect">
-            <a:avLst/>
-          </a:prstGeom>
         </p:spPr>
-      </p:pic>
-      <p:pic>
-        <p:nvPicPr>
-          <p:cNvPr id="3" name="그림 2"/>
-          <p:cNvPicPr>
-            <a:picLocks noChangeAspect="1"/>
-          </p:cNvPicPr>
-          <p:nvPr/>
-        </p:nvPicPr>
-        <p:blipFill>
-          <a:blip r:embed="rId4"/>
-          <a:stretch>
-            <a:fillRect/>
-          </a:stretch>
-        </p:blipFill>
-        <p:spPr>
-          <a:xfrm>
-            <a:off x="766309" y="2474813"/>
-            <a:ext cx="7553325" cy="1028700"/>
-          </a:xfrm>
-          <a:prstGeom prst="rect">
-            <a:avLst/>
-          </a:prstGeom>
-        </p:spPr>
-      </p:pic>
-      <p:sp>
-        <p:nvSpPr>
-          <p:cNvPr id="7" name="내용 개체 틀 2">
+        <p:txBody>
+          <a:bodyPr>
+            <a:normAutofit/>
+          </a:bodyPr>
+          <a:lstStyle/>
+          <a:p>
+            <a:r>
+              <a:rPr lang="en-US" altLang="ko-KR" dirty="0"/>
+              <a:t>Pull Request </a:t>
+            </a:r>
+            <a:r>
+              <a:rPr lang="ko-KR" altLang="en-US" dirty="0"/>
+              <a:t>최종결과 확인 후 마무리 작업</a:t>
+            </a:r>
+          </a:p>
+        </p:txBody>
+      </p:sp>
+      <p:sp>
+        <p:nvSpPr>
+          <p:cNvPr id="11" name="내용 개체 틀 2">
             <a:extLst>
               <a:ext uri="{FF2B5EF4-FFF2-40B4-BE49-F238E27FC236}">
                 <a16:creationId xmlns:a16="http://schemas.microsoft.com/office/drawing/2014/main" id="{A44AC902-3746-40D6-9827-94B46EEDDC67}"/>
@@ -19172,7 +21628,7 @@
         <p:spPr>
           <a:xfrm>
             <a:off x="341787" y="1120544"/>
-            <a:ext cx="8642350" cy="3883255"/>
+            <a:ext cx="8642350" cy="2328711"/>
           </a:xfrm>
           <a:prstGeom prst="rect">
             <a:avLst/>
@@ -19323,42 +21779,58 @@
           </a:lstStyle>
           <a:p>
             <a:r>
+              <a:rPr lang="ko-KR" altLang="en-US" dirty="0"/>
+              <a:t>남의 원격저장소</a:t>
+            </a:r>
+            <a:r>
+              <a:rPr lang="en-US" altLang="ko-KR" dirty="0"/>
+              <a:t>(upstream)</a:t>
+            </a:r>
+            <a:r>
+              <a:rPr lang="ko-KR" altLang="en-US" dirty="0"/>
+              <a:t> 내용을 나의 로컬로 </a:t>
+            </a:r>
+            <a:r>
+              <a:rPr lang="en-US" altLang="ko-KR" dirty="0"/>
+              <a:t>pull </a:t>
+            </a:r>
+          </a:p>
+          <a:p>
+            <a:pPr lvl="1"/>
+            <a:r>
               <a:rPr lang="ko-KR" altLang="en-US" dirty="0">
-                <a:solidFill>
-                  <a:srgbClr val="0000FF"/>
-                </a:solidFill>
-              </a:rPr>
-              <a:t>남의</a:t>
-            </a:r>
-            <a:r>
-              <a:rPr lang="ko-KR" altLang="en-US" dirty="0"/>
-              <a:t> 원격저장소를 나의 원격저장소로 복제하기 </a:t>
+                <a:latin typeface="+mn-ea"/>
+              </a:rPr>
+              <a:t>나의 로컬 </a:t>
+            </a:r>
+            <a:r>
+              <a:rPr lang="en-US" altLang="ko-KR" dirty="0">
+                <a:latin typeface="+mn-ea"/>
+              </a:rPr>
+              <a:t>main</a:t>
+            </a:r>
+            <a:r>
+              <a:rPr lang="ko-KR" altLang="en-US" dirty="0">
+                <a:latin typeface="+mn-ea"/>
+              </a:rPr>
+              <a:t>에서 </a:t>
+            </a:r>
+            <a:r>
+              <a:rPr lang="en-US" altLang="ko-KR" dirty="0">
+                <a:latin typeface="+mn-ea"/>
+              </a:rPr>
+              <a:t>Upstream</a:t>
+            </a:r>
+            <a:r>
+              <a:rPr lang="ko-KR" altLang="en-US" dirty="0">
+                <a:latin typeface="+mn-ea"/>
+              </a:rPr>
+              <a:t>과 연결하기</a:t>
             </a:r>
             <a:r>
               <a:rPr lang="en-US" altLang="ko-KR" dirty="0"/>
-              <a:t>(fork)</a:t>
-            </a:r>
-          </a:p>
-          <a:p>
-            <a:pPr lvl="1"/>
-            <a:r>
-              <a:rPr lang="ko-KR" altLang="en-US" dirty="0">
-                <a:solidFill>
-                  <a:srgbClr val="0000FF"/>
-                </a:solidFill>
-                <a:latin typeface="+mn-ea"/>
-              </a:rPr>
-              <a:t>나의 원격저장소로 로그인</a:t>
-            </a:r>
-            <a:r>
-              <a:rPr lang="ko-KR" altLang="en-US" dirty="0">
-                <a:latin typeface="+mn-ea"/>
-              </a:rPr>
-              <a:t>하여 찾기 창에서 </a:t>
-            </a:r>
-            <a:endParaRPr lang="en-US" altLang="ko-KR" dirty="0">
-              <a:latin typeface="+mn-ea"/>
-            </a:endParaRPr>
+              <a:t> </a:t>
+            </a:r>
           </a:p>
           <a:p>
             <a:pPr marL="266700" lvl="1" indent="0">
@@ -19368,65 +21840,46 @@
               <a:rPr lang="en-US" altLang="ko-KR" dirty="0">
                 <a:latin typeface="+mn-ea"/>
               </a:rPr>
-              <a:t>   </a:t>
-            </a:r>
-            <a:r>
-              <a:rPr lang="ko-KR" altLang="en-US" dirty="0">
-                <a:latin typeface="+mn-ea"/>
-              </a:rPr>
-              <a:t>복제하고자 하는 남의 원격저장소</a:t>
+              <a:t>  ☞ </a:t>
+            </a:r>
+            <a:r>
+              <a:rPr lang="en-US" altLang="ko-KR" dirty="0" err="1">
+                <a:latin typeface="+mn-ea"/>
+              </a:rPr>
+              <a:t>git</a:t>
             </a:r>
             <a:r>
               <a:rPr lang="en-US" altLang="ko-KR" dirty="0">
                 <a:latin typeface="+mn-ea"/>
               </a:rPr>
-              <a:t> (</a:t>
-            </a:r>
-            <a:r>
-              <a:rPr lang="en-US" altLang="ko-KR" dirty="0" err="1">
-                <a:latin typeface="+mn-ea"/>
-              </a:rPr>
-              <a:t>paichaisw</a:t>
-            </a:r>
+              <a:t> checkout main</a:t>
+            </a:r>
+          </a:p>
+          <a:p>
+            <a:pPr marL="266700" lvl="1" indent="0">
+              <a:buNone/>
+            </a:pPr>
             <a:r>
               <a:rPr lang="en-US" altLang="ko-KR" dirty="0">
                 <a:latin typeface="+mn-ea"/>
               </a:rPr>
-              <a:t>/</a:t>
-            </a:r>
-            <a:r>
-              <a:rPr lang="en-US" altLang="ko-KR" dirty="0" err="1">
-                <a:latin typeface="+mn-ea"/>
-              </a:rPr>
-              <a:t>fork_sample</a:t>
+              <a:t>  ☞ git remote add </a:t>
             </a:r>
             <a:r>
               <a:rPr lang="en-US" altLang="ko-KR" dirty="0">
-                <a:latin typeface="+mn-ea"/>
-              </a:rPr>
-              <a:t>) </a:t>
-            </a:r>
-            <a:r>
-              <a:rPr lang="ko-KR" altLang="en-US" dirty="0">
-                <a:latin typeface="+mn-ea"/>
-              </a:rPr>
-              <a:t>찾기 후</a:t>
+                <a:solidFill>
+                  <a:srgbClr val="FF0000"/>
+                </a:solidFill>
+                <a:latin typeface="+mn-ea"/>
+              </a:rPr>
+              <a:t>upstream</a:t>
             </a:r>
             <a:r>
               <a:rPr lang="en-US" altLang="ko-KR" dirty="0">
                 <a:latin typeface="+mn-ea"/>
               </a:rPr>
-              <a:t> </a:t>
-            </a:r>
-            <a:r>
-              <a:rPr lang="ko-KR" altLang="en-US" dirty="0">
-                <a:latin typeface="+mn-ea"/>
-              </a:rPr>
-              <a:t>이동</a:t>
-            </a:r>
-            <a:endParaRPr lang="en-US" altLang="ko-KR" dirty="0">
-              <a:latin typeface="+mn-ea"/>
-            </a:endParaRPr>
+              <a:t> https://github.com/paichaisw/daniel-hw.git</a:t>
+            </a:r>
           </a:p>
           <a:p>
             <a:pPr marL="266700" lvl="1" indent="0">
@@ -19437,30 +21890,6 @@
             </a:endParaRPr>
           </a:p>
           <a:p>
-            <a:pPr lvl="1"/>
-            <a:endParaRPr lang="en-US" altLang="ko-KR" dirty="0">
-              <a:latin typeface="+mn-ea"/>
-            </a:endParaRPr>
-          </a:p>
-          <a:p>
-            <a:pPr lvl="1"/>
-            <a:endParaRPr lang="en-US" altLang="ko-KR" dirty="0">
-              <a:latin typeface="+mn-ea"/>
-            </a:endParaRPr>
-          </a:p>
-          <a:p>
-            <a:pPr lvl="1"/>
-            <a:endParaRPr lang="en-US" altLang="ko-KR" dirty="0">
-              <a:latin typeface="+mn-ea"/>
-            </a:endParaRPr>
-          </a:p>
-          <a:p>
-            <a:pPr lvl="1"/>
-            <a:endParaRPr lang="en-US" altLang="ko-KR" dirty="0">
-              <a:latin typeface="+mn-ea"/>
-            </a:endParaRPr>
-          </a:p>
-          <a:p>
             <a:pPr marL="266700" lvl="1" indent="0">
               <a:buNone/>
             </a:pPr>
@@ -19468,765 +21897,119 @@
               <a:latin typeface="+mn-ea"/>
             </a:endParaRPr>
           </a:p>
+          <a:p>
+            <a:pPr marL="266700" lvl="1" indent="0">
+              <a:buNone/>
+            </a:pPr>
+            <a:r>
+              <a:rPr lang="en-US" altLang="ko-KR" dirty="0">
+                <a:latin typeface="+mn-ea"/>
+              </a:rPr>
+              <a:t>  ☞ git pull upstream main # upstream main</a:t>
+            </a:r>
+            <a:r>
+              <a:rPr lang="ko-KR" altLang="en-US" dirty="0">
+                <a:latin typeface="+mn-ea"/>
+              </a:rPr>
+              <a:t>의 최신 내용을 나의 로컬 </a:t>
+            </a:r>
+            <a:r>
+              <a:rPr lang="en-US" altLang="ko-KR" dirty="0">
+                <a:latin typeface="+mn-ea"/>
+              </a:rPr>
+              <a:t>main</a:t>
+            </a:r>
+            <a:r>
+              <a:rPr lang="ko-KR" altLang="en-US" dirty="0">
+                <a:latin typeface="+mn-ea"/>
+              </a:rPr>
+              <a:t>으로 복사</a:t>
+            </a:r>
+            <a:endParaRPr lang="en-US" altLang="ko-KR" dirty="0">
+              <a:latin typeface="+mn-ea"/>
+            </a:endParaRPr>
+          </a:p>
+          <a:p>
+            <a:pPr marL="266700" lvl="1" indent="0">
+              <a:buNone/>
+            </a:pPr>
+            <a:endParaRPr lang="en-US" altLang="ko-KR" dirty="0">
+              <a:latin typeface="+mn-ea"/>
+            </a:endParaRPr>
+          </a:p>
+          <a:p>
+            <a:pPr marL="266700" lvl="1" indent="0">
+              <a:buNone/>
+            </a:pPr>
+            <a:endParaRPr lang="en-US" altLang="ko-KR" dirty="0">
+              <a:latin typeface="+mn-ea"/>
+            </a:endParaRPr>
+          </a:p>
+          <a:p>
+            <a:pPr marL="266700" lvl="1" indent="0">
+              <a:buNone/>
+            </a:pPr>
+            <a:endParaRPr lang="en-US" altLang="ko-KR" dirty="0">
+              <a:latin typeface="+mn-ea"/>
+            </a:endParaRPr>
+          </a:p>
+          <a:p>
+            <a:pPr marL="266700" lvl="1" indent="0">
+              <a:buNone/>
+            </a:pPr>
+            <a:endParaRPr lang="en-US" altLang="ko-KR" dirty="0">
+              <a:latin typeface="+mn-ea"/>
+            </a:endParaRPr>
+          </a:p>
+          <a:p>
+            <a:pPr marL="266700" lvl="1" indent="0">
+              <a:buNone/>
+            </a:pPr>
+            <a:endParaRPr lang="en-US" altLang="ko-KR" dirty="0">
+              <a:latin typeface="+mn-ea"/>
+            </a:endParaRPr>
+          </a:p>
         </p:txBody>
       </p:sp>
-      <p:sp>
-        <p:nvSpPr>
-          <p:cNvPr id="4" name="제목 3">
+      <p:pic>
+        <p:nvPicPr>
+          <p:cNvPr id="7" name="그림 6">
             <a:extLst>
               <a:ext uri="{FF2B5EF4-FFF2-40B4-BE49-F238E27FC236}">
-                <a16:creationId xmlns:a16="http://schemas.microsoft.com/office/drawing/2014/main" id="{F0CEB32B-CB43-4410-BA08-A97E4BC47FCB}"/>
+                <a16:creationId xmlns:a16="http://schemas.microsoft.com/office/drawing/2014/main" id="{6829D956-6F16-4F0D-99BC-7B9A38CC3F82}"/>
               </a:ext>
             </a:extLst>
           </p:cNvPr>
-          <p:cNvSpPr>
-            <a:spLocks noGrp="1"/>
-          </p:cNvSpPr>
-          <p:nvPr>
-            <p:ph type="title"/>
-          </p:nvPr>
-        </p:nvSpPr>
-        <p:spPr/>
-        <p:txBody>
-          <a:bodyPr/>
-          <a:lstStyle/>
-          <a:p>
-            <a:r>
-              <a:rPr lang="ko-KR" altLang="en-US" dirty="0"/>
-              <a:t>남의 원격저장소를 나의 원격저장소에 복제하기 </a:t>
-            </a:r>
-            <a:r>
-              <a:rPr lang="en-US" altLang="ko-KR" dirty="0"/>
-              <a:t>(fork)</a:t>
-            </a:r>
-            <a:endParaRPr lang="ko-KR" altLang="en-US" dirty="0"/>
-          </a:p>
-        </p:txBody>
-      </p:sp>
-      <p:cxnSp>
-        <p:nvCxnSpPr>
-          <p:cNvPr id="13" name="직선 화살표 연결선 12">
-            <a:extLst>
-              <a:ext uri="{FF2B5EF4-FFF2-40B4-BE49-F238E27FC236}">
-                <a16:creationId xmlns:a16="http://schemas.microsoft.com/office/drawing/2014/main" id="{65D89615-BF16-4B5A-94F2-BF3871A389FB}"/>
-              </a:ext>
-            </a:extLst>
-          </p:cNvPr>
-          <p:cNvCxnSpPr>
-            <a:cxnSpLocks/>
-          </p:cNvCxnSpPr>
+          <p:cNvPicPr>
+            <a:picLocks noChangeAspect="1"/>
+          </p:cNvPicPr>
           <p:nvPr/>
-        </p:nvCxnSpPr>
+        </p:nvPicPr>
+        <p:blipFill>
+          <a:blip r:embed="rId3"/>
+          <a:stretch>
+            <a:fillRect/>
+          </a:stretch>
+        </p:blipFill>
         <p:spPr>
           <a:xfrm>
-            <a:off x="6554914" y="2281327"/>
-            <a:ext cx="5543" cy="762969"/>
-          </a:xfrm>
-          <a:prstGeom prst="straightConnector1">
-            <a:avLst/>
-          </a:prstGeom>
-          <a:ln w="25400">
-            <a:solidFill>
-              <a:schemeClr val="accent1">
-                <a:lumMod val="60000"/>
-                <a:lumOff val="40000"/>
-              </a:schemeClr>
-            </a:solidFill>
-            <a:tailEnd type="triangle"/>
-          </a:ln>
-        </p:spPr>
-        <p:style>
-          <a:lnRef idx="1">
-            <a:schemeClr val="accent1"/>
-          </a:lnRef>
-          <a:fillRef idx="0">
-            <a:schemeClr val="accent1"/>
-          </a:fillRef>
-          <a:effectRef idx="0">
-            <a:schemeClr val="accent1"/>
-          </a:effectRef>
-          <a:fontRef idx="minor">
-            <a:schemeClr val="tx1"/>
-          </a:fontRef>
-        </p:style>
-      </p:cxnSp>
-      <p:sp>
-        <p:nvSpPr>
-          <p:cNvPr id="17" name="직사각형 16">
-            <a:extLst>
-              <a:ext uri="{FF2B5EF4-FFF2-40B4-BE49-F238E27FC236}">
-                <a16:creationId xmlns:a16="http://schemas.microsoft.com/office/drawing/2014/main" id="{F7C73F28-D263-4045-ABBE-1AD64C65C6AB}"/>
-              </a:ext>
-            </a:extLst>
-          </p:cNvPr>
-          <p:cNvSpPr/>
-          <p:nvPr/>
-        </p:nvSpPr>
-        <p:spPr>
-          <a:xfrm>
-            <a:off x="6300955" y="3044296"/>
-            <a:ext cx="833386" cy="266654"/>
-          </a:xfrm>
-          <a:prstGeom prst="rect">
-            <a:avLst/>
-          </a:prstGeom>
-          <a:noFill/>
-          <a:ln w="28575">
-            <a:solidFill>
-              <a:srgbClr val="FF0000"/>
-            </a:solidFill>
-          </a:ln>
-        </p:spPr>
-        <p:style>
-          <a:lnRef idx="2">
-            <a:schemeClr val="accent1">
-              <a:shade val="50000"/>
-            </a:schemeClr>
-          </a:lnRef>
-          <a:fillRef idx="1">
-            <a:schemeClr val="accent1"/>
-          </a:fillRef>
-          <a:effectRef idx="0">
-            <a:schemeClr val="accent1"/>
-          </a:effectRef>
-          <a:fontRef idx="minor">
-            <a:schemeClr val="lt1"/>
-          </a:fontRef>
-        </p:style>
-        <p:txBody>
-          <a:bodyPr rtlCol="0" anchor="ctr"/>
-          <a:lstStyle/>
-          <a:p>
-            <a:endParaRPr lang="ko-KR" altLang="en-US" b="1" dirty="0">
-              <a:solidFill>
-                <a:srgbClr val="FF0000"/>
-              </a:solidFill>
-            </a:endParaRPr>
-          </a:p>
-        </p:txBody>
-      </p:sp>
-      <p:sp>
-        <p:nvSpPr>
-          <p:cNvPr id="19" name="직사각형 18">
-            <a:extLst>
-              <a:ext uri="{FF2B5EF4-FFF2-40B4-BE49-F238E27FC236}">
-                <a16:creationId xmlns:a16="http://schemas.microsoft.com/office/drawing/2014/main" id="{1D5E06FA-BFBA-4CCA-A22D-3A6F5C5CC0CC}"/>
-              </a:ext>
-            </a:extLst>
-          </p:cNvPr>
-          <p:cNvSpPr/>
-          <p:nvPr/>
-        </p:nvSpPr>
-        <p:spPr>
-          <a:xfrm>
-            <a:off x="4372239" y="5255148"/>
-            <a:ext cx="2182675" cy="318134"/>
-          </a:xfrm>
-          <a:prstGeom prst="rect">
-            <a:avLst/>
-          </a:prstGeom>
-          <a:noFill/>
-          <a:ln w="28575">
-            <a:solidFill>
-              <a:srgbClr val="FF0000"/>
-            </a:solidFill>
-          </a:ln>
-        </p:spPr>
-        <p:style>
-          <a:lnRef idx="2">
-            <a:schemeClr val="accent1">
-              <a:shade val="50000"/>
-            </a:schemeClr>
-          </a:lnRef>
-          <a:fillRef idx="1">
-            <a:schemeClr val="accent1"/>
-          </a:fillRef>
-          <a:effectRef idx="0">
-            <a:schemeClr val="accent1"/>
-          </a:effectRef>
-          <a:fontRef idx="minor">
-            <a:schemeClr val="lt1"/>
-          </a:fontRef>
-        </p:style>
-        <p:txBody>
-          <a:bodyPr rtlCol="0" anchor="ctr"/>
-          <a:lstStyle/>
-          <a:p>
-            <a:endParaRPr lang="ko-KR" altLang="en-US" b="1" dirty="0">
-              <a:solidFill>
-                <a:srgbClr val="FF0000"/>
-              </a:solidFill>
-            </a:endParaRPr>
-          </a:p>
-        </p:txBody>
-      </p:sp>
-      <p:cxnSp>
-        <p:nvCxnSpPr>
-          <p:cNvPr id="20" name="직선 화살표 연결선 19">
-            <a:extLst>
-              <a:ext uri="{FF2B5EF4-FFF2-40B4-BE49-F238E27FC236}">
-                <a16:creationId xmlns:a16="http://schemas.microsoft.com/office/drawing/2014/main" id="{F9480546-BE68-417B-92B0-B55890B0911E}"/>
-              </a:ext>
-            </a:extLst>
-          </p:cNvPr>
-          <p:cNvCxnSpPr>
-            <a:cxnSpLocks/>
-          </p:cNvCxnSpPr>
-          <p:nvPr/>
-        </p:nvCxnSpPr>
-        <p:spPr>
-          <a:xfrm flipH="1">
-            <a:off x="5167087" y="3310950"/>
-            <a:ext cx="1277256" cy="1886335"/>
-          </a:xfrm>
-          <a:prstGeom prst="straightConnector1">
-            <a:avLst/>
-          </a:prstGeom>
-          <a:ln w="25400">
-            <a:solidFill>
-              <a:schemeClr val="accent1">
-                <a:lumMod val="60000"/>
-                <a:lumOff val="40000"/>
-              </a:schemeClr>
-            </a:solidFill>
-            <a:tailEnd type="triangle"/>
-          </a:ln>
-        </p:spPr>
-        <p:style>
-          <a:lnRef idx="1">
-            <a:schemeClr val="accent1"/>
-          </a:lnRef>
-          <a:fillRef idx="0">
-            <a:schemeClr val="accent1"/>
-          </a:fillRef>
-          <a:effectRef idx="0">
-            <a:schemeClr val="accent1"/>
-          </a:effectRef>
-          <a:fontRef idx="minor">
-            <a:schemeClr val="tx1"/>
-          </a:fontRef>
-        </p:style>
-      </p:cxnSp>
-      <p:sp>
-        <p:nvSpPr>
-          <p:cNvPr id="10" name="TextBox 9">
-            <a:extLst>
-              <a:ext uri="{FF2B5EF4-FFF2-40B4-BE49-F238E27FC236}">
-                <a16:creationId xmlns:a16="http://schemas.microsoft.com/office/drawing/2014/main" id="{8ECD7982-E85A-4BDF-B67F-142184D388EB}"/>
-              </a:ext>
-            </a:extLst>
-          </p:cNvPr>
-          <p:cNvSpPr txBox="1"/>
-          <p:nvPr/>
-        </p:nvSpPr>
-        <p:spPr>
-          <a:xfrm>
-            <a:off x="7000573" y="3352188"/>
-            <a:ext cx="492443" cy="276999"/>
-          </a:xfrm>
-          <a:prstGeom prst="rect">
-            <a:avLst/>
-          </a:prstGeom>
-          <a:noFill/>
-        </p:spPr>
-        <p:txBody>
-          <a:bodyPr wrap="none" rtlCol="0">
-            <a:spAutoFit/>
-          </a:bodyPr>
-          <a:lstStyle/>
-          <a:p>
-            <a:r>
-              <a:rPr lang="ko-KR" altLang="en-US" sz="1200" dirty="0">
-                <a:solidFill>
-                  <a:srgbClr val="FF0000"/>
-                </a:solidFill>
-              </a:rPr>
-              <a:t>클릭</a:t>
-            </a:r>
-          </a:p>
-        </p:txBody>
-      </p:sp>
-      <p:sp>
-        <p:nvSpPr>
-          <p:cNvPr id="11" name="TextBox 10">
-            <a:extLst>
-              <a:ext uri="{FF2B5EF4-FFF2-40B4-BE49-F238E27FC236}">
-                <a16:creationId xmlns:a16="http://schemas.microsoft.com/office/drawing/2014/main" id="{2F6C8306-739B-4AB3-9993-7EDE64405E3C}"/>
-              </a:ext>
-            </a:extLst>
-          </p:cNvPr>
-          <p:cNvSpPr txBox="1"/>
-          <p:nvPr/>
-        </p:nvSpPr>
-        <p:spPr>
-          <a:xfrm>
-            <a:off x="5463576" y="4997218"/>
-            <a:ext cx="492443" cy="276999"/>
-          </a:xfrm>
-          <a:prstGeom prst="rect">
-            <a:avLst/>
-          </a:prstGeom>
-          <a:noFill/>
-        </p:spPr>
-        <p:txBody>
-          <a:bodyPr wrap="none" rtlCol="0">
-            <a:spAutoFit/>
-          </a:bodyPr>
-          <a:lstStyle/>
-          <a:p>
-            <a:r>
-              <a:rPr lang="ko-KR" altLang="en-US" sz="1200" dirty="0">
-                <a:solidFill>
-                  <a:srgbClr val="FF0000"/>
-                </a:solidFill>
-              </a:rPr>
-              <a:t>클릭</a:t>
-            </a:r>
-          </a:p>
-        </p:txBody>
-      </p:sp>
-    </p:spTree>
-    <p:extLst>
-      <p:ext uri="{BB962C8B-B14F-4D97-AF65-F5344CB8AC3E}">
-        <p14:creationId xmlns:p14="http://schemas.microsoft.com/office/powerpoint/2010/main" val="3618259593"/>
-      </p:ext>
-    </p:extLst>
-  </p:cSld>
-  <p:clrMapOvr>
-    <a:masterClrMapping/>
-  </p:clrMapOvr>
-</p:sld>
-</file>
-
-<file path=ppt/slides/slide30.xml><?xml version="1.0" encoding="utf-8"?>
-<p:sld xmlns:a="http://schemas.openxmlformats.org/drawingml/2006/main" xmlns:r="http://schemas.openxmlformats.org/officeDocument/2006/relationships" xmlns:p="http://schemas.openxmlformats.org/presentationml/2006/main">
-  <p:cSld>
-    <p:spTree>
-      <p:nvGrpSpPr>
-        <p:cNvPr id="1" name=""/>
-        <p:cNvGrpSpPr/>
-        <p:nvPr/>
-      </p:nvGrpSpPr>
-      <p:grpSpPr>
-        <a:xfrm>
-          <a:off x="0" y="0"/>
-          <a:ext cx="0" cy="0"/>
-          <a:chOff x="0" y="0"/>
-          <a:chExt cx="0" cy="0"/>
-        </a:xfrm>
-      </p:grpSpPr>
-      <p:sp>
-        <p:nvSpPr>
-          <p:cNvPr id="4" name="제목 3">
-            <a:extLst>
-              <a:ext uri="{FF2B5EF4-FFF2-40B4-BE49-F238E27FC236}">
-                <a16:creationId xmlns:a16="http://schemas.microsoft.com/office/drawing/2014/main" id="{F0CEB32B-CB43-4410-BA08-A97E4BC47FCB}"/>
-              </a:ext>
-            </a:extLst>
-          </p:cNvPr>
-          <p:cNvSpPr>
-            <a:spLocks noGrp="1"/>
-          </p:cNvSpPr>
-          <p:nvPr>
-            <p:ph type="title"/>
-          </p:nvPr>
-        </p:nvSpPr>
-        <p:spPr>
-          <a:xfrm>
-            <a:off x="539551" y="192300"/>
-            <a:ext cx="8244853" cy="576064"/>
-          </a:xfrm>
-        </p:spPr>
-        <p:txBody>
-          <a:bodyPr>
-            <a:normAutofit/>
-          </a:bodyPr>
-          <a:lstStyle/>
-          <a:p>
-            <a:r>
-              <a:rPr lang="en-US" altLang="ko-KR" dirty="0"/>
-              <a:t>Pull Request </a:t>
-            </a:r>
-            <a:r>
-              <a:rPr lang="ko-KR" altLang="en-US" dirty="0"/>
-              <a:t>최종결과 확인 후 마무리 작업</a:t>
-            </a:r>
-          </a:p>
-        </p:txBody>
-      </p:sp>
-      <p:sp>
-        <p:nvSpPr>
-          <p:cNvPr id="11" name="내용 개체 틀 2">
-            <a:extLst>
-              <a:ext uri="{FF2B5EF4-FFF2-40B4-BE49-F238E27FC236}">
-                <a16:creationId xmlns:a16="http://schemas.microsoft.com/office/drawing/2014/main" id="{A44AC902-3746-40D6-9827-94B46EEDDC67}"/>
-              </a:ext>
-            </a:extLst>
-          </p:cNvPr>
-          <p:cNvSpPr txBox="1">
-            <a:spLocks/>
-          </p:cNvSpPr>
-          <p:nvPr/>
-        </p:nvSpPr>
-        <p:spPr>
-          <a:xfrm>
-            <a:off x="341787" y="1120544"/>
-            <a:ext cx="8642350" cy="2328711"/>
+            <a:off x="1166812" y="2789529"/>
+            <a:ext cx="6810375" cy="447675"/>
           </a:xfrm>
           <a:prstGeom prst="rect">
             <a:avLst/>
           </a:prstGeom>
         </p:spPr>
-        <p:txBody>
-          <a:bodyPr vert="horz" lIns="91440" tIns="45720" rIns="91440" bIns="45720" rtlCol="0">
-            <a:noAutofit/>
-          </a:bodyPr>
-          <a:lstStyle>
-            <a:lvl1pPr marL="266700" indent="-266700" defTabSz="914400" latinLnBrk="1">
-              <a:lnSpc>
-                <a:spcPct val="150000"/>
-              </a:lnSpc>
-              <a:spcBef>
-                <a:spcPct val="0"/>
-              </a:spcBef>
-              <a:buClr>
-                <a:schemeClr val="tx1">
-                  <a:lumMod val="65000"/>
-                  <a:lumOff val="35000"/>
-                </a:schemeClr>
-              </a:buClr>
-              <a:buFont typeface="Wingdings" pitchFamily="2" charset="2"/>
-              <a:buChar char="n"/>
-              <a:defRPr sz="2000" b="1">
-                <a:latin typeface="+mn-ea"/>
-              </a:defRPr>
-            </a:lvl1pPr>
-            <a:lvl2pPr marL="447675" lvl="1" indent="-180975" defTabSz="914400" latinLnBrk="1">
-              <a:lnSpc>
-                <a:spcPct val="150000"/>
-              </a:lnSpc>
-              <a:spcBef>
-                <a:spcPts val="0"/>
-              </a:spcBef>
-              <a:spcAft>
-                <a:spcPts val="0"/>
-              </a:spcAft>
-              <a:buClr>
-                <a:schemeClr val="tx1">
-                  <a:lumMod val="50000"/>
-                  <a:lumOff val="50000"/>
-                </a:schemeClr>
-              </a:buClr>
-              <a:buFont typeface="Wingdings" pitchFamily="2" charset="2"/>
-              <a:buChar char="§"/>
-              <a:defRPr sz="1600"/>
-            </a:lvl2pPr>
-            <a:lvl3pPr marL="628650" indent="-180975" defTabSz="914400" latinLnBrk="1">
-              <a:lnSpc>
-                <a:spcPct val="150000"/>
-              </a:lnSpc>
-              <a:spcBef>
-                <a:spcPts val="500"/>
-              </a:spcBef>
-              <a:spcAft>
-                <a:spcPts val="300"/>
-              </a:spcAft>
-              <a:buClr>
-                <a:schemeClr val="tx1">
-                  <a:lumMod val="65000"/>
-                  <a:lumOff val="35000"/>
-                </a:schemeClr>
-              </a:buClr>
-              <a:buFont typeface="Arial" panose="020B0604020202020204" pitchFamily="34" charset="0"/>
-              <a:buChar char="•"/>
-              <a:defRPr sz="1400"/>
-            </a:lvl3pPr>
-            <a:lvl4pPr marL="809625" indent="-180975" defTabSz="914400" latinLnBrk="1">
-              <a:lnSpc>
-                <a:spcPct val="150000"/>
-              </a:lnSpc>
-              <a:spcBef>
-                <a:spcPts val="500"/>
-              </a:spcBef>
-              <a:spcAft>
-                <a:spcPts val="300"/>
-              </a:spcAft>
-              <a:buClr>
-                <a:schemeClr val="tx1">
-                  <a:lumMod val="65000"/>
-                  <a:lumOff val="35000"/>
-                </a:schemeClr>
-              </a:buClr>
-              <a:buSzPct val="96000"/>
-              <a:buFont typeface="Arial" panose="020B0604020202020204" pitchFamily="34" charset="0"/>
-              <a:buChar char="•"/>
-              <a:defRPr sz="1200"/>
-            </a:lvl4pPr>
-            <a:lvl5pPr marL="990600" indent="-180975" defTabSz="914400" latinLnBrk="1">
-              <a:lnSpc>
-                <a:spcPct val="150000"/>
-              </a:lnSpc>
-              <a:spcBef>
-                <a:spcPts val="500"/>
-              </a:spcBef>
-              <a:buClr>
-                <a:schemeClr val="tx1">
-                  <a:lumMod val="65000"/>
-                  <a:lumOff val="35000"/>
-                </a:schemeClr>
-              </a:buClr>
-              <a:buFont typeface="Arial" panose="020B0604020202020204" pitchFamily="34" charset="0"/>
-              <a:buChar char="•"/>
-              <a:defRPr sz="1000"/>
-            </a:lvl5pPr>
-            <a:lvl6pPr marL="2514600" indent="-228600" defTabSz="914400" latinLnBrk="1">
-              <a:lnSpc>
-                <a:spcPct val="90000"/>
-              </a:lnSpc>
-              <a:spcBef>
-                <a:spcPts val="500"/>
-              </a:spcBef>
-              <a:buFont typeface="Arial" panose="020B0604020202020204" pitchFamily="34" charset="0"/>
-              <a:buChar char="•"/>
-            </a:lvl6pPr>
-            <a:lvl7pPr marL="2971800" indent="-228600" defTabSz="914400" latinLnBrk="1">
-              <a:lnSpc>
-                <a:spcPct val="90000"/>
-              </a:lnSpc>
-              <a:spcBef>
-                <a:spcPts val="500"/>
-              </a:spcBef>
-              <a:buFont typeface="Arial" panose="020B0604020202020204" pitchFamily="34" charset="0"/>
-              <a:buChar char="•"/>
-            </a:lvl7pPr>
-            <a:lvl8pPr marL="3429000" indent="-228600" defTabSz="914400" latinLnBrk="1">
-              <a:lnSpc>
-                <a:spcPct val="90000"/>
-              </a:lnSpc>
-              <a:spcBef>
-                <a:spcPts val="500"/>
-              </a:spcBef>
-              <a:buFont typeface="Arial" panose="020B0604020202020204" pitchFamily="34" charset="0"/>
-              <a:buChar char="•"/>
-            </a:lvl8pPr>
-            <a:lvl9pPr marL="3886200" indent="-228600" defTabSz="914400" latinLnBrk="1">
-              <a:lnSpc>
-                <a:spcPct val="90000"/>
-              </a:lnSpc>
-              <a:spcBef>
-                <a:spcPts val="500"/>
-              </a:spcBef>
-              <a:buFont typeface="Arial" panose="020B0604020202020204" pitchFamily="34" charset="0"/>
-              <a:buChar char="•"/>
-            </a:lvl9pPr>
-          </a:lstStyle>
-          <a:p>
-            <a:r>
-              <a:rPr lang="ko-KR" altLang="en-US" dirty="0"/>
-              <a:t>남의 원격저장소</a:t>
-            </a:r>
-            <a:r>
-              <a:rPr lang="en-US" altLang="ko-KR" dirty="0"/>
-              <a:t>(upstream)</a:t>
-            </a:r>
-            <a:r>
-              <a:rPr lang="ko-KR" altLang="en-US" dirty="0"/>
-              <a:t> 내용을 나의 로컬로 </a:t>
-            </a:r>
-            <a:r>
-              <a:rPr lang="en-US" altLang="ko-KR" dirty="0"/>
-              <a:t>pull</a:t>
-            </a:r>
-          </a:p>
-          <a:p>
-            <a:pPr lvl="1"/>
-            <a:r>
-              <a:rPr lang="ko-KR" altLang="en-US" dirty="0">
-                <a:latin typeface="+mn-ea"/>
-              </a:rPr>
-              <a:t>나의 로컬 </a:t>
-            </a:r>
-            <a:r>
-              <a:rPr lang="en-US" altLang="ko-KR" dirty="0">
-                <a:latin typeface="+mn-ea"/>
-              </a:rPr>
-              <a:t>main</a:t>
-            </a:r>
-            <a:r>
-              <a:rPr lang="ko-KR" altLang="en-US" dirty="0">
-                <a:latin typeface="+mn-ea"/>
-              </a:rPr>
-              <a:t>에서 </a:t>
-            </a:r>
-            <a:r>
-              <a:rPr lang="en-US" altLang="ko-KR" dirty="0">
-                <a:latin typeface="+mn-ea"/>
-              </a:rPr>
-              <a:t>Upstream</a:t>
-            </a:r>
-            <a:r>
-              <a:rPr lang="ko-KR" altLang="en-US" dirty="0">
-                <a:latin typeface="+mn-ea"/>
-              </a:rPr>
-              <a:t>과 연결하기</a:t>
-            </a:r>
-            <a:r>
-              <a:rPr lang="en-US" altLang="ko-KR" dirty="0"/>
-              <a:t> </a:t>
-            </a:r>
-          </a:p>
-          <a:p>
-            <a:pPr marL="266700" lvl="1" indent="0">
-              <a:buNone/>
-            </a:pPr>
-            <a:r>
-              <a:rPr lang="en-US" altLang="ko-KR" dirty="0">
-                <a:latin typeface="+mn-ea"/>
-              </a:rPr>
-              <a:t>  ☞ </a:t>
-            </a:r>
-            <a:r>
-              <a:rPr lang="en-US" altLang="ko-KR" dirty="0" err="1">
-                <a:latin typeface="+mn-ea"/>
-              </a:rPr>
-              <a:t>git</a:t>
-            </a:r>
-            <a:r>
-              <a:rPr lang="en-US" altLang="ko-KR" dirty="0">
-                <a:latin typeface="+mn-ea"/>
-              </a:rPr>
-              <a:t> checkout main</a:t>
-            </a:r>
-          </a:p>
-          <a:p>
-            <a:pPr marL="266700" lvl="1" indent="0">
-              <a:buNone/>
-            </a:pPr>
-            <a:r>
-              <a:rPr lang="en-US" altLang="ko-KR" dirty="0">
-                <a:latin typeface="+mn-ea"/>
-              </a:rPr>
-              <a:t>  ☞ git remote add </a:t>
-            </a:r>
-            <a:r>
-              <a:rPr lang="en-US" altLang="ko-KR" dirty="0">
-                <a:solidFill>
-                  <a:srgbClr val="0000FF"/>
-                </a:solidFill>
-                <a:latin typeface="+mn-ea"/>
-              </a:rPr>
-              <a:t>upstream</a:t>
-            </a:r>
-            <a:r>
-              <a:rPr lang="en-US" altLang="ko-KR" dirty="0">
-                <a:latin typeface="+mn-ea"/>
-              </a:rPr>
-              <a:t> </a:t>
-            </a:r>
-            <a:r>
-              <a:rPr lang="en-US" altLang="ko-KR" dirty="0">
-                <a:latin typeface="+mn-ea"/>
-                <a:hlinkClick r:id="rId3"/>
-              </a:rPr>
-              <a:t>https://github.com/paichaisw/fork_sample.git</a:t>
-            </a:r>
-            <a:endParaRPr lang="en-US" altLang="ko-KR" dirty="0">
-              <a:latin typeface="+mn-ea"/>
-            </a:endParaRPr>
-          </a:p>
-          <a:p>
-            <a:pPr marL="266700" lvl="1" indent="0">
-              <a:buNone/>
-            </a:pPr>
-            <a:endParaRPr lang="en-US" altLang="ko-KR" dirty="0">
-              <a:latin typeface="+mn-ea"/>
-            </a:endParaRPr>
-          </a:p>
-          <a:p>
-            <a:pPr marL="266700" lvl="1" indent="0">
-              <a:buNone/>
-            </a:pPr>
-            <a:endParaRPr lang="en-US" altLang="ko-KR" dirty="0">
-              <a:latin typeface="+mn-ea"/>
-            </a:endParaRPr>
-          </a:p>
-          <a:p>
-            <a:pPr marL="266700" lvl="1" indent="0">
-              <a:buNone/>
-            </a:pPr>
-            <a:r>
-              <a:rPr lang="en-US" altLang="ko-KR" dirty="0">
-                <a:latin typeface="+mn-ea"/>
-              </a:rPr>
-              <a:t>  ☞ git pull upstream main # upstream main</a:t>
-            </a:r>
-            <a:r>
-              <a:rPr lang="ko-KR" altLang="en-US" dirty="0">
-                <a:latin typeface="+mn-ea"/>
-              </a:rPr>
-              <a:t>의 최신 내용을 나의 로컬 </a:t>
-            </a:r>
-            <a:r>
-              <a:rPr lang="en-US" altLang="ko-KR" dirty="0">
-                <a:latin typeface="+mn-ea"/>
-              </a:rPr>
-              <a:t>main</a:t>
-            </a:r>
-            <a:r>
-              <a:rPr lang="ko-KR" altLang="en-US" dirty="0">
-                <a:latin typeface="+mn-ea"/>
-              </a:rPr>
-              <a:t>으로 복사</a:t>
-            </a:r>
-            <a:endParaRPr lang="en-US" altLang="ko-KR" dirty="0">
-              <a:latin typeface="+mn-ea"/>
-            </a:endParaRPr>
-          </a:p>
-          <a:p>
-            <a:pPr marL="266700" lvl="1" indent="0">
-              <a:buNone/>
-            </a:pPr>
-            <a:endParaRPr lang="en-US" altLang="ko-KR" dirty="0">
-              <a:latin typeface="+mn-ea"/>
-            </a:endParaRPr>
-          </a:p>
-          <a:p>
-            <a:pPr marL="266700" lvl="1" indent="0">
-              <a:buNone/>
-            </a:pPr>
-            <a:endParaRPr lang="en-US" altLang="ko-KR" dirty="0">
-              <a:latin typeface="+mn-ea"/>
-            </a:endParaRPr>
-          </a:p>
-          <a:p>
-            <a:pPr marL="266700" lvl="1" indent="0">
-              <a:buNone/>
-            </a:pPr>
-            <a:endParaRPr lang="en-US" altLang="ko-KR" dirty="0">
-              <a:latin typeface="+mn-ea"/>
-            </a:endParaRPr>
-          </a:p>
-          <a:p>
-            <a:pPr marL="266700" lvl="1" indent="0">
-              <a:buNone/>
-            </a:pPr>
-            <a:endParaRPr lang="en-US" altLang="ko-KR" dirty="0">
-              <a:latin typeface="+mn-ea"/>
-            </a:endParaRPr>
-          </a:p>
-          <a:p>
-            <a:pPr marL="266700" lvl="1" indent="0">
-              <a:buNone/>
-            </a:pPr>
-            <a:endParaRPr lang="en-US" altLang="ko-KR" dirty="0">
-              <a:latin typeface="+mn-ea"/>
-            </a:endParaRPr>
-          </a:p>
-        </p:txBody>
-      </p:sp>
+      </p:pic>
       <p:pic>
         <p:nvPicPr>
-          <p:cNvPr id="2" name="그림 1"/>
+          <p:cNvPr id="9" name="그림 8">
+            <a:extLst>
+              <a:ext uri="{FF2B5EF4-FFF2-40B4-BE49-F238E27FC236}">
+                <a16:creationId xmlns:a16="http://schemas.microsoft.com/office/drawing/2014/main" id="{53B3B7E9-5F91-4268-8DD6-215F7D8E69C0}"/>
+              </a:ext>
+            </a:extLst>
+          </p:cNvPr>
           <p:cNvPicPr>
             <a:picLocks noChangeAspect="1"/>
           </p:cNvPicPr>
@@ -20240,8 +22023,8 @@
         </p:blipFill>
         <p:spPr>
           <a:xfrm>
-            <a:off x="1006877" y="2790523"/>
-            <a:ext cx="6991350" cy="466725"/>
+            <a:off x="1193960" y="3879707"/>
+            <a:ext cx="6019800" cy="2257425"/>
           </a:xfrm>
           <a:prstGeom prst="rect">
             <a:avLst/>
@@ -20250,7 +22033,13 @@
       </p:pic>
       <p:pic>
         <p:nvPicPr>
-          <p:cNvPr id="3" name="그림 2"/>
+          <p:cNvPr id="14" name="그림 13">
+            <a:extLst>
+              <a:ext uri="{FF2B5EF4-FFF2-40B4-BE49-F238E27FC236}">
+                <a16:creationId xmlns:a16="http://schemas.microsoft.com/office/drawing/2014/main" id="{18612418-B58A-4274-A121-7F0FB9828328}"/>
+              </a:ext>
+            </a:extLst>
+          </p:cNvPr>
           <p:cNvPicPr>
             <a:picLocks noChangeAspect="1"/>
           </p:cNvPicPr>
@@ -20264,32 +22053,8 @@
         </p:blipFill>
         <p:spPr>
           <a:xfrm>
-            <a:off x="1021066" y="3816234"/>
-            <a:ext cx="6534150" cy="2295525"/>
-          </a:xfrm>
-          <a:prstGeom prst="rect">
-            <a:avLst/>
-          </a:prstGeom>
-        </p:spPr>
-      </p:pic>
-      <p:pic>
-        <p:nvPicPr>
-          <p:cNvPr id="6" name="그림 5"/>
-          <p:cNvPicPr>
-            <a:picLocks noChangeAspect="1"/>
-          </p:cNvPicPr>
-          <p:nvPr/>
-        </p:nvPicPr>
-        <p:blipFill>
-          <a:blip r:embed="rId6"/>
-          <a:stretch>
-            <a:fillRect/>
-          </a:stretch>
-        </p:blipFill>
-        <p:spPr>
-          <a:xfrm>
-            <a:off x="7050562" y="4749386"/>
-            <a:ext cx="1933575" cy="1457325"/>
+            <a:off x="6647787" y="4903207"/>
+            <a:ext cx="2466975" cy="1400175"/>
           </a:xfrm>
           <a:prstGeom prst="rect">
             <a:avLst/>
@@ -20309,7 +22074,7 @@
 </p:sld>
 </file>
 
-<file path=ppt/slides/slide31.xml><?xml version="1.0" encoding="utf-8"?>
+<file path=ppt/slides/slide33.xml><?xml version="1.0" encoding="utf-8"?>
 <p:sld xmlns:a="http://schemas.openxmlformats.org/drawingml/2006/main" xmlns:r="http://schemas.openxmlformats.org/officeDocument/2006/relationships" xmlns:p="http://schemas.openxmlformats.org/presentationml/2006/main">
   <p:cSld>
     <p:spTree>
@@ -20326,6 +22091,36 @@
           <a:chExt cx="0" cy="0"/>
         </a:xfrm>
       </p:grpSpPr>
+      <p:pic>
+        <p:nvPicPr>
+          <p:cNvPr id="3" name="그림 2">
+            <a:extLst>
+              <a:ext uri="{FF2B5EF4-FFF2-40B4-BE49-F238E27FC236}">
+                <a16:creationId xmlns:a16="http://schemas.microsoft.com/office/drawing/2014/main" id="{60946C97-5010-4411-B45C-6DBEA029750C}"/>
+              </a:ext>
+            </a:extLst>
+          </p:cNvPr>
+          <p:cNvPicPr>
+            <a:picLocks noChangeAspect="1"/>
+          </p:cNvPicPr>
+          <p:nvPr/>
+        </p:nvPicPr>
+        <p:blipFill>
+          <a:blip r:embed="rId3"/>
+          <a:stretch>
+            <a:fillRect/>
+          </a:stretch>
+        </p:blipFill>
+        <p:spPr>
+          <a:xfrm>
+            <a:off x="822314" y="3484248"/>
+            <a:ext cx="7743825" cy="2904673"/>
+          </a:xfrm>
+          <a:prstGeom prst="rect">
+            <a:avLst/>
+          </a:prstGeom>
+        </p:spPr>
+      </p:pic>
       <p:sp>
         <p:nvSpPr>
           <p:cNvPr id="4" name="제목 3">
@@ -20824,30 +22619,6 @@
           </a:p>
         </p:txBody>
       </p:sp>
-      <p:pic>
-        <p:nvPicPr>
-          <p:cNvPr id="7" name="그림 6"/>
-          <p:cNvPicPr>
-            <a:picLocks noChangeAspect="1"/>
-          </p:cNvPicPr>
-          <p:nvPr/>
-        </p:nvPicPr>
-        <p:blipFill>
-          <a:blip r:embed="rId3"/>
-          <a:stretch>
-            <a:fillRect/>
-          </a:stretch>
-        </p:blipFill>
-        <p:spPr>
-          <a:xfrm>
-            <a:off x="457200" y="3639815"/>
-            <a:ext cx="8686800" cy="2981325"/>
-          </a:xfrm>
-          <a:prstGeom prst="rect">
-            <a:avLst/>
-          </a:prstGeom>
-        </p:spPr>
-      </p:pic>
       <p:sp>
         <p:nvSpPr>
           <p:cNvPr id="9" name="직사각형 8">
@@ -20862,7 +22633,7 @@
         </p:nvSpPr>
         <p:spPr>
           <a:xfrm flipH="1">
-            <a:off x="3319777" y="5453742"/>
+            <a:off x="3319777" y="5263740"/>
             <a:ext cx="1601767" cy="308357"/>
           </a:xfrm>
           <a:prstGeom prst="rect">
@@ -20917,7 +22688,7 @@
         </p:nvSpPr>
         <p:spPr>
           <a:xfrm>
-            <a:off x="3485190" y="4660017"/>
+            <a:off x="3485190" y="4470015"/>
             <a:ext cx="2353573" cy="307777"/>
           </a:xfrm>
           <a:prstGeom prst="rect">
@@ -20967,7 +22738,7 @@
         </p:nvCxnSpPr>
         <p:spPr>
           <a:xfrm flipH="1">
-            <a:off x="3997098" y="4862206"/>
+            <a:off x="3997098" y="4672204"/>
             <a:ext cx="250811" cy="624194"/>
           </a:xfrm>
           <a:prstGeom prst="straightConnector1">
@@ -21009,7 +22780,7 @@
         </p:nvSpPr>
         <p:spPr>
           <a:xfrm flipH="1">
-            <a:off x="1653022" y="3801436"/>
+            <a:off x="2009280" y="3647059"/>
             <a:ext cx="916557" cy="203406"/>
           </a:xfrm>
           <a:prstGeom prst="rect">
@@ -21066,7 +22837,7 @@
         </p:nvCxnSpPr>
         <p:spPr>
           <a:xfrm>
-            <a:off x="632310" y="4551882"/>
+            <a:off x="632310" y="4361880"/>
             <a:ext cx="2491890" cy="0"/>
           </a:xfrm>
           <a:prstGeom prst="line">
@@ -21106,7 +22877,7 @@
 </p:sld>
 </file>
 
-<file path=ppt/slides/slide32.xml><?xml version="1.0" encoding="utf-8"?>
+<file path=ppt/slides/slide34.xml><?xml version="1.0" encoding="utf-8"?>
 <p:sld xmlns:a="http://schemas.openxmlformats.org/drawingml/2006/main" xmlns:r="http://schemas.openxmlformats.org/officeDocument/2006/relationships" xmlns:p="http://schemas.openxmlformats.org/presentationml/2006/main">
   <p:cSld>
     <p:spTree>
@@ -21123,6 +22894,66 @@
           <a:chExt cx="0" cy="0"/>
         </a:xfrm>
       </p:grpSpPr>
+      <p:pic>
+        <p:nvPicPr>
+          <p:cNvPr id="7" name="그림 6">
+            <a:extLst>
+              <a:ext uri="{FF2B5EF4-FFF2-40B4-BE49-F238E27FC236}">
+                <a16:creationId xmlns:a16="http://schemas.microsoft.com/office/drawing/2014/main" id="{E0D4721B-3B22-4812-A234-DD8DB613DC4C}"/>
+              </a:ext>
+            </a:extLst>
+          </p:cNvPr>
+          <p:cNvPicPr>
+            <a:picLocks noChangeAspect="1"/>
+          </p:cNvPicPr>
+          <p:nvPr/>
+        </p:nvPicPr>
+        <p:blipFill>
+          <a:blip r:embed="rId3"/>
+          <a:stretch>
+            <a:fillRect/>
+          </a:stretch>
+        </p:blipFill>
+        <p:spPr>
+          <a:xfrm>
+            <a:off x="779733" y="2432129"/>
+            <a:ext cx="3409950" cy="2828925"/>
+          </a:xfrm>
+          <a:prstGeom prst="rect">
+            <a:avLst/>
+          </a:prstGeom>
+        </p:spPr>
+      </p:pic>
+      <p:pic>
+        <p:nvPicPr>
+          <p:cNvPr id="13" name="그림 12">
+            <a:extLst>
+              <a:ext uri="{FF2B5EF4-FFF2-40B4-BE49-F238E27FC236}">
+                <a16:creationId xmlns:a16="http://schemas.microsoft.com/office/drawing/2014/main" id="{8E82328D-1AD7-4FF5-8603-9CF243A9BF12}"/>
+              </a:ext>
+            </a:extLst>
+          </p:cNvPr>
+          <p:cNvPicPr>
+            <a:picLocks noChangeAspect="1"/>
+          </p:cNvPicPr>
+          <p:nvPr/>
+        </p:nvPicPr>
+        <p:blipFill>
+          <a:blip r:embed="rId4"/>
+          <a:stretch>
+            <a:fillRect/>
+          </a:stretch>
+        </p:blipFill>
+        <p:spPr>
+          <a:xfrm>
+            <a:off x="4905747" y="2545417"/>
+            <a:ext cx="3362325" cy="2371725"/>
+          </a:xfrm>
+          <a:prstGeom prst="rect">
+            <a:avLst/>
+          </a:prstGeom>
+        </p:spPr>
+      </p:pic>
       <p:sp>
         <p:nvSpPr>
           <p:cNvPr id="4" name="제목 3">
@@ -21331,7 +23162,7 @@
           <a:p>
             <a:r>
               <a:rPr lang="ko-KR" altLang="en-US" dirty="0"/>
-              <a:t>나의 로컬저장소 내용을 나의 원격저장소</a:t>
+              <a:t>나의 원격저장소</a:t>
             </a:r>
             <a:r>
               <a:rPr lang="en-US" altLang="ko-KR" dirty="0"/>
@@ -21339,12 +23170,17 @@
             </a:r>
             <a:r>
               <a:rPr lang="ko-KR" altLang="en-US" dirty="0"/>
-              <a:t>로 </a:t>
-            </a:r>
-            <a:r>
-              <a:rPr lang="en-US" altLang="ko-KR" dirty="0"/>
-              <a:t>push</a:t>
-            </a:r>
+              <a:t> </a:t>
+            </a:r>
+            <a:r>
+              <a:rPr lang="ko-KR" altLang="en-US" dirty="0" err="1"/>
+              <a:t>브랜치</a:t>
+            </a:r>
+            <a:r>
+              <a:rPr lang="ko-KR" altLang="en-US" dirty="0"/>
+              <a:t> 삭제</a:t>
+            </a:r>
+            <a:endParaRPr lang="en-US" altLang="ko-KR" dirty="0"/>
           </a:p>
           <a:p>
             <a:pPr lvl="1"/>
@@ -21406,7 +23242,22 @@
               <a:rPr lang="en-US" altLang="ko-KR" dirty="0">
                 <a:latin typeface="+mn-ea"/>
               </a:rPr>
-              <a:t> push –d origin develop</a:t>
+              <a:t> </a:t>
+            </a:r>
+            <a:r>
+              <a:rPr lang="en-US" altLang="ko-KR" dirty="0">
+                <a:solidFill>
+                  <a:srgbClr val="FF0000"/>
+                </a:solidFill>
+                <a:latin typeface="+mn-ea"/>
+              </a:rPr>
+              <a:t>push –d</a:t>
+            </a:r>
+            <a:r>
+              <a:rPr lang="en-US" altLang="ko-KR" dirty="0">
+                <a:latin typeface="+mn-ea"/>
+              </a:rPr>
+              <a:t> origin develop</a:t>
             </a:r>
           </a:p>
           <a:p>
@@ -21470,54 +23321,6 @@
           </a:p>
         </p:txBody>
       </p:sp>
-      <p:pic>
-        <p:nvPicPr>
-          <p:cNvPr id="2" name="그림 1"/>
-          <p:cNvPicPr>
-            <a:picLocks noChangeAspect="1"/>
-          </p:cNvPicPr>
-          <p:nvPr/>
-        </p:nvPicPr>
-        <p:blipFill>
-          <a:blip r:embed="rId3"/>
-          <a:stretch>
-            <a:fillRect/>
-          </a:stretch>
-        </p:blipFill>
-        <p:spPr>
-          <a:xfrm>
-            <a:off x="341787" y="2361371"/>
-            <a:ext cx="3990975" cy="3162300"/>
-          </a:xfrm>
-          <a:prstGeom prst="rect">
-            <a:avLst/>
-          </a:prstGeom>
-        </p:spPr>
-      </p:pic>
-      <p:pic>
-        <p:nvPicPr>
-          <p:cNvPr id="3" name="그림 2"/>
-          <p:cNvPicPr>
-            <a:picLocks noChangeAspect="1"/>
-          </p:cNvPicPr>
-          <p:nvPr/>
-        </p:nvPicPr>
-        <p:blipFill>
-          <a:blip r:embed="rId4"/>
-          <a:stretch>
-            <a:fillRect/>
-          </a:stretch>
-        </p:blipFill>
-        <p:spPr>
-          <a:xfrm>
-            <a:off x="4753449" y="2432129"/>
-            <a:ext cx="3810000" cy="3086100"/>
-          </a:xfrm>
-          <a:prstGeom prst="rect">
-            <a:avLst/>
-          </a:prstGeom>
-        </p:spPr>
-      </p:pic>
       <p:sp>
         <p:nvSpPr>
           <p:cNvPr id="6" name="오른쪽 화살표 5"/>
@@ -21572,7 +23375,7 @@
         </p:nvSpPr>
         <p:spPr>
           <a:xfrm flipH="1">
-            <a:off x="1642134" y="2569025"/>
+            <a:off x="1820259" y="2569025"/>
             <a:ext cx="970436" cy="259868"/>
           </a:xfrm>
           <a:prstGeom prst="rect">
@@ -21627,7 +23430,7 @@
         </p:nvSpPr>
         <p:spPr>
           <a:xfrm flipH="1">
-            <a:off x="5854905" y="2569025"/>
+            <a:off x="5961780" y="2616525"/>
             <a:ext cx="970436" cy="259868"/>
           </a:xfrm>
           <a:prstGeom prst="rect">
@@ -21836,12 +23639,12 @@
           </a:lstStyle>
           <a:p>
             <a:r>
-              <a:rPr lang="ko-KR" altLang="en-US" sz="1600" dirty="0" err="1">
+              <a:rPr lang="en-US" altLang="ko-KR" sz="1600" dirty="0">
                 <a:solidFill>
                   <a:srgbClr val="0000FF"/>
                 </a:solidFill>
               </a:rPr>
-              <a:t>완료후</a:t>
+              <a:t>PR</a:t>
             </a:r>
             <a:r>
               <a:rPr lang="ko-KR" altLang="en-US" sz="1600" dirty="0">
@@ -21849,7 +23652,23 @@
                   <a:srgbClr val="0000FF"/>
                 </a:solidFill>
               </a:rPr>
-              <a:t> 작업했던 내용을 정리해 놓아야 함</a:t>
+              <a:t> </a:t>
+            </a:r>
+            <a:r>
+              <a:rPr lang="en-US" altLang="ko-KR" sz="1600" dirty="0">
+                <a:solidFill>
+                  <a:srgbClr val="0000FF"/>
+                </a:solidFill>
+              </a:rPr>
+              <a:t>merge</a:t>
+            </a:r>
+            <a:r>
+              <a:rPr lang="ko-KR" altLang="en-US" sz="1600" dirty="0">
+                <a:solidFill>
+                  <a:srgbClr val="0000FF"/>
+                </a:solidFill>
+              </a:rPr>
+              <a:t>후 작업했던 내용을 정리해 놓아야 깔끔하게 마무리가 됨</a:t>
             </a:r>
             <a:r>
               <a:rPr lang="en-US" altLang="ko-KR" sz="1600" dirty="0">
@@ -21975,7 +23794,7 @@
 </p:sld>
 </file>
 
-<file path=ppt/slides/slide33.xml><?xml version="1.0" encoding="utf-8"?>
+<file path=ppt/slides/slide35.xml><?xml version="1.0" encoding="utf-8"?>
 <p:sld xmlns:a="http://schemas.openxmlformats.org/drawingml/2006/main" xmlns:r="http://schemas.openxmlformats.org/officeDocument/2006/relationships" xmlns:p="http://schemas.openxmlformats.org/presentationml/2006/main">
   <p:cSld>
     <p:spTree>
@@ -22266,6 +24085,24 @@
               <a:buAutoNum type="circleNumDbPlain"/>
             </a:pPr>
             <a:r>
+              <a:rPr lang="ko-KR" altLang="en-US" dirty="0">
+                <a:latin typeface="+mn-ea"/>
+              </a:rPr>
+              <a:t>나의 원격저장소</a:t>
+            </a:r>
+            <a:r>
+              <a:rPr lang="en-US" altLang="ko-KR" dirty="0">
+                <a:latin typeface="+mn-ea"/>
+              </a:rPr>
+              <a:t>(origin)</a:t>
+            </a:r>
+            <a:r>
+              <a:rPr lang="ko-KR" altLang="en-US" dirty="0">
+                <a:latin typeface="+mn-ea"/>
+              </a:rPr>
+              <a:t>로 </a:t>
+            </a:r>
+            <a:r>
               <a:rPr lang="en-US" altLang="ko-KR" dirty="0">
                 <a:latin typeface="+mn-ea"/>
               </a:rPr>
@@ -22320,17 +24157,8 @@
               <a:rPr lang="en-US" altLang="ko-KR" dirty="0">
                 <a:latin typeface="+mn-ea"/>
               </a:rPr>
-              <a:t>upstream-</a:t>
-            </a:r>
-            <a:r>
-              <a:rPr lang="en-US" altLang="ko-KR" dirty="0" err="1">
-                <a:latin typeface="+mn-ea"/>
-              </a:rPr>
-              <a:t>adress</a:t>
-            </a:r>
-            <a:endParaRPr lang="en-US" altLang="ko-KR" dirty="0">
-              <a:latin typeface="+mn-ea"/>
-            </a:endParaRPr>
+              <a:t>upstream-address</a:t>
+            </a:r>
           </a:p>
           <a:p>
             <a:pPr marL="533400" lvl="1" indent="-266700">
@@ -22539,10 +24367,16 @@
               <a:buAutoNum type="circleNumDbPlain"/>
             </a:pPr>
             <a:r>
+              <a:rPr lang="en-US" altLang="ko-KR" dirty="0">
+                <a:latin typeface="+mn-ea"/>
+              </a:rPr>
+              <a:t>Merge</a:t>
+            </a:r>
+            <a:r>
               <a:rPr lang="ko-KR" altLang="en-US" dirty="0">
                 <a:latin typeface="+mn-ea"/>
               </a:rPr>
-              <a:t>승인 후</a:t>
+              <a:t>된 후</a:t>
             </a:r>
             <a:r>
               <a:rPr lang="en-US" altLang="ko-KR" dirty="0">
@@ -22584,19 +24418,7 @@
               <a:rPr lang="en-US" altLang="ko-KR" dirty="0">
                 <a:latin typeface="+mn-ea"/>
               </a:rPr>
-              <a:t> ☞ git pull </a:t>
-            </a:r>
-            <a:r>
-              <a:rPr lang="en-US" altLang="ko-KR" dirty="0" err="1">
-                <a:latin typeface="+mn-ea"/>
-              </a:rPr>
-              <a:t>upsteam</a:t>
-            </a:r>
-            <a:r>
-              <a:rPr lang="en-US" altLang="ko-KR" dirty="0">
-                <a:latin typeface="+mn-ea"/>
-              </a:rPr>
-              <a:t> main</a:t>
+              <a:t> ☞ git pull upstream main</a:t>
             </a:r>
           </a:p>
           <a:p>
@@ -22731,7 +24553,300 @@
 </p:sld>
 </file>
 
-<file path=ppt/slides/slide34.xml><?xml version="1.0" encoding="utf-8"?>
+<file path=ppt/slides/slide36.xml><?xml version="1.0" encoding="utf-8"?>
+<p:sld xmlns:a="http://schemas.openxmlformats.org/drawingml/2006/main" xmlns:r="http://schemas.openxmlformats.org/officeDocument/2006/relationships" xmlns:p="http://schemas.openxmlformats.org/presentationml/2006/main">
+  <p:cSld>
+    <p:spTree>
+      <p:nvGrpSpPr>
+        <p:cNvPr id="1" name=""/>
+        <p:cNvGrpSpPr/>
+        <p:nvPr/>
+      </p:nvGrpSpPr>
+      <p:grpSpPr>
+        <a:xfrm>
+          <a:off x="0" y="0"/>
+          <a:ext cx="0" cy="0"/>
+          <a:chOff x="0" y="0"/>
+          <a:chExt cx="0" cy="0"/>
+        </a:xfrm>
+      </p:grpSpPr>
+      <p:sp>
+        <p:nvSpPr>
+          <p:cNvPr id="4" name="제목 3">
+            <a:extLst>
+              <a:ext uri="{FF2B5EF4-FFF2-40B4-BE49-F238E27FC236}">
+                <a16:creationId xmlns:a16="http://schemas.microsoft.com/office/drawing/2014/main" id="{F0CEB32B-CB43-4410-BA08-A97E4BC47FCB}"/>
+              </a:ext>
+            </a:extLst>
+          </p:cNvPr>
+          <p:cNvSpPr>
+            <a:spLocks noGrp="1"/>
+          </p:cNvSpPr>
+          <p:nvPr>
+            <p:ph type="title"/>
+          </p:nvPr>
+        </p:nvSpPr>
+        <p:spPr>
+          <a:xfrm>
+            <a:off x="539551" y="192300"/>
+            <a:ext cx="8244853" cy="576064"/>
+          </a:xfrm>
+        </p:spPr>
+        <p:txBody>
+          <a:bodyPr>
+            <a:normAutofit/>
+          </a:bodyPr>
+          <a:lstStyle/>
+          <a:p>
+            <a:r>
+              <a:rPr lang="ko-KR" altLang="en-US" dirty="0"/>
+              <a:t>오픈소스 참조</a:t>
+            </a:r>
+          </a:p>
+        </p:txBody>
+      </p:sp>
+      <p:sp>
+        <p:nvSpPr>
+          <p:cNvPr id="11" name="내용 개체 틀 2">
+            <a:extLst>
+              <a:ext uri="{FF2B5EF4-FFF2-40B4-BE49-F238E27FC236}">
+                <a16:creationId xmlns:a16="http://schemas.microsoft.com/office/drawing/2014/main" id="{A44AC902-3746-40D6-9827-94B46EEDDC67}"/>
+              </a:ext>
+            </a:extLst>
+          </p:cNvPr>
+          <p:cNvSpPr txBox="1">
+            <a:spLocks/>
+          </p:cNvSpPr>
+          <p:nvPr/>
+        </p:nvSpPr>
+        <p:spPr>
+          <a:xfrm>
+            <a:off x="341787" y="957257"/>
+            <a:ext cx="8642350" cy="5225829"/>
+          </a:xfrm>
+          <a:prstGeom prst="rect">
+            <a:avLst/>
+          </a:prstGeom>
+        </p:spPr>
+        <p:txBody>
+          <a:bodyPr vert="horz" lIns="91440" tIns="45720" rIns="91440" bIns="45720" rtlCol="0">
+            <a:noAutofit/>
+          </a:bodyPr>
+          <a:lstStyle>
+            <a:lvl1pPr marL="266700" indent="-266700" defTabSz="914400" latinLnBrk="1">
+              <a:lnSpc>
+                <a:spcPct val="150000"/>
+              </a:lnSpc>
+              <a:spcBef>
+                <a:spcPct val="0"/>
+              </a:spcBef>
+              <a:buClr>
+                <a:schemeClr val="tx1">
+                  <a:lumMod val="65000"/>
+                  <a:lumOff val="35000"/>
+                </a:schemeClr>
+              </a:buClr>
+              <a:buFont typeface="Wingdings" pitchFamily="2" charset="2"/>
+              <a:buChar char="n"/>
+              <a:defRPr sz="2000" b="1">
+                <a:latin typeface="+mn-ea"/>
+              </a:defRPr>
+            </a:lvl1pPr>
+            <a:lvl2pPr marL="447675" lvl="1" indent="-180975" defTabSz="914400" latinLnBrk="1">
+              <a:lnSpc>
+                <a:spcPct val="150000"/>
+              </a:lnSpc>
+              <a:spcBef>
+                <a:spcPts val="0"/>
+              </a:spcBef>
+              <a:spcAft>
+                <a:spcPts val="0"/>
+              </a:spcAft>
+              <a:buClr>
+                <a:schemeClr val="tx1">
+                  <a:lumMod val="50000"/>
+                  <a:lumOff val="50000"/>
+                </a:schemeClr>
+              </a:buClr>
+              <a:buFont typeface="Wingdings" pitchFamily="2" charset="2"/>
+              <a:buChar char="§"/>
+              <a:defRPr sz="1600"/>
+            </a:lvl2pPr>
+            <a:lvl3pPr marL="628650" indent="-180975" defTabSz="914400" latinLnBrk="1">
+              <a:lnSpc>
+                <a:spcPct val="150000"/>
+              </a:lnSpc>
+              <a:spcBef>
+                <a:spcPts val="500"/>
+              </a:spcBef>
+              <a:spcAft>
+                <a:spcPts val="300"/>
+              </a:spcAft>
+              <a:buClr>
+                <a:schemeClr val="tx1">
+                  <a:lumMod val="65000"/>
+                  <a:lumOff val="35000"/>
+                </a:schemeClr>
+              </a:buClr>
+              <a:buFont typeface="Arial" panose="020B0604020202020204" pitchFamily="34" charset="0"/>
+              <a:buChar char="•"/>
+              <a:defRPr sz="1400"/>
+            </a:lvl3pPr>
+            <a:lvl4pPr marL="809625" indent="-180975" defTabSz="914400" latinLnBrk="1">
+              <a:lnSpc>
+                <a:spcPct val="150000"/>
+              </a:lnSpc>
+              <a:spcBef>
+                <a:spcPts val="500"/>
+              </a:spcBef>
+              <a:spcAft>
+                <a:spcPts val="300"/>
+              </a:spcAft>
+              <a:buClr>
+                <a:schemeClr val="tx1">
+                  <a:lumMod val="65000"/>
+                  <a:lumOff val="35000"/>
+                </a:schemeClr>
+              </a:buClr>
+              <a:buSzPct val="96000"/>
+              <a:buFont typeface="Arial" panose="020B0604020202020204" pitchFamily="34" charset="0"/>
+              <a:buChar char="•"/>
+              <a:defRPr sz="1200"/>
+            </a:lvl4pPr>
+            <a:lvl5pPr marL="990600" indent="-180975" defTabSz="914400" latinLnBrk="1">
+              <a:lnSpc>
+                <a:spcPct val="150000"/>
+              </a:lnSpc>
+              <a:spcBef>
+                <a:spcPts val="500"/>
+              </a:spcBef>
+              <a:buClr>
+                <a:schemeClr val="tx1">
+                  <a:lumMod val="65000"/>
+                  <a:lumOff val="35000"/>
+                </a:schemeClr>
+              </a:buClr>
+              <a:buFont typeface="Arial" panose="020B0604020202020204" pitchFamily="34" charset="0"/>
+              <a:buChar char="•"/>
+              <a:defRPr sz="1000"/>
+            </a:lvl5pPr>
+            <a:lvl6pPr marL="2514600" indent="-228600" defTabSz="914400" latinLnBrk="1">
+              <a:lnSpc>
+                <a:spcPct val="90000"/>
+              </a:lnSpc>
+              <a:spcBef>
+                <a:spcPts val="500"/>
+              </a:spcBef>
+              <a:buFont typeface="Arial" panose="020B0604020202020204" pitchFamily="34" charset="0"/>
+              <a:buChar char="•"/>
+            </a:lvl6pPr>
+            <a:lvl7pPr marL="2971800" indent="-228600" defTabSz="914400" latinLnBrk="1">
+              <a:lnSpc>
+                <a:spcPct val="90000"/>
+              </a:lnSpc>
+              <a:spcBef>
+                <a:spcPts val="500"/>
+              </a:spcBef>
+              <a:buFont typeface="Arial" panose="020B0604020202020204" pitchFamily="34" charset="0"/>
+              <a:buChar char="•"/>
+            </a:lvl7pPr>
+            <a:lvl8pPr marL="3429000" indent="-228600" defTabSz="914400" latinLnBrk="1">
+              <a:lnSpc>
+                <a:spcPct val="90000"/>
+              </a:lnSpc>
+              <a:spcBef>
+                <a:spcPts val="500"/>
+              </a:spcBef>
+              <a:buFont typeface="Arial" panose="020B0604020202020204" pitchFamily="34" charset="0"/>
+              <a:buChar char="•"/>
+            </a:lvl8pPr>
+            <a:lvl9pPr marL="3886200" indent="-228600" defTabSz="914400" latinLnBrk="1">
+              <a:lnSpc>
+                <a:spcPct val="90000"/>
+              </a:lnSpc>
+              <a:spcBef>
+                <a:spcPts val="500"/>
+              </a:spcBef>
+              <a:buFont typeface="Arial" panose="020B0604020202020204" pitchFamily="34" charset="0"/>
+              <a:buChar char="•"/>
+            </a:lvl9pPr>
+          </a:lstStyle>
+          <a:p>
+            <a:r>
+              <a:rPr lang="ko-KR" altLang="en-US" dirty="0"/>
+              <a:t>오픈소스 소개</a:t>
+            </a:r>
+            <a:endParaRPr lang="en-US" altLang="ko-KR" dirty="0"/>
+          </a:p>
+          <a:p>
+            <a:pPr marL="0" indent="0">
+              <a:buNone/>
+            </a:pPr>
+            <a:r>
+              <a:rPr lang="en-US" altLang="ko-KR" sz="1800" b="0" dirty="0">
+                <a:latin typeface="+mn-ea"/>
+              </a:rPr>
+              <a:t>  </a:t>
+            </a:r>
+            <a:r>
+              <a:rPr lang="ko-KR" altLang="en-US" sz="1800" b="0" dirty="0">
+                <a:latin typeface="+mn-ea"/>
+              </a:rPr>
+              <a:t>네이버 오픈소스 가이드 </a:t>
+            </a:r>
+            <a:r>
+              <a:rPr lang="en-US" altLang="ko-KR" sz="1800" b="0" dirty="0">
+                <a:latin typeface="+mn-ea"/>
+              </a:rPr>
+              <a:t>:     </a:t>
+            </a:r>
+          </a:p>
+          <a:p>
+            <a:pPr marL="0" indent="0">
+              <a:buNone/>
+            </a:pPr>
+            <a:r>
+              <a:rPr lang="en-US" altLang="ko-KR" sz="1800" b="0" dirty="0">
+                <a:hlinkClick r:id="rId3"/>
+              </a:rPr>
+              <a:t>  </a:t>
+            </a:r>
+            <a:r>
+              <a:rPr lang="en-US" altLang="ko-KR" sz="1800" b="0" dirty="0">
+                <a:latin typeface="+mn-ea"/>
+                <a:hlinkClick r:id="rId3"/>
+              </a:rPr>
+              <a:t>https://naver.github.io/OpenSourceGuide/book/</a:t>
+            </a:r>
+            <a:endParaRPr lang="en-US" altLang="ko-KR" sz="1800" b="0" dirty="0">
+              <a:latin typeface="+mn-ea"/>
+            </a:endParaRPr>
+          </a:p>
+          <a:p>
+            <a:pPr marL="533400" lvl="1" indent="-266700">
+              <a:buFont typeface="+mj-ea"/>
+              <a:buAutoNum type="circleNumDbPlain"/>
+            </a:pPr>
+            <a:endParaRPr lang="en-US" altLang="ko-KR" dirty="0">
+              <a:latin typeface="+mn-ea"/>
+            </a:endParaRPr>
+          </a:p>
+        </p:txBody>
+      </p:sp>
+    </p:spTree>
+    <p:extLst>
+      <p:ext uri="{BB962C8B-B14F-4D97-AF65-F5344CB8AC3E}">
+        <p14:creationId xmlns:p14="http://schemas.microsoft.com/office/powerpoint/2010/main" val="643486013"/>
+      </p:ext>
+    </p:extLst>
+  </p:cSld>
+  <p:clrMapOvr>
+    <a:masterClrMapping/>
+  </p:clrMapOvr>
+</p:sld>
+</file>
+
+<file path=ppt/slides/slide37.xml><?xml version="1.0" encoding="utf-8"?>
 <p:sld xmlns:a="http://schemas.openxmlformats.org/drawingml/2006/main" xmlns:r="http://schemas.openxmlformats.org/officeDocument/2006/relationships" xmlns:p="http://schemas.openxmlformats.org/presentationml/2006/main">
   <p:cSld>
     <p:spTree>
@@ -23492,299 +25607,6 @@
 </p:sld>
 </file>
 
-<file path=ppt/slides/slide35.xml><?xml version="1.0" encoding="utf-8"?>
-<p:sld xmlns:a="http://schemas.openxmlformats.org/drawingml/2006/main" xmlns:r="http://schemas.openxmlformats.org/officeDocument/2006/relationships" xmlns:p="http://schemas.openxmlformats.org/presentationml/2006/main">
-  <p:cSld>
-    <p:spTree>
-      <p:nvGrpSpPr>
-        <p:cNvPr id="1" name=""/>
-        <p:cNvGrpSpPr/>
-        <p:nvPr/>
-      </p:nvGrpSpPr>
-      <p:grpSpPr>
-        <a:xfrm>
-          <a:off x="0" y="0"/>
-          <a:ext cx="0" cy="0"/>
-          <a:chOff x="0" y="0"/>
-          <a:chExt cx="0" cy="0"/>
-        </a:xfrm>
-      </p:grpSpPr>
-      <p:sp>
-        <p:nvSpPr>
-          <p:cNvPr id="4" name="제목 3">
-            <a:extLst>
-              <a:ext uri="{FF2B5EF4-FFF2-40B4-BE49-F238E27FC236}">
-                <a16:creationId xmlns:a16="http://schemas.microsoft.com/office/drawing/2014/main" id="{F0CEB32B-CB43-4410-BA08-A97E4BC47FCB}"/>
-              </a:ext>
-            </a:extLst>
-          </p:cNvPr>
-          <p:cNvSpPr>
-            <a:spLocks noGrp="1"/>
-          </p:cNvSpPr>
-          <p:nvPr>
-            <p:ph type="title"/>
-          </p:nvPr>
-        </p:nvSpPr>
-        <p:spPr>
-          <a:xfrm>
-            <a:off x="539551" y="192300"/>
-            <a:ext cx="8244853" cy="576064"/>
-          </a:xfrm>
-        </p:spPr>
-        <p:txBody>
-          <a:bodyPr>
-            <a:normAutofit/>
-          </a:bodyPr>
-          <a:lstStyle/>
-          <a:p>
-            <a:r>
-              <a:rPr lang="ko-KR" altLang="en-US" dirty="0"/>
-              <a:t>오픈소스 참조</a:t>
-            </a:r>
-          </a:p>
-        </p:txBody>
-      </p:sp>
-      <p:sp>
-        <p:nvSpPr>
-          <p:cNvPr id="11" name="내용 개체 틀 2">
-            <a:extLst>
-              <a:ext uri="{FF2B5EF4-FFF2-40B4-BE49-F238E27FC236}">
-                <a16:creationId xmlns:a16="http://schemas.microsoft.com/office/drawing/2014/main" id="{A44AC902-3746-40D6-9827-94B46EEDDC67}"/>
-              </a:ext>
-            </a:extLst>
-          </p:cNvPr>
-          <p:cNvSpPr txBox="1">
-            <a:spLocks/>
-          </p:cNvSpPr>
-          <p:nvPr/>
-        </p:nvSpPr>
-        <p:spPr>
-          <a:xfrm>
-            <a:off x="341787" y="957257"/>
-            <a:ext cx="8642350" cy="5225829"/>
-          </a:xfrm>
-          <a:prstGeom prst="rect">
-            <a:avLst/>
-          </a:prstGeom>
-        </p:spPr>
-        <p:txBody>
-          <a:bodyPr vert="horz" lIns="91440" tIns="45720" rIns="91440" bIns="45720" rtlCol="0">
-            <a:noAutofit/>
-          </a:bodyPr>
-          <a:lstStyle>
-            <a:lvl1pPr marL="266700" indent="-266700" defTabSz="914400" latinLnBrk="1">
-              <a:lnSpc>
-                <a:spcPct val="150000"/>
-              </a:lnSpc>
-              <a:spcBef>
-                <a:spcPct val="0"/>
-              </a:spcBef>
-              <a:buClr>
-                <a:schemeClr val="tx1">
-                  <a:lumMod val="65000"/>
-                  <a:lumOff val="35000"/>
-                </a:schemeClr>
-              </a:buClr>
-              <a:buFont typeface="Wingdings" pitchFamily="2" charset="2"/>
-              <a:buChar char="n"/>
-              <a:defRPr sz="2000" b="1">
-                <a:latin typeface="+mn-ea"/>
-              </a:defRPr>
-            </a:lvl1pPr>
-            <a:lvl2pPr marL="447675" lvl="1" indent="-180975" defTabSz="914400" latinLnBrk="1">
-              <a:lnSpc>
-                <a:spcPct val="150000"/>
-              </a:lnSpc>
-              <a:spcBef>
-                <a:spcPts val="0"/>
-              </a:spcBef>
-              <a:spcAft>
-                <a:spcPts val="0"/>
-              </a:spcAft>
-              <a:buClr>
-                <a:schemeClr val="tx1">
-                  <a:lumMod val="50000"/>
-                  <a:lumOff val="50000"/>
-                </a:schemeClr>
-              </a:buClr>
-              <a:buFont typeface="Wingdings" pitchFamily="2" charset="2"/>
-              <a:buChar char="§"/>
-              <a:defRPr sz="1600"/>
-            </a:lvl2pPr>
-            <a:lvl3pPr marL="628650" indent="-180975" defTabSz="914400" latinLnBrk="1">
-              <a:lnSpc>
-                <a:spcPct val="150000"/>
-              </a:lnSpc>
-              <a:spcBef>
-                <a:spcPts val="500"/>
-              </a:spcBef>
-              <a:spcAft>
-                <a:spcPts val="300"/>
-              </a:spcAft>
-              <a:buClr>
-                <a:schemeClr val="tx1">
-                  <a:lumMod val="65000"/>
-                  <a:lumOff val="35000"/>
-                </a:schemeClr>
-              </a:buClr>
-              <a:buFont typeface="Arial" panose="020B0604020202020204" pitchFamily="34" charset="0"/>
-              <a:buChar char="•"/>
-              <a:defRPr sz="1400"/>
-            </a:lvl3pPr>
-            <a:lvl4pPr marL="809625" indent="-180975" defTabSz="914400" latinLnBrk="1">
-              <a:lnSpc>
-                <a:spcPct val="150000"/>
-              </a:lnSpc>
-              <a:spcBef>
-                <a:spcPts val="500"/>
-              </a:spcBef>
-              <a:spcAft>
-                <a:spcPts val="300"/>
-              </a:spcAft>
-              <a:buClr>
-                <a:schemeClr val="tx1">
-                  <a:lumMod val="65000"/>
-                  <a:lumOff val="35000"/>
-                </a:schemeClr>
-              </a:buClr>
-              <a:buSzPct val="96000"/>
-              <a:buFont typeface="Arial" panose="020B0604020202020204" pitchFamily="34" charset="0"/>
-              <a:buChar char="•"/>
-              <a:defRPr sz="1200"/>
-            </a:lvl4pPr>
-            <a:lvl5pPr marL="990600" indent="-180975" defTabSz="914400" latinLnBrk="1">
-              <a:lnSpc>
-                <a:spcPct val="150000"/>
-              </a:lnSpc>
-              <a:spcBef>
-                <a:spcPts val="500"/>
-              </a:spcBef>
-              <a:buClr>
-                <a:schemeClr val="tx1">
-                  <a:lumMod val="65000"/>
-                  <a:lumOff val="35000"/>
-                </a:schemeClr>
-              </a:buClr>
-              <a:buFont typeface="Arial" panose="020B0604020202020204" pitchFamily="34" charset="0"/>
-              <a:buChar char="•"/>
-              <a:defRPr sz="1000"/>
-            </a:lvl5pPr>
-            <a:lvl6pPr marL="2514600" indent="-228600" defTabSz="914400" latinLnBrk="1">
-              <a:lnSpc>
-                <a:spcPct val="90000"/>
-              </a:lnSpc>
-              <a:spcBef>
-                <a:spcPts val="500"/>
-              </a:spcBef>
-              <a:buFont typeface="Arial" panose="020B0604020202020204" pitchFamily="34" charset="0"/>
-              <a:buChar char="•"/>
-            </a:lvl6pPr>
-            <a:lvl7pPr marL="2971800" indent="-228600" defTabSz="914400" latinLnBrk="1">
-              <a:lnSpc>
-                <a:spcPct val="90000"/>
-              </a:lnSpc>
-              <a:spcBef>
-                <a:spcPts val="500"/>
-              </a:spcBef>
-              <a:buFont typeface="Arial" panose="020B0604020202020204" pitchFamily="34" charset="0"/>
-              <a:buChar char="•"/>
-            </a:lvl7pPr>
-            <a:lvl8pPr marL="3429000" indent="-228600" defTabSz="914400" latinLnBrk="1">
-              <a:lnSpc>
-                <a:spcPct val="90000"/>
-              </a:lnSpc>
-              <a:spcBef>
-                <a:spcPts val="500"/>
-              </a:spcBef>
-              <a:buFont typeface="Arial" panose="020B0604020202020204" pitchFamily="34" charset="0"/>
-              <a:buChar char="•"/>
-            </a:lvl8pPr>
-            <a:lvl9pPr marL="3886200" indent="-228600" defTabSz="914400" latinLnBrk="1">
-              <a:lnSpc>
-                <a:spcPct val="90000"/>
-              </a:lnSpc>
-              <a:spcBef>
-                <a:spcPts val="500"/>
-              </a:spcBef>
-              <a:buFont typeface="Arial" panose="020B0604020202020204" pitchFamily="34" charset="0"/>
-              <a:buChar char="•"/>
-            </a:lvl9pPr>
-          </a:lstStyle>
-          <a:p>
-            <a:r>
-              <a:rPr lang="ko-KR" altLang="en-US" dirty="0"/>
-              <a:t>오픈소스 소개</a:t>
-            </a:r>
-            <a:endParaRPr lang="en-US" altLang="ko-KR" dirty="0"/>
-          </a:p>
-          <a:p>
-            <a:pPr marL="0" indent="0">
-              <a:buNone/>
-            </a:pPr>
-            <a:r>
-              <a:rPr lang="en-US" altLang="ko-KR" sz="1800" b="0" dirty="0">
-                <a:latin typeface="+mn-ea"/>
-              </a:rPr>
-              <a:t>  </a:t>
-            </a:r>
-            <a:r>
-              <a:rPr lang="ko-KR" altLang="en-US" sz="1800" b="0" dirty="0">
-                <a:latin typeface="+mn-ea"/>
-              </a:rPr>
-              <a:t>네이버 오픈소스 가이드 </a:t>
-            </a:r>
-            <a:r>
-              <a:rPr lang="en-US" altLang="ko-KR" sz="1800" b="0" dirty="0">
-                <a:latin typeface="+mn-ea"/>
-              </a:rPr>
-              <a:t>:     </a:t>
-            </a:r>
-          </a:p>
-          <a:p>
-            <a:pPr marL="0" indent="0">
-              <a:buNone/>
-            </a:pPr>
-            <a:r>
-              <a:rPr lang="en-US" altLang="ko-KR" sz="1800" b="0" dirty="0">
-                <a:hlinkClick r:id="rId3"/>
-              </a:rPr>
-              <a:t>  </a:t>
-            </a:r>
-            <a:r>
-              <a:rPr lang="en-US" altLang="ko-KR" sz="1800" b="0" dirty="0">
-                <a:latin typeface="+mn-ea"/>
-                <a:hlinkClick r:id="rId3"/>
-              </a:rPr>
-              <a:t>https://naver.github.io/OpenSourceGuide/book/</a:t>
-            </a:r>
-            <a:endParaRPr lang="en-US" altLang="ko-KR" sz="1800" b="0" dirty="0">
-              <a:latin typeface="+mn-ea"/>
-            </a:endParaRPr>
-          </a:p>
-          <a:p>
-            <a:pPr marL="533400" lvl="1" indent="-266700">
-              <a:buFont typeface="+mj-ea"/>
-              <a:buAutoNum type="circleNumDbPlain"/>
-            </a:pPr>
-            <a:endParaRPr lang="en-US" altLang="ko-KR" dirty="0">
-              <a:latin typeface="+mn-ea"/>
-            </a:endParaRPr>
-          </a:p>
-        </p:txBody>
-      </p:sp>
-    </p:spTree>
-    <p:extLst>
-      <p:ext uri="{BB962C8B-B14F-4D97-AF65-F5344CB8AC3E}">
-        <p14:creationId xmlns:p14="http://schemas.microsoft.com/office/powerpoint/2010/main" val="643486013"/>
-      </p:ext>
-    </p:extLst>
-  </p:cSld>
-  <p:clrMapOvr>
-    <a:masterClrMapping/>
-  </p:clrMapOvr>
-</p:sld>
-</file>
-
 <file path=ppt/slides/slide4.xml><?xml version="1.0" encoding="utf-8"?>
 <p:sld xmlns:a="http://schemas.openxmlformats.org/drawingml/2006/main" xmlns:r="http://schemas.openxmlformats.org/officeDocument/2006/relationships" xmlns:p="http://schemas.openxmlformats.org/presentationml/2006/main">
   <p:cSld>
@@ -23804,10 +25626,10 @@
       </p:grpSpPr>
       <p:pic>
         <p:nvPicPr>
-          <p:cNvPr id="3" name="그림 2">
+          <p:cNvPr id="4" name="그림 3">
             <a:extLst>
               <a:ext uri="{FF2B5EF4-FFF2-40B4-BE49-F238E27FC236}">
-                <a16:creationId xmlns:a16="http://schemas.microsoft.com/office/drawing/2014/main" id="{F1B0DE97-0095-4907-9BDD-4CABC915FCEF}"/>
+                <a16:creationId xmlns:a16="http://schemas.microsoft.com/office/drawing/2014/main" id="{F0F774BD-1722-4265-93E0-0A78341E747C}"/>
               </a:ext>
             </a:extLst>
           </p:cNvPr>
@@ -23824,8 +25646,8 @@
         </p:blipFill>
         <p:spPr>
           <a:xfrm>
-            <a:off x="974539" y="2065581"/>
-            <a:ext cx="7376845" cy="2415729"/>
+            <a:off x="708964" y="2030212"/>
+            <a:ext cx="7931558" cy="2782727"/>
           </a:xfrm>
           <a:prstGeom prst="rect">
             <a:avLst/>
@@ -24001,7 +25823,15 @@
           <a:p>
             <a:r>
               <a:rPr lang="ko-KR" altLang="en-US" dirty="0"/>
-              <a:t>남의 원격저장소를 나의 원격저장소로 복제하기</a:t>
+              <a:t>남의 원격저장소</a:t>
+            </a:r>
+            <a:r>
+              <a:rPr lang="en-US" altLang="ko-KR" dirty="0"/>
+              <a:t>(upstream)</a:t>
+            </a:r>
+            <a:r>
+              <a:rPr lang="ko-KR" altLang="en-US" dirty="0"/>
+              <a:t>를 나의 원격저장소로 복제하기</a:t>
             </a:r>
             <a:r>
               <a:rPr lang="en-US" altLang="ko-KR" dirty="0"/>
@@ -24026,7 +25856,7 @@
               <a:rPr lang="en-US" altLang="ko-KR" dirty="0" err="1">
                 <a:latin typeface="+mn-ea"/>
               </a:rPr>
-              <a:t>fork_sample</a:t>
+              <a:t>daniel-hw</a:t>
             </a:r>
             <a:r>
               <a:rPr lang="en-US" altLang="ko-KR" dirty="0">
@@ -24064,6 +25894,14 @@
           </a:p>
           <a:p>
             <a:pPr lvl="1"/>
+            <a:endParaRPr lang="en-US" altLang="ko-KR" dirty="0">
+              <a:latin typeface="+mn-ea"/>
+            </a:endParaRPr>
+          </a:p>
+          <a:p>
+            <a:pPr marL="266700" lvl="1" indent="0">
+              <a:buNone/>
+            </a:pPr>
             <a:endParaRPr lang="en-US" altLang="ko-KR" dirty="0">
               <a:latin typeface="+mn-ea"/>
             </a:endParaRPr>
@@ -24149,7 +25987,7 @@
         </p:nvSpPr>
         <p:spPr>
           <a:xfrm>
-            <a:off x="7459041" y="2528458"/>
+            <a:off x="7767798" y="2599708"/>
             <a:ext cx="508010" cy="213023"/>
           </a:xfrm>
           <a:prstGeom prst="rect">
@@ -24204,7 +26042,7 @@
         </p:nvSpPr>
         <p:spPr>
           <a:xfrm>
-            <a:off x="1212442" y="2542976"/>
+            <a:off x="1081817" y="2602351"/>
             <a:ext cx="1592403" cy="229994"/>
           </a:xfrm>
           <a:prstGeom prst="rect">
@@ -24261,8 +26099,8 @@
         </p:nvCxnSpPr>
         <p:spPr>
           <a:xfrm flipV="1">
-            <a:off x="1890445" y="2700385"/>
-            <a:ext cx="5568596" cy="2112554"/>
+            <a:off x="1787702" y="2832345"/>
+            <a:ext cx="5980096" cy="2266884"/>
           </a:xfrm>
           <a:prstGeom prst="straightConnector1">
             <a:avLst/>
@@ -24362,7 +26200,13 @@
       </p:grpSpPr>
       <p:pic>
         <p:nvPicPr>
-          <p:cNvPr id="2" name="그림 1"/>
+          <p:cNvPr id="5" name="그림 4">
+            <a:extLst>
+              <a:ext uri="{FF2B5EF4-FFF2-40B4-BE49-F238E27FC236}">
+                <a16:creationId xmlns:a16="http://schemas.microsoft.com/office/drawing/2014/main" id="{DDFDDC6A-1BA6-4D27-A7F2-18564CE3B5C4}"/>
+              </a:ext>
+            </a:extLst>
+          </p:cNvPr>
           <p:cNvPicPr>
             <a:picLocks noChangeAspect="1"/>
           </p:cNvPicPr>
@@ -24376,8 +26220,8 @@
         </p:blipFill>
         <p:spPr>
           <a:xfrm>
-            <a:off x="1007951" y="2176796"/>
-            <a:ext cx="6871246" cy="2891939"/>
+            <a:off x="926009" y="2088786"/>
+            <a:ext cx="7244891" cy="3221571"/>
           </a:xfrm>
           <a:prstGeom prst="rect">
             <a:avLst/>
@@ -24553,7 +26397,15 @@
           <a:p>
             <a:r>
               <a:rPr lang="ko-KR" altLang="en-US" dirty="0"/>
-              <a:t>남의 원격저장소를 나의 원격저장소로 복제하기</a:t>
+              <a:t>남의 원격저장소</a:t>
+            </a:r>
+            <a:r>
+              <a:rPr lang="en-US" altLang="ko-KR" dirty="0"/>
+              <a:t>(upstream)</a:t>
+            </a:r>
+            <a:r>
+              <a:rPr lang="ko-KR" altLang="en-US" dirty="0"/>
+              <a:t>를 나의 원격저장소로 복제하기</a:t>
             </a:r>
             <a:r>
               <a:rPr lang="en-US" altLang="ko-KR" dirty="0"/>
@@ -24660,7 +26512,7 @@
               <a:rPr lang="en-US" altLang="ko-KR" dirty="0" err="1">
                 <a:latin typeface="+mn-ea"/>
               </a:rPr>
-              <a:t>MaStotest</a:t>
+              <a:t>MaStoTest</a:t>
             </a:r>
             <a:r>
               <a:rPr lang="en-US" altLang="ko-KR" dirty="0">
@@ -24678,7 +26530,7 @@
               <a:rPr lang="en-US" altLang="ko-KR" dirty="0" err="1">
                 <a:latin typeface="+mn-ea"/>
               </a:rPr>
-              <a:t>fork_sample</a:t>
+              <a:t>daniel-hw</a:t>
             </a:r>
             <a:r>
               <a:rPr lang="ko-KR" altLang="en-US" dirty="0">
@@ -24706,7 +26558,7 @@
         </p:nvSpPr>
         <p:spPr>
           <a:xfrm>
-            <a:off x="1105798" y="2240451"/>
+            <a:off x="1105798" y="2145451"/>
             <a:ext cx="2005086" cy="404464"/>
           </a:xfrm>
           <a:prstGeom prst="rect">
@@ -24808,7 +26660,7 @@
         </p:nvSpPr>
         <p:spPr>
           <a:xfrm>
-            <a:off x="3526176" y="3764508"/>
+            <a:off x="3585551" y="3764508"/>
             <a:ext cx="2044558" cy="926205"/>
           </a:xfrm>
           <a:prstGeom prst="rect">
@@ -24934,6 +26786,101 @@
           </a:p>
         </p:txBody>
       </p:sp>
+      <p:sp>
+        <p:nvSpPr>
+          <p:cNvPr id="3" name="TextBox 2">
+            <a:extLst>
+              <a:ext uri="{FF2B5EF4-FFF2-40B4-BE49-F238E27FC236}">
+                <a16:creationId xmlns:a16="http://schemas.microsoft.com/office/drawing/2014/main" id="{2A3598C1-D3C5-40FC-A1A3-E5BC5B8FA189}"/>
+              </a:ext>
+            </a:extLst>
+          </p:cNvPr>
+          <p:cNvSpPr txBox="1"/>
+          <p:nvPr/>
+        </p:nvSpPr>
+        <p:spPr>
+          <a:xfrm>
+            <a:off x="647420" y="5489199"/>
+            <a:ext cx="4815293" cy="307777"/>
+          </a:xfrm>
+          <a:prstGeom prst="rect">
+            <a:avLst/>
+          </a:prstGeom>
+          <a:noFill/>
+        </p:spPr>
+        <p:txBody>
+          <a:bodyPr wrap="none" rtlCol="0">
+            <a:spAutoFit/>
+          </a:bodyPr>
+          <a:lstStyle/>
+          <a:p>
+            <a:r>
+              <a:rPr lang="en-US" altLang="ko-KR" sz="1400" dirty="0">
+                <a:latin typeface="맑은 고딕" panose="020B0503020000020004" pitchFamily="50" charset="-127"/>
+                <a:ea typeface="맑은 고딕" panose="020B0503020000020004" pitchFamily="50" charset="-127"/>
+              </a:rPr>
+              <a:t>※ </a:t>
+            </a:r>
+            <a:r>
+              <a:rPr lang="en-US" altLang="ko-KR" sz="1400" dirty="0" err="1"/>
+              <a:t>MaStoTest</a:t>
+            </a:r>
+            <a:r>
+              <a:rPr lang="ko-KR" altLang="en-US" sz="1400" dirty="0"/>
+              <a:t>를 수강생 본인의 계정이라고 생각하면 됩니다</a:t>
+            </a:r>
+            <a:r>
+              <a:rPr lang="en-US" altLang="ko-KR" sz="1400" dirty="0"/>
+              <a:t>.</a:t>
+            </a:r>
+            <a:endParaRPr lang="ko-KR" altLang="en-US" sz="1400" dirty="0"/>
+          </a:p>
+        </p:txBody>
+      </p:sp>
+      <p:cxnSp>
+        <p:nvCxnSpPr>
+          <p:cNvPr id="10" name="직선 화살표 연결선 9">
+            <a:extLst>
+              <a:ext uri="{FF2B5EF4-FFF2-40B4-BE49-F238E27FC236}">
+                <a16:creationId xmlns:a16="http://schemas.microsoft.com/office/drawing/2014/main" id="{7CE731B2-11B8-43DC-8DDB-453456058462}"/>
+              </a:ext>
+            </a:extLst>
+          </p:cNvPr>
+          <p:cNvCxnSpPr>
+            <a:cxnSpLocks/>
+          </p:cNvCxnSpPr>
+          <p:nvPr/>
+        </p:nvCxnSpPr>
+        <p:spPr>
+          <a:xfrm flipH="1">
+            <a:off x="1646891" y="5267858"/>
+            <a:ext cx="461451" cy="221341"/>
+          </a:xfrm>
+          <a:prstGeom prst="straightConnector1">
+            <a:avLst/>
+          </a:prstGeom>
+          <a:ln w="25400">
+            <a:solidFill>
+              <a:srgbClr val="126C0E"/>
+            </a:solidFill>
+            <a:tailEnd type="triangle"/>
+          </a:ln>
+        </p:spPr>
+        <p:style>
+          <a:lnRef idx="1">
+            <a:schemeClr val="accent1"/>
+          </a:lnRef>
+          <a:fillRef idx="0">
+            <a:schemeClr val="accent1"/>
+          </a:fillRef>
+          <a:effectRef idx="0">
+            <a:schemeClr val="accent1"/>
+          </a:effectRef>
+          <a:fontRef idx="minor">
+            <a:schemeClr val="tx1"/>
+          </a:fontRef>
+        </p:style>
+      </p:cxnSp>
     </p:spTree>
     <p:extLst>
       <p:ext uri="{BB962C8B-B14F-4D97-AF65-F5344CB8AC3E}">
@@ -24966,7 +26913,13 @@
       </p:grpSpPr>
       <p:pic>
         <p:nvPicPr>
-          <p:cNvPr id="6" name="그림 5"/>
+          <p:cNvPr id="3" name="그림 2">
+            <a:extLst>
+              <a:ext uri="{FF2B5EF4-FFF2-40B4-BE49-F238E27FC236}">
+                <a16:creationId xmlns:a16="http://schemas.microsoft.com/office/drawing/2014/main" id="{2A0A3AE5-D682-4D78-B001-B02DC04B27C7}"/>
+              </a:ext>
+            </a:extLst>
+          </p:cNvPr>
           <p:cNvPicPr>
             <a:picLocks noChangeAspect="1"/>
           </p:cNvPicPr>
@@ -24980,8 +26933,8 @@
         </p:blipFill>
         <p:spPr>
           <a:xfrm>
-            <a:off x="457019" y="2064257"/>
-            <a:ext cx="8025977" cy="3913163"/>
+            <a:off x="571312" y="2055540"/>
+            <a:ext cx="8143875" cy="4171950"/>
           </a:xfrm>
           <a:prstGeom prst="rect">
             <a:avLst/>
@@ -25157,7 +27110,15 @@
           <a:p>
             <a:r>
               <a:rPr lang="ko-KR" altLang="en-US" dirty="0"/>
-              <a:t>남의 원격저장소를 나의 원격저장소로 복제하기</a:t>
+              <a:t>남의 원격저장소</a:t>
+            </a:r>
+            <a:r>
+              <a:rPr lang="en-US" altLang="ko-KR" dirty="0"/>
+              <a:t>(upstream)</a:t>
+            </a:r>
+            <a:r>
+              <a:rPr lang="ko-KR" altLang="en-US" dirty="0"/>
+              <a:t>를 나의 원격저장소로 복제하기</a:t>
             </a:r>
             <a:r>
               <a:rPr lang="en-US" altLang="ko-KR" dirty="0"/>
@@ -25242,8 +27203,8 @@
         </p:nvSpPr>
         <p:spPr>
           <a:xfrm>
-            <a:off x="694839" y="2747161"/>
-            <a:ext cx="2242424" cy="210919"/>
+            <a:off x="789839" y="2711536"/>
+            <a:ext cx="2242424" cy="292920"/>
           </a:xfrm>
           <a:prstGeom prst="rect">
             <a:avLst/>
@@ -25291,7 +27252,7 @@
         </p:nvCxnSpPr>
         <p:spPr>
           <a:xfrm>
-            <a:off x="717989" y="3171887"/>
+            <a:off x="812989" y="3207512"/>
             <a:ext cx="1643246" cy="0"/>
           </a:xfrm>
           <a:prstGeom prst="line">
@@ -25332,7 +27293,7 @@
         </p:nvSpPr>
         <p:spPr>
           <a:xfrm>
-            <a:off x="586029" y="2092806"/>
+            <a:off x="681029" y="2092806"/>
             <a:ext cx="501992" cy="440548"/>
           </a:xfrm>
           <a:prstGeom prst="rect">
@@ -25381,7 +27342,7 @@
         </p:nvSpPr>
         <p:spPr>
           <a:xfrm>
-            <a:off x="29081" y="2174580"/>
+            <a:off x="124081" y="2174580"/>
             <a:ext cx="492443" cy="276999"/>
           </a:xfrm>
           <a:prstGeom prst="rect">
@@ -25436,6 +27397,36 @@
           <a:chExt cx="0" cy="0"/>
         </a:xfrm>
       </p:grpSpPr>
+      <p:pic>
+        <p:nvPicPr>
+          <p:cNvPr id="5" name="그림 4">
+            <a:extLst>
+              <a:ext uri="{FF2B5EF4-FFF2-40B4-BE49-F238E27FC236}">
+                <a16:creationId xmlns:a16="http://schemas.microsoft.com/office/drawing/2014/main" id="{FAF5106A-7E2A-41BC-B398-221FE71823DB}"/>
+              </a:ext>
+            </a:extLst>
+          </p:cNvPr>
+          <p:cNvPicPr>
+            <a:picLocks noChangeAspect="1"/>
+          </p:cNvPicPr>
+          <p:nvPr/>
+        </p:nvPicPr>
+        <p:blipFill>
+          <a:blip r:embed="rId3"/>
+          <a:stretch>
+            <a:fillRect/>
+          </a:stretch>
+        </p:blipFill>
+        <p:spPr>
+          <a:xfrm>
+            <a:off x="912532" y="2046455"/>
+            <a:ext cx="7038975" cy="3714750"/>
+          </a:xfrm>
+          <a:prstGeom prst="rect">
+            <a:avLst/>
+          </a:prstGeom>
+        </p:spPr>
+      </p:pic>
       <p:sp>
         <p:nvSpPr>
           <p:cNvPr id="7" name="내용 개체 틀 2">
@@ -25605,7 +27596,15 @@
           <a:p>
             <a:r>
               <a:rPr lang="ko-KR" altLang="en-US" dirty="0"/>
-              <a:t>남의 원격저장소를 나의 원격저장소로 복제하기</a:t>
+              <a:t>남의 원격저장소</a:t>
+            </a:r>
+            <a:r>
+              <a:rPr lang="en-US" altLang="ko-KR" dirty="0"/>
+              <a:t>(upstream)</a:t>
+            </a:r>
+            <a:r>
+              <a:rPr lang="ko-KR" altLang="en-US" dirty="0"/>
+              <a:t>를 나의 원격저장소로 복제하기</a:t>
             </a:r>
             <a:r>
               <a:rPr lang="en-US" altLang="ko-KR" dirty="0"/>
@@ -25712,30 +27711,6 @@
           </a:p>
         </p:txBody>
       </p:sp>
-      <p:pic>
-        <p:nvPicPr>
-          <p:cNvPr id="3" name="그림 2"/>
-          <p:cNvPicPr>
-            <a:picLocks noChangeAspect="1"/>
-          </p:cNvPicPr>
-          <p:nvPr/>
-        </p:nvPicPr>
-        <p:blipFill>
-          <a:blip r:embed="rId3"/>
-          <a:stretch>
-            <a:fillRect/>
-          </a:stretch>
-        </p:blipFill>
-        <p:spPr>
-          <a:xfrm>
-            <a:off x="694479" y="1942799"/>
-            <a:ext cx="7703555" cy="3651798"/>
-          </a:xfrm>
-          <a:prstGeom prst="rect">
-            <a:avLst/>
-          </a:prstGeom>
-        </p:spPr>
-      </p:pic>
       <p:sp>
         <p:nvSpPr>
           <p:cNvPr id="9" name="직사각형 8">
@@ -25750,7 +27725,7 @@
         </p:nvSpPr>
         <p:spPr>
           <a:xfrm>
-            <a:off x="1180618" y="3577535"/>
+            <a:off x="1228118" y="4058469"/>
             <a:ext cx="1506077" cy="253685"/>
           </a:xfrm>
           <a:prstGeom prst="rect">
@@ -25799,7 +27774,7 @@
         </p:nvSpPr>
         <p:spPr>
           <a:xfrm>
-            <a:off x="868103" y="3531235"/>
+            <a:off x="903426" y="4034840"/>
             <a:ext cx="300942" cy="300942"/>
           </a:xfrm>
           <a:prstGeom prst="ellipse">
@@ -25837,6 +27812,162 @@
           </a:p>
         </p:txBody>
       </p:sp>
+      <p:sp>
+        <p:nvSpPr>
+          <p:cNvPr id="10" name="직사각형 9">
+            <a:extLst>
+              <a:ext uri="{FF2B5EF4-FFF2-40B4-BE49-F238E27FC236}">
+                <a16:creationId xmlns:a16="http://schemas.microsoft.com/office/drawing/2014/main" id="{00D7D29B-997B-4DAE-8413-C380EE9D4630}"/>
+              </a:ext>
+            </a:extLst>
+          </p:cNvPr>
+          <p:cNvSpPr/>
+          <p:nvPr/>
+        </p:nvSpPr>
+        <p:spPr>
+          <a:xfrm>
+            <a:off x="912531" y="2927879"/>
+            <a:ext cx="1506077" cy="230499"/>
+          </a:xfrm>
+          <a:prstGeom prst="rect">
+            <a:avLst/>
+          </a:prstGeom>
+          <a:solidFill>
+            <a:schemeClr val="bg1"/>
+          </a:solidFill>
+          <a:ln>
+            <a:noFill/>
+          </a:ln>
+        </p:spPr>
+        <p:style>
+          <a:lnRef idx="2">
+            <a:schemeClr val="accent1">
+              <a:shade val="50000"/>
+            </a:schemeClr>
+          </a:lnRef>
+          <a:fillRef idx="1">
+            <a:schemeClr val="accent1"/>
+          </a:fillRef>
+          <a:effectRef idx="0">
+            <a:schemeClr val="accent1"/>
+          </a:effectRef>
+          <a:fontRef idx="minor">
+            <a:schemeClr val="lt1"/>
+          </a:fontRef>
+        </p:style>
+        <p:txBody>
+          <a:bodyPr rtlCol="0" anchor="ctr"/>
+          <a:lstStyle/>
+          <a:p>
+            <a:pPr algn="ctr"/>
+            <a:endParaRPr lang="ko-KR" altLang="en-US"/>
+          </a:p>
+        </p:txBody>
+      </p:sp>
+      <p:sp>
+        <p:nvSpPr>
+          <p:cNvPr id="12" name="직사각형 11">
+            <a:extLst>
+              <a:ext uri="{FF2B5EF4-FFF2-40B4-BE49-F238E27FC236}">
+                <a16:creationId xmlns:a16="http://schemas.microsoft.com/office/drawing/2014/main" id="{8E09A2A8-E074-4746-A394-E242240C2B47}"/>
+              </a:ext>
+            </a:extLst>
+          </p:cNvPr>
+          <p:cNvSpPr/>
+          <p:nvPr/>
+        </p:nvSpPr>
+        <p:spPr>
+          <a:xfrm>
+            <a:off x="900656" y="4362708"/>
+            <a:ext cx="1821664" cy="300942"/>
+          </a:xfrm>
+          <a:prstGeom prst="rect">
+            <a:avLst/>
+          </a:prstGeom>
+          <a:solidFill>
+            <a:schemeClr val="bg1"/>
+          </a:solidFill>
+          <a:ln>
+            <a:noFill/>
+          </a:ln>
+        </p:spPr>
+        <p:style>
+          <a:lnRef idx="2">
+            <a:schemeClr val="accent1">
+              <a:shade val="50000"/>
+            </a:schemeClr>
+          </a:lnRef>
+          <a:fillRef idx="1">
+            <a:schemeClr val="accent1"/>
+          </a:fillRef>
+          <a:effectRef idx="0">
+            <a:schemeClr val="accent1"/>
+          </a:effectRef>
+          <a:fontRef idx="minor">
+            <a:schemeClr val="lt1"/>
+          </a:fontRef>
+        </p:style>
+        <p:txBody>
+          <a:bodyPr rtlCol="0" anchor="ctr"/>
+          <a:lstStyle/>
+          <a:p>
+            <a:pPr algn="ctr"/>
+            <a:endParaRPr lang="ko-KR" altLang="en-US"/>
+          </a:p>
+        </p:txBody>
+      </p:sp>
+      <p:sp>
+        <p:nvSpPr>
+          <p:cNvPr id="13" name="직사각형 12">
+            <a:extLst>
+              <a:ext uri="{FF2B5EF4-FFF2-40B4-BE49-F238E27FC236}">
+                <a16:creationId xmlns:a16="http://schemas.microsoft.com/office/drawing/2014/main" id="{BB1C75A3-5FB1-42DA-A315-EA059EA0340B}"/>
+              </a:ext>
+            </a:extLst>
+          </p:cNvPr>
+          <p:cNvSpPr/>
+          <p:nvPr/>
+        </p:nvSpPr>
+        <p:spPr>
+          <a:xfrm>
+            <a:off x="912531" y="3496871"/>
+            <a:ext cx="1821664" cy="300942"/>
+          </a:xfrm>
+          <a:prstGeom prst="rect">
+            <a:avLst/>
+          </a:prstGeom>
+          <a:solidFill>
+            <a:schemeClr val="bg1"/>
+          </a:solidFill>
+          <a:ln>
+            <a:noFill/>
+          </a:ln>
+        </p:spPr>
+        <p:style>
+          <a:lnRef idx="2">
+            <a:schemeClr val="accent1">
+              <a:shade val="50000"/>
+            </a:schemeClr>
+          </a:lnRef>
+          <a:fillRef idx="1">
+            <a:schemeClr val="accent1"/>
+          </a:fillRef>
+          <a:effectRef idx="0">
+            <a:schemeClr val="accent1"/>
+          </a:effectRef>
+          <a:fontRef idx="minor">
+            <a:schemeClr val="lt1"/>
+          </a:fontRef>
+        </p:style>
+        <p:txBody>
+          <a:bodyPr rtlCol="0" anchor="ctr"/>
+          <a:lstStyle/>
+          <a:p>
+            <a:pPr algn="ctr"/>
+            <a:endParaRPr lang="ko-KR" altLang="en-US"/>
+          </a:p>
+        </p:txBody>
+      </p:sp>
       <p:cxnSp>
         <p:nvCxnSpPr>
           <p:cNvPr id="8" name="직선 화살표 연결선 7">
@@ -25848,13 +27979,14 @@
           </p:cNvPr>
           <p:cNvCxnSpPr>
             <a:cxnSpLocks/>
+            <a:endCxn id="4" idx="7"/>
           </p:cNvCxnSpPr>
           <p:nvPr/>
         </p:nvCxnSpPr>
         <p:spPr>
           <a:xfrm flipH="1">
-            <a:off x="1076446" y="1942799"/>
-            <a:ext cx="2222339" cy="1634736"/>
+            <a:off x="1160296" y="1942799"/>
+            <a:ext cx="2138490" cy="2136113"/>
           </a:xfrm>
           <a:prstGeom prst="straightConnector1">
             <a:avLst/>
@@ -25884,6 +28016,58 @@
           </a:fontRef>
         </p:style>
       </p:cxnSp>
+      <p:sp>
+        <p:nvSpPr>
+          <p:cNvPr id="14" name="직사각형 13">
+            <a:extLst>
+              <a:ext uri="{FF2B5EF4-FFF2-40B4-BE49-F238E27FC236}">
+                <a16:creationId xmlns:a16="http://schemas.microsoft.com/office/drawing/2014/main" id="{C6B32AB3-CD81-458C-B917-F0085628CB07}"/>
+              </a:ext>
+            </a:extLst>
+          </p:cNvPr>
+          <p:cNvSpPr/>
+          <p:nvPr/>
+        </p:nvSpPr>
+        <p:spPr>
+          <a:xfrm>
+            <a:off x="3521186" y="2534039"/>
+            <a:ext cx="4007769" cy="458543"/>
+          </a:xfrm>
+          <a:prstGeom prst="rect">
+            <a:avLst/>
+          </a:prstGeom>
+          <a:solidFill>
+            <a:schemeClr val="bg1"/>
+          </a:solidFill>
+          <a:ln>
+            <a:noFill/>
+          </a:ln>
+        </p:spPr>
+        <p:style>
+          <a:lnRef idx="2">
+            <a:schemeClr val="accent1">
+              <a:shade val="50000"/>
+            </a:schemeClr>
+          </a:lnRef>
+          <a:fillRef idx="1">
+            <a:schemeClr val="accent1"/>
+          </a:fillRef>
+          <a:effectRef idx="0">
+            <a:schemeClr val="accent1"/>
+          </a:effectRef>
+          <a:fontRef idx="minor">
+            <a:schemeClr val="lt1"/>
+          </a:fontRef>
+        </p:style>
+        <p:txBody>
+          <a:bodyPr rtlCol="0" anchor="ctr"/>
+          <a:lstStyle/>
+          <a:p>
+            <a:pPr algn="ctr"/>
+            <a:endParaRPr lang="ko-KR" altLang="en-US"/>
+          </a:p>
+        </p:txBody>
+      </p:sp>
     </p:spTree>
     <p:extLst>
       <p:ext uri="{BB962C8B-B14F-4D97-AF65-F5344CB8AC3E}">
@@ -26083,7 +28267,15 @@
           <a:p>
             <a:r>
               <a:rPr lang="ko-KR" altLang="en-US" dirty="0"/>
-              <a:t>나의 원격저장소를 </a:t>
+              <a:t>나의 원격저장소</a:t>
+            </a:r>
+            <a:r>
+              <a:rPr lang="en-US" altLang="ko-KR" dirty="0"/>
+              <a:t>(origin)</a:t>
+            </a:r>
+            <a:r>
+              <a:rPr lang="ko-KR" altLang="en-US" dirty="0"/>
+              <a:t>를 </a:t>
             </a:r>
             <a:r>
               <a:rPr lang="ko-KR" altLang="en-US" dirty="0">
@@ -26104,7 +28296,31 @@
               <a:rPr lang="ko-KR" altLang="en-US" dirty="0">
                 <a:latin typeface="+mn-ea"/>
               </a:rPr>
-              <a:t>나의 로컬저장소로 복제된 내용을 가져와 작업을 하기 위하여 로컬 저장소 만들기 </a:t>
+              <a:t>나의 원격저장소로 복제된</a:t>
+            </a:r>
+            <a:r>
+              <a:rPr lang="en-US" altLang="ko-KR" dirty="0">
+                <a:latin typeface="+mn-ea"/>
+              </a:rPr>
+              <a:t>(fork)</a:t>
+            </a:r>
+            <a:r>
+              <a:rPr lang="ko-KR" altLang="en-US" dirty="0">
+                <a:latin typeface="+mn-ea"/>
+              </a:rPr>
+              <a:t> 내용을 작업을 하기 위하여 로컬 저장소로</a:t>
+            </a:r>
+            <a:r>
+              <a:rPr lang="en-US" altLang="ko-KR" dirty="0">
+                <a:latin typeface="+mn-ea"/>
+              </a:rPr>
+              <a:t> </a:t>
+            </a:r>
+            <a:r>
+              <a:rPr lang="ko-KR" altLang="en-US" dirty="0">
+                <a:latin typeface="+mn-ea"/>
+              </a:rPr>
+              <a:t>복사하기 </a:t>
             </a:r>
             <a:endParaRPr lang="en-US" altLang="ko-KR" dirty="0">
               <a:latin typeface="+mn-ea"/>
@@ -26238,36 +28454,877 @@
           </a:p>
         </p:txBody>
       </p:sp>
-      <p:pic>
-        <p:nvPicPr>
-          <p:cNvPr id="16" name="그림 15">
+      <p:sp>
+        <p:nvSpPr>
+          <p:cNvPr id="5" name="모서리가 둥근 직사각형 1">
             <a:extLst>
               <a:ext uri="{FF2B5EF4-FFF2-40B4-BE49-F238E27FC236}">
-                <a16:creationId xmlns:a16="http://schemas.microsoft.com/office/drawing/2014/main" id="{4E5D1169-E52A-4E3E-A156-D59B6F2436F1}"/>
+                <a16:creationId xmlns:a16="http://schemas.microsoft.com/office/drawing/2014/main" id="{7014267D-63BC-4903-9B3F-CD162D7BADDA}"/>
               </a:ext>
             </a:extLst>
           </p:cNvPr>
-          <p:cNvPicPr>
-            <a:picLocks noChangeAspect="1"/>
-          </p:cNvPicPr>
+          <p:cNvSpPr/>
           <p:nvPr/>
-        </p:nvPicPr>
-        <p:blipFill>
-          <a:blip r:embed="rId3"/>
-          <a:stretch>
-            <a:fillRect/>
-          </a:stretch>
-        </p:blipFill>
+        </p:nvSpPr>
         <p:spPr>
           <a:xfrm>
-            <a:off x="2392166" y="2379358"/>
-            <a:ext cx="4359668" cy="3465596"/>
+            <a:off x="1448310" y="3218388"/>
+            <a:ext cx="2192893" cy="661886"/>
+          </a:xfrm>
+          <a:prstGeom prst="roundRect">
+            <a:avLst>
+              <a:gd name="adj" fmla="val 5181"/>
+            </a:avLst>
+          </a:prstGeom>
+          <a:solidFill>
+            <a:schemeClr val="bg1">
+              <a:lumMod val="95000"/>
+            </a:schemeClr>
+          </a:solidFill>
+          <a:ln w="19050">
+            <a:solidFill>
+              <a:schemeClr val="tx1">
+                <a:lumMod val="50000"/>
+                <a:lumOff val="50000"/>
+              </a:schemeClr>
+            </a:solidFill>
+          </a:ln>
+        </p:spPr>
+        <p:style>
+          <a:lnRef idx="2">
+            <a:schemeClr val="accent1">
+              <a:shade val="50000"/>
+            </a:schemeClr>
+          </a:lnRef>
+          <a:fillRef idx="1">
+            <a:schemeClr val="accent1"/>
+          </a:fillRef>
+          <a:effectRef idx="0">
+            <a:schemeClr val="accent1"/>
+          </a:effectRef>
+          <a:fontRef idx="minor">
+            <a:schemeClr val="lt1"/>
+          </a:fontRef>
+        </p:style>
+        <p:txBody>
+          <a:bodyPr rtlCol="0" anchor="ctr"/>
+          <a:lstStyle/>
+          <a:p>
+            <a:pPr algn="ctr"/>
+            <a:r>
+              <a:rPr lang="ko-KR" altLang="en-US" sz="1400" dirty="0">
+                <a:solidFill>
+                  <a:schemeClr val="tx1"/>
+                </a:solidFill>
+              </a:rPr>
+              <a:t>남의 </a:t>
+            </a:r>
+            <a:r>
+              <a:rPr lang="ko-KR" altLang="en-US" sz="1400" dirty="0" err="1">
+                <a:solidFill>
+                  <a:schemeClr val="tx1"/>
+                </a:solidFill>
+              </a:rPr>
+              <a:t>원격저장소</a:t>
+            </a:r>
+            <a:r>
+              <a:rPr lang="en-US" altLang="ko-KR" sz="1400" dirty="0">
+                <a:solidFill>
+                  <a:schemeClr val="tx1"/>
+                </a:solidFill>
+              </a:rPr>
+              <a:t>      </a:t>
+            </a:r>
+            <a:endParaRPr lang="ko-KR" altLang="en-US" sz="1400" dirty="0">
+              <a:solidFill>
+                <a:schemeClr val="tx1"/>
+              </a:solidFill>
+            </a:endParaRPr>
+          </a:p>
+        </p:txBody>
+      </p:sp>
+      <p:sp>
+        <p:nvSpPr>
+          <p:cNvPr id="6" name="모서리가 둥근 직사각형 7">
+            <a:extLst>
+              <a:ext uri="{FF2B5EF4-FFF2-40B4-BE49-F238E27FC236}">
+                <a16:creationId xmlns:a16="http://schemas.microsoft.com/office/drawing/2014/main" id="{B2BE4505-8867-44DB-B146-5CC8D0E24440}"/>
+              </a:ext>
+            </a:extLst>
+          </p:cNvPr>
+          <p:cNvSpPr/>
+          <p:nvPr/>
+        </p:nvSpPr>
+        <p:spPr>
+          <a:xfrm>
+            <a:off x="4918586" y="3218388"/>
+            <a:ext cx="2148964" cy="661886"/>
+          </a:xfrm>
+          <a:prstGeom prst="roundRect">
+            <a:avLst>
+              <a:gd name="adj" fmla="val 5181"/>
+            </a:avLst>
+          </a:prstGeom>
+          <a:solidFill>
+            <a:schemeClr val="bg1">
+              <a:lumMod val="95000"/>
+            </a:schemeClr>
+          </a:solidFill>
+          <a:ln w="15875">
+            <a:solidFill>
+              <a:srgbClr val="0000FF"/>
+            </a:solidFill>
+          </a:ln>
+        </p:spPr>
+        <p:style>
+          <a:lnRef idx="2">
+            <a:schemeClr val="accent1">
+              <a:shade val="50000"/>
+            </a:schemeClr>
+          </a:lnRef>
+          <a:fillRef idx="1">
+            <a:schemeClr val="accent1"/>
+          </a:fillRef>
+          <a:effectRef idx="0">
+            <a:schemeClr val="accent1"/>
+          </a:effectRef>
+          <a:fontRef idx="minor">
+            <a:schemeClr val="lt1"/>
+          </a:fontRef>
+        </p:style>
+        <p:txBody>
+          <a:bodyPr rtlCol="0" anchor="ctr"/>
+          <a:lstStyle/>
+          <a:p>
+            <a:pPr algn="ctr"/>
+            <a:r>
+              <a:rPr lang="ko-KR" altLang="en-US" sz="1400" dirty="0">
+                <a:solidFill>
+                  <a:schemeClr val="tx1"/>
+                </a:solidFill>
+              </a:rPr>
+              <a:t>나의 </a:t>
+            </a:r>
+            <a:r>
+              <a:rPr lang="ko-KR" altLang="en-US" sz="1400" dirty="0" err="1">
+                <a:solidFill>
+                  <a:schemeClr val="tx1"/>
+                </a:solidFill>
+              </a:rPr>
+              <a:t>원격저장소</a:t>
+            </a:r>
+            <a:endParaRPr lang="en-US" altLang="ko-KR" sz="1400" dirty="0">
+              <a:solidFill>
+                <a:schemeClr val="tx1"/>
+              </a:solidFill>
+            </a:endParaRPr>
+          </a:p>
+        </p:txBody>
+      </p:sp>
+      <p:sp>
+        <p:nvSpPr>
+          <p:cNvPr id="8" name="모서리가 둥근 직사각형 8">
+            <a:extLst>
+              <a:ext uri="{FF2B5EF4-FFF2-40B4-BE49-F238E27FC236}">
+                <a16:creationId xmlns:a16="http://schemas.microsoft.com/office/drawing/2014/main" id="{8EB018F2-D060-4225-8C5A-C79FC8D50203}"/>
+              </a:ext>
+            </a:extLst>
+          </p:cNvPr>
+          <p:cNvSpPr/>
+          <p:nvPr/>
+        </p:nvSpPr>
+        <p:spPr>
+          <a:xfrm>
+            <a:off x="1448311" y="2975349"/>
+            <a:ext cx="899565" cy="246177"/>
+          </a:xfrm>
+          <a:prstGeom prst="roundRect">
+            <a:avLst/>
+          </a:prstGeom>
+          <a:solidFill>
+            <a:schemeClr val="accent3">
+              <a:lumMod val="40000"/>
+              <a:lumOff val="60000"/>
+            </a:schemeClr>
+          </a:solidFill>
+          <a:ln w="19050">
+            <a:solidFill>
+              <a:schemeClr val="tx1"/>
+            </a:solidFill>
+          </a:ln>
+        </p:spPr>
+        <p:style>
+          <a:lnRef idx="2">
+            <a:schemeClr val="accent1">
+              <a:shade val="50000"/>
+            </a:schemeClr>
+          </a:lnRef>
+          <a:fillRef idx="1">
+            <a:schemeClr val="accent1"/>
+          </a:fillRef>
+          <a:effectRef idx="0">
+            <a:schemeClr val="accent1"/>
+          </a:effectRef>
+          <a:fontRef idx="minor">
+            <a:schemeClr val="lt1"/>
+          </a:fontRef>
+        </p:style>
+        <p:txBody>
+          <a:bodyPr rtlCol="0" anchor="ctr"/>
+          <a:lstStyle/>
+          <a:p>
+            <a:pPr algn="ctr"/>
+            <a:r>
+              <a:rPr lang="en-US" altLang="ko-KR" sz="1400" dirty="0">
+                <a:solidFill>
+                  <a:schemeClr val="tx1"/>
+                </a:solidFill>
+              </a:rPr>
+              <a:t>upstream</a:t>
+            </a:r>
+          </a:p>
+        </p:txBody>
+      </p:sp>
+      <p:sp>
+        <p:nvSpPr>
+          <p:cNvPr id="9" name="모서리가 둥근 직사각형 9">
+            <a:extLst>
+              <a:ext uri="{FF2B5EF4-FFF2-40B4-BE49-F238E27FC236}">
+                <a16:creationId xmlns:a16="http://schemas.microsoft.com/office/drawing/2014/main" id="{255AB00B-227B-4647-BBC7-3389FB2D7546}"/>
+              </a:ext>
+            </a:extLst>
+          </p:cNvPr>
+          <p:cNvSpPr/>
+          <p:nvPr/>
+        </p:nvSpPr>
+        <p:spPr>
+          <a:xfrm>
+            <a:off x="4918586" y="2975349"/>
+            <a:ext cx="899565" cy="246177"/>
+          </a:xfrm>
+          <a:prstGeom prst="roundRect">
+            <a:avLst/>
+          </a:prstGeom>
+          <a:solidFill>
+            <a:srgbClr val="92D050"/>
+          </a:solidFill>
+          <a:ln w="15875">
+            <a:solidFill>
+              <a:srgbClr val="0000FF"/>
+            </a:solidFill>
+          </a:ln>
+        </p:spPr>
+        <p:style>
+          <a:lnRef idx="2">
+            <a:schemeClr val="accent1">
+              <a:shade val="50000"/>
+            </a:schemeClr>
+          </a:lnRef>
+          <a:fillRef idx="1">
+            <a:schemeClr val="accent1"/>
+          </a:fillRef>
+          <a:effectRef idx="0">
+            <a:schemeClr val="accent1"/>
+          </a:effectRef>
+          <a:fontRef idx="minor">
+            <a:schemeClr val="lt1"/>
+          </a:fontRef>
+        </p:style>
+        <p:txBody>
+          <a:bodyPr rtlCol="0" anchor="ctr"/>
+          <a:lstStyle/>
+          <a:p>
+            <a:pPr algn="ctr"/>
+            <a:r>
+              <a:rPr lang="en-US" altLang="ko-KR" sz="1400" dirty="0">
+                <a:solidFill>
+                  <a:schemeClr val="tx1"/>
+                </a:solidFill>
+              </a:rPr>
+              <a:t>origin</a:t>
+            </a:r>
+          </a:p>
+        </p:txBody>
+      </p:sp>
+      <p:sp>
+        <p:nvSpPr>
+          <p:cNvPr id="10" name="모서리가 둥근 직사각형 10">
+            <a:extLst>
+              <a:ext uri="{FF2B5EF4-FFF2-40B4-BE49-F238E27FC236}">
+                <a16:creationId xmlns:a16="http://schemas.microsoft.com/office/drawing/2014/main" id="{8E588361-3C48-44B3-9C36-4A0181173179}"/>
+              </a:ext>
+            </a:extLst>
+          </p:cNvPr>
+          <p:cNvSpPr/>
+          <p:nvPr/>
+        </p:nvSpPr>
+        <p:spPr>
+          <a:xfrm>
+            <a:off x="4918586" y="4450288"/>
+            <a:ext cx="2148964" cy="661886"/>
+          </a:xfrm>
+          <a:prstGeom prst="roundRect">
+            <a:avLst>
+              <a:gd name="adj" fmla="val 5181"/>
+            </a:avLst>
+          </a:prstGeom>
+          <a:solidFill>
+            <a:schemeClr val="bg1">
+              <a:lumMod val="95000"/>
+            </a:schemeClr>
+          </a:solidFill>
+          <a:ln w="19050">
+            <a:solidFill>
+              <a:srgbClr val="C00000"/>
+            </a:solidFill>
+          </a:ln>
+        </p:spPr>
+        <p:style>
+          <a:lnRef idx="2">
+            <a:schemeClr val="accent1">
+              <a:shade val="50000"/>
+            </a:schemeClr>
+          </a:lnRef>
+          <a:fillRef idx="1">
+            <a:schemeClr val="accent1"/>
+          </a:fillRef>
+          <a:effectRef idx="0">
+            <a:schemeClr val="accent1"/>
+          </a:effectRef>
+          <a:fontRef idx="minor">
+            <a:schemeClr val="lt1"/>
+          </a:fontRef>
+        </p:style>
+        <p:txBody>
+          <a:bodyPr rtlCol="0" anchor="ctr"/>
+          <a:lstStyle/>
+          <a:p>
+            <a:pPr algn="ctr"/>
+            <a:r>
+              <a:rPr lang="ko-KR" altLang="en-US" sz="1400" dirty="0">
+                <a:solidFill>
+                  <a:schemeClr val="tx1"/>
+                </a:solidFill>
+              </a:rPr>
+              <a:t>나의 </a:t>
+            </a:r>
+            <a:r>
+              <a:rPr lang="ko-KR" altLang="en-US" sz="1400" dirty="0" err="1">
+                <a:solidFill>
+                  <a:schemeClr val="tx1"/>
+                </a:solidFill>
+              </a:rPr>
+              <a:t>로컬저장소</a:t>
+            </a:r>
+            <a:endParaRPr lang="en-US" altLang="ko-KR" sz="1400" dirty="0">
+              <a:solidFill>
+                <a:schemeClr val="tx1"/>
+              </a:solidFill>
+            </a:endParaRPr>
+          </a:p>
+        </p:txBody>
+      </p:sp>
+      <p:cxnSp>
+        <p:nvCxnSpPr>
+          <p:cNvPr id="11" name="직선 화살표 연결선 10">
+            <a:extLst>
+              <a:ext uri="{FF2B5EF4-FFF2-40B4-BE49-F238E27FC236}">
+                <a16:creationId xmlns:a16="http://schemas.microsoft.com/office/drawing/2014/main" id="{DECD5655-7ED7-4423-BE58-239CCC92B134}"/>
+              </a:ext>
+            </a:extLst>
+          </p:cNvPr>
+          <p:cNvCxnSpPr/>
+          <p:nvPr/>
+        </p:nvCxnSpPr>
+        <p:spPr>
+          <a:xfrm>
+            <a:off x="3641203" y="3365181"/>
+            <a:ext cx="1277383" cy="0"/>
+          </a:xfrm>
+          <a:prstGeom prst="straightConnector1">
+            <a:avLst/>
+          </a:prstGeom>
+          <a:ln w="25400">
+            <a:solidFill>
+              <a:schemeClr val="bg1">
+                <a:lumMod val="75000"/>
+              </a:schemeClr>
+            </a:solidFill>
+            <a:tailEnd type="triangle"/>
+          </a:ln>
+        </p:spPr>
+        <p:style>
+          <a:lnRef idx="1">
+            <a:schemeClr val="accent1"/>
+          </a:lnRef>
+          <a:fillRef idx="0">
+            <a:schemeClr val="accent1"/>
+          </a:fillRef>
+          <a:effectRef idx="0">
+            <a:schemeClr val="accent1"/>
+          </a:effectRef>
+          <a:fontRef idx="minor">
+            <a:schemeClr val="tx1"/>
+          </a:fontRef>
+        </p:style>
+      </p:cxnSp>
+      <p:sp>
+        <p:nvSpPr>
+          <p:cNvPr id="12" name="TextBox 11">
+            <a:extLst>
+              <a:ext uri="{FF2B5EF4-FFF2-40B4-BE49-F238E27FC236}">
+                <a16:creationId xmlns:a16="http://schemas.microsoft.com/office/drawing/2014/main" id="{BDB8BFA2-DBDC-42FD-B340-32D99B3F8ED2}"/>
+              </a:ext>
+            </a:extLst>
+          </p:cNvPr>
+          <p:cNvSpPr txBox="1"/>
+          <p:nvPr/>
+        </p:nvSpPr>
+        <p:spPr>
+          <a:xfrm>
+            <a:off x="3885792" y="3067532"/>
+            <a:ext cx="693844" cy="307777"/>
           </a:xfrm>
           <a:prstGeom prst="rect">
             <a:avLst/>
           </a:prstGeom>
+          <a:noFill/>
         </p:spPr>
-      </p:pic>
+        <p:txBody>
+          <a:bodyPr wrap="none" rtlCol="0">
+            <a:spAutoFit/>
+          </a:bodyPr>
+          <a:lstStyle/>
+          <a:p>
+            <a:r>
+              <a:rPr lang="en-US" altLang="ko-KR" sz="1400" dirty="0"/>
+              <a:t>① fork</a:t>
+            </a:r>
+            <a:endParaRPr lang="ko-KR" altLang="en-US" sz="1400" dirty="0"/>
+          </a:p>
+        </p:txBody>
+      </p:sp>
+      <p:cxnSp>
+        <p:nvCxnSpPr>
+          <p:cNvPr id="13" name="직선 화살표 연결선 12">
+            <a:extLst>
+              <a:ext uri="{FF2B5EF4-FFF2-40B4-BE49-F238E27FC236}">
+                <a16:creationId xmlns:a16="http://schemas.microsoft.com/office/drawing/2014/main" id="{99605CA9-7C9E-4020-A3B3-5A67BA98D807}"/>
+              </a:ext>
+            </a:extLst>
+          </p:cNvPr>
+          <p:cNvCxnSpPr/>
+          <p:nvPr/>
+        </p:nvCxnSpPr>
+        <p:spPr>
+          <a:xfrm>
+            <a:off x="6513768" y="3895331"/>
+            <a:ext cx="0" cy="570014"/>
+          </a:xfrm>
+          <a:prstGeom prst="straightConnector1">
+            <a:avLst/>
+          </a:prstGeom>
+          <a:ln w="25400">
+            <a:solidFill>
+              <a:schemeClr val="bg1">
+                <a:lumMod val="75000"/>
+              </a:schemeClr>
+            </a:solidFill>
+            <a:tailEnd type="triangle"/>
+          </a:ln>
+        </p:spPr>
+        <p:style>
+          <a:lnRef idx="1">
+            <a:schemeClr val="accent1"/>
+          </a:lnRef>
+          <a:fillRef idx="0">
+            <a:schemeClr val="accent1"/>
+          </a:fillRef>
+          <a:effectRef idx="0">
+            <a:schemeClr val="accent1"/>
+          </a:effectRef>
+          <a:fontRef idx="minor">
+            <a:schemeClr val="tx1"/>
+          </a:fontRef>
+        </p:style>
+      </p:cxnSp>
+      <p:sp>
+        <p:nvSpPr>
+          <p:cNvPr id="14" name="TextBox 13">
+            <a:extLst>
+              <a:ext uri="{FF2B5EF4-FFF2-40B4-BE49-F238E27FC236}">
+                <a16:creationId xmlns:a16="http://schemas.microsoft.com/office/drawing/2014/main" id="{8CE5E28C-5578-40B1-901B-4D1BA75C9A76}"/>
+              </a:ext>
+            </a:extLst>
+          </p:cNvPr>
+          <p:cNvSpPr txBox="1"/>
+          <p:nvPr/>
+        </p:nvSpPr>
+        <p:spPr>
+          <a:xfrm>
+            <a:off x="6457147" y="4010989"/>
+            <a:ext cx="888385" cy="338554"/>
+          </a:xfrm>
+          <a:prstGeom prst="rect">
+            <a:avLst/>
+          </a:prstGeom>
+          <a:noFill/>
+        </p:spPr>
+        <p:txBody>
+          <a:bodyPr wrap="none" rtlCol="0">
+            <a:spAutoFit/>
+          </a:bodyPr>
+          <a:lstStyle/>
+          <a:p>
+            <a:r>
+              <a:rPr lang="en-US" altLang="ko-KR" sz="1600" dirty="0">
+                <a:solidFill>
+                  <a:srgbClr val="FF0000"/>
+                </a:solidFill>
+              </a:rPr>
+              <a:t>② clone</a:t>
+            </a:r>
+            <a:endParaRPr lang="ko-KR" altLang="en-US" sz="1600" dirty="0">
+              <a:solidFill>
+                <a:srgbClr val="FF0000"/>
+              </a:solidFill>
+            </a:endParaRPr>
+          </a:p>
+        </p:txBody>
+      </p:sp>
+      <p:cxnSp>
+        <p:nvCxnSpPr>
+          <p:cNvPr id="15" name="직선 화살표 연결선 14">
+            <a:extLst>
+              <a:ext uri="{FF2B5EF4-FFF2-40B4-BE49-F238E27FC236}">
+                <a16:creationId xmlns:a16="http://schemas.microsoft.com/office/drawing/2014/main" id="{065FDE89-7A48-41F0-A131-9A5F396B23F5}"/>
+              </a:ext>
+            </a:extLst>
+          </p:cNvPr>
+          <p:cNvCxnSpPr/>
+          <p:nvPr/>
+        </p:nvCxnSpPr>
+        <p:spPr>
+          <a:xfrm flipH="1" flipV="1">
+            <a:off x="5535868" y="3879468"/>
+            <a:ext cx="4276" cy="570820"/>
+          </a:xfrm>
+          <a:prstGeom prst="straightConnector1">
+            <a:avLst/>
+          </a:prstGeom>
+          <a:ln w="25400">
+            <a:solidFill>
+              <a:schemeClr val="bg1">
+                <a:lumMod val="75000"/>
+              </a:schemeClr>
+            </a:solidFill>
+            <a:tailEnd type="triangle"/>
+          </a:ln>
+        </p:spPr>
+        <p:style>
+          <a:lnRef idx="1">
+            <a:schemeClr val="accent1"/>
+          </a:lnRef>
+          <a:fillRef idx="0">
+            <a:schemeClr val="accent1"/>
+          </a:fillRef>
+          <a:effectRef idx="0">
+            <a:schemeClr val="accent1"/>
+          </a:effectRef>
+          <a:fontRef idx="minor">
+            <a:schemeClr val="tx1"/>
+          </a:fontRef>
+        </p:style>
+      </p:cxnSp>
+      <p:sp>
+        <p:nvSpPr>
+          <p:cNvPr id="17" name="TextBox 16">
+            <a:extLst>
+              <a:ext uri="{FF2B5EF4-FFF2-40B4-BE49-F238E27FC236}">
+                <a16:creationId xmlns:a16="http://schemas.microsoft.com/office/drawing/2014/main" id="{99E23039-C946-489F-9A22-3D34B8256898}"/>
+              </a:ext>
+            </a:extLst>
+          </p:cNvPr>
+          <p:cNvSpPr txBox="1"/>
+          <p:nvPr/>
+        </p:nvSpPr>
+        <p:spPr>
+          <a:xfrm>
+            <a:off x="4864837" y="3977336"/>
+            <a:ext cx="758541" cy="307777"/>
+          </a:xfrm>
+          <a:prstGeom prst="rect">
+            <a:avLst/>
+          </a:prstGeom>
+          <a:noFill/>
+        </p:spPr>
+        <p:txBody>
+          <a:bodyPr wrap="none" rtlCol="0">
+            <a:spAutoFit/>
+          </a:bodyPr>
+          <a:lstStyle/>
+          <a:p>
+            <a:r>
+              <a:rPr lang="en-US" altLang="ko-KR" sz="1400" dirty="0"/>
+              <a:t>③ push</a:t>
+            </a:r>
+            <a:endParaRPr lang="ko-KR" altLang="en-US" sz="1400" dirty="0"/>
+          </a:p>
+        </p:txBody>
+      </p:sp>
+      <p:cxnSp>
+        <p:nvCxnSpPr>
+          <p:cNvPr id="18" name="직선 화살표 연결선 17">
+            <a:extLst>
+              <a:ext uri="{FF2B5EF4-FFF2-40B4-BE49-F238E27FC236}">
+                <a16:creationId xmlns:a16="http://schemas.microsoft.com/office/drawing/2014/main" id="{EBE29620-CF87-4815-85E6-D061CD5E6F23}"/>
+              </a:ext>
+            </a:extLst>
+          </p:cNvPr>
+          <p:cNvCxnSpPr/>
+          <p:nvPr/>
+        </p:nvCxnSpPr>
+        <p:spPr>
+          <a:xfrm flipH="1">
+            <a:off x="3641203" y="3763668"/>
+            <a:ext cx="1277383" cy="0"/>
+          </a:xfrm>
+          <a:prstGeom prst="straightConnector1">
+            <a:avLst/>
+          </a:prstGeom>
+          <a:ln w="25400">
+            <a:solidFill>
+              <a:schemeClr val="bg1">
+                <a:lumMod val="75000"/>
+              </a:schemeClr>
+            </a:solidFill>
+            <a:tailEnd type="triangle"/>
+          </a:ln>
+        </p:spPr>
+        <p:style>
+          <a:lnRef idx="1">
+            <a:schemeClr val="accent1"/>
+          </a:lnRef>
+          <a:fillRef idx="0">
+            <a:schemeClr val="accent1"/>
+          </a:fillRef>
+          <a:effectRef idx="0">
+            <a:schemeClr val="accent1"/>
+          </a:effectRef>
+          <a:fontRef idx="minor">
+            <a:schemeClr val="tx1"/>
+          </a:fontRef>
+        </p:style>
+      </p:cxnSp>
+      <p:sp>
+        <p:nvSpPr>
+          <p:cNvPr id="19" name="TextBox 18">
+            <a:extLst>
+              <a:ext uri="{FF2B5EF4-FFF2-40B4-BE49-F238E27FC236}">
+                <a16:creationId xmlns:a16="http://schemas.microsoft.com/office/drawing/2014/main" id="{D9E81BF2-AB72-45C1-8878-5802E33A156A}"/>
+              </a:ext>
+            </a:extLst>
+          </p:cNvPr>
+          <p:cNvSpPr txBox="1"/>
+          <p:nvPr/>
+        </p:nvSpPr>
+        <p:spPr>
+          <a:xfrm>
+            <a:off x="3862152" y="3782846"/>
+            <a:ext cx="742960" cy="523220"/>
+          </a:xfrm>
+          <a:prstGeom prst="rect">
+            <a:avLst/>
+          </a:prstGeom>
+          <a:noFill/>
+        </p:spPr>
+        <p:txBody>
+          <a:bodyPr wrap="none" rtlCol="0">
+            <a:spAutoFit/>
+          </a:bodyPr>
+          <a:lstStyle/>
+          <a:p>
+            <a:pPr algn="ctr"/>
+            <a:r>
+              <a:rPr lang="en-US" altLang="ko-KR" sz="1400" dirty="0"/>
+              <a:t>④ Pull</a:t>
+            </a:r>
+          </a:p>
+          <a:p>
+            <a:pPr algn="ctr"/>
+            <a:r>
+              <a:rPr lang="en-US" altLang="ko-KR" sz="1400" dirty="0"/>
+              <a:t>request</a:t>
+            </a:r>
+            <a:endParaRPr lang="ko-KR" altLang="en-US" sz="1400" dirty="0"/>
+          </a:p>
+        </p:txBody>
+      </p:sp>
+      <p:sp>
+        <p:nvSpPr>
+          <p:cNvPr id="20" name="TextBox 19">
+            <a:extLst>
+              <a:ext uri="{FF2B5EF4-FFF2-40B4-BE49-F238E27FC236}">
+                <a16:creationId xmlns:a16="http://schemas.microsoft.com/office/drawing/2014/main" id="{DD6D3F4E-AA8D-4A10-A1F2-C35B189C130A}"/>
+              </a:ext>
+            </a:extLst>
+          </p:cNvPr>
+          <p:cNvSpPr txBox="1"/>
+          <p:nvPr/>
+        </p:nvSpPr>
+        <p:spPr>
+          <a:xfrm>
+            <a:off x="2886812" y="3555804"/>
+            <a:ext cx="829971" cy="307777"/>
+          </a:xfrm>
+          <a:prstGeom prst="rect">
+            <a:avLst/>
+          </a:prstGeom>
+          <a:noFill/>
+        </p:spPr>
+        <p:txBody>
+          <a:bodyPr wrap="none" rtlCol="0">
+            <a:spAutoFit/>
+          </a:bodyPr>
+          <a:lstStyle/>
+          <a:p>
+            <a:r>
+              <a:rPr lang="en-US" altLang="ko-KR" sz="1400" dirty="0"/>
+              <a:t>⑤merge</a:t>
+            </a:r>
+            <a:endParaRPr lang="ko-KR" altLang="en-US" sz="1400" dirty="0"/>
+          </a:p>
+        </p:txBody>
+      </p:sp>
+      <p:sp>
+        <p:nvSpPr>
+          <p:cNvPr id="21" name="굽은 화살표 4">
+            <a:extLst>
+              <a:ext uri="{FF2B5EF4-FFF2-40B4-BE49-F238E27FC236}">
+                <a16:creationId xmlns:a16="http://schemas.microsoft.com/office/drawing/2014/main" id="{396CCF30-E36C-4F10-9281-6C489C8DCE0D}"/>
+              </a:ext>
+            </a:extLst>
+          </p:cNvPr>
+          <p:cNvSpPr/>
+          <p:nvPr/>
+        </p:nvSpPr>
+        <p:spPr>
+          <a:xfrm rot="5400000">
+            <a:off x="4530769" y="2525466"/>
+            <a:ext cx="1050314" cy="2829447"/>
+          </a:xfrm>
+          <a:prstGeom prst="bentArrow">
+            <a:avLst>
+              <a:gd name="adj1" fmla="val 6679"/>
+              <a:gd name="adj2" fmla="val 8397"/>
+              <a:gd name="adj3" fmla="val 12023"/>
+              <a:gd name="adj4" fmla="val 43750"/>
+            </a:avLst>
+          </a:prstGeom>
+          <a:solidFill>
+            <a:schemeClr val="accent1">
+              <a:alpha val="37000"/>
+            </a:schemeClr>
+          </a:solidFill>
+        </p:spPr>
+        <p:style>
+          <a:lnRef idx="2">
+            <a:schemeClr val="accent1">
+              <a:shade val="50000"/>
+            </a:schemeClr>
+          </a:lnRef>
+          <a:fillRef idx="1">
+            <a:schemeClr val="accent1"/>
+          </a:fillRef>
+          <a:effectRef idx="0">
+            <a:schemeClr val="accent1"/>
+          </a:effectRef>
+          <a:fontRef idx="minor">
+            <a:schemeClr val="lt1"/>
+          </a:fontRef>
+        </p:style>
+        <p:txBody>
+          <a:bodyPr rtlCol="0" anchor="ctr"/>
+          <a:lstStyle/>
+          <a:p>
+            <a:pPr algn="ctr"/>
+            <a:endParaRPr lang="ko-KR" altLang="en-US">
+              <a:solidFill>
+                <a:schemeClr val="tx1"/>
+              </a:solidFill>
+            </a:endParaRPr>
+          </a:p>
+        </p:txBody>
+      </p:sp>
+      <p:sp>
+        <p:nvSpPr>
+          <p:cNvPr id="22" name="굽은 화살표 22">
+            <a:extLst>
+              <a:ext uri="{FF2B5EF4-FFF2-40B4-BE49-F238E27FC236}">
+                <a16:creationId xmlns:a16="http://schemas.microsoft.com/office/drawing/2014/main" id="{7774A8EC-2452-4E81-9007-8D02958DFE69}"/>
+              </a:ext>
+            </a:extLst>
+          </p:cNvPr>
+          <p:cNvSpPr/>
+          <p:nvPr/>
+        </p:nvSpPr>
+        <p:spPr>
+          <a:xfrm flipH="1">
+            <a:off x="3641201" y="3592147"/>
+            <a:ext cx="2176950" cy="873198"/>
+          </a:xfrm>
+          <a:prstGeom prst="bentArrow">
+            <a:avLst>
+              <a:gd name="adj1" fmla="val 9095"/>
+              <a:gd name="adj2" fmla="val 8397"/>
+              <a:gd name="adj3" fmla="val 13231"/>
+              <a:gd name="adj4" fmla="val 46166"/>
+            </a:avLst>
+          </a:prstGeom>
+          <a:solidFill>
+            <a:schemeClr val="bg2">
+              <a:lumMod val="60000"/>
+              <a:lumOff val="40000"/>
+              <a:alpha val="56000"/>
+            </a:schemeClr>
+          </a:solidFill>
+          <a:ln>
+            <a:solidFill>
+              <a:schemeClr val="bg2">
+                <a:lumMod val="75000"/>
+              </a:schemeClr>
+            </a:solidFill>
+          </a:ln>
+        </p:spPr>
+        <p:style>
+          <a:lnRef idx="2">
+            <a:schemeClr val="accent1">
+              <a:shade val="50000"/>
+            </a:schemeClr>
+          </a:lnRef>
+          <a:fillRef idx="1">
+            <a:schemeClr val="accent1"/>
+          </a:fillRef>
+          <a:effectRef idx="0">
+            <a:schemeClr val="accent1"/>
+          </a:effectRef>
+          <a:fontRef idx="minor">
+            <a:schemeClr val="lt1"/>
+          </a:fontRef>
+        </p:style>
+        <p:txBody>
+          <a:bodyPr rtlCol="0" anchor="ctr"/>
+          <a:lstStyle/>
+          <a:p>
+            <a:pPr algn="ctr"/>
+            <a:endParaRPr lang="ko-KR" altLang="en-US">
+              <a:solidFill>
+                <a:schemeClr val="tx1"/>
+              </a:solidFill>
+            </a:endParaRPr>
+          </a:p>
+        </p:txBody>
+      </p:sp>
     </p:spTree>
     <p:extLst>
       <p:ext uri="{BB962C8B-B14F-4D97-AF65-F5344CB8AC3E}">
@@ -26467,7 +29524,15 @@
           <a:p>
             <a:r>
               <a:rPr lang="ko-KR" altLang="en-US" dirty="0"/>
-              <a:t>나의 원격저장소를 나의 로컬저장소로 복제하기 </a:t>
+              <a:t>나의 원격저장소</a:t>
+            </a:r>
+            <a:r>
+              <a:rPr lang="en-US" altLang="ko-KR" dirty="0"/>
+              <a:t>(origin)</a:t>
+            </a:r>
+            <a:r>
+              <a:rPr lang="ko-KR" altLang="en-US" dirty="0"/>
+              <a:t>를 나의 로컬저장소로 복제하기 </a:t>
             </a:r>
             <a:r>
               <a:rPr lang="en-US" altLang="ko-KR" dirty="0"/>
@@ -26572,7 +29637,7 @@
               <a:rPr lang="ko-KR" altLang="en-US" dirty="0">
                 <a:latin typeface="+mn-ea"/>
               </a:rPr>
-              <a:t>만들고 이곳으로 이동</a:t>
+              <a:t>만들고 이 곳으로 이동</a:t>
             </a:r>
             <a:r>
               <a:rPr lang="en-US" altLang="ko-KR" dirty="0">

--- a/git및github첫걸음3-forkclonePR.pptx
+++ b/git및github첫걸음3-forkclonePR.pptx
@@ -5018,6 +5018,47 @@
           </a:p>
         </p:txBody>
       </p:sp>
+      <p:sp>
+        <p:nvSpPr>
+          <p:cNvPr id="6" name="Slide Number Placeholder 5"/>
+          <p:cNvSpPr>
+            <a:spLocks noGrp="1"/>
+          </p:cNvSpPr>
+          <p:nvPr>
+            <p:ph type="sldNum" sz="quarter" idx="12"/>
+          </p:nvPr>
+        </p:nvSpPr>
+        <p:spPr>
+          <a:xfrm>
+            <a:off x="6457950" y="6356351"/>
+            <a:ext cx="2057400" cy="365125"/>
+          </a:xfrm>
+        </p:spPr>
+        <p:txBody>
+          <a:bodyPr/>
+          <a:lstStyle>
+            <a:lvl1pPr>
+              <a:defRPr>
+                <a:solidFill>
+                  <a:srgbClr val="FFFF00"/>
+                </a:solidFill>
+              </a:defRPr>
+            </a:lvl1pPr>
+          </a:lstStyle>
+          <a:p>
+            <a:fld id="{526ADF51-C4A2-4521-899C-87F34FDB9C0A}" type="slidenum">
+              <a:rPr lang="ko-KR" altLang="en-US" smtClean="0"/>
+              <a:pPr/>
+              <a:t>‹#›</a:t>
+            </a:fld>
+            <a:r>
+              <a:rPr lang="en-US" altLang="ko-KR" dirty="0" smtClean="0"/>
+              <a:t>/35</a:t>
+            </a:r>
+            <a:endParaRPr lang="ko-KR" altLang="en-US" dirty="0"/>
+          </a:p>
+        </p:txBody>
+      </p:sp>
     </p:spTree>
     <p:extLst>
       <p:ext uri="{BB962C8B-B14F-4D97-AF65-F5344CB8AC3E}">
@@ -5160,10 +5201,6 @@
           <a:bodyPr/>
           <a:lstStyle/>
           <a:p>
-            <a:fld id="{30E72A5D-AC2D-4154-80BD-D3C3745E4EB5}" type="datetimeFigureOut">
-              <a:rPr lang="ko-KR" altLang="en-US" smtClean="0"/>
-              <a:t>2021-04-15</a:t>
-            </a:fld>
             <a:endParaRPr lang="ko-KR" altLang="en-US"/>
           </a:p>
         </p:txBody>
@@ -5373,10 +5410,6 @@
             </a:lvl1pPr>
           </a:lstStyle>
           <a:p>
-            <a:fld id="{30E72A5D-AC2D-4154-80BD-D3C3745E4EB5}" type="datetimeFigureOut">
-              <a:rPr lang="ko-KR" altLang="en-US" smtClean="0"/>
-              <a:t>2021-04-15</a:t>
-            </a:fld>
             <a:endParaRPr lang="ko-KR" altLang="en-US"/>
           </a:p>
         </p:txBody>
@@ -5471,6 +5504,7 @@
     <p:sldLayoutId id="2147483674" r:id="rId1"/>
     <p:sldLayoutId id="2147483661" r:id="rId2"/>
   </p:sldLayoutIdLst>
+  <p:hf hdr="0" ftr="0" dt="0"/>
   <p:txStyles>
     <p:titleStyle>
       <a:lvl1pPr algn="l" defTabSz="914400" rtl="0" eaLnBrk="1" latinLnBrk="1" hangingPunct="1">
@@ -6398,6 +6432,34 @@
           </a:p>
         </p:txBody>
       </p:sp>
+      <p:sp>
+        <p:nvSpPr>
+          <p:cNvPr id="2" name="슬라이드 번호 개체 틀 1"/>
+          <p:cNvSpPr>
+            <a:spLocks noGrp="1"/>
+          </p:cNvSpPr>
+          <p:nvPr>
+            <p:ph type="sldNum" sz="quarter" idx="12"/>
+          </p:nvPr>
+        </p:nvSpPr>
+        <p:spPr/>
+        <p:txBody>
+          <a:bodyPr/>
+          <a:lstStyle/>
+          <a:p>
+            <a:fld id="{526ADF51-C4A2-4521-899C-87F34FDB9C0A}" type="slidenum">
+              <a:rPr lang="ko-KR" altLang="en-US" smtClean="0"/>
+              <a:pPr/>
+              <a:t>10</a:t>
+            </a:fld>
+            <a:r>
+              <a:rPr lang="en-US" altLang="ko-KR" smtClean="0"/>
+              <a:t>/35</a:t>
+            </a:r>
+            <a:endParaRPr lang="ko-KR" altLang="en-US" dirty="0"/>
+          </a:p>
+        </p:txBody>
+      </p:sp>
     </p:spTree>
     <p:extLst>
       <p:ext uri="{BB962C8B-B14F-4D97-AF65-F5344CB8AC3E}">
@@ -7118,6 +7180,34 @@
           </a:p>
         </p:txBody>
       </p:sp>
+      <p:sp>
+        <p:nvSpPr>
+          <p:cNvPr id="2" name="슬라이드 번호 개체 틀 1"/>
+          <p:cNvSpPr>
+            <a:spLocks noGrp="1"/>
+          </p:cNvSpPr>
+          <p:nvPr>
+            <p:ph type="sldNum" sz="quarter" idx="12"/>
+          </p:nvPr>
+        </p:nvSpPr>
+        <p:spPr/>
+        <p:txBody>
+          <a:bodyPr/>
+          <a:lstStyle/>
+          <a:p>
+            <a:fld id="{526ADF51-C4A2-4521-899C-87F34FDB9C0A}" type="slidenum">
+              <a:rPr lang="ko-KR" altLang="en-US" smtClean="0"/>
+              <a:pPr/>
+              <a:t>11</a:t>
+            </a:fld>
+            <a:r>
+              <a:rPr lang="en-US" altLang="ko-KR" smtClean="0"/>
+              <a:t>/35</a:t>
+            </a:r>
+            <a:endParaRPr lang="ko-KR" altLang="en-US" dirty="0"/>
+          </a:p>
+        </p:txBody>
+      </p:sp>
     </p:spTree>
     <p:extLst>
       <p:ext uri="{BB962C8B-B14F-4D97-AF65-F5344CB8AC3E}">
@@ -7565,6 +7655,34 @@
           </a:prstGeom>
         </p:spPr>
       </p:pic>
+      <p:sp>
+        <p:nvSpPr>
+          <p:cNvPr id="2" name="슬라이드 번호 개체 틀 1"/>
+          <p:cNvSpPr>
+            <a:spLocks noGrp="1"/>
+          </p:cNvSpPr>
+          <p:nvPr>
+            <p:ph type="sldNum" sz="quarter" idx="12"/>
+          </p:nvPr>
+        </p:nvSpPr>
+        <p:spPr/>
+        <p:txBody>
+          <a:bodyPr/>
+          <a:lstStyle/>
+          <a:p>
+            <a:fld id="{526ADF51-C4A2-4521-899C-87F34FDB9C0A}" type="slidenum">
+              <a:rPr lang="ko-KR" altLang="en-US" smtClean="0"/>
+              <a:pPr/>
+              <a:t>12</a:t>
+            </a:fld>
+            <a:r>
+              <a:rPr lang="en-US" altLang="ko-KR" smtClean="0"/>
+              <a:t>/35</a:t>
+            </a:r>
+            <a:endParaRPr lang="ko-KR" altLang="en-US" dirty="0"/>
+          </a:p>
+        </p:txBody>
+      </p:sp>
     </p:spTree>
     <p:extLst>
       <p:ext uri="{BB962C8B-B14F-4D97-AF65-F5344CB8AC3E}">
@@ -8292,6 +8410,34 @@
           </a:prstGeom>
         </p:spPr>
       </p:pic>
+      <p:sp>
+        <p:nvSpPr>
+          <p:cNvPr id="2" name="슬라이드 번호 개체 틀 1"/>
+          <p:cNvSpPr>
+            <a:spLocks noGrp="1"/>
+          </p:cNvSpPr>
+          <p:nvPr>
+            <p:ph type="sldNum" sz="quarter" idx="12"/>
+          </p:nvPr>
+        </p:nvSpPr>
+        <p:spPr/>
+        <p:txBody>
+          <a:bodyPr/>
+          <a:lstStyle/>
+          <a:p>
+            <a:fld id="{526ADF51-C4A2-4521-899C-87F34FDB9C0A}" type="slidenum">
+              <a:rPr lang="ko-KR" altLang="en-US" smtClean="0"/>
+              <a:pPr/>
+              <a:t>13</a:t>
+            </a:fld>
+            <a:r>
+              <a:rPr lang="en-US" altLang="ko-KR" smtClean="0"/>
+              <a:t>/35</a:t>
+            </a:r>
+            <a:endParaRPr lang="ko-KR" altLang="en-US" dirty="0"/>
+          </a:p>
+        </p:txBody>
+      </p:sp>
     </p:spTree>
     <p:extLst>
       <p:ext uri="{BB962C8B-B14F-4D97-AF65-F5344CB8AC3E}">
@@ -8903,6 +9049,34 @@
           </a:prstGeom>
         </p:spPr>
       </p:pic>
+      <p:sp>
+        <p:nvSpPr>
+          <p:cNvPr id="2" name="슬라이드 번호 개체 틀 1"/>
+          <p:cNvSpPr>
+            <a:spLocks noGrp="1"/>
+          </p:cNvSpPr>
+          <p:nvPr>
+            <p:ph type="sldNum" sz="quarter" idx="12"/>
+          </p:nvPr>
+        </p:nvSpPr>
+        <p:spPr/>
+        <p:txBody>
+          <a:bodyPr/>
+          <a:lstStyle/>
+          <a:p>
+            <a:fld id="{526ADF51-C4A2-4521-899C-87F34FDB9C0A}" type="slidenum">
+              <a:rPr lang="ko-KR" altLang="en-US" smtClean="0"/>
+              <a:pPr/>
+              <a:t>14</a:t>
+            </a:fld>
+            <a:r>
+              <a:rPr lang="en-US" altLang="ko-KR" smtClean="0"/>
+              <a:t>/35</a:t>
+            </a:r>
+            <a:endParaRPr lang="ko-KR" altLang="en-US" dirty="0"/>
+          </a:p>
+        </p:txBody>
+      </p:sp>
     </p:spTree>
     <p:extLst>
       <p:ext uri="{BB962C8B-B14F-4D97-AF65-F5344CB8AC3E}">
@@ -9441,6 +9615,34 @@
               <a:rPr lang="ko-KR" altLang="en-US" dirty="0"/>
               <a:t>하기</a:t>
             </a:r>
+          </a:p>
+        </p:txBody>
+      </p:sp>
+      <p:sp>
+        <p:nvSpPr>
+          <p:cNvPr id="2" name="슬라이드 번호 개체 틀 1"/>
+          <p:cNvSpPr>
+            <a:spLocks noGrp="1"/>
+          </p:cNvSpPr>
+          <p:nvPr>
+            <p:ph type="sldNum" sz="quarter" idx="12"/>
+          </p:nvPr>
+        </p:nvSpPr>
+        <p:spPr/>
+        <p:txBody>
+          <a:bodyPr/>
+          <a:lstStyle/>
+          <a:p>
+            <a:fld id="{526ADF51-C4A2-4521-899C-87F34FDB9C0A}" type="slidenum">
+              <a:rPr lang="ko-KR" altLang="en-US" smtClean="0"/>
+              <a:pPr/>
+              <a:t>15</a:t>
+            </a:fld>
+            <a:r>
+              <a:rPr lang="en-US" altLang="ko-KR" smtClean="0"/>
+              <a:t>/35</a:t>
+            </a:r>
+            <a:endParaRPr lang="ko-KR" altLang="en-US" dirty="0"/>
           </a:p>
         </p:txBody>
       </p:sp>
@@ -10141,6 +10343,34 @@
           </a:p>
         </p:txBody>
       </p:sp>
+      <p:sp>
+        <p:nvSpPr>
+          <p:cNvPr id="2" name="슬라이드 번호 개체 틀 1"/>
+          <p:cNvSpPr>
+            <a:spLocks noGrp="1"/>
+          </p:cNvSpPr>
+          <p:nvPr>
+            <p:ph type="sldNum" sz="quarter" idx="12"/>
+          </p:nvPr>
+        </p:nvSpPr>
+        <p:spPr/>
+        <p:txBody>
+          <a:bodyPr/>
+          <a:lstStyle/>
+          <a:p>
+            <a:fld id="{526ADF51-C4A2-4521-899C-87F34FDB9C0A}" type="slidenum">
+              <a:rPr lang="ko-KR" altLang="en-US" smtClean="0"/>
+              <a:pPr/>
+              <a:t>16</a:t>
+            </a:fld>
+            <a:r>
+              <a:rPr lang="en-US" altLang="ko-KR" smtClean="0"/>
+              <a:t>/35</a:t>
+            </a:r>
+            <a:endParaRPr lang="ko-KR" altLang="en-US" dirty="0"/>
+          </a:p>
+        </p:txBody>
+      </p:sp>
     </p:spTree>
     <p:extLst>
       <p:ext uri="{BB962C8B-B14F-4D97-AF65-F5344CB8AC3E}">
@@ -10661,6 +10891,34 @@
               <a:rPr lang="en-US" altLang="ko-KR" dirty="0"/>
               <a:t>      </a:t>
             </a:r>
+          </a:p>
+        </p:txBody>
+      </p:sp>
+      <p:sp>
+        <p:nvSpPr>
+          <p:cNvPr id="2" name="슬라이드 번호 개체 틀 1"/>
+          <p:cNvSpPr>
+            <a:spLocks noGrp="1"/>
+          </p:cNvSpPr>
+          <p:nvPr>
+            <p:ph type="sldNum" sz="quarter" idx="12"/>
+          </p:nvPr>
+        </p:nvSpPr>
+        <p:spPr/>
+        <p:txBody>
+          <a:bodyPr/>
+          <a:lstStyle/>
+          <a:p>
+            <a:fld id="{526ADF51-C4A2-4521-899C-87F34FDB9C0A}" type="slidenum">
+              <a:rPr lang="ko-KR" altLang="en-US" smtClean="0"/>
+              <a:pPr/>
+              <a:t>17</a:t>
+            </a:fld>
+            <a:r>
+              <a:rPr lang="en-US" altLang="ko-KR" smtClean="0"/>
+              <a:t>/35</a:t>
+            </a:r>
+            <a:endParaRPr lang="ko-KR" altLang="en-US" dirty="0"/>
           </a:p>
         </p:txBody>
       </p:sp>
@@ -11624,6 +11882,34 @@
           </a:fontRef>
         </p:style>
       </p:cxnSp>
+      <p:sp>
+        <p:nvSpPr>
+          <p:cNvPr id="2" name="슬라이드 번호 개체 틀 1"/>
+          <p:cNvSpPr>
+            <a:spLocks noGrp="1"/>
+          </p:cNvSpPr>
+          <p:nvPr>
+            <p:ph type="sldNum" sz="quarter" idx="12"/>
+          </p:nvPr>
+        </p:nvSpPr>
+        <p:spPr/>
+        <p:txBody>
+          <a:bodyPr/>
+          <a:lstStyle/>
+          <a:p>
+            <a:fld id="{526ADF51-C4A2-4521-899C-87F34FDB9C0A}" type="slidenum">
+              <a:rPr lang="ko-KR" altLang="en-US" smtClean="0"/>
+              <a:pPr/>
+              <a:t>18</a:t>
+            </a:fld>
+            <a:r>
+              <a:rPr lang="en-US" altLang="ko-KR" smtClean="0"/>
+              <a:t>/35</a:t>
+            </a:r>
+            <a:endParaRPr lang="ko-KR" altLang="en-US" dirty="0"/>
+          </a:p>
+        </p:txBody>
+      </p:sp>
     </p:spTree>
     <p:extLst>
       <p:ext uri="{BB962C8B-B14F-4D97-AF65-F5344CB8AC3E}">
@@ -12375,6 +12661,34 @@
           </a:p>
         </p:txBody>
       </p:sp>
+      <p:sp>
+        <p:nvSpPr>
+          <p:cNvPr id="2" name="슬라이드 번호 개체 틀 1"/>
+          <p:cNvSpPr>
+            <a:spLocks noGrp="1"/>
+          </p:cNvSpPr>
+          <p:nvPr>
+            <p:ph type="sldNum" sz="quarter" idx="12"/>
+          </p:nvPr>
+        </p:nvSpPr>
+        <p:spPr/>
+        <p:txBody>
+          <a:bodyPr/>
+          <a:lstStyle/>
+          <a:p>
+            <a:fld id="{526ADF51-C4A2-4521-899C-87F34FDB9C0A}" type="slidenum">
+              <a:rPr lang="ko-KR" altLang="en-US" smtClean="0"/>
+              <a:pPr/>
+              <a:t>19</a:t>
+            </a:fld>
+            <a:r>
+              <a:rPr lang="en-US" altLang="ko-KR" smtClean="0"/>
+              <a:t>/35</a:t>
+            </a:r>
+            <a:endParaRPr lang="ko-KR" altLang="en-US" dirty="0"/>
+          </a:p>
+        </p:txBody>
+      </p:sp>
     </p:spTree>
     <p:extLst>
       <p:ext uri="{BB962C8B-B14F-4D97-AF65-F5344CB8AC3E}">
@@ -13811,6 +14125,34 @@
             <a:endParaRPr lang="en-US" altLang="ko-KR" dirty="0">
               <a:latin typeface="+mn-ea"/>
             </a:endParaRPr>
+          </a:p>
+        </p:txBody>
+      </p:sp>
+      <p:sp>
+        <p:nvSpPr>
+          <p:cNvPr id="3" name="슬라이드 번호 개체 틀 2"/>
+          <p:cNvSpPr>
+            <a:spLocks noGrp="1"/>
+          </p:cNvSpPr>
+          <p:nvPr>
+            <p:ph type="sldNum" sz="quarter" idx="12"/>
+          </p:nvPr>
+        </p:nvSpPr>
+        <p:spPr/>
+        <p:txBody>
+          <a:bodyPr/>
+          <a:lstStyle/>
+          <a:p>
+            <a:fld id="{526ADF51-C4A2-4521-899C-87F34FDB9C0A}" type="slidenum">
+              <a:rPr lang="ko-KR" altLang="en-US" smtClean="0"/>
+              <a:pPr/>
+              <a:t>2</a:t>
+            </a:fld>
+            <a:r>
+              <a:rPr lang="en-US" altLang="ko-KR" smtClean="0"/>
+              <a:t>/35</a:t>
+            </a:r>
+            <a:endParaRPr lang="ko-KR" altLang="en-US" dirty="0"/>
           </a:p>
         </p:txBody>
       </p:sp>
@@ -14256,6 +14598,34 @@
                 <a:srgbClr val="FF0000"/>
               </a:solidFill>
             </a:endParaRPr>
+          </a:p>
+        </p:txBody>
+      </p:sp>
+      <p:sp>
+        <p:nvSpPr>
+          <p:cNvPr id="2" name="슬라이드 번호 개체 틀 1"/>
+          <p:cNvSpPr>
+            <a:spLocks noGrp="1"/>
+          </p:cNvSpPr>
+          <p:nvPr>
+            <p:ph type="sldNum" sz="quarter" idx="12"/>
+          </p:nvPr>
+        </p:nvSpPr>
+        <p:spPr/>
+        <p:txBody>
+          <a:bodyPr/>
+          <a:lstStyle/>
+          <a:p>
+            <a:fld id="{526ADF51-C4A2-4521-899C-87F34FDB9C0A}" type="slidenum">
+              <a:rPr lang="ko-KR" altLang="en-US" smtClean="0"/>
+              <a:pPr/>
+              <a:t>20</a:t>
+            </a:fld>
+            <a:r>
+              <a:rPr lang="en-US" altLang="ko-KR" smtClean="0"/>
+              <a:t>/35</a:t>
+            </a:r>
+            <a:endParaRPr lang="ko-KR" altLang="en-US" dirty="0"/>
           </a:p>
         </p:txBody>
       </p:sp>
@@ -14908,6 +15278,34 @@
           </a:p>
         </p:txBody>
       </p:sp>
+      <p:sp>
+        <p:nvSpPr>
+          <p:cNvPr id="2" name="슬라이드 번호 개체 틀 1"/>
+          <p:cNvSpPr>
+            <a:spLocks noGrp="1"/>
+          </p:cNvSpPr>
+          <p:nvPr>
+            <p:ph type="sldNum" sz="quarter" idx="12"/>
+          </p:nvPr>
+        </p:nvSpPr>
+        <p:spPr/>
+        <p:txBody>
+          <a:bodyPr/>
+          <a:lstStyle/>
+          <a:p>
+            <a:fld id="{526ADF51-C4A2-4521-899C-87F34FDB9C0A}" type="slidenum">
+              <a:rPr lang="ko-KR" altLang="en-US" smtClean="0"/>
+              <a:pPr/>
+              <a:t>21</a:t>
+            </a:fld>
+            <a:r>
+              <a:rPr lang="en-US" altLang="ko-KR" smtClean="0"/>
+              <a:t>/35</a:t>
+            </a:r>
+            <a:endParaRPr lang="ko-KR" altLang="en-US" dirty="0"/>
+          </a:p>
+        </p:txBody>
+      </p:sp>
     </p:spTree>
     <p:extLst>
       <p:ext uri="{BB962C8B-B14F-4D97-AF65-F5344CB8AC3E}">
@@ -15473,6 +15871,34 @@
           </a:fontRef>
         </p:style>
       </p:cxnSp>
+      <p:sp>
+        <p:nvSpPr>
+          <p:cNvPr id="2" name="슬라이드 번호 개체 틀 1"/>
+          <p:cNvSpPr>
+            <a:spLocks noGrp="1"/>
+          </p:cNvSpPr>
+          <p:nvPr>
+            <p:ph type="sldNum" sz="quarter" idx="12"/>
+          </p:nvPr>
+        </p:nvSpPr>
+        <p:spPr/>
+        <p:txBody>
+          <a:bodyPr/>
+          <a:lstStyle/>
+          <a:p>
+            <a:fld id="{526ADF51-C4A2-4521-899C-87F34FDB9C0A}" type="slidenum">
+              <a:rPr lang="ko-KR" altLang="en-US" smtClean="0"/>
+              <a:pPr/>
+              <a:t>22</a:t>
+            </a:fld>
+            <a:r>
+              <a:rPr lang="en-US" altLang="ko-KR" smtClean="0"/>
+              <a:t>/35</a:t>
+            </a:r>
+            <a:endParaRPr lang="ko-KR" altLang="en-US" dirty="0"/>
+          </a:p>
+        </p:txBody>
+      </p:sp>
     </p:spTree>
     <p:extLst>
       <p:ext uri="{BB962C8B-B14F-4D97-AF65-F5344CB8AC3E}">
@@ -16139,6 +16565,34 @@
           </a:p>
         </p:txBody>
       </p:sp>
+      <p:sp>
+        <p:nvSpPr>
+          <p:cNvPr id="6" name="슬라이드 번호 개체 틀 5"/>
+          <p:cNvSpPr>
+            <a:spLocks noGrp="1"/>
+          </p:cNvSpPr>
+          <p:nvPr>
+            <p:ph type="sldNum" sz="quarter" idx="12"/>
+          </p:nvPr>
+        </p:nvSpPr>
+        <p:spPr/>
+        <p:txBody>
+          <a:bodyPr/>
+          <a:lstStyle/>
+          <a:p>
+            <a:fld id="{526ADF51-C4A2-4521-899C-87F34FDB9C0A}" type="slidenum">
+              <a:rPr lang="ko-KR" altLang="en-US" smtClean="0"/>
+              <a:pPr/>
+              <a:t>23</a:t>
+            </a:fld>
+            <a:r>
+              <a:rPr lang="en-US" altLang="ko-KR" smtClean="0"/>
+              <a:t>/35</a:t>
+            </a:r>
+            <a:endParaRPr lang="ko-KR" altLang="en-US" dirty="0"/>
+          </a:p>
+        </p:txBody>
+      </p:sp>
     </p:spTree>
     <p:extLst>
       <p:ext uri="{BB962C8B-B14F-4D97-AF65-F5344CB8AC3E}">
@@ -16727,6 +17181,34 @@
           </a:p>
         </p:txBody>
       </p:sp>
+      <p:sp>
+        <p:nvSpPr>
+          <p:cNvPr id="2" name="슬라이드 번호 개체 틀 1"/>
+          <p:cNvSpPr>
+            <a:spLocks noGrp="1"/>
+          </p:cNvSpPr>
+          <p:nvPr>
+            <p:ph type="sldNum" sz="quarter" idx="12"/>
+          </p:nvPr>
+        </p:nvSpPr>
+        <p:spPr/>
+        <p:txBody>
+          <a:bodyPr/>
+          <a:lstStyle/>
+          <a:p>
+            <a:fld id="{526ADF51-C4A2-4521-899C-87F34FDB9C0A}" type="slidenum">
+              <a:rPr lang="ko-KR" altLang="en-US" smtClean="0"/>
+              <a:pPr/>
+              <a:t>24</a:t>
+            </a:fld>
+            <a:r>
+              <a:rPr lang="en-US" altLang="ko-KR" smtClean="0"/>
+              <a:t>/35</a:t>
+            </a:r>
+            <a:endParaRPr lang="ko-KR" altLang="en-US" dirty="0"/>
+          </a:p>
+        </p:txBody>
+      </p:sp>
     </p:spTree>
     <p:extLst>
       <p:ext uri="{BB962C8B-B14F-4D97-AF65-F5344CB8AC3E}">
@@ -17355,6 +17837,34 @@
           </a:fontRef>
         </p:style>
       </p:cxnSp>
+      <p:sp>
+        <p:nvSpPr>
+          <p:cNvPr id="2" name="슬라이드 번호 개체 틀 1"/>
+          <p:cNvSpPr>
+            <a:spLocks noGrp="1"/>
+          </p:cNvSpPr>
+          <p:nvPr>
+            <p:ph type="sldNum" sz="quarter" idx="12"/>
+          </p:nvPr>
+        </p:nvSpPr>
+        <p:spPr/>
+        <p:txBody>
+          <a:bodyPr/>
+          <a:lstStyle/>
+          <a:p>
+            <a:fld id="{526ADF51-C4A2-4521-899C-87F34FDB9C0A}" type="slidenum">
+              <a:rPr lang="ko-KR" altLang="en-US" smtClean="0"/>
+              <a:pPr/>
+              <a:t>25</a:t>
+            </a:fld>
+            <a:r>
+              <a:rPr lang="en-US" altLang="ko-KR" smtClean="0"/>
+              <a:t>/35</a:t>
+            </a:r>
+            <a:endParaRPr lang="ko-KR" altLang="en-US" dirty="0"/>
+          </a:p>
+        </p:txBody>
+      </p:sp>
     </p:spTree>
     <p:extLst>
       <p:ext uri="{BB962C8B-B14F-4D97-AF65-F5344CB8AC3E}">
@@ -18071,6 +18581,34 @@
           </a:p>
         </p:txBody>
       </p:sp>
+      <p:sp>
+        <p:nvSpPr>
+          <p:cNvPr id="2" name="슬라이드 번호 개체 틀 1"/>
+          <p:cNvSpPr>
+            <a:spLocks noGrp="1"/>
+          </p:cNvSpPr>
+          <p:nvPr>
+            <p:ph type="sldNum" sz="quarter" idx="12"/>
+          </p:nvPr>
+        </p:nvSpPr>
+        <p:spPr/>
+        <p:txBody>
+          <a:bodyPr/>
+          <a:lstStyle/>
+          <a:p>
+            <a:fld id="{526ADF51-C4A2-4521-899C-87F34FDB9C0A}" type="slidenum">
+              <a:rPr lang="ko-KR" altLang="en-US" smtClean="0"/>
+              <a:pPr/>
+              <a:t>26</a:t>
+            </a:fld>
+            <a:r>
+              <a:rPr lang="en-US" altLang="ko-KR" smtClean="0"/>
+              <a:t>/35</a:t>
+            </a:r>
+            <a:endParaRPr lang="ko-KR" altLang="en-US" dirty="0"/>
+          </a:p>
+        </p:txBody>
+      </p:sp>
     </p:spTree>
     <p:extLst>
       <p:ext uri="{BB962C8B-B14F-4D97-AF65-F5344CB8AC3E}">
@@ -18574,6 +19112,34 @@
           </a:p>
         </p:txBody>
       </p:sp>
+      <p:sp>
+        <p:nvSpPr>
+          <p:cNvPr id="2" name="슬라이드 번호 개체 틀 1"/>
+          <p:cNvSpPr>
+            <a:spLocks noGrp="1"/>
+          </p:cNvSpPr>
+          <p:nvPr>
+            <p:ph type="sldNum" sz="quarter" idx="12"/>
+          </p:nvPr>
+        </p:nvSpPr>
+        <p:spPr/>
+        <p:txBody>
+          <a:bodyPr/>
+          <a:lstStyle/>
+          <a:p>
+            <a:fld id="{526ADF51-C4A2-4521-899C-87F34FDB9C0A}" type="slidenum">
+              <a:rPr lang="ko-KR" altLang="en-US" smtClean="0"/>
+              <a:pPr/>
+              <a:t>27</a:t>
+            </a:fld>
+            <a:r>
+              <a:rPr lang="en-US" altLang="ko-KR" smtClean="0"/>
+              <a:t>/35</a:t>
+            </a:r>
+            <a:endParaRPr lang="ko-KR" altLang="en-US" dirty="0"/>
+          </a:p>
+        </p:txBody>
+      </p:sp>
     </p:spTree>
     <p:extLst>
       <p:ext uri="{BB962C8B-B14F-4D97-AF65-F5344CB8AC3E}">
@@ -19246,6 +19812,34 @@
           </a:p>
         </p:txBody>
       </p:sp>
+      <p:sp>
+        <p:nvSpPr>
+          <p:cNvPr id="2" name="슬라이드 번호 개체 틀 1"/>
+          <p:cNvSpPr>
+            <a:spLocks noGrp="1"/>
+          </p:cNvSpPr>
+          <p:nvPr>
+            <p:ph type="sldNum" sz="quarter" idx="12"/>
+          </p:nvPr>
+        </p:nvSpPr>
+        <p:spPr/>
+        <p:txBody>
+          <a:bodyPr/>
+          <a:lstStyle/>
+          <a:p>
+            <a:fld id="{526ADF51-C4A2-4521-899C-87F34FDB9C0A}" type="slidenum">
+              <a:rPr lang="ko-KR" altLang="en-US" smtClean="0"/>
+              <a:pPr/>
+              <a:t>28</a:t>
+            </a:fld>
+            <a:r>
+              <a:rPr lang="en-US" altLang="ko-KR" smtClean="0"/>
+              <a:t>/35</a:t>
+            </a:r>
+            <a:endParaRPr lang="ko-KR" altLang="en-US" dirty="0"/>
+          </a:p>
+        </p:txBody>
+      </p:sp>
     </p:spTree>
     <p:extLst>
       <p:ext uri="{BB962C8B-B14F-4D97-AF65-F5344CB8AC3E}">
@@ -19742,6 +20336,34 @@
             <a:endParaRPr lang="en-US" altLang="ko-KR" dirty="0">
               <a:latin typeface="+mn-ea"/>
             </a:endParaRPr>
+          </a:p>
+        </p:txBody>
+      </p:sp>
+      <p:sp>
+        <p:nvSpPr>
+          <p:cNvPr id="2" name="슬라이드 번호 개체 틀 1"/>
+          <p:cNvSpPr>
+            <a:spLocks noGrp="1"/>
+          </p:cNvSpPr>
+          <p:nvPr>
+            <p:ph type="sldNum" sz="quarter" idx="12"/>
+          </p:nvPr>
+        </p:nvSpPr>
+        <p:spPr/>
+        <p:txBody>
+          <a:bodyPr/>
+          <a:lstStyle/>
+          <a:p>
+            <a:fld id="{526ADF51-C4A2-4521-899C-87F34FDB9C0A}" type="slidenum">
+              <a:rPr lang="ko-KR" altLang="en-US" smtClean="0"/>
+              <a:pPr/>
+              <a:t>29</a:t>
+            </a:fld>
+            <a:r>
+              <a:rPr lang="en-US" altLang="ko-KR" smtClean="0"/>
+              <a:t>/35</a:t>
+            </a:r>
+            <a:endParaRPr lang="ko-KR" altLang="en-US" dirty="0"/>
           </a:p>
         </p:txBody>
       </p:sp>
@@ -20629,6 +21251,34 @@
           </a:p>
         </p:txBody>
       </p:sp>
+      <p:sp>
+        <p:nvSpPr>
+          <p:cNvPr id="2" name="슬라이드 번호 개체 틀 1"/>
+          <p:cNvSpPr>
+            <a:spLocks noGrp="1"/>
+          </p:cNvSpPr>
+          <p:nvPr>
+            <p:ph type="sldNum" sz="quarter" idx="12"/>
+          </p:nvPr>
+        </p:nvSpPr>
+        <p:spPr/>
+        <p:txBody>
+          <a:bodyPr/>
+          <a:lstStyle/>
+          <a:p>
+            <a:fld id="{526ADF51-C4A2-4521-899C-87F34FDB9C0A}" type="slidenum">
+              <a:rPr lang="ko-KR" altLang="en-US" smtClean="0"/>
+              <a:pPr/>
+              <a:t>3</a:t>
+            </a:fld>
+            <a:r>
+              <a:rPr lang="en-US" altLang="ko-KR" smtClean="0"/>
+              <a:t>/35</a:t>
+            </a:r>
+            <a:endParaRPr lang="ko-KR" altLang="en-US" dirty="0"/>
+          </a:p>
+        </p:txBody>
+      </p:sp>
     </p:spTree>
     <p:extLst>
       <p:ext uri="{BB962C8B-B14F-4D97-AF65-F5344CB8AC3E}">
@@ -21046,6 +21696,34 @@
           </a:p>
         </p:txBody>
       </p:sp>
+      <p:sp>
+        <p:nvSpPr>
+          <p:cNvPr id="2" name="슬라이드 번호 개체 틀 1"/>
+          <p:cNvSpPr>
+            <a:spLocks noGrp="1"/>
+          </p:cNvSpPr>
+          <p:nvPr>
+            <p:ph type="sldNum" sz="quarter" idx="12"/>
+          </p:nvPr>
+        </p:nvSpPr>
+        <p:spPr/>
+        <p:txBody>
+          <a:bodyPr/>
+          <a:lstStyle/>
+          <a:p>
+            <a:fld id="{526ADF51-C4A2-4521-899C-87F34FDB9C0A}" type="slidenum">
+              <a:rPr lang="ko-KR" altLang="en-US" smtClean="0"/>
+              <a:pPr/>
+              <a:t>30</a:t>
+            </a:fld>
+            <a:r>
+              <a:rPr lang="en-US" altLang="ko-KR" smtClean="0"/>
+              <a:t>/35</a:t>
+            </a:r>
+            <a:endParaRPr lang="ko-KR" altLang="en-US" dirty="0"/>
+          </a:p>
+        </p:txBody>
+      </p:sp>
     </p:spTree>
     <p:extLst>
       <p:ext uri="{BB962C8B-B14F-4D97-AF65-F5344CB8AC3E}">
@@ -21542,6 +22220,34 @@
           </a:fontRef>
         </p:style>
       </p:cxnSp>
+      <p:sp>
+        <p:nvSpPr>
+          <p:cNvPr id="2" name="슬라이드 번호 개체 틀 1"/>
+          <p:cNvSpPr>
+            <a:spLocks noGrp="1"/>
+          </p:cNvSpPr>
+          <p:nvPr>
+            <p:ph type="sldNum" sz="quarter" idx="12"/>
+          </p:nvPr>
+        </p:nvSpPr>
+        <p:spPr/>
+        <p:txBody>
+          <a:bodyPr/>
+          <a:lstStyle/>
+          <a:p>
+            <a:fld id="{526ADF51-C4A2-4521-899C-87F34FDB9C0A}" type="slidenum">
+              <a:rPr lang="ko-KR" altLang="en-US" smtClean="0"/>
+              <a:pPr/>
+              <a:t>31</a:t>
+            </a:fld>
+            <a:r>
+              <a:rPr lang="en-US" altLang="ko-KR" smtClean="0"/>
+              <a:t>/35</a:t>
+            </a:r>
+            <a:endParaRPr lang="ko-KR" altLang="en-US" dirty="0"/>
+          </a:p>
+        </p:txBody>
+      </p:sp>
     </p:spTree>
     <p:extLst>
       <p:ext uri="{BB962C8B-B14F-4D97-AF65-F5344CB8AC3E}">
@@ -22061,6 +22767,34 @@
           </a:prstGeom>
         </p:spPr>
       </p:pic>
+      <p:sp>
+        <p:nvSpPr>
+          <p:cNvPr id="2" name="슬라이드 번호 개체 틀 1"/>
+          <p:cNvSpPr>
+            <a:spLocks noGrp="1"/>
+          </p:cNvSpPr>
+          <p:nvPr>
+            <p:ph type="sldNum" sz="quarter" idx="12"/>
+          </p:nvPr>
+        </p:nvSpPr>
+        <p:spPr/>
+        <p:txBody>
+          <a:bodyPr/>
+          <a:lstStyle/>
+          <a:p>
+            <a:fld id="{526ADF51-C4A2-4521-899C-87F34FDB9C0A}" type="slidenum">
+              <a:rPr lang="ko-KR" altLang="en-US" smtClean="0"/>
+              <a:pPr/>
+              <a:t>32</a:t>
+            </a:fld>
+            <a:r>
+              <a:rPr lang="en-US" altLang="ko-KR" smtClean="0"/>
+              <a:t>/35</a:t>
+            </a:r>
+            <a:endParaRPr lang="ko-KR" altLang="en-US" dirty="0"/>
+          </a:p>
+        </p:txBody>
+      </p:sp>
     </p:spTree>
     <p:extLst>
       <p:ext uri="{BB962C8B-B14F-4D97-AF65-F5344CB8AC3E}">
@@ -22864,6 +23598,34 @@
           </a:fontRef>
         </p:style>
       </p:cxnSp>
+      <p:sp>
+        <p:nvSpPr>
+          <p:cNvPr id="2" name="슬라이드 번호 개체 틀 1"/>
+          <p:cNvSpPr>
+            <a:spLocks noGrp="1"/>
+          </p:cNvSpPr>
+          <p:nvPr>
+            <p:ph type="sldNum" sz="quarter" idx="12"/>
+          </p:nvPr>
+        </p:nvSpPr>
+        <p:spPr/>
+        <p:txBody>
+          <a:bodyPr/>
+          <a:lstStyle/>
+          <a:p>
+            <a:fld id="{526ADF51-C4A2-4521-899C-87F34FDB9C0A}" type="slidenum">
+              <a:rPr lang="ko-KR" altLang="en-US" smtClean="0"/>
+              <a:pPr/>
+              <a:t>33</a:t>
+            </a:fld>
+            <a:r>
+              <a:rPr lang="en-US" altLang="ko-KR" smtClean="0"/>
+              <a:t>/35</a:t>
+            </a:r>
+            <a:endParaRPr lang="ko-KR" altLang="en-US" dirty="0"/>
+          </a:p>
+        </p:txBody>
+      </p:sp>
     </p:spTree>
     <p:extLst>
       <p:ext uri="{BB962C8B-B14F-4D97-AF65-F5344CB8AC3E}">
@@ -23781,6 +24543,34 @@
           </a:p>
         </p:txBody>
       </p:sp>
+      <p:sp>
+        <p:nvSpPr>
+          <p:cNvPr id="2" name="슬라이드 번호 개체 틀 1"/>
+          <p:cNvSpPr>
+            <a:spLocks noGrp="1"/>
+          </p:cNvSpPr>
+          <p:nvPr>
+            <p:ph type="sldNum" sz="quarter" idx="12"/>
+          </p:nvPr>
+        </p:nvSpPr>
+        <p:spPr/>
+        <p:txBody>
+          <a:bodyPr/>
+          <a:lstStyle/>
+          <a:p>
+            <a:fld id="{526ADF51-C4A2-4521-899C-87F34FDB9C0A}" type="slidenum">
+              <a:rPr lang="ko-KR" altLang="en-US" smtClean="0"/>
+              <a:pPr/>
+              <a:t>34</a:t>
+            </a:fld>
+            <a:r>
+              <a:rPr lang="en-US" altLang="ko-KR" smtClean="0"/>
+              <a:t>/35</a:t>
+            </a:r>
+            <a:endParaRPr lang="ko-KR" altLang="en-US" dirty="0"/>
+          </a:p>
+        </p:txBody>
+      </p:sp>
     </p:spTree>
     <p:extLst>
       <p:ext uri="{BB962C8B-B14F-4D97-AF65-F5344CB8AC3E}">
@@ -24540,6 +25330,34 @@
           </a:p>
         </p:txBody>
       </p:sp>
+      <p:sp>
+        <p:nvSpPr>
+          <p:cNvPr id="2" name="슬라이드 번호 개체 틀 1"/>
+          <p:cNvSpPr>
+            <a:spLocks noGrp="1"/>
+          </p:cNvSpPr>
+          <p:nvPr>
+            <p:ph type="sldNum" sz="quarter" idx="12"/>
+          </p:nvPr>
+        </p:nvSpPr>
+        <p:spPr/>
+        <p:txBody>
+          <a:bodyPr/>
+          <a:lstStyle/>
+          <a:p>
+            <a:fld id="{526ADF51-C4A2-4521-899C-87F34FDB9C0A}" type="slidenum">
+              <a:rPr lang="ko-KR" altLang="en-US" smtClean="0"/>
+              <a:pPr/>
+              <a:t>35</a:t>
+            </a:fld>
+            <a:r>
+              <a:rPr lang="en-US" altLang="ko-KR" smtClean="0"/>
+              <a:t>/35</a:t>
+            </a:r>
+            <a:endParaRPr lang="ko-KR" altLang="en-US" dirty="0"/>
+          </a:p>
+        </p:txBody>
+      </p:sp>
     </p:spTree>
     <p:extLst>
       <p:ext uri="{BB962C8B-B14F-4D97-AF65-F5344CB8AC3E}">
@@ -24830,6 +25648,34 @@
             <a:endParaRPr lang="en-US" altLang="ko-KR" dirty="0">
               <a:latin typeface="+mn-ea"/>
             </a:endParaRPr>
+          </a:p>
+        </p:txBody>
+      </p:sp>
+      <p:sp>
+        <p:nvSpPr>
+          <p:cNvPr id="2" name="슬라이드 번호 개체 틀 1"/>
+          <p:cNvSpPr>
+            <a:spLocks noGrp="1"/>
+          </p:cNvSpPr>
+          <p:nvPr>
+            <p:ph type="sldNum" sz="quarter" idx="12"/>
+          </p:nvPr>
+        </p:nvSpPr>
+        <p:spPr/>
+        <p:txBody>
+          <a:bodyPr/>
+          <a:lstStyle/>
+          <a:p>
+            <a:fld id="{526ADF51-C4A2-4521-899C-87F34FDB9C0A}" type="slidenum">
+              <a:rPr lang="ko-KR" altLang="en-US" smtClean="0"/>
+              <a:pPr/>
+              <a:t>36</a:t>
+            </a:fld>
+            <a:r>
+              <a:rPr lang="en-US" altLang="ko-KR" smtClean="0"/>
+              <a:t>/35</a:t>
+            </a:r>
+            <a:endParaRPr lang="ko-KR" altLang="en-US" dirty="0"/>
           </a:p>
         </p:txBody>
       </p:sp>
@@ -25594,6 +26440,34 @@
           </a:fontRef>
         </p:style>
       </p:cxnSp>
+      <p:sp>
+        <p:nvSpPr>
+          <p:cNvPr id="2" name="슬라이드 번호 개체 틀 1"/>
+          <p:cNvSpPr>
+            <a:spLocks noGrp="1"/>
+          </p:cNvSpPr>
+          <p:nvPr>
+            <p:ph type="sldNum" sz="quarter" idx="12"/>
+          </p:nvPr>
+        </p:nvSpPr>
+        <p:spPr/>
+        <p:txBody>
+          <a:bodyPr/>
+          <a:lstStyle/>
+          <a:p>
+            <a:fld id="{526ADF51-C4A2-4521-899C-87F34FDB9C0A}" type="slidenum">
+              <a:rPr lang="ko-KR" altLang="en-US" smtClean="0"/>
+              <a:pPr/>
+              <a:t>37</a:t>
+            </a:fld>
+            <a:r>
+              <a:rPr lang="en-US" altLang="ko-KR" smtClean="0"/>
+              <a:t>/35</a:t>
+            </a:r>
+            <a:endParaRPr lang="ko-KR" altLang="en-US" dirty="0"/>
+          </a:p>
+        </p:txBody>
+      </p:sp>
     </p:spTree>
     <p:extLst>
       <p:ext uri="{BB962C8B-B14F-4D97-AF65-F5344CB8AC3E}">
@@ -26168,6 +27042,34 @@
           </a:p>
         </p:txBody>
       </p:sp>
+      <p:sp>
+        <p:nvSpPr>
+          <p:cNvPr id="2" name="슬라이드 번호 개체 틀 1"/>
+          <p:cNvSpPr>
+            <a:spLocks noGrp="1"/>
+          </p:cNvSpPr>
+          <p:nvPr>
+            <p:ph type="sldNum" sz="quarter" idx="12"/>
+          </p:nvPr>
+        </p:nvSpPr>
+        <p:spPr/>
+        <p:txBody>
+          <a:bodyPr/>
+          <a:lstStyle/>
+          <a:p>
+            <a:fld id="{526ADF51-C4A2-4521-899C-87F34FDB9C0A}" type="slidenum">
+              <a:rPr lang="ko-KR" altLang="en-US" smtClean="0"/>
+              <a:pPr/>
+              <a:t>4</a:t>
+            </a:fld>
+            <a:r>
+              <a:rPr lang="en-US" altLang="ko-KR" smtClean="0"/>
+              <a:t>/35</a:t>
+            </a:r>
+            <a:endParaRPr lang="ko-KR" altLang="en-US" dirty="0"/>
+          </a:p>
+        </p:txBody>
+      </p:sp>
     </p:spTree>
     <p:extLst>
       <p:ext uri="{BB962C8B-B14F-4D97-AF65-F5344CB8AC3E}">
@@ -26881,6 +27783,34 @@
           </a:fontRef>
         </p:style>
       </p:cxnSp>
+      <p:sp>
+        <p:nvSpPr>
+          <p:cNvPr id="2" name="슬라이드 번호 개체 틀 1"/>
+          <p:cNvSpPr>
+            <a:spLocks noGrp="1"/>
+          </p:cNvSpPr>
+          <p:nvPr>
+            <p:ph type="sldNum" sz="quarter" idx="12"/>
+          </p:nvPr>
+        </p:nvSpPr>
+        <p:spPr/>
+        <p:txBody>
+          <a:bodyPr/>
+          <a:lstStyle/>
+          <a:p>
+            <a:fld id="{526ADF51-C4A2-4521-899C-87F34FDB9C0A}" type="slidenum">
+              <a:rPr lang="ko-KR" altLang="en-US" smtClean="0"/>
+              <a:pPr/>
+              <a:t>5</a:t>
+            </a:fld>
+            <a:r>
+              <a:rPr lang="en-US" altLang="ko-KR" smtClean="0"/>
+              <a:t>/35</a:t>
+            </a:r>
+            <a:endParaRPr lang="ko-KR" altLang="en-US" dirty="0"/>
+          </a:p>
+        </p:txBody>
+      </p:sp>
     </p:spTree>
     <p:extLst>
       <p:ext uri="{BB962C8B-B14F-4D97-AF65-F5344CB8AC3E}">
@@ -27367,6 +28297,34 @@
           </a:p>
         </p:txBody>
       </p:sp>
+      <p:sp>
+        <p:nvSpPr>
+          <p:cNvPr id="2" name="슬라이드 번호 개체 틀 1"/>
+          <p:cNvSpPr>
+            <a:spLocks noGrp="1"/>
+          </p:cNvSpPr>
+          <p:nvPr>
+            <p:ph type="sldNum" sz="quarter" idx="12"/>
+          </p:nvPr>
+        </p:nvSpPr>
+        <p:spPr/>
+        <p:txBody>
+          <a:bodyPr/>
+          <a:lstStyle/>
+          <a:p>
+            <a:fld id="{526ADF51-C4A2-4521-899C-87F34FDB9C0A}" type="slidenum">
+              <a:rPr lang="ko-KR" altLang="en-US" smtClean="0"/>
+              <a:pPr/>
+              <a:t>6</a:t>
+            </a:fld>
+            <a:r>
+              <a:rPr lang="en-US" altLang="ko-KR" smtClean="0"/>
+              <a:t>/35</a:t>
+            </a:r>
+            <a:endParaRPr lang="ko-KR" altLang="en-US" dirty="0"/>
+          </a:p>
+        </p:txBody>
+      </p:sp>
     </p:spTree>
     <p:extLst>
       <p:ext uri="{BB962C8B-B14F-4D97-AF65-F5344CB8AC3E}">
@@ -28068,6 +29026,34 @@
           </a:p>
         </p:txBody>
       </p:sp>
+      <p:sp>
+        <p:nvSpPr>
+          <p:cNvPr id="2" name="슬라이드 번호 개체 틀 1"/>
+          <p:cNvSpPr>
+            <a:spLocks noGrp="1"/>
+          </p:cNvSpPr>
+          <p:nvPr>
+            <p:ph type="sldNum" sz="quarter" idx="12"/>
+          </p:nvPr>
+        </p:nvSpPr>
+        <p:spPr/>
+        <p:txBody>
+          <a:bodyPr/>
+          <a:lstStyle/>
+          <a:p>
+            <a:fld id="{526ADF51-C4A2-4521-899C-87F34FDB9C0A}" type="slidenum">
+              <a:rPr lang="ko-KR" altLang="en-US" smtClean="0"/>
+              <a:pPr/>
+              <a:t>7</a:t>
+            </a:fld>
+            <a:r>
+              <a:rPr lang="en-US" altLang="ko-KR" smtClean="0"/>
+              <a:t>/35</a:t>
+            </a:r>
+            <a:endParaRPr lang="ko-KR" altLang="en-US" dirty="0"/>
+          </a:p>
+        </p:txBody>
+      </p:sp>
     </p:spTree>
     <p:extLst>
       <p:ext uri="{BB962C8B-B14F-4D97-AF65-F5344CB8AC3E}">
@@ -29325,6 +30311,34 @@
           </a:p>
         </p:txBody>
       </p:sp>
+      <p:sp>
+        <p:nvSpPr>
+          <p:cNvPr id="2" name="슬라이드 번호 개체 틀 1"/>
+          <p:cNvSpPr>
+            <a:spLocks noGrp="1"/>
+          </p:cNvSpPr>
+          <p:nvPr>
+            <p:ph type="sldNum" sz="quarter" idx="12"/>
+          </p:nvPr>
+        </p:nvSpPr>
+        <p:spPr/>
+        <p:txBody>
+          <a:bodyPr/>
+          <a:lstStyle/>
+          <a:p>
+            <a:fld id="{526ADF51-C4A2-4521-899C-87F34FDB9C0A}" type="slidenum">
+              <a:rPr lang="ko-KR" altLang="en-US" smtClean="0"/>
+              <a:pPr/>
+              <a:t>8</a:t>
+            </a:fld>
+            <a:r>
+              <a:rPr lang="en-US" altLang="ko-KR" smtClean="0"/>
+              <a:t>/35</a:t>
+            </a:r>
+            <a:endParaRPr lang="ko-KR" altLang="en-US" dirty="0"/>
+          </a:p>
+        </p:txBody>
+      </p:sp>
     </p:spTree>
     <p:extLst>
       <p:ext uri="{BB962C8B-B14F-4D97-AF65-F5344CB8AC3E}">
@@ -29758,6 +30772,34 @@
             <a:r>
               <a:rPr lang="en-US" altLang="ko-KR" dirty="0"/>
               <a:t>(clone)</a:t>
+            </a:r>
+            <a:endParaRPr lang="ko-KR" altLang="en-US" dirty="0"/>
+          </a:p>
+        </p:txBody>
+      </p:sp>
+      <p:sp>
+        <p:nvSpPr>
+          <p:cNvPr id="2" name="슬라이드 번호 개체 틀 1"/>
+          <p:cNvSpPr>
+            <a:spLocks noGrp="1"/>
+          </p:cNvSpPr>
+          <p:nvPr>
+            <p:ph type="sldNum" sz="quarter" idx="12"/>
+          </p:nvPr>
+        </p:nvSpPr>
+        <p:spPr/>
+        <p:txBody>
+          <a:bodyPr/>
+          <a:lstStyle/>
+          <a:p>
+            <a:fld id="{526ADF51-C4A2-4521-899C-87F34FDB9C0A}" type="slidenum">
+              <a:rPr lang="ko-KR" altLang="en-US" smtClean="0"/>
+              <a:pPr/>
+              <a:t>9</a:t>
+            </a:fld>
+            <a:r>
+              <a:rPr lang="en-US" altLang="ko-KR" smtClean="0"/>
+              <a:t>/35</a:t>
             </a:r>
             <a:endParaRPr lang="ko-KR" altLang="en-US" dirty="0"/>
           </a:p>

--- a/git및github첫걸음3-forkclonePR.pptx
+++ b/git및github첫걸음3-forkclonePR.pptx
@@ -244,7 +244,7 @@
           <a:p>
             <a:fld id="{A17B9194-BDE3-40E3-983E-94CE6FA773AF}" type="datetimeFigureOut">
               <a:rPr lang="ko-KR" altLang="en-US" smtClean="0"/>
-              <a:t>2021-04-15</a:t>
+              <a:t>2021-04-16</a:t>
             </a:fld>
             <a:endParaRPr lang="ko-KR" altLang="en-US"/>
           </a:p>
@@ -3780,7 +3780,48 @@
               <a:rPr lang="en-US" altLang="ko-KR" dirty="0"/>
               <a:t>.</a:t>
             </a:r>
-            <a:endParaRPr lang="ko-KR" altLang="en-US" dirty="0"/>
+          </a:p>
+          <a:p>
+            <a:r>
+              <a:rPr lang="en-US" altLang="ko-KR" dirty="0"/>
+              <a:t>Git pull --prune </a:t>
+            </a:r>
+            <a:r>
+              <a:rPr lang="ko-KR" altLang="en-US" dirty="0"/>
+              <a:t>은 로컬에 상응하는</a:t>
+            </a:r>
+            <a:r>
+              <a:rPr lang="en-US" altLang="ko-KR" dirty="0"/>
+              <a:t>(tracking</a:t>
+            </a:r>
+            <a:r>
+              <a:rPr lang="ko-KR" altLang="en-US" dirty="0"/>
+              <a:t>되는</a:t>
+            </a:r>
+            <a:r>
+              <a:rPr lang="en-US" altLang="ko-KR" dirty="0"/>
+              <a:t>) branch</a:t>
+            </a:r>
+            <a:r>
+              <a:rPr lang="ko-KR" altLang="en-US" dirty="0"/>
+              <a:t>가</a:t>
+            </a:r>
+            <a:r>
+              <a:rPr lang="en-US" altLang="ko-KR" dirty="0"/>
+              <a:t> </a:t>
+            </a:r>
+            <a:r>
+              <a:rPr lang="ko-KR" altLang="en-US" dirty="0"/>
+              <a:t>없으면 원격의 상응하는 </a:t>
+            </a:r>
+            <a:r>
+              <a:rPr lang="en-US" altLang="ko-KR" dirty="0"/>
+              <a:t>branch</a:t>
+            </a:r>
+            <a:r>
+              <a:rPr lang="ko-KR" altLang="en-US" dirty="0"/>
+              <a:t>를 삭제</a:t>
+            </a:r>
           </a:p>
         </p:txBody>
       </p:sp>
@@ -5052,7 +5093,7 @@
               <a:t>‹#›</a:t>
             </a:fld>
             <a:r>
-              <a:rPr lang="en-US" altLang="ko-KR" dirty="0" smtClean="0"/>
+              <a:rPr lang="en-US" altLang="ko-KR" dirty="0"/>
               <a:t>/35</a:t>
             </a:r>
             <a:endParaRPr lang="ko-KR" altLang="en-US" dirty="0"/>
@@ -6453,7 +6494,7 @@
               <a:t>10</a:t>
             </a:fld>
             <a:r>
-              <a:rPr lang="en-US" altLang="ko-KR" smtClean="0"/>
+              <a:rPr lang="en-US" altLang="ko-KR"/>
               <a:t>/35</a:t>
             </a:r>
             <a:endParaRPr lang="ko-KR" altLang="en-US" dirty="0"/>
@@ -7201,7 +7242,7 @@
               <a:t>11</a:t>
             </a:fld>
             <a:r>
-              <a:rPr lang="en-US" altLang="ko-KR" smtClean="0"/>
+              <a:rPr lang="en-US" altLang="ko-KR"/>
               <a:t>/35</a:t>
             </a:r>
             <a:endParaRPr lang="ko-KR" altLang="en-US" dirty="0"/>
@@ -7676,7 +7717,7 @@
               <a:t>12</a:t>
             </a:fld>
             <a:r>
-              <a:rPr lang="en-US" altLang="ko-KR" smtClean="0"/>
+              <a:rPr lang="en-US" altLang="ko-KR"/>
               <a:t>/35</a:t>
             </a:r>
             <a:endParaRPr lang="ko-KR" altLang="en-US" dirty="0"/>
@@ -8431,7 +8472,7 @@
               <a:t>13</a:t>
             </a:fld>
             <a:r>
-              <a:rPr lang="en-US" altLang="ko-KR" smtClean="0"/>
+              <a:rPr lang="en-US" altLang="ko-KR"/>
               <a:t>/35</a:t>
             </a:r>
             <a:endParaRPr lang="ko-KR" altLang="en-US" dirty="0"/>
@@ -9070,7 +9111,7 @@
               <a:t>14</a:t>
             </a:fld>
             <a:r>
-              <a:rPr lang="en-US" altLang="ko-KR" smtClean="0"/>
+              <a:rPr lang="en-US" altLang="ko-KR"/>
               <a:t>/35</a:t>
             </a:r>
             <a:endParaRPr lang="ko-KR" altLang="en-US" dirty="0"/>
@@ -9639,7 +9680,7 @@
               <a:t>15</a:t>
             </a:fld>
             <a:r>
-              <a:rPr lang="en-US" altLang="ko-KR" smtClean="0"/>
+              <a:rPr lang="en-US" altLang="ko-KR"/>
               <a:t>/35</a:t>
             </a:r>
             <a:endParaRPr lang="ko-KR" altLang="en-US" dirty="0"/>
@@ -10364,7 +10405,7 @@
               <a:t>16</a:t>
             </a:fld>
             <a:r>
-              <a:rPr lang="en-US" altLang="ko-KR" smtClean="0"/>
+              <a:rPr lang="en-US" altLang="ko-KR"/>
               <a:t>/35</a:t>
             </a:r>
             <a:endParaRPr lang="ko-KR" altLang="en-US" dirty="0"/>
@@ -10915,7 +10956,7 @@
               <a:t>17</a:t>
             </a:fld>
             <a:r>
-              <a:rPr lang="en-US" altLang="ko-KR" smtClean="0"/>
+              <a:rPr lang="en-US" altLang="ko-KR"/>
               <a:t>/35</a:t>
             </a:r>
             <a:endParaRPr lang="ko-KR" altLang="en-US" dirty="0"/>
@@ -11903,7 +11944,7 @@
               <a:t>18</a:t>
             </a:fld>
             <a:r>
-              <a:rPr lang="en-US" altLang="ko-KR" smtClean="0"/>
+              <a:rPr lang="en-US" altLang="ko-KR"/>
               <a:t>/35</a:t>
             </a:r>
             <a:endParaRPr lang="ko-KR" altLang="en-US" dirty="0"/>
@@ -12682,7 +12723,7 @@
               <a:t>19</a:t>
             </a:fld>
             <a:r>
-              <a:rPr lang="en-US" altLang="ko-KR" smtClean="0"/>
+              <a:rPr lang="en-US" altLang="ko-KR"/>
               <a:t>/35</a:t>
             </a:r>
             <a:endParaRPr lang="ko-KR" altLang="en-US" dirty="0"/>
@@ -14149,7 +14190,7 @@
               <a:t>2</a:t>
             </a:fld>
             <a:r>
-              <a:rPr lang="en-US" altLang="ko-KR" smtClean="0"/>
+              <a:rPr lang="en-US" altLang="ko-KR"/>
               <a:t>/35</a:t>
             </a:r>
             <a:endParaRPr lang="ko-KR" altLang="en-US" dirty="0"/>
@@ -14622,7 +14663,7 @@
               <a:t>20</a:t>
             </a:fld>
             <a:r>
-              <a:rPr lang="en-US" altLang="ko-KR" smtClean="0"/>
+              <a:rPr lang="en-US" altLang="ko-KR"/>
               <a:t>/35</a:t>
             </a:r>
             <a:endParaRPr lang="ko-KR" altLang="en-US" dirty="0"/>
@@ -15299,7 +15340,7 @@
               <a:t>21</a:t>
             </a:fld>
             <a:r>
-              <a:rPr lang="en-US" altLang="ko-KR" smtClean="0"/>
+              <a:rPr lang="en-US" altLang="ko-KR"/>
               <a:t>/35</a:t>
             </a:r>
             <a:endParaRPr lang="ko-KR" altLang="en-US" dirty="0"/>
@@ -15892,7 +15933,7 @@
               <a:t>22</a:t>
             </a:fld>
             <a:r>
-              <a:rPr lang="en-US" altLang="ko-KR" smtClean="0"/>
+              <a:rPr lang="en-US" altLang="ko-KR"/>
               <a:t>/35</a:t>
             </a:r>
             <a:endParaRPr lang="ko-KR" altLang="en-US" dirty="0"/>
@@ -16586,7 +16627,7 @@
               <a:t>23</a:t>
             </a:fld>
             <a:r>
-              <a:rPr lang="en-US" altLang="ko-KR" smtClean="0"/>
+              <a:rPr lang="en-US" altLang="ko-KR"/>
               <a:t>/35</a:t>
             </a:r>
             <a:endParaRPr lang="ko-KR" altLang="en-US" dirty="0"/>
@@ -17202,7 +17243,7 @@
               <a:t>24</a:t>
             </a:fld>
             <a:r>
-              <a:rPr lang="en-US" altLang="ko-KR" smtClean="0"/>
+              <a:rPr lang="en-US" altLang="ko-KR"/>
               <a:t>/35</a:t>
             </a:r>
             <a:endParaRPr lang="ko-KR" altLang="en-US" dirty="0"/>
@@ -17858,7 +17899,7 @@
               <a:t>25</a:t>
             </a:fld>
             <a:r>
-              <a:rPr lang="en-US" altLang="ko-KR" smtClean="0"/>
+              <a:rPr lang="en-US" altLang="ko-KR"/>
               <a:t>/35</a:t>
             </a:r>
             <a:endParaRPr lang="ko-KR" altLang="en-US" dirty="0"/>
@@ -18602,7 +18643,7 @@
               <a:t>26</a:t>
             </a:fld>
             <a:r>
-              <a:rPr lang="en-US" altLang="ko-KR" smtClean="0"/>
+              <a:rPr lang="en-US" altLang="ko-KR"/>
               <a:t>/35</a:t>
             </a:r>
             <a:endParaRPr lang="ko-KR" altLang="en-US" dirty="0"/>
@@ -19133,7 +19174,7 @@
               <a:t>27</a:t>
             </a:fld>
             <a:r>
-              <a:rPr lang="en-US" altLang="ko-KR" smtClean="0"/>
+              <a:rPr lang="en-US" altLang="ko-KR"/>
               <a:t>/35</a:t>
             </a:r>
             <a:endParaRPr lang="ko-KR" altLang="en-US" dirty="0"/>
@@ -19833,7 +19874,7 @@
               <a:t>28</a:t>
             </a:fld>
             <a:r>
-              <a:rPr lang="en-US" altLang="ko-KR" smtClean="0"/>
+              <a:rPr lang="en-US" altLang="ko-KR"/>
               <a:t>/35</a:t>
             </a:r>
             <a:endParaRPr lang="ko-KR" altLang="en-US" dirty="0"/>
@@ -20360,7 +20401,7 @@
               <a:t>29</a:t>
             </a:fld>
             <a:r>
-              <a:rPr lang="en-US" altLang="ko-KR" smtClean="0"/>
+              <a:rPr lang="en-US" altLang="ko-KR"/>
               <a:t>/35</a:t>
             </a:r>
             <a:endParaRPr lang="ko-KR" altLang="en-US" dirty="0"/>
@@ -21272,7 +21313,7 @@
               <a:t>3</a:t>
             </a:fld>
             <a:r>
-              <a:rPr lang="en-US" altLang="ko-KR" smtClean="0"/>
+              <a:rPr lang="en-US" altLang="ko-KR"/>
               <a:t>/35</a:t>
             </a:r>
             <a:endParaRPr lang="ko-KR" altLang="en-US" dirty="0"/>
@@ -21717,7 +21758,7 @@
               <a:t>30</a:t>
             </a:fld>
             <a:r>
-              <a:rPr lang="en-US" altLang="ko-KR" smtClean="0"/>
+              <a:rPr lang="en-US" altLang="ko-KR"/>
               <a:t>/35</a:t>
             </a:r>
             <a:endParaRPr lang="ko-KR" altLang="en-US" dirty="0"/>
@@ -22241,7 +22282,7 @@
               <a:t>31</a:t>
             </a:fld>
             <a:r>
-              <a:rPr lang="en-US" altLang="ko-KR" smtClean="0"/>
+              <a:rPr lang="en-US" altLang="ko-KR"/>
               <a:t>/35</a:t>
             </a:r>
             <a:endParaRPr lang="ko-KR" altLang="en-US" dirty="0"/>
@@ -22788,7 +22829,7 @@
               <a:t>32</a:t>
             </a:fld>
             <a:r>
-              <a:rPr lang="en-US" altLang="ko-KR" smtClean="0"/>
+              <a:rPr lang="en-US" altLang="ko-KR"/>
               <a:t>/35</a:t>
             </a:r>
             <a:endParaRPr lang="ko-KR" altLang="en-US" dirty="0"/>
@@ -23619,7 +23660,7 @@
               <a:t>33</a:t>
             </a:fld>
             <a:r>
-              <a:rPr lang="en-US" altLang="ko-KR" smtClean="0"/>
+              <a:rPr lang="en-US" altLang="ko-KR"/>
               <a:t>/35</a:t>
             </a:r>
             <a:endParaRPr lang="ko-KR" altLang="en-US" dirty="0"/>
@@ -23992,19 +24033,7 @@
               <a:rPr lang="en-US" altLang="ko-KR" dirty="0">
                 <a:latin typeface="+mn-ea"/>
               </a:rPr>
-              <a:t>  ☞ </a:t>
-            </a:r>
-            <a:r>
-              <a:rPr lang="en-US" altLang="ko-KR" dirty="0" err="1">
-                <a:latin typeface="+mn-ea"/>
-              </a:rPr>
-              <a:t>git</a:t>
-            </a:r>
-            <a:r>
-              <a:rPr lang="en-US" altLang="ko-KR" dirty="0">
-                <a:latin typeface="+mn-ea"/>
-              </a:rPr>
-              <a:t> </a:t>
+              <a:t>  ☞ git </a:t>
             </a:r>
             <a:r>
               <a:rPr lang="en-US" altLang="ko-KR" dirty="0">
@@ -24019,8 +24048,29 @@
               <a:rPr lang="en-US" altLang="ko-KR" dirty="0">
                 <a:latin typeface="+mn-ea"/>
               </a:rPr>
-              <a:t> origin develop</a:t>
-            </a:r>
+              <a:t> origin develop # </a:t>
+            </a:r>
+            <a:r>
+              <a:rPr lang="ko-KR" altLang="en-US" dirty="0">
+                <a:latin typeface="+mn-ea"/>
+              </a:rPr>
+              <a:t>원격 </a:t>
+            </a:r>
+            <a:r>
+              <a:rPr lang="ko-KR" altLang="en-US" err="1">
+                <a:latin typeface="+mn-ea"/>
+              </a:rPr>
+              <a:t>브랜치</a:t>
+            </a:r>
+            <a:r>
+              <a:rPr lang="ko-KR" altLang="en-US">
+                <a:latin typeface="+mn-ea"/>
+              </a:rPr>
+              <a:t> 삭제</a:t>
+            </a:r>
+            <a:endParaRPr lang="en-US" altLang="ko-KR" dirty="0">
+              <a:latin typeface="+mn-ea"/>
+            </a:endParaRPr>
           </a:p>
           <a:p>
             <a:pPr marL="266700" lvl="1" indent="0">
@@ -24564,7 +24614,7 @@
               <a:t>34</a:t>
             </a:fld>
             <a:r>
-              <a:rPr lang="en-US" altLang="ko-KR" smtClean="0"/>
+              <a:rPr lang="en-US" altLang="ko-KR"/>
               <a:t>/35</a:t>
             </a:r>
             <a:endParaRPr lang="ko-KR" altLang="en-US" dirty="0"/>
@@ -25351,7 +25401,7 @@
               <a:t>35</a:t>
             </a:fld>
             <a:r>
-              <a:rPr lang="en-US" altLang="ko-KR" smtClean="0"/>
+              <a:rPr lang="en-US" altLang="ko-KR"/>
               <a:t>/35</a:t>
             </a:r>
             <a:endParaRPr lang="ko-KR" altLang="en-US" dirty="0"/>
@@ -25672,7 +25722,7 @@
               <a:t>36</a:t>
             </a:fld>
             <a:r>
-              <a:rPr lang="en-US" altLang="ko-KR" smtClean="0"/>
+              <a:rPr lang="en-US" altLang="ko-KR"/>
               <a:t>/35</a:t>
             </a:r>
             <a:endParaRPr lang="ko-KR" altLang="en-US" dirty="0"/>
@@ -26461,7 +26511,7 @@
               <a:t>37</a:t>
             </a:fld>
             <a:r>
-              <a:rPr lang="en-US" altLang="ko-KR" smtClean="0"/>
+              <a:rPr lang="en-US" altLang="ko-KR"/>
               <a:t>/35</a:t>
             </a:r>
             <a:endParaRPr lang="ko-KR" altLang="en-US" dirty="0"/>
@@ -27063,7 +27113,7 @@
               <a:t>4</a:t>
             </a:fld>
             <a:r>
-              <a:rPr lang="en-US" altLang="ko-KR" smtClean="0"/>
+              <a:rPr lang="en-US" altLang="ko-KR"/>
               <a:t>/35</a:t>
             </a:r>
             <a:endParaRPr lang="ko-KR" altLang="en-US" dirty="0"/>
@@ -27804,7 +27854,7 @@
               <a:t>5</a:t>
             </a:fld>
             <a:r>
-              <a:rPr lang="en-US" altLang="ko-KR" smtClean="0"/>
+              <a:rPr lang="en-US" altLang="ko-KR"/>
               <a:t>/35</a:t>
             </a:r>
             <a:endParaRPr lang="ko-KR" altLang="en-US" dirty="0"/>
@@ -28318,7 +28368,7 @@
               <a:t>6</a:t>
             </a:fld>
             <a:r>
-              <a:rPr lang="en-US" altLang="ko-KR" smtClean="0"/>
+              <a:rPr lang="en-US" altLang="ko-KR"/>
               <a:t>/35</a:t>
             </a:r>
             <a:endParaRPr lang="ko-KR" altLang="en-US" dirty="0"/>
@@ -29047,7 +29097,7 @@
               <a:t>7</a:t>
             </a:fld>
             <a:r>
-              <a:rPr lang="en-US" altLang="ko-KR" smtClean="0"/>
+              <a:rPr lang="en-US" altLang="ko-KR"/>
               <a:t>/35</a:t>
             </a:r>
             <a:endParaRPr lang="ko-KR" altLang="en-US" dirty="0"/>
@@ -30332,7 +30382,7 @@
               <a:t>8</a:t>
             </a:fld>
             <a:r>
-              <a:rPr lang="en-US" altLang="ko-KR" smtClean="0"/>
+              <a:rPr lang="en-US" altLang="ko-KR"/>
               <a:t>/35</a:t>
             </a:r>
             <a:endParaRPr lang="ko-KR" altLang="en-US" dirty="0"/>
@@ -30798,7 +30848,7 @@
               <a:t>9</a:t>
             </a:fld>
             <a:r>
-              <a:rPr lang="en-US" altLang="ko-KR" smtClean="0"/>
+              <a:rPr lang="en-US" altLang="ko-KR"/>
               <a:t>/35</a:t>
             </a:r>
             <a:endParaRPr lang="ko-KR" altLang="en-US" dirty="0"/>

--- a/git및github첫걸음3-forkclonePR.pptx
+++ b/git및github첫걸음3-forkclonePR.pptx
@@ -244,7 +244,7 @@
           <a:p>
             <a:fld id="{A17B9194-BDE3-40E3-983E-94CE6FA773AF}" type="datetimeFigureOut">
               <a:rPr lang="ko-KR" altLang="en-US" smtClean="0"/>
-              <a:t>2021-04-16</a:t>
+              <a:t>2021-04-28</a:t>
             </a:fld>
             <a:endParaRPr lang="ko-KR" altLang="en-US"/>
           </a:p>
@@ -3822,6 +3822,15 @@
               <a:rPr lang="ko-KR" altLang="en-US" dirty="0"/>
               <a:t>를 삭제</a:t>
             </a:r>
+            <a:r>
+              <a:rPr lang="en-US" altLang="ko-KR" dirty="0"/>
+              <a:t>(remotes/origin</a:t>
+            </a:r>
+            <a:r>
+              <a:rPr lang="en-US" altLang="ko-KR"/>
+              <a:t>/develop)</a:t>
+            </a:r>
+            <a:endParaRPr lang="ko-KR" altLang="en-US" dirty="0"/>
           </a:p>
         </p:txBody>
       </p:sp>

--- a/git및github첫걸음3-forkclonePR.pptx
+++ b/git및github첫걸음3-forkclonePR.pptx
@@ -5,7 +5,7 @@
     <p:sldMasterId id="2147483660" r:id="rId1"/>
   </p:sldMasterIdLst>
   <p:notesMasterIdLst>
-    <p:notesMasterId r:id="rId39"/>
+    <p:notesMasterId r:id="rId40"/>
   </p:notesMasterIdLst>
   <p:sldIdLst>
     <p:sldId id="369" r:id="rId2"/>
@@ -39,12 +39,13 @@
     <p:sldId id="470" r:id="rId30"/>
     <p:sldId id="471" r:id="rId31"/>
     <p:sldId id="472" r:id="rId32"/>
-    <p:sldId id="473" r:id="rId33"/>
-    <p:sldId id="474" r:id="rId34"/>
-    <p:sldId id="475" r:id="rId35"/>
-    <p:sldId id="476" r:id="rId36"/>
-    <p:sldId id="480" r:id="rId37"/>
-    <p:sldId id="479" r:id="rId38"/>
+    <p:sldId id="483" r:id="rId33"/>
+    <p:sldId id="473" r:id="rId34"/>
+    <p:sldId id="474" r:id="rId35"/>
+    <p:sldId id="475" r:id="rId36"/>
+    <p:sldId id="476" r:id="rId37"/>
+    <p:sldId id="480" r:id="rId38"/>
+    <p:sldId id="479" r:id="rId39"/>
   </p:sldIdLst>
   <p:sldSz cx="9144000" cy="6858000" type="screen4x3"/>
   <p:notesSz cx="6858000" cy="9144000"/>
@@ -244,7 +245,7 @@
           <a:p>
             <a:fld id="{A17B9194-BDE3-40E3-983E-94CE6FA773AF}" type="datetimeFigureOut">
               <a:rPr lang="ko-KR" altLang="en-US" smtClean="0"/>
-              <a:t>2021-04-28</a:t>
+              <a:t>2021-04-30</a:t>
             </a:fld>
             <a:endParaRPr lang="ko-KR" altLang="en-US"/>
           </a:p>
@@ -1709,7 +1710,25 @@
                   <a:srgbClr val="FF0000"/>
                 </a:solidFill>
               </a:rPr>
-              <a:t>는 </a:t>
+              <a:t>는 반복 사용하는 것으로 인식함</a:t>
+            </a:r>
+            <a:r>
+              <a:rPr lang="en-US" altLang="ko-KR" dirty="0">
+                <a:solidFill>
+                  <a:srgbClr val="FF0000"/>
+                </a:solidFill>
+              </a:rPr>
+              <a:t>.</a:t>
+            </a:r>
+          </a:p>
+          <a:p>
+            <a:r>
+              <a:rPr lang="ko-KR" altLang="en-US" dirty="0">
+                <a:solidFill>
+                  <a:srgbClr val="FF0000"/>
+                </a:solidFill>
+              </a:rPr>
+              <a:t>따라서 혼동을 방지하기 위하여는 한번 사용하고 지운 </a:t>
             </a:r>
             <a:r>
               <a:rPr lang="ko-KR" altLang="en-US" dirty="0" err="1">
@@ -1717,7 +1736,7 @@
                   <a:srgbClr val="FF0000"/>
                 </a:solidFill>
               </a:rPr>
-              <a:t>반복사용하는</a:t>
+              <a:t>브랜치</a:t>
             </a:r>
             <a:r>
               <a:rPr lang="ko-KR" altLang="en-US" dirty="0">
@@ -1725,41 +1744,7 @@
                   <a:srgbClr val="FF0000"/>
                 </a:solidFill>
               </a:rPr>
-              <a:t> 것으로 인식함</a:t>
-            </a:r>
-            <a:r>
-              <a:rPr lang="en-US" altLang="ko-KR" dirty="0">
-                <a:solidFill>
-                  <a:srgbClr val="FF0000"/>
-                </a:solidFill>
-              </a:rPr>
-              <a:t>.</a:t>
-            </a:r>
-          </a:p>
-          <a:p>
-            <a:r>
-              <a:rPr lang="ko-KR" altLang="en-US" dirty="0">
-                <a:solidFill>
-                  <a:srgbClr val="FF0000"/>
-                </a:solidFill>
-              </a:rPr>
-              <a:t>따라서 혼동을 방지하기 위하여는 한번 사용하고 지운 </a:t>
-            </a:r>
-            <a:r>
-              <a:rPr lang="ko-KR" altLang="en-US" dirty="0" err="1">
-                <a:solidFill>
-                  <a:srgbClr val="FF0000"/>
-                </a:solidFill>
-              </a:rPr>
-              <a:t>브랜치이름은</a:t>
-            </a:r>
-            <a:r>
-              <a:rPr lang="ko-KR" altLang="en-US" dirty="0">
-                <a:solidFill>
-                  <a:srgbClr val="FF0000"/>
-                </a:solidFill>
-              </a:rPr>
-              <a:t> 다시 사용하지 말도록 함</a:t>
+              <a:t> 이름은 다시 사용하지 말도록 함</a:t>
             </a:r>
             <a:r>
               <a:rPr lang="en-US" altLang="ko-KR" dirty="0">
@@ -2733,7 +2718,17 @@
           <a:bodyPr/>
           <a:lstStyle/>
           <a:p>
-            <a:endParaRPr lang="ko-KR" altLang="en-US" dirty="0"/>
+            <a:r>
+              <a:rPr lang="ko-KR" altLang="en-US" dirty="0"/>
+              <a:t>실습학생 각각이 메일에 들어가서 확인후 조치 실습</a:t>
+            </a:r>
+            <a:endParaRPr lang="en-US" altLang="ko-KR" dirty="0"/>
+          </a:p>
+          <a:p>
+            <a:r>
+              <a:rPr lang="ko-KR" altLang="en-US" dirty="0"/>
+              <a:t> 메일 내용이 틀림</a:t>
+            </a:r>
           </a:p>
         </p:txBody>
       </p:sp>
@@ -3606,7 +3601,7 @@
     </p:spTree>
     <p:extLst>
       <p:ext uri="{BB962C8B-B14F-4D97-AF65-F5344CB8AC3E}">
-        <p14:creationId xmlns:p14="http://schemas.microsoft.com/office/powerpoint/2010/main" val="3343605157"/>
+        <p14:creationId xmlns:p14="http://schemas.microsoft.com/office/powerpoint/2010/main" val="2034588224"/>
       </p:ext>
     </p:extLst>
   </p:cSld>
@@ -3690,7 +3685,7 @@
     </p:spTree>
     <p:extLst>
       <p:ext uri="{BB962C8B-B14F-4D97-AF65-F5344CB8AC3E}">
-        <p14:creationId xmlns:p14="http://schemas.microsoft.com/office/powerpoint/2010/main" val="1425186992"/>
+        <p14:creationId xmlns:p14="http://schemas.microsoft.com/office/powerpoint/2010/main" val="3343605157"/>
       </p:ext>
     </p:extLst>
   </p:cSld>
@@ -3744,92 +3739,6 @@
           <a:bodyPr/>
           <a:lstStyle/>
           <a:p>
-            <a:r>
-              <a:rPr lang="en-US" altLang="ko-KR" dirty="0"/>
-              <a:t>Push</a:t>
-            </a:r>
-            <a:r>
-              <a:rPr lang="ko-KR" altLang="en-US" dirty="0"/>
-              <a:t> </a:t>
-            </a:r>
-            <a:r>
-              <a:rPr lang="en-US" altLang="ko-KR" dirty="0"/>
-              <a:t>–d</a:t>
-            </a:r>
-            <a:r>
-              <a:rPr lang="ko-KR" altLang="en-US" dirty="0"/>
-              <a:t> </a:t>
-            </a:r>
-            <a:r>
-              <a:rPr lang="en-US" altLang="ko-KR" dirty="0"/>
-              <a:t>…</a:t>
-            </a:r>
-            <a:r>
-              <a:rPr lang="ko-KR" altLang="en-US" dirty="0"/>
-              <a:t> </a:t>
-            </a:r>
-            <a:r>
-              <a:rPr lang="en-US" altLang="ko-KR" dirty="0"/>
-              <a:t>branch –d </a:t>
-            </a:r>
-            <a:r>
-              <a:rPr lang="ko-KR" altLang="en-US" dirty="0"/>
-              <a:t>가 아님</a:t>
-            </a:r>
-            <a:r>
-              <a:rPr lang="en-US" altLang="ko-KR" dirty="0"/>
-              <a:t>.</a:t>
-            </a:r>
-          </a:p>
-          <a:p>
-            <a:r>
-              <a:rPr lang="en-US" altLang="ko-KR" dirty="0"/>
-              <a:t>Git pull --prune </a:t>
-            </a:r>
-            <a:r>
-              <a:rPr lang="ko-KR" altLang="en-US" dirty="0"/>
-              <a:t>은 로컬에 상응하는</a:t>
-            </a:r>
-            <a:r>
-              <a:rPr lang="en-US" altLang="ko-KR" dirty="0"/>
-              <a:t>(tracking</a:t>
-            </a:r>
-            <a:r>
-              <a:rPr lang="ko-KR" altLang="en-US" dirty="0"/>
-              <a:t>되는</a:t>
-            </a:r>
-            <a:r>
-              <a:rPr lang="en-US" altLang="ko-KR" dirty="0"/>
-              <a:t>) branch</a:t>
-            </a:r>
-            <a:r>
-              <a:rPr lang="ko-KR" altLang="en-US" dirty="0"/>
-              <a:t>가</a:t>
-            </a:r>
-            <a:r>
-              <a:rPr lang="en-US" altLang="ko-KR" dirty="0"/>
-              <a:t> </a:t>
-            </a:r>
-            <a:r>
-              <a:rPr lang="ko-KR" altLang="en-US" dirty="0"/>
-              <a:t>없으면 원격의 상응하는 </a:t>
-            </a:r>
-            <a:r>
-              <a:rPr lang="en-US" altLang="ko-KR" dirty="0"/>
-              <a:t>branch</a:t>
-            </a:r>
-            <a:r>
-              <a:rPr lang="ko-KR" altLang="en-US" dirty="0"/>
-              <a:t>를 삭제</a:t>
-            </a:r>
-            <a:r>
-              <a:rPr lang="en-US" altLang="ko-KR" dirty="0"/>
-              <a:t>(remotes/origin</a:t>
-            </a:r>
-            <a:r>
-              <a:rPr lang="en-US" altLang="ko-KR"/>
-              <a:t>/develop)</a:t>
-            </a:r>
             <a:endParaRPr lang="ko-KR" altLang="en-US" dirty="0"/>
           </a:p>
         </p:txBody>
@@ -3860,7 +3769,7 @@
     </p:spTree>
     <p:extLst>
       <p:ext uri="{BB962C8B-B14F-4D97-AF65-F5344CB8AC3E}">
-        <p14:creationId xmlns:p14="http://schemas.microsoft.com/office/powerpoint/2010/main" val="2586362448"/>
+        <p14:creationId xmlns:p14="http://schemas.microsoft.com/office/powerpoint/2010/main" val="1425186992"/>
       </p:ext>
     </p:extLst>
   </p:cSld>
@@ -3915,12 +3824,86 @@
           <a:lstStyle/>
           <a:p>
             <a:r>
+              <a:rPr lang="en-US" altLang="ko-KR" dirty="0"/>
+              <a:t>Push</a:t>
+            </a:r>
+            <a:r>
               <a:rPr lang="ko-KR" altLang="en-US" dirty="0"/>
-              <a:t>참조 </a:t>
+              <a:t> </a:t>
             </a:r>
             <a:r>
               <a:rPr lang="en-US" altLang="ko-KR" dirty="0"/>
-              <a:t>: https://opensource.com/article/19/7/create-pull-request-github</a:t>
+              <a:t>-d</a:t>
+            </a:r>
+            <a:r>
+              <a:rPr lang="ko-KR" altLang="en-US" dirty="0"/>
+              <a:t> </a:t>
+            </a:r>
+            <a:r>
+              <a:rPr lang="en-US" altLang="ko-KR" dirty="0"/>
+              <a:t>…</a:t>
+            </a:r>
+            <a:r>
+              <a:rPr lang="ko-KR" altLang="en-US" dirty="0"/>
+              <a:t> </a:t>
+            </a:r>
+            <a:r>
+              <a:rPr lang="en-US" altLang="ko-KR" dirty="0"/>
+              <a:t>branch -d </a:t>
+            </a:r>
+            <a:r>
+              <a:rPr lang="ko-KR" altLang="en-US" dirty="0"/>
+              <a:t>가 아님</a:t>
+            </a:r>
+            <a:r>
+              <a:rPr lang="en-US" altLang="ko-KR" dirty="0"/>
+              <a:t>.</a:t>
+            </a:r>
+          </a:p>
+          <a:p>
+            <a:r>
+              <a:rPr lang="en-US" altLang="ko-KR" dirty="0"/>
+              <a:t>Git pull --prune </a:t>
+            </a:r>
+            <a:r>
+              <a:rPr lang="ko-KR" altLang="en-US" dirty="0"/>
+              <a:t>은 로컬에 상응하는</a:t>
+            </a:r>
+            <a:r>
+              <a:rPr lang="en-US" altLang="ko-KR" dirty="0"/>
+              <a:t>(tracking</a:t>
+            </a:r>
+            <a:r>
+              <a:rPr lang="ko-KR" altLang="en-US" dirty="0"/>
+              <a:t>되는</a:t>
+            </a:r>
+            <a:r>
+              <a:rPr lang="en-US" altLang="ko-KR" dirty="0"/>
+              <a:t>) branch</a:t>
+            </a:r>
+            <a:r>
+              <a:rPr lang="ko-KR" altLang="en-US" dirty="0"/>
+              <a:t>가</a:t>
+            </a:r>
+            <a:r>
+              <a:rPr lang="en-US" altLang="ko-KR" dirty="0"/>
+              <a:t> </a:t>
+            </a:r>
+            <a:r>
+              <a:rPr lang="ko-KR" altLang="en-US" dirty="0"/>
+              <a:t>없으면 원격의 상응하는 </a:t>
+            </a:r>
+            <a:r>
+              <a:rPr lang="en-US" altLang="ko-KR" dirty="0"/>
+              <a:t>branch</a:t>
+            </a:r>
+            <a:r>
+              <a:rPr lang="ko-KR" altLang="en-US" dirty="0"/>
+              <a:t>를 삭제</a:t>
+            </a:r>
+            <a:r>
+              <a:rPr lang="en-US" altLang="ko-KR" dirty="0"/>
+              <a:t>(remotes/origin/develop)</a:t>
             </a:r>
             <a:endParaRPr lang="ko-KR" altLang="en-US" dirty="0"/>
           </a:p>
@@ -3952,7 +3935,7 @@
     </p:spTree>
     <p:extLst>
       <p:ext uri="{BB962C8B-B14F-4D97-AF65-F5344CB8AC3E}">
-        <p14:creationId xmlns:p14="http://schemas.microsoft.com/office/powerpoint/2010/main" val="3921415717"/>
+        <p14:creationId xmlns:p14="http://schemas.microsoft.com/office/powerpoint/2010/main" val="2586362448"/>
       </p:ext>
     </p:extLst>
   </p:cSld>
@@ -4006,6 +3989,14 @@
           <a:bodyPr/>
           <a:lstStyle/>
           <a:p>
+            <a:r>
+              <a:rPr lang="ko-KR" altLang="en-US" dirty="0"/>
+              <a:t>참조 </a:t>
+            </a:r>
+            <a:r>
+              <a:rPr lang="en-US" altLang="ko-KR" dirty="0"/>
+              <a:t>: https://opensource.com/article/19/7/create-pull-request-github</a:t>
+            </a:r>
             <a:endParaRPr lang="ko-KR" altLang="en-US" dirty="0"/>
           </a:p>
         </p:txBody>
@@ -4036,7 +4027,7 @@
     </p:spTree>
     <p:extLst>
       <p:ext uri="{BB962C8B-B14F-4D97-AF65-F5344CB8AC3E}">
-        <p14:creationId xmlns:p14="http://schemas.microsoft.com/office/powerpoint/2010/main" val="643792404"/>
+        <p14:creationId xmlns:p14="http://schemas.microsoft.com/office/powerpoint/2010/main" val="3921415717"/>
       </p:ext>
     </p:extLst>
   </p:cSld>
@@ -4112,6 +4103,90 @@
             <a:fld id="{625D4AC4-540A-4436-887D-BF6A8FCF1275}" type="slidenum">
               <a:rPr lang="ko-KR" altLang="en-US" smtClean="0"/>
               <a:t>37</a:t>
+            </a:fld>
+            <a:endParaRPr lang="ko-KR" altLang="en-US"/>
+          </a:p>
+        </p:txBody>
+      </p:sp>
+    </p:spTree>
+    <p:extLst>
+      <p:ext uri="{BB962C8B-B14F-4D97-AF65-F5344CB8AC3E}">
+        <p14:creationId xmlns:p14="http://schemas.microsoft.com/office/powerpoint/2010/main" val="643792404"/>
+      </p:ext>
+    </p:extLst>
+  </p:cSld>
+  <p:clrMapOvr>
+    <a:masterClrMapping/>
+  </p:clrMapOvr>
+</p:notes>
+</file>
+
+<file path=ppt/notesSlides/notesSlide37.xml><?xml version="1.0" encoding="utf-8"?>
+<p:notes xmlns:a="http://schemas.openxmlformats.org/drawingml/2006/main" xmlns:r="http://schemas.openxmlformats.org/officeDocument/2006/relationships" xmlns:p="http://schemas.openxmlformats.org/presentationml/2006/main">
+  <p:cSld>
+    <p:spTree>
+      <p:nvGrpSpPr>
+        <p:cNvPr id="1" name=""/>
+        <p:cNvGrpSpPr/>
+        <p:nvPr/>
+      </p:nvGrpSpPr>
+      <p:grpSpPr>
+        <a:xfrm>
+          <a:off x="0" y="0"/>
+          <a:ext cx="0" cy="0"/>
+          <a:chOff x="0" y="0"/>
+          <a:chExt cx="0" cy="0"/>
+        </a:xfrm>
+      </p:grpSpPr>
+      <p:sp>
+        <p:nvSpPr>
+          <p:cNvPr id="2" name="슬라이드 이미지 개체 틀 1"/>
+          <p:cNvSpPr>
+            <a:spLocks noGrp="1" noRot="1" noChangeAspect="1"/>
+          </p:cNvSpPr>
+          <p:nvPr>
+            <p:ph type="sldImg"/>
+          </p:nvPr>
+        </p:nvSpPr>
+        <p:spPr/>
+      </p:sp>
+      <p:sp>
+        <p:nvSpPr>
+          <p:cNvPr id="3" name="슬라이드 노트 개체 틀 2"/>
+          <p:cNvSpPr>
+            <a:spLocks noGrp="1"/>
+          </p:cNvSpPr>
+          <p:nvPr>
+            <p:ph type="body" idx="1"/>
+          </p:nvPr>
+        </p:nvSpPr>
+        <p:spPr/>
+        <p:txBody>
+          <a:bodyPr/>
+          <a:lstStyle/>
+          <a:p>
+            <a:endParaRPr lang="ko-KR" altLang="en-US" dirty="0"/>
+          </a:p>
+        </p:txBody>
+      </p:sp>
+      <p:sp>
+        <p:nvSpPr>
+          <p:cNvPr id="4" name="슬라이드 번호 개체 틀 3"/>
+          <p:cNvSpPr>
+            <a:spLocks noGrp="1"/>
+          </p:cNvSpPr>
+          <p:nvPr>
+            <p:ph type="sldNum" sz="quarter" idx="10"/>
+          </p:nvPr>
+        </p:nvSpPr>
+        <p:spPr/>
+        <p:txBody>
+          <a:bodyPr/>
+          <a:lstStyle/>
+          <a:p>
+            <a:fld id="{625D4AC4-540A-4436-887D-BF6A8FCF1275}" type="slidenum">
+              <a:rPr lang="ko-KR" altLang="en-US" smtClean="0"/>
+              <a:t>38</a:t>
             </a:fld>
             <a:endParaRPr lang="ko-KR" altLang="en-US"/>
           </a:p>
@@ -5103,7 +5178,7 @@
             </a:fld>
             <a:r>
               <a:rPr lang="en-US" altLang="ko-KR" dirty="0"/>
-              <a:t>/35</a:t>
+              <a:t>/36</a:t>
             </a:r>
             <a:endParaRPr lang="ko-KR" altLang="en-US" dirty="0"/>
           </a:p>
@@ -6484,7 +6559,13 @@
       </p:sp>
       <p:sp>
         <p:nvSpPr>
-          <p:cNvPr id="2" name="슬라이드 번호 개체 틀 1"/>
+          <p:cNvPr id="6" name="슬라이드 번호 개체 틀 5">
+            <a:extLst>
+              <a:ext uri="{FF2B5EF4-FFF2-40B4-BE49-F238E27FC236}">
+                <a16:creationId xmlns:a16="http://schemas.microsoft.com/office/drawing/2014/main" id="{90E81C5F-57DC-4BA3-99C2-8673C20AA0A4}"/>
+              </a:ext>
+            </a:extLst>
+          </p:cNvPr>
           <p:cNvSpPr>
             <a:spLocks noGrp="1"/>
           </p:cNvSpPr>
@@ -6504,7 +6585,7 @@
             </a:fld>
             <a:r>
               <a:rPr lang="en-US" altLang="ko-KR"/>
-              <a:t>/35</a:t>
+              <a:t>/36</a:t>
             </a:r>
             <a:endParaRPr lang="ko-KR" altLang="en-US" dirty="0"/>
           </a:p>
@@ -7232,7 +7313,13 @@
       </p:sp>
       <p:sp>
         <p:nvSpPr>
-          <p:cNvPr id="2" name="슬라이드 번호 개체 틀 1"/>
+          <p:cNvPr id="6" name="슬라이드 번호 개체 틀 5">
+            <a:extLst>
+              <a:ext uri="{FF2B5EF4-FFF2-40B4-BE49-F238E27FC236}">
+                <a16:creationId xmlns:a16="http://schemas.microsoft.com/office/drawing/2014/main" id="{FBF4FCC1-E7FC-42F0-811B-375D6327071B}"/>
+              </a:ext>
+            </a:extLst>
+          </p:cNvPr>
           <p:cNvSpPr>
             <a:spLocks noGrp="1"/>
           </p:cNvSpPr>
@@ -7252,7 +7339,7 @@
             </a:fld>
             <a:r>
               <a:rPr lang="en-US" altLang="ko-KR"/>
-              <a:t>/35</a:t>
+              <a:t>/36</a:t>
             </a:r>
             <a:endParaRPr lang="ko-KR" altLang="en-US" dirty="0"/>
           </a:p>
@@ -7707,7 +7794,13 @@
       </p:pic>
       <p:sp>
         <p:nvSpPr>
-          <p:cNvPr id="2" name="슬라이드 번호 개체 틀 1"/>
+          <p:cNvPr id="6" name="슬라이드 번호 개체 틀 5">
+            <a:extLst>
+              <a:ext uri="{FF2B5EF4-FFF2-40B4-BE49-F238E27FC236}">
+                <a16:creationId xmlns:a16="http://schemas.microsoft.com/office/drawing/2014/main" id="{017D4DFB-EBC0-49DA-91CD-14B0FC03988E}"/>
+              </a:ext>
+            </a:extLst>
+          </p:cNvPr>
           <p:cNvSpPr>
             <a:spLocks noGrp="1"/>
           </p:cNvSpPr>
@@ -7727,7 +7820,7 @@
             </a:fld>
             <a:r>
               <a:rPr lang="en-US" altLang="ko-KR"/>
-              <a:t>/35</a:t>
+              <a:t>/36</a:t>
             </a:r>
             <a:endParaRPr lang="ko-KR" altLang="en-US" dirty="0"/>
           </a:p>
@@ -7932,23 +8025,7 @@
           <a:p>
             <a:r>
               <a:rPr lang="ko-KR" altLang="en-US" dirty="0"/>
-              <a:t>나의 로컬저장소에서 작업하고 나의 원격저장소</a:t>
-            </a:r>
-            <a:r>
-              <a:rPr lang="en-US" altLang="ko-KR" dirty="0"/>
-              <a:t>(origin)</a:t>
-            </a:r>
-            <a:r>
-              <a:rPr lang="ko-KR" altLang="en-US" dirty="0"/>
-              <a:t>로 </a:t>
-            </a:r>
-            <a:r>
-              <a:rPr lang="en-US" altLang="ko-KR" dirty="0"/>
-              <a:t>push</a:t>
-            </a:r>
-            <a:r>
-              <a:rPr lang="ko-KR" altLang="en-US" dirty="0"/>
-              <a:t>하기</a:t>
+              <a:t>나의 로컬저장소에서 작업하기</a:t>
             </a:r>
             <a:endParaRPr lang="en-US" altLang="ko-KR" dirty="0"/>
           </a:p>
@@ -8370,15 +8447,7 @@
           <a:p>
             <a:r>
               <a:rPr lang="ko-KR" altLang="en-US" dirty="0"/>
-              <a:t>나의 로컬저장소에서 작업하고 나의 원격저장소로 </a:t>
-            </a:r>
-            <a:r>
-              <a:rPr lang="en-US" altLang="ko-KR" dirty="0"/>
-              <a:t>Push</a:t>
-            </a:r>
-            <a:r>
-              <a:rPr lang="ko-KR" altLang="en-US" dirty="0"/>
-              <a:t>하기</a:t>
+              <a:t>나의 로컬저장소에서 작업하기</a:t>
             </a:r>
           </a:p>
         </p:txBody>
@@ -8462,7 +8531,13 @@
       </p:pic>
       <p:sp>
         <p:nvSpPr>
-          <p:cNvPr id="2" name="슬라이드 번호 개체 틀 1"/>
+          <p:cNvPr id="6" name="슬라이드 번호 개체 틀 5">
+            <a:extLst>
+              <a:ext uri="{FF2B5EF4-FFF2-40B4-BE49-F238E27FC236}">
+                <a16:creationId xmlns:a16="http://schemas.microsoft.com/office/drawing/2014/main" id="{82FCB4C4-5E5F-4A63-9319-1A03C231C9C1}"/>
+              </a:ext>
+            </a:extLst>
+          </p:cNvPr>
           <p:cNvSpPr>
             <a:spLocks noGrp="1"/>
           </p:cNvSpPr>
@@ -8482,7 +8557,7 @@
             </a:fld>
             <a:r>
               <a:rPr lang="en-US" altLang="ko-KR"/>
-              <a:t>/35</a:t>
+              <a:t>/36</a:t>
             </a:r>
             <a:endParaRPr lang="ko-KR" altLang="en-US" dirty="0"/>
           </a:p>
@@ -8687,23 +8762,7 @@
           <a:p>
             <a:r>
               <a:rPr lang="ko-KR" altLang="en-US" dirty="0"/>
-              <a:t>나의 로컬저장소에서 작업하고 나의 원격저장소</a:t>
-            </a:r>
-            <a:r>
-              <a:rPr lang="en-US" altLang="ko-KR" dirty="0"/>
-              <a:t>(origin)</a:t>
-            </a:r>
-            <a:r>
-              <a:rPr lang="ko-KR" altLang="en-US" dirty="0"/>
-              <a:t>로 </a:t>
-            </a:r>
-            <a:r>
-              <a:rPr lang="en-US" altLang="ko-KR" dirty="0"/>
-              <a:t>push</a:t>
-            </a:r>
-            <a:r>
-              <a:rPr lang="ko-KR" altLang="en-US" dirty="0"/>
-              <a:t>하기</a:t>
+              <a:t>나의 로컬저장소에서 작업하기</a:t>
             </a:r>
             <a:endParaRPr lang="en-US" altLang="ko-KR" dirty="0"/>
           </a:p>
@@ -8865,7 +8924,7 @@
               <a:rPr lang="en-US" altLang="ko-KR" dirty="0">
                 <a:latin typeface="+mn-ea"/>
               </a:rPr>
-              <a:t>  ☞ git add exp.txt</a:t>
+              <a:t>  ☞ git add program.txt</a:t>
             </a:r>
           </a:p>
           <a:p>
@@ -9056,15 +9115,7 @@
           <a:p>
             <a:r>
               <a:rPr lang="ko-KR" altLang="en-US" dirty="0"/>
-              <a:t>나의 로컬저장소에서 작업하고 나의 원격저장소로 </a:t>
-            </a:r>
-            <a:r>
-              <a:rPr lang="en-US" altLang="ko-KR" dirty="0"/>
-              <a:t>Push</a:t>
-            </a:r>
-            <a:r>
-              <a:rPr lang="ko-KR" altLang="en-US" dirty="0"/>
-              <a:t>하기</a:t>
+              <a:t>나의 로컬저장소에서 작업하기</a:t>
             </a:r>
           </a:p>
         </p:txBody>
@@ -9101,7 +9152,13 @@
       </p:pic>
       <p:sp>
         <p:nvSpPr>
-          <p:cNvPr id="2" name="슬라이드 번호 개체 틀 1"/>
+          <p:cNvPr id="5" name="슬라이드 번호 개체 틀 4">
+            <a:extLst>
+              <a:ext uri="{FF2B5EF4-FFF2-40B4-BE49-F238E27FC236}">
+                <a16:creationId xmlns:a16="http://schemas.microsoft.com/office/drawing/2014/main" id="{3102BEE7-82F5-4224-8C25-6DCB2802B117}"/>
+              </a:ext>
+            </a:extLst>
+          </p:cNvPr>
           <p:cNvSpPr>
             <a:spLocks noGrp="1"/>
           </p:cNvSpPr>
@@ -9121,7 +9178,7 @@
             </a:fld>
             <a:r>
               <a:rPr lang="en-US" altLang="ko-KR"/>
-              <a:t>/35</a:t>
+              <a:t>/36</a:t>
             </a:r>
             <a:endParaRPr lang="ko-KR" altLang="en-US" dirty="0"/>
           </a:p>
@@ -9670,7 +9727,13 @@
       </p:sp>
       <p:sp>
         <p:nvSpPr>
-          <p:cNvPr id="2" name="슬라이드 번호 개체 틀 1"/>
+          <p:cNvPr id="5" name="슬라이드 번호 개체 틀 4">
+            <a:extLst>
+              <a:ext uri="{FF2B5EF4-FFF2-40B4-BE49-F238E27FC236}">
+                <a16:creationId xmlns:a16="http://schemas.microsoft.com/office/drawing/2014/main" id="{B1143AB7-292C-4833-A328-C7DCDF1E61C3}"/>
+              </a:ext>
+            </a:extLst>
+          </p:cNvPr>
           <p:cNvSpPr>
             <a:spLocks noGrp="1"/>
           </p:cNvSpPr>
@@ -9690,7 +9753,7 @@
             </a:fld>
             <a:r>
               <a:rPr lang="en-US" altLang="ko-KR"/>
-              <a:t>/35</a:t>
+              <a:t>/36</a:t>
             </a:r>
             <a:endParaRPr lang="ko-KR" altLang="en-US" dirty="0"/>
           </a:p>
@@ -10395,7 +10458,13 @@
       </p:sp>
       <p:sp>
         <p:nvSpPr>
-          <p:cNvPr id="2" name="슬라이드 번호 개체 틀 1"/>
+          <p:cNvPr id="6" name="슬라이드 번호 개체 틀 5">
+            <a:extLst>
+              <a:ext uri="{FF2B5EF4-FFF2-40B4-BE49-F238E27FC236}">
+                <a16:creationId xmlns:a16="http://schemas.microsoft.com/office/drawing/2014/main" id="{575AE944-67C2-4B68-838F-1AE005588B45}"/>
+              </a:ext>
+            </a:extLst>
+          </p:cNvPr>
           <p:cNvSpPr>
             <a:spLocks noGrp="1"/>
           </p:cNvSpPr>
@@ -10415,7 +10484,7 @@
             </a:fld>
             <a:r>
               <a:rPr lang="en-US" altLang="ko-KR"/>
-              <a:t>/35</a:t>
+              <a:t>/36</a:t>
             </a:r>
             <a:endParaRPr lang="ko-KR" altLang="en-US" dirty="0"/>
           </a:p>
@@ -10946,7 +11015,13 @@
       </p:sp>
       <p:sp>
         <p:nvSpPr>
-          <p:cNvPr id="2" name="슬라이드 번호 개체 틀 1"/>
+          <p:cNvPr id="5" name="슬라이드 번호 개체 틀 4">
+            <a:extLst>
+              <a:ext uri="{FF2B5EF4-FFF2-40B4-BE49-F238E27FC236}">
+                <a16:creationId xmlns:a16="http://schemas.microsoft.com/office/drawing/2014/main" id="{7E22ADE6-83A7-41DA-94AC-33B569DE2AA9}"/>
+              </a:ext>
+            </a:extLst>
+          </p:cNvPr>
           <p:cNvSpPr>
             <a:spLocks noGrp="1"/>
           </p:cNvSpPr>
@@ -10966,7 +11041,7 @@
             </a:fld>
             <a:r>
               <a:rPr lang="en-US" altLang="ko-KR"/>
-              <a:t>/35</a:t>
+              <a:t>/36</a:t>
             </a:r>
             <a:endParaRPr lang="ko-KR" altLang="en-US" dirty="0"/>
           </a:p>
@@ -11669,7 +11744,7 @@
                   <a:srgbClr val="0000FF"/>
                 </a:solidFill>
               </a:rPr>
-              <a:t>를 받는 곳</a:t>
+              <a:t>요청을 받는 곳</a:t>
             </a:r>
             <a:r>
               <a:rPr lang="en-US" altLang="ko-KR" sz="1400" dirty="0">
@@ -11701,7 +11776,7 @@
                   <a:srgbClr val="0000FF"/>
                 </a:solidFill>
               </a:rPr>
-              <a:t>를 보내는 곳</a:t>
+              <a:t>요청을 하는 곳</a:t>
             </a:r>
             <a:r>
               <a:rPr lang="en-US" altLang="ko-KR" sz="1400" dirty="0">
@@ -11934,7 +12009,13 @@
       </p:cxnSp>
       <p:sp>
         <p:nvSpPr>
-          <p:cNvPr id="2" name="슬라이드 번호 개체 틀 1"/>
+          <p:cNvPr id="6" name="슬라이드 번호 개체 틀 5">
+            <a:extLst>
+              <a:ext uri="{FF2B5EF4-FFF2-40B4-BE49-F238E27FC236}">
+                <a16:creationId xmlns:a16="http://schemas.microsoft.com/office/drawing/2014/main" id="{9860A94C-955A-47A7-9A66-6D6444AA5F0E}"/>
+              </a:ext>
+            </a:extLst>
+          </p:cNvPr>
           <p:cNvSpPr>
             <a:spLocks noGrp="1"/>
           </p:cNvSpPr>
@@ -11954,7 +12035,7 @@
             </a:fld>
             <a:r>
               <a:rPr lang="en-US" altLang="ko-KR"/>
-              <a:t>/35</a:t>
+              <a:t>/36</a:t>
             </a:r>
             <a:endParaRPr lang="ko-KR" altLang="en-US" dirty="0"/>
           </a:p>
@@ -12713,7 +12794,13 @@
       </p:sp>
       <p:sp>
         <p:nvSpPr>
-          <p:cNvPr id="2" name="슬라이드 번호 개체 틀 1"/>
+          <p:cNvPr id="6" name="슬라이드 번호 개체 틀 5">
+            <a:extLst>
+              <a:ext uri="{FF2B5EF4-FFF2-40B4-BE49-F238E27FC236}">
+                <a16:creationId xmlns:a16="http://schemas.microsoft.com/office/drawing/2014/main" id="{D1F12D43-9F64-45A0-8D30-556E7B84CC73}"/>
+              </a:ext>
+            </a:extLst>
+          </p:cNvPr>
           <p:cNvSpPr>
             <a:spLocks noGrp="1"/>
           </p:cNvSpPr>
@@ -12733,7 +12820,7 @@
             </a:fld>
             <a:r>
               <a:rPr lang="en-US" altLang="ko-KR"/>
-              <a:t>/35</a:t>
+              <a:t>/36</a:t>
             </a:r>
             <a:endParaRPr lang="ko-KR" altLang="en-US" dirty="0"/>
           </a:p>
@@ -14180,7 +14267,13 @@
       </p:sp>
       <p:sp>
         <p:nvSpPr>
-          <p:cNvPr id="3" name="슬라이드 번호 개체 틀 2"/>
+          <p:cNvPr id="12" name="슬라이드 번호 개체 틀 11">
+            <a:extLst>
+              <a:ext uri="{FF2B5EF4-FFF2-40B4-BE49-F238E27FC236}">
+                <a16:creationId xmlns:a16="http://schemas.microsoft.com/office/drawing/2014/main" id="{40E2DCF1-65A2-47E8-919B-8AF28FDCC161}"/>
+              </a:ext>
+            </a:extLst>
+          </p:cNvPr>
           <p:cNvSpPr>
             <a:spLocks noGrp="1"/>
           </p:cNvSpPr>
@@ -14200,7 +14293,7 @@
             </a:fld>
             <a:r>
               <a:rPr lang="en-US" altLang="ko-KR"/>
-              <a:t>/35</a:t>
+              <a:t>/36</a:t>
             </a:r>
             <a:endParaRPr lang="ko-KR" altLang="en-US" dirty="0"/>
           </a:p>
@@ -14653,7 +14746,13 @@
       </p:sp>
       <p:sp>
         <p:nvSpPr>
-          <p:cNvPr id="2" name="슬라이드 번호 개체 틀 1"/>
+          <p:cNvPr id="6" name="슬라이드 번호 개체 틀 5">
+            <a:extLst>
+              <a:ext uri="{FF2B5EF4-FFF2-40B4-BE49-F238E27FC236}">
+                <a16:creationId xmlns:a16="http://schemas.microsoft.com/office/drawing/2014/main" id="{785DBC3B-E420-4F42-9130-F80CAF570459}"/>
+              </a:ext>
+            </a:extLst>
+          </p:cNvPr>
           <p:cNvSpPr>
             <a:spLocks noGrp="1"/>
           </p:cNvSpPr>
@@ -14673,7 +14772,7 @@
             </a:fld>
             <a:r>
               <a:rPr lang="en-US" altLang="ko-KR"/>
-              <a:t>/35</a:t>
+              <a:t>/36</a:t>
             </a:r>
             <a:endParaRPr lang="ko-KR" altLang="en-US" dirty="0"/>
           </a:p>
@@ -15330,7 +15429,13 @@
       </p:sp>
       <p:sp>
         <p:nvSpPr>
-          <p:cNvPr id="2" name="슬라이드 번호 개체 틀 1"/>
+          <p:cNvPr id="6" name="슬라이드 번호 개체 틀 5">
+            <a:extLst>
+              <a:ext uri="{FF2B5EF4-FFF2-40B4-BE49-F238E27FC236}">
+                <a16:creationId xmlns:a16="http://schemas.microsoft.com/office/drawing/2014/main" id="{5650DC5A-1FFB-4470-9018-21DE72E9B5EA}"/>
+              </a:ext>
+            </a:extLst>
+          </p:cNvPr>
           <p:cNvSpPr>
             <a:spLocks noGrp="1"/>
           </p:cNvSpPr>
@@ -15350,7 +15455,7 @@
             </a:fld>
             <a:r>
               <a:rPr lang="en-US" altLang="ko-KR"/>
-              <a:t>/35</a:t>
+              <a:t>/36</a:t>
             </a:r>
             <a:endParaRPr lang="ko-KR" altLang="en-US" dirty="0"/>
           </a:p>
@@ -15923,7 +16028,13 @@
       </p:cxnSp>
       <p:sp>
         <p:nvSpPr>
-          <p:cNvPr id="2" name="슬라이드 번호 개체 틀 1"/>
+          <p:cNvPr id="6" name="슬라이드 번호 개체 틀 5">
+            <a:extLst>
+              <a:ext uri="{FF2B5EF4-FFF2-40B4-BE49-F238E27FC236}">
+                <a16:creationId xmlns:a16="http://schemas.microsoft.com/office/drawing/2014/main" id="{0B0BDD86-13D1-4485-A3BD-9775BE8AD598}"/>
+              </a:ext>
+            </a:extLst>
+          </p:cNvPr>
           <p:cNvSpPr>
             <a:spLocks noGrp="1"/>
           </p:cNvSpPr>
@@ -15943,7 +16054,7 @@
             </a:fld>
             <a:r>
               <a:rPr lang="en-US" altLang="ko-KR"/>
-              <a:t>/35</a:t>
+              <a:t>/36</a:t>
             </a:r>
             <a:endParaRPr lang="ko-KR" altLang="en-US" dirty="0"/>
           </a:p>
@@ -16575,49 +16686,13 @@
       </p:sp>
       <p:sp>
         <p:nvSpPr>
-          <p:cNvPr id="3" name="TextBox 2">
+          <p:cNvPr id="9" name="슬라이드 번호 개체 틀 8">
             <a:extLst>
               <a:ext uri="{FF2B5EF4-FFF2-40B4-BE49-F238E27FC236}">
-                <a16:creationId xmlns:a16="http://schemas.microsoft.com/office/drawing/2014/main" id="{71DC316E-4D18-49AE-A850-8FBA3DF5C519}"/>
+                <a16:creationId xmlns:a16="http://schemas.microsoft.com/office/drawing/2014/main" id="{A198FCB6-146F-40B0-947D-F4CF078E2D6A}"/>
               </a:ext>
             </a:extLst>
           </p:cNvPr>
-          <p:cNvSpPr txBox="1"/>
-          <p:nvPr/>
-        </p:nvSpPr>
-        <p:spPr>
-          <a:xfrm>
-            <a:off x="1988910" y="3557846"/>
-            <a:ext cx="3169457" cy="461665"/>
-          </a:xfrm>
-          <a:prstGeom prst="rect">
-            <a:avLst/>
-          </a:prstGeom>
-          <a:solidFill>
-            <a:srgbClr val="FFC000"/>
-          </a:solidFill>
-        </p:spPr>
-        <p:txBody>
-          <a:bodyPr wrap="none" rtlCol="0">
-            <a:spAutoFit/>
-          </a:bodyPr>
-          <a:lstStyle/>
-          <a:p>
-            <a:r>
-              <a:rPr lang="ko-KR" altLang="en-US" sz="2400" dirty="0"/>
-              <a:t>변경화면 대체해야 함</a:t>
-            </a:r>
-            <a:r>
-              <a:rPr lang="en-US" altLang="ko-KR" sz="2400" dirty="0"/>
-              <a:t>.</a:t>
-            </a:r>
-            <a:endParaRPr lang="ko-KR" altLang="en-US" sz="2400" dirty="0"/>
-          </a:p>
-        </p:txBody>
-      </p:sp>
-      <p:sp>
-        <p:nvSpPr>
-          <p:cNvPr id="6" name="슬라이드 번호 개체 틀 5"/>
           <p:cNvSpPr>
             <a:spLocks noGrp="1"/>
           </p:cNvSpPr>
@@ -16637,7 +16712,7 @@
             </a:fld>
             <a:r>
               <a:rPr lang="en-US" altLang="ko-KR"/>
-              <a:t>/35</a:t>
+              <a:t>/36</a:t>
             </a:r>
             <a:endParaRPr lang="ko-KR" altLang="en-US" dirty="0"/>
           </a:p>
@@ -17233,7 +17308,13 @@
       </p:sp>
       <p:sp>
         <p:nvSpPr>
-          <p:cNvPr id="2" name="슬라이드 번호 개체 틀 1"/>
+          <p:cNvPr id="6" name="슬라이드 번호 개체 틀 5">
+            <a:extLst>
+              <a:ext uri="{FF2B5EF4-FFF2-40B4-BE49-F238E27FC236}">
+                <a16:creationId xmlns:a16="http://schemas.microsoft.com/office/drawing/2014/main" id="{0478BEE3-0B9B-4966-8DB8-6F7577EC499B}"/>
+              </a:ext>
+            </a:extLst>
+          </p:cNvPr>
           <p:cNvSpPr>
             <a:spLocks noGrp="1"/>
           </p:cNvSpPr>
@@ -17253,7 +17334,7 @@
             </a:fld>
             <a:r>
               <a:rPr lang="en-US" altLang="ko-KR"/>
-              <a:t>/35</a:t>
+              <a:t>/36</a:t>
             </a:r>
             <a:endParaRPr lang="ko-KR" altLang="en-US" dirty="0"/>
           </a:p>
@@ -17889,7 +17970,13 @@
       </p:cxnSp>
       <p:sp>
         <p:nvSpPr>
-          <p:cNvPr id="2" name="슬라이드 번호 개체 틀 1"/>
+          <p:cNvPr id="6" name="슬라이드 번호 개체 틀 5">
+            <a:extLst>
+              <a:ext uri="{FF2B5EF4-FFF2-40B4-BE49-F238E27FC236}">
+                <a16:creationId xmlns:a16="http://schemas.microsoft.com/office/drawing/2014/main" id="{60FD0D35-C2D5-4692-AE3A-44DF66A1DF06}"/>
+              </a:ext>
+            </a:extLst>
+          </p:cNvPr>
           <p:cNvSpPr>
             <a:spLocks noGrp="1"/>
           </p:cNvSpPr>
@@ -17909,7 +17996,7 @@
             </a:fld>
             <a:r>
               <a:rPr lang="en-US" altLang="ko-KR"/>
-              <a:t>/35</a:t>
+              <a:t>/36</a:t>
             </a:r>
             <a:endParaRPr lang="ko-KR" altLang="en-US" dirty="0"/>
           </a:p>
@@ -18633,7 +18720,13 @@
       </p:sp>
       <p:sp>
         <p:nvSpPr>
-          <p:cNvPr id="2" name="슬라이드 번호 개체 틀 1"/>
+          <p:cNvPr id="6" name="슬라이드 번호 개체 틀 5">
+            <a:extLst>
+              <a:ext uri="{FF2B5EF4-FFF2-40B4-BE49-F238E27FC236}">
+                <a16:creationId xmlns:a16="http://schemas.microsoft.com/office/drawing/2014/main" id="{C23BCC6E-C4A7-47F2-80D1-FA9E8160FAFE}"/>
+              </a:ext>
+            </a:extLst>
+          </p:cNvPr>
           <p:cNvSpPr>
             <a:spLocks noGrp="1"/>
           </p:cNvSpPr>
@@ -18653,7 +18746,7 @@
             </a:fld>
             <a:r>
               <a:rPr lang="en-US" altLang="ko-KR"/>
-              <a:t>/35</a:t>
+              <a:t>/36</a:t>
             </a:r>
             <a:endParaRPr lang="ko-KR" altLang="en-US" dirty="0"/>
           </a:p>
@@ -19164,7 +19257,13 @@
       </p:sp>
       <p:sp>
         <p:nvSpPr>
-          <p:cNvPr id="2" name="슬라이드 번호 개체 틀 1"/>
+          <p:cNvPr id="6" name="슬라이드 번호 개체 틀 5">
+            <a:extLst>
+              <a:ext uri="{FF2B5EF4-FFF2-40B4-BE49-F238E27FC236}">
+                <a16:creationId xmlns:a16="http://schemas.microsoft.com/office/drawing/2014/main" id="{72F31F8A-DBAF-41D0-9CE5-9095284BC342}"/>
+              </a:ext>
+            </a:extLst>
+          </p:cNvPr>
           <p:cNvSpPr>
             <a:spLocks noGrp="1"/>
           </p:cNvSpPr>
@@ -19184,7 +19283,7 @@
             </a:fld>
             <a:r>
               <a:rPr lang="en-US" altLang="ko-KR"/>
-              <a:t>/35</a:t>
+              <a:t>/36</a:t>
             </a:r>
             <a:endParaRPr lang="ko-KR" altLang="en-US" dirty="0"/>
           </a:p>
@@ -19864,7 +19963,13 @@
       </p:sp>
       <p:sp>
         <p:nvSpPr>
-          <p:cNvPr id="2" name="슬라이드 번호 개체 틀 1"/>
+          <p:cNvPr id="6" name="슬라이드 번호 개체 틀 5">
+            <a:extLst>
+              <a:ext uri="{FF2B5EF4-FFF2-40B4-BE49-F238E27FC236}">
+                <a16:creationId xmlns:a16="http://schemas.microsoft.com/office/drawing/2014/main" id="{1DFA25FF-85BA-4919-BE56-B2CED3C707F2}"/>
+              </a:ext>
+            </a:extLst>
+          </p:cNvPr>
           <p:cNvSpPr>
             <a:spLocks noGrp="1"/>
           </p:cNvSpPr>
@@ -19884,7 +19989,7 @@
             </a:fld>
             <a:r>
               <a:rPr lang="en-US" altLang="ko-KR"/>
-              <a:t>/35</a:t>
+              <a:t>/36</a:t>
             </a:r>
             <a:endParaRPr lang="ko-KR" altLang="en-US" dirty="0"/>
           </a:p>
@@ -20391,7 +20496,13 @@
       </p:sp>
       <p:sp>
         <p:nvSpPr>
-          <p:cNvPr id="2" name="슬라이드 번호 개체 틀 1"/>
+          <p:cNvPr id="6" name="슬라이드 번호 개체 틀 5">
+            <a:extLst>
+              <a:ext uri="{FF2B5EF4-FFF2-40B4-BE49-F238E27FC236}">
+                <a16:creationId xmlns:a16="http://schemas.microsoft.com/office/drawing/2014/main" id="{55B23750-657E-4B4D-9E4E-FFFBAA6D39B5}"/>
+              </a:ext>
+            </a:extLst>
+          </p:cNvPr>
           <p:cNvSpPr>
             <a:spLocks noGrp="1"/>
           </p:cNvSpPr>
@@ -20411,7 +20522,7 @@
             </a:fld>
             <a:r>
               <a:rPr lang="en-US" altLang="ko-KR"/>
-              <a:t>/35</a:t>
+              <a:t>/36</a:t>
             </a:r>
             <a:endParaRPr lang="ko-KR" altLang="en-US" dirty="0"/>
           </a:p>
@@ -21303,7 +21414,13 @@
       </p:sp>
       <p:sp>
         <p:nvSpPr>
-          <p:cNvPr id="2" name="슬라이드 번호 개체 틀 1"/>
+          <p:cNvPr id="5" name="슬라이드 번호 개체 틀 4">
+            <a:extLst>
+              <a:ext uri="{FF2B5EF4-FFF2-40B4-BE49-F238E27FC236}">
+                <a16:creationId xmlns:a16="http://schemas.microsoft.com/office/drawing/2014/main" id="{7C4CC519-0EAD-4336-9482-237E1061C26E}"/>
+              </a:ext>
+            </a:extLst>
+          </p:cNvPr>
           <p:cNvSpPr>
             <a:spLocks noGrp="1"/>
           </p:cNvSpPr>
@@ -21323,7 +21440,7 @@
             </a:fld>
             <a:r>
               <a:rPr lang="en-US" altLang="ko-KR"/>
-              <a:t>/35</a:t>
+              <a:t>/36</a:t>
             </a:r>
             <a:endParaRPr lang="ko-KR" altLang="en-US" dirty="0"/>
           </a:p>
@@ -21748,7 +21865,13 @@
       </p:sp>
       <p:sp>
         <p:nvSpPr>
-          <p:cNvPr id="2" name="슬라이드 번호 개체 틀 1"/>
+          <p:cNvPr id="6" name="슬라이드 번호 개체 틀 5">
+            <a:extLst>
+              <a:ext uri="{FF2B5EF4-FFF2-40B4-BE49-F238E27FC236}">
+                <a16:creationId xmlns:a16="http://schemas.microsoft.com/office/drawing/2014/main" id="{EE3D9C68-E42B-426C-B747-AA5427259B6B}"/>
+              </a:ext>
+            </a:extLst>
+          </p:cNvPr>
           <p:cNvSpPr>
             <a:spLocks noGrp="1"/>
           </p:cNvSpPr>
@@ -21768,7 +21891,7 @@
             </a:fld>
             <a:r>
               <a:rPr lang="en-US" altLang="ko-KR"/>
-              <a:t>/35</a:t>
+              <a:t>/36</a:t>
             </a:r>
             <a:endParaRPr lang="ko-KR" altLang="en-US" dirty="0"/>
           </a:p>
@@ -21788,6 +21911,680 @@
 </file>
 
 <file path=ppt/slides/slide31.xml><?xml version="1.0" encoding="utf-8"?>
+<p:sld xmlns:a="http://schemas.openxmlformats.org/drawingml/2006/main" xmlns:r="http://schemas.openxmlformats.org/officeDocument/2006/relationships" xmlns:p="http://schemas.openxmlformats.org/presentationml/2006/main">
+  <p:cSld>
+    <p:spTree>
+      <p:nvGrpSpPr>
+        <p:cNvPr id="1" name=""/>
+        <p:cNvGrpSpPr/>
+        <p:nvPr/>
+      </p:nvGrpSpPr>
+      <p:grpSpPr>
+        <a:xfrm>
+          <a:off x="0" y="0"/>
+          <a:ext cx="0" cy="0"/>
+          <a:chOff x="0" y="0"/>
+          <a:chExt cx="0" cy="0"/>
+        </a:xfrm>
+      </p:grpSpPr>
+      <p:pic>
+        <p:nvPicPr>
+          <p:cNvPr id="8" name="그림 7">
+            <a:extLst>
+              <a:ext uri="{FF2B5EF4-FFF2-40B4-BE49-F238E27FC236}">
+                <a16:creationId xmlns:a16="http://schemas.microsoft.com/office/drawing/2014/main" id="{5F38503B-F201-4F2D-A975-5D5E06143BF8}"/>
+              </a:ext>
+            </a:extLst>
+          </p:cNvPr>
+          <p:cNvPicPr>
+            <a:picLocks noChangeAspect="1"/>
+          </p:cNvPicPr>
+          <p:nvPr/>
+        </p:nvPicPr>
+        <p:blipFill>
+          <a:blip r:embed="rId3"/>
+          <a:stretch>
+            <a:fillRect/>
+          </a:stretch>
+        </p:blipFill>
+        <p:spPr>
+          <a:xfrm>
+            <a:off x="725312" y="2062905"/>
+            <a:ext cx="7872424" cy="4113034"/>
+          </a:xfrm>
+          <a:prstGeom prst="rect">
+            <a:avLst/>
+          </a:prstGeom>
+        </p:spPr>
+      </p:pic>
+      <p:sp>
+        <p:nvSpPr>
+          <p:cNvPr id="4" name="제목 3">
+            <a:extLst>
+              <a:ext uri="{FF2B5EF4-FFF2-40B4-BE49-F238E27FC236}">
+                <a16:creationId xmlns:a16="http://schemas.microsoft.com/office/drawing/2014/main" id="{F0CEB32B-CB43-4410-BA08-A97E4BC47FCB}"/>
+              </a:ext>
+            </a:extLst>
+          </p:cNvPr>
+          <p:cNvSpPr>
+            <a:spLocks noGrp="1"/>
+          </p:cNvSpPr>
+          <p:nvPr>
+            <p:ph type="title"/>
+          </p:nvPr>
+        </p:nvSpPr>
+        <p:spPr>
+          <a:xfrm>
+            <a:off x="539551" y="192300"/>
+            <a:ext cx="8244853" cy="576064"/>
+          </a:xfrm>
+        </p:spPr>
+        <p:txBody>
+          <a:bodyPr>
+            <a:normAutofit/>
+          </a:bodyPr>
+          <a:lstStyle/>
+          <a:p>
+            <a:r>
+              <a:rPr lang="en-US" altLang="ko-KR" dirty="0"/>
+              <a:t>Pull Request </a:t>
+            </a:r>
+            <a:r>
+              <a:rPr lang="ko-KR" altLang="en-US" dirty="0"/>
+              <a:t>최종결과 확인 후 마무리 작업</a:t>
+            </a:r>
+          </a:p>
+        </p:txBody>
+      </p:sp>
+      <p:sp>
+        <p:nvSpPr>
+          <p:cNvPr id="11" name="내용 개체 틀 2">
+            <a:extLst>
+              <a:ext uri="{FF2B5EF4-FFF2-40B4-BE49-F238E27FC236}">
+                <a16:creationId xmlns:a16="http://schemas.microsoft.com/office/drawing/2014/main" id="{A44AC902-3746-40D6-9827-94B46EEDDC67}"/>
+              </a:ext>
+            </a:extLst>
+          </p:cNvPr>
+          <p:cNvSpPr txBox="1">
+            <a:spLocks/>
+          </p:cNvSpPr>
+          <p:nvPr/>
+        </p:nvSpPr>
+        <p:spPr>
+          <a:xfrm>
+            <a:off x="341787" y="1120545"/>
+            <a:ext cx="8642350" cy="1148094"/>
+          </a:xfrm>
+          <a:prstGeom prst="rect">
+            <a:avLst/>
+          </a:prstGeom>
+        </p:spPr>
+        <p:txBody>
+          <a:bodyPr vert="horz" lIns="91440" tIns="45720" rIns="91440" bIns="45720" rtlCol="0">
+            <a:noAutofit/>
+          </a:bodyPr>
+          <a:lstStyle>
+            <a:lvl1pPr marL="266700" indent="-266700" defTabSz="914400" latinLnBrk="1">
+              <a:lnSpc>
+                <a:spcPct val="150000"/>
+              </a:lnSpc>
+              <a:spcBef>
+                <a:spcPct val="0"/>
+              </a:spcBef>
+              <a:buClr>
+                <a:schemeClr val="tx1">
+                  <a:lumMod val="65000"/>
+                  <a:lumOff val="35000"/>
+                </a:schemeClr>
+              </a:buClr>
+              <a:buFont typeface="Wingdings" pitchFamily="2" charset="2"/>
+              <a:buChar char="n"/>
+              <a:defRPr sz="2000" b="1">
+                <a:latin typeface="+mn-ea"/>
+              </a:defRPr>
+            </a:lvl1pPr>
+            <a:lvl2pPr marL="447675" lvl="1" indent="-180975" defTabSz="914400" latinLnBrk="1">
+              <a:lnSpc>
+                <a:spcPct val="150000"/>
+              </a:lnSpc>
+              <a:spcBef>
+                <a:spcPts val="0"/>
+              </a:spcBef>
+              <a:spcAft>
+                <a:spcPts val="0"/>
+              </a:spcAft>
+              <a:buClr>
+                <a:schemeClr val="tx1">
+                  <a:lumMod val="50000"/>
+                  <a:lumOff val="50000"/>
+                </a:schemeClr>
+              </a:buClr>
+              <a:buFont typeface="Wingdings" pitchFamily="2" charset="2"/>
+              <a:buChar char="§"/>
+              <a:defRPr sz="1600"/>
+            </a:lvl2pPr>
+            <a:lvl3pPr marL="628650" indent="-180975" defTabSz="914400" latinLnBrk="1">
+              <a:lnSpc>
+                <a:spcPct val="150000"/>
+              </a:lnSpc>
+              <a:spcBef>
+                <a:spcPts val="500"/>
+              </a:spcBef>
+              <a:spcAft>
+                <a:spcPts val="300"/>
+              </a:spcAft>
+              <a:buClr>
+                <a:schemeClr val="tx1">
+                  <a:lumMod val="65000"/>
+                  <a:lumOff val="35000"/>
+                </a:schemeClr>
+              </a:buClr>
+              <a:buFont typeface="Arial" panose="020B0604020202020204" pitchFamily="34" charset="0"/>
+              <a:buChar char="•"/>
+              <a:defRPr sz="1400"/>
+            </a:lvl3pPr>
+            <a:lvl4pPr marL="809625" indent="-180975" defTabSz="914400" latinLnBrk="1">
+              <a:lnSpc>
+                <a:spcPct val="150000"/>
+              </a:lnSpc>
+              <a:spcBef>
+                <a:spcPts val="500"/>
+              </a:spcBef>
+              <a:spcAft>
+                <a:spcPts val="300"/>
+              </a:spcAft>
+              <a:buClr>
+                <a:schemeClr val="tx1">
+                  <a:lumMod val="65000"/>
+                  <a:lumOff val="35000"/>
+                </a:schemeClr>
+              </a:buClr>
+              <a:buSzPct val="96000"/>
+              <a:buFont typeface="Arial" panose="020B0604020202020204" pitchFamily="34" charset="0"/>
+              <a:buChar char="•"/>
+              <a:defRPr sz="1200"/>
+            </a:lvl4pPr>
+            <a:lvl5pPr marL="990600" indent="-180975" defTabSz="914400" latinLnBrk="1">
+              <a:lnSpc>
+                <a:spcPct val="150000"/>
+              </a:lnSpc>
+              <a:spcBef>
+                <a:spcPts val="500"/>
+              </a:spcBef>
+              <a:buClr>
+                <a:schemeClr val="tx1">
+                  <a:lumMod val="65000"/>
+                  <a:lumOff val="35000"/>
+                </a:schemeClr>
+              </a:buClr>
+              <a:buFont typeface="Arial" panose="020B0604020202020204" pitchFamily="34" charset="0"/>
+              <a:buChar char="•"/>
+              <a:defRPr sz="1000"/>
+            </a:lvl5pPr>
+            <a:lvl6pPr marL="2514600" indent="-228600" defTabSz="914400" latinLnBrk="1">
+              <a:lnSpc>
+                <a:spcPct val="90000"/>
+              </a:lnSpc>
+              <a:spcBef>
+                <a:spcPts val="500"/>
+              </a:spcBef>
+              <a:buFont typeface="Arial" panose="020B0604020202020204" pitchFamily="34" charset="0"/>
+              <a:buChar char="•"/>
+            </a:lvl6pPr>
+            <a:lvl7pPr marL="2971800" indent="-228600" defTabSz="914400" latinLnBrk="1">
+              <a:lnSpc>
+                <a:spcPct val="90000"/>
+              </a:lnSpc>
+              <a:spcBef>
+                <a:spcPts val="500"/>
+              </a:spcBef>
+              <a:buFont typeface="Arial" panose="020B0604020202020204" pitchFamily="34" charset="0"/>
+              <a:buChar char="•"/>
+            </a:lvl7pPr>
+            <a:lvl8pPr marL="3429000" indent="-228600" defTabSz="914400" latinLnBrk="1">
+              <a:lnSpc>
+                <a:spcPct val="90000"/>
+              </a:lnSpc>
+              <a:spcBef>
+                <a:spcPts val="500"/>
+              </a:spcBef>
+              <a:buFont typeface="Arial" panose="020B0604020202020204" pitchFamily="34" charset="0"/>
+              <a:buChar char="•"/>
+            </a:lvl8pPr>
+            <a:lvl9pPr marL="3886200" indent="-228600" defTabSz="914400" latinLnBrk="1">
+              <a:lnSpc>
+                <a:spcPct val="90000"/>
+              </a:lnSpc>
+              <a:spcBef>
+                <a:spcPts val="500"/>
+              </a:spcBef>
+              <a:buFont typeface="Arial" panose="020B0604020202020204" pitchFamily="34" charset="0"/>
+              <a:buChar char="•"/>
+            </a:lvl9pPr>
+          </a:lstStyle>
+          <a:p>
+            <a:r>
+              <a:rPr lang="ko-KR" altLang="en-US" dirty="0"/>
+              <a:t>남의 원격저장소</a:t>
+            </a:r>
+            <a:r>
+              <a:rPr lang="en-US" altLang="ko-KR" dirty="0"/>
+              <a:t>(upstream)</a:t>
+            </a:r>
+            <a:r>
+              <a:rPr lang="ko-KR" altLang="en-US" dirty="0"/>
+              <a:t> 내용을 나의 로컬로 </a:t>
+            </a:r>
+            <a:r>
+              <a:rPr lang="en-US" altLang="ko-KR" dirty="0"/>
+              <a:t>pull</a:t>
+            </a:r>
+          </a:p>
+          <a:p>
+            <a:pPr lvl="1"/>
+            <a:r>
+              <a:rPr lang="en-US" altLang="ko-KR" dirty="0">
+                <a:latin typeface="+mn-ea"/>
+              </a:rPr>
+              <a:t>Upstream </a:t>
+            </a:r>
+            <a:r>
+              <a:rPr lang="ko-KR" altLang="en-US" dirty="0">
+                <a:latin typeface="+mn-ea"/>
+              </a:rPr>
+              <a:t>원격저장소 찾아가기 </a:t>
+            </a:r>
+            <a:r>
+              <a:rPr lang="en-US" altLang="ko-KR" dirty="0">
+                <a:latin typeface="+mn-ea"/>
+              </a:rPr>
+              <a:t>(</a:t>
+            </a:r>
+            <a:r>
+              <a:rPr lang="ko-KR" altLang="en-US" dirty="0">
+                <a:latin typeface="+mn-ea"/>
+              </a:rPr>
+              <a:t>메일의 링크를 클릭하지 않을 경우</a:t>
+            </a:r>
+            <a:r>
+              <a:rPr lang="en-US" altLang="ko-KR" dirty="0">
+                <a:latin typeface="+mn-ea"/>
+              </a:rPr>
+              <a:t>)</a:t>
+            </a:r>
+            <a:endParaRPr lang="en-US" altLang="ko-KR" dirty="0"/>
+          </a:p>
+          <a:p>
+            <a:pPr marL="266700" lvl="1" indent="0">
+              <a:buNone/>
+            </a:pPr>
+            <a:endParaRPr lang="en-US" altLang="ko-KR" dirty="0">
+              <a:latin typeface="+mn-ea"/>
+            </a:endParaRPr>
+          </a:p>
+          <a:p>
+            <a:pPr marL="266700" lvl="1" indent="0">
+              <a:buNone/>
+            </a:pPr>
+            <a:endParaRPr lang="en-US" altLang="ko-KR" dirty="0">
+              <a:latin typeface="+mn-ea"/>
+            </a:endParaRPr>
+          </a:p>
+          <a:p>
+            <a:pPr marL="266700" lvl="1" indent="0">
+              <a:buNone/>
+            </a:pPr>
+            <a:endParaRPr lang="en-US" altLang="ko-KR" dirty="0">
+              <a:latin typeface="+mn-ea"/>
+            </a:endParaRPr>
+          </a:p>
+          <a:p>
+            <a:pPr marL="266700" lvl="1" indent="0">
+              <a:buNone/>
+            </a:pPr>
+            <a:endParaRPr lang="en-US" altLang="ko-KR" dirty="0">
+              <a:latin typeface="+mn-ea"/>
+            </a:endParaRPr>
+          </a:p>
+          <a:p>
+            <a:pPr marL="266700" lvl="1" indent="0">
+              <a:buNone/>
+            </a:pPr>
+            <a:endParaRPr lang="en-US" altLang="ko-KR" dirty="0">
+              <a:latin typeface="+mn-ea"/>
+            </a:endParaRPr>
+          </a:p>
+          <a:p>
+            <a:pPr marL="266700" lvl="1" indent="0">
+              <a:buNone/>
+            </a:pPr>
+            <a:endParaRPr lang="en-US" altLang="ko-KR" dirty="0">
+              <a:latin typeface="+mn-ea"/>
+            </a:endParaRPr>
+          </a:p>
+        </p:txBody>
+      </p:sp>
+      <p:sp>
+        <p:nvSpPr>
+          <p:cNvPr id="6" name="직사각형 5">
+            <a:extLst>
+              <a:ext uri="{FF2B5EF4-FFF2-40B4-BE49-F238E27FC236}">
+                <a16:creationId xmlns:a16="http://schemas.microsoft.com/office/drawing/2014/main" id="{921CB6F4-A7B2-45DA-906E-10FFB001D7A0}"/>
+              </a:ext>
+            </a:extLst>
+          </p:cNvPr>
+          <p:cNvSpPr/>
+          <p:nvPr/>
+        </p:nvSpPr>
+        <p:spPr>
+          <a:xfrm flipH="1">
+            <a:off x="1365670" y="2924673"/>
+            <a:ext cx="997519" cy="162911"/>
+          </a:xfrm>
+          <a:prstGeom prst="rect">
+            <a:avLst/>
+          </a:prstGeom>
+          <a:noFill/>
+          <a:ln w="28575">
+            <a:solidFill>
+              <a:srgbClr val="FF0000"/>
+            </a:solidFill>
+          </a:ln>
+        </p:spPr>
+        <p:style>
+          <a:lnRef idx="2">
+            <a:schemeClr val="accent1">
+              <a:shade val="50000"/>
+            </a:schemeClr>
+          </a:lnRef>
+          <a:fillRef idx="1">
+            <a:schemeClr val="accent1"/>
+          </a:fillRef>
+          <a:effectRef idx="0">
+            <a:schemeClr val="accent1"/>
+          </a:effectRef>
+          <a:fontRef idx="minor">
+            <a:schemeClr val="lt1"/>
+          </a:fontRef>
+        </p:style>
+        <p:txBody>
+          <a:bodyPr rtlCol="0" anchor="ctr"/>
+          <a:lstStyle/>
+          <a:p>
+            <a:endParaRPr lang="ko-KR" altLang="en-US" b="1" dirty="0">
+              <a:solidFill>
+                <a:srgbClr val="FF0000"/>
+              </a:solidFill>
+            </a:endParaRPr>
+          </a:p>
+        </p:txBody>
+      </p:sp>
+      <p:cxnSp>
+        <p:nvCxnSpPr>
+          <p:cNvPr id="7" name="직선 화살표 연결선 6">
+            <a:extLst>
+              <a:ext uri="{FF2B5EF4-FFF2-40B4-BE49-F238E27FC236}">
+                <a16:creationId xmlns:a16="http://schemas.microsoft.com/office/drawing/2014/main" id="{7FE1EE9F-2F14-41E3-9777-C9335CDDD3C7}"/>
+              </a:ext>
+            </a:extLst>
+          </p:cNvPr>
+          <p:cNvCxnSpPr>
+            <a:cxnSpLocks/>
+          </p:cNvCxnSpPr>
+          <p:nvPr/>
+        </p:nvCxnSpPr>
+        <p:spPr>
+          <a:xfrm flipH="1" flipV="1">
+            <a:off x="2404747" y="3006128"/>
+            <a:ext cx="341968" cy="25533"/>
+          </a:xfrm>
+          <a:prstGeom prst="straightConnector1">
+            <a:avLst/>
+          </a:prstGeom>
+          <a:ln w="25400">
+            <a:solidFill>
+              <a:schemeClr val="accent1">
+                <a:lumMod val="60000"/>
+                <a:lumOff val="40000"/>
+              </a:schemeClr>
+            </a:solidFill>
+            <a:tailEnd type="triangle"/>
+          </a:ln>
+        </p:spPr>
+        <p:style>
+          <a:lnRef idx="1">
+            <a:schemeClr val="accent1"/>
+          </a:lnRef>
+          <a:fillRef idx="0">
+            <a:schemeClr val="accent1"/>
+          </a:fillRef>
+          <a:effectRef idx="0">
+            <a:schemeClr val="accent1"/>
+          </a:effectRef>
+          <a:fontRef idx="minor">
+            <a:schemeClr val="tx1"/>
+          </a:fontRef>
+        </p:style>
+      </p:cxnSp>
+      <p:sp>
+        <p:nvSpPr>
+          <p:cNvPr id="13" name="TextBox 12">
+            <a:extLst>
+              <a:ext uri="{FF2B5EF4-FFF2-40B4-BE49-F238E27FC236}">
+                <a16:creationId xmlns:a16="http://schemas.microsoft.com/office/drawing/2014/main" id="{AC433AD4-775D-4860-BA4E-00B1F758F9F7}"/>
+              </a:ext>
+            </a:extLst>
+          </p:cNvPr>
+          <p:cNvSpPr txBox="1"/>
+          <p:nvPr/>
+        </p:nvSpPr>
+        <p:spPr>
+          <a:xfrm>
+            <a:off x="3508399" y="2633678"/>
+            <a:ext cx="1752383" cy="307777"/>
+          </a:xfrm>
+          <a:prstGeom prst="rect">
+            <a:avLst/>
+          </a:prstGeom>
+          <a:noFill/>
+        </p:spPr>
+        <p:txBody>
+          <a:bodyPr wrap="square" rtlCol="0">
+            <a:spAutoFit/>
+          </a:bodyPr>
+          <a:lstStyle/>
+          <a:p>
+            <a:pPr algn="ctr"/>
+            <a:r>
+              <a:rPr lang="ko-KR" altLang="en-US" sz="1400" dirty="0">
+                <a:solidFill>
+                  <a:srgbClr val="0000FF"/>
+                </a:solidFill>
+              </a:rPr>
+              <a:t>나의 원격저장소</a:t>
+            </a:r>
+          </a:p>
+        </p:txBody>
+      </p:sp>
+      <p:cxnSp>
+        <p:nvCxnSpPr>
+          <p:cNvPr id="14" name="직선 화살표 연결선 13">
+            <a:extLst>
+              <a:ext uri="{FF2B5EF4-FFF2-40B4-BE49-F238E27FC236}">
+                <a16:creationId xmlns:a16="http://schemas.microsoft.com/office/drawing/2014/main" id="{EDFC951F-6603-4988-B6D0-41B8B7300378}"/>
+              </a:ext>
+            </a:extLst>
+          </p:cNvPr>
+          <p:cNvCxnSpPr>
+            <a:cxnSpLocks/>
+          </p:cNvCxnSpPr>
+          <p:nvPr/>
+        </p:nvCxnSpPr>
+        <p:spPr>
+          <a:xfrm flipH="1">
+            <a:off x="2746714" y="2769228"/>
+            <a:ext cx="793846" cy="18338"/>
+          </a:xfrm>
+          <a:prstGeom prst="straightConnector1">
+            <a:avLst/>
+          </a:prstGeom>
+          <a:ln w="25400">
+            <a:solidFill>
+              <a:srgbClr val="0000FF"/>
+            </a:solidFill>
+            <a:tailEnd type="triangle"/>
+          </a:ln>
+        </p:spPr>
+        <p:style>
+          <a:lnRef idx="1">
+            <a:schemeClr val="accent1"/>
+          </a:lnRef>
+          <a:fillRef idx="0">
+            <a:schemeClr val="accent1"/>
+          </a:fillRef>
+          <a:effectRef idx="0">
+            <a:schemeClr val="accent1"/>
+          </a:effectRef>
+          <a:fontRef idx="minor">
+            <a:schemeClr val="tx1"/>
+          </a:fontRef>
+        </p:style>
+      </p:cxnSp>
+      <p:sp>
+        <p:nvSpPr>
+          <p:cNvPr id="15" name="TextBox 14">
+            <a:extLst>
+              <a:ext uri="{FF2B5EF4-FFF2-40B4-BE49-F238E27FC236}">
+                <a16:creationId xmlns:a16="http://schemas.microsoft.com/office/drawing/2014/main" id="{2CF5C42F-3868-4C7D-BC6E-E99573B616A1}"/>
+              </a:ext>
+            </a:extLst>
+          </p:cNvPr>
+          <p:cNvSpPr txBox="1"/>
+          <p:nvPr/>
+        </p:nvSpPr>
+        <p:spPr>
+          <a:xfrm>
+            <a:off x="2501014" y="2877773"/>
+            <a:ext cx="2079092" cy="307777"/>
+          </a:xfrm>
+          <a:prstGeom prst="rect">
+            <a:avLst/>
+          </a:prstGeom>
+          <a:noFill/>
+        </p:spPr>
+        <p:txBody>
+          <a:bodyPr wrap="square" rtlCol="0">
+            <a:spAutoFit/>
+          </a:bodyPr>
+          <a:lstStyle/>
+          <a:p>
+            <a:pPr algn="ctr"/>
+            <a:r>
+              <a:rPr lang="en-US" altLang="ko-KR" sz="1400" dirty="0">
+                <a:solidFill>
+                  <a:srgbClr val="0000FF"/>
+                </a:solidFill>
+              </a:rPr>
+              <a:t>Upstream</a:t>
+            </a:r>
+            <a:r>
+              <a:rPr lang="ko-KR" altLang="en-US" sz="1400" dirty="0">
+                <a:solidFill>
+                  <a:srgbClr val="0000FF"/>
+                </a:solidFill>
+              </a:rPr>
+              <a:t> 원격저장소</a:t>
+            </a:r>
+          </a:p>
+        </p:txBody>
+      </p:sp>
+      <p:sp>
+        <p:nvSpPr>
+          <p:cNvPr id="20" name="TextBox 19">
+            <a:extLst>
+              <a:ext uri="{FF2B5EF4-FFF2-40B4-BE49-F238E27FC236}">
+                <a16:creationId xmlns:a16="http://schemas.microsoft.com/office/drawing/2014/main" id="{728BFFCD-1C28-40DE-80BB-F3C395499C4C}"/>
+              </a:ext>
+            </a:extLst>
+          </p:cNvPr>
+          <p:cNvSpPr txBox="1"/>
+          <p:nvPr/>
+        </p:nvSpPr>
+        <p:spPr>
+          <a:xfrm>
+            <a:off x="2247507" y="3026029"/>
+            <a:ext cx="617765" cy="276999"/>
+          </a:xfrm>
+          <a:prstGeom prst="rect">
+            <a:avLst/>
+          </a:prstGeom>
+          <a:noFill/>
+        </p:spPr>
+        <p:txBody>
+          <a:bodyPr wrap="square" rtlCol="0">
+            <a:spAutoFit/>
+          </a:bodyPr>
+          <a:lstStyle/>
+          <a:p>
+            <a:r>
+              <a:rPr lang="ko-KR" altLang="en-US" sz="1200" dirty="0">
+                <a:solidFill>
+                  <a:srgbClr val="FF0000"/>
+                </a:solidFill>
+              </a:rPr>
+              <a:t>클릭</a:t>
+            </a:r>
+          </a:p>
+        </p:txBody>
+      </p:sp>
+      <p:sp>
+        <p:nvSpPr>
+          <p:cNvPr id="22" name="슬라이드 번호 개체 틀 21">
+            <a:extLst>
+              <a:ext uri="{FF2B5EF4-FFF2-40B4-BE49-F238E27FC236}">
+                <a16:creationId xmlns:a16="http://schemas.microsoft.com/office/drawing/2014/main" id="{24B06E1B-A73C-4FD2-BBC5-86E62F3AA27F}"/>
+              </a:ext>
+            </a:extLst>
+          </p:cNvPr>
+          <p:cNvSpPr>
+            <a:spLocks noGrp="1"/>
+          </p:cNvSpPr>
+          <p:nvPr>
+            <p:ph type="sldNum" sz="quarter" idx="12"/>
+          </p:nvPr>
+        </p:nvSpPr>
+        <p:spPr/>
+        <p:txBody>
+          <a:bodyPr/>
+          <a:lstStyle/>
+          <a:p>
+            <a:fld id="{526ADF51-C4A2-4521-899C-87F34FDB9C0A}" type="slidenum">
+              <a:rPr lang="ko-KR" altLang="en-US" smtClean="0"/>
+              <a:pPr/>
+              <a:t>31</a:t>
+            </a:fld>
+            <a:r>
+              <a:rPr lang="en-US" altLang="ko-KR"/>
+              <a:t>/36</a:t>
+            </a:r>
+            <a:endParaRPr lang="ko-KR" altLang="en-US" dirty="0"/>
+          </a:p>
+        </p:txBody>
+      </p:sp>
+    </p:spTree>
+    <p:extLst>
+      <p:ext uri="{BB962C8B-B14F-4D97-AF65-F5344CB8AC3E}">
+        <p14:creationId xmlns:p14="http://schemas.microsoft.com/office/powerpoint/2010/main" val="187777031"/>
+      </p:ext>
+    </p:extLst>
+  </p:cSld>
+  <p:clrMapOvr>
+    <a:masterClrMapping/>
+  </p:clrMapOvr>
+</p:sld>
+</file>
+
+<file path=ppt/slides/slide32.xml><?xml version="1.0" encoding="utf-8"?>
 <p:sld xmlns:a="http://schemas.openxmlformats.org/drawingml/2006/main" xmlns:r="http://schemas.openxmlformats.org/officeDocument/2006/relationships" xmlns:p="http://schemas.openxmlformats.org/presentationml/2006/main">
   <p:cSld>
     <p:spTree>
@@ -22272,7 +23069,13 @@
       </p:cxnSp>
       <p:sp>
         <p:nvSpPr>
-          <p:cNvPr id="2" name="슬라이드 번호 개체 틀 1"/>
+          <p:cNvPr id="8" name="슬라이드 번호 개체 틀 7">
+            <a:extLst>
+              <a:ext uri="{FF2B5EF4-FFF2-40B4-BE49-F238E27FC236}">
+                <a16:creationId xmlns:a16="http://schemas.microsoft.com/office/drawing/2014/main" id="{4317B25D-E2EC-4320-8AD1-27AD30BD03F8}"/>
+              </a:ext>
+            </a:extLst>
+          </p:cNvPr>
           <p:cNvSpPr>
             <a:spLocks noGrp="1"/>
           </p:cNvSpPr>
@@ -22288,11 +23091,11 @@
             <a:fld id="{526ADF51-C4A2-4521-899C-87F34FDB9C0A}" type="slidenum">
               <a:rPr lang="ko-KR" altLang="en-US" smtClean="0"/>
               <a:pPr/>
-              <a:t>31</a:t>
+              <a:t>32</a:t>
             </a:fld>
             <a:r>
               <a:rPr lang="en-US" altLang="ko-KR"/>
-              <a:t>/35</a:t>
+              <a:t>/36</a:t>
             </a:r>
             <a:endParaRPr lang="ko-KR" altLang="en-US" dirty="0"/>
           </a:p>
@@ -22301,7 +23104,7 @@
     </p:spTree>
     <p:extLst>
       <p:ext uri="{BB962C8B-B14F-4D97-AF65-F5344CB8AC3E}">
-        <p14:creationId xmlns:p14="http://schemas.microsoft.com/office/powerpoint/2010/main" val="187777031"/>
+        <p14:creationId xmlns:p14="http://schemas.microsoft.com/office/powerpoint/2010/main" val="3717997903"/>
       </p:ext>
     </p:extLst>
   </p:cSld>
@@ -22311,7 +23114,7 @@
 </p:sld>
 </file>
 
-<file path=ppt/slides/slide32.xml><?xml version="1.0" encoding="utf-8"?>
+<file path=ppt/slides/slide33.xml><?xml version="1.0" encoding="utf-8"?>
 <p:sld xmlns:a="http://schemas.openxmlformats.org/drawingml/2006/main" xmlns:r="http://schemas.openxmlformats.org/officeDocument/2006/relationships" xmlns:p="http://schemas.openxmlformats.org/presentationml/2006/main">
   <p:cSld>
     <p:spTree>
@@ -22819,7 +23622,13 @@
       </p:pic>
       <p:sp>
         <p:nvSpPr>
-          <p:cNvPr id="2" name="슬라이드 번호 개체 틀 1"/>
+          <p:cNvPr id="5" name="슬라이드 번호 개체 틀 4">
+            <a:extLst>
+              <a:ext uri="{FF2B5EF4-FFF2-40B4-BE49-F238E27FC236}">
+                <a16:creationId xmlns:a16="http://schemas.microsoft.com/office/drawing/2014/main" id="{20028FDF-B214-4735-AD26-86D64DB2F482}"/>
+              </a:ext>
+            </a:extLst>
+          </p:cNvPr>
           <p:cNvSpPr>
             <a:spLocks noGrp="1"/>
           </p:cNvSpPr>
@@ -22835,11 +23644,11 @@
             <a:fld id="{526ADF51-C4A2-4521-899C-87F34FDB9C0A}" type="slidenum">
               <a:rPr lang="ko-KR" altLang="en-US" smtClean="0"/>
               <a:pPr/>
-              <a:t>32</a:t>
+              <a:t>33</a:t>
             </a:fld>
             <a:r>
               <a:rPr lang="en-US" altLang="ko-KR"/>
-              <a:t>/35</a:t>
+              <a:t>/36</a:t>
             </a:r>
             <a:endParaRPr lang="ko-KR" altLang="en-US" dirty="0"/>
           </a:p>
@@ -22858,7 +23667,7 @@
 </p:sld>
 </file>
 
-<file path=ppt/slides/slide33.xml><?xml version="1.0" encoding="utf-8"?>
+<file path=ppt/slides/slide34.xml><?xml version="1.0" encoding="utf-8"?>
 <p:sld xmlns:a="http://schemas.openxmlformats.org/drawingml/2006/main" xmlns:r="http://schemas.openxmlformats.org/officeDocument/2006/relationships" xmlns:p="http://schemas.openxmlformats.org/presentationml/2006/main">
   <p:cSld>
     <p:spTree>
@@ -23170,19 +23979,7 @@
               <a:rPr lang="en-US" altLang="ko-KR" dirty="0">
                 <a:latin typeface="+mn-ea"/>
               </a:rPr>
-              <a:t>  ☞ </a:t>
-            </a:r>
-            <a:r>
-              <a:rPr lang="en-US" altLang="ko-KR" dirty="0" err="1">
-                <a:latin typeface="+mn-ea"/>
-              </a:rPr>
-              <a:t>git</a:t>
-            </a:r>
-            <a:r>
-              <a:rPr lang="en-US" altLang="ko-KR" dirty="0">
-                <a:latin typeface="+mn-ea"/>
-              </a:rPr>
-              <a:t> </a:t>
+              <a:t>  ☞ git </a:t>
             </a:r>
             <a:r>
               <a:rPr lang="en-US" altLang="ko-KR" dirty="0">
@@ -23191,7 +23988,7 @@
                 </a:solidFill>
                 <a:latin typeface="+mn-ea"/>
               </a:rPr>
-              <a:t>branch –d </a:t>
+              <a:t>branch -d </a:t>
             </a:r>
             <a:r>
               <a:rPr lang="en-US" altLang="ko-KR" dirty="0">
@@ -23621,7 +24418,7 @@
         </p:nvCxnSpPr>
         <p:spPr>
           <a:xfrm>
-            <a:off x="632310" y="4361880"/>
+            <a:off x="993300" y="4414276"/>
             <a:ext cx="2491890" cy="0"/>
           </a:xfrm>
           <a:prstGeom prst="line">
@@ -23650,7 +24447,13 @@
       </p:cxnSp>
       <p:sp>
         <p:nvSpPr>
-          <p:cNvPr id="2" name="슬라이드 번호 개체 틀 1"/>
+          <p:cNvPr id="6" name="슬라이드 번호 개체 틀 5">
+            <a:extLst>
+              <a:ext uri="{FF2B5EF4-FFF2-40B4-BE49-F238E27FC236}">
+                <a16:creationId xmlns:a16="http://schemas.microsoft.com/office/drawing/2014/main" id="{5670F6EB-1223-418C-BB2D-FAFCFD3CFEBF}"/>
+              </a:ext>
+            </a:extLst>
+          </p:cNvPr>
           <p:cNvSpPr>
             <a:spLocks noGrp="1"/>
           </p:cNvSpPr>
@@ -23666,11 +24469,11 @@
             <a:fld id="{526ADF51-C4A2-4521-899C-87F34FDB9C0A}" type="slidenum">
               <a:rPr lang="ko-KR" altLang="en-US" smtClean="0"/>
               <a:pPr/>
-              <a:t>33</a:t>
+              <a:t>34</a:t>
             </a:fld>
             <a:r>
               <a:rPr lang="en-US" altLang="ko-KR"/>
-              <a:t>/35</a:t>
+              <a:t>/36</a:t>
             </a:r>
             <a:endParaRPr lang="ko-KR" altLang="en-US" dirty="0"/>
           </a:p>
@@ -23689,7 +24492,7 @@
 </p:sld>
 </file>
 
-<file path=ppt/slides/slide34.xml><?xml version="1.0" encoding="utf-8"?>
+<file path=ppt/slides/slide35.xml><?xml version="1.0" encoding="utf-8"?>
 <p:sld xmlns:a="http://schemas.openxmlformats.org/drawingml/2006/main" xmlns:r="http://schemas.openxmlformats.org/officeDocument/2006/relationships" xmlns:p="http://schemas.openxmlformats.org/presentationml/2006/main">
   <p:cSld>
     <p:spTree>
@@ -24051,7 +24854,7 @@
                 </a:solidFill>
                 <a:latin typeface="+mn-ea"/>
               </a:rPr>
-              <a:t>push –d</a:t>
+              <a:t>push -d</a:t>
             </a:r>
             <a:r>
               <a:rPr lang="en-US" altLang="ko-KR" dirty="0">
@@ -24066,13 +24869,13 @@
               <a:t>원격 </a:t>
             </a:r>
             <a:r>
-              <a:rPr lang="ko-KR" altLang="en-US" err="1">
+              <a:rPr lang="ko-KR" altLang="en-US" dirty="0" err="1">
                 <a:latin typeface="+mn-ea"/>
               </a:rPr>
               <a:t>브랜치</a:t>
             </a:r>
             <a:r>
-              <a:rPr lang="ko-KR" altLang="en-US">
+              <a:rPr lang="ko-KR" altLang="en-US" dirty="0">
                 <a:latin typeface="+mn-ea"/>
               </a:rPr>
               <a:t> 삭제</a:t>
@@ -24604,68 +25407,10 @@
       </p:sp>
       <p:sp>
         <p:nvSpPr>
-          <p:cNvPr id="2" name="슬라이드 번호 개체 틀 1"/>
-          <p:cNvSpPr>
-            <a:spLocks noGrp="1"/>
-          </p:cNvSpPr>
-          <p:nvPr>
-            <p:ph type="sldNum" sz="quarter" idx="12"/>
-          </p:nvPr>
-        </p:nvSpPr>
-        <p:spPr/>
-        <p:txBody>
-          <a:bodyPr/>
-          <a:lstStyle/>
-          <a:p>
-            <a:fld id="{526ADF51-C4A2-4521-899C-87F34FDB9C0A}" type="slidenum">
-              <a:rPr lang="ko-KR" altLang="en-US" smtClean="0"/>
-              <a:pPr/>
-              <a:t>34</a:t>
-            </a:fld>
-            <a:r>
-              <a:rPr lang="en-US" altLang="ko-KR"/>
-              <a:t>/35</a:t>
-            </a:r>
-            <a:endParaRPr lang="ko-KR" altLang="en-US" dirty="0"/>
-          </a:p>
-        </p:txBody>
-      </p:sp>
-    </p:spTree>
-    <p:extLst>
-      <p:ext uri="{BB962C8B-B14F-4D97-AF65-F5344CB8AC3E}">
-        <p14:creationId xmlns:p14="http://schemas.microsoft.com/office/powerpoint/2010/main" val="1991194323"/>
-      </p:ext>
-    </p:extLst>
-  </p:cSld>
-  <p:clrMapOvr>
-    <a:masterClrMapping/>
-  </p:clrMapOvr>
-</p:sld>
-</file>
-
-<file path=ppt/slides/slide35.xml><?xml version="1.0" encoding="utf-8"?>
-<p:sld xmlns:a="http://schemas.openxmlformats.org/drawingml/2006/main" xmlns:r="http://schemas.openxmlformats.org/officeDocument/2006/relationships" xmlns:p="http://schemas.openxmlformats.org/presentationml/2006/main">
-  <p:cSld>
-    <p:spTree>
-      <p:nvGrpSpPr>
-        <p:cNvPr id="1" name=""/>
-        <p:cNvGrpSpPr/>
-        <p:nvPr/>
-      </p:nvGrpSpPr>
-      <p:grpSpPr>
-        <a:xfrm>
-          <a:off x="0" y="0"/>
-          <a:ext cx="0" cy="0"/>
-          <a:chOff x="0" y="0"/>
-          <a:chExt cx="0" cy="0"/>
-        </a:xfrm>
-      </p:grpSpPr>
-      <p:sp>
-        <p:nvSpPr>
-          <p:cNvPr id="4" name="제목 3">
+          <p:cNvPr id="5" name="슬라이드 번호 개체 틀 4">
             <a:extLst>
               <a:ext uri="{FF2B5EF4-FFF2-40B4-BE49-F238E27FC236}">
-                <a16:creationId xmlns:a16="http://schemas.microsoft.com/office/drawing/2014/main" id="{F0CEB32B-CB43-4410-BA08-A97E4BC47FCB}"/>
+                <a16:creationId xmlns:a16="http://schemas.microsoft.com/office/drawing/2014/main" id="{6F5411F2-F4AC-4FC7-8D0E-76889ADDD14B}"/>
               </a:ext>
             </a:extLst>
           </p:cNvPr>
@@ -24673,729 +25418,6 @@
             <a:spLocks noGrp="1"/>
           </p:cNvSpPr>
           <p:nvPr>
-            <p:ph type="title"/>
-          </p:nvPr>
-        </p:nvSpPr>
-        <p:spPr>
-          <a:xfrm>
-            <a:off x="539551" y="192300"/>
-            <a:ext cx="8244853" cy="576064"/>
-          </a:xfrm>
-        </p:spPr>
-        <p:txBody>
-          <a:bodyPr>
-            <a:normAutofit/>
-          </a:bodyPr>
-          <a:lstStyle/>
-          <a:p>
-            <a:r>
-              <a:rPr lang="ko-KR" altLang="en-US" dirty="0"/>
-              <a:t>전체 요약 순서</a:t>
-            </a:r>
-          </a:p>
-        </p:txBody>
-      </p:sp>
-      <p:sp>
-        <p:nvSpPr>
-          <p:cNvPr id="11" name="내용 개체 틀 2">
-            <a:extLst>
-              <a:ext uri="{FF2B5EF4-FFF2-40B4-BE49-F238E27FC236}">
-                <a16:creationId xmlns:a16="http://schemas.microsoft.com/office/drawing/2014/main" id="{A44AC902-3746-40D6-9827-94B46EEDDC67}"/>
-              </a:ext>
-            </a:extLst>
-          </p:cNvPr>
-          <p:cNvSpPr txBox="1">
-            <a:spLocks/>
-          </p:cNvSpPr>
-          <p:nvPr/>
-        </p:nvSpPr>
-        <p:spPr>
-          <a:xfrm>
-            <a:off x="341787" y="957257"/>
-            <a:ext cx="8642350" cy="5225829"/>
-          </a:xfrm>
-          <a:prstGeom prst="rect">
-            <a:avLst/>
-          </a:prstGeom>
-        </p:spPr>
-        <p:txBody>
-          <a:bodyPr vert="horz" lIns="91440" tIns="45720" rIns="91440" bIns="45720" rtlCol="0">
-            <a:noAutofit/>
-          </a:bodyPr>
-          <a:lstStyle>
-            <a:lvl1pPr marL="266700" indent="-266700" defTabSz="914400" latinLnBrk="1">
-              <a:lnSpc>
-                <a:spcPct val="150000"/>
-              </a:lnSpc>
-              <a:spcBef>
-                <a:spcPct val="0"/>
-              </a:spcBef>
-              <a:buClr>
-                <a:schemeClr val="tx1">
-                  <a:lumMod val="65000"/>
-                  <a:lumOff val="35000"/>
-                </a:schemeClr>
-              </a:buClr>
-              <a:buFont typeface="Wingdings" pitchFamily="2" charset="2"/>
-              <a:buChar char="n"/>
-              <a:defRPr sz="2000" b="1">
-                <a:latin typeface="+mn-ea"/>
-              </a:defRPr>
-            </a:lvl1pPr>
-            <a:lvl2pPr marL="447675" lvl="1" indent="-180975" defTabSz="914400" latinLnBrk="1">
-              <a:lnSpc>
-                <a:spcPct val="150000"/>
-              </a:lnSpc>
-              <a:spcBef>
-                <a:spcPts val="0"/>
-              </a:spcBef>
-              <a:spcAft>
-                <a:spcPts val="0"/>
-              </a:spcAft>
-              <a:buClr>
-                <a:schemeClr val="tx1">
-                  <a:lumMod val="50000"/>
-                  <a:lumOff val="50000"/>
-                </a:schemeClr>
-              </a:buClr>
-              <a:buFont typeface="Wingdings" pitchFamily="2" charset="2"/>
-              <a:buChar char="§"/>
-              <a:defRPr sz="1600"/>
-            </a:lvl2pPr>
-            <a:lvl3pPr marL="628650" indent="-180975" defTabSz="914400" latinLnBrk="1">
-              <a:lnSpc>
-                <a:spcPct val="150000"/>
-              </a:lnSpc>
-              <a:spcBef>
-                <a:spcPts val="500"/>
-              </a:spcBef>
-              <a:spcAft>
-                <a:spcPts val="300"/>
-              </a:spcAft>
-              <a:buClr>
-                <a:schemeClr val="tx1">
-                  <a:lumMod val="65000"/>
-                  <a:lumOff val="35000"/>
-                </a:schemeClr>
-              </a:buClr>
-              <a:buFont typeface="Arial" panose="020B0604020202020204" pitchFamily="34" charset="0"/>
-              <a:buChar char="•"/>
-              <a:defRPr sz="1400"/>
-            </a:lvl3pPr>
-            <a:lvl4pPr marL="809625" indent="-180975" defTabSz="914400" latinLnBrk="1">
-              <a:lnSpc>
-                <a:spcPct val="150000"/>
-              </a:lnSpc>
-              <a:spcBef>
-                <a:spcPts val="500"/>
-              </a:spcBef>
-              <a:spcAft>
-                <a:spcPts val="300"/>
-              </a:spcAft>
-              <a:buClr>
-                <a:schemeClr val="tx1">
-                  <a:lumMod val="65000"/>
-                  <a:lumOff val="35000"/>
-                </a:schemeClr>
-              </a:buClr>
-              <a:buSzPct val="96000"/>
-              <a:buFont typeface="Arial" panose="020B0604020202020204" pitchFamily="34" charset="0"/>
-              <a:buChar char="•"/>
-              <a:defRPr sz="1200"/>
-            </a:lvl4pPr>
-            <a:lvl5pPr marL="990600" indent="-180975" defTabSz="914400" latinLnBrk="1">
-              <a:lnSpc>
-                <a:spcPct val="150000"/>
-              </a:lnSpc>
-              <a:spcBef>
-                <a:spcPts val="500"/>
-              </a:spcBef>
-              <a:buClr>
-                <a:schemeClr val="tx1">
-                  <a:lumMod val="65000"/>
-                  <a:lumOff val="35000"/>
-                </a:schemeClr>
-              </a:buClr>
-              <a:buFont typeface="Arial" panose="020B0604020202020204" pitchFamily="34" charset="0"/>
-              <a:buChar char="•"/>
-              <a:defRPr sz="1000"/>
-            </a:lvl5pPr>
-            <a:lvl6pPr marL="2514600" indent="-228600" defTabSz="914400" latinLnBrk="1">
-              <a:lnSpc>
-                <a:spcPct val="90000"/>
-              </a:lnSpc>
-              <a:spcBef>
-                <a:spcPts val="500"/>
-              </a:spcBef>
-              <a:buFont typeface="Arial" panose="020B0604020202020204" pitchFamily="34" charset="0"/>
-              <a:buChar char="•"/>
-            </a:lvl6pPr>
-            <a:lvl7pPr marL="2971800" indent="-228600" defTabSz="914400" latinLnBrk="1">
-              <a:lnSpc>
-                <a:spcPct val="90000"/>
-              </a:lnSpc>
-              <a:spcBef>
-                <a:spcPts val="500"/>
-              </a:spcBef>
-              <a:buFont typeface="Arial" panose="020B0604020202020204" pitchFamily="34" charset="0"/>
-              <a:buChar char="•"/>
-            </a:lvl7pPr>
-            <a:lvl8pPr marL="3429000" indent="-228600" defTabSz="914400" latinLnBrk="1">
-              <a:lnSpc>
-                <a:spcPct val="90000"/>
-              </a:lnSpc>
-              <a:spcBef>
-                <a:spcPts val="500"/>
-              </a:spcBef>
-              <a:buFont typeface="Arial" panose="020B0604020202020204" pitchFamily="34" charset="0"/>
-              <a:buChar char="•"/>
-            </a:lvl8pPr>
-            <a:lvl9pPr marL="3886200" indent="-228600" defTabSz="914400" latinLnBrk="1">
-              <a:lnSpc>
-                <a:spcPct val="90000"/>
-              </a:lnSpc>
-              <a:spcBef>
-                <a:spcPts val="500"/>
-              </a:spcBef>
-              <a:buFont typeface="Arial" panose="020B0604020202020204" pitchFamily="34" charset="0"/>
-              <a:buChar char="•"/>
-            </a:lvl9pPr>
-          </a:lstStyle>
-          <a:p>
-            <a:r>
-              <a:rPr lang="ko-KR" altLang="en-US" dirty="0"/>
-              <a:t>전체 요약 순서</a:t>
-            </a:r>
-            <a:endParaRPr lang="en-US" altLang="ko-KR" dirty="0"/>
-          </a:p>
-          <a:p>
-            <a:pPr marL="533400" lvl="1" indent="-266700">
-              <a:buFont typeface="+mj-ea"/>
-              <a:buAutoNum type="circleNumDbPlain"/>
-            </a:pPr>
-            <a:r>
-              <a:rPr lang="ko-KR" altLang="en-US" dirty="0">
-                <a:latin typeface="+mn-ea"/>
-              </a:rPr>
-              <a:t>나의 </a:t>
-            </a:r>
-            <a:r>
-              <a:rPr lang="en-US" altLang="ko-KR" dirty="0" err="1">
-                <a:latin typeface="+mn-ea"/>
-              </a:rPr>
-              <a:t>github</a:t>
-            </a:r>
-            <a:r>
-              <a:rPr lang="en-US" altLang="ko-KR" dirty="0">
-                <a:latin typeface="+mn-ea"/>
-              </a:rPr>
-              <a:t> </a:t>
-            </a:r>
-            <a:r>
-              <a:rPr lang="ko-KR" altLang="en-US" dirty="0">
-                <a:latin typeface="+mn-ea"/>
-              </a:rPr>
-              <a:t>계정에 로그인</a:t>
-            </a:r>
-            <a:endParaRPr lang="en-US" altLang="ko-KR" dirty="0">
-              <a:latin typeface="+mn-ea"/>
-            </a:endParaRPr>
-          </a:p>
-          <a:p>
-            <a:pPr marL="533400" lvl="1" indent="-266700">
-              <a:buFont typeface="+mj-ea"/>
-              <a:buAutoNum type="circleNumDbPlain"/>
-            </a:pPr>
-            <a:r>
-              <a:rPr lang="ko-KR" altLang="en-US" dirty="0">
-                <a:latin typeface="+mn-ea"/>
-              </a:rPr>
-              <a:t>참여하고 싶은 저장소</a:t>
-            </a:r>
-            <a:r>
-              <a:rPr lang="en-US" altLang="ko-KR" dirty="0">
-                <a:latin typeface="+mn-ea"/>
-              </a:rPr>
-              <a:t>(upstream)</a:t>
-            </a:r>
-            <a:r>
-              <a:rPr lang="ko-KR" altLang="en-US" dirty="0">
-                <a:latin typeface="+mn-ea"/>
-              </a:rPr>
-              <a:t> 찾기</a:t>
-            </a:r>
-            <a:endParaRPr lang="en-US" altLang="ko-KR" dirty="0">
-              <a:latin typeface="+mn-ea"/>
-            </a:endParaRPr>
-          </a:p>
-          <a:p>
-            <a:pPr marL="533400" lvl="1" indent="-266700">
-              <a:buFont typeface="+mj-ea"/>
-              <a:buAutoNum type="circleNumDbPlain"/>
-            </a:pPr>
-            <a:r>
-              <a:rPr lang="ko-KR" altLang="en-US" dirty="0">
-                <a:latin typeface="+mn-ea"/>
-              </a:rPr>
-              <a:t>나의 원격저장소</a:t>
-            </a:r>
-            <a:r>
-              <a:rPr lang="en-US" altLang="ko-KR" dirty="0">
-                <a:latin typeface="+mn-ea"/>
-              </a:rPr>
-              <a:t>(origin)</a:t>
-            </a:r>
-            <a:r>
-              <a:rPr lang="ko-KR" altLang="en-US" dirty="0">
-                <a:latin typeface="+mn-ea"/>
-              </a:rPr>
-              <a:t>로 </a:t>
-            </a:r>
-            <a:r>
-              <a:rPr lang="en-US" altLang="ko-KR" dirty="0">
-                <a:latin typeface="+mn-ea"/>
-              </a:rPr>
-              <a:t>Fork</a:t>
-            </a:r>
-            <a:r>
-              <a:rPr lang="ko-KR" altLang="en-US" dirty="0">
-                <a:latin typeface="+mn-ea"/>
-              </a:rPr>
-              <a:t>하기</a:t>
-            </a:r>
-            <a:endParaRPr lang="en-US" altLang="ko-KR" dirty="0">
-              <a:latin typeface="+mn-ea"/>
-            </a:endParaRPr>
-          </a:p>
-          <a:p>
-            <a:pPr marL="533400" lvl="1" indent="-266700">
-              <a:buFont typeface="+mj-ea"/>
-              <a:buAutoNum type="circleNumDbPlain"/>
-            </a:pPr>
-            <a:r>
-              <a:rPr lang="ko-KR" altLang="en-US" dirty="0">
-                <a:latin typeface="+mn-ea"/>
-              </a:rPr>
-              <a:t>나의 로컬저장소로 </a:t>
-            </a:r>
-            <a:r>
-              <a:rPr lang="en-US" altLang="ko-KR" dirty="0">
-                <a:latin typeface="+mn-ea"/>
-              </a:rPr>
-              <a:t>clone</a:t>
-            </a:r>
-            <a:r>
-              <a:rPr lang="ko-KR" altLang="en-US" dirty="0">
-                <a:latin typeface="+mn-ea"/>
-              </a:rPr>
-              <a:t>하기 </a:t>
-            </a:r>
-            <a:r>
-              <a:rPr lang="en-US" altLang="ko-KR" dirty="0">
-                <a:latin typeface="+mn-ea"/>
-              </a:rPr>
-              <a:t> ☞ git clone</a:t>
-            </a:r>
-            <a:r>
-              <a:rPr lang="ko-KR" altLang="en-US" dirty="0">
-                <a:latin typeface="+mn-ea"/>
-              </a:rPr>
-              <a:t> </a:t>
-            </a:r>
-            <a:r>
-              <a:rPr lang="en-US" altLang="ko-KR" dirty="0">
-                <a:latin typeface="+mn-ea"/>
-              </a:rPr>
-              <a:t>upstream-address</a:t>
-            </a:r>
-          </a:p>
-          <a:p>
-            <a:pPr marL="533400" lvl="1" indent="-266700">
-              <a:buFont typeface="+mj-ea"/>
-              <a:buAutoNum type="circleNumDbPlain"/>
-            </a:pPr>
-            <a:r>
-              <a:rPr lang="ko-KR" altLang="en-US" dirty="0">
-                <a:latin typeface="+mn-ea"/>
-              </a:rPr>
-              <a:t>로컬저장소에서 작업 </a:t>
-            </a:r>
-            <a:r>
-              <a:rPr lang="en-US" altLang="ko-KR" dirty="0">
-                <a:latin typeface="+mn-ea"/>
-              </a:rPr>
-              <a:t>branch </a:t>
-            </a:r>
-            <a:r>
-              <a:rPr lang="ko-KR" altLang="en-US" dirty="0">
-                <a:latin typeface="+mn-ea"/>
-              </a:rPr>
-              <a:t>만들기</a:t>
-            </a:r>
-            <a:r>
-              <a:rPr lang="en-US" altLang="ko-KR" dirty="0">
-                <a:latin typeface="+mn-ea"/>
-              </a:rPr>
-              <a:t> ☞ git checkout</a:t>
-            </a:r>
-            <a:r>
-              <a:rPr lang="ko-KR" altLang="en-US" dirty="0">
-                <a:latin typeface="+mn-ea"/>
-              </a:rPr>
-              <a:t> </a:t>
-            </a:r>
-            <a:r>
-              <a:rPr lang="en-US" altLang="ko-KR" dirty="0">
-                <a:latin typeface="+mn-ea"/>
-              </a:rPr>
-              <a:t>–b</a:t>
-            </a:r>
-            <a:r>
-              <a:rPr lang="ko-KR" altLang="en-US" dirty="0">
-                <a:latin typeface="+mn-ea"/>
-              </a:rPr>
-              <a:t> </a:t>
-            </a:r>
-            <a:r>
-              <a:rPr lang="en-US" altLang="ko-KR" dirty="0">
-                <a:latin typeface="+mn-ea"/>
-              </a:rPr>
-              <a:t>new-branch</a:t>
-            </a:r>
-          </a:p>
-          <a:p>
-            <a:pPr marL="533400" lvl="1" indent="-266700">
-              <a:buFont typeface="+mj-ea"/>
-              <a:buAutoNum type="circleNumDbPlain"/>
-            </a:pPr>
-            <a:r>
-              <a:rPr lang="ko-KR" altLang="en-US" dirty="0">
-                <a:latin typeface="+mn-ea"/>
-              </a:rPr>
-              <a:t>기여할 내용 수정작업하기</a:t>
-            </a:r>
-            <a:endParaRPr lang="en-US" altLang="ko-KR" dirty="0">
-              <a:latin typeface="+mn-ea"/>
-            </a:endParaRPr>
-          </a:p>
-          <a:p>
-            <a:pPr marL="533400" lvl="1" indent="-266700">
-              <a:buFont typeface="+mj-ea"/>
-              <a:buAutoNum type="circleNumDbPlain"/>
-            </a:pPr>
-            <a:r>
-              <a:rPr lang="ko-KR" altLang="en-US" dirty="0">
-                <a:latin typeface="+mn-ea"/>
-              </a:rPr>
-              <a:t>나의 원격저장소</a:t>
-            </a:r>
-            <a:r>
-              <a:rPr lang="en-US" altLang="ko-KR" dirty="0">
-                <a:latin typeface="+mn-ea"/>
-              </a:rPr>
-              <a:t>(origin)</a:t>
-            </a:r>
-            <a:r>
-              <a:rPr lang="ko-KR" altLang="en-US" dirty="0">
-                <a:latin typeface="+mn-ea"/>
-              </a:rPr>
-              <a:t>로 </a:t>
-            </a:r>
-            <a:r>
-              <a:rPr lang="en-US" altLang="ko-KR" dirty="0">
-                <a:latin typeface="+mn-ea"/>
-              </a:rPr>
-              <a:t>push</a:t>
-            </a:r>
-            <a:r>
-              <a:rPr lang="ko-KR" altLang="en-US" dirty="0">
-                <a:latin typeface="+mn-ea"/>
-              </a:rPr>
-              <a:t>하기</a:t>
-            </a:r>
-            <a:r>
-              <a:rPr lang="en-US" altLang="ko-KR" dirty="0">
-                <a:latin typeface="+mn-ea"/>
-              </a:rPr>
-              <a:t> ☞ git push –u origin new-branch</a:t>
-            </a:r>
-          </a:p>
-          <a:p>
-            <a:pPr marL="533400" lvl="1" indent="-266700">
-              <a:buFont typeface="+mj-ea"/>
-              <a:buAutoNum type="circleNumDbPlain"/>
-            </a:pPr>
-            <a:r>
-              <a:rPr lang="ko-KR" altLang="en-US" dirty="0">
-                <a:latin typeface="+mn-ea"/>
-              </a:rPr>
-              <a:t>나의 원격저장소</a:t>
-            </a:r>
-            <a:r>
-              <a:rPr lang="en-US" altLang="ko-KR" dirty="0">
-                <a:latin typeface="+mn-ea"/>
-              </a:rPr>
-              <a:t>(origin)</a:t>
-            </a:r>
-            <a:r>
-              <a:rPr lang="ko-KR" altLang="en-US" dirty="0">
-                <a:latin typeface="+mn-ea"/>
-              </a:rPr>
-              <a:t>에서 </a:t>
-            </a:r>
-            <a:r>
-              <a:rPr lang="en-US" altLang="ko-KR" dirty="0">
-                <a:latin typeface="+mn-ea"/>
-              </a:rPr>
-              <a:t>Compare &amp; pull request </a:t>
-            </a:r>
-            <a:r>
-              <a:rPr lang="ko-KR" altLang="en-US" dirty="0">
-                <a:latin typeface="+mn-ea"/>
-              </a:rPr>
-              <a:t>하기</a:t>
-            </a:r>
-            <a:endParaRPr lang="en-US" altLang="ko-KR" dirty="0">
-              <a:latin typeface="+mn-ea"/>
-            </a:endParaRPr>
-          </a:p>
-          <a:p>
-            <a:pPr marL="533400" lvl="1" indent="-266700">
-              <a:buFont typeface="+mj-ea"/>
-              <a:buAutoNum type="circleNumDbPlain"/>
-            </a:pPr>
-            <a:r>
-              <a:rPr lang="ko-KR" altLang="en-US" dirty="0">
-                <a:latin typeface="+mn-ea"/>
-              </a:rPr>
-              <a:t>나의 원격저장소</a:t>
-            </a:r>
-            <a:r>
-              <a:rPr lang="en-US" altLang="ko-KR" dirty="0">
-                <a:latin typeface="+mn-ea"/>
-              </a:rPr>
-              <a:t>(origin)</a:t>
-            </a:r>
-            <a:r>
-              <a:rPr lang="ko-KR" altLang="en-US" dirty="0">
-                <a:latin typeface="+mn-ea"/>
-              </a:rPr>
-              <a:t>에서</a:t>
-            </a:r>
-            <a:r>
-              <a:rPr lang="en-US" altLang="ko-KR" dirty="0">
-                <a:latin typeface="+mn-ea"/>
-              </a:rPr>
-              <a:t> Create</a:t>
-            </a:r>
-            <a:r>
-              <a:rPr lang="ko-KR" altLang="en-US" dirty="0">
-                <a:latin typeface="+mn-ea"/>
-              </a:rPr>
-              <a:t> </a:t>
-            </a:r>
-            <a:r>
-              <a:rPr lang="en-US" altLang="ko-KR" dirty="0">
-                <a:latin typeface="+mn-ea"/>
-              </a:rPr>
-              <a:t>pull request</a:t>
-            </a:r>
-            <a:r>
-              <a:rPr lang="ko-KR" altLang="en-US" dirty="0">
-                <a:latin typeface="+mn-ea"/>
-              </a:rPr>
-              <a:t>하기</a:t>
-            </a:r>
-            <a:endParaRPr lang="en-US" altLang="ko-KR" dirty="0">
-              <a:latin typeface="+mn-ea"/>
-            </a:endParaRPr>
-          </a:p>
-          <a:p>
-            <a:pPr marL="533400" lvl="1" indent="-266700">
-              <a:buFont typeface="+mj-ea"/>
-              <a:buAutoNum type="circleNumDbPlain"/>
-            </a:pPr>
-            <a:r>
-              <a:rPr lang="en-US" altLang="ko-KR" dirty="0">
-                <a:latin typeface="+mn-ea"/>
-              </a:rPr>
-              <a:t>Merge</a:t>
-            </a:r>
-            <a:r>
-              <a:rPr lang="ko-KR" altLang="en-US" dirty="0">
-                <a:latin typeface="+mn-ea"/>
-              </a:rPr>
-              <a:t>된 후</a:t>
-            </a:r>
-            <a:r>
-              <a:rPr lang="en-US" altLang="ko-KR" dirty="0">
-                <a:latin typeface="+mn-ea"/>
-              </a:rPr>
-              <a:t>, upstream</a:t>
-            </a:r>
-            <a:r>
-              <a:rPr lang="ko-KR" altLang="en-US" dirty="0">
-                <a:latin typeface="+mn-ea"/>
-              </a:rPr>
-              <a:t>내용을 </a:t>
-            </a:r>
-            <a:r>
-              <a:rPr lang="en-US" altLang="ko-KR" dirty="0">
-                <a:latin typeface="+mn-ea"/>
-              </a:rPr>
-              <a:t>local</a:t>
-            </a:r>
-            <a:r>
-              <a:rPr lang="ko-KR" altLang="en-US" dirty="0">
-                <a:latin typeface="+mn-ea"/>
-              </a:rPr>
-              <a:t> 저장소에 </a:t>
-            </a:r>
-            <a:r>
-              <a:rPr lang="en-US" altLang="ko-KR" dirty="0">
-                <a:latin typeface="+mn-ea"/>
-              </a:rPr>
-              <a:t>pull</a:t>
-            </a:r>
-            <a:r>
-              <a:rPr lang="ko-KR" altLang="en-US" dirty="0">
-                <a:latin typeface="+mn-ea"/>
-              </a:rPr>
-              <a:t>하기</a:t>
-            </a:r>
-            <a:r>
-              <a:rPr lang="en-US" altLang="ko-KR" dirty="0">
-                <a:latin typeface="+mn-ea"/>
-              </a:rPr>
-              <a:t> ☞ git pull upstream main</a:t>
-            </a:r>
-          </a:p>
-          <a:p>
-            <a:pPr marL="533400" lvl="1" indent="-266700">
-              <a:buFont typeface="+mj-ea"/>
-              <a:buAutoNum type="circleNumDbPlain"/>
-            </a:pPr>
-            <a:r>
-              <a:rPr lang="ko-KR" altLang="en-US" dirty="0">
-                <a:latin typeface="+mn-ea"/>
-              </a:rPr>
-              <a:t>로컬저장소에서 작업한 </a:t>
-            </a:r>
-            <a:r>
-              <a:rPr lang="en-US" altLang="ko-KR" dirty="0">
-                <a:latin typeface="+mn-ea"/>
-              </a:rPr>
-              <a:t>branch </a:t>
-            </a:r>
-            <a:r>
-              <a:rPr lang="ko-KR" altLang="en-US" dirty="0">
-                <a:latin typeface="+mn-ea"/>
-              </a:rPr>
-              <a:t>지우기</a:t>
-            </a:r>
-            <a:r>
-              <a:rPr lang="en-US" altLang="ko-KR" dirty="0">
-                <a:latin typeface="+mn-ea"/>
-              </a:rPr>
-              <a:t> ☞ git branch –d new-branch</a:t>
-            </a:r>
-          </a:p>
-          <a:p>
-            <a:pPr marL="533400" lvl="1" indent="-266700">
-              <a:buFont typeface="+mj-ea"/>
-              <a:buAutoNum type="circleNumDbPlain"/>
-            </a:pPr>
-            <a:r>
-              <a:rPr lang="ko-KR" altLang="en-US" dirty="0">
-                <a:latin typeface="+mn-ea"/>
-              </a:rPr>
-              <a:t>로컬저장소 내용을 </a:t>
-            </a:r>
-            <a:r>
-              <a:rPr lang="en-US" altLang="ko-KR" dirty="0">
-                <a:latin typeface="+mn-ea"/>
-              </a:rPr>
-              <a:t>origin</a:t>
-            </a:r>
-            <a:r>
-              <a:rPr lang="ko-KR" altLang="en-US" dirty="0">
-                <a:latin typeface="+mn-ea"/>
-              </a:rPr>
-              <a:t>으로 </a:t>
-            </a:r>
-            <a:r>
-              <a:rPr lang="en-US" altLang="ko-KR" dirty="0">
-                <a:latin typeface="+mn-ea"/>
-              </a:rPr>
-              <a:t>push</a:t>
-            </a:r>
-            <a:r>
-              <a:rPr lang="ko-KR" altLang="en-US" dirty="0">
-                <a:latin typeface="+mn-ea"/>
-              </a:rPr>
-              <a:t>하기</a:t>
-            </a:r>
-            <a:r>
-              <a:rPr lang="en-US" altLang="ko-KR" dirty="0">
-                <a:latin typeface="+mn-ea"/>
-              </a:rPr>
-              <a:t> ☞ git push origin main</a:t>
-            </a:r>
-          </a:p>
-          <a:p>
-            <a:pPr marL="533400" lvl="1" indent="-266700">
-              <a:buFont typeface="+mj-ea"/>
-              <a:buAutoNum type="circleNumDbPlain"/>
-            </a:pPr>
-            <a:r>
-              <a:rPr lang="ko-KR" altLang="en-US" dirty="0">
-                <a:latin typeface="+mn-ea"/>
-              </a:rPr>
-              <a:t>원격저장소</a:t>
-            </a:r>
-            <a:r>
-              <a:rPr lang="en-US" altLang="ko-KR" dirty="0">
-                <a:latin typeface="+mn-ea"/>
-              </a:rPr>
-              <a:t>(origin) </a:t>
-            </a:r>
-            <a:r>
-              <a:rPr lang="ko-KR" altLang="en-US" dirty="0" err="1">
-                <a:latin typeface="+mn-ea"/>
-              </a:rPr>
-              <a:t>브랜치</a:t>
-            </a:r>
-            <a:r>
-              <a:rPr lang="ko-KR" altLang="en-US" dirty="0">
-                <a:latin typeface="+mn-ea"/>
-              </a:rPr>
-              <a:t> 삭제하기</a:t>
-            </a:r>
-            <a:r>
-              <a:rPr lang="en-US" altLang="ko-KR" dirty="0">
-                <a:latin typeface="+mn-ea"/>
-              </a:rPr>
-              <a:t> ☞ git push –d origin new-branch </a:t>
-            </a:r>
-          </a:p>
-          <a:p>
-            <a:pPr marL="533400" lvl="1" indent="-266700">
-              <a:buFont typeface="+mj-ea"/>
-              <a:buAutoNum type="circleNumDbPlain"/>
-            </a:pPr>
-            <a:endParaRPr lang="en-US" altLang="ko-KR" dirty="0">
-              <a:latin typeface="+mn-ea"/>
-            </a:endParaRPr>
-          </a:p>
-        </p:txBody>
-      </p:sp>
-      <p:sp>
-        <p:nvSpPr>
-          <p:cNvPr id="2" name="슬라이드 번호 개체 틀 1"/>
-          <p:cNvSpPr>
-            <a:spLocks noGrp="1"/>
-          </p:cNvSpPr>
-          <p:nvPr>
             <p:ph type="sldNum" sz="quarter" idx="12"/>
           </p:nvPr>
         </p:nvSpPr>
@@ -25411,7 +25433,7 @@
             </a:fld>
             <a:r>
               <a:rPr lang="en-US" altLang="ko-KR"/>
-              <a:t>/35</a:t>
+              <a:t>/36</a:t>
             </a:r>
             <a:endParaRPr lang="ko-KR" altLang="en-US" dirty="0"/>
           </a:p>
@@ -25420,7 +25442,7 @@
     </p:spTree>
     <p:extLst>
       <p:ext uri="{BB962C8B-B14F-4D97-AF65-F5344CB8AC3E}">
-        <p14:creationId xmlns:p14="http://schemas.microsoft.com/office/powerpoint/2010/main" val="473554646"/>
+        <p14:creationId xmlns:p14="http://schemas.microsoft.com/office/powerpoint/2010/main" val="1991194323"/>
       </p:ext>
     </p:extLst>
   </p:cSld>
@@ -25477,7 +25499,7 @@
           <a:p>
             <a:r>
               <a:rPr lang="ko-KR" altLang="en-US" dirty="0"/>
-              <a:t>오픈소스 참조</a:t>
+              <a:t>전체 요약 순서</a:t>
             </a:r>
           </a:p>
         </p:txBody>
@@ -25651,53 +25673,519 @@
           <a:p>
             <a:r>
               <a:rPr lang="ko-KR" altLang="en-US" dirty="0"/>
-              <a:t>오픈소스 소개</a:t>
+              <a:t>전체 요약 순서</a:t>
             </a:r>
             <a:endParaRPr lang="en-US" altLang="ko-KR" dirty="0"/>
           </a:p>
           <a:p>
-            <a:pPr marL="0" indent="0">
-              <a:buNone/>
+            <a:pPr marL="533400" lvl="1" indent="-266700">
+              <a:buFont typeface="+mj-ea"/>
+              <a:buAutoNum type="circleNumDbPlain"/>
             </a:pPr>
             <a:r>
-              <a:rPr lang="en-US" altLang="ko-KR" sz="1800" b="0" dirty="0">
-                <a:latin typeface="+mn-ea"/>
-              </a:rPr>
-              <a:t>  </a:t>
-            </a:r>
-            <a:r>
-              <a:rPr lang="ko-KR" altLang="en-US" sz="1800" b="0" dirty="0">
-                <a:latin typeface="+mn-ea"/>
-              </a:rPr>
-              <a:t>네이버 오픈소스 가이드 </a:t>
-            </a:r>
-            <a:r>
-              <a:rPr lang="en-US" altLang="ko-KR" sz="1800" b="0" dirty="0">
-                <a:latin typeface="+mn-ea"/>
-              </a:rPr>
-              <a:t>:     </a:t>
-            </a:r>
-          </a:p>
-          <a:p>
-            <a:pPr marL="0" indent="0">
-              <a:buNone/>
+              <a:rPr lang="ko-KR" altLang="en-US" dirty="0">
+                <a:latin typeface="+mn-ea"/>
+              </a:rPr>
+              <a:t>나의 </a:t>
+            </a:r>
+            <a:r>
+              <a:rPr lang="en-US" altLang="ko-KR" dirty="0" err="1">
+                <a:latin typeface="+mn-ea"/>
+              </a:rPr>
+              <a:t>github</a:t>
+            </a:r>
+            <a:r>
+              <a:rPr lang="en-US" altLang="ko-KR" dirty="0">
+                <a:latin typeface="+mn-ea"/>
+              </a:rPr>
+              <a:t> </a:t>
+            </a:r>
+            <a:r>
+              <a:rPr lang="ko-KR" altLang="en-US" dirty="0">
+                <a:latin typeface="+mn-ea"/>
+              </a:rPr>
+              <a:t>계정에 로그인</a:t>
+            </a:r>
+            <a:endParaRPr lang="en-US" altLang="ko-KR" dirty="0">
+              <a:latin typeface="+mn-ea"/>
+            </a:endParaRPr>
+          </a:p>
+          <a:p>
+            <a:pPr marL="533400" lvl="1" indent="-266700">
+              <a:buFont typeface="+mj-ea"/>
+              <a:buAutoNum type="circleNumDbPlain"/>
             </a:pPr>
             <a:r>
-              <a:rPr lang="en-US" altLang="ko-KR" sz="1800" b="0" dirty="0">
-                <a:hlinkClick r:id="rId3"/>
-              </a:rPr>
-              <a:t>  </a:t>
-            </a:r>
-            <a:r>
-              <a:rPr lang="en-US" altLang="ko-KR" sz="1800" b="0" dirty="0">
-                <a:latin typeface="+mn-ea"/>
-                <a:hlinkClick r:id="rId3"/>
-              </a:rPr>
-              <a:t>https://naver.github.io/OpenSourceGuide/book/</a:t>
-            </a:r>
-            <a:endParaRPr lang="en-US" altLang="ko-KR" sz="1800" b="0" dirty="0">
+              <a:rPr lang="ko-KR" altLang="en-US" dirty="0">
+                <a:latin typeface="+mn-ea"/>
+              </a:rPr>
+              <a:t>참여하고 싶은 저장소</a:t>
+            </a:r>
+            <a:r>
+              <a:rPr lang="en-US" altLang="ko-KR" dirty="0">
+                <a:latin typeface="+mn-ea"/>
+              </a:rPr>
+              <a:t>(upstream)</a:t>
+            </a:r>
+            <a:r>
+              <a:rPr lang="ko-KR" altLang="en-US" dirty="0">
+                <a:latin typeface="+mn-ea"/>
+              </a:rPr>
+              <a:t> 찾기</a:t>
+            </a:r>
+            <a:endParaRPr lang="en-US" altLang="ko-KR" dirty="0">
               <a:latin typeface="+mn-ea"/>
             </a:endParaRPr>
+          </a:p>
+          <a:p>
+            <a:pPr marL="533400" lvl="1" indent="-266700">
+              <a:buFont typeface="+mj-ea"/>
+              <a:buAutoNum type="circleNumDbPlain"/>
+            </a:pPr>
+            <a:r>
+              <a:rPr lang="ko-KR" altLang="en-US" dirty="0">
+                <a:latin typeface="+mn-ea"/>
+              </a:rPr>
+              <a:t>나의 원격저장소</a:t>
+            </a:r>
+            <a:r>
+              <a:rPr lang="en-US" altLang="ko-KR" dirty="0">
+                <a:latin typeface="+mn-ea"/>
+              </a:rPr>
+              <a:t>(origin)</a:t>
+            </a:r>
+            <a:r>
+              <a:rPr lang="ko-KR" altLang="en-US" dirty="0">
+                <a:latin typeface="+mn-ea"/>
+              </a:rPr>
+              <a:t>로 </a:t>
+            </a:r>
+            <a:r>
+              <a:rPr lang="en-US" altLang="ko-KR" dirty="0">
+                <a:latin typeface="+mn-ea"/>
+              </a:rPr>
+              <a:t>Fork</a:t>
+            </a:r>
+            <a:r>
+              <a:rPr lang="ko-KR" altLang="en-US" dirty="0">
+                <a:latin typeface="+mn-ea"/>
+              </a:rPr>
+              <a:t>하기</a:t>
+            </a:r>
+            <a:endParaRPr lang="en-US" altLang="ko-KR" dirty="0">
+              <a:latin typeface="+mn-ea"/>
+            </a:endParaRPr>
+          </a:p>
+          <a:p>
+            <a:pPr marL="533400" lvl="1" indent="-266700">
+              <a:buFont typeface="+mj-ea"/>
+              <a:buAutoNum type="circleNumDbPlain"/>
+            </a:pPr>
+            <a:r>
+              <a:rPr lang="ko-KR" altLang="en-US" dirty="0">
+                <a:latin typeface="+mn-ea"/>
+              </a:rPr>
+              <a:t>나의 로컬저장소로 </a:t>
+            </a:r>
+            <a:r>
+              <a:rPr lang="en-US" altLang="ko-KR" dirty="0">
+                <a:latin typeface="+mn-ea"/>
+              </a:rPr>
+              <a:t>clone</a:t>
+            </a:r>
+            <a:r>
+              <a:rPr lang="ko-KR" altLang="en-US" dirty="0">
+                <a:latin typeface="+mn-ea"/>
+              </a:rPr>
+              <a:t>하기 </a:t>
+            </a:r>
+            <a:r>
+              <a:rPr lang="en-US" altLang="ko-KR" dirty="0">
+                <a:latin typeface="+mn-ea"/>
+              </a:rPr>
+              <a:t> ☞ git clone</a:t>
+            </a:r>
+            <a:r>
+              <a:rPr lang="ko-KR" altLang="en-US" dirty="0">
+                <a:latin typeface="+mn-ea"/>
+              </a:rPr>
+              <a:t> </a:t>
+            </a:r>
+            <a:r>
+              <a:rPr lang="en-US" altLang="ko-KR" dirty="0">
+                <a:latin typeface="+mn-ea"/>
+              </a:rPr>
+              <a:t>upstream-address</a:t>
+            </a:r>
+          </a:p>
+          <a:p>
+            <a:pPr marL="533400" lvl="1" indent="-266700">
+              <a:buFont typeface="+mj-ea"/>
+              <a:buAutoNum type="circleNumDbPlain"/>
+            </a:pPr>
+            <a:r>
+              <a:rPr lang="ko-KR" altLang="en-US" dirty="0">
+                <a:latin typeface="+mn-ea"/>
+              </a:rPr>
+              <a:t>로컬저장소에서 작업 </a:t>
+            </a:r>
+            <a:r>
+              <a:rPr lang="en-US" altLang="ko-KR" dirty="0">
+                <a:latin typeface="+mn-ea"/>
+              </a:rPr>
+              <a:t>branch </a:t>
+            </a:r>
+            <a:r>
+              <a:rPr lang="ko-KR" altLang="en-US" dirty="0">
+                <a:latin typeface="+mn-ea"/>
+              </a:rPr>
+              <a:t>만들기</a:t>
+            </a:r>
+            <a:r>
+              <a:rPr lang="en-US" altLang="ko-KR" dirty="0">
+                <a:latin typeface="+mn-ea"/>
+              </a:rPr>
+              <a:t> ☞ git checkout</a:t>
+            </a:r>
+            <a:r>
+              <a:rPr lang="ko-KR" altLang="en-US" dirty="0">
+                <a:latin typeface="+mn-ea"/>
+              </a:rPr>
+              <a:t> </a:t>
+            </a:r>
+            <a:r>
+              <a:rPr lang="en-US" altLang="ko-KR" dirty="0">
+                <a:latin typeface="+mn-ea"/>
+              </a:rPr>
+              <a:t>-b</a:t>
+            </a:r>
+            <a:r>
+              <a:rPr lang="ko-KR" altLang="en-US" dirty="0">
+                <a:latin typeface="+mn-ea"/>
+              </a:rPr>
+              <a:t> </a:t>
+            </a:r>
+            <a:r>
+              <a:rPr lang="en-US" altLang="ko-KR" dirty="0">
+                <a:latin typeface="+mn-ea"/>
+              </a:rPr>
+              <a:t>new-branch</a:t>
+            </a:r>
+          </a:p>
+          <a:p>
+            <a:pPr marL="533400" lvl="1" indent="-266700">
+              <a:buFont typeface="+mj-ea"/>
+              <a:buAutoNum type="circleNumDbPlain"/>
+            </a:pPr>
+            <a:r>
+              <a:rPr lang="ko-KR" altLang="en-US" dirty="0">
+                <a:latin typeface="+mn-ea"/>
+              </a:rPr>
+              <a:t>기여할 내용 수정작업하기</a:t>
+            </a:r>
+            <a:endParaRPr lang="en-US" altLang="ko-KR" dirty="0">
+              <a:latin typeface="+mn-ea"/>
+            </a:endParaRPr>
+          </a:p>
+          <a:p>
+            <a:pPr marL="533400" lvl="1" indent="-266700">
+              <a:buFont typeface="+mj-ea"/>
+              <a:buAutoNum type="circleNumDbPlain"/>
+            </a:pPr>
+            <a:r>
+              <a:rPr lang="ko-KR" altLang="en-US" dirty="0">
+                <a:latin typeface="+mn-ea"/>
+              </a:rPr>
+              <a:t>나의 원격저장소</a:t>
+            </a:r>
+            <a:r>
+              <a:rPr lang="en-US" altLang="ko-KR" dirty="0">
+                <a:latin typeface="+mn-ea"/>
+              </a:rPr>
+              <a:t>(origin)</a:t>
+            </a:r>
+            <a:r>
+              <a:rPr lang="ko-KR" altLang="en-US" dirty="0">
+                <a:latin typeface="+mn-ea"/>
+              </a:rPr>
+              <a:t>로 </a:t>
+            </a:r>
+            <a:r>
+              <a:rPr lang="en-US" altLang="ko-KR" dirty="0">
+                <a:latin typeface="+mn-ea"/>
+              </a:rPr>
+              <a:t>push</a:t>
+            </a:r>
+            <a:r>
+              <a:rPr lang="ko-KR" altLang="en-US" dirty="0">
+                <a:latin typeface="+mn-ea"/>
+              </a:rPr>
+              <a:t>하기</a:t>
+            </a:r>
+            <a:r>
+              <a:rPr lang="en-US" altLang="ko-KR" dirty="0">
+                <a:latin typeface="+mn-ea"/>
+              </a:rPr>
+              <a:t> ☞ git push -u origin new-branch</a:t>
+            </a:r>
+          </a:p>
+          <a:p>
+            <a:pPr marL="533400" lvl="1" indent="-266700">
+              <a:buFont typeface="+mj-ea"/>
+              <a:buAutoNum type="circleNumDbPlain"/>
+            </a:pPr>
+            <a:r>
+              <a:rPr lang="ko-KR" altLang="en-US" dirty="0">
+                <a:latin typeface="+mn-ea"/>
+              </a:rPr>
+              <a:t>나의 원격저장소</a:t>
+            </a:r>
+            <a:r>
+              <a:rPr lang="en-US" altLang="ko-KR" dirty="0">
+                <a:latin typeface="+mn-ea"/>
+              </a:rPr>
+              <a:t>(origin)</a:t>
+            </a:r>
+            <a:r>
+              <a:rPr lang="ko-KR" altLang="en-US" dirty="0">
+                <a:latin typeface="+mn-ea"/>
+              </a:rPr>
+              <a:t>에서 </a:t>
+            </a:r>
+            <a:r>
+              <a:rPr lang="en-US" altLang="ko-KR" dirty="0">
+                <a:latin typeface="+mn-ea"/>
+              </a:rPr>
+              <a:t>Compare &amp; pull request </a:t>
+            </a:r>
+            <a:r>
+              <a:rPr lang="ko-KR" altLang="en-US" dirty="0">
+                <a:latin typeface="+mn-ea"/>
+              </a:rPr>
+              <a:t>하기</a:t>
+            </a:r>
+            <a:endParaRPr lang="en-US" altLang="ko-KR" dirty="0">
+              <a:latin typeface="+mn-ea"/>
+            </a:endParaRPr>
+          </a:p>
+          <a:p>
+            <a:pPr marL="533400" lvl="1" indent="-266700">
+              <a:buFont typeface="+mj-ea"/>
+              <a:buAutoNum type="circleNumDbPlain"/>
+            </a:pPr>
+            <a:r>
+              <a:rPr lang="ko-KR" altLang="en-US" dirty="0">
+                <a:latin typeface="+mn-ea"/>
+              </a:rPr>
+              <a:t>나의 원격저장소</a:t>
+            </a:r>
+            <a:r>
+              <a:rPr lang="en-US" altLang="ko-KR" dirty="0">
+                <a:latin typeface="+mn-ea"/>
+              </a:rPr>
+              <a:t>(origin)</a:t>
+            </a:r>
+            <a:r>
+              <a:rPr lang="ko-KR" altLang="en-US" dirty="0">
+                <a:latin typeface="+mn-ea"/>
+              </a:rPr>
+              <a:t>에서</a:t>
+            </a:r>
+            <a:r>
+              <a:rPr lang="en-US" altLang="ko-KR" dirty="0">
+                <a:latin typeface="+mn-ea"/>
+              </a:rPr>
+              <a:t> Create</a:t>
+            </a:r>
+            <a:r>
+              <a:rPr lang="ko-KR" altLang="en-US" dirty="0">
+                <a:latin typeface="+mn-ea"/>
+              </a:rPr>
+              <a:t> </a:t>
+            </a:r>
+            <a:r>
+              <a:rPr lang="en-US" altLang="ko-KR" dirty="0">
+                <a:latin typeface="+mn-ea"/>
+              </a:rPr>
+              <a:t>pull request</a:t>
+            </a:r>
+            <a:r>
+              <a:rPr lang="ko-KR" altLang="en-US" dirty="0">
+                <a:latin typeface="+mn-ea"/>
+              </a:rPr>
+              <a:t>하기</a:t>
+            </a:r>
+            <a:endParaRPr lang="en-US" altLang="ko-KR" dirty="0">
+              <a:latin typeface="+mn-ea"/>
+            </a:endParaRPr>
+          </a:p>
+          <a:p>
+            <a:pPr marL="533400" lvl="1" indent="-266700">
+              <a:buFont typeface="+mj-ea"/>
+              <a:buAutoNum type="circleNumDbPlain"/>
+            </a:pPr>
+            <a:r>
+              <a:rPr lang="en-US" altLang="ko-KR" dirty="0">
+                <a:latin typeface="+mn-ea"/>
+              </a:rPr>
+              <a:t>Merge</a:t>
+            </a:r>
+            <a:r>
+              <a:rPr lang="ko-KR" altLang="en-US" dirty="0">
+                <a:latin typeface="+mn-ea"/>
+              </a:rPr>
+              <a:t>된 후</a:t>
+            </a:r>
+            <a:r>
+              <a:rPr lang="en-US" altLang="ko-KR" dirty="0">
+                <a:latin typeface="+mn-ea"/>
+              </a:rPr>
+              <a:t>, upstream</a:t>
+            </a:r>
+            <a:r>
+              <a:rPr lang="ko-KR" altLang="en-US" dirty="0">
+                <a:latin typeface="+mn-ea"/>
+              </a:rPr>
+              <a:t>내용을 </a:t>
+            </a:r>
+            <a:r>
+              <a:rPr lang="en-US" altLang="ko-KR" dirty="0">
+                <a:latin typeface="+mn-ea"/>
+              </a:rPr>
+              <a:t>local</a:t>
+            </a:r>
+            <a:r>
+              <a:rPr lang="ko-KR" altLang="en-US" dirty="0">
+                <a:latin typeface="+mn-ea"/>
+              </a:rPr>
+              <a:t> 저장소에 </a:t>
+            </a:r>
+            <a:r>
+              <a:rPr lang="en-US" altLang="ko-KR" dirty="0">
+                <a:latin typeface="+mn-ea"/>
+              </a:rPr>
+              <a:t>pull</a:t>
+            </a:r>
+            <a:r>
+              <a:rPr lang="ko-KR" altLang="en-US" dirty="0">
+                <a:latin typeface="+mn-ea"/>
+              </a:rPr>
+              <a:t>하기</a:t>
+            </a:r>
+            <a:r>
+              <a:rPr lang="en-US" altLang="ko-KR" dirty="0">
+                <a:latin typeface="+mn-ea"/>
+              </a:rPr>
+              <a:t> ☞ git pull upstream main</a:t>
+            </a:r>
+          </a:p>
+          <a:p>
+            <a:pPr marL="533400" lvl="1" indent="-266700">
+              <a:buFont typeface="+mj-ea"/>
+              <a:buAutoNum type="circleNumDbPlain"/>
+            </a:pPr>
+            <a:r>
+              <a:rPr lang="ko-KR" altLang="en-US" dirty="0">
+                <a:latin typeface="+mn-ea"/>
+              </a:rPr>
+              <a:t>로컬저장소에서 작업한 </a:t>
+            </a:r>
+            <a:r>
+              <a:rPr lang="en-US" altLang="ko-KR" dirty="0">
+                <a:latin typeface="+mn-ea"/>
+              </a:rPr>
+              <a:t>branch </a:t>
+            </a:r>
+            <a:r>
+              <a:rPr lang="ko-KR" altLang="en-US" dirty="0">
+                <a:latin typeface="+mn-ea"/>
+              </a:rPr>
+              <a:t>지우기</a:t>
+            </a:r>
+            <a:r>
+              <a:rPr lang="en-US" altLang="ko-KR" dirty="0">
+                <a:latin typeface="+mn-ea"/>
+              </a:rPr>
+              <a:t> ☞ git branch -d new-branch</a:t>
+            </a:r>
+          </a:p>
+          <a:p>
+            <a:pPr marL="533400" lvl="1" indent="-266700">
+              <a:buFont typeface="+mj-ea"/>
+              <a:buAutoNum type="circleNumDbPlain"/>
+            </a:pPr>
+            <a:r>
+              <a:rPr lang="ko-KR" altLang="en-US" dirty="0">
+                <a:latin typeface="+mn-ea"/>
+              </a:rPr>
+              <a:t>로컬저장소 내용을 </a:t>
+            </a:r>
+            <a:r>
+              <a:rPr lang="en-US" altLang="ko-KR" dirty="0">
+                <a:latin typeface="+mn-ea"/>
+              </a:rPr>
+              <a:t>origin</a:t>
+            </a:r>
+            <a:r>
+              <a:rPr lang="ko-KR" altLang="en-US" dirty="0">
+                <a:latin typeface="+mn-ea"/>
+              </a:rPr>
+              <a:t>으로 </a:t>
+            </a:r>
+            <a:r>
+              <a:rPr lang="en-US" altLang="ko-KR" dirty="0">
+                <a:latin typeface="+mn-ea"/>
+              </a:rPr>
+              <a:t>push</a:t>
+            </a:r>
+            <a:r>
+              <a:rPr lang="ko-KR" altLang="en-US" dirty="0">
+                <a:latin typeface="+mn-ea"/>
+              </a:rPr>
+              <a:t>하기</a:t>
+            </a:r>
+            <a:r>
+              <a:rPr lang="en-US" altLang="ko-KR" dirty="0">
+                <a:latin typeface="+mn-ea"/>
+              </a:rPr>
+              <a:t> ☞ git push origin main</a:t>
+            </a:r>
+          </a:p>
+          <a:p>
+            <a:pPr marL="533400" lvl="1" indent="-266700">
+              <a:buFont typeface="+mj-ea"/>
+              <a:buAutoNum type="circleNumDbPlain"/>
+            </a:pPr>
+            <a:r>
+              <a:rPr lang="ko-KR" altLang="en-US" dirty="0">
+                <a:latin typeface="+mn-ea"/>
+              </a:rPr>
+              <a:t>원격저장소</a:t>
+            </a:r>
+            <a:r>
+              <a:rPr lang="en-US" altLang="ko-KR" dirty="0">
+                <a:latin typeface="+mn-ea"/>
+              </a:rPr>
+              <a:t>(origin) </a:t>
+            </a:r>
+            <a:r>
+              <a:rPr lang="ko-KR" altLang="en-US" dirty="0" err="1">
+                <a:latin typeface="+mn-ea"/>
+              </a:rPr>
+              <a:t>브랜치</a:t>
+            </a:r>
+            <a:r>
+              <a:rPr lang="ko-KR" altLang="en-US" dirty="0">
+                <a:latin typeface="+mn-ea"/>
+              </a:rPr>
+              <a:t> 삭제하기</a:t>
+            </a:r>
+            <a:r>
+              <a:rPr lang="en-US" altLang="ko-KR" dirty="0">
+                <a:latin typeface="+mn-ea"/>
+              </a:rPr>
+              <a:t> ☞ git push -d origin new-branch </a:t>
+            </a:r>
           </a:p>
           <a:p>
             <a:pPr marL="533400" lvl="1" indent="-266700">
@@ -25712,7 +26200,13 @@
       </p:sp>
       <p:sp>
         <p:nvSpPr>
-          <p:cNvPr id="2" name="슬라이드 번호 개체 틀 1"/>
+          <p:cNvPr id="5" name="슬라이드 번호 개체 틀 4">
+            <a:extLst>
+              <a:ext uri="{FF2B5EF4-FFF2-40B4-BE49-F238E27FC236}">
+                <a16:creationId xmlns:a16="http://schemas.microsoft.com/office/drawing/2014/main" id="{79862AAD-1F64-476F-96D2-A2F6D3C91890}"/>
+              </a:ext>
+            </a:extLst>
+          </p:cNvPr>
           <p:cNvSpPr>
             <a:spLocks noGrp="1"/>
           </p:cNvSpPr>
@@ -25732,7 +26226,334 @@
             </a:fld>
             <a:r>
               <a:rPr lang="en-US" altLang="ko-KR"/>
-              <a:t>/35</a:t>
+              <a:t>/36</a:t>
+            </a:r>
+            <a:endParaRPr lang="ko-KR" altLang="en-US" dirty="0"/>
+          </a:p>
+        </p:txBody>
+      </p:sp>
+    </p:spTree>
+    <p:extLst>
+      <p:ext uri="{BB962C8B-B14F-4D97-AF65-F5344CB8AC3E}">
+        <p14:creationId xmlns:p14="http://schemas.microsoft.com/office/powerpoint/2010/main" val="473554646"/>
+      </p:ext>
+    </p:extLst>
+  </p:cSld>
+  <p:clrMapOvr>
+    <a:masterClrMapping/>
+  </p:clrMapOvr>
+</p:sld>
+</file>
+
+<file path=ppt/slides/slide37.xml><?xml version="1.0" encoding="utf-8"?>
+<p:sld xmlns:a="http://schemas.openxmlformats.org/drawingml/2006/main" xmlns:r="http://schemas.openxmlformats.org/officeDocument/2006/relationships" xmlns:p="http://schemas.openxmlformats.org/presentationml/2006/main">
+  <p:cSld>
+    <p:spTree>
+      <p:nvGrpSpPr>
+        <p:cNvPr id="1" name=""/>
+        <p:cNvGrpSpPr/>
+        <p:nvPr/>
+      </p:nvGrpSpPr>
+      <p:grpSpPr>
+        <a:xfrm>
+          <a:off x="0" y="0"/>
+          <a:ext cx="0" cy="0"/>
+          <a:chOff x="0" y="0"/>
+          <a:chExt cx="0" cy="0"/>
+        </a:xfrm>
+      </p:grpSpPr>
+      <p:sp>
+        <p:nvSpPr>
+          <p:cNvPr id="4" name="제목 3">
+            <a:extLst>
+              <a:ext uri="{FF2B5EF4-FFF2-40B4-BE49-F238E27FC236}">
+                <a16:creationId xmlns:a16="http://schemas.microsoft.com/office/drawing/2014/main" id="{F0CEB32B-CB43-4410-BA08-A97E4BC47FCB}"/>
+              </a:ext>
+            </a:extLst>
+          </p:cNvPr>
+          <p:cNvSpPr>
+            <a:spLocks noGrp="1"/>
+          </p:cNvSpPr>
+          <p:nvPr>
+            <p:ph type="title"/>
+          </p:nvPr>
+        </p:nvSpPr>
+        <p:spPr>
+          <a:xfrm>
+            <a:off x="539551" y="192300"/>
+            <a:ext cx="8244853" cy="576064"/>
+          </a:xfrm>
+        </p:spPr>
+        <p:txBody>
+          <a:bodyPr>
+            <a:normAutofit/>
+          </a:bodyPr>
+          <a:lstStyle/>
+          <a:p>
+            <a:r>
+              <a:rPr lang="ko-KR" altLang="en-US" dirty="0"/>
+              <a:t>오픈소스 참조</a:t>
+            </a:r>
+          </a:p>
+        </p:txBody>
+      </p:sp>
+      <p:sp>
+        <p:nvSpPr>
+          <p:cNvPr id="11" name="내용 개체 틀 2">
+            <a:extLst>
+              <a:ext uri="{FF2B5EF4-FFF2-40B4-BE49-F238E27FC236}">
+                <a16:creationId xmlns:a16="http://schemas.microsoft.com/office/drawing/2014/main" id="{A44AC902-3746-40D6-9827-94B46EEDDC67}"/>
+              </a:ext>
+            </a:extLst>
+          </p:cNvPr>
+          <p:cNvSpPr txBox="1">
+            <a:spLocks/>
+          </p:cNvSpPr>
+          <p:nvPr/>
+        </p:nvSpPr>
+        <p:spPr>
+          <a:xfrm>
+            <a:off x="341787" y="957257"/>
+            <a:ext cx="8642350" cy="5225829"/>
+          </a:xfrm>
+          <a:prstGeom prst="rect">
+            <a:avLst/>
+          </a:prstGeom>
+        </p:spPr>
+        <p:txBody>
+          <a:bodyPr vert="horz" lIns="91440" tIns="45720" rIns="91440" bIns="45720" rtlCol="0">
+            <a:noAutofit/>
+          </a:bodyPr>
+          <a:lstStyle>
+            <a:lvl1pPr marL="266700" indent="-266700" defTabSz="914400" latinLnBrk="1">
+              <a:lnSpc>
+                <a:spcPct val="150000"/>
+              </a:lnSpc>
+              <a:spcBef>
+                <a:spcPct val="0"/>
+              </a:spcBef>
+              <a:buClr>
+                <a:schemeClr val="tx1">
+                  <a:lumMod val="65000"/>
+                  <a:lumOff val="35000"/>
+                </a:schemeClr>
+              </a:buClr>
+              <a:buFont typeface="Wingdings" pitchFamily="2" charset="2"/>
+              <a:buChar char="n"/>
+              <a:defRPr sz="2000" b="1">
+                <a:latin typeface="+mn-ea"/>
+              </a:defRPr>
+            </a:lvl1pPr>
+            <a:lvl2pPr marL="447675" lvl="1" indent="-180975" defTabSz="914400" latinLnBrk="1">
+              <a:lnSpc>
+                <a:spcPct val="150000"/>
+              </a:lnSpc>
+              <a:spcBef>
+                <a:spcPts val="0"/>
+              </a:spcBef>
+              <a:spcAft>
+                <a:spcPts val="0"/>
+              </a:spcAft>
+              <a:buClr>
+                <a:schemeClr val="tx1">
+                  <a:lumMod val="50000"/>
+                  <a:lumOff val="50000"/>
+                </a:schemeClr>
+              </a:buClr>
+              <a:buFont typeface="Wingdings" pitchFamily="2" charset="2"/>
+              <a:buChar char="§"/>
+              <a:defRPr sz="1600"/>
+            </a:lvl2pPr>
+            <a:lvl3pPr marL="628650" indent="-180975" defTabSz="914400" latinLnBrk="1">
+              <a:lnSpc>
+                <a:spcPct val="150000"/>
+              </a:lnSpc>
+              <a:spcBef>
+                <a:spcPts val="500"/>
+              </a:spcBef>
+              <a:spcAft>
+                <a:spcPts val="300"/>
+              </a:spcAft>
+              <a:buClr>
+                <a:schemeClr val="tx1">
+                  <a:lumMod val="65000"/>
+                  <a:lumOff val="35000"/>
+                </a:schemeClr>
+              </a:buClr>
+              <a:buFont typeface="Arial" panose="020B0604020202020204" pitchFamily="34" charset="0"/>
+              <a:buChar char="•"/>
+              <a:defRPr sz="1400"/>
+            </a:lvl3pPr>
+            <a:lvl4pPr marL="809625" indent="-180975" defTabSz="914400" latinLnBrk="1">
+              <a:lnSpc>
+                <a:spcPct val="150000"/>
+              </a:lnSpc>
+              <a:spcBef>
+                <a:spcPts val="500"/>
+              </a:spcBef>
+              <a:spcAft>
+                <a:spcPts val="300"/>
+              </a:spcAft>
+              <a:buClr>
+                <a:schemeClr val="tx1">
+                  <a:lumMod val="65000"/>
+                  <a:lumOff val="35000"/>
+                </a:schemeClr>
+              </a:buClr>
+              <a:buSzPct val="96000"/>
+              <a:buFont typeface="Arial" panose="020B0604020202020204" pitchFamily="34" charset="0"/>
+              <a:buChar char="•"/>
+              <a:defRPr sz="1200"/>
+            </a:lvl4pPr>
+            <a:lvl5pPr marL="990600" indent="-180975" defTabSz="914400" latinLnBrk="1">
+              <a:lnSpc>
+                <a:spcPct val="150000"/>
+              </a:lnSpc>
+              <a:spcBef>
+                <a:spcPts val="500"/>
+              </a:spcBef>
+              <a:buClr>
+                <a:schemeClr val="tx1">
+                  <a:lumMod val="65000"/>
+                  <a:lumOff val="35000"/>
+                </a:schemeClr>
+              </a:buClr>
+              <a:buFont typeface="Arial" panose="020B0604020202020204" pitchFamily="34" charset="0"/>
+              <a:buChar char="•"/>
+              <a:defRPr sz="1000"/>
+            </a:lvl5pPr>
+            <a:lvl6pPr marL="2514600" indent="-228600" defTabSz="914400" latinLnBrk="1">
+              <a:lnSpc>
+                <a:spcPct val="90000"/>
+              </a:lnSpc>
+              <a:spcBef>
+                <a:spcPts val="500"/>
+              </a:spcBef>
+              <a:buFont typeface="Arial" panose="020B0604020202020204" pitchFamily="34" charset="0"/>
+              <a:buChar char="•"/>
+            </a:lvl6pPr>
+            <a:lvl7pPr marL="2971800" indent="-228600" defTabSz="914400" latinLnBrk="1">
+              <a:lnSpc>
+                <a:spcPct val="90000"/>
+              </a:lnSpc>
+              <a:spcBef>
+                <a:spcPts val="500"/>
+              </a:spcBef>
+              <a:buFont typeface="Arial" panose="020B0604020202020204" pitchFamily="34" charset="0"/>
+              <a:buChar char="•"/>
+            </a:lvl7pPr>
+            <a:lvl8pPr marL="3429000" indent="-228600" defTabSz="914400" latinLnBrk="1">
+              <a:lnSpc>
+                <a:spcPct val="90000"/>
+              </a:lnSpc>
+              <a:spcBef>
+                <a:spcPts val="500"/>
+              </a:spcBef>
+              <a:buFont typeface="Arial" panose="020B0604020202020204" pitchFamily="34" charset="0"/>
+              <a:buChar char="•"/>
+            </a:lvl8pPr>
+            <a:lvl9pPr marL="3886200" indent="-228600" defTabSz="914400" latinLnBrk="1">
+              <a:lnSpc>
+                <a:spcPct val="90000"/>
+              </a:lnSpc>
+              <a:spcBef>
+                <a:spcPts val="500"/>
+              </a:spcBef>
+              <a:buFont typeface="Arial" panose="020B0604020202020204" pitchFamily="34" charset="0"/>
+              <a:buChar char="•"/>
+            </a:lvl9pPr>
+          </a:lstStyle>
+          <a:p>
+            <a:r>
+              <a:rPr lang="ko-KR" altLang="en-US" dirty="0"/>
+              <a:t>오픈소스 소개</a:t>
+            </a:r>
+            <a:endParaRPr lang="en-US" altLang="ko-KR" dirty="0"/>
+          </a:p>
+          <a:p>
+            <a:pPr marL="0" indent="0">
+              <a:buNone/>
+            </a:pPr>
+            <a:r>
+              <a:rPr lang="en-US" altLang="ko-KR" sz="1800" b="0" dirty="0">
+                <a:latin typeface="+mn-ea"/>
+              </a:rPr>
+              <a:t>  </a:t>
+            </a:r>
+            <a:r>
+              <a:rPr lang="ko-KR" altLang="en-US" sz="1800" b="0" dirty="0">
+                <a:latin typeface="+mn-ea"/>
+              </a:rPr>
+              <a:t>네이버 오픈소스 가이드 </a:t>
+            </a:r>
+            <a:r>
+              <a:rPr lang="en-US" altLang="ko-KR" sz="1800" b="0" dirty="0">
+                <a:latin typeface="+mn-ea"/>
+              </a:rPr>
+              <a:t>:     </a:t>
+            </a:r>
+          </a:p>
+          <a:p>
+            <a:pPr marL="0" indent="0">
+              <a:buNone/>
+            </a:pPr>
+            <a:r>
+              <a:rPr lang="en-US" altLang="ko-KR" sz="1800" b="0" dirty="0">
+                <a:hlinkClick r:id="rId3"/>
+              </a:rPr>
+              <a:t>  </a:t>
+            </a:r>
+            <a:r>
+              <a:rPr lang="en-US" altLang="ko-KR" sz="1800" b="0" dirty="0">
+                <a:latin typeface="+mn-ea"/>
+                <a:hlinkClick r:id="rId3"/>
+              </a:rPr>
+              <a:t>https://naver.github.io/OpenSourceGuide/book/</a:t>
+            </a:r>
+            <a:endParaRPr lang="en-US" altLang="ko-KR" sz="1800" b="0" dirty="0">
+              <a:latin typeface="+mn-ea"/>
+            </a:endParaRPr>
+          </a:p>
+          <a:p>
+            <a:pPr marL="533400" lvl="1" indent="-266700">
+              <a:buFont typeface="+mj-ea"/>
+              <a:buAutoNum type="circleNumDbPlain"/>
+            </a:pPr>
+            <a:endParaRPr lang="en-US" altLang="ko-KR" dirty="0">
+              <a:latin typeface="+mn-ea"/>
+            </a:endParaRPr>
+          </a:p>
+        </p:txBody>
+      </p:sp>
+      <p:sp>
+        <p:nvSpPr>
+          <p:cNvPr id="5" name="슬라이드 번호 개체 틀 4">
+            <a:extLst>
+              <a:ext uri="{FF2B5EF4-FFF2-40B4-BE49-F238E27FC236}">
+                <a16:creationId xmlns:a16="http://schemas.microsoft.com/office/drawing/2014/main" id="{7C100382-726B-4273-B028-E592888A798E}"/>
+              </a:ext>
+            </a:extLst>
+          </p:cNvPr>
+          <p:cNvSpPr>
+            <a:spLocks noGrp="1"/>
+          </p:cNvSpPr>
+          <p:nvPr>
+            <p:ph type="sldNum" sz="quarter" idx="12"/>
+          </p:nvPr>
+        </p:nvSpPr>
+        <p:spPr/>
+        <p:txBody>
+          <a:bodyPr/>
+          <a:lstStyle/>
+          <a:p>
+            <a:fld id="{526ADF51-C4A2-4521-899C-87F34FDB9C0A}" type="slidenum">
+              <a:rPr lang="ko-KR" altLang="en-US" smtClean="0"/>
+              <a:pPr/>
+              <a:t>37</a:t>
+            </a:fld>
+            <a:r>
+              <a:rPr lang="en-US" altLang="ko-KR"/>
+              <a:t>/36</a:t>
             </a:r>
             <a:endParaRPr lang="ko-KR" altLang="en-US" dirty="0"/>
           </a:p>
@@ -25751,7 +26572,7 @@
 </p:sld>
 </file>
 
-<file path=ppt/slides/slide37.xml><?xml version="1.0" encoding="utf-8"?>
+<file path=ppt/slides/slide38.xml><?xml version="1.0" encoding="utf-8"?>
 <p:sld xmlns:a="http://schemas.openxmlformats.org/drawingml/2006/main" xmlns:r="http://schemas.openxmlformats.org/officeDocument/2006/relationships" xmlns:p="http://schemas.openxmlformats.org/presentationml/2006/main">
   <p:cSld>
     <p:spTree>
@@ -26501,7 +27322,13 @@
       </p:cxnSp>
       <p:sp>
         <p:nvSpPr>
-          <p:cNvPr id="2" name="슬라이드 번호 개체 틀 1"/>
+          <p:cNvPr id="7" name="슬라이드 번호 개체 틀 6">
+            <a:extLst>
+              <a:ext uri="{FF2B5EF4-FFF2-40B4-BE49-F238E27FC236}">
+                <a16:creationId xmlns:a16="http://schemas.microsoft.com/office/drawing/2014/main" id="{5AFD937D-C65E-456F-B00E-971E1347A35E}"/>
+              </a:ext>
+            </a:extLst>
+          </p:cNvPr>
           <p:cNvSpPr>
             <a:spLocks noGrp="1"/>
           </p:cNvSpPr>
@@ -26517,11 +27344,11 @@
             <a:fld id="{526ADF51-C4A2-4521-899C-87F34FDB9C0A}" type="slidenum">
               <a:rPr lang="ko-KR" altLang="en-US" smtClean="0"/>
               <a:pPr/>
-              <a:t>37</a:t>
+              <a:t>38</a:t>
             </a:fld>
             <a:r>
               <a:rPr lang="en-US" altLang="ko-KR"/>
-              <a:t>/35</a:t>
+              <a:t>/36</a:t>
             </a:r>
             <a:endParaRPr lang="ko-KR" altLang="en-US" dirty="0"/>
           </a:p>
@@ -27103,7 +27930,13 @@
       </p:sp>
       <p:sp>
         <p:nvSpPr>
-          <p:cNvPr id="2" name="슬라이드 번호 개체 틀 1"/>
+          <p:cNvPr id="5" name="슬라이드 번호 개체 틀 4">
+            <a:extLst>
+              <a:ext uri="{FF2B5EF4-FFF2-40B4-BE49-F238E27FC236}">
+                <a16:creationId xmlns:a16="http://schemas.microsoft.com/office/drawing/2014/main" id="{56100039-E786-4FD3-BE9B-A87809A3AF06}"/>
+              </a:ext>
+            </a:extLst>
+          </p:cNvPr>
           <p:cNvSpPr>
             <a:spLocks noGrp="1"/>
           </p:cNvSpPr>
@@ -27123,7 +27956,7 @@
             </a:fld>
             <a:r>
               <a:rPr lang="en-US" altLang="ko-KR"/>
-              <a:t>/35</a:t>
+              <a:t>/36</a:t>
             </a:r>
             <a:endParaRPr lang="ko-KR" altLang="en-US" dirty="0"/>
           </a:p>
@@ -27844,7 +28677,13 @@
       </p:cxnSp>
       <p:sp>
         <p:nvSpPr>
-          <p:cNvPr id="2" name="슬라이드 번호 개체 틀 1"/>
+          <p:cNvPr id="6" name="슬라이드 번호 개체 틀 5">
+            <a:extLst>
+              <a:ext uri="{FF2B5EF4-FFF2-40B4-BE49-F238E27FC236}">
+                <a16:creationId xmlns:a16="http://schemas.microsoft.com/office/drawing/2014/main" id="{4AF23262-A222-4E07-BD8F-E48763FF959D}"/>
+              </a:ext>
+            </a:extLst>
+          </p:cNvPr>
           <p:cNvSpPr>
             <a:spLocks noGrp="1"/>
           </p:cNvSpPr>
@@ -27864,7 +28703,7 @@
             </a:fld>
             <a:r>
               <a:rPr lang="en-US" altLang="ko-KR"/>
-              <a:t>/35</a:t>
+              <a:t>/36</a:t>
             </a:r>
             <a:endParaRPr lang="ko-KR" altLang="en-US" dirty="0"/>
           </a:p>
@@ -28358,7 +29197,13 @@
       </p:sp>
       <p:sp>
         <p:nvSpPr>
-          <p:cNvPr id="2" name="슬라이드 번호 개체 틀 1"/>
+          <p:cNvPr id="6" name="슬라이드 번호 개체 틀 5">
+            <a:extLst>
+              <a:ext uri="{FF2B5EF4-FFF2-40B4-BE49-F238E27FC236}">
+                <a16:creationId xmlns:a16="http://schemas.microsoft.com/office/drawing/2014/main" id="{6DE05CFE-575F-4371-9E3E-8701C547FC85}"/>
+              </a:ext>
+            </a:extLst>
+          </p:cNvPr>
           <p:cNvSpPr>
             <a:spLocks noGrp="1"/>
           </p:cNvSpPr>
@@ -28378,7 +29223,7 @@
             </a:fld>
             <a:r>
               <a:rPr lang="en-US" altLang="ko-KR"/>
-              <a:t>/35</a:t>
+              <a:t>/36</a:t>
             </a:r>
             <a:endParaRPr lang="ko-KR" altLang="en-US" dirty="0"/>
           </a:p>
@@ -29087,7 +29932,13 @@
       </p:sp>
       <p:sp>
         <p:nvSpPr>
-          <p:cNvPr id="2" name="슬라이드 번호 개체 틀 1"/>
+          <p:cNvPr id="6" name="슬라이드 번호 개체 틀 5">
+            <a:extLst>
+              <a:ext uri="{FF2B5EF4-FFF2-40B4-BE49-F238E27FC236}">
+                <a16:creationId xmlns:a16="http://schemas.microsoft.com/office/drawing/2014/main" id="{92509709-BC5F-45E1-95C6-D51A2C300CB7}"/>
+              </a:ext>
+            </a:extLst>
+          </p:cNvPr>
           <p:cNvSpPr>
             <a:spLocks noGrp="1"/>
           </p:cNvSpPr>
@@ -29107,7 +29958,7 @@
             </a:fld>
             <a:r>
               <a:rPr lang="en-US" altLang="ko-KR"/>
-              <a:t>/35</a:t>
+              <a:t>/36</a:t>
             </a:r>
             <a:endParaRPr lang="ko-KR" altLang="en-US" dirty="0"/>
           </a:p>
@@ -30372,7 +31223,13 @@
       </p:sp>
       <p:sp>
         <p:nvSpPr>
-          <p:cNvPr id="2" name="슬라이드 번호 개체 틀 1"/>
+          <p:cNvPr id="16" name="슬라이드 번호 개체 틀 15">
+            <a:extLst>
+              <a:ext uri="{FF2B5EF4-FFF2-40B4-BE49-F238E27FC236}">
+                <a16:creationId xmlns:a16="http://schemas.microsoft.com/office/drawing/2014/main" id="{3DEBDBA0-277D-46CA-B5A0-2D1648F4251A}"/>
+              </a:ext>
+            </a:extLst>
+          </p:cNvPr>
           <p:cNvSpPr>
             <a:spLocks noGrp="1"/>
           </p:cNvSpPr>
@@ -30392,7 +31249,7 @@
             </a:fld>
             <a:r>
               <a:rPr lang="en-US" altLang="ko-KR"/>
-              <a:t>/35</a:t>
+              <a:t>/36</a:t>
             </a:r>
             <a:endParaRPr lang="ko-KR" altLang="en-US" dirty="0"/>
           </a:p>
@@ -30838,7 +31695,13 @@
       </p:sp>
       <p:sp>
         <p:nvSpPr>
-          <p:cNvPr id="2" name="슬라이드 번호 개체 틀 1"/>
+          <p:cNvPr id="5" name="슬라이드 번호 개체 틀 4">
+            <a:extLst>
+              <a:ext uri="{FF2B5EF4-FFF2-40B4-BE49-F238E27FC236}">
+                <a16:creationId xmlns:a16="http://schemas.microsoft.com/office/drawing/2014/main" id="{D4FC4F43-18D7-47B5-AC35-B192FB93874D}"/>
+              </a:ext>
+            </a:extLst>
+          </p:cNvPr>
           <p:cNvSpPr>
             <a:spLocks noGrp="1"/>
           </p:cNvSpPr>
@@ -30858,7 +31721,7 @@
             </a:fld>
             <a:r>
               <a:rPr lang="en-US" altLang="ko-KR"/>
-              <a:t>/35</a:t>
+              <a:t>/36</a:t>
             </a:r>
             <a:endParaRPr lang="ko-KR" altLang="en-US" dirty="0"/>
           </a:p>

--- a/git및github첫걸음3-forkclonePR.pptx
+++ b/git및github첫걸음3-forkclonePR.pptx
@@ -5,7 +5,7 @@
     <p:sldMasterId id="2147483660" r:id="rId1"/>
   </p:sldMasterIdLst>
   <p:notesMasterIdLst>
-    <p:notesMasterId r:id="rId40"/>
+    <p:notesMasterId r:id="rId41"/>
   </p:notesMasterIdLst>
   <p:sldIdLst>
     <p:sldId id="369" r:id="rId2"/>
@@ -38,14 +38,15 @@
     <p:sldId id="469" r:id="rId29"/>
     <p:sldId id="470" r:id="rId30"/>
     <p:sldId id="471" r:id="rId31"/>
-    <p:sldId id="472" r:id="rId32"/>
-    <p:sldId id="483" r:id="rId33"/>
-    <p:sldId id="473" r:id="rId34"/>
-    <p:sldId id="474" r:id="rId35"/>
-    <p:sldId id="475" r:id="rId36"/>
-    <p:sldId id="476" r:id="rId37"/>
-    <p:sldId id="480" r:id="rId38"/>
-    <p:sldId id="479" r:id="rId39"/>
+    <p:sldId id="484" r:id="rId32"/>
+    <p:sldId id="472" r:id="rId33"/>
+    <p:sldId id="483" r:id="rId34"/>
+    <p:sldId id="473" r:id="rId35"/>
+    <p:sldId id="474" r:id="rId36"/>
+    <p:sldId id="475" r:id="rId37"/>
+    <p:sldId id="476" r:id="rId38"/>
+    <p:sldId id="480" r:id="rId39"/>
+    <p:sldId id="479" r:id="rId40"/>
   </p:sldIdLst>
   <p:sldSz cx="9144000" cy="6858000" type="screen4x3"/>
   <p:notesSz cx="6858000" cy="9144000"/>
@@ -3319,6 +3320,22 @@
           <a:bodyPr/>
           <a:lstStyle/>
           <a:p>
+            <a:r>
+              <a:rPr lang="ko-KR" altLang="en-US" dirty="0"/>
+              <a:t>메일에서 접속이 불편하면 다음 </a:t>
+            </a:r>
+            <a:r>
+              <a:rPr lang="ko-KR" altLang="en-US" dirty="0" err="1"/>
+              <a:t>페이지에서처럼</a:t>
+            </a:r>
+            <a:r>
+              <a:rPr lang="ko-KR" altLang="en-US" dirty="0"/>
+              <a:t> 직접 클릭하여 들어가면 됨</a:t>
+            </a:r>
+            <a:r>
+              <a:rPr lang="en-US" altLang="ko-KR" dirty="0"/>
+              <a:t>.</a:t>
+            </a:r>
             <a:endParaRPr lang="ko-KR" altLang="en-US" dirty="0"/>
           </a:p>
         </p:txBody>
@@ -3517,7 +3534,7 @@
     </p:spTree>
     <p:extLst>
       <p:ext uri="{BB962C8B-B14F-4D97-AF65-F5344CB8AC3E}">
-        <p14:creationId xmlns:p14="http://schemas.microsoft.com/office/powerpoint/2010/main" val="1121768718"/>
+        <p14:creationId xmlns:p14="http://schemas.microsoft.com/office/powerpoint/2010/main" val="1666502375"/>
       </p:ext>
     </p:extLst>
   </p:cSld>
@@ -3571,6 +3588,22 @@
           <a:bodyPr/>
           <a:lstStyle/>
           <a:p>
+            <a:r>
+              <a:rPr lang="ko-KR" altLang="en-US" dirty="0"/>
+              <a:t>접속이 안되었으면 이 페이지에서 </a:t>
+            </a:r>
+            <a:r>
+              <a:rPr lang="ko-KR" altLang="en-US" dirty="0" err="1"/>
+              <a:t>처럼</a:t>
+            </a:r>
+            <a:r>
+              <a:rPr lang="ko-KR" altLang="en-US" dirty="0"/>
+              <a:t> 직접 클릭하여 들어가면 됨</a:t>
+            </a:r>
+            <a:r>
+              <a:rPr lang="en-US" altLang="ko-KR" dirty="0"/>
+              <a:t>.</a:t>
+            </a:r>
             <a:endParaRPr lang="ko-KR" altLang="en-US" dirty="0"/>
           </a:p>
         </p:txBody>
@@ -3601,7 +3634,7 @@
     </p:spTree>
     <p:extLst>
       <p:ext uri="{BB962C8B-B14F-4D97-AF65-F5344CB8AC3E}">
-        <p14:creationId xmlns:p14="http://schemas.microsoft.com/office/powerpoint/2010/main" val="2034588224"/>
+        <p14:creationId xmlns:p14="http://schemas.microsoft.com/office/powerpoint/2010/main" val="1121768718"/>
       </p:ext>
     </p:extLst>
   </p:cSld>
@@ -3685,7 +3718,7 @@
     </p:spTree>
     <p:extLst>
       <p:ext uri="{BB962C8B-B14F-4D97-AF65-F5344CB8AC3E}">
-        <p14:creationId xmlns:p14="http://schemas.microsoft.com/office/powerpoint/2010/main" val="3343605157"/>
+        <p14:creationId xmlns:p14="http://schemas.microsoft.com/office/powerpoint/2010/main" val="2034588224"/>
       </p:ext>
     </p:extLst>
   </p:cSld>
@@ -3769,7 +3802,7 @@
     </p:spTree>
     <p:extLst>
       <p:ext uri="{BB962C8B-B14F-4D97-AF65-F5344CB8AC3E}">
-        <p14:creationId xmlns:p14="http://schemas.microsoft.com/office/powerpoint/2010/main" val="1425186992"/>
+        <p14:creationId xmlns:p14="http://schemas.microsoft.com/office/powerpoint/2010/main" val="3343605157"/>
       </p:ext>
     </p:extLst>
   </p:cSld>
@@ -3823,88 +3856,6 @@
           <a:bodyPr/>
           <a:lstStyle/>
           <a:p>
-            <a:r>
-              <a:rPr lang="en-US" altLang="ko-KR" dirty="0"/>
-              <a:t>Push</a:t>
-            </a:r>
-            <a:r>
-              <a:rPr lang="ko-KR" altLang="en-US" dirty="0"/>
-              <a:t> </a:t>
-            </a:r>
-            <a:r>
-              <a:rPr lang="en-US" altLang="ko-KR" dirty="0"/>
-              <a:t>-d</a:t>
-            </a:r>
-            <a:r>
-              <a:rPr lang="ko-KR" altLang="en-US" dirty="0"/>
-              <a:t> </a:t>
-            </a:r>
-            <a:r>
-              <a:rPr lang="en-US" altLang="ko-KR" dirty="0"/>
-              <a:t>…</a:t>
-            </a:r>
-            <a:r>
-              <a:rPr lang="ko-KR" altLang="en-US" dirty="0"/>
-              <a:t> </a:t>
-            </a:r>
-            <a:r>
-              <a:rPr lang="en-US" altLang="ko-KR" dirty="0"/>
-              <a:t>branch -d </a:t>
-            </a:r>
-            <a:r>
-              <a:rPr lang="ko-KR" altLang="en-US" dirty="0"/>
-              <a:t>가 아님</a:t>
-            </a:r>
-            <a:r>
-              <a:rPr lang="en-US" altLang="ko-KR" dirty="0"/>
-              <a:t>.</a:t>
-            </a:r>
-          </a:p>
-          <a:p>
-            <a:r>
-              <a:rPr lang="en-US" altLang="ko-KR" dirty="0"/>
-              <a:t>Git pull --prune </a:t>
-            </a:r>
-            <a:r>
-              <a:rPr lang="ko-KR" altLang="en-US" dirty="0"/>
-              <a:t>은 로컬에 상응하는</a:t>
-            </a:r>
-            <a:r>
-              <a:rPr lang="en-US" altLang="ko-KR" dirty="0"/>
-              <a:t>(tracking</a:t>
-            </a:r>
-            <a:r>
-              <a:rPr lang="ko-KR" altLang="en-US" dirty="0"/>
-              <a:t>되는</a:t>
-            </a:r>
-            <a:r>
-              <a:rPr lang="en-US" altLang="ko-KR" dirty="0"/>
-              <a:t>) branch</a:t>
-            </a:r>
-            <a:r>
-              <a:rPr lang="ko-KR" altLang="en-US" dirty="0"/>
-              <a:t>가</a:t>
-            </a:r>
-            <a:r>
-              <a:rPr lang="en-US" altLang="ko-KR" dirty="0"/>
-              <a:t> </a:t>
-            </a:r>
-            <a:r>
-              <a:rPr lang="ko-KR" altLang="en-US" dirty="0"/>
-              <a:t>없으면 원격의 상응하는 </a:t>
-            </a:r>
-            <a:r>
-              <a:rPr lang="en-US" altLang="ko-KR" dirty="0"/>
-              <a:t>branch</a:t>
-            </a:r>
-            <a:r>
-              <a:rPr lang="ko-KR" altLang="en-US" dirty="0"/>
-              <a:t>를 삭제</a:t>
-            </a:r>
-            <a:r>
-              <a:rPr lang="en-US" altLang="ko-KR" dirty="0"/>
-              <a:t>(remotes/origin/develop)</a:t>
-            </a:r>
             <a:endParaRPr lang="ko-KR" altLang="en-US" dirty="0"/>
           </a:p>
         </p:txBody>
@@ -3935,7 +3886,7 @@
     </p:spTree>
     <p:extLst>
       <p:ext uri="{BB962C8B-B14F-4D97-AF65-F5344CB8AC3E}">
-        <p14:creationId xmlns:p14="http://schemas.microsoft.com/office/powerpoint/2010/main" val="2586362448"/>
+        <p14:creationId xmlns:p14="http://schemas.microsoft.com/office/powerpoint/2010/main" val="1425186992"/>
       </p:ext>
     </p:extLst>
   </p:cSld>
@@ -3990,12 +3941,86 @@
           <a:lstStyle/>
           <a:p>
             <a:r>
+              <a:rPr lang="en-US" altLang="ko-KR" dirty="0"/>
+              <a:t>Push</a:t>
+            </a:r>
+            <a:r>
               <a:rPr lang="ko-KR" altLang="en-US" dirty="0"/>
-              <a:t>참조 </a:t>
+              <a:t> </a:t>
             </a:r>
             <a:r>
               <a:rPr lang="en-US" altLang="ko-KR" dirty="0"/>
-              <a:t>: https://opensource.com/article/19/7/create-pull-request-github</a:t>
+              <a:t>-d</a:t>
+            </a:r>
+            <a:r>
+              <a:rPr lang="ko-KR" altLang="en-US" dirty="0"/>
+              <a:t> </a:t>
+            </a:r>
+            <a:r>
+              <a:rPr lang="en-US" altLang="ko-KR" dirty="0"/>
+              <a:t>…</a:t>
+            </a:r>
+            <a:r>
+              <a:rPr lang="ko-KR" altLang="en-US" dirty="0"/>
+              <a:t> </a:t>
+            </a:r>
+            <a:r>
+              <a:rPr lang="en-US" altLang="ko-KR" dirty="0"/>
+              <a:t>branch -d </a:t>
+            </a:r>
+            <a:r>
+              <a:rPr lang="ko-KR" altLang="en-US" dirty="0"/>
+              <a:t>가 아님</a:t>
+            </a:r>
+            <a:r>
+              <a:rPr lang="en-US" altLang="ko-KR" dirty="0"/>
+              <a:t>.</a:t>
+            </a:r>
+          </a:p>
+          <a:p>
+            <a:r>
+              <a:rPr lang="en-US" altLang="ko-KR" dirty="0"/>
+              <a:t>Git pull --prune </a:t>
+            </a:r>
+            <a:r>
+              <a:rPr lang="ko-KR" altLang="en-US" dirty="0"/>
+              <a:t>은 로컬에 상응하는</a:t>
+            </a:r>
+            <a:r>
+              <a:rPr lang="en-US" altLang="ko-KR" dirty="0"/>
+              <a:t>(tracking</a:t>
+            </a:r>
+            <a:r>
+              <a:rPr lang="ko-KR" altLang="en-US" dirty="0"/>
+              <a:t>되는</a:t>
+            </a:r>
+            <a:r>
+              <a:rPr lang="en-US" altLang="ko-KR" dirty="0"/>
+              <a:t>) branch</a:t>
+            </a:r>
+            <a:r>
+              <a:rPr lang="ko-KR" altLang="en-US" dirty="0"/>
+              <a:t>가</a:t>
+            </a:r>
+            <a:r>
+              <a:rPr lang="en-US" altLang="ko-KR" dirty="0"/>
+              <a:t> </a:t>
+            </a:r>
+            <a:r>
+              <a:rPr lang="ko-KR" altLang="en-US" dirty="0"/>
+              <a:t>없으면 원격의 상응하는 </a:t>
+            </a:r>
+            <a:r>
+              <a:rPr lang="en-US" altLang="ko-KR" dirty="0"/>
+              <a:t>branch</a:t>
+            </a:r>
+            <a:r>
+              <a:rPr lang="ko-KR" altLang="en-US" dirty="0"/>
+              <a:t>를 삭제</a:t>
+            </a:r>
+            <a:r>
+              <a:rPr lang="en-US" altLang="ko-KR" dirty="0"/>
+              <a:t>(remotes/origin/develop)</a:t>
             </a:r>
             <a:endParaRPr lang="ko-KR" altLang="en-US" dirty="0"/>
           </a:p>
@@ -4027,7 +4052,7 @@
     </p:spTree>
     <p:extLst>
       <p:ext uri="{BB962C8B-B14F-4D97-AF65-F5344CB8AC3E}">
-        <p14:creationId xmlns:p14="http://schemas.microsoft.com/office/powerpoint/2010/main" val="3921415717"/>
+        <p14:creationId xmlns:p14="http://schemas.microsoft.com/office/powerpoint/2010/main" val="2586362448"/>
       </p:ext>
     </p:extLst>
   </p:cSld>
@@ -4081,6 +4106,14 @@
           <a:bodyPr/>
           <a:lstStyle/>
           <a:p>
+            <a:r>
+              <a:rPr lang="ko-KR" altLang="en-US" dirty="0"/>
+              <a:t>참조 </a:t>
+            </a:r>
+            <a:r>
+              <a:rPr lang="en-US" altLang="ko-KR" dirty="0"/>
+              <a:t>: https://opensource.com/article/19/7/create-pull-request-github</a:t>
+            </a:r>
             <a:endParaRPr lang="ko-KR" altLang="en-US" dirty="0"/>
           </a:p>
         </p:txBody>
@@ -4111,7 +4144,7 @@
     </p:spTree>
     <p:extLst>
       <p:ext uri="{BB962C8B-B14F-4D97-AF65-F5344CB8AC3E}">
-        <p14:creationId xmlns:p14="http://schemas.microsoft.com/office/powerpoint/2010/main" val="643792404"/>
+        <p14:creationId xmlns:p14="http://schemas.microsoft.com/office/powerpoint/2010/main" val="3921415717"/>
       </p:ext>
     </p:extLst>
   </p:cSld>
@@ -4187,6 +4220,90 @@
             <a:fld id="{625D4AC4-540A-4436-887D-BF6A8FCF1275}" type="slidenum">
               <a:rPr lang="ko-KR" altLang="en-US" smtClean="0"/>
               <a:t>38</a:t>
+            </a:fld>
+            <a:endParaRPr lang="ko-KR" altLang="en-US"/>
+          </a:p>
+        </p:txBody>
+      </p:sp>
+    </p:spTree>
+    <p:extLst>
+      <p:ext uri="{BB962C8B-B14F-4D97-AF65-F5344CB8AC3E}">
+        <p14:creationId xmlns:p14="http://schemas.microsoft.com/office/powerpoint/2010/main" val="643792404"/>
+      </p:ext>
+    </p:extLst>
+  </p:cSld>
+  <p:clrMapOvr>
+    <a:masterClrMapping/>
+  </p:clrMapOvr>
+</p:notes>
+</file>
+
+<file path=ppt/notesSlides/notesSlide38.xml><?xml version="1.0" encoding="utf-8"?>
+<p:notes xmlns:a="http://schemas.openxmlformats.org/drawingml/2006/main" xmlns:r="http://schemas.openxmlformats.org/officeDocument/2006/relationships" xmlns:p="http://schemas.openxmlformats.org/presentationml/2006/main">
+  <p:cSld>
+    <p:spTree>
+      <p:nvGrpSpPr>
+        <p:cNvPr id="1" name=""/>
+        <p:cNvGrpSpPr/>
+        <p:nvPr/>
+      </p:nvGrpSpPr>
+      <p:grpSpPr>
+        <a:xfrm>
+          <a:off x="0" y="0"/>
+          <a:ext cx="0" cy="0"/>
+          <a:chOff x="0" y="0"/>
+          <a:chExt cx="0" cy="0"/>
+        </a:xfrm>
+      </p:grpSpPr>
+      <p:sp>
+        <p:nvSpPr>
+          <p:cNvPr id="2" name="슬라이드 이미지 개체 틀 1"/>
+          <p:cNvSpPr>
+            <a:spLocks noGrp="1" noRot="1" noChangeAspect="1"/>
+          </p:cNvSpPr>
+          <p:nvPr>
+            <p:ph type="sldImg"/>
+          </p:nvPr>
+        </p:nvSpPr>
+        <p:spPr/>
+      </p:sp>
+      <p:sp>
+        <p:nvSpPr>
+          <p:cNvPr id="3" name="슬라이드 노트 개체 틀 2"/>
+          <p:cNvSpPr>
+            <a:spLocks noGrp="1"/>
+          </p:cNvSpPr>
+          <p:nvPr>
+            <p:ph type="body" idx="1"/>
+          </p:nvPr>
+        </p:nvSpPr>
+        <p:spPr/>
+        <p:txBody>
+          <a:bodyPr/>
+          <a:lstStyle/>
+          <a:p>
+            <a:endParaRPr lang="ko-KR" altLang="en-US" dirty="0"/>
+          </a:p>
+        </p:txBody>
+      </p:sp>
+      <p:sp>
+        <p:nvSpPr>
+          <p:cNvPr id="4" name="슬라이드 번호 개체 틀 3"/>
+          <p:cNvSpPr>
+            <a:spLocks noGrp="1"/>
+          </p:cNvSpPr>
+          <p:nvPr>
+            <p:ph type="sldNum" sz="quarter" idx="10"/>
+          </p:nvPr>
+        </p:nvSpPr>
+        <p:spPr/>
+        <p:txBody>
+          <a:bodyPr/>
+          <a:lstStyle/>
+          <a:p>
+            <a:fld id="{625D4AC4-540A-4436-887D-BF6A8FCF1275}" type="slidenum">
+              <a:rPr lang="ko-KR" altLang="en-US" smtClean="0"/>
+              <a:t>39</a:t>
             </a:fld>
             <a:endParaRPr lang="ko-KR" altLang="en-US"/>
           </a:p>
@@ -5178,7 +5295,7 @@
             </a:fld>
             <a:r>
               <a:rPr lang="en-US" altLang="ko-KR" dirty="0"/>
-              <a:t>/36</a:t>
+              <a:t>/37</a:t>
             </a:r>
             <a:endParaRPr lang="ko-KR" altLang="en-US" dirty="0"/>
           </a:p>
@@ -5996,6 +6113,35 @@
           </a:prstGeom>
         </p:spPr>
       </p:pic>
+      <p:sp>
+        <p:nvSpPr>
+          <p:cNvPr id="3" name="슬라이드 번호 개체 틀 2">
+            <a:extLst>
+              <a:ext uri="{FF2B5EF4-FFF2-40B4-BE49-F238E27FC236}">
+                <a16:creationId xmlns:a16="http://schemas.microsoft.com/office/drawing/2014/main" id="{83E4B72E-4D29-4CE6-AF8F-EDDAC244751B}"/>
+              </a:ext>
+            </a:extLst>
+          </p:cNvPr>
+          <p:cNvSpPr>
+            <a:spLocks noGrp="1"/>
+          </p:cNvSpPr>
+          <p:nvPr>
+            <p:ph type="sldNum" sz="quarter" idx="12"/>
+          </p:nvPr>
+        </p:nvSpPr>
+        <p:spPr/>
+        <p:txBody>
+          <a:bodyPr/>
+          <a:lstStyle/>
+          <a:p>
+            <a:fld id="{526ADF51-C4A2-4521-899C-87F34FDB9C0A}" type="slidenum">
+              <a:rPr lang="ko-KR" altLang="en-US" smtClean="0"/>
+              <a:t>1</a:t>
+            </a:fld>
+            <a:endParaRPr lang="ko-KR" altLang="en-US"/>
+          </a:p>
+        </p:txBody>
+      </p:sp>
     </p:spTree>
     <p:extLst>
       <p:ext uri="{BB962C8B-B14F-4D97-AF65-F5344CB8AC3E}">
@@ -6559,10 +6705,10 @@
       </p:sp>
       <p:sp>
         <p:nvSpPr>
-          <p:cNvPr id="6" name="슬라이드 번호 개체 틀 5">
+          <p:cNvPr id="2" name="슬라이드 번호 개체 틀 1">
             <a:extLst>
               <a:ext uri="{FF2B5EF4-FFF2-40B4-BE49-F238E27FC236}">
-                <a16:creationId xmlns:a16="http://schemas.microsoft.com/office/drawing/2014/main" id="{90E81C5F-57DC-4BA3-99C2-8673C20AA0A4}"/>
+                <a16:creationId xmlns:a16="http://schemas.microsoft.com/office/drawing/2014/main" id="{4A0A79F1-8057-495A-ADEE-17835BEE1947}"/>
               </a:ext>
             </a:extLst>
           </p:cNvPr>
@@ -6585,7 +6731,7 @@
             </a:fld>
             <a:r>
               <a:rPr lang="en-US" altLang="ko-KR"/>
-              <a:t>/36</a:t>
+              <a:t>/37</a:t>
             </a:r>
             <a:endParaRPr lang="ko-KR" altLang="en-US" dirty="0"/>
           </a:p>
@@ -7313,10 +7459,10 @@
       </p:sp>
       <p:sp>
         <p:nvSpPr>
-          <p:cNvPr id="6" name="슬라이드 번호 개체 틀 5">
+          <p:cNvPr id="2" name="슬라이드 번호 개체 틀 1">
             <a:extLst>
               <a:ext uri="{FF2B5EF4-FFF2-40B4-BE49-F238E27FC236}">
-                <a16:creationId xmlns:a16="http://schemas.microsoft.com/office/drawing/2014/main" id="{FBF4FCC1-E7FC-42F0-811B-375D6327071B}"/>
+                <a16:creationId xmlns:a16="http://schemas.microsoft.com/office/drawing/2014/main" id="{A46A51C1-E361-45A5-A8C5-5ABC6FA99C20}"/>
               </a:ext>
             </a:extLst>
           </p:cNvPr>
@@ -7339,7 +7485,7 @@
             </a:fld>
             <a:r>
               <a:rPr lang="en-US" altLang="ko-KR"/>
-              <a:t>/36</a:t>
+              <a:t>/37</a:t>
             </a:r>
             <a:endParaRPr lang="ko-KR" altLang="en-US" dirty="0"/>
           </a:p>
@@ -7794,10 +7940,10 @@
       </p:pic>
       <p:sp>
         <p:nvSpPr>
-          <p:cNvPr id="6" name="슬라이드 번호 개체 틀 5">
+          <p:cNvPr id="2" name="슬라이드 번호 개체 틀 1">
             <a:extLst>
               <a:ext uri="{FF2B5EF4-FFF2-40B4-BE49-F238E27FC236}">
-                <a16:creationId xmlns:a16="http://schemas.microsoft.com/office/drawing/2014/main" id="{017D4DFB-EBC0-49DA-91CD-14B0FC03988E}"/>
+                <a16:creationId xmlns:a16="http://schemas.microsoft.com/office/drawing/2014/main" id="{F55E5D84-A9D8-47F9-AAE7-C7D0DA1129DC}"/>
               </a:ext>
             </a:extLst>
           </p:cNvPr>
@@ -7820,7 +7966,7 @@
             </a:fld>
             <a:r>
               <a:rPr lang="en-US" altLang="ko-KR"/>
-              <a:t>/36</a:t>
+              <a:t>/37</a:t>
             </a:r>
             <a:endParaRPr lang="ko-KR" altLang="en-US" dirty="0"/>
           </a:p>
@@ -8531,10 +8677,10 @@
       </p:pic>
       <p:sp>
         <p:nvSpPr>
-          <p:cNvPr id="6" name="슬라이드 번호 개체 틀 5">
+          <p:cNvPr id="2" name="슬라이드 번호 개체 틀 1">
             <a:extLst>
               <a:ext uri="{FF2B5EF4-FFF2-40B4-BE49-F238E27FC236}">
-                <a16:creationId xmlns:a16="http://schemas.microsoft.com/office/drawing/2014/main" id="{82FCB4C4-5E5F-4A63-9319-1A03C231C9C1}"/>
+                <a16:creationId xmlns:a16="http://schemas.microsoft.com/office/drawing/2014/main" id="{9299D008-5ACC-4FE0-BB98-91ED60C0EBFD}"/>
               </a:ext>
             </a:extLst>
           </p:cNvPr>
@@ -8557,7 +8703,7 @@
             </a:fld>
             <a:r>
               <a:rPr lang="en-US" altLang="ko-KR"/>
-              <a:t>/36</a:t>
+              <a:t>/37</a:t>
             </a:r>
             <a:endParaRPr lang="ko-KR" altLang="en-US" dirty="0"/>
           </a:p>
@@ -8795,19 +8941,7 @@
               <a:rPr lang="en-US" altLang="ko-KR" dirty="0">
                 <a:latin typeface="+mn-ea"/>
               </a:rPr>
-              <a:t>  ☞ </a:t>
-            </a:r>
-            <a:r>
-              <a:rPr lang="en-US" altLang="ko-KR" dirty="0" err="1">
-                <a:latin typeface="+mn-ea"/>
-              </a:rPr>
-              <a:t>git</a:t>
-            </a:r>
-            <a:r>
-              <a:rPr lang="en-US" altLang="ko-KR" dirty="0">
-                <a:latin typeface="+mn-ea"/>
-              </a:rPr>
-              <a:t> remote –v # </a:t>
+              <a:t>  ☞ git remote -v # </a:t>
             </a:r>
             <a:r>
               <a:rPr lang="ko-KR" altLang="en-US" dirty="0" err="1">
@@ -9152,10 +9286,10 @@
       </p:pic>
       <p:sp>
         <p:nvSpPr>
-          <p:cNvPr id="5" name="슬라이드 번호 개체 틀 4">
+          <p:cNvPr id="2" name="슬라이드 번호 개체 틀 1">
             <a:extLst>
               <a:ext uri="{FF2B5EF4-FFF2-40B4-BE49-F238E27FC236}">
-                <a16:creationId xmlns:a16="http://schemas.microsoft.com/office/drawing/2014/main" id="{3102BEE7-82F5-4224-8C25-6DCB2802B117}"/>
+                <a16:creationId xmlns:a16="http://schemas.microsoft.com/office/drawing/2014/main" id="{11D3B637-7CC9-4E61-B106-44A0F4D40B12}"/>
               </a:ext>
             </a:extLst>
           </p:cNvPr>
@@ -9178,7 +9312,7 @@
             </a:fld>
             <a:r>
               <a:rPr lang="en-US" altLang="ko-KR"/>
-              <a:t>/36</a:t>
+              <a:t>/37</a:t>
             </a:r>
             <a:endParaRPr lang="ko-KR" altLang="en-US" dirty="0"/>
           </a:p>
@@ -9727,10 +9861,10 @@
       </p:sp>
       <p:sp>
         <p:nvSpPr>
-          <p:cNvPr id="5" name="슬라이드 번호 개체 틀 4">
+          <p:cNvPr id="2" name="슬라이드 번호 개체 틀 1">
             <a:extLst>
               <a:ext uri="{FF2B5EF4-FFF2-40B4-BE49-F238E27FC236}">
-                <a16:creationId xmlns:a16="http://schemas.microsoft.com/office/drawing/2014/main" id="{B1143AB7-292C-4833-A328-C7DCDF1E61C3}"/>
+                <a16:creationId xmlns:a16="http://schemas.microsoft.com/office/drawing/2014/main" id="{7ED0686A-BDBF-4808-B23A-6C3D09971FAC}"/>
               </a:ext>
             </a:extLst>
           </p:cNvPr>
@@ -9753,7 +9887,7 @@
             </a:fld>
             <a:r>
               <a:rPr lang="en-US" altLang="ko-KR"/>
-              <a:t>/36</a:t>
+              <a:t>/37</a:t>
             </a:r>
             <a:endParaRPr lang="ko-KR" altLang="en-US" dirty="0"/>
           </a:p>
@@ -10458,10 +10592,10 @@
       </p:sp>
       <p:sp>
         <p:nvSpPr>
-          <p:cNvPr id="6" name="슬라이드 번호 개체 틀 5">
+          <p:cNvPr id="2" name="슬라이드 번호 개체 틀 1">
             <a:extLst>
               <a:ext uri="{FF2B5EF4-FFF2-40B4-BE49-F238E27FC236}">
-                <a16:creationId xmlns:a16="http://schemas.microsoft.com/office/drawing/2014/main" id="{575AE944-67C2-4B68-838F-1AE005588B45}"/>
+                <a16:creationId xmlns:a16="http://schemas.microsoft.com/office/drawing/2014/main" id="{340A8F6F-BFB7-46BF-8062-0ACBD43DFF28}"/>
               </a:ext>
             </a:extLst>
           </p:cNvPr>
@@ -10484,7 +10618,7 @@
             </a:fld>
             <a:r>
               <a:rPr lang="en-US" altLang="ko-KR"/>
-              <a:t>/36</a:t>
+              <a:t>/37</a:t>
             </a:r>
             <a:endParaRPr lang="ko-KR" altLang="en-US" dirty="0"/>
           </a:p>
@@ -11015,10 +11149,10 @@
       </p:sp>
       <p:sp>
         <p:nvSpPr>
-          <p:cNvPr id="5" name="슬라이드 번호 개체 틀 4">
+          <p:cNvPr id="2" name="슬라이드 번호 개체 틀 1">
             <a:extLst>
               <a:ext uri="{FF2B5EF4-FFF2-40B4-BE49-F238E27FC236}">
-                <a16:creationId xmlns:a16="http://schemas.microsoft.com/office/drawing/2014/main" id="{7E22ADE6-83A7-41DA-94AC-33B569DE2AA9}"/>
+                <a16:creationId xmlns:a16="http://schemas.microsoft.com/office/drawing/2014/main" id="{D846C426-393B-4251-84D7-5BFE7D7D3A21}"/>
               </a:ext>
             </a:extLst>
           </p:cNvPr>
@@ -11041,7 +11175,7 @@
             </a:fld>
             <a:r>
               <a:rPr lang="en-US" altLang="ko-KR"/>
-              <a:t>/36</a:t>
+              <a:t>/37</a:t>
             </a:r>
             <a:endParaRPr lang="ko-KR" altLang="en-US" dirty="0"/>
           </a:p>
@@ -12009,10 +12143,10 @@
       </p:cxnSp>
       <p:sp>
         <p:nvSpPr>
-          <p:cNvPr id="6" name="슬라이드 번호 개체 틀 5">
+          <p:cNvPr id="2" name="슬라이드 번호 개체 틀 1">
             <a:extLst>
               <a:ext uri="{FF2B5EF4-FFF2-40B4-BE49-F238E27FC236}">
-                <a16:creationId xmlns:a16="http://schemas.microsoft.com/office/drawing/2014/main" id="{9860A94C-955A-47A7-9A66-6D6444AA5F0E}"/>
+                <a16:creationId xmlns:a16="http://schemas.microsoft.com/office/drawing/2014/main" id="{B47CF7B8-682A-4C42-A40D-897E0C51D46F}"/>
               </a:ext>
             </a:extLst>
           </p:cNvPr>
@@ -12035,7 +12169,7 @@
             </a:fld>
             <a:r>
               <a:rPr lang="en-US" altLang="ko-KR"/>
-              <a:t>/36</a:t>
+              <a:t>/37</a:t>
             </a:r>
             <a:endParaRPr lang="ko-KR" altLang="en-US" dirty="0"/>
           </a:p>
@@ -12794,10 +12928,10 @@
       </p:sp>
       <p:sp>
         <p:nvSpPr>
-          <p:cNvPr id="6" name="슬라이드 번호 개체 틀 5">
+          <p:cNvPr id="2" name="슬라이드 번호 개체 틀 1">
             <a:extLst>
               <a:ext uri="{FF2B5EF4-FFF2-40B4-BE49-F238E27FC236}">
-                <a16:creationId xmlns:a16="http://schemas.microsoft.com/office/drawing/2014/main" id="{D1F12D43-9F64-45A0-8D30-556E7B84CC73}"/>
+                <a16:creationId xmlns:a16="http://schemas.microsoft.com/office/drawing/2014/main" id="{95A75B36-CA7A-4FAB-B94C-AB0A995AF2D6}"/>
               </a:ext>
             </a:extLst>
           </p:cNvPr>
@@ -12820,7 +12954,7 @@
             </a:fld>
             <a:r>
               <a:rPr lang="en-US" altLang="ko-KR"/>
-              <a:t>/36</a:t>
+              <a:t>/37</a:t>
             </a:r>
             <a:endParaRPr lang="ko-KR" altLang="en-US" dirty="0"/>
           </a:p>
@@ -14267,10 +14401,10 @@
       </p:sp>
       <p:sp>
         <p:nvSpPr>
-          <p:cNvPr id="12" name="슬라이드 번호 개체 틀 11">
+          <p:cNvPr id="3" name="슬라이드 번호 개체 틀 2">
             <a:extLst>
               <a:ext uri="{FF2B5EF4-FFF2-40B4-BE49-F238E27FC236}">
-                <a16:creationId xmlns:a16="http://schemas.microsoft.com/office/drawing/2014/main" id="{40E2DCF1-65A2-47E8-919B-8AF28FDCC161}"/>
+                <a16:creationId xmlns:a16="http://schemas.microsoft.com/office/drawing/2014/main" id="{41A06F4B-7F0C-4A75-9455-C08C2A9B06D5}"/>
               </a:ext>
             </a:extLst>
           </p:cNvPr>
@@ -14293,7 +14427,7 @@
             </a:fld>
             <a:r>
               <a:rPr lang="en-US" altLang="ko-KR"/>
-              <a:t>/36</a:t>
+              <a:t>/37</a:t>
             </a:r>
             <a:endParaRPr lang="ko-KR" altLang="en-US" dirty="0"/>
           </a:p>
@@ -14746,10 +14880,10 @@
       </p:sp>
       <p:sp>
         <p:nvSpPr>
-          <p:cNvPr id="6" name="슬라이드 번호 개체 틀 5">
+          <p:cNvPr id="2" name="슬라이드 번호 개체 틀 1">
             <a:extLst>
               <a:ext uri="{FF2B5EF4-FFF2-40B4-BE49-F238E27FC236}">
-                <a16:creationId xmlns:a16="http://schemas.microsoft.com/office/drawing/2014/main" id="{785DBC3B-E420-4F42-9130-F80CAF570459}"/>
+                <a16:creationId xmlns:a16="http://schemas.microsoft.com/office/drawing/2014/main" id="{895E8A7C-16E9-4E27-B352-40D3ADDBD128}"/>
               </a:ext>
             </a:extLst>
           </p:cNvPr>
@@ -14772,7 +14906,7 @@
             </a:fld>
             <a:r>
               <a:rPr lang="en-US" altLang="ko-KR"/>
-              <a:t>/36</a:t>
+              <a:t>/37</a:t>
             </a:r>
             <a:endParaRPr lang="ko-KR" altLang="en-US" dirty="0"/>
           </a:p>
@@ -15429,10 +15563,10 @@
       </p:sp>
       <p:sp>
         <p:nvSpPr>
-          <p:cNvPr id="6" name="슬라이드 번호 개체 틀 5">
+          <p:cNvPr id="2" name="슬라이드 번호 개체 틀 1">
             <a:extLst>
               <a:ext uri="{FF2B5EF4-FFF2-40B4-BE49-F238E27FC236}">
-                <a16:creationId xmlns:a16="http://schemas.microsoft.com/office/drawing/2014/main" id="{5650DC5A-1FFB-4470-9018-21DE72E9B5EA}"/>
+                <a16:creationId xmlns:a16="http://schemas.microsoft.com/office/drawing/2014/main" id="{6458A003-4798-4073-9DB2-A8F3897D76AF}"/>
               </a:ext>
             </a:extLst>
           </p:cNvPr>
@@ -15455,7 +15589,7 @@
             </a:fld>
             <a:r>
               <a:rPr lang="en-US" altLang="ko-KR"/>
-              <a:t>/36</a:t>
+              <a:t>/37</a:t>
             </a:r>
             <a:endParaRPr lang="ko-KR" altLang="en-US" dirty="0"/>
           </a:p>
@@ -16028,10 +16162,10 @@
       </p:cxnSp>
       <p:sp>
         <p:nvSpPr>
-          <p:cNvPr id="6" name="슬라이드 번호 개체 틀 5">
+          <p:cNvPr id="2" name="슬라이드 번호 개체 틀 1">
             <a:extLst>
               <a:ext uri="{FF2B5EF4-FFF2-40B4-BE49-F238E27FC236}">
-                <a16:creationId xmlns:a16="http://schemas.microsoft.com/office/drawing/2014/main" id="{0B0BDD86-13D1-4485-A3BD-9775BE8AD598}"/>
+                <a16:creationId xmlns:a16="http://schemas.microsoft.com/office/drawing/2014/main" id="{AFF2121D-B823-4BF7-B274-990B81A0A5FE}"/>
               </a:ext>
             </a:extLst>
           </p:cNvPr>
@@ -16054,7 +16188,7 @@
             </a:fld>
             <a:r>
               <a:rPr lang="en-US" altLang="ko-KR"/>
-              <a:t>/36</a:t>
+              <a:t>/37</a:t>
             </a:r>
             <a:endParaRPr lang="ko-KR" altLang="en-US" dirty="0"/>
           </a:p>
@@ -16686,10 +16820,10 @@
       </p:sp>
       <p:sp>
         <p:nvSpPr>
-          <p:cNvPr id="9" name="슬라이드 번호 개체 틀 8">
+          <p:cNvPr id="3" name="슬라이드 번호 개체 틀 2">
             <a:extLst>
               <a:ext uri="{FF2B5EF4-FFF2-40B4-BE49-F238E27FC236}">
-                <a16:creationId xmlns:a16="http://schemas.microsoft.com/office/drawing/2014/main" id="{A198FCB6-146F-40B0-947D-F4CF078E2D6A}"/>
+                <a16:creationId xmlns:a16="http://schemas.microsoft.com/office/drawing/2014/main" id="{C838D955-6559-4520-ADCA-E7BF1AF259B0}"/>
               </a:ext>
             </a:extLst>
           </p:cNvPr>
@@ -16712,7 +16846,7 @@
             </a:fld>
             <a:r>
               <a:rPr lang="en-US" altLang="ko-KR"/>
-              <a:t>/36</a:t>
+              <a:t>/37</a:t>
             </a:r>
             <a:endParaRPr lang="ko-KR" altLang="en-US" dirty="0"/>
           </a:p>
@@ -17308,10 +17442,10 @@
       </p:sp>
       <p:sp>
         <p:nvSpPr>
-          <p:cNvPr id="6" name="슬라이드 번호 개체 틀 5">
+          <p:cNvPr id="2" name="슬라이드 번호 개체 틀 1">
             <a:extLst>
               <a:ext uri="{FF2B5EF4-FFF2-40B4-BE49-F238E27FC236}">
-                <a16:creationId xmlns:a16="http://schemas.microsoft.com/office/drawing/2014/main" id="{0478BEE3-0B9B-4966-8DB8-6F7577EC499B}"/>
+                <a16:creationId xmlns:a16="http://schemas.microsoft.com/office/drawing/2014/main" id="{2A752CB4-320A-490D-9AD4-D76D3E86332E}"/>
               </a:ext>
             </a:extLst>
           </p:cNvPr>
@@ -17334,7 +17468,7 @@
             </a:fld>
             <a:r>
               <a:rPr lang="en-US" altLang="ko-KR"/>
-              <a:t>/36</a:t>
+              <a:t>/37</a:t>
             </a:r>
             <a:endParaRPr lang="ko-KR" altLang="en-US" dirty="0"/>
           </a:p>
@@ -17970,10 +18104,10 @@
       </p:cxnSp>
       <p:sp>
         <p:nvSpPr>
-          <p:cNvPr id="6" name="슬라이드 번호 개체 틀 5">
+          <p:cNvPr id="2" name="슬라이드 번호 개체 틀 1">
             <a:extLst>
               <a:ext uri="{FF2B5EF4-FFF2-40B4-BE49-F238E27FC236}">
-                <a16:creationId xmlns:a16="http://schemas.microsoft.com/office/drawing/2014/main" id="{60FD0D35-C2D5-4692-AE3A-44DF66A1DF06}"/>
+                <a16:creationId xmlns:a16="http://schemas.microsoft.com/office/drawing/2014/main" id="{E85B08B8-4187-4896-A90B-32C7B4941092}"/>
               </a:ext>
             </a:extLst>
           </p:cNvPr>
@@ -17996,7 +18130,7 @@
             </a:fld>
             <a:r>
               <a:rPr lang="en-US" altLang="ko-KR"/>
-              <a:t>/36</a:t>
+              <a:t>/37</a:t>
             </a:r>
             <a:endParaRPr lang="ko-KR" altLang="en-US" dirty="0"/>
           </a:p>
@@ -18720,10 +18854,10 @@
       </p:sp>
       <p:sp>
         <p:nvSpPr>
-          <p:cNvPr id="6" name="슬라이드 번호 개체 틀 5">
+          <p:cNvPr id="2" name="슬라이드 번호 개체 틀 1">
             <a:extLst>
               <a:ext uri="{FF2B5EF4-FFF2-40B4-BE49-F238E27FC236}">
-                <a16:creationId xmlns:a16="http://schemas.microsoft.com/office/drawing/2014/main" id="{C23BCC6E-C4A7-47F2-80D1-FA9E8160FAFE}"/>
+                <a16:creationId xmlns:a16="http://schemas.microsoft.com/office/drawing/2014/main" id="{61D6EEFA-1231-44D4-AEA0-08119D16E236}"/>
               </a:ext>
             </a:extLst>
           </p:cNvPr>
@@ -18746,7 +18880,7 @@
             </a:fld>
             <a:r>
               <a:rPr lang="en-US" altLang="ko-KR"/>
-              <a:t>/36</a:t>
+              <a:t>/37</a:t>
             </a:r>
             <a:endParaRPr lang="ko-KR" altLang="en-US" dirty="0"/>
           </a:p>
@@ -19257,10 +19391,10 @@
       </p:sp>
       <p:sp>
         <p:nvSpPr>
-          <p:cNvPr id="6" name="슬라이드 번호 개체 틀 5">
+          <p:cNvPr id="2" name="슬라이드 번호 개체 틀 1">
             <a:extLst>
               <a:ext uri="{FF2B5EF4-FFF2-40B4-BE49-F238E27FC236}">
-                <a16:creationId xmlns:a16="http://schemas.microsoft.com/office/drawing/2014/main" id="{72F31F8A-DBAF-41D0-9CE5-9095284BC342}"/>
+                <a16:creationId xmlns:a16="http://schemas.microsoft.com/office/drawing/2014/main" id="{D7B17CDB-27F7-4783-8178-F76B84EF3732}"/>
               </a:ext>
             </a:extLst>
           </p:cNvPr>
@@ -19283,7 +19417,7 @@
             </a:fld>
             <a:r>
               <a:rPr lang="en-US" altLang="ko-KR"/>
-              <a:t>/36</a:t>
+              <a:t>/37</a:t>
             </a:r>
             <a:endParaRPr lang="ko-KR" altLang="en-US" dirty="0"/>
           </a:p>
@@ -19963,10 +20097,10 @@
       </p:sp>
       <p:sp>
         <p:nvSpPr>
-          <p:cNvPr id="6" name="슬라이드 번호 개체 틀 5">
+          <p:cNvPr id="2" name="슬라이드 번호 개체 틀 1">
             <a:extLst>
               <a:ext uri="{FF2B5EF4-FFF2-40B4-BE49-F238E27FC236}">
-                <a16:creationId xmlns:a16="http://schemas.microsoft.com/office/drawing/2014/main" id="{1DFA25FF-85BA-4919-BE56-B2CED3C707F2}"/>
+                <a16:creationId xmlns:a16="http://schemas.microsoft.com/office/drawing/2014/main" id="{CA0B4A5F-955D-45F3-A2D5-5AA651C8F7D5}"/>
               </a:ext>
             </a:extLst>
           </p:cNvPr>
@@ -19989,7 +20123,7 @@
             </a:fld>
             <a:r>
               <a:rPr lang="en-US" altLang="ko-KR"/>
-              <a:t>/36</a:t>
+              <a:t>/37</a:t>
             </a:r>
             <a:endParaRPr lang="ko-KR" altLang="en-US" dirty="0"/>
           </a:p>
@@ -20496,10 +20630,10 @@
       </p:sp>
       <p:sp>
         <p:nvSpPr>
-          <p:cNvPr id="6" name="슬라이드 번호 개체 틀 5">
+          <p:cNvPr id="2" name="슬라이드 번호 개체 틀 1">
             <a:extLst>
               <a:ext uri="{FF2B5EF4-FFF2-40B4-BE49-F238E27FC236}">
-                <a16:creationId xmlns:a16="http://schemas.microsoft.com/office/drawing/2014/main" id="{55B23750-657E-4B4D-9E4E-FFFBAA6D39B5}"/>
+                <a16:creationId xmlns:a16="http://schemas.microsoft.com/office/drawing/2014/main" id="{ABC9A3B2-18B7-42DF-A732-D7B8BEDE9626}"/>
               </a:ext>
             </a:extLst>
           </p:cNvPr>
@@ -20522,7 +20656,7 @@
             </a:fld>
             <a:r>
               <a:rPr lang="en-US" altLang="ko-KR"/>
-              <a:t>/36</a:t>
+              <a:t>/37</a:t>
             </a:r>
             <a:endParaRPr lang="ko-KR" altLang="en-US" dirty="0"/>
           </a:p>
@@ -21414,10 +21548,10 @@
       </p:sp>
       <p:sp>
         <p:nvSpPr>
-          <p:cNvPr id="5" name="슬라이드 번호 개체 틀 4">
+          <p:cNvPr id="2" name="슬라이드 번호 개체 틀 1">
             <a:extLst>
               <a:ext uri="{FF2B5EF4-FFF2-40B4-BE49-F238E27FC236}">
-                <a16:creationId xmlns:a16="http://schemas.microsoft.com/office/drawing/2014/main" id="{7C4CC519-0EAD-4336-9482-237E1061C26E}"/>
+                <a16:creationId xmlns:a16="http://schemas.microsoft.com/office/drawing/2014/main" id="{1EA74600-A587-435C-B187-9863EB36935E}"/>
               </a:ext>
             </a:extLst>
           </p:cNvPr>
@@ -21440,7 +21574,7 @@
             </a:fld>
             <a:r>
               <a:rPr lang="en-US" altLang="ko-KR"/>
-              <a:t>/36</a:t>
+              <a:t>/37</a:t>
             </a:r>
             <a:endParaRPr lang="ko-KR" altLang="en-US" dirty="0"/>
           </a:p>
@@ -21865,10 +21999,10 @@
       </p:sp>
       <p:sp>
         <p:nvSpPr>
-          <p:cNvPr id="6" name="슬라이드 번호 개체 틀 5">
+          <p:cNvPr id="2" name="슬라이드 번호 개체 틀 1">
             <a:extLst>
               <a:ext uri="{FF2B5EF4-FFF2-40B4-BE49-F238E27FC236}">
-                <a16:creationId xmlns:a16="http://schemas.microsoft.com/office/drawing/2014/main" id="{EE3D9C68-E42B-426C-B747-AA5427259B6B}"/>
+                <a16:creationId xmlns:a16="http://schemas.microsoft.com/office/drawing/2014/main" id="{E980F4E1-068E-4C40-937F-B3D1916C3B23}"/>
               </a:ext>
             </a:extLst>
           </p:cNvPr>
@@ -21891,7 +22025,7 @@
             </a:fld>
             <a:r>
               <a:rPr lang="en-US" altLang="ko-KR"/>
-              <a:t>/36</a:t>
+              <a:t>/37</a:t>
             </a:r>
             <a:endParaRPr lang="ko-KR" altLang="en-US" dirty="0"/>
           </a:p>
@@ -21911,6 +22045,1076 @@
 </file>
 
 <file path=ppt/slides/slide31.xml><?xml version="1.0" encoding="utf-8"?>
+<p:sld xmlns:a="http://schemas.openxmlformats.org/drawingml/2006/main" xmlns:r="http://schemas.openxmlformats.org/officeDocument/2006/relationships" xmlns:p="http://schemas.openxmlformats.org/presentationml/2006/main">
+  <p:cSld>
+    <p:spTree>
+      <p:nvGrpSpPr>
+        <p:cNvPr id="1" name=""/>
+        <p:cNvGrpSpPr/>
+        <p:nvPr/>
+      </p:nvGrpSpPr>
+      <p:grpSpPr>
+        <a:xfrm>
+          <a:off x="0" y="0"/>
+          <a:ext cx="0" cy="0"/>
+          <a:chOff x="0" y="0"/>
+          <a:chExt cx="0" cy="0"/>
+        </a:xfrm>
+      </p:grpSpPr>
+      <p:sp>
+        <p:nvSpPr>
+          <p:cNvPr id="7" name="내용 개체 틀 2">
+            <a:extLst>
+              <a:ext uri="{FF2B5EF4-FFF2-40B4-BE49-F238E27FC236}">
+                <a16:creationId xmlns:a16="http://schemas.microsoft.com/office/drawing/2014/main" id="{A44AC902-3746-40D6-9827-94B46EEDDC67}"/>
+              </a:ext>
+            </a:extLst>
+          </p:cNvPr>
+          <p:cNvSpPr txBox="1">
+            <a:spLocks/>
+          </p:cNvSpPr>
+          <p:nvPr/>
+        </p:nvSpPr>
+        <p:spPr>
+          <a:xfrm>
+            <a:off x="341787" y="1120544"/>
+            <a:ext cx="8642350" cy="3883255"/>
+          </a:xfrm>
+          <a:prstGeom prst="rect">
+            <a:avLst/>
+          </a:prstGeom>
+        </p:spPr>
+        <p:txBody>
+          <a:bodyPr vert="horz" lIns="91440" tIns="45720" rIns="91440" bIns="45720" rtlCol="0">
+            <a:noAutofit/>
+          </a:bodyPr>
+          <a:lstStyle>
+            <a:lvl1pPr marL="266700" indent="-266700" defTabSz="914400" latinLnBrk="1">
+              <a:lnSpc>
+                <a:spcPct val="150000"/>
+              </a:lnSpc>
+              <a:spcBef>
+                <a:spcPct val="0"/>
+              </a:spcBef>
+              <a:buClr>
+                <a:schemeClr val="tx1">
+                  <a:lumMod val="65000"/>
+                  <a:lumOff val="35000"/>
+                </a:schemeClr>
+              </a:buClr>
+              <a:buFont typeface="Wingdings" pitchFamily="2" charset="2"/>
+              <a:buChar char="n"/>
+              <a:defRPr sz="2000" b="1">
+                <a:latin typeface="+mn-ea"/>
+              </a:defRPr>
+            </a:lvl1pPr>
+            <a:lvl2pPr marL="447675" lvl="1" indent="-180975" defTabSz="914400" latinLnBrk="1">
+              <a:lnSpc>
+                <a:spcPct val="150000"/>
+              </a:lnSpc>
+              <a:spcBef>
+                <a:spcPts val="0"/>
+              </a:spcBef>
+              <a:spcAft>
+                <a:spcPts val="0"/>
+              </a:spcAft>
+              <a:buClr>
+                <a:schemeClr val="tx1">
+                  <a:lumMod val="50000"/>
+                  <a:lumOff val="50000"/>
+                </a:schemeClr>
+              </a:buClr>
+              <a:buFont typeface="Wingdings" pitchFamily="2" charset="2"/>
+              <a:buChar char="§"/>
+              <a:defRPr sz="1600"/>
+            </a:lvl2pPr>
+            <a:lvl3pPr marL="628650" indent="-180975" defTabSz="914400" latinLnBrk="1">
+              <a:lnSpc>
+                <a:spcPct val="150000"/>
+              </a:lnSpc>
+              <a:spcBef>
+                <a:spcPts val="500"/>
+              </a:spcBef>
+              <a:spcAft>
+                <a:spcPts val="300"/>
+              </a:spcAft>
+              <a:buClr>
+                <a:schemeClr val="tx1">
+                  <a:lumMod val="65000"/>
+                  <a:lumOff val="35000"/>
+                </a:schemeClr>
+              </a:buClr>
+              <a:buFont typeface="Arial" panose="020B0604020202020204" pitchFamily="34" charset="0"/>
+              <a:buChar char="•"/>
+              <a:defRPr sz="1400"/>
+            </a:lvl3pPr>
+            <a:lvl4pPr marL="809625" indent="-180975" defTabSz="914400" latinLnBrk="1">
+              <a:lnSpc>
+                <a:spcPct val="150000"/>
+              </a:lnSpc>
+              <a:spcBef>
+                <a:spcPts val="500"/>
+              </a:spcBef>
+              <a:spcAft>
+                <a:spcPts val="300"/>
+              </a:spcAft>
+              <a:buClr>
+                <a:schemeClr val="tx1">
+                  <a:lumMod val="65000"/>
+                  <a:lumOff val="35000"/>
+                </a:schemeClr>
+              </a:buClr>
+              <a:buSzPct val="96000"/>
+              <a:buFont typeface="Arial" panose="020B0604020202020204" pitchFamily="34" charset="0"/>
+              <a:buChar char="•"/>
+              <a:defRPr sz="1200"/>
+            </a:lvl4pPr>
+            <a:lvl5pPr marL="990600" indent="-180975" defTabSz="914400" latinLnBrk="1">
+              <a:lnSpc>
+                <a:spcPct val="150000"/>
+              </a:lnSpc>
+              <a:spcBef>
+                <a:spcPts val="500"/>
+              </a:spcBef>
+              <a:buClr>
+                <a:schemeClr val="tx1">
+                  <a:lumMod val="65000"/>
+                  <a:lumOff val="35000"/>
+                </a:schemeClr>
+              </a:buClr>
+              <a:buFont typeface="Arial" panose="020B0604020202020204" pitchFamily="34" charset="0"/>
+              <a:buChar char="•"/>
+              <a:defRPr sz="1000"/>
+            </a:lvl5pPr>
+            <a:lvl6pPr marL="2514600" indent="-228600" defTabSz="914400" latinLnBrk="1">
+              <a:lnSpc>
+                <a:spcPct val="90000"/>
+              </a:lnSpc>
+              <a:spcBef>
+                <a:spcPts val="500"/>
+              </a:spcBef>
+              <a:buFont typeface="Arial" panose="020B0604020202020204" pitchFamily="34" charset="0"/>
+              <a:buChar char="•"/>
+            </a:lvl6pPr>
+            <a:lvl7pPr marL="2971800" indent="-228600" defTabSz="914400" latinLnBrk="1">
+              <a:lnSpc>
+                <a:spcPct val="90000"/>
+              </a:lnSpc>
+              <a:spcBef>
+                <a:spcPts val="500"/>
+              </a:spcBef>
+              <a:buFont typeface="Arial" panose="020B0604020202020204" pitchFamily="34" charset="0"/>
+              <a:buChar char="•"/>
+            </a:lvl7pPr>
+            <a:lvl8pPr marL="3429000" indent="-228600" defTabSz="914400" latinLnBrk="1">
+              <a:lnSpc>
+                <a:spcPct val="90000"/>
+              </a:lnSpc>
+              <a:spcBef>
+                <a:spcPts val="500"/>
+              </a:spcBef>
+              <a:buFont typeface="Arial" panose="020B0604020202020204" pitchFamily="34" charset="0"/>
+              <a:buChar char="•"/>
+            </a:lvl8pPr>
+            <a:lvl9pPr marL="3886200" indent="-228600" defTabSz="914400" latinLnBrk="1">
+              <a:lnSpc>
+                <a:spcPct val="90000"/>
+              </a:lnSpc>
+              <a:spcBef>
+                <a:spcPts val="500"/>
+              </a:spcBef>
+              <a:buFont typeface="Arial" panose="020B0604020202020204" pitchFamily="34" charset="0"/>
+              <a:buChar char="•"/>
+            </a:lvl9pPr>
+          </a:lstStyle>
+          <a:p>
+            <a:r>
+              <a:rPr lang="en-US" altLang="ko-KR" dirty="0"/>
+              <a:t>Upstream</a:t>
+            </a:r>
+            <a:r>
+              <a:rPr lang="ko-KR" altLang="en-US" dirty="0"/>
+              <a:t> </a:t>
+            </a:r>
+            <a:r>
+              <a:rPr lang="en-US" altLang="ko-KR" dirty="0"/>
+              <a:t>=</a:t>
+            </a:r>
+            <a:r>
+              <a:rPr lang="ko-KR" altLang="en-US" dirty="0"/>
+              <a:t> 로컬저장소 </a:t>
+            </a:r>
+            <a:r>
+              <a:rPr lang="en-US" altLang="ko-KR" dirty="0"/>
+              <a:t>= origin</a:t>
+            </a:r>
+            <a:r>
+              <a:rPr lang="ko-KR" altLang="en-US" dirty="0"/>
+              <a:t> 일치시키기</a:t>
+            </a:r>
+            <a:endParaRPr lang="en-US" altLang="ko-KR" dirty="0"/>
+          </a:p>
+          <a:p>
+            <a:pPr lvl="1"/>
+            <a:r>
+              <a:rPr lang="ko-KR" altLang="en-US" dirty="0">
+                <a:latin typeface="+mn-ea"/>
+              </a:rPr>
+              <a:t>원격과 로컬 </a:t>
+            </a:r>
+            <a:r>
+              <a:rPr lang="en-US" altLang="ko-KR" dirty="0">
+                <a:latin typeface="+mn-ea"/>
+              </a:rPr>
+              <a:t>main</a:t>
+            </a:r>
+            <a:r>
+              <a:rPr lang="ko-KR" altLang="en-US" dirty="0">
+                <a:latin typeface="+mn-ea"/>
+              </a:rPr>
+              <a:t>은 고치지 않고 </a:t>
+            </a:r>
+            <a:r>
+              <a:rPr lang="en-US" altLang="ko-KR" dirty="0">
+                <a:latin typeface="+mn-ea"/>
+              </a:rPr>
+              <a:t>branch</a:t>
+            </a:r>
+            <a:r>
+              <a:rPr lang="ko-KR" altLang="en-US" dirty="0">
+                <a:latin typeface="+mn-ea"/>
+              </a:rPr>
+              <a:t>만 이용하였기 때문에 </a:t>
+            </a:r>
+            <a:endParaRPr lang="en-US" altLang="ko-KR" dirty="0">
+              <a:latin typeface="+mn-ea"/>
+            </a:endParaRPr>
+          </a:p>
+          <a:p>
+            <a:pPr marL="266700" lvl="1" indent="0">
+              <a:buNone/>
+            </a:pPr>
+            <a:r>
+              <a:rPr lang="en-US" altLang="ko-KR" dirty="0">
+                <a:latin typeface="+mn-ea"/>
+              </a:rPr>
+              <a:t>   </a:t>
+            </a:r>
+            <a:r>
+              <a:rPr lang="ko-KR" altLang="en-US" dirty="0">
+                <a:latin typeface="+mn-ea"/>
+              </a:rPr>
+              <a:t>로컬과 </a:t>
+            </a:r>
+            <a:r>
+              <a:rPr lang="en-US" altLang="ko-KR" dirty="0">
+                <a:latin typeface="+mn-ea"/>
+              </a:rPr>
+              <a:t>origin</a:t>
+            </a:r>
+            <a:r>
+              <a:rPr lang="ko-KR" altLang="en-US" dirty="0">
+                <a:latin typeface="+mn-ea"/>
+              </a:rPr>
+              <a:t>의 </a:t>
+            </a:r>
+            <a:r>
+              <a:rPr lang="en-US" altLang="ko-KR" dirty="0">
+                <a:latin typeface="+mn-ea"/>
+              </a:rPr>
+              <a:t>main</a:t>
+            </a:r>
+            <a:r>
+              <a:rPr lang="ko-KR" altLang="en-US" dirty="0">
+                <a:latin typeface="+mn-ea"/>
+              </a:rPr>
+              <a:t>을 수정된 </a:t>
+            </a:r>
+            <a:r>
+              <a:rPr lang="en-US" altLang="ko-KR" dirty="0">
+                <a:latin typeface="+mn-ea"/>
+              </a:rPr>
+              <a:t>upstream</a:t>
+            </a:r>
+            <a:r>
+              <a:rPr lang="ko-KR" altLang="en-US" dirty="0">
+                <a:latin typeface="+mn-ea"/>
+              </a:rPr>
+              <a:t>과 일치시킴</a:t>
+            </a:r>
+            <a:endParaRPr lang="en-US" altLang="ko-KR" dirty="0">
+              <a:latin typeface="+mn-ea"/>
+            </a:endParaRPr>
+          </a:p>
+          <a:p>
+            <a:pPr lvl="1"/>
+            <a:r>
+              <a:rPr lang="ko-KR" altLang="en-US" dirty="0">
+                <a:latin typeface="+mn-ea"/>
+              </a:rPr>
+              <a:t>내용을 일치시키고 사용된 작업 </a:t>
+            </a:r>
+            <a:r>
+              <a:rPr lang="ko-KR" altLang="en-US" dirty="0" err="1">
+                <a:latin typeface="+mn-ea"/>
+              </a:rPr>
+              <a:t>브랜치</a:t>
+            </a:r>
+            <a:r>
+              <a:rPr lang="ko-KR" altLang="en-US" dirty="0">
+                <a:latin typeface="+mn-ea"/>
+              </a:rPr>
+              <a:t> </a:t>
+            </a:r>
+            <a:r>
+              <a:rPr lang="en-US" altLang="ko-KR" dirty="0">
+                <a:latin typeface="+mn-ea"/>
+              </a:rPr>
+              <a:t>(develop </a:t>
+            </a:r>
+            <a:r>
+              <a:rPr lang="ko-KR" altLang="en-US" dirty="0" err="1">
+                <a:latin typeface="+mn-ea"/>
+              </a:rPr>
+              <a:t>브랜치</a:t>
+            </a:r>
+            <a:r>
+              <a:rPr lang="en-US" altLang="ko-KR" dirty="0">
+                <a:latin typeface="+mn-ea"/>
+              </a:rPr>
+              <a:t>)</a:t>
+            </a:r>
+            <a:r>
+              <a:rPr lang="ko-KR" altLang="en-US" dirty="0">
+                <a:latin typeface="+mn-ea"/>
+              </a:rPr>
+              <a:t>를 삭제</a:t>
+            </a:r>
+            <a:endParaRPr lang="en-US" altLang="ko-KR" dirty="0">
+              <a:latin typeface="+mn-ea"/>
+            </a:endParaRPr>
+          </a:p>
+          <a:p>
+            <a:pPr marL="266700" lvl="1" indent="0">
+              <a:buNone/>
+            </a:pPr>
+            <a:endParaRPr lang="en-US" altLang="ko-KR" dirty="0">
+              <a:latin typeface="+mn-ea"/>
+            </a:endParaRPr>
+          </a:p>
+          <a:p>
+            <a:pPr lvl="1"/>
+            <a:endParaRPr lang="en-US" altLang="ko-KR" dirty="0">
+              <a:latin typeface="+mn-ea"/>
+            </a:endParaRPr>
+          </a:p>
+          <a:p>
+            <a:pPr lvl="1"/>
+            <a:endParaRPr lang="en-US" altLang="ko-KR" dirty="0">
+              <a:latin typeface="+mn-ea"/>
+            </a:endParaRPr>
+          </a:p>
+          <a:p>
+            <a:pPr marL="266700" lvl="1" indent="0">
+              <a:buNone/>
+            </a:pPr>
+            <a:endParaRPr lang="en-US" altLang="ko-KR" dirty="0">
+              <a:latin typeface="+mn-ea"/>
+            </a:endParaRPr>
+          </a:p>
+          <a:p>
+            <a:pPr marL="266700" lvl="1" indent="0">
+              <a:buNone/>
+            </a:pPr>
+            <a:endParaRPr lang="en-US" altLang="ko-KR" dirty="0">
+              <a:latin typeface="+mn-ea"/>
+            </a:endParaRPr>
+          </a:p>
+          <a:p>
+            <a:pPr marL="266700" lvl="1" indent="0">
+              <a:buNone/>
+            </a:pPr>
+            <a:endParaRPr lang="en-US" altLang="ko-KR" dirty="0">
+              <a:latin typeface="+mn-ea"/>
+            </a:endParaRPr>
+          </a:p>
+          <a:p>
+            <a:pPr marL="266700" lvl="1" indent="0">
+              <a:buNone/>
+            </a:pPr>
+            <a:endParaRPr lang="en-US" altLang="ko-KR" dirty="0">
+              <a:latin typeface="+mn-ea"/>
+            </a:endParaRPr>
+          </a:p>
+          <a:p>
+            <a:pPr marL="266700" lvl="1" indent="0">
+              <a:buNone/>
+            </a:pPr>
+            <a:endParaRPr lang="en-US" altLang="ko-KR" dirty="0">
+              <a:latin typeface="+mn-ea"/>
+            </a:endParaRPr>
+          </a:p>
+          <a:p>
+            <a:pPr marL="266700" lvl="1" indent="0">
+              <a:buNone/>
+            </a:pPr>
+            <a:endParaRPr lang="en-US" altLang="ko-KR" dirty="0">
+              <a:latin typeface="+mn-ea"/>
+            </a:endParaRPr>
+          </a:p>
+        </p:txBody>
+      </p:sp>
+      <p:sp>
+        <p:nvSpPr>
+          <p:cNvPr id="4" name="제목 3">
+            <a:extLst>
+              <a:ext uri="{FF2B5EF4-FFF2-40B4-BE49-F238E27FC236}">
+                <a16:creationId xmlns:a16="http://schemas.microsoft.com/office/drawing/2014/main" id="{F0CEB32B-CB43-4410-BA08-A97E4BC47FCB}"/>
+              </a:ext>
+            </a:extLst>
+          </p:cNvPr>
+          <p:cNvSpPr>
+            <a:spLocks noGrp="1"/>
+          </p:cNvSpPr>
+          <p:nvPr>
+            <p:ph type="title"/>
+          </p:nvPr>
+        </p:nvSpPr>
+        <p:spPr>
+          <a:xfrm>
+            <a:off x="539551" y="192300"/>
+            <a:ext cx="8244853" cy="576064"/>
+          </a:xfrm>
+        </p:spPr>
+        <p:txBody>
+          <a:bodyPr>
+            <a:normAutofit/>
+          </a:bodyPr>
+          <a:lstStyle/>
+          <a:p>
+            <a:r>
+              <a:rPr lang="en-US" altLang="ko-KR" dirty="0"/>
+              <a:t>Pull Request </a:t>
+            </a:r>
+            <a:r>
+              <a:rPr lang="ko-KR" altLang="en-US" dirty="0"/>
+              <a:t>최종결과 확인 후 마무리 작업</a:t>
+            </a:r>
+          </a:p>
+        </p:txBody>
+      </p:sp>
+      <p:sp>
+        <p:nvSpPr>
+          <p:cNvPr id="5" name="모서리가 둥근 직사각형 1">
+            <a:extLst>
+              <a:ext uri="{FF2B5EF4-FFF2-40B4-BE49-F238E27FC236}">
+                <a16:creationId xmlns:a16="http://schemas.microsoft.com/office/drawing/2014/main" id="{7014267D-63BC-4903-9B3F-CD162D7BADDA}"/>
+              </a:ext>
+            </a:extLst>
+          </p:cNvPr>
+          <p:cNvSpPr/>
+          <p:nvPr/>
+        </p:nvSpPr>
+        <p:spPr>
+          <a:xfrm>
+            <a:off x="1258305" y="3444026"/>
+            <a:ext cx="2192893" cy="661886"/>
+          </a:xfrm>
+          <a:prstGeom prst="roundRect">
+            <a:avLst>
+              <a:gd name="adj" fmla="val 5181"/>
+            </a:avLst>
+          </a:prstGeom>
+          <a:solidFill>
+            <a:schemeClr val="bg1">
+              <a:lumMod val="95000"/>
+            </a:schemeClr>
+          </a:solidFill>
+          <a:ln w="19050">
+            <a:solidFill>
+              <a:schemeClr val="tx1">
+                <a:lumMod val="50000"/>
+                <a:lumOff val="50000"/>
+              </a:schemeClr>
+            </a:solidFill>
+          </a:ln>
+        </p:spPr>
+        <p:style>
+          <a:lnRef idx="2">
+            <a:schemeClr val="accent1">
+              <a:shade val="50000"/>
+            </a:schemeClr>
+          </a:lnRef>
+          <a:fillRef idx="1">
+            <a:schemeClr val="accent1"/>
+          </a:fillRef>
+          <a:effectRef idx="0">
+            <a:schemeClr val="accent1"/>
+          </a:effectRef>
+          <a:fontRef idx="minor">
+            <a:schemeClr val="lt1"/>
+          </a:fontRef>
+        </p:style>
+        <p:txBody>
+          <a:bodyPr rtlCol="0" anchor="ctr"/>
+          <a:lstStyle/>
+          <a:p>
+            <a:pPr algn="ctr"/>
+            <a:r>
+              <a:rPr lang="ko-KR" altLang="en-US" sz="1400" dirty="0">
+                <a:solidFill>
+                  <a:schemeClr val="tx1"/>
+                </a:solidFill>
+              </a:rPr>
+              <a:t>남의 </a:t>
+            </a:r>
+            <a:r>
+              <a:rPr lang="ko-KR" altLang="en-US" sz="1400" dirty="0" err="1">
+                <a:solidFill>
+                  <a:schemeClr val="tx1"/>
+                </a:solidFill>
+              </a:rPr>
+              <a:t>원격저장소</a:t>
+            </a:r>
+            <a:r>
+              <a:rPr lang="en-US" altLang="ko-KR" sz="1400" dirty="0">
+                <a:solidFill>
+                  <a:schemeClr val="tx1"/>
+                </a:solidFill>
+              </a:rPr>
+              <a:t>      </a:t>
+            </a:r>
+            <a:endParaRPr lang="ko-KR" altLang="en-US" sz="1400" dirty="0">
+              <a:solidFill>
+                <a:schemeClr val="tx1"/>
+              </a:solidFill>
+            </a:endParaRPr>
+          </a:p>
+        </p:txBody>
+      </p:sp>
+      <p:sp>
+        <p:nvSpPr>
+          <p:cNvPr id="6" name="모서리가 둥근 직사각형 7">
+            <a:extLst>
+              <a:ext uri="{FF2B5EF4-FFF2-40B4-BE49-F238E27FC236}">
+                <a16:creationId xmlns:a16="http://schemas.microsoft.com/office/drawing/2014/main" id="{B2BE4505-8867-44DB-B146-5CC8D0E24440}"/>
+              </a:ext>
+            </a:extLst>
+          </p:cNvPr>
+          <p:cNvSpPr/>
+          <p:nvPr/>
+        </p:nvSpPr>
+        <p:spPr>
+          <a:xfrm>
+            <a:off x="4728581" y="3444026"/>
+            <a:ext cx="2148964" cy="661886"/>
+          </a:xfrm>
+          <a:prstGeom prst="roundRect">
+            <a:avLst>
+              <a:gd name="adj" fmla="val 5181"/>
+            </a:avLst>
+          </a:prstGeom>
+          <a:solidFill>
+            <a:schemeClr val="bg1">
+              <a:lumMod val="95000"/>
+            </a:schemeClr>
+          </a:solidFill>
+          <a:ln w="15875">
+            <a:solidFill>
+              <a:srgbClr val="0000FF"/>
+            </a:solidFill>
+          </a:ln>
+        </p:spPr>
+        <p:style>
+          <a:lnRef idx="2">
+            <a:schemeClr val="accent1">
+              <a:shade val="50000"/>
+            </a:schemeClr>
+          </a:lnRef>
+          <a:fillRef idx="1">
+            <a:schemeClr val="accent1"/>
+          </a:fillRef>
+          <a:effectRef idx="0">
+            <a:schemeClr val="accent1"/>
+          </a:effectRef>
+          <a:fontRef idx="minor">
+            <a:schemeClr val="lt1"/>
+          </a:fontRef>
+        </p:style>
+        <p:txBody>
+          <a:bodyPr rtlCol="0" anchor="ctr"/>
+          <a:lstStyle/>
+          <a:p>
+            <a:pPr algn="ctr"/>
+            <a:r>
+              <a:rPr lang="ko-KR" altLang="en-US" sz="1400" dirty="0">
+                <a:solidFill>
+                  <a:schemeClr val="tx1"/>
+                </a:solidFill>
+              </a:rPr>
+              <a:t>나의 원격저장소</a:t>
+            </a:r>
+            <a:endParaRPr lang="en-US" altLang="ko-KR" sz="1400" dirty="0">
+              <a:solidFill>
+                <a:schemeClr val="tx1"/>
+              </a:solidFill>
+            </a:endParaRPr>
+          </a:p>
+          <a:p>
+            <a:pPr algn="ctr"/>
+            <a:r>
+              <a:rPr lang="en-US" altLang="ko-KR" sz="1400" dirty="0">
+                <a:solidFill>
+                  <a:schemeClr val="tx1"/>
+                </a:solidFill>
+              </a:rPr>
+              <a:t>④</a:t>
+            </a:r>
+            <a:r>
+              <a:rPr lang="en-US" altLang="ko-KR" sz="1400" dirty="0"/>
+              <a:t> </a:t>
+            </a:r>
+            <a:r>
+              <a:rPr lang="en-US" altLang="ko-KR" sz="1400" dirty="0">
+                <a:solidFill>
+                  <a:schemeClr val="tx1"/>
+                </a:solidFill>
+              </a:rPr>
+              <a:t>Delete develop</a:t>
+            </a:r>
+          </a:p>
+        </p:txBody>
+      </p:sp>
+      <p:sp>
+        <p:nvSpPr>
+          <p:cNvPr id="8" name="모서리가 둥근 직사각형 8">
+            <a:extLst>
+              <a:ext uri="{FF2B5EF4-FFF2-40B4-BE49-F238E27FC236}">
+                <a16:creationId xmlns:a16="http://schemas.microsoft.com/office/drawing/2014/main" id="{8EB018F2-D060-4225-8C5A-C79FC8D50203}"/>
+              </a:ext>
+            </a:extLst>
+          </p:cNvPr>
+          <p:cNvSpPr/>
+          <p:nvPr/>
+        </p:nvSpPr>
+        <p:spPr>
+          <a:xfrm>
+            <a:off x="1258306" y="3200987"/>
+            <a:ext cx="899565" cy="246177"/>
+          </a:xfrm>
+          <a:prstGeom prst="roundRect">
+            <a:avLst/>
+          </a:prstGeom>
+          <a:solidFill>
+            <a:schemeClr val="accent3">
+              <a:lumMod val="40000"/>
+              <a:lumOff val="60000"/>
+            </a:schemeClr>
+          </a:solidFill>
+          <a:ln w="19050">
+            <a:solidFill>
+              <a:schemeClr val="tx1"/>
+            </a:solidFill>
+          </a:ln>
+        </p:spPr>
+        <p:style>
+          <a:lnRef idx="2">
+            <a:schemeClr val="accent1">
+              <a:shade val="50000"/>
+            </a:schemeClr>
+          </a:lnRef>
+          <a:fillRef idx="1">
+            <a:schemeClr val="accent1"/>
+          </a:fillRef>
+          <a:effectRef idx="0">
+            <a:schemeClr val="accent1"/>
+          </a:effectRef>
+          <a:fontRef idx="minor">
+            <a:schemeClr val="lt1"/>
+          </a:fontRef>
+        </p:style>
+        <p:txBody>
+          <a:bodyPr rtlCol="0" anchor="ctr"/>
+          <a:lstStyle/>
+          <a:p>
+            <a:pPr algn="ctr"/>
+            <a:r>
+              <a:rPr lang="en-US" altLang="ko-KR" sz="1400" dirty="0">
+                <a:solidFill>
+                  <a:schemeClr val="tx1"/>
+                </a:solidFill>
+              </a:rPr>
+              <a:t>upstream</a:t>
+            </a:r>
+          </a:p>
+        </p:txBody>
+      </p:sp>
+      <p:sp>
+        <p:nvSpPr>
+          <p:cNvPr id="9" name="모서리가 둥근 직사각형 9">
+            <a:extLst>
+              <a:ext uri="{FF2B5EF4-FFF2-40B4-BE49-F238E27FC236}">
+                <a16:creationId xmlns:a16="http://schemas.microsoft.com/office/drawing/2014/main" id="{255AB00B-227B-4647-BBC7-3389FB2D7546}"/>
+              </a:ext>
+            </a:extLst>
+          </p:cNvPr>
+          <p:cNvSpPr/>
+          <p:nvPr/>
+        </p:nvSpPr>
+        <p:spPr>
+          <a:xfrm>
+            <a:off x="4728581" y="3200987"/>
+            <a:ext cx="899565" cy="246177"/>
+          </a:xfrm>
+          <a:prstGeom prst="roundRect">
+            <a:avLst/>
+          </a:prstGeom>
+          <a:solidFill>
+            <a:srgbClr val="92D050"/>
+          </a:solidFill>
+          <a:ln w="15875">
+            <a:solidFill>
+              <a:srgbClr val="0000FF"/>
+            </a:solidFill>
+          </a:ln>
+        </p:spPr>
+        <p:style>
+          <a:lnRef idx="2">
+            <a:schemeClr val="accent1">
+              <a:shade val="50000"/>
+            </a:schemeClr>
+          </a:lnRef>
+          <a:fillRef idx="1">
+            <a:schemeClr val="accent1"/>
+          </a:fillRef>
+          <a:effectRef idx="0">
+            <a:schemeClr val="accent1"/>
+          </a:effectRef>
+          <a:fontRef idx="minor">
+            <a:schemeClr val="lt1"/>
+          </a:fontRef>
+        </p:style>
+        <p:txBody>
+          <a:bodyPr rtlCol="0" anchor="ctr"/>
+          <a:lstStyle/>
+          <a:p>
+            <a:pPr algn="ctr"/>
+            <a:r>
+              <a:rPr lang="en-US" altLang="ko-KR" sz="1400" dirty="0">
+                <a:solidFill>
+                  <a:schemeClr val="tx1"/>
+                </a:solidFill>
+              </a:rPr>
+              <a:t>origin</a:t>
+            </a:r>
+          </a:p>
+        </p:txBody>
+      </p:sp>
+      <p:sp>
+        <p:nvSpPr>
+          <p:cNvPr id="10" name="모서리가 둥근 직사각형 10">
+            <a:extLst>
+              <a:ext uri="{FF2B5EF4-FFF2-40B4-BE49-F238E27FC236}">
+                <a16:creationId xmlns:a16="http://schemas.microsoft.com/office/drawing/2014/main" id="{8E588361-3C48-44B3-9C36-4A0181173179}"/>
+              </a:ext>
+            </a:extLst>
+          </p:cNvPr>
+          <p:cNvSpPr/>
+          <p:nvPr/>
+        </p:nvSpPr>
+        <p:spPr>
+          <a:xfrm>
+            <a:off x="4728581" y="4675926"/>
+            <a:ext cx="2148964" cy="661886"/>
+          </a:xfrm>
+          <a:prstGeom prst="roundRect">
+            <a:avLst>
+              <a:gd name="adj" fmla="val 5181"/>
+            </a:avLst>
+          </a:prstGeom>
+          <a:solidFill>
+            <a:schemeClr val="bg1">
+              <a:lumMod val="95000"/>
+            </a:schemeClr>
+          </a:solidFill>
+          <a:ln w="19050">
+            <a:solidFill>
+              <a:srgbClr val="C00000"/>
+            </a:solidFill>
+          </a:ln>
+        </p:spPr>
+        <p:style>
+          <a:lnRef idx="2">
+            <a:schemeClr val="accent1">
+              <a:shade val="50000"/>
+            </a:schemeClr>
+          </a:lnRef>
+          <a:fillRef idx="1">
+            <a:schemeClr val="accent1"/>
+          </a:fillRef>
+          <a:effectRef idx="0">
+            <a:schemeClr val="accent1"/>
+          </a:effectRef>
+          <a:fontRef idx="minor">
+            <a:schemeClr val="lt1"/>
+          </a:fontRef>
+        </p:style>
+        <p:txBody>
+          <a:bodyPr rtlCol="0" anchor="ctr"/>
+          <a:lstStyle/>
+          <a:p>
+            <a:pPr algn="ctr"/>
+            <a:r>
+              <a:rPr lang="ko-KR" altLang="en-US" sz="1400" dirty="0">
+                <a:solidFill>
+                  <a:schemeClr val="tx1"/>
+                </a:solidFill>
+              </a:rPr>
+              <a:t>나의 로컬저장소</a:t>
+            </a:r>
+            <a:endParaRPr lang="en-US" altLang="ko-KR" sz="1400" dirty="0">
+              <a:solidFill>
+                <a:schemeClr val="tx1"/>
+              </a:solidFill>
+            </a:endParaRPr>
+          </a:p>
+          <a:p>
+            <a:pPr algn="ctr"/>
+            <a:r>
+              <a:rPr lang="en-US" altLang="ko-KR" sz="1400" dirty="0">
+                <a:solidFill>
+                  <a:srgbClr val="FF0000"/>
+                </a:solidFill>
+              </a:rPr>
+              <a:t>② </a:t>
+            </a:r>
+            <a:r>
+              <a:rPr lang="en-US" altLang="ko-KR" sz="1400" dirty="0">
+                <a:solidFill>
+                  <a:schemeClr val="tx1"/>
+                </a:solidFill>
+              </a:rPr>
+              <a:t>Delete develop</a:t>
+            </a:r>
+          </a:p>
+        </p:txBody>
+      </p:sp>
+      <p:sp>
+        <p:nvSpPr>
+          <p:cNvPr id="12" name="TextBox 11">
+            <a:extLst>
+              <a:ext uri="{FF2B5EF4-FFF2-40B4-BE49-F238E27FC236}">
+                <a16:creationId xmlns:a16="http://schemas.microsoft.com/office/drawing/2014/main" id="{BDB8BFA2-DBDC-42FD-B340-32D99B3F8ED2}"/>
+              </a:ext>
+            </a:extLst>
+          </p:cNvPr>
+          <p:cNvSpPr txBox="1"/>
+          <p:nvPr/>
+        </p:nvSpPr>
+        <p:spPr>
+          <a:xfrm>
+            <a:off x="3349783" y="4719151"/>
+            <a:ext cx="676788" cy="307777"/>
+          </a:xfrm>
+          <a:prstGeom prst="rect">
+            <a:avLst/>
+          </a:prstGeom>
+          <a:noFill/>
+        </p:spPr>
+        <p:txBody>
+          <a:bodyPr wrap="none" rtlCol="0">
+            <a:spAutoFit/>
+          </a:bodyPr>
+          <a:lstStyle/>
+          <a:p>
+            <a:r>
+              <a:rPr lang="en-US" altLang="ko-KR" sz="1400" dirty="0"/>
+              <a:t>① pull</a:t>
+            </a:r>
+            <a:endParaRPr lang="ko-KR" altLang="en-US" sz="1400" dirty="0"/>
+          </a:p>
+        </p:txBody>
+      </p:sp>
+      <p:cxnSp>
+        <p:nvCxnSpPr>
+          <p:cNvPr id="15" name="직선 화살표 연결선 14">
+            <a:extLst>
+              <a:ext uri="{FF2B5EF4-FFF2-40B4-BE49-F238E27FC236}">
+                <a16:creationId xmlns:a16="http://schemas.microsoft.com/office/drawing/2014/main" id="{065FDE89-7A48-41F0-A131-9A5F396B23F5}"/>
+              </a:ext>
+            </a:extLst>
+          </p:cNvPr>
+          <p:cNvCxnSpPr/>
+          <p:nvPr/>
+        </p:nvCxnSpPr>
+        <p:spPr>
+          <a:xfrm flipH="1" flipV="1">
+            <a:off x="5832751" y="4105106"/>
+            <a:ext cx="4276" cy="570820"/>
+          </a:xfrm>
+          <a:prstGeom prst="straightConnector1">
+            <a:avLst/>
+          </a:prstGeom>
+          <a:ln w="25400">
+            <a:solidFill>
+              <a:schemeClr val="bg1">
+                <a:lumMod val="75000"/>
+              </a:schemeClr>
+            </a:solidFill>
+            <a:tailEnd type="triangle"/>
+          </a:ln>
+        </p:spPr>
+        <p:style>
+          <a:lnRef idx="1">
+            <a:schemeClr val="accent1"/>
+          </a:lnRef>
+          <a:fillRef idx="0">
+            <a:schemeClr val="accent1"/>
+          </a:fillRef>
+          <a:effectRef idx="0">
+            <a:schemeClr val="accent1"/>
+          </a:effectRef>
+          <a:fontRef idx="minor">
+            <a:schemeClr val="tx1"/>
+          </a:fontRef>
+        </p:style>
+      </p:cxnSp>
+      <p:sp>
+        <p:nvSpPr>
+          <p:cNvPr id="17" name="TextBox 16">
+            <a:extLst>
+              <a:ext uri="{FF2B5EF4-FFF2-40B4-BE49-F238E27FC236}">
+                <a16:creationId xmlns:a16="http://schemas.microsoft.com/office/drawing/2014/main" id="{99E23039-C946-489F-9A22-3D34B8256898}"/>
+              </a:ext>
+            </a:extLst>
+          </p:cNvPr>
+          <p:cNvSpPr txBox="1"/>
+          <p:nvPr/>
+        </p:nvSpPr>
+        <p:spPr>
+          <a:xfrm>
+            <a:off x="5078590" y="4238599"/>
+            <a:ext cx="758541" cy="307777"/>
+          </a:xfrm>
+          <a:prstGeom prst="rect">
+            <a:avLst/>
+          </a:prstGeom>
+          <a:noFill/>
+        </p:spPr>
+        <p:txBody>
+          <a:bodyPr wrap="none" rtlCol="0">
+            <a:spAutoFit/>
+          </a:bodyPr>
+          <a:lstStyle/>
+          <a:p>
+            <a:r>
+              <a:rPr lang="en-US" altLang="ko-KR" sz="1400" dirty="0"/>
+              <a:t>③ push</a:t>
+            </a:r>
+            <a:endParaRPr lang="ko-KR" altLang="en-US" sz="1400" dirty="0"/>
+          </a:p>
+        </p:txBody>
+      </p:sp>
+      <p:sp>
+        <p:nvSpPr>
+          <p:cNvPr id="2" name="화살표: 아래쪽 1">
+            <a:extLst>
+              <a:ext uri="{FF2B5EF4-FFF2-40B4-BE49-F238E27FC236}">
+                <a16:creationId xmlns:a16="http://schemas.microsoft.com/office/drawing/2014/main" id="{9A48A737-BC64-4462-A60C-284E3CA5BBA9}"/>
+              </a:ext>
+            </a:extLst>
+          </p:cNvPr>
+          <p:cNvSpPr/>
+          <p:nvPr/>
+        </p:nvSpPr>
+        <p:spPr>
+          <a:xfrm rot="18180744">
+            <a:off x="3843418" y="3808078"/>
+            <a:ext cx="154186" cy="1699998"/>
+          </a:xfrm>
+          <a:prstGeom prst="downArrow">
+            <a:avLst/>
+          </a:prstGeom>
+          <a:solidFill>
+            <a:schemeClr val="accent1">
+              <a:lumMod val="40000"/>
+              <a:lumOff val="60000"/>
+            </a:schemeClr>
+          </a:solidFill>
+        </p:spPr>
+        <p:style>
+          <a:lnRef idx="2">
+            <a:schemeClr val="accent1">
+              <a:shade val="50000"/>
+            </a:schemeClr>
+          </a:lnRef>
+          <a:fillRef idx="1">
+            <a:schemeClr val="accent1"/>
+          </a:fillRef>
+          <a:effectRef idx="0">
+            <a:schemeClr val="accent1"/>
+          </a:effectRef>
+          <a:fontRef idx="minor">
+            <a:schemeClr val="lt1"/>
+          </a:fontRef>
+        </p:style>
+        <p:txBody>
+          <a:bodyPr rtlCol="0" anchor="ctr"/>
+          <a:lstStyle/>
+          <a:p>
+            <a:pPr algn="ctr"/>
+            <a:endParaRPr lang="ko-KR" altLang="en-US" dirty="0"/>
+          </a:p>
+        </p:txBody>
+      </p:sp>
+      <p:sp>
+        <p:nvSpPr>
+          <p:cNvPr id="3" name="슬라이드 번호 개체 틀 2">
+            <a:extLst>
+              <a:ext uri="{FF2B5EF4-FFF2-40B4-BE49-F238E27FC236}">
+                <a16:creationId xmlns:a16="http://schemas.microsoft.com/office/drawing/2014/main" id="{DF472566-400E-4521-A3D9-B48913F05581}"/>
+              </a:ext>
+            </a:extLst>
+          </p:cNvPr>
+          <p:cNvSpPr>
+            <a:spLocks noGrp="1"/>
+          </p:cNvSpPr>
+          <p:nvPr>
+            <p:ph type="sldNum" sz="quarter" idx="12"/>
+          </p:nvPr>
+        </p:nvSpPr>
+        <p:spPr/>
+        <p:txBody>
+          <a:bodyPr/>
+          <a:lstStyle/>
+          <a:p>
+            <a:fld id="{526ADF51-C4A2-4521-899C-87F34FDB9C0A}" type="slidenum">
+              <a:rPr lang="ko-KR" altLang="en-US" smtClean="0"/>
+              <a:pPr/>
+              <a:t>31</a:t>
+            </a:fld>
+            <a:r>
+              <a:rPr lang="en-US" altLang="ko-KR"/>
+              <a:t>/37</a:t>
+            </a:r>
+            <a:endParaRPr lang="ko-KR" altLang="en-US" dirty="0"/>
+          </a:p>
+        </p:txBody>
+      </p:sp>
+    </p:spTree>
+    <p:extLst>
+      <p:ext uri="{BB962C8B-B14F-4D97-AF65-F5344CB8AC3E}">
+        <p14:creationId xmlns:p14="http://schemas.microsoft.com/office/powerpoint/2010/main" val="2164313808"/>
+      </p:ext>
+    </p:extLst>
+  </p:cSld>
+  <p:clrMapOvr>
+    <a:masterClrMapping/>
+  </p:clrMapOvr>
+</p:sld>
+</file>
+
+<file path=ppt/slides/slide32.xml><?xml version="1.0" encoding="utf-8"?>
 <p:sld xmlns:a="http://schemas.openxmlformats.org/drawingml/2006/main" xmlns:r="http://schemas.openxmlformats.org/officeDocument/2006/relationships" xmlns:p="http://schemas.openxmlformats.org/presentationml/2006/main">
   <p:cSld>
     <p:spTree>
@@ -22539,10 +23743,10 @@
       </p:sp>
       <p:sp>
         <p:nvSpPr>
-          <p:cNvPr id="22" name="슬라이드 번호 개체 틀 21">
+          <p:cNvPr id="2" name="슬라이드 번호 개체 틀 1">
             <a:extLst>
               <a:ext uri="{FF2B5EF4-FFF2-40B4-BE49-F238E27FC236}">
-                <a16:creationId xmlns:a16="http://schemas.microsoft.com/office/drawing/2014/main" id="{24B06E1B-A73C-4FD2-BBC5-86E62F3AA27F}"/>
+                <a16:creationId xmlns:a16="http://schemas.microsoft.com/office/drawing/2014/main" id="{DF91747F-1F64-4C10-BDE8-41ABE26A0F7E}"/>
               </a:ext>
             </a:extLst>
           </p:cNvPr>
@@ -22561,11 +23765,11 @@
             <a:fld id="{526ADF51-C4A2-4521-899C-87F34FDB9C0A}" type="slidenum">
               <a:rPr lang="ko-KR" altLang="en-US" smtClean="0"/>
               <a:pPr/>
-              <a:t>31</a:t>
+              <a:t>32</a:t>
             </a:fld>
             <a:r>
               <a:rPr lang="en-US" altLang="ko-KR"/>
-              <a:t>/36</a:t>
+              <a:t>/37</a:t>
             </a:r>
             <a:endParaRPr lang="ko-KR" altLang="en-US" dirty="0"/>
           </a:p>
@@ -22584,7 +23788,7 @@
 </p:sld>
 </file>
 
-<file path=ppt/slides/slide32.xml><?xml version="1.0" encoding="utf-8"?>
+<file path=ppt/slides/slide33.xml><?xml version="1.0" encoding="utf-8"?>
 <p:sld xmlns:a="http://schemas.openxmlformats.org/drawingml/2006/main" xmlns:r="http://schemas.openxmlformats.org/officeDocument/2006/relationships" xmlns:p="http://schemas.openxmlformats.org/presentationml/2006/main">
   <p:cSld>
     <p:spTree>
@@ -23069,10 +24273,10 @@
       </p:cxnSp>
       <p:sp>
         <p:nvSpPr>
-          <p:cNvPr id="8" name="슬라이드 번호 개체 틀 7">
+          <p:cNvPr id="2" name="슬라이드 번호 개체 틀 1">
             <a:extLst>
               <a:ext uri="{FF2B5EF4-FFF2-40B4-BE49-F238E27FC236}">
-                <a16:creationId xmlns:a16="http://schemas.microsoft.com/office/drawing/2014/main" id="{4317B25D-E2EC-4320-8AD1-27AD30BD03F8}"/>
+                <a16:creationId xmlns:a16="http://schemas.microsoft.com/office/drawing/2014/main" id="{E2F609F1-26FE-4D6A-9665-537296DB059E}"/>
               </a:ext>
             </a:extLst>
           </p:cNvPr>
@@ -23091,11 +24295,11 @@
             <a:fld id="{526ADF51-C4A2-4521-899C-87F34FDB9C0A}" type="slidenum">
               <a:rPr lang="ko-KR" altLang="en-US" smtClean="0"/>
               <a:pPr/>
-              <a:t>32</a:t>
+              <a:t>33</a:t>
             </a:fld>
             <a:r>
               <a:rPr lang="en-US" altLang="ko-KR"/>
-              <a:t>/36</a:t>
+              <a:t>/37</a:t>
             </a:r>
             <a:endParaRPr lang="ko-KR" altLang="en-US" dirty="0"/>
           </a:p>
@@ -23114,7 +24318,7 @@
 </p:sld>
 </file>
 
-<file path=ppt/slides/slide33.xml><?xml version="1.0" encoding="utf-8"?>
+<file path=ppt/slides/slide34.xml><?xml version="1.0" encoding="utf-8"?>
 <p:sld xmlns:a="http://schemas.openxmlformats.org/drawingml/2006/main" xmlns:r="http://schemas.openxmlformats.org/officeDocument/2006/relationships" xmlns:p="http://schemas.openxmlformats.org/presentationml/2006/main">
   <p:cSld>
     <p:spTree>
@@ -23622,10 +24826,10 @@
       </p:pic>
       <p:sp>
         <p:nvSpPr>
-          <p:cNvPr id="5" name="슬라이드 번호 개체 틀 4">
+          <p:cNvPr id="2" name="슬라이드 번호 개체 틀 1">
             <a:extLst>
               <a:ext uri="{FF2B5EF4-FFF2-40B4-BE49-F238E27FC236}">
-                <a16:creationId xmlns:a16="http://schemas.microsoft.com/office/drawing/2014/main" id="{20028FDF-B214-4735-AD26-86D64DB2F482}"/>
+                <a16:creationId xmlns:a16="http://schemas.microsoft.com/office/drawing/2014/main" id="{DCD33B14-9C12-48C2-B338-AC0100A49B33}"/>
               </a:ext>
             </a:extLst>
           </p:cNvPr>
@@ -23644,11 +24848,11 @@
             <a:fld id="{526ADF51-C4A2-4521-899C-87F34FDB9C0A}" type="slidenum">
               <a:rPr lang="ko-KR" altLang="en-US" smtClean="0"/>
               <a:pPr/>
-              <a:t>33</a:t>
+              <a:t>34</a:t>
             </a:fld>
             <a:r>
               <a:rPr lang="en-US" altLang="ko-KR"/>
-              <a:t>/36</a:t>
+              <a:t>/37</a:t>
             </a:r>
             <a:endParaRPr lang="ko-KR" altLang="en-US" dirty="0"/>
           </a:p>
@@ -23667,7 +24871,7 @@
 </p:sld>
 </file>
 
-<file path=ppt/slides/slide34.xml><?xml version="1.0" encoding="utf-8"?>
+<file path=ppt/slides/slide35.xml><?xml version="1.0" encoding="utf-8"?>
 <p:sld xmlns:a="http://schemas.openxmlformats.org/drawingml/2006/main" xmlns:r="http://schemas.openxmlformats.org/officeDocument/2006/relationships" xmlns:p="http://schemas.openxmlformats.org/presentationml/2006/main">
   <p:cSld>
     <p:spTree>
@@ -24447,10 +25651,10 @@
       </p:cxnSp>
       <p:sp>
         <p:nvSpPr>
-          <p:cNvPr id="6" name="슬라이드 번호 개체 틀 5">
+          <p:cNvPr id="2" name="슬라이드 번호 개체 틀 1">
             <a:extLst>
               <a:ext uri="{FF2B5EF4-FFF2-40B4-BE49-F238E27FC236}">
-                <a16:creationId xmlns:a16="http://schemas.microsoft.com/office/drawing/2014/main" id="{5670F6EB-1223-418C-BB2D-FAFCFD3CFEBF}"/>
+                <a16:creationId xmlns:a16="http://schemas.microsoft.com/office/drawing/2014/main" id="{40B58CCD-97D8-4F91-9E0E-1F4A7026716C}"/>
               </a:ext>
             </a:extLst>
           </p:cNvPr>
@@ -24469,11 +25673,11 @@
             <a:fld id="{526ADF51-C4A2-4521-899C-87F34FDB9C0A}" type="slidenum">
               <a:rPr lang="ko-KR" altLang="en-US" smtClean="0"/>
               <a:pPr/>
-              <a:t>34</a:t>
+              <a:t>35</a:t>
             </a:fld>
             <a:r>
               <a:rPr lang="en-US" altLang="ko-KR"/>
-              <a:t>/36</a:t>
+              <a:t>/37</a:t>
             </a:r>
             <a:endParaRPr lang="ko-KR" altLang="en-US" dirty="0"/>
           </a:p>
@@ -24492,7 +25696,7 @@
 </p:sld>
 </file>
 
-<file path=ppt/slides/slide35.xml><?xml version="1.0" encoding="utf-8"?>
+<file path=ppt/slides/slide36.xml><?xml version="1.0" encoding="utf-8"?>
 <p:sld xmlns:a="http://schemas.openxmlformats.org/drawingml/2006/main" xmlns:r="http://schemas.openxmlformats.org/officeDocument/2006/relationships" xmlns:p="http://schemas.openxmlformats.org/presentationml/2006/main">
   <p:cSld>
     <p:spTree>
@@ -25407,10 +26611,10 @@
       </p:sp>
       <p:sp>
         <p:nvSpPr>
-          <p:cNvPr id="5" name="슬라이드 번호 개체 틀 4">
+          <p:cNvPr id="2" name="슬라이드 번호 개체 틀 1">
             <a:extLst>
               <a:ext uri="{FF2B5EF4-FFF2-40B4-BE49-F238E27FC236}">
-                <a16:creationId xmlns:a16="http://schemas.microsoft.com/office/drawing/2014/main" id="{6F5411F2-F4AC-4FC7-8D0E-76889ADDD14B}"/>
+                <a16:creationId xmlns:a16="http://schemas.microsoft.com/office/drawing/2014/main" id="{5072B66A-F606-489C-B57C-6E3FCADC52AA}"/>
               </a:ext>
             </a:extLst>
           </p:cNvPr>
@@ -25429,11 +26633,11 @@
             <a:fld id="{526ADF51-C4A2-4521-899C-87F34FDB9C0A}" type="slidenum">
               <a:rPr lang="ko-KR" altLang="en-US" smtClean="0"/>
               <a:pPr/>
-              <a:t>35</a:t>
+              <a:t>36</a:t>
             </a:fld>
             <a:r>
               <a:rPr lang="en-US" altLang="ko-KR"/>
-              <a:t>/36</a:t>
+              <a:t>/37</a:t>
             </a:r>
             <a:endParaRPr lang="ko-KR" altLang="en-US" dirty="0"/>
           </a:p>
@@ -25443,799 +26647,6 @@
     <p:extLst>
       <p:ext uri="{BB962C8B-B14F-4D97-AF65-F5344CB8AC3E}">
         <p14:creationId xmlns:p14="http://schemas.microsoft.com/office/powerpoint/2010/main" val="1991194323"/>
-      </p:ext>
-    </p:extLst>
-  </p:cSld>
-  <p:clrMapOvr>
-    <a:masterClrMapping/>
-  </p:clrMapOvr>
-</p:sld>
-</file>
-
-<file path=ppt/slides/slide36.xml><?xml version="1.0" encoding="utf-8"?>
-<p:sld xmlns:a="http://schemas.openxmlformats.org/drawingml/2006/main" xmlns:r="http://schemas.openxmlformats.org/officeDocument/2006/relationships" xmlns:p="http://schemas.openxmlformats.org/presentationml/2006/main">
-  <p:cSld>
-    <p:spTree>
-      <p:nvGrpSpPr>
-        <p:cNvPr id="1" name=""/>
-        <p:cNvGrpSpPr/>
-        <p:nvPr/>
-      </p:nvGrpSpPr>
-      <p:grpSpPr>
-        <a:xfrm>
-          <a:off x="0" y="0"/>
-          <a:ext cx="0" cy="0"/>
-          <a:chOff x="0" y="0"/>
-          <a:chExt cx="0" cy="0"/>
-        </a:xfrm>
-      </p:grpSpPr>
-      <p:sp>
-        <p:nvSpPr>
-          <p:cNvPr id="4" name="제목 3">
-            <a:extLst>
-              <a:ext uri="{FF2B5EF4-FFF2-40B4-BE49-F238E27FC236}">
-                <a16:creationId xmlns:a16="http://schemas.microsoft.com/office/drawing/2014/main" id="{F0CEB32B-CB43-4410-BA08-A97E4BC47FCB}"/>
-              </a:ext>
-            </a:extLst>
-          </p:cNvPr>
-          <p:cNvSpPr>
-            <a:spLocks noGrp="1"/>
-          </p:cNvSpPr>
-          <p:nvPr>
-            <p:ph type="title"/>
-          </p:nvPr>
-        </p:nvSpPr>
-        <p:spPr>
-          <a:xfrm>
-            <a:off x="539551" y="192300"/>
-            <a:ext cx="8244853" cy="576064"/>
-          </a:xfrm>
-        </p:spPr>
-        <p:txBody>
-          <a:bodyPr>
-            <a:normAutofit/>
-          </a:bodyPr>
-          <a:lstStyle/>
-          <a:p>
-            <a:r>
-              <a:rPr lang="ko-KR" altLang="en-US" dirty="0"/>
-              <a:t>전체 요약 순서</a:t>
-            </a:r>
-          </a:p>
-        </p:txBody>
-      </p:sp>
-      <p:sp>
-        <p:nvSpPr>
-          <p:cNvPr id="11" name="내용 개체 틀 2">
-            <a:extLst>
-              <a:ext uri="{FF2B5EF4-FFF2-40B4-BE49-F238E27FC236}">
-                <a16:creationId xmlns:a16="http://schemas.microsoft.com/office/drawing/2014/main" id="{A44AC902-3746-40D6-9827-94B46EEDDC67}"/>
-              </a:ext>
-            </a:extLst>
-          </p:cNvPr>
-          <p:cNvSpPr txBox="1">
-            <a:spLocks/>
-          </p:cNvSpPr>
-          <p:nvPr/>
-        </p:nvSpPr>
-        <p:spPr>
-          <a:xfrm>
-            <a:off x="341787" y="957257"/>
-            <a:ext cx="8642350" cy="5225829"/>
-          </a:xfrm>
-          <a:prstGeom prst="rect">
-            <a:avLst/>
-          </a:prstGeom>
-        </p:spPr>
-        <p:txBody>
-          <a:bodyPr vert="horz" lIns="91440" tIns="45720" rIns="91440" bIns="45720" rtlCol="0">
-            <a:noAutofit/>
-          </a:bodyPr>
-          <a:lstStyle>
-            <a:lvl1pPr marL="266700" indent="-266700" defTabSz="914400" latinLnBrk="1">
-              <a:lnSpc>
-                <a:spcPct val="150000"/>
-              </a:lnSpc>
-              <a:spcBef>
-                <a:spcPct val="0"/>
-              </a:spcBef>
-              <a:buClr>
-                <a:schemeClr val="tx1">
-                  <a:lumMod val="65000"/>
-                  <a:lumOff val="35000"/>
-                </a:schemeClr>
-              </a:buClr>
-              <a:buFont typeface="Wingdings" pitchFamily="2" charset="2"/>
-              <a:buChar char="n"/>
-              <a:defRPr sz="2000" b="1">
-                <a:latin typeface="+mn-ea"/>
-              </a:defRPr>
-            </a:lvl1pPr>
-            <a:lvl2pPr marL="447675" lvl="1" indent="-180975" defTabSz="914400" latinLnBrk="1">
-              <a:lnSpc>
-                <a:spcPct val="150000"/>
-              </a:lnSpc>
-              <a:spcBef>
-                <a:spcPts val="0"/>
-              </a:spcBef>
-              <a:spcAft>
-                <a:spcPts val="0"/>
-              </a:spcAft>
-              <a:buClr>
-                <a:schemeClr val="tx1">
-                  <a:lumMod val="50000"/>
-                  <a:lumOff val="50000"/>
-                </a:schemeClr>
-              </a:buClr>
-              <a:buFont typeface="Wingdings" pitchFamily="2" charset="2"/>
-              <a:buChar char="§"/>
-              <a:defRPr sz="1600"/>
-            </a:lvl2pPr>
-            <a:lvl3pPr marL="628650" indent="-180975" defTabSz="914400" latinLnBrk="1">
-              <a:lnSpc>
-                <a:spcPct val="150000"/>
-              </a:lnSpc>
-              <a:spcBef>
-                <a:spcPts val="500"/>
-              </a:spcBef>
-              <a:spcAft>
-                <a:spcPts val="300"/>
-              </a:spcAft>
-              <a:buClr>
-                <a:schemeClr val="tx1">
-                  <a:lumMod val="65000"/>
-                  <a:lumOff val="35000"/>
-                </a:schemeClr>
-              </a:buClr>
-              <a:buFont typeface="Arial" panose="020B0604020202020204" pitchFamily="34" charset="0"/>
-              <a:buChar char="•"/>
-              <a:defRPr sz="1400"/>
-            </a:lvl3pPr>
-            <a:lvl4pPr marL="809625" indent="-180975" defTabSz="914400" latinLnBrk="1">
-              <a:lnSpc>
-                <a:spcPct val="150000"/>
-              </a:lnSpc>
-              <a:spcBef>
-                <a:spcPts val="500"/>
-              </a:spcBef>
-              <a:spcAft>
-                <a:spcPts val="300"/>
-              </a:spcAft>
-              <a:buClr>
-                <a:schemeClr val="tx1">
-                  <a:lumMod val="65000"/>
-                  <a:lumOff val="35000"/>
-                </a:schemeClr>
-              </a:buClr>
-              <a:buSzPct val="96000"/>
-              <a:buFont typeface="Arial" panose="020B0604020202020204" pitchFamily="34" charset="0"/>
-              <a:buChar char="•"/>
-              <a:defRPr sz="1200"/>
-            </a:lvl4pPr>
-            <a:lvl5pPr marL="990600" indent="-180975" defTabSz="914400" latinLnBrk="1">
-              <a:lnSpc>
-                <a:spcPct val="150000"/>
-              </a:lnSpc>
-              <a:spcBef>
-                <a:spcPts val="500"/>
-              </a:spcBef>
-              <a:buClr>
-                <a:schemeClr val="tx1">
-                  <a:lumMod val="65000"/>
-                  <a:lumOff val="35000"/>
-                </a:schemeClr>
-              </a:buClr>
-              <a:buFont typeface="Arial" panose="020B0604020202020204" pitchFamily="34" charset="0"/>
-              <a:buChar char="•"/>
-              <a:defRPr sz="1000"/>
-            </a:lvl5pPr>
-            <a:lvl6pPr marL="2514600" indent="-228600" defTabSz="914400" latinLnBrk="1">
-              <a:lnSpc>
-                <a:spcPct val="90000"/>
-              </a:lnSpc>
-              <a:spcBef>
-                <a:spcPts val="500"/>
-              </a:spcBef>
-              <a:buFont typeface="Arial" panose="020B0604020202020204" pitchFamily="34" charset="0"/>
-              <a:buChar char="•"/>
-            </a:lvl6pPr>
-            <a:lvl7pPr marL="2971800" indent="-228600" defTabSz="914400" latinLnBrk="1">
-              <a:lnSpc>
-                <a:spcPct val="90000"/>
-              </a:lnSpc>
-              <a:spcBef>
-                <a:spcPts val="500"/>
-              </a:spcBef>
-              <a:buFont typeface="Arial" panose="020B0604020202020204" pitchFamily="34" charset="0"/>
-              <a:buChar char="•"/>
-            </a:lvl7pPr>
-            <a:lvl8pPr marL="3429000" indent="-228600" defTabSz="914400" latinLnBrk="1">
-              <a:lnSpc>
-                <a:spcPct val="90000"/>
-              </a:lnSpc>
-              <a:spcBef>
-                <a:spcPts val="500"/>
-              </a:spcBef>
-              <a:buFont typeface="Arial" panose="020B0604020202020204" pitchFamily="34" charset="0"/>
-              <a:buChar char="•"/>
-            </a:lvl8pPr>
-            <a:lvl9pPr marL="3886200" indent="-228600" defTabSz="914400" latinLnBrk="1">
-              <a:lnSpc>
-                <a:spcPct val="90000"/>
-              </a:lnSpc>
-              <a:spcBef>
-                <a:spcPts val="500"/>
-              </a:spcBef>
-              <a:buFont typeface="Arial" panose="020B0604020202020204" pitchFamily="34" charset="0"/>
-              <a:buChar char="•"/>
-            </a:lvl9pPr>
-          </a:lstStyle>
-          <a:p>
-            <a:r>
-              <a:rPr lang="ko-KR" altLang="en-US" dirty="0"/>
-              <a:t>전체 요약 순서</a:t>
-            </a:r>
-            <a:endParaRPr lang="en-US" altLang="ko-KR" dirty="0"/>
-          </a:p>
-          <a:p>
-            <a:pPr marL="533400" lvl="1" indent="-266700">
-              <a:buFont typeface="+mj-ea"/>
-              <a:buAutoNum type="circleNumDbPlain"/>
-            </a:pPr>
-            <a:r>
-              <a:rPr lang="ko-KR" altLang="en-US" dirty="0">
-                <a:latin typeface="+mn-ea"/>
-              </a:rPr>
-              <a:t>나의 </a:t>
-            </a:r>
-            <a:r>
-              <a:rPr lang="en-US" altLang="ko-KR" dirty="0" err="1">
-                <a:latin typeface="+mn-ea"/>
-              </a:rPr>
-              <a:t>github</a:t>
-            </a:r>
-            <a:r>
-              <a:rPr lang="en-US" altLang="ko-KR" dirty="0">
-                <a:latin typeface="+mn-ea"/>
-              </a:rPr>
-              <a:t> </a:t>
-            </a:r>
-            <a:r>
-              <a:rPr lang="ko-KR" altLang="en-US" dirty="0">
-                <a:latin typeface="+mn-ea"/>
-              </a:rPr>
-              <a:t>계정에 로그인</a:t>
-            </a:r>
-            <a:endParaRPr lang="en-US" altLang="ko-KR" dirty="0">
-              <a:latin typeface="+mn-ea"/>
-            </a:endParaRPr>
-          </a:p>
-          <a:p>
-            <a:pPr marL="533400" lvl="1" indent="-266700">
-              <a:buFont typeface="+mj-ea"/>
-              <a:buAutoNum type="circleNumDbPlain"/>
-            </a:pPr>
-            <a:r>
-              <a:rPr lang="ko-KR" altLang="en-US" dirty="0">
-                <a:latin typeface="+mn-ea"/>
-              </a:rPr>
-              <a:t>참여하고 싶은 저장소</a:t>
-            </a:r>
-            <a:r>
-              <a:rPr lang="en-US" altLang="ko-KR" dirty="0">
-                <a:latin typeface="+mn-ea"/>
-              </a:rPr>
-              <a:t>(upstream)</a:t>
-            </a:r>
-            <a:r>
-              <a:rPr lang="ko-KR" altLang="en-US" dirty="0">
-                <a:latin typeface="+mn-ea"/>
-              </a:rPr>
-              <a:t> 찾기</a:t>
-            </a:r>
-            <a:endParaRPr lang="en-US" altLang="ko-KR" dirty="0">
-              <a:latin typeface="+mn-ea"/>
-            </a:endParaRPr>
-          </a:p>
-          <a:p>
-            <a:pPr marL="533400" lvl="1" indent="-266700">
-              <a:buFont typeface="+mj-ea"/>
-              <a:buAutoNum type="circleNumDbPlain"/>
-            </a:pPr>
-            <a:r>
-              <a:rPr lang="ko-KR" altLang="en-US" dirty="0">
-                <a:latin typeface="+mn-ea"/>
-              </a:rPr>
-              <a:t>나의 원격저장소</a:t>
-            </a:r>
-            <a:r>
-              <a:rPr lang="en-US" altLang="ko-KR" dirty="0">
-                <a:latin typeface="+mn-ea"/>
-              </a:rPr>
-              <a:t>(origin)</a:t>
-            </a:r>
-            <a:r>
-              <a:rPr lang="ko-KR" altLang="en-US" dirty="0">
-                <a:latin typeface="+mn-ea"/>
-              </a:rPr>
-              <a:t>로 </a:t>
-            </a:r>
-            <a:r>
-              <a:rPr lang="en-US" altLang="ko-KR" dirty="0">
-                <a:latin typeface="+mn-ea"/>
-              </a:rPr>
-              <a:t>Fork</a:t>
-            </a:r>
-            <a:r>
-              <a:rPr lang="ko-KR" altLang="en-US" dirty="0">
-                <a:latin typeface="+mn-ea"/>
-              </a:rPr>
-              <a:t>하기</a:t>
-            </a:r>
-            <a:endParaRPr lang="en-US" altLang="ko-KR" dirty="0">
-              <a:latin typeface="+mn-ea"/>
-            </a:endParaRPr>
-          </a:p>
-          <a:p>
-            <a:pPr marL="533400" lvl="1" indent="-266700">
-              <a:buFont typeface="+mj-ea"/>
-              <a:buAutoNum type="circleNumDbPlain"/>
-            </a:pPr>
-            <a:r>
-              <a:rPr lang="ko-KR" altLang="en-US" dirty="0">
-                <a:latin typeface="+mn-ea"/>
-              </a:rPr>
-              <a:t>나의 로컬저장소로 </a:t>
-            </a:r>
-            <a:r>
-              <a:rPr lang="en-US" altLang="ko-KR" dirty="0">
-                <a:latin typeface="+mn-ea"/>
-              </a:rPr>
-              <a:t>clone</a:t>
-            </a:r>
-            <a:r>
-              <a:rPr lang="ko-KR" altLang="en-US" dirty="0">
-                <a:latin typeface="+mn-ea"/>
-              </a:rPr>
-              <a:t>하기 </a:t>
-            </a:r>
-            <a:r>
-              <a:rPr lang="en-US" altLang="ko-KR" dirty="0">
-                <a:latin typeface="+mn-ea"/>
-              </a:rPr>
-              <a:t> ☞ git clone</a:t>
-            </a:r>
-            <a:r>
-              <a:rPr lang="ko-KR" altLang="en-US" dirty="0">
-                <a:latin typeface="+mn-ea"/>
-              </a:rPr>
-              <a:t> </a:t>
-            </a:r>
-            <a:r>
-              <a:rPr lang="en-US" altLang="ko-KR" dirty="0">
-                <a:latin typeface="+mn-ea"/>
-              </a:rPr>
-              <a:t>upstream-address</a:t>
-            </a:r>
-          </a:p>
-          <a:p>
-            <a:pPr marL="533400" lvl="1" indent="-266700">
-              <a:buFont typeface="+mj-ea"/>
-              <a:buAutoNum type="circleNumDbPlain"/>
-            </a:pPr>
-            <a:r>
-              <a:rPr lang="ko-KR" altLang="en-US" dirty="0">
-                <a:latin typeface="+mn-ea"/>
-              </a:rPr>
-              <a:t>로컬저장소에서 작업 </a:t>
-            </a:r>
-            <a:r>
-              <a:rPr lang="en-US" altLang="ko-KR" dirty="0">
-                <a:latin typeface="+mn-ea"/>
-              </a:rPr>
-              <a:t>branch </a:t>
-            </a:r>
-            <a:r>
-              <a:rPr lang="ko-KR" altLang="en-US" dirty="0">
-                <a:latin typeface="+mn-ea"/>
-              </a:rPr>
-              <a:t>만들기</a:t>
-            </a:r>
-            <a:r>
-              <a:rPr lang="en-US" altLang="ko-KR" dirty="0">
-                <a:latin typeface="+mn-ea"/>
-              </a:rPr>
-              <a:t> ☞ git checkout</a:t>
-            </a:r>
-            <a:r>
-              <a:rPr lang="ko-KR" altLang="en-US" dirty="0">
-                <a:latin typeface="+mn-ea"/>
-              </a:rPr>
-              <a:t> </a:t>
-            </a:r>
-            <a:r>
-              <a:rPr lang="en-US" altLang="ko-KR" dirty="0">
-                <a:latin typeface="+mn-ea"/>
-              </a:rPr>
-              <a:t>-b</a:t>
-            </a:r>
-            <a:r>
-              <a:rPr lang="ko-KR" altLang="en-US" dirty="0">
-                <a:latin typeface="+mn-ea"/>
-              </a:rPr>
-              <a:t> </a:t>
-            </a:r>
-            <a:r>
-              <a:rPr lang="en-US" altLang="ko-KR" dirty="0">
-                <a:latin typeface="+mn-ea"/>
-              </a:rPr>
-              <a:t>new-branch</a:t>
-            </a:r>
-          </a:p>
-          <a:p>
-            <a:pPr marL="533400" lvl="1" indent="-266700">
-              <a:buFont typeface="+mj-ea"/>
-              <a:buAutoNum type="circleNumDbPlain"/>
-            </a:pPr>
-            <a:r>
-              <a:rPr lang="ko-KR" altLang="en-US" dirty="0">
-                <a:latin typeface="+mn-ea"/>
-              </a:rPr>
-              <a:t>기여할 내용 수정작업하기</a:t>
-            </a:r>
-            <a:endParaRPr lang="en-US" altLang="ko-KR" dirty="0">
-              <a:latin typeface="+mn-ea"/>
-            </a:endParaRPr>
-          </a:p>
-          <a:p>
-            <a:pPr marL="533400" lvl="1" indent="-266700">
-              <a:buFont typeface="+mj-ea"/>
-              <a:buAutoNum type="circleNumDbPlain"/>
-            </a:pPr>
-            <a:r>
-              <a:rPr lang="ko-KR" altLang="en-US" dirty="0">
-                <a:latin typeface="+mn-ea"/>
-              </a:rPr>
-              <a:t>나의 원격저장소</a:t>
-            </a:r>
-            <a:r>
-              <a:rPr lang="en-US" altLang="ko-KR" dirty="0">
-                <a:latin typeface="+mn-ea"/>
-              </a:rPr>
-              <a:t>(origin)</a:t>
-            </a:r>
-            <a:r>
-              <a:rPr lang="ko-KR" altLang="en-US" dirty="0">
-                <a:latin typeface="+mn-ea"/>
-              </a:rPr>
-              <a:t>로 </a:t>
-            </a:r>
-            <a:r>
-              <a:rPr lang="en-US" altLang="ko-KR" dirty="0">
-                <a:latin typeface="+mn-ea"/>
-              </a:rPr>
-              <a:t>push</a:t>
-            </a:r>
-            <a:r>
-              <a:rPr lang="ko-KR" altLang="en-US" dirty="0">
-                <a:latin typeface="+mn-ea"/>
-              </a:rPr>
-              <a:t>하기</a:t>
-            </a:r>
-            <a:r>
-              <a:rPr lang="en-US" altLang="ko-KR" dirty="0">
-                <a:latin typeface="+mn-ea"/>
-              </a:rPr>
-              <a:t> ☞ git push -u origin new-branch</a:t>
-            </a:r>
-          </a:p>
-          <a:p>
-            <a:pPr marL="533400" lvl="1" indent="-266700">
-              <a:buFont typeface="+mj-ea"/>
-              <a:buAutoNum type="circleNumDbPlain"/>
-            </a:pPr>
-            <a:r>
-              <a:rPr lang="ko-KR" altLang="en-US" dirty="0">
-                <a:latin typeface="+mn-ea"/>
-              </a:rPr>
-              <a:t>나의 원격저장소</a:t>
-            </a:r>
-            <a:r>
-              <a:rPr lang="en-US" altLang="ko-KR" dirty="0">
-                <a:latin typeface="+mn-ea"/>
-              </a:rPr>
-              <a:t>(origin)</a:t>
-            </a:r>
-            <a:r>
-              <a:rPr lang="ko-KR" altLang="en-US" dirty="0">
-                <a:latin typeface="+mn-ea"/>
-              </a:rPr>
-              <a:t>에서 </a:t>
-            </a:r>
-            <a:r>
-              <a:rPr lang="en-US" altLang="ko-KR" dirty="0">
-                <a:latin typeface="+mn-ea"/>
-              </a:rPr>
-              <a:t>Compare &amp; pull request </a:t>
-            </a:r>
-            <a:r>
-              <a:rPr lang="ko-KR" altLang="en-US" dirty="0">
-                <a:latin typeface="+mn-ea"/>
-              </a:rPr>
-              <a:t>하기</a:t>
-            </a:r>
-            <a:endParaRPr lang="en-US" altLang="ko-KR" dirty="0">
-              <a:latin typeface="+mn-ea"/>
-            </a:endParaRPr>
-          </a:p>
-          <a:p>
-            <a:pPr marL="533400" lvl="1" indent="-266700">
-              <a:buFont typeface="+mj-ea"/>
-              <a:buAutoNum type="circleNumDbPlain"/>
-            </a:pPr>
-            <a:r>
-              <a:rPr lang="ko-KR" altLang="en-US" dirty="0">
-                <a:latin typeface="+mn-ea"/>
-              </a:rPr>
-              <a:t>나의 원격저장소</a:t>
-            </a:r>
-            <a:r>
-              <a:rPr lang="en-US" altLang="ko-KR" dirty="0">
-                <a:latin typeface="+mn-ea"/>
-              </a:rPr>
-              <a:t>(origin)</a:t>
-            </a:r>
-            <a:r>
-              <a:rPr lang="ko-KR" altLang="en-US" dirty="0">
-                <a:latin typeface="+mn-ea"/>
-              </a:rPr>
-              <a:t>에서</a:t>
-            </a:r>
-            <a:r>
-              <a:rPr lang="en-US" altLang="ko-KR" dirty="0">
-                <a:latin typeface="+mn-ea"/>
-              </a:rPr>
-              <a:t> Create</a:t>
-            </a:r>
-            <a:r>
-              <a:rPr lang="ko-KR" altLang="en-US" dirty="0">
-                <a:latin typeface="+mn-ea"/>
-              </a:rPr>
-              <a:t> </a:t>
-            </a:r>
-            <a:r>
-              <a:rPr lang="en-US" altLang="ko-KR" dirty="0">
-                <a:latin typeface="+mn-ea"/>
-              </a:rPr>
-              <a:t>pull request</a:t>
-            </a:r>
-            <a:r>
-              <a:rPr lang="ko-KR" altLang="en-US" dirty="0">
-                <a:latin typeface="+mn-ea"/>
-              </a:rPr>
-              <a:t>하기</a:t>
-            </a:r>
-            <a:endParaRPr lang="en-US" altLang="ko-KR" dirty="0">
-              <a:latin typeface="+mn-ea"/>
-            </a:endParaRPr>
-          </a:p>
-          <a:p>
-            <a:pPr marL="533400" lvl="1" indent="-266700">
-              <a:buFont typeface="+mj-ea"/>
-              <a:buAutoNum type="circleNumDbPlain"/>
-            </a:pPr>
-            <a:r>
-              <a:rPr lang="en-US" altLang="ko-KR" dirty="0">
-                <a:latin typeface="+mn-ea"/>
-              </a:rPr>
-              <a:t>Merge</a:t>
-            </a:r>
-            <a:r>
-              <a:rPr lang="ko-KR" altLang="en-US" dirty="0">
-                <a:latin typeface="+mn-ea"/>
-              </a:rPr>
-              <a:t>된 후</a:t>
-            </a:r>
-            <a:r>
-              <a:rPr lang="en-US" altLang="ko-KR" dirty="0">
-                <a:latin typeface="+mn-ea"/>
-              </a:rPr>
-              <a:t>, upstream</a:t>
-            </a:r>
-            <a:r>
-              <a:rPr lang="ko-KR" altLang="en-US" dirty="0">
-                <a:latin typeface="+mn-ea"/>
-              </a:rPr>
-              <a:t>내용을 </a:t>
-            </a:r>
-            <a:r>
-              <a:rPr lang="en-US" altLang="ko-KR" dirty="0">
-                <a:latin typeface="+mn-ea"/>
-              </a:rPr>
-              <a:t>local</a:t>
-            </a:r>
-            <a:r>
-              <a:rPr lang="ko-KR" altLang="en-US" dirty="0">
-                <a:latin typeface="+mn-ea"/>
-              </a:rPr>
-              <a:t> 저장소에 </a:t>
-            </a:r>
-            <a:r>
-              <a:rPr lang="en-US" altLang="ko-KR" dirty="0">
-                <a:latin typeface="+mn-ea"/>
-              </a:rPr>
-              <a:t>pull</a:t>
-            </a:r>
-            <a:r>
-              <a:rPr lang="ko-KR" altLang="en-US" dirty="0">
-                <a:latin typeface="+mn-ea"/>
-              </a:rPr>
-              <a:t>하기</a:t>
-            </a:r>
-            <a:r>
-              <a:rPr lang="en-US" altLang="ko-KR" dirty="0">
-                <a:latin typeface="+mn-ea"/>
-              </a:rPr>
-              <a:t> ☞ git pull upstream main</a:t>
-            </a:r>
-          </a:p>
-          <a:p>
-            <a:pPr marL="533400" lvl="1" indent="-266700">
-              <a:buFont typeface="+mj-ea"/>
-              <a:buAutoNum type="circleNumDbPlain"/>
-            </a:pPr>
-            <a:r>
-              <a:rPr lang="ko-KR" altLang="en-US" dirty="0">
-                <a:latin typeface="+mn-ea"/>
-              </a:rPr>
-              <a:t>로컬저장소에서 작업한 </a:t>
-            </a:r>
-            <a:r>
-              <a:rPr lang="en-US" altLang="ko-KR" dirty="0">
-                <a:latin typeface="+mn-ea"/>
-              </a:rPr>
-              <a:t>branch </a:t>
-            </a:r>
-            <a:r>
-              <a:rPr lang="ko-KR" altLang="en-US" dirty="0">
-                <a:latin typeface="+mn-ea"/>
-              </a:rPr>
-              <a:t>지우기</a:t>
-            </a:r>
-            <a:r>
-              <a:rPr lang="en-US" altLang="ko-KR" dirty="0">
-                <a:latin typeface="+mn-ea"/>
-              </a:rPr>
-              <a:t> ☞ git branch -d new-branch</a:t>
-            </a:r>
-          </a:p>
-          <a:p>
-            <a:pPr marL="533400" lvl="1" indent="-266700">
-              <a:buFont typeface="+mj-ea"/>
-              <a:buAutoNum type="circleNumDbPlain"/>
-            </a:pPr>
-            <a:r>
-              <a:rPr lang="ko-KR" altLang="en-US" dirty="0">
-                <a:latin typeface="+mn-ea"/>
-              </a:rPr>
-              <a:t>로컬저장소 내용을 </a:t>
-            </a:r>
-            <a:r>
-              <a:rPr lang="en-US" altLang="ko-KR" dirty="0">
-                <a:latin typeface="+mn-ea"/>
-              </a:rPr>
-              <a:t>origin</a:t>
-            </a:r>
-            <a:r>
-              <a:rPr lang="ko-KR" altLang="en-US" dirty="0">
-                <a:latin typeface="+mn-ea"/>
-              </a:rPr>
-              <a:t>으로 </a:t>
-            </a:r>
-            <a:r>
-              <a:rPr lang="en-US" altLang="ko-KR" dirty="0">
-                <a:latin typeface="+mn-ea"/>
-              </a:rPr>
-              <a:t>push</a:t>
-            </a:r>
-            <a:r>
-              <a:rPr lang="ko-KR" altLang="en-US" dirty="0">
-                <a:latin typeface="+mn-ea"/>
-              </a:rPr>
-              <a:t>하기</a:t>
-            </a:r>
-            <a:r>
-              <a:rPr lang="en-US" altLang="ko-KR" dirty="0">
-                <a:latin typeface="+mn-ea"/>
-              </a:rPr>
-              <a:t> ☞ git push origin main</a:t>
-            </a:r>
-          </a:p>
-          <a:p>
-            <a:pPr marL="533400" lvl="1" indent="-266700">
-              <a:buFont typeface="+mj-ea"/>
-              <a:buAutoNum type="circleNumDbPlain"/>
-            </a:pPr>
-            <a:r>
-              <a:rPr lang="ko-KR" altLang="en-US" dirty="0">
-                <a:latin typeface="+mn-ea"/>
-              </a:rPr>
-              <a:t>원격저장소</a:t>
-            </a:r>
-            <a:r>
-              <a:rPr lang="en-US" altLang="ko-KR" dirty="0">
-                <a:latin typeface="+mn-ea"/>
-              </a:rPr>
-              <a:t>(origin) </a:t>
-            </a:r>
-            <a:r>
-              <a:rPr lang="ko-KR" altLang="en-US" dirty="0" err="1">
-                <a:latin typeface="+mn-ea"/>
-              </a:rPr>
-              <a:t>브랜치</a:t>
-            </a:r>
-            <a:r>
-              <a:rPr lang="ko-KR" altLang="en-US" dirty="0">
-                <a:latin typeface="+mn-ea"/>
-              </a:rPr>
-              <a:t> 삭제하기</a:t>
-            </a:r>
-            <a:r>
-              <a:rPr lang="en-US" altLang="ko-KR" dirty="0">
-                <a:latin typeface="+mn-ea"/>
-              </a:rPr>
-              <a:t> ☞ git push -d origin new-branch </a:t>
-            </a:r>
-          </a:p>
-          <a:p>
-            <a:pPr marL="533400" lvl="1" indent="-266700">
-              <a:buFont typeface="+mj-ea"/>
-              <a:buAutoNum type="circleNumDbPlain"/>
-            </a:pPr>
-            <a:endParaRPr lang="en-US" altLang="ko-KR" dirty="0">
-              <a:latin typeface="+mn-ea"/>
-            </a:endParaRPr>
-          </a:p>
-        </p:txBody>
-      </p:sp>
-      <p:sp>
-        <p:nvSpPr>
-          <p:cNvPr id="5" name="슬라이드 번호 개체 틀 4">
-            <a:extLst>
-              <a:ext uri="{FF2B5EF4-FFF2-40B4-BE49-F238E27FC236}">
-                <a16:creationId xmlns:a16="http://schemas.microsoft.com/office/drawing/2014/main" id="{79862AAD-1F64-476F-96D2-A2F6D3C91890}"/>
-              </a:ext>
-            </a:extLst>
-          </p:cNvPr>
-          <p:cNvSpPr>
-            <a:spLocks noGrp="1"/>
-          </p:cNvSpPr>
-          <p:nvPr>
-            <p:ph type="sldNum" sz="quarter" idx="12"/>
-          </p:nvPr>
-        </p:nvSpPr>
-        <p:spPr/>
-        <p:txBody>
-          <a:bodyPr/>
-          <a:lstStyle/>
-          <a:p>
-            <a:fld id="{526ADF51-C4A2-4521-899C-87F34FDB9C0A}" type="slidenum">
-              <a:rPr lang="ko-KR" altLang="en-US" smtClean="0"/>
-              <a:pPr/>
-              <a:t>36</a:t>
-            </a:fld>
-            <a:r>
-              <a:rPr lang="en-US" altLang="ko-KR"/>
-              <a:t>/36</a:t>
-            </a:r>
-            <a:endParaRPr lang="ko-KR" altLang="en-US" dirty="0"/>
-          </a:p>
-        </p:txBody>
-      </p:sp>
-    </p:spTree>
-    <p:extLst>
-      <p:ext uri="{BB962C8B-B14F-4D97-AF65-F5344CB8AC3E}">
-        <p14:creationId xmlns:p14="http://schemas.microsoft.com/office/powerpoint/2010/main" val="473554646"/>
       </p:ext>
     </p:extLst>
   </p:cSld>
@@ -26292,7 +26703,7 @@
           <a:p>
             <a:r>
               <a:rPr lang="ko-KR" altLang="en-US" dirty="0"/>
-              <a:t>오픈소스 참조</a:t>
+              <a:t>전체 요약 순서</a:t>
             </a:r>
           </a:p>
         </p:txBody>
@@ -26466,53 +26877,519 @@
           <a:p>
             <a:r>
               <a:rPr lang="ko-KR" altLang="en-US" dirty="0"/>
-              <a:t>오픈소스 소개</a:t>
+              <a:t>전체 요약 순서</a:t>
             </a:r>
             <a:endParaRPr lang="en-US" altLang="ko-KR" dirty="0"/>
           </a:p>
           <a:p>
-            <a:pPr marL="0" indent="0">
-              <a:buNone/>
+            <a:pPr marL="533400" lvl="1" indent="-266700">
+              <a:buFont typeface="+mj-ea"/>
+              <a:buAutoNum type="circleNumDbPlain"/>
             </a:pPr>
             <a:r>
-              <a:rPr lang="en-US" altLang="ko-KR" sz="1800" b="0" dirty="0">
-                <a:latin typeface="+mn-ea"/>
-              </a:rPr>
-              <a:t>  </a:t>
-            </a:r>
-            <a:r>
-              <a:rPr lang="ko-KR" altLang="en-US" sz="1800" b="0" dirty="0">
-                <a:latin typeface="+mn-ea"/>
-              </a:rPr>
-              <a:t>네이버 오픈소스 가이드 </a:t>
-            </a:r>
-            <a:r>
-              <a:rPr lang="en-US" altLang="ko-KR" sz="1800" b="0" dirty="0">
-                <a:latin typeface="+mn-ea"/>
-              </a:rPr>
-              <a:t>:     </a:t>
-            </a:r>
-          </a:p>
-          <a:p>
-            <a:pPr marL="0" indent="0">
-              <a:buNone/>
+              <a:rPr lang="ko-KR" altLang="en-US" dirty="0">
+                <a:latin typeface="+mn-ea"/>
+              </a:rPr>
+              <a:t>나의 </a:t>
+            </a:r>
+            <a:r>
+              <a:rPr lang="en-US" altLang="ko-KR" dirty="0" err="1">
+                <a:latin typeface="+mn-ea"/>
+              </a:rPr>
+              <a:t>github</a:t>
+            </a:r>
+            <a:r>
+              <a:rPr lang="en-US" altLang="ko-KR" dirty="0">
+                <a:latin typeface="+mn-ea"/>
+              </a:rPr>
+              <a:t> </a:t>
+            </a:r>
+            <a:r>
+              <a:rPr lang="ko-KR" altLang="en-US" dirty="0">
+                <a:latin typeface="+mn-ea"/>
+              </a:rPr>
+              <a:t>계정에 로그인</a:t>
+            </a:r>
+            <a:endParaRPr lang="en-US" altLang="ko-KR" dirty="0">
+              <a:latin typeface="+mn-ea"/>
+            </a:endParaRPr>
+          </a:p>
+          <a:p>
+            <a:pPr marL="533400" lvl="1" indent="-266700">
+              <a:buFont typeface="+mj-ea"/>
+              <a:buAutoNum type="circleNumDbPlain"/>
             </a:pPr>
             <a:r>
-              <a:rPr lang="en-US" altLang="ko-KR" sz="1800" b="0" dirty="0">
-                <a:hlinkClick r:id="rId3"/>
-              </a:rPr>
-              <a:t>  </a:t>
-            </a:r>
-            <a:r>
-              <a:rPr lang="en-US" altLang="ko-KR" sz="1800" b="0" dirty="0">
-                <a:latin typeface="+mn-ea"/>
-                <a:hlinkClick r:id="rId3"/>
-              </a:rPr>
-              <a:t>https://naver.github.io/OpenSourceGuide/book/</a:t>
-            </a:r>
-            <a:endParaRPr lang="en-US" altLang="ko-KR" sz="1800" b="0" dirty="0">
+              <a:rPr lang="ko-KR" altLang="en-US" dirty="0">
+                <a:latin typeface="+mn-ea"/>
+              </a:rPr>
+              <a:t>참여하고 싶은 저장소</a:t>
+            </a:r>
+            <a:r>
+              <a:rPr lang="en-US" altLang="ko-KR" dirty="0">
+                <a:latin typeface="+mn-ea"/>
+              </a:rPr>
+              <a:t>(upstream)</a:t>
+            </a:r>
+            <a:r>
+              <a:rPr lang="ko-KR" altLang="en-US" dirty="0">
+                <a:latin typeface="+mn-ea"/>
+              </a:rPr>
+              <a:t> 찾기</a:t>
+            </a:r>
+            <a:endParaRPr lang="en-US" altLang="ko-KR" dirty="0">
               <a:latin typeface="+mn-ea"/>
             </a:endParaRPr>
+          </a:p>
+          <a:p>
+            <a:pPr marL="533400" lvl="1" indent="-266700">
+              <a:buFont typeface="+mj-ea"/>
+              <a:buAutoNum type="circleNumDbPlain"/>
+            </a:pPr>
+            <a:r>
+              <a:rPr lang="ko-KR" altLang="en-US" dirty="0">
+                <a:latin typeface="+mn-ea"/>
+              </a:rPr>
+              <a:t>나의 원격저장소</a:t>
+            </a:r>
+            <a:r>
+              <a:rPr lang="en-US" altLang="ko-KR" dirty="0">
+                <a:latin typeface="+mn-ea"/>
+              </a:rPr>
+              <a:t>(origin)</a:t>
+            </a:r>
+            <a:r>
+              <a:rPr lang="ko-KR" altLang="en-US" dirty="0">
+                <a:latin typeface="+mn-ea"/>
+              </a:rPr>
+              <a:t>로 </a:t>
+            </a:r>
+            <a:r>
+              <a:rPr lang="en-US" altLang="ko-KR" dirty="0">
+                <a:latin typeface="+mn-ea"/>
+              </a:rPr>
+              <a:t>Fork</a:t>
+            </a:r>
+            <a:r>
+              <a:rPr lang="ko-KR" altLang="en-US" dirty="0">
+                <a:latin typeface="+mn-ea"/>
+              </a:rPr>
+              <a:t>하기</a:t>
+            </a:r>
+            <a:endParaRPr lang="en-US" altLang="ko-KR" dirty="0">
+              <a:latin typeface="+mn-ea"/>
+            </a:endParaRPr>
+          </a:p>
+          <a:p>
+            <a:pPr marL="533400" lvl="1" indent="-266700">
+              <a:buFont typeface="+mj-ea"/>
+              <a:buAutoNum type="circleNumDbPlain"/>
+            </a:pPr>
+            <a:r>
+              <a:rPr lang="ko-KR" altLang="en-US" dirty="0">
+                <a:latin typeface="+mn-ea"/>
+              </a:rPr>
+              <a:t>나의 로컬저장소로 </a:t>
+            </a:r>
+            <a:r>
+              <a:rPr lang="en-US" altLang="ko-KR" dirty="0">
+                <a:latin typeface="+mn-ea"/>
+              </a:rPr>
+              <a:t>clone</a:t>
+            </a:r>
+            <a:r>
+              <a:rPr lang="ko-KR" altLang="en-US" dirty="0">
+                <a:latin typeface="+mn-ea"/>
+              </a:rPr>
+              <a:t>하기 </a:t>
+            </a:r>
+            <a:r>
+              <a:rPr lang="en-US" altLang="ko-KR" dirty="0">
+                <a:latin typeface="+mn-ea"/>
+              </a:rPr>
+              <a:t> ☞ git clone</a:t>
+            </a:r>
+            <a:r>
+              <a:rPr lang="ko-KR" altLang="en-US" dirty="0">
+                <a:latin typeface="+mn-ea"/>
+              </a:rPr>
+              <a:t> </a:t>
+            </a:r>
+            <a:r>
+              <a:rPr lang="en-US" altLang="ko-KR" dirty="0">
+                <a:latin typeface="+mn-ea"/>
+              </a:rPr>
+              <a:t>upstream-address</a:t>
+            </a:r>
+          </a:p>
+          <a:p>
+            <a:pPr marL="533400" lvl="1" indent="-266700">
+              <a:buFont typeface="+mj-ea"/>
+              <a:buAutoNum type="circleNumDbPlain"/>
+            </a:pPr>
+            <a:r>
+              <a:rPr lang="ko-KR" altLang="en-US" dirty="0">
+                <a:latin typeface="+mn-ea"/>
+              </a:rPr>
+              <a:t>로컬저장소에서 작업 </a:t>
+            </a:r>
+            <a:r>
+              <a:rPr lang="en-US" altLang="ko-KR" dirty="0">
+                <a:latin typeface="+mn-ea"/>
+              </a:rPr>
+              <a:t>branch </a:t>
+            </a:r>
+            <a:r>
+              <a:rPr lang="ko-KR" altLang="en-US" dirty="0">
+                <a:latin typeface="+mn-ea"/>
+              </a:rPr>
+              <a:t>만들기</a:t>
+            </a:r>
+            <a:r>
+              <a:rPr lang="en-US" altLang="ko-KR" dirty="0">
+                <a:latin typeface="+mn-ea"/>
+              </a:rPr>
+              <a:t> ☞ git checkout</a:t>
+            </a:r>
+            <a:r>
+              <a:rPr lang="ko-KR" altLang="en-US" dirty="0">
+                <a:latin typeface="+mn-ea"/>
+              </a:rPr>
+              <a:t> </a:t>
+            </a:r>
+            <a:r>
+              <a:rPr lang="en-US" altLang="ko-KR" dirty="0">
+                <a:latin typeface="+mn-ea"/>
+              </a:rPr>
+              <a:t>-b</a:t>
+            </a:r>
+            <a:r>
+              <a:rPr lang="ko-KR" altLang="en-US" dirty="0">
+                <a:latin typeface="+mn-ea"/>
+              </a:rPr>
+              <a:t> </a:t>
+            </a:r>
+            <a:r>
+              <a:rPr lang="en-US" altLang="ko-KR" dirty="0">
+                <a:latin typeface="+mn-ea"/>
+              </a:rPr>
+              <a:t>new-branch</a:t>
+            </a:r>
+          </a:p>
+          <a:p>
+            <a:pPr marL="533400" lvl="1" indent="-266700">
+              <a:buFont typeface="+mj-ea"/>
+              <a:buAutoNum type="circleNumDbPlain"/>
+            </a:pPr>
+            <a:r>
+              <a:rPr lang="ko-KR" altLang="en-US" dirty="0">
+                <a:latin typeface="+mn-ea"/>
+              </a:rPr>
+              <a:t>기여할 내용 수정작업하기</a:t>
+            </a:r>
+            <a:endParaRPr lang="en-US" altLang="ko-KR" dirty="0">
+              <a:latin typeface="+mn-ea"/>
+            </a:endParaRPr>
+          </a:p>
+          <a:p>
+            <a:pPr marL="533400" lvl="1" indent="-266700">
+              <a:buFont typeface="+mj-ea"/>
+              <a:buAutoNum type="circleNumDbPlain"/>
+            </a:pPr>
+            <a:r>
+              <a:rPr lang="ko-KR" altLang="en-US" dirty="0">
+                <a:latin typeface="+mn-ea"/>
+              </a:rPr>
+              <a:t>나의 원격저장소</a:t>
+            </a:r>
+            <a:r>
+              <a:rPr lang="en-US" altLang="ko-KR" dirty="0">
+                <a:latin typeface="+mn-ea"/>
+              </a:rPr>
+              <a:t>(origin)</a:t>
+            </a:r>
+            <a:r>
+              <a:rPr lang="ko-KR" altLang="en-US" dirty="0">
+                <a:latin typeface="+mn-ea"/>
+              </a:rPr>
+              <a:t>로 </a:t>
+            </a:r>
+            <a:r>
+              <a:rPr lang="en-US" altLang="ko-KR" dirty="0">
+                <a:latin typeface="+mn-ea"/>
+              </a:rPr>
+              <a:t>push</a:t>
+            </a:r>
+            <a:r>
+              <a:rPr lang="ko-KR" altLang="en-US" dirty="0">
+                <a:latin typeface="+mn-ea"/>
+              </a:rPr>
+              <a:t>하기</a:t>
+            </a:r>
+            <a:r>
+              <a:rPr lang="en-US" altLang="ko-KR" dirty="0">
+                <a:latin typeface="+mn-ea"/>
+              </a:rPr>
+              <a:t> ☞ git push -u origin new-branch</a:t>
+            </a:r>
+          </a:p>
+          <a:p>
+            <a:pPr marL="533400" lvl="1" indent="-266700">
+              <a:buFont typeface="+mj-ea"/>
+              <a:buAutoNum type="circleNumDbPlain"/>
+            </a:pPr>
+            <a:r>
+              <a:rPr lang="ko-KR" altLang="en-US" dirty="0">
+                <a:latin typeface="+mn-ea"/>
+              </a:rPr>
+              <a:t>나의 원격저장소</a:t>
+            </a:r>
+            <a:r>
+              <a:rPr lang="en-US" altLang="ko-KR" dirty="0">
+                <a:latin typeface="+mn-ea"/>
+              </a:rPr>
+              <a:t>(origin)</a:t>
+            </a:r>
+            <a:r>
+              <a:rPr lang="ko-KR" altLang="en-US" dirty="0">
+                <a:latin typeface="+mn-ea"/>
+              </a:rPr>
+              <a:t>에서 </a:t>
+            </a:r>
+            <a:r>
+              <a:rPr lang="en-US" altLang="ko-KR" dirty="0">
+                <a:latin typeface="+mn-ea"/>
+              </a:rPr>
+              <a:t>Compare &amp; pull request </a:t>
+            </a:r>
+            <a:r>
+              <a:rPr lang="ko-KR" altLang="en-US" dirty="0">
+                <a:latin typeface="+mn-ea"/>
+              </a:rPr>
+              <a:t>하기</a:t>
+            </a:r>
+            <a:endParaRPr lang="en-US" altLang="ko-KR" dirty="0">
+              <a:latin typeface="+mn-ea"/>
+            </a:endParaRPr>
+          </a:p>
+          <a:p>
+            <a:pPr marL="533400" lvl="1" indent="-266700">
+              <a:buFont typeface="+mj-ea"/>
+              <a:buAutoNum type="circleNumDbPlain"/>
+            </a:pPr>
+            <a:r>
+              <a:rPr lang="ko-KR" altLang="en-US" dirty="0">
+                <a:latin typeface="+mn-ea"/>
+              </a:rPr>
+              <a:t>나의 원격저장소</a:t>
+            </a:r>
+            <a:r>
+              <a:rPr lang="en-US" altLang="ko-KR" dirty="0">
+                <a:latin typeface="+mn-ea"/>
+              </a:rPr>
+              <a:t>(origin)</a:t>
+            </a:r>
+            <a:r>
+              <a:rPr lang="ko-KR" altLang="en-US" dirty="0">
+                <a:latin typeface="+mn-ea"/>
+              </a:rPr>
+              <a:t>에서</a:t>
+            </a:r>
+            <a:r>
+              <a:rPr lang="en-US" altLang="ko-KR" dirty="0">
+                <a:latin typeface="+mn-ea"/>
+              </a:rPr>
+              <a:t> Create</a:t>
+            </a:r>
+            <a:r>
+              <a:rPr lang="ko-KR" altLang="en-US" dirty="0">
+                <a:latin typeface="+mn-ea"/>
+              </a:rPr>
+              <a:t> </a:t>
+            </a:r>
+            <a:r>
+              <a:rPr lang="en-US" altLang="ko-KR" dirty="0">
+                <a:latin typeface="+mn-ea"/>
+              </a:rPr>
+              <a:t>pull request</a:t>
+            </a:r>
+            <a:r>
+              <a:rPr lang="ko-KR" altLang="en-US" dirty="0">
+                <a:latin typeface="+mn-ea"/>
+              </a:rPr>
+              <a:t>하기</a:t>
+            </a:r>
+            <a:endParaRPr lang="en-US" altLang="ko-KR" dirty="0">
+              <a:latin typeface="+mn-ea"/>
+            </a:endParaRPr>
+          </a:p>
+          <a:p>
+            <a:pPr marL="533400" lvl="1" indent="-266700">
+              <a:buFont typeface="+mj-ea"/>
+              <a:buAutoNum type="circleNumDbPlain"/>
+            </a:pPr>
+            <a:r>
+              <a:rPr lang="en-US" altLang="ko-KR" dirty="0">
+                <a:latin typeface="+mn-ea"/>
+              </a:rPr>
+              <a:t>Merge</a:t>
+            </a:r>
+            <a:r>
+              <a:rPr lang="ko-KR" altLang="en-US" dirty="0">
+                <a:latin typeface="+mn-ea"/>
+              </a:rPr>
+              <a:t>된 후</a:t>
+            </a:r>
+            <a:r>
+              <a:rPr lang="en-US" altLang="ko-KR" dirty="0">
+                <a:latin typeface="+mn-ea"/>
+              </a:rPr>
+              <a:t>, upstream</a:t>
+            </a:r>
+            <a:r>
+              <a:rPr lang="ko-KR" altLang="en-US" dirty="0">
+                <a:latin typeface="+mn-ea"/>
+              </a:rPr>
+              <a:t>내용을 </a:t>
+            </a:r>
+            <a:r>
+              <a:rPr lang="en-US" altLang="ko-KR" dirty="0">
+                <a:latin typeface="+mn-ea"/>
+              </a:rPr>
+              <a:t>local</a:t>
+            </a:r>
+            <a:r>
+              <a:rPr lang="ko-KR" altLang="en-US" dirty="0">
+                <a:latin typeface="+mn-ea"/>
+              </a:rPr>
+              <a:t> 저장소에 </a:t>
+            </a:r>
+            <a:r>
+              <a:rPr lang="en-US" altLang="ko-KR" dirty="0">
+                <a:latin typeface="+mn-ea"/>
+              </a:rPr>
+              <a:t>pull</a:t>
+            </a:r>
+            <a:r>
+              <a:rPr lang="ko-KR" altLang="en-US" dirty="0">
+                <a:latin typeface="+mn-ea"/>
+              </a:rPr>
+              <a:t>하기</a:t>
+            </a:r>
+            <a:r>
+              <a:rPr lang="en-US" altLang="ko-KR" dirty="0">
+                <a:latin typeface="+mn-ea"/>
+              </a:rPr>
+              <a:t> ☞ git pull upstream main</a:t>
+            </a:r>
+          </a:p>
+          <a:p>
+            <a:pPr marL="533400" lvl="1" indent="-266700">
+              <a:buFont typeface="+mj-ea"/>
+              <a:buAutoNum type="circleNumDbPlain"/>
+            </a:pPr>
+            <a:r>
+              <a:rPr lang="ko-KR" altLang="en-US" dirty="0">
+                <a:latin typeface="+mn-ea"/>
+              </a:rPr>
+              <a:t>로컬저장소에서 작업한 </a:t>
+            </a:r>
+            <a:r>
+              <a:rPr lang="en-US" altLang="ko-KR" dirty="0">
+                <a:latin typeface="+mn-ea"/>
+              </a:rPr>
+              <a:t>branch </a:t>
+            </a:r>
+            <a:r>
+              <a:rPr lang="ko-KR" altLang="en-US" dirty="0">
+                <a:latin typeface="+mn-ea"/>
+              </a:rPr>
+              <a:t>지우기</a:t>
+            </a:r>
+            <a:r>
+              <a:rPr lang="en-US" altLang="ko-KR" dirty="0">
+                <a:latin typeface="+mn-ea"/>
+              </a:rPr>
+              <a:t> ☞ git branch -d new-branch</a:t>
+            </a:r>
+          </a:p>
+          <a:p>
+            <a:pPr marL="533400" lvl="1" indent="-266700">
+              <a:buFont typeface="+mj-ea"/>
+              <a:buAutoNum type="circleNumDbPlain"/>
+            </a:pPr>
+            <a:r>
+              <a:rPr lang="ko-KR" altLang="en-US" dirty="0">
+                <a:latin typeface="+mn-ea"/>
+              </a:rPr>
+              <a:t>로컬저장소 내용을 </a:t>
+            </a:r>
+            <a:r>
+              <a:rPr lang="en-US" altLang="ko-KR" dirty="0">
+                <a:latin typeface="+mn-ea"/>
+              </a:rPr>
+              <a:t>origin</a:t>
+            </a:r>
+            <a:r>
+              <a:rPr lang="ko-KR" altLang="en-US" dirty="0">
+                <a:latin typeface="+mn-ea"/>
+              </a:rPr>
+              <a:t>으로 </a:t>
+            </a:r>
+            <a:r>
+              <a:rPr lang="en-US" altLang="ko-KR" dirty="0">
+                <a:latin typeface="+mn-ea"/>
+              </a:rPr>
+              <a:t>push</a:t>
+            </a:r>
+            <a:r>
+              <a:rPr lang="ko-KR" altLang="en-US" dirty="0">
+                <a:latin typeface="+mn-ea"/>
+              </a:rPr>
+              <a:t>하기</a:t>
+            </a:r>
+            <a:r>
+              <a:rPr lang="en-US" altLang="ko-KR" dirty="0">
+                <a:latin typeface="+mn-ea"/>
+              </a:rPr>
+              <a:t> ☞ git push origin main</a:t>
+            </a:r>
+          </a:p>
+          <a:p>
+            <a:pPr marL="533400" lvl="1" indent="-266700">
+              <a:buFont typeface="+mj-ea"/>
+              <a:buAutoNum type="circleNumDbPlain"/>
+            </a:pPr>
+            <a:r>
+              <a:rPr lang="ko-KR" altLang="en-US" dirty="0">
+                <a:latin typeface="+mn-ea"/>
+              </a:rPr>
+              <a:t>원격저장소</a:t>
+            </a:r>
+            <a:r>
+              <a:rPr lang="en-US" altLang="ko-KR" dirty="0">
+                <a:latin typeface="+mn-ea"/>
+              </a:rPr>
+              <a:t>(origin) </a:t>
+            </a:r>
+            <a:r>
+              <a:rPr lang="ko-KR" altLang="en-US" dirty="0" err="1">
+                <a:latin typeface="+mn-ea"/>
+              </a:rPr>
+              <a:t>브랜치</a:t>
+            </a:r>
+            <a:r>
+              <a:rPr lang="ko-KR" altLang="en-US" dirty="0">
+                <a:latin typeface="+mn-ea"/>
+              </a:rPr>
+              <a:t> 삭제하기</a:t>
+            </a:r>
+            <a:r>
+              <a:rPr lang="en-US" altLang="ko-KR" dirty="0">
+                <a:latin typeface="+mn-ea"/>
+              </a:rPr>
+              <a:t> ☞ git push -d origin new-branch </a:t>
+            </a:r>
           </a:p>
           <a:p>
             <a:pPr marL="533400" lvl="1" indent="-266700">
@@ -26527,10 +27404,10 @@
       </p:sp>
       <p:sp>
         <p:nvSpPr>
-          <p:cNvPr id="5" name="슬라이드 번호 개체 틀 4">
+          <p:cNvPr id="2" name="슬라이드 번호 개체 틀 1">
             <a:extLst>
               <a:ext uri="{FF2B5EF4-FFF2-40B4-BE49-F238E27FC236}">
-                <a16:creationId xmlns:a16="http://schemas.microsoft.com/office/drawing/2014/main" id="{7C100382-726B-4273-B028-E592888A798E}"/>
+                <a16:creationId xmlns:a16="http://schemas.microsoft.com/office/drawing/2014/main" id="{F00BADE3-1694-4272-B60A-0C9151FF2B75}"/>
               </a:ext>
             </a:extLst>
           </p:cNvPr>
@@ -26553,7 +27430,334 @@
             </a:fld>
             <a:r>
               <a:rPr lang="en-US" altLang="ko-KR"/>
-              <a:t>/36</a:t>
+              <a:t>/37</a:t>
+            </a:r>
+            <a:endParaRPr lang="ko-KR" altLang="en-US" dirty="0"/>
+          </a:p>
+        </p:txBody>
+      </p:sp>
+    </p:spTree>
+    <p:extLst>
+      <p:ext uri="{BB962C8B-B14F-4D97-AF65-F5344CB8AC3E}">
+        <p14:creationId xmlns:p14="http://schemas.microsoft.com/office/powerpoint/2010/main" val="473554646"/>
+      </p:ext>
+    </p:extLst>
+  </p:cSld>
+  <p:clrMapOvr>
+    <a:masterClrMapping/>
+  </p:clrMapOvr>
+</p:sld>
+</file>
+
+<file path=ppt/slides/slide38.xml><?xml version="1.0" encoding="utf-8"?>
+<p:sld xmlns:a="http://schemas.openxmlformats.org/drawingml/2006/main" xmlns:r="http://schemas.openxmlformats.org/officeDocument/2006/relationships" xmlns:p="http://schemas.openxmlformats.org/presentationml/2006/main">
+  <p:cSld>
+    <p:spTree>
+      <p:nvGrpSpPr>
+        <p:cNvPr id="1" name=""/>
+        <p:cNvGrpSpPr/>
+        <p:nvPr/>
+      </p:nvGrpSpPr>
+      <p:grpSpPr>
+        <a:xfrm>
+          <a:off x="0" y="0"/>
+          <a:ext cx="0" cy="0"/>
+          <a:chOff x="0" y="0"/>
+          <a:chExt cx="0" cy="0"/>
+        </a:xfrm>
+      </p:grpSpPr>
+      <p:sp>
+        <p:nvSpPr>
+          <p:cNvPr id="4" name="제목 3">
+            <a:extLst>
+              <a:ext uri="{FF2B5EF4-FFF2-40B4-BE49-F238E27FC236}">
+                <a16:creationId xmlns:a16="http://schemas.microsoft.com/office/drawing/2014/main" id="{F0CEB32B-CB43-4410-BA08-A97E4BC47FCB}"/>
+              </a:ext>
+            </a:extLst>
+          </p:cNvPr>
+          <p:cNvSpPr>
+            <a:spLocks noGrp="1"/>
+          </p:cNvSpPr>
+          <p:nvPr>
+            <p:ph type="title"/>
+          </p:nvPr>
+        </p:nvSpPr>
+        <p:spPr>
+          <a:xfrm>
+            <a:off x="539551" y="192300"/>
+            <a:ext cx="8244853" cy="576064"/>
+          </a:xfrm>
+        </p:spPr>
+        <p:txBody>
+          <a:bodyPr>
+            <a:normAutofit/>
+          </a:bodyPr>
+          <a:lstStyle/>
+          <a:p>
+            <a:r>
+              <a:rPr lang="ko-KR" altLang="en-US" dirty="0"/>
+              <a:t>오픈소스 참조</a:t>
+            </a:r>
+          </a:p>
+        </p:txBody>
+      </p:sp>
+      <p:sp>
+        <p:nvSpPr>
+          <p:cNvPr id="11" name="내용 개체 틀 2">
+            <a:extLst>
+              <a:ext uri="{FF2B5EF4-FFF2-40B4-BE49-F238E27FC236}">
+                <a16:creationId xmlns:a16="http://schemas.microsoft.com/office/drawing/2014/main" id="{A44AC902-3746-40D6-9827-94B46EEDDC67}"/>
+              </a:ext>
+            </a:extLst>
+          </p:cNvPr>
+          <p:cNvSpPr txBox="1">
+            <a:spLocks/>
+          </p:cNvSpPr>
+          <p:nvPr/>
+        </p:nvSpPr>
+        <p:spPr>
+          <a:xfrm>
+            <a:off x="341787" y="957257"/>
+            <a:ext cx="8642350" cy="5225829"/>
+          </a:xfrm>
+          <a:prstGeom prst="rect">
+            <a:avLst/>
+          </a:prstGeom>
+        </p:spPr>
+        <p:txBody>
+          <a:bodyPr vert="horz" lIns="91440" tIns="45720" rIns="91440" bIns="45720" rtlCol="0">
+            <a:noAutofit/>
+          </a:bodyPr>
+          <a:lstStyle>
+            <a:lvl1pPr marL="266700" indent="-266700" defTabSz="914400" latinLnBrk="1">
+              <a:lnSpc>
+                <a:spcPct val="150000"/>
+              </a:lnSpc>
+              <a:spcBef>
+                <a:spcPct val="0"/>
+              </a:spcBef>
+              <a:buClr>
+                <a:schemeClr val="tx1">
+                  <a:lumMod val="65000"/>
+                  <a:lumOff val="35000"/>
+                </a:schemeClr>
+              </a:buClr>
+              <a:buFont typeface="Wingdings" pitchFamily="2" charset="2"/>
+              <a:buChar char="n"/>
+              <a:defRPr sz="2000" b="1">
+                <a:latin typeface="+mn-ea"/>
+              </a:defRPr>
+            </a:lvl1pPr>
+            <a:lvl2pPr marL="447675" lvl="1" indent="-180975" defTabSz="914400" latinLnBrk="1">
+              <a:lnSpc>
+                <a:spcPct val="150000"/>
+              </a:lnSpc>
+              <a:spcBef>
+                <a:spcPts val="0"/>
+              </a:spcBef>
+              <a:spcAft>
+                <a:spcPts val="0"/>
+              </a:spcAft>
+              <a:buClr>
+                <a:schemeClr val="tx1">
+                  <a:lumMod val="50000"/>
+                  <a:lumOff val="50000"/>
+                </a:schemeClr>
+              </a:buClr>
+              <a:buFont typeface="Wingdings" pitchFamily="2" charset="2"/>
+              <a:buChar char="§"/>
+              <a:defRPr sz="1600"/>
+            </a:lvl2pPr>
+            <a:lvl3pPr marL="628650" indent="-180975" defTabSz="914400" latinLnBrk="1">
+              <a:lnSpc>
+                <a:spcPct val="150000"/>
+              </a:lnSpc>
+              <a:spcBef>
+                <a:spcPts val="500"/>
+              </a:spcBef>
+              <a:spcAft>
+                <a:spcPts val="300"/>
+              </a:spcAft>
+              <a:buClr>
+                <a:schemeClr val="tx1">
+                  <a:lumMod val="65000"/>
+                  <a:lumOff val="35000"/>
+                </a:schemeClr>
+              </a:buClr>
+              <a:buFont typeface="Arial" panose="020B0604020202020204" pitchFamily="34" charset="0"/>
+              <a:buChar char="•"/>
+              <a:defRPr sz="1400"/>
+            </a:lvl3pPr>
+            <a:lvl4pPr marL="809625" indent="-180975" defTabSz="914400" latinLnBrk="1">
+              <a:lnSpc>
+                <a:spcPct val="150000"/>
+              </a:lnSpc>
+              <a:spcBef>
+                <a:spcPts val="500"/>
+              </a:spcBef>
+              <a:spcAft>
+                <a:spcPts val="300"/>
+              </a:spcAft>
+              <a:buClr>
+                <a:schemeClr val="tx1">
+                  <a:lumMod val="65000"/>
+                  <a:lumOff val="35000"/>
+                </a:schemeClr>
+              </a:buClr>
+              <a:buSzPct val="96000"/>
+              <a:buFont typeface="Arial" panose="020B0604020202020204" pitchFamily="34" charset="0"/>
+              <a:buChar char="•"/>
+              <a:defRPr sz="1200"/>
+            </a:lvl4pPr>
+            <a:lvl5pPr marL="990600" indent="-180975" defTabSz="914400" latinLnBrk="1">
+              <a:lnSpc>
+                <a:spcPct val="150000"/>
+              </a:lnSpc>
+              <a:spcBef>
+                <a:spcPts val="500"/>
+              </a:spcBef>
+              <a:buClr>
+                <a:schemeClr val="tx1">
+                  <a:lumMod val="65000"/>
+                  <a:lumOff val="35000"/>
+                </a:schemeClr>
+              </a:buClr>
+              <a:buFont typeface="Arial" panose="020B0604020202020204" pitchFamily="34" charset="0"/>
+              <a:buChar char="•"/>
+              <a:defRPr sz="1000"/>
+            </a:lvl5pPr>
+            <a:lvl6pPr marL="2514600" indent="-228600" defTabSz="914400" latinLnBrk="1">
+              <a:lnSpc>
+                <a:spcPct val="90000"/>
+              </a:lnSpc>
+              <a:spcBef>
+                <a:spcPts val="500"/>
+              </a:spcBef>
+              <a:buFont typeface="Arial" panose="020B0604020202020204" pitchFamily="34" charset="0"/>
+              <a:buChar char="•"/>
+            </a:lvl6pPr>
+            <a:lvl7pPr marL="2971800" indent="-228600" defTabSz="914400" latinLnBrk="1">
+              <a:lnSpc>
+                <a:spcPct val="90000"/>
+              </a:lnSpc>
+              <a:spcBef>
+                <a:spcPts val="500"/>
+              </a:spcBef>
+              <a:buFont typeface="Arial" panose="020B0604020202020204" pitchFamily="34" charset="0"/>
+              <a:buChar char="•"/>
+            </a:lvl7pPr>
+            <a:lvl8pPr marL="3429000" indent="-228600" defTabSz="914400" latinLnBrk="1">
+              <a:lnSpc>
+                <a:spcPct val="90000"/>
+              </a:lnSpc>
+              <a:spcBef>
+                <a:spcPts val="500"/>
+              </a:spcBef>
+              <a:buFont typeface="Arial" panose="020B0604020202020204" pitchFamily="34" charset="0"/>
+              <a:buChar char="•"/>
+            </a:lvl8pPr>
+            <a:lvl9pPr marL="3886200" indent="-228600" defTabSz="914400" latinLnBrk="1">
+              <a:lnSpc>
+                <a:spcPct val="90000"/>
+              </a:lnSpc>
+              <a:spcBef>
+                <a:spcPts val="500"/>
+              </a:spcBef>
+              <a:buFont typeface="Arial" panose="020B0604020202020204" pitchFamily="34" charset="0"/>
+              <a:buChar char="•"/>
+            </a:lvl9pPr>
+          </a:lstStyle>
+          <a:p>
+            <a:r>
+              <a:rPr lang="ko-KR" altLang="en-US" dirty="0"/>
+              <a:t>오픈소스 소개</a:t>
+            </a:r>
+            <a:endParaRPr lang="en-US" altLang="ko-KR" dirty="0"/>
+          </a:p>
+          <a:p>
+            <a:pPr marL="0" indent="0">
+              <a:buNone/>
+            </a:pPr>
+            <a:r>
+              <a:rPr lang="en-US" altLang="ko-KR" sz="1800" b="0" dirty="0">
+                <a:latin typeface="+mn-ea"/>
+              </a:rPr>
+              <a:t>  </a:t>
+            </a:r>
+            <a:r>
+              <a:rPr lang="ko-KR" altLang="en-US" sz="1800" b="0" dirty="0">
+                <a:latin typeface="+mn-ea"/>
+              </a:rPr>
+              <a:t>네이버 오픈소스 가이드 </a:t>
+            </a:r>
+            <a:r>
+              <a:rPr lang="en-US" altLang="ko-KR" sz="1800" b="0" dirty="0">
+                <a:latin typeface="+mn-ea"/>
+              </a:rPr>
+              <a:t>:     </a:t>
+            </a:r>
+          </a:p>
+          <a:p>
+            <a:pPr marL="0" indent="0">
+              <a:buNone/>
+            </a:pPr>
+            <a:r>
+              <a:rPr lang="en-US" altLang="ko-KR" sz="1800" b="0" dirty="0">
+                <a:hlinkClick r:id="rId3"/>
+              </a:rPr>
+              <a:t>  </a:t>
+            </a:r>
+            <a:r>
+              <a:rPr lang="en-US" altLang="ko-KR" sz="1800" b="0" dirty="0">
+                <a:latin typeface="+mn-ea"/>
+                <a:hlinkClick r:id="rId3"/>
+              </a:rPr>
+              <a:t>https://naver.github.io/OpenSourceGuide/book/</a:t>
+            </a:r>
+            <a:endParaRPr lang="en-US" altLang="ko-KR" sz="1800" b="0" dirty="0">
+              <a:latin typeface="+mn-ea"/>
+            </a:endParaRPr>
+          </a:p>
+          <a:p>
+            <a:pPr marL="533400" lvl="1" indent="-266700">
+              <a:buFont typeface="+mj-ea"/>
+              <a:buAutoNum type="circleNumDbPlain"/>
+            </a:pPr>
+            <a:endParaRPr lang="en-US" altLang="ko-KR" dirty="0">
+              <a:latin typeface="+mn-ea"/>
+            </a:endParaRPr>
+          </a:p>
+        </p:txBody>
+      </p:sp>
+      <p:sp>
+        <p:nvSpPr>
+          <p:cNvPr id="2" name="슬라이드 번호 개체 틀 1">
+            <a:extLst>
+              <a:ext uri="{FF2B5EF4-FFF2-40B4-BE49-F238E27FC236}">
+                <a16:creationId xmlns:a16="http://schemas.microsoft.com/office/drawing/2014/main" id="{0D9572F9-84E6-4A4D-BBA9-8EA3194AEF88}"/>
+              </a:ext>
+            </a:extLst>
+          </p:cNvPr>
+          <p:cNvSpPr>
+            <a:spLocks noGrp="1"/>
+          </p:cNvSpPr>
+          <p:nvPr>
+            <p:ph type="sldNum" sz="quarter" idx="12"/>
+          </p:nvPr>
+        </p:nvSpPr>
+        <p:spPr/>
+        <p:txBody>
+          <a:bodyPr/>
+          <a:lstStyle/>
+          <a:p>
+            <a:fld id="{526ADF51-C4A2-4521-899C-87F34FDB9C0A}" type="slidenum">
+              <a:rPr lang="ko-KR" altLang="en-US" smtClean="0"/>
+              <a:pPr/>
+              <a:t>38</a:t>
+            </a:fld>
+            <a:r>
+              <a:rPr lang="en-US" altLang="ko-KR"/>
+              <a:t>/37</a:t>
             </a:r>
             <a:endParaRPr lang="ko-KR" altLang="en-US" dirty="0"/>
           </a:p>
@@ -26572,7 +27776,7 @@
 </p:sld>
 </file>
 
-<file path=ppt/slides/slide38.xml><?xml version="1.0" encoding="utf-8"?>
+<file path=ppt/slides/slide39.xml><?xml version="1.0" encoding="utf-8"?>
 <p:sld xmlns:a="http://schemas.openxmlformats.org/drawingml/2006/main" xmlns:r="http://schemas.openxmlformats.org/officeDocument/2006/relationships" xmlns:p="http://schemas.openxmlformats.org/presentationml/2006/main">
   <p:cSld>
     <p:spTree>
@@ -27322,10 +28526,10 @@
       </p:cxnSp>
       <p:sp>
         <p:nvSpPr>
-          <p:cNvPr id="7" name="슬라이드 번호 개체 틀 6">
+          <p:cNvPr id="2" name="슬라이드 번호 개체 틀 1">
             <a:extLst>
               <a:ext uri="{FF2B5EF4-FFF2-40B4-BE49-F238E27FC236}">
-                <a16:creationId xmlns:a16="http://schemas.microsoft.com/office/drawing/2014/main" id="{5AFD937D-C65E-456F-B00E-971E1347A35E}"/>
+                <a16:creationId xmlns:a16="http://schemas.microsoft.com/office/drawing/2014/main" id="{3F02FDA0-20CE-4424-A6DA-185EB10A3770}"/>
               </a:ext>
             </a:extLst>
           </p:cNvPr>
@@ -27344,11 +28548,11 @@
             <a:fld id="{526ADF51-C4A2-4521-899C-87F34FDB9C0A}" type="slidenum">
               <a:rPr lang="ko-KR" altLang="en-US" smtClean="0"/>
               <a:pPr/>
-              <a:t>38</a:t>
+              <a:t>39</a:t>
             </a:fld>
             <a:r>
               <a:rPr lang="en-US" altLang="ko-KR"/>
-              <a:t>/36</a:t>
+              <a:t>/37</a:t>
             </a:r>
             <a:endParaRPr lang="ko-KR" altLang="en-US" dirty="0"/>
           </a:p>
@@ -27930,10 +29134,10 @@
       </p:sp>
       <p:sp>
         <p:nvSpPr>
-          <p:cNvPr id="5" name="슬라이드 번호 개체 틀 4">
+          <p:cNvPr id="2" name="슬라이드 번호 개체 틀 1">
             <a:extLst>
               <a:ext uri="{FF2B5EF4-FFF2-40B4-BE49-F238E27FC236}">
-                <a16:creationId xmlns:a16="http://schemas.microsoft.com/office/drawing/2014/main" id="{56100039-E786-4FD3-BE9B-A87809A3AF06}"/>
+                <a16:creationId xmlns:a16="http://schemas.microsoft.com/office/drawing/2014/main" id="{C7723EF2-0803-4C00-82FD-5E2ED2C0E386}"/>
               </a:ext>
             </a:extLst>
           </p:cNvPr>
@@ -27956,7 +29160,7 @@
             </a:fld>
             <a:r>
               <a:rPr lang="en-US" altLang="ko-KR"/>
-              <a:t>/36</a:t>
+              <a:t>/37</a:t>
             </a:r>
             <a:endParaRPr lang="ko-KR" altLang="en-US" dirty="0"/>
           </a:p>
@@ -28677,10 +29881,10 @@
       </p:cxnSp>
       <p:sp>
         <p:nvSpPr>
-          <p:cNvPr id="6" name="슬라이드 번호 개체 틀 5">
+          <p:cNvPr id="2" name="슬라이드 번호 개체 틀 1">
             <a:extLst>
               <a:ext uri="{FF2B5EF4-FFF2-40B4-BE49-F238E27FC236}">
-                <a16:creationId xmlns:a16="http://schemas.microsoft.com/office/drawing/2014/main" id="{4AF23262-A222-4E07-BD8F-E48763FF959D}"/>
+                <a16:creationId xmlns:a16="http://schemas.microsoft.com/office/drawing/2014/main" id="{1C0887CB-F6FE-4DC0-9BF3-A5AE3B290878}"/>
               </a:ext>
             </a:extLst>
           </p:cNvPr>
@@ -28703,7 +29907,7 @@
             </a:fld>
             <a:r>
               <a:rPr lang="en-US" altLang="ko-KR"/>
-              <a:t>/36</a:t>
+              <a:t>/37</a:t>
             </a:r>
             <a:endParaRPr lang="ko-KR" altLang="en-US" dirty="0"/>
           </a:p>
@@ -29197,10 +30401,10 @@
       </p:sp>
       <p:sp>
         <p:nvSpPr>
-          <p:cNvPr id="6" name="슬라이드 번호 개체 틀 5">
+          <p:cNvPr id="2" name="슬라이드 번호 개체 틀 1">
             <a:extLst>
               <a:ext uri="{FF2B5EF4-FFF2-40B4-BE49-F238E27FC236}">
-                <a16:creationId xmlns:a16="http://schemas.microsoft.com/office/drawing/2014/main" id="{6DE05CFE-575F-4371-9E3E-8701C547FC85}"/>
+                <a16:creationId xmlns:a16="http://schemas.microsoft.com/office/drawing/2014/main" id="{28E9E72D-2A3B-46F8-9990-87B2917E3814}"/>
               </a:ext>
             </a:extLst>
           </p:cNvPr>
@@ -29223,7 +30427,7 @@
             </a:fld>
             <a:r>
               <a:rPr lang="en-US" altLang="ko-KR"/>
-              <a:t>/36</a:t>
+              <a:t>/37</a:t>
             </a:r>
             <a:endParaRPr lang="ko-KR" altLang="en-US" dirty="0"/>
           </a:p>
@@ -29932,10 +31136,10 @@
       </p:sp>
       <p:sp>
         <p:nvSpPr>
-          <p:cNvPr id="6" name="슬라이드 번호 개체 틀 5">
+          <p:cNvPr id="2" name="슬라이드 번호 개체 틀 1">
             <a:extLst>
               <a:ext uri="{FF2B5EF4-FFF2-40B4-BE49-F238E27FC236}">
-                <a16:creationId xmlns:a16="http://schemas.microsoft.com/office/drawing/2014/main" id="{92509709-BC5F-45E1-95C6-D51A2C300CB7}"/>
+                <a16:creationId xmlns:a16="http://schemas.microsoft.com/office/drawing/2014/main" id="{D6DC81B3-D310-4C46-B454-06F41BE329E3}"/>
               </a:ext>
             </a:extLst>
           </p:cNvPr>
@@ -29958,7 +31162,7 @@
             </a:fld>
             <a:r>
               <a:rPr lang="en-US" altLang="ko-KR"/>
-              <a:t>/36</a:t>
+              <a:t>/37</a:t>
             </a:r>
             <a:endParaRPr lang="ko-KR" altLang="en-US" dirty="0"/>
           </a:p>
@@ -31223,10 +32427,10 @@
       </p:sp>
       <p:sp>
         <p:nvSpPr>
-          <p:cNvPr id="16" name="슬라이드 번호 개체 틀 15">
+          <p:cNvPr id="2" name="슬라이드 번호 개체 틀 1">
             <a:extLst>
               <a:ext uri="{FF2B5EF4-FFF2-40B4-BE49-F238E27FC236}">
-                <a16:creationId xmlns:a16="http://schemas.microsoft.com/office/drawing/2014/main" id="{3DEBDBA0-277D-46CA-B5A0-2D1648F4251A}"/>
+                <a16:creationId xmlns:a16="http://schemas.microsoft.com/office/drawing/2014/main" id="{4A067F2B-4C59-4AE5-A812-1D73CA94F449}"/>
               </a:ext>
             </a:extLst>
           </p:cNvPr>
@@ -31249,7 +32453,7 @@
             </a:fld>
             <a:r>
               <a:rPr lang="en-US" altLang="ko-KR"/>
-              <a:t>/36</a:t>
+              <a:t>/37</a:t>
             </a:r>
             <a:endParaRPr lang="ko-KR" altLang="en-US" dirty="0"/>
           </a:p>
@@ -31695,10 +32899,10 @@
       </p:sp>
       <p:sp>
         <p:nvSpPr>
-          <p:cNvPr id="5" name="슬라이드 번호 개체 틀 4">
+          <p:cNvPr id="2" name="슬라이드 번호 개체 틀 1">
             <a:extLst>
               <a:ext uri="{FF2B5EF4-FFF2-40B4-BE49-F238E27FC236}">
-                <a16:creationId xmlns:a16="http://schemas.microsoft.com/office/drawing/2014/main" id="{D4FC4F43-18D7-47B5-AC35-B192FB93874D}"/>
+                <a16:creationId xmlns:a16="http://schemas.microsoft.com/office/drawing/2014/main" id="{7274C0F0-8FB0-4216-A989-E15BEBCBAC35}"/>
               </a:ext>
             </a:extLst>
           </p:cNvPr>
@@ -31721,7 +32925,7 @@
             </a:fld>
             <a:r>
               <a:rPr lang="en-US" altLang="ko-KR"/>
-              <a:t>/36</a:t>
+              <a:t>/37</a:t>
             </a:r>
             <a:endParaRPr lang="ko-KR" altLang="en-US" dirty="0"/>
           </a:p>

--- a/git및github첫걸음3-forkclonePR.pptx
+++ b/git및github첫걸음3-forkclonePR.pptx
@@ -5,7 +5,7 @@
     <p:sldMasterId id="2147483660" r:id="rId1"/>
   </p:sldMasterIdLst>
   <p:notesMasterIdLst>
-    <p:notesMasterId r:id="rId41"/>
+    <p:notesMasterId r:id="rId43"/>
   </p:notesMasterIdLst>
   <p:sldIdLst>
     <p:sldId id="369" r:id="rId2"/>
@@ -39,14 +39,16 @@
     <p:sldId id="470" r:id="rId30"/>
     <p:sldId id="471" r:id="rId31"/>
     <p:sldId id="484" r:id="rId32"/>
-    <p:sldId id="472" r:id="rId33"/>
-    <p:sldId id="483" r:id="rId34"/>
-    <p:sldId id="473" r:id="rId35"/>
-    <p:sldId id="474" r:id="rId36"/>
-    <p:sldId id="475" r:id="rId37"/>
-    <p:sldId id="476" r:id="rId38"/>
-    <p:sldId id="480" r:id="rId39"/>
-    <p:sldId id="479" r:id="rId40"/>
+    <p:sldId id="486" r:id="rId33"/>
+    <p:sldId id="485" r:id="rId34"/>
+    <p:sldId id="472" r:id="rId35"/>
+    <p:sldId id="483" r:id="rId36"/>
+    <p:sldId id="473" r:id="rId37"/>
+    <p:sldId id="474" r:id="rId38"/>
+    <p:sldId id="475" r:id="rId39"/>
+    <p:sldId id="476" r:id="rId40"/>
+    <p:sldId id="480" r:id="rId41"/>
+    <p:sldId id="479" r:id="rId42"/>
   </p:sldIdLst>
   <p:sldSz cx="9144000" cy="6858000" type="screen4x3"/>
   <p:notesSz cx="6858000" cy="9144000"/>
@@ -3588,22 +3590,6 @@
           <a:bodyPr/>
           <a:lstStyle/>
           <a:p>
-            <a:r>
-              <a:rPr lang="ko-KR" altLang="en-US" dirty="0"/>
-              <a:t>접속이 안되었으면 이 페이지에서 </a:t>
-            </a:r>
-            <a:r>
-              <a:rPr lang="ko-KR" altLang="en-US" dirty="0" err="1"/>
-              <a:t>처럼</a:t>
-            </a:r>
-            <a:r>
-              <a:rPr lang="ko-KR" altLang="en-US" dirty="0"/>
-              <a:t> 직접 클릭하여 들어가면 됨</a:t>
-            </a:r>
-            <a:r>
-              <a:rPr lang="en-US" altLang="ko-KR" dirty="0"/>
-              <a:t>.</a:t>
-            </a:r>
             <a:endParaRPr lang="ko-KR" altLang="en-US" dirty="0"/>
           </a:p>
         </p:txBody>
@@ -3634,7 +3620,7 @@
     </p:spTree>
     <p:extLst>
       <p:ext uri="{BB962C8B-B14F-4D97-AF65-F5344CB8AC3E}">
-        <p14:creationId xmlns:p14="http://schemas.microsoft.com/office/powerpoint/2010/main" val="1121768718"/>
+        <p14:creationId xmlns:p14="http://schemas.microsoft.com/office/powerpoint/2010/main" val="305788662"/>
       </p:ext>
     </p:extLst>
   </p:cSld>
@@ -3718,7 +3704,7 @@
     </p:spTree>
     <p:extLst>
       <p:ext uri="{BB962C8B-B14F-4D97-AF65-F5344CB8AC3E}">
-        <p14:creationId xmlns:p14="http://schemas.microsoft.com/office/powerpoint/2010/main" val="2034588224"/>
+        <p14:creationId xmlns:p14="http://schemas.microsoft.com/office/powerpoint/2010/main" val="799643044"/>
       </p:ext>
     </p:extLst>
   </p:cSld>
@@ -3772,6 +3758,22 @@
           <a:bodyPr/>
           <a:lstStyle/>
           <a:p>
+            <a:r>
+              <a:rPr lang="ko-KR" altLang="en-US" dirty="0"/>
+              <a:t>접속이 안되었으면 이 페이지에서 </a:t>
+            </a:r>
+            <a:r>
+              <a:rPr lang="ko-KR" altLang="en-US" dirty="0" err="1"/>
+              <a:t>처럼</a:t>
+            </a:r>
+            <a:r>
+              <a:rPr lang="ko-KR" altLang="en-US" dirty="0"/>
+              <a:t> 직접 클릭하여 들어가면 됨</a:t>
+            </a:r>
+            <a:r>
+              <a:rPr lang="en-US" altLang="ko-KR" dirty="0"/>
+              <a:t>.</a:t>
+            </a:r>
             <a:endParaRPr lang="ko-KR" altLang="en-US" dirty="0"/>
           </a:p>
         </p:txBody>
@@ -3802,7 +3804,7 @@
     </p:spTree>
     <p:extLst>
       <p:ext uri="{BB962C8B-B14F-4D97-AF65-F5344CB8AC3E}">
-        <p14:creationId xmlns:p14="http://schemas.microsoft.com/office/powerpoint/2010/main" val="3343605157"/>
+        <p14:creationId xmlns:p14="http://schemas.microsoft.com/office/powerpoint/2010/main" val="1121768718"/>
       </p:ext>
     </p:extLst>
   </p:cSld>
@@ -3886,7 +3888,7 @@
     </p:spTree>
     <p:extLst>
       <p:ext uri="{BB962C8B-B14F-4D97-AF65-F5344CB8AC3E}">
-        <p14:creationId xmlns:p14="http://schemas.microsoft.com/office/powerpoint/2010/main" val="1425186992"/>
+        <p14:creationId xmlns:p14="http://schemas.microsoft.com/office/powerpoint/2010/main" val="2034588224"/>
       </p:ext>
     </p:extLst>
   </p:cSld>
@@ -3940,88 +3942,6 @@
           <a:bodyPr/>
           <a:lstStyle/>
           <a:p>
-            <a:r>
-              <a:rPr lang="en-US" altLang="ko-KR" dirty="0"/>
-              <a:t>Push</a:t>
-            </a:r>
-            <a:r>
-              <a:rPr lang="ko-KR" altLang="en-US" dirty="0"/>
-              <a:t> </a:t>
-            </a:r>
-            <a:r>
-              <a:rPr lang="en-US" altLang="ko-KR" dirty="0"/>
-              <a:t>-d</a:t>
-            </a:r>
-            <a:r>
-              <a:rPr lang="ko-KR" altLang="en-US" dirty="0"/>
-              <a:t> </a:t>
-            </a:r>
-            <a:r>
-              <a:rPr lang="en-US" altLang="ko-KR" dirty="0"/>
-              <a:t>…</a:t>
-            </a:r>
-            <a:r>
-              <a:rPr lang="ko-KR" altLang="en-US" dirty="0"/>
-              <a:t> </a:t>
-            </a:r>
-            <a:r>
-              <a:rPr lang="en-US" altLang="ko-KR" dirty="0"/>
-              <a:t>branch -d </a:t>
-            </a:r>
-            <a:r>
-              <a:rPr lang="ko-KR" altLang="en-US" dirty="0"/>
-              <a:t>가 아님</a:t>
-            </a:r>
-            <a:r>
-              <a:rPr lang="en-US" altLang="ko-KR" dirty="0"/>
-              <a:t>.</a:t>
-            </a:r>
-          </a:p>
-          <a:p>
-            <a:r>
-              <a:rPr lang="en-US" altLang="ko-KR" dirty="0"/>
-              <a:t>Git pull --prune </a:t>
-            </a:r>
-            <a:r>
-              <a:rPr lang="ko-KR" altLang="en-US" dirty="0"/>
-              <a:t>은 로컬에 상응하는</a:t>
-            </a:r>
-            <a:r>
-              <a:rPr lang="en-US" altLang="ko-KR" dirty="0"/>
-              <a:t>(tracking</a:t>
-            </a:r>
-            <a:r>
-              <a:rPr lang="ko-KR" altLang="en-US" dirty="0"/>
-              <a:t>되는</a:t>
-            </a:r>
-            <a:r>
-              <a:rPr lang="en-US" altLang="ko-KR" dirty="0"/>
-              <a:t>) branch</a:t>
-            </a:r>
-            <a:r>
-              <a:rPr lang="ko-KR" altLang="en-US" dirty="0"/>
-              <a:t>가</a:t>
-            </a:r>
-            <a:r>
-              <a:rPr lang="en-US" altLang="ko-KR" dirty="0"/>
-              <a:t> </a:t>
-            </a:r>
-            <a:r>
-              <a:rPr lang="ko-KR" altLang="en-US" dirty="0"/>
-              <a:t>없으면 원격의 상응하는 </a:t>
-            </a:r>
-            <a:r>
-              <a:rPr lang="en-US" altLang="ko-KR" dirty="0"/>
-              <a:t>branch</a:t>
-            </a:r>
-            <a:r>
-              <a:rPr lang="ko-KR" altLang="en-US" dirty="0"/>
-              <a:t>를 삭제</a:t>
-            </a:r>
-            <a:r>
-              <a:rPr lang="en-US" altLang="ko-KR" dirty="0"/>
-              <a:t>(remotes/origin/develop)</a:t>
-            </a:r>
             <a:endParaRPr lang="ko-KR" altLang="en-US" dirty="0"/>
           </a:p>
         </p:txBody>
@@ -4052,7 +3972,7 @@
     </p:spTree>
     <p:extLst>
       <p:ext uri="{BB962C8B-B14F-4D97-AF65-F5344CB8AC3E}">
-        <p14:creationId xmlns:p14="http://schemas.microsoft.com/office/powerpoint/2010/main" val="2586362448"/>
+        <p14:creationId xmlns:p14="http://schemas.microsoft.com/office/powerpoint/2010/main" val="3343605157"/>
       </p:ext>
     </p:extLst>
   </p:cSld>
@@ -4106,14 +4026,6 @@
           <a:bodyPr/>
           <a:lstStyle/>
           <a:p>
-            <a:r>
-              <a:rPr lang="ko-KR" altLang="en-US" dirty="0"/>
-              <a:t>참조 </a:t>
-            </a:r>
-            <a:r>
-              <a:rPr lang="en-US" altLang="ko-KR" dirty="0"/>
-              <a:t>: https://opensource.com/article/19/7/create-pull-request-github</a:t>
-            </a:r>
             <a:endParaRPr lang="ko-KR" altLang="en-US" dirty="0"/>
           </a:p>
         </p:txBody>
@@ -4144,7 +4056,7 @@
     </p:spTree>
     <p:extLst>
       <p:ext uri="{BB962C8B-B14F-4D97-AF65-F5344CB8AC3E}">
-        <p14:creationId xmlns:p14="http://schemas.microsoft.com/office/powerpoint/2010/main" val="3921415717"/>
+        <p14:creationId xmlns:p14="http://schemas.microsoft.com/office/powerpoint/2010/main" val="1425186992"/>
       </p:ext>
     </p:extLst>
   </p:cSld>
@@ -4198,6 +4110,88 @@
           <a:bodyPr/>
           <a:lstStyle/>
           <a:p>
+            <a:r>
+              <a:rPr lang="en-US" altLang="ko-KR" dirty="0"/>
+              <a:t>Push</a:t>
+            </a:r>
+            <a:r>
+              <a:rPr lang="ko-KR" altLang="en-US" dirty="0"/>
+              <a:t> </a:t>
+            </a:r>
+            <a:r>
+              <a:rPr lang="en-US" altLang="ko-KR" dirty="0"/>
+              <a:t>-d</a:t>
+            </a:r>
+            <a:r>
+              <a:rPr lang="ko-KR" altLang="en-US" dirty="0"/>
+              <a:t> </a:t>
+            </a:r>
+            <a:r>
+              <a:rPr lang="en-US" altLang="ko-KR" dirty="0"/>
+              <a:t>…</a:t>
+            </a:r>
+            <a:r>
+              <a:rPr lang="ko-KR" altLang="en-US" dirty="0"/>
+              <a:t> </a:t>
+            </a:r>
+            <a:r>
+              <a:rPr lang="en-US" altLang="ko-KR" dirty="0"/>
+              <a:t>branch -d </a:t>
+            </a:r>
+            <a:r>
+              <a:rPr lang="ko-KR" altLang="en-US" dirty="0"/>
+              <a:t>가 아님</a:t>
+            </a:r>
+            <a:r>
+              <a:rPr lang="en-US" altLang="ko-KR" dirty="0"/>
+              <a:t>.</a:t>
+            </a:r>
+          </a:p>
+          <a:p>
+            <a:r>
+              <a:rPr lang="en-US" altLang="ko-KR" dirty="0"/>
+              <a:t>Git pull --prune </a:t>
+            </a:r>
+            <a:r>
+              <a:rPr lang="ko-KR" altLang="en-US" dirty="0"/>
+              <a:t>은 로컬에 상응하는</a:t>
+            </a:r>
+            <a:r>
+              <a:rPr lang="en-US" altLang="ko-KR" dirty="0"/>
+              <a:t>(tracking</a:t>
+            </a:r>
+            <a:r>
+              <a:rPr lang="ko-KR" altLang="en-US" dirty="0"/>
+              <a:t>되는</a:t>
+            </a:r>
+            <a:r>
+              <a:rPr lang="en-US" altLang="ko-KR" dirty="0"/>
+              <a:t>) branch</a:t>
+            </a:r>
+            <a:r>
+              <a:rPr lang="ko-KR" altLang="en-US" dirty="0"/>
+              <a:t>가</a:t>
+            </a:r>
+            <a:r>
+              <a:rPr lang="en-US" altLang="ko-KR" dirty="0"/>
+              <a:t> </a:t>
+            </a:r>
+            <a:r>
+              <a:rPr lang="ko-KR" altLang="en-US" dirty="0"/>
+              <a:t>없으면 원격의 상응하는 </a:t>
+            </a:r>
+            <a:r>
+              <a:rPr lang="en-US" altLang="ko-KR" dirty="0"/>
+              <a:t>branch</a:t>
+            </a:r>
+            <a:r>
+              <a:rPr lang="ko-KR" altLang="en-US" dirty="0"/>
+              <a:t>를 삭제</a:t>
+            </a:r>
+            <a:r>
+              <a:rPr lang="en-US" altLang="ko-KR" dirty="0"/>
+              <a:t>(remotes/origin/develop)</a:t>
+            </a:r>
             <a:endParaRPr lang="ko-KR" altLang="en-US" dirty="0"/>
           </a:p>
         </p:txBody>
@@ -4228,7 +4222,7 @@
     </p:spTree>
     <p:extLst>
       <p:ext uri="{BB962C8B-B14F-4D97-AF65-F5344CB8AC3E}">
-        <p14:creationId xmlns:p14="http://schemas.microsoft.com/office/powerpoint/2010/main" val="643792404"/>
+        <p14:creationId xmlns:p14="http://schemas.microsoft.com/office/powerpoint/2010/main" val="2586362448"/>
       </p:ext>
     </p:extLst>
   </p:cSld>
@@ -4282,6 +4276,14 @@
           <a:bodyPr/>
           <a:lstStyle/>
           <a:p>
+            <a:r>
+              <a:rPr lang="ko-KR" altLang="en-US" dirty="0"/>
+              <a:t>참조 </a:t>
+            </a:r>
+            <a:r>
+              <a:rPr lang="en-US" altLang="ko-KR" dirty="0"/>
+              <a:t>: https://opensource.com/article/19/7/create-pull-request-github</a:t>
+            </a:r>
             <a:endParaRPr lang="ko-KR" altLang="en-US" dirty="0"/>
           </a:p>
         </p:txBody>
@@ -4312,7 +4314,91 @@
     </p:spTree>
     <p:extLst>
       <p:ext uri="{BB962C8B-B14F-4D97-AF65-F5344CB8AC3E}">
-        <p14:creationId xmlns:p14="http://schemas.microsoft.com/office/powerpoint/2010/main" val="9878519"/>
+        <p14:creationId xmlns:p14="http://schemas.microsoft.com/office/powerpoint/2010/main" val="3921415717"/>
+      </p:ext>
+    </p:extLst>
+  </p:cSld>
+  <p:clrMapOvr>
+    <a:masterClrMapping/>
+  </p:clrMapOvr>
+</p:notes>
+</file>
+
+<file path=ppt/notesSlides/notesSlide39.xml><?xml version="1.0" encoding="utf-8"?>
+<p:notes xmlns:a="http://schemas.openxmlformats.org/drawingml/2006/main" xmlns:r="http://schemas.openxmlformats.org/officeDocument/2006/relationships" xmlns:p="http://schemas.openxmlformats.org/presentationml/2006/main">
+  <p:cSld>
+    <p:spTree>
+      <p:nvGrpSpPr>
+        <p:cNvPr id="1" name=""/>
+        <p:cNvGrpSpPr/>
+        <p:nvPr/>
+      </p:nvGrpSpPr>
+      <p:grpSpPr>
+        <a:xfrm>
+          <a:off x="0" y="0"/>
+          <a:ext cx="0" cy="0"/>
+          <a:chOff x="0" y="0"/>
+          <a:chExt cx="0" cy="0"/>
+        </a:xfrm>
+      </p:grpSpPr>
+      <p:sp>
+        <p:nvSpPr>
+          <p:cNvPr id="2" name="슬라이드 이미지 개체 틀 1"/>
+          <p:cNvSpPr>
+            <a:spLocks noGrp="1" noRot="1" noChangeAspect="1"/>
+          </p:cNvSpPr>
+          <p:nvPr>
+            <p:ph type="sldImg"/>
+          </p:nvPr>
+        </p:nvSpPr>
+        <p:spPr/>
+      </p:sp>
+      <p:sp>
+        <p:nvSpPr>
+          <p:cNvPr id="3" name="슬라이드 노트 개체 틀 2"/>
+          <p:cNvSpPr>
+            <a:spLocks noGrp="1"/>
+          </p:cNvSpPr>
+          <p:nvPr>
+            <p:ph type="body" idx="1"/>
+          </p:nvPr>
+        </p:nvSpPr>
+        <p:spPr/>
+        <p:txBody>
+          <a:bodyPr/>
+          <a:lstStyle/>
+          <a:p>
+            <a:endParaRPr lang="ko-KR" altLang="en-US" dirty="0"/>
+          </a:p>
+        </p:txBody>
+      </p:sp>
+      <p:sp>
+        <p:nvSpPr>
+          <p:cNvPr id="4" name="슬라이드 번호 개체 틀 3"/>
+          <p:cNvSpPr>
+            <a:spLocks noGrp="1"/>
+          </p:cNvSpPr>
+          <p:nvPr>
+            <p:ph type="sldNum" sz="quarter" idx="10"/>
+          </p:nvPr>
+        </p:nvSpPr>
+        <p:spPr/>
+        <p:txBody>
+          <a:bodyPr/>
+          <a:lstStyle/>
+          <a:p>
+            <a:fld id="{625D4AC4-540A-4436-887D-BF6A8FCF1275}" type="slidenum">
+              <a:rPr lang="ko-KR" altLang="en-US" smtClean="0"/>
+              <a:t>40</a:t>
+            </a:fld>
+            <a:endParaRPr lang="ko-KR" altLang="en-US"/>
+          </a:p>
+        </p:txBody>
+      </p:sp>
+    </p:spTree>
+    <p:extLst>
+      <p:ext uri="{BB962C8B-B14F-4D97-AF65-F5344CB8AC3E}">
+        <p14:creationId xmlns:p14="http://schemas.microsoft.com/office/powerpoint/2010/main" val="643792404"/>
       </p:ext>
     </p:extLst>
   </p:cSld>
@@ -4397,6 +4483,90 @@
     <p:extLst>
       <p:ext uri="{BB962C8B-B14F-4D97-AF65-F5344CB8AC3E}">
         <p14:creationId xmlns:p14="http://schemas.microsoft.com/office/powerpoint/2010/main" val="2582336380"/>
+      </p:ext>
+    </p:extLst>
+  </p:cSld>
+  <p:clrMapOvr>
+    <a:masterClrMapping/>
+  </p:clrMapOvr>
+</p:notes>
+</file>
+
+<file path=ppt/notesSlides/notesSlide40.xml><?xml version="1.0" encoding="utf-8"?>
+<p:notes xmlns:a="http://schemas.openxmlformats.org/drawingml/2006/main" xmlns:r="http://schemas.openxmlformats.org/officeDocument/2006/relationships" xmlns:p="http://schemas.openxmlformats.org/presentationml/2006/main">
+  <p:cSld>
+    <p:spTree>
+      <p:nvGrpSpPr>
+        <p:cNvPr id="1" name=""/>
+        <p:cNvGrpSpPr/>
+        <p:nvPr/>
+      </p:nvGrpSpPr>
+      <p:grpSpPr>
+        <a:xfrm>
+          <a:off x="0" y="0"/>
+          <a:ext cx="0" cy="0"/>
+          <a:chOff x="0" y="0"/>
+          <a:chExt cx="0" cy="0"/>
+        </a:xfrm>
+      </p:grpSpPr>
+      <p:sp>
+        <p:nvSpPr>
+          <p:cNvPr id="2" name="슬라이드 이미지 개체 틀 1"/>
+          <p:cNvSpPr>
+            <a:spLocks noGrp="1" noRot="1" noChangeAspect="1"/>
+          </p:cNvSpPr>
+          <p:nvPr>
+            <p:ph type="sldImg"/>
+          </p:nvPr>
+        </p:nvSpPr>
+        <p:spPr/>
+      </p:sp>
+      <p:sp>
+        <p:nvSpPr>
+          <p:cNvPr id="3" name="슬라이드 노트 개체 틀 2"/>
+          <p:cNvSpPr>
+            <a:spLocks noGrp="1"/>
+          </p:cNvSpPr>
+          <p:nvPr>
+            <p:ph type="body" idx="1"/>
+          </p:nvPr>
+        </p:nvSpPr>
+        <p:spPr/>
+        <p:txBody>
+          <a:bodyPr/>
+          <a:lstStyle/>
+          <a:p>
+            <a:endParaRPr lang="ko-KR" altLang="en-US" dirty="0"/>
+          </a:p>
+        </p:txBody>
+      </p:sp>
+      <p:sp>
+        <p:nvSpPr>
+          <p:cNvPr id="4" name="슬라이드 번호 개체 틀 3"/>
+          <p:cNvSpPr>
+            <a:spLocks noGrp="1"/>
+          </p:cNvSpPr>
+          <p:nvPr>
+            <p:ph type="sldNum" sz="quarter" idx="10"/>
+          </p:nvPr>
+        </p:nvSpPr>
+        <p:spPr/>
+        <p:txBody>
+          <a:bodyPr/>
+          <a:lstStyle/>
+          <a:p>
+            <a:fld id="{625D4AC4-540A-4436-887D-BF6A8FCF1275}" type="slidenum">
+              <a:rPr lang="ko-KR" altLang="en-US" smtClean="0"/>
+              <a:t>41</a:t>
+            </a:fld>
+            <a:endParaRPr lang="ko-KR" altLang="en-US"/>
+          </a:p>
+        </p:txBody>
+      </p:sp>
+    </p:spTree>
+    <p:extLst>
+      <p:ext uri="{BB962C8B-B14F-4D97-AF65-F5344CB8AC3E}">
+        <p14:creationId xmlns:p14="http://schemas.microsoft.com/office/powerpoint/2010/main" val="9878519"/>
       </p:ext>
     </p:extLst>
   </p:cSld>
@@ -22077,6 +22247,2933 @@
         </p:nvSpPr>
         <p:spPr>
           <a:xfrm>
+            <a:off x="341786" y="1120544"/>
+            <a:ext cx="8802213" cy="3883255"/>
+          </a:xfrm>
+          <a:prstGeom prst="rect">
+            <a:avLst/>
+          </a:prstGeom>
+        </p:spPr>
+        <p:txBody>
+          <a:bodyPr vert="horz" lIns="91440" tIns="45720" rIns="91440" bIns="45720" rtlCol="0">
+            <a:noAutofit/>
+          </a:bodyPr>
+          <a:lstStyle>
+            <a:lvl1pPr marL="266700" indent="-266700" defTabSz="914400" latinLnBrk="1">
+              <a:lnSpc>
+                <a:spcPct val="150000"/>
+              </a:lnSpc>
+              <a:spcBef>
+                <a:spcPct val="0"/>
+              </a:spcBef>
+              <a:buClr>
+                <a:schemeClr val="tx1">
+                  <a:lumMod val="65000"/>
+                  <a:lumOff val="35000"/>
+                </a:schemeClr>
+              </a:buClr>
+              <a:buFont typeface="Wingdings" pitchFamily="2" charset="2"/>
+              <a:buChar char="n"/>
+              <a:defRPr sz="2000" b="1">
+                <a:latin typeface="+mn-ea"/>
+              </a:defRPr>
+            </a:lvl1pPr>
+            <a:lvl2pPr marL="447675" lvl="1" indent="-180975" defTabSz="914400" latinLnBrk="1">
+              <a:lnSpc>
+                <a:spcPct val="150000"/>
+              </a:lnSpc>
+              <a:spcBef>
+                <a:spcPts val="0"/>
+              </a:spcBef>
+              <a:spcAft>
+                <a:spcPts val="0"/>
+              </a:spcAft>
+              <a:buClr>
+                <a:schemeClr val="tx1">
+                  <a:lumMod val="50000"/>
+                  <a:lumOff val="50000"/>
+                </a:schemeClr>
+              </a:buClr>
+              <a:buFont typeface="Wingdings" pitchFamily="2" charset="2"/>
+              <a:buChar char="§"/>
+              <a:defRPr sz="1600"/>
+            </a:lvl2pPr>
+            <a:lvl3pPr marL="628650" indent="-180975" defTabSz="914400" latinLnBrk="1">
+              <a:lnSpc>
+                <a:spcPct val="150000"/>
+              </a:lnSpc>
+              <a:spcBef>
+                <a:spcPts val="500"/>
+              </a:spcBef>
+              <a:spcAft>
+                <a:spcPts val="300"/>
+              </a:spcAft>
+              <a:buClr>
+                <a:schemeClr val="tx1">
+                  <a:lumMod val="65000"/>
+                  <a:lumOff val="35000"/>
+                </a:schemeClr>
+              </a:buClr>
+              <a:buFont typeface="Arial" panose="020B0604020202020204" pitchFamily="34" charset="0"/>
+              <a:buChar char="•"/>
+              <a:defRPr sz="1400"/>
+            </a:lvl3pPr>
+            <a:lvl4pPr marL="809625" indent="-180975" defTabSz="914400" latinLnBrk="1">
+              <a:lnSpc>
+                <a:spcPct val="150000"/>
+              </a:lnSpc>
+              <a:spcBef>
+                <a:spcPts val="500"/>
+              </a:spcBef>
+              <a:spcAft>
+                <a:spcPts val="300"/>
+              </a:spcAft>
+              <a:buClr>
+                <a:schemeClr val="tx1">
+                  <a:lumMod val="65000"/>
+                  <a:lumOff val="35000"/>
+                </a:schemeClr>
+              </a:buClr>
+              <a:buSzPct val="96000"/>
+              <a:buFont typeface="Arial" panose="020B0604020202020204" pitchFamily="34" charset="0"/>
+              <a:buChar char="•"/>
+              <a:defRPr sz="1200"/>
+            </a:lvl4pPr>
+            <a:lvl5pPr marL="990600" indent="-180975" defTabSz="914400" latinLnBrk="1">
+              <a:lnSpc>
+                <a:spcPct val="150000"/>
+              </a:lnSpc>
+              <a:spcBef>
+                <a:spcPts val="500"/>
+              </a:spcBef>
+              <a:buClr>
+                <a:schemeClr val="tx1">
+                  <a:lumMod val="65000"/>
+                  <a:lumOff val="35000"/>
+                </a:schemeClr>
+              </a:buClr>
+              <a:buFont typeface="Arial" panose="020B0604020202020204" pitchFamily="34" charset="0"/>
+              <a:buChar char="•"/>
+              <a:defRPr sz="1000"/>
+            </a:lvl5pPr>
+            <a:lvl6pPr marL="2514600" indent="-228600" defTabSz="914400" latinLnBrk="1">
+              <a:lnSpc>
+                <a:spcPct val="90000"/>
+              </a:lnSpc>
+              <a:spcBef>
+                <a:spcPts val="500"/>
+              </a:spcBef>
+              <a:buFont typeface="Arial" panose="020B0604020202020204" pitchFamily="34" charset="0"/>
+              <a:buChar char="•"/>
+            </a:lvl6pPr>
+            <a:lvl7pPr marL="2971800" indent="-228600" defTabSz="914400" latinLnBrk="1">
+              <a:lnSpc>
+                <a:spcPct val="90000"/>
+              </a:lnSpc>
+              <a:spcBef>
+                <a:spcPts val="500"/>
+              </a:spcBef>
+              <a:buFont typeface="Arial" panose="020B0604020202020204" pitchFamily="34" charset="0"/>
+              <a:buChar char="•"/>
+            </a:lvl7pPr>
+            <a:lvl8pPr marL="3429000" indent="-228600" defTabSz="914400" latinLnBrk="1">
+              <a:lnSpc>
+                <a:spcPct val="90000"/>
+              </a:lnSpc>
+              <a:spcBef>
+                <a:spcPts val="500"/>
+              </a:spcBef>
+              <a:buFont typeface="Arial" panose="020B0604020202020204" pitchFamily="34" charset="0"/>
+              <a:buChar char="•"/>
+            </a:lvl8pPr>
+            <a:lvl9pPr marL="3886200" indent="-228600" defTabSz="914400" latinLnBrk="1">
+              <a:lnSpc>
+                <a:spcPct val="90000"/>
+              </a:lnSpc>
+              <a:spcBef>
+                <a:spcPts val="500"/>
+              </a:spcBef>
+              <a:buFont typeface="Arial" panose="020B0604020202020204" pitchFamily="34" charset="0"/>
+              <a:buChar char="•"/>
+            </a:lvl9pPr>
+          </a:lstStyle>
+          <a:p>
+            <a:r>
+              <a:rPr lang="en-US" altLang="ko-KR" dirty="0" smtClean="0"/>
+              <a:t>Fork → Clone </a:t>
+            </a:r>
+            <a:r>
+              <a:rPr lang="en-US" altLang="ko-KR" dirty="0"/>
+              <a:t>→ </a:t>
+            </a:r>
+            <a:r>
+              <a:rPr lang="en-US" altLang="ko-KR" dirty="0" smtClean="0"/>
+              <a:t>Push </a:t>
+            </a:r>
+            <a:r>
+              <a:rPr lang="en-US" altLang="ko-KR" dirty="0"/>
+              <a:t>→ </a:t>
+            </a:r>
+            <a:r>
+              <a:rPr lang="en-US" altLang="ko-KR" dirty="0" smtClean="0"/>
+              <a:t>Pull Request</a:t>
+            </a:r>
+            <a:endParaRPr lang="en-US" altLang="ko-KR" dirty="0">
+              <a:latin typeface="+mn-ea"/>
+            </a:endParaRPr>
+          </a:p>
+          <a:p>
+            <a:pPr lvl="1"/>
+            <a:r>
+              <a:rPr lang="en-US" altLang="ko-KR" dirty="0">
+                <a:latin typeface="+mn-ea"/>
+              </a:rPr>
+              <a:t>u</a:t>
+            </a:r>
+            <a:r>
+              <a:rPr lang="en-US" altLang="ko-KR" dirty="0" smtClean="0">
+                <a:latin typeface="+mn-ea"/>
+              </a:rPr>
+              <a:t>pstream main (fork) → origin </a:t>
+            </a:r>
+            <a:r>
+              <a:rPr lang="en-US" altLang="ko-KR" dirty="0">
+                <a:latin typeface="+mn-ea"/>
+              </a:rPr>
+              <a:t>main </a:t>
+            </a:r>
+            <a:r>
+              <a:rPr lang="en-US" altLang="ko-KR" dirty="0" smtClean="0">
+                <a:latin typeface="+mn-ea"/>
+              </a:rPr>
+              <a:t>(clone) → local main (checkout) → local develop</a:t>
+            </a:r>
+            <a:endParaRPr lang="en-US" altLang="ko-KR" dirty="0">
+              <a:latin typeface="+mn-ea"/>
+            </a:endParaRPr>
+          </a:p>
+          <a:p>
+            <a:pPr lvl="1"/>
+            <a:r>
+              <a:rPr lang="en-US" altLang="ko-KR" dirty="0">
+                <a:latin typeface="+mn-ea"/>
+              </a:rPr>
+              <a:t>l</a:t>
+            </a:r>
+            <a:r>
+              <a:rPr lang="en-US" altLang="ko-KR" dirty="0" smtClean="0">
+                <a:latin typeface="+mn-ea"/>
+              </a:rPr>
+              <a:t>ocal </a:t>
+            </a:r>
+            <a:r>
+              <a:rPr lang="en-US" altLang="ko-KR" dirty="0" smtClean="0">
+                <a:latin typeface="+mn-ea"/>
+              </a:rPr>
+              <a:t>develop (push) </a:t>
+            </a:r>
+            <a:r>
+              <a:rPr lang="en-US" altLang="ko-KR" dirty="0">
+                <a:latin typeface="+mn-ea"/>
+              </a:rPr>
+              <a:t>→ origin </a:t>
+            </a:r>
+            <a:r>
+              <a:rPr lang="en-US" altLang="ko-KR" dirty="0" smtClean="0">
+                <a:latin typeface="+mn-ea"/>
+              </a:rPr>
+              <a:t>develop (pull request) </a:t>
+            </a:r>
+            <a:r>
+              <a:rPr lang="en-US" altLang="ko-KR" dirty="0">
+                <a:latin typeface="+mn-ea"/>
+              </a:rPr>
+              <a:t>→ </a:t>
+            </a:r>
+            <a:r>
+              <a:rPr lang="en-US" altLang="ko-KR" dirty="0" smtClean="0">
+                <a:latin typeface="+mn-ea"/>
+              </a:rPr>
+              <a:t>upstream (merge)</a:t>
+            </a:r>
+            <a:endParaRPr lang="en-US" altLang="ko-KR" dirty="0">
+              <a:latin typeface="+mn-ea"/>
+            </a:endParaRPr>
+          </a:p>
+          <a:p>
+            <a:pPr marL="266700" lvl="1" indent="0">
+              <a:buNone/>
+            </a:pPr>
+            <a:endParaRPr lang="en-US" altLang="ko-KR" dirty="0">
+              <a:latin typeface="+mn-ea"/>
+            </a:endParaRPr>
+          </a:p>
+          <a:p>
+            <a:pPr lvl="1"/>
+            <a:endParaRPr lang="en-US" altLang="ko-KR" dirty="0">
+              <a:latin typeface="+mn-ea"/>
+            </a:endParaRPr>
+          </a:p>
+          <a:p>
+            <a:pPr lvl="1"/>
+            <a:endParaRPr lang="en-US" altLang="ko-KR" dirty="0">
+              <a:latin typeface="+mn-ea"/>
+            </a:endParaRPr>
+          </a:p>
+          <a:p>
+            <a:pPr marL="266700" lvl="1" indent="0">
+              <a:buNone/>
+            </a:pPr>
+            <a:endParaRPr lang="en-US" altLang="ko-KR" dirty="0">
+              <a:latin typeface="+mn-ea"/>
+            </a:endParaRPr>
+          </a:p>
+          <a:p>
+            <a:pPr marL="266700" lvl="1" indent="0">
+              <a:buNone/>
+            </a:pPr>
+            <a:endParaRPr lang="en-US" altLang="ko-KR" dirty="0">
+              <a:latin typeface="+mn-ea"/>
+            </a:endParaRPr>
+          </a:p>
+          <a:p>
+            <a:pPr marL="266700" lvl="1" indent="0">
+              <a:buNone/>
+            </a:pPr>
+            <a:endParaRPr lang="en-US" altLang="ko-KR" dirty="0">
+              <a:latin typeface="+mn-ea"/>
+            </a:endParaRPr>
+          </a:p>
+          <a:p>
+            <a:pPr marL="266700" lvl="1" indent="0">
+              <a:buNone/>
+            </a:pPr>
+            <a:endParaRPr lang="en-US" altLang="ko-KR" dirty="0">
+              <a:latin typeface="+mn-ea"/>
+            </a:endParaRPr>
+          </a:p>
+          <a:p>
+            <a:pPr marL="266700" lvl="1" indent="0">
+              <a:buNone/>
+            </a:pPr>
+            <a:endParaRPr lang="en-US" altLang="ko-KR" dirty="0">
+              <a:latin typeface="+mn-ea"/>
+            </a:endParaRPr>
+          </a:p>
+          <a:p>
+            <a:pPr marL="266700" lvl="1" indent="0">
+              <a:buNone/>
+            </a:pPr>
+            <a:endParaRPr lang="en-US" altLang="ko-KR" dirty="0">
+              <a:latin typeface="+mn-ea"/>
+            </a:endParaRPr>
+          </a:p>
+        </p:txBody>
+      </p:sp>
+      <p:sp>
+        <p:nvSpPr>
+          <p:cNvPr id="4" name="제목 3">
+            <a:extLst>
+              <a:ext uri="{FF2B5EF4-FFF2-40B4-BE49-F238E27FC236}">
+                <a16:creationId xmlns:a16="http://schemas.microsoft.com/office/drawing/2014/main" id="{F0CEB32B-CB43-4410-BA08-A97E4BC47FCB}"/>
+              </a:ext>
+            </a:extLst>
+          </p:cNvPr>
+          <p:cNvSpPr>
+            <a:spLocks noGrp="1"/>
+          </p:cNvSpPr>
+          <p:nvPr>
+            <p:ph type="title"/>
+          </p:nvPr>
+        </p:nvSpPr>
+        <p:spPr>
+          <a:xfrm>
+            <a:off x="539551" y="192300"/>
+            <a:ext cx="8244853" cy="576064"/>
+          </a:xfrm>
+        </p:spPr>
+        <p:txBody>
+          <a:bodyPr>
+            <a:normAutofit/>
+          </a:bodyPr>
+          <a:lstStyle/>
+          <a:p>
+            <a:r>
+              <a:rPr lang="en-US" altLang="ko-KR" dirty="0"/>
+              <a:t>Pull Request </a:t>
+            </a:r>
+            <a:r>
+              <a:rPr lang="ko-KR" altLang="en-US" dirty="0"/>
+              <a:t>최종결과 확인 후 마무리 작업</a:t>
+            </a:r>
+          </a:p>
+        </p:txBody>
+      </p:sp>
+      <p:sp>
+        <p:nvSpPr>
+          <p:cNvPr id="5" name="모서리가 둥근 직사각형 1">
+            <a:extLst>
+              <a:ext uri="{FF2B5EF4-FFF2-40B4-BE49-F238E27FC236}">
+                <a16:creationId xmlns:a16="http://schemas.microsoft.com/office/drawing/2014/main" id="{7014267D-63BC-4903-9B3F-CD162D7BADDA}"/>
+              </a:ext>
+            </a:extLst>
+          </p:cNvPr>
+          <p:cNvSpPr/>
+          <p:nvPr/>
+        </p:nvSpPr>
+        <p:spPr>
+          <a:xfrm>
+            <a:off x="1258305" y="3215426"/>
+            <a:ext cx="1907435" cy="420964"/>
+          </a:xfrm>
+          <a:prstGeom prst="roundRect">
+            <a:avLst>
+              <a:gd name="adj" fmla="val 5181"/>
+            </a:avLst>
+          </a:prstGeom>
+          <a:solidFill>
+            <a:schemeClr val="bg1">
+              <a:lumMod val="95000"/>
+            </a:schemeClr>
+          </a:solidFill>
+          <a:ln w="19050">
+            <a:solidFill>
+              <a:schemeClr val="tx1">
+                <a:lumMod val="50000"/>
+                <a:lumOff val="50000"/>
+              </a:schemeClr>
+            </a:solidFill>
+          </a:ln>
+        </p:spPr>
+        <p:style>
+          <a:lnRef idx="2">
+            <a:schemeClr val="accent1">
+              <a:shade val="50000"/>
+            </a:schemeClr>
+          </a:lnRef>
+          <a:fillRef idx="1">
+            <a:schemeClr val="accent1"/>
+          </a:fillRef>
+          <a:effectRef idx="0">
+            <a:schemeClr val="accent1"/>
+          </a:effectRef>
+          <a:fontRef idx="minor">
+            <a:schemeClr val="lt1"/>
+          </a:fontRef>
+        </p:style>
+        <p:txBody>
+          <a:bodyPr rtlCol="0" anchor="ctr"/>
+          <a:lstStyle/>
+          <a:p>
+            <a:pPr algn="ctr"/>
+            <a:r>
+              <a:rPr lang="en-US" altLang="ko-KR" sz="1400" dirty="0" smtClean="0">
+                <a:solidFill>
+                  <a:schemeClr val="tx1"/>
+                </a:solidFill>
+              </a:rPr>
+              <a:t>main</a:t>
+            </a:r>
+            <a:r>
+              <a:rPr lang="en-US" altLang="ko-KR" sz="1400" dirty="0" smtClean="0">
+                <a:solidFill>
+                  <a:schemeClr val="tx1"/>
+                </a:solidFill>
+              </a:rPr>
+              <a:t>      </a:t>
+            </a:r>
+            <a:endParaRPr lang="ko-KR" altLang="en-US" sz="1400" dirty="0">
+              <a:solidFill>
+                <a:schemeClr val="tx1"/>
+              </a:solidFill>
+            </a:endParaRPr>
+          </a:p>
+        </p:txBody>
+      </p:sp>
+      <p:sp>
+        <p:nvSpPr>
+          <p:cNvPr id="6" name="모서리가 둥근 직사각형 7">
+            <a:extLst>
+              <a:ext uri="{FF2B5EF4-FFF2-40B4-BE49-F238E27FC236}">
+                <a16:creationId xmlns:a16="http://schemas.microsoft.com/office/drawing/2014/main" id="{B2BE4505-8867-44DB-B146-5CC8D0E24440}"/>
+              </a:ext>
+            </a:extLst>
+          </p:cNvPr>
+          <p:cNvSpPr/>
+          <p:nvPr/>
+        </p:nvSpPr>
+        <p:spPr>
+          <a:xfrm>
+            <a:off x="5275339" y="3636389"/>
+            <a:ext cx="1907435" cy="373609"/>
+          </a:xfrm>
+          <a:prstGeom prst="roundRect">
+            <a:avLst>
+              <a:gd name="adj" fmla="val 5181"/>
+            </a:avLst>
+          </a:prstGeom>
+          <a:solidFill>
+            <a:schemeClr val="bg1">
+              <a:lumMod val="95000"/>
+            </a:schemeClr>
+          </a:solidFill>
+          <a:ln w="15875">
+            <a:solidFill>
+              <a:srgbClr val="0000FF"/>
+            </a:solidFill>
+          </a:ln>
+        </p:spPr>
+        <p:style>
+          <a:lnRef idx="2">
+            <a:schemeClr val="accent1">
+              <a:shade val="50000"/>
+            </a:schemeClr>
+          </a:lnRef>
+          <a:fillRef idx="1">
+            <a:schemeClr val="accent1"/>
+          </a:fillRef>
+          <a:effectRef idx="0">
+            <a:schemeClr val="accent1"/>
+          </a:effectRef>
+          <a:fontRef idx="minor">
+            <a:schemeClr val="lt1"/>
+          </a:fontRef>
+        </p:style>
+        <p:txBody>
+          <a:bodyPr rtlCol="0" anchor="ctr"/>
+          <a:lstStyle/>
+          <a:p>
+            <a:pPr algn="ctr"/>
+            <a:r>
+              <a:rPr lang="en-US" altLang="ko-KR" sz="1400" dirty="0">
+                <a:solidFill>
+                  <a:srgbClr val="FF0000"/>
+                </a:solidFill>
+              </a:rPr>
+              <a:t>d</a:t>
+            </a:r>
+            <a:r>
+              <a:rPr lang="en-US" altLang="ko-KR" sz="1400" dirty="0" smtClean="0">
+                <a:solidFill>
+                  <a:srgbClr val="FF0000"/>
+                </a:solidFill>
+              </a:rPr>
+              <a:t>evelop</a:t>
+            </a:r>
+            <a:endParaRPr lang="en-US" altLang="ko-KR" sz="1400" dirty="0">
+              <a:solidFill>
+                <a:srgbClr val="FF0000"/>
+              </a:solidFill>
+            </a:endParaRPr>
+          </a:p>
+        </p:txBody>
+      </p:sp>
+      <p:sp>
+        <p:nvSpPr>
+          <p:cNvPr id="8" name="모서리가 둥근 직사각형 8">
+            <a:extLst>
+              <a:ext uri="{FF2B5EF4-FFF2-40B4-BE49-F238E27FC236}">
+                <a16:creationId xmlns:a16="http://schemas.microsoft.com/office/drawing/2014/main" id="{8EB018F2-D060-4225-8C5A-C79FC8D50203}"/>
+              </a:ext>
+            </a:extLst>
+          </p:cNvPr>
+          <p:cNvSpPr/>
+          <p:nvPr/>
+        </p:nvSpPr>
+        <p:spPr>
+          <a:xfrm>
+            <a:off x="1258306" y="2972387"/>
+            <a:ext cx="899565" cy="246177"/>
+          </a:xfrm>
+          <a:prstGeom prst="roundRect">
+            <a:avLst/>
+          </a:prstGeom>
+          <a:solidFill>
+            <a:schemeClr val="accent3">
+              <a:lumMod val="40000"/>
+              <a:lumOff val="60000"/>
+            </a:schemeClr>
+          </a:solidFill>
+          <a:ln w="19050">
+            <a:solidFill>
+              <a:schemeClr val="tx1"/>
+            </a:solidFill>
+          </a:ln>
+        </p:spPr>
+        <p:style>
+          <a:lnRef idx="2">
+            <a:schemeClr val="accent1">
+              <a:shade val="50000"/>
+            </a:schemeClr>
+          </a:lnRef>
+          <a:fillRef idx="1">
+            <a:schemeClr val="accent1"/>
+          </a:fillRef>
+          <a:effectRef idx="0">
+            <a:schemeClr val="accent1"/>
+          </a:effectRef>
+          <a:fontRef idx="minor">
+            <a:schemeClr val="lt1"/>
+          </a:fontRef>
+        </p:style>
+        <p:txBody>
+          <a:bodyPr rtlCol="0" anchor="ctr"/>
+          <a:lstStyle/>
+          <a:p>
+            <a:pPr algn="ctr"/>
+            <a:r>
+              <a:rPr lang="en-US" altLang="ko-KR" sz="1400" dirty="0">
+                <a:solidFill>
+                  <a:schemeClr val="tx1"/>
+                </a:solidFill>
+              </a:rPr>
+              <a:t>upstream</a:t>
+            </a:r>
+          </a:p>
+        </p:txBody>
+      </p:sp>
+      <p:sp>
+        <p:nvSpPr>
+          <p:cNvPr id="9" name="모서리가 둥근 직사각형 9">
+            <a:extLst>
+              <a:ext uri="{FF2B5EF4-FFF2-40B4-BE49-F238E27FC236}">
+                <a16:creationId xmlns:a16="http://schemas.microsoft.com/office/drawing/2014/main" id="{255AB00B-227B-4647-BBC7-3389FB2D7546}"/>
+              </a:ext>
+            </a:extLst>
+          </p:cNvPr>
+          <p:cNvSpPr/>
+          <p:nvPr/>
+        </p:nvSpPr>
+        <p:spPr>
+          <a:xfrm>
+            <a:off x="4728581" y="2972387"/>
+            <a:ext cx="899565" cy="246177"/>
+          </a:xfrm>
+          <a:prstGeom prst="roundRect">
+            <a:avLst/>
+          </a:prstGeom>
+          <a:solidFill>
+            <a:srgbClr val="92D050"/>
+          </a:solidFill>
+          <a:ln w="15875">
+            <a:solidFill>
+              <a:srgbClr val="0000FF"/>
+            </a:solidFill>
+          </a:ln>
+        </p:spPr>
+        <p:style>
+          <a:lnRef idx="2">
+            <a:schemeClr val="accent1">
+              <a:shade val="50000"/>
+            </a:schemeClr>
+          </a:lnRef>
+          <a:fillRef idx="1">
+            <a:schemeClr val="accent1"/>
+          </a:fillRef>
+          <a:effectRef idx="0">
+            <a:schemeClr val="accent1"/>
+          </a:effectRef>
+          <a:fontRef idx="minor">
+            <a:schemeClr val="lt1"/>
+          </a:fontRef>
+        </p:style>
+        <p:txBody>
+          <a:bodyPr rtlCol="0" anchor="ctr"/>
+          <a:lstStyle/>
+          <a:p>
+            <a:pPr algn="ctr"/>
+            <a:r>
+              <a:rPr lang="en-US" altLang="ko-KR" sz="1400" dirty="0">
+                <a:solidFill>
+                  <a:schemeClr val="tx1"/>
+                </a:solidFill>
+              </a:rPr>
+              <a:t>origin</a:t>
+            </a:r>
+          </a:p>
+        </p:txBody>
+      </p:sp>
+      <p:sp>
+        <p:nvSpPr>
+          <p:cNvPr id="10" name="모서리가 둥근 직사각형 10">
+            <a:extLst>
+              <a:ext uri="{FF2B5EF4-FFF2-40B4-BE49-F238E27FC236}">
+                <a16:creationId xmlns:a16="http://schemas.microsoft.com/office/drawing/2014/main" id="{8E588361-3C48-44B3-9C36-4A0181173179}"/>
+              </a:ext>
+            </a:extLst>
+          </p:cNvPr>
+          <p:cNvSpPr/>
+          <p:nvPr/>
+        </p:nvSpPr>
+        <p:spPr>
+          <a:xfrm>
+            <a:off x="5275338" y="4865409"/>
+            <a:ext cx="1907435" cy="344238"/>
+          </a:xfrm>
+          <a:prstGeom prst="roundRect">
+            <a:avLst>
+              <a:gd name="adj" fmla="val 5181"/>
+            </a:avLst>
+          </a:prstGeom>
+          <a:solidFill>
+            <a:schemeClr val="bg1">
+              <a:lumMod val="95000"/>
+            </a:schemeClr>
+          </a:solidFill>
+          <a:ln w="19050">
+            <a:solidFill>
+              <a:srgbClr val="C00000"/>
+            </a:solidFill>
+          </a:ln>
+        </p:spPr>
+        <p:style>
+          <a:lnRef idx="2">
+            <a:schemeClr val="accent1">
+              <a:shade val="50000"/>
+            </a:schemeClr>
+          </a:lnRef>
+          <a:fillRef idx="1">
+            <a:schemeClr val="accent1"/>
+          </a:fillRef>
+          <a:effectRef idx="0">
+            <a:schemeClr val="accent1"/>
+          </a:effectRef>
+          <a:fontRef idx="minor">
+            <a:schemeClr val="lt1"/>
+          </a:fontRef>
+        </p:style>
+        <p:txBody>
+          <a:bodyPr rtlCol="0" anchor="ctr"/>
+          <a:lstStyle/>
+          <a:p>
+            <a:pPr algn="ctr"/>
+            <a:r>
+              <a:rPr lang="en-US" altLang="ko-KR" sz="1400" dirty="0" smtClean="0">
+                <a:solidFill>
+                  <a:srgbClr val="FF0000"/>
+                </a:solidFill>
+              </a:rPr>
+              <a:t>develop</a:t>
+            </a:r>
+            <a:endParaRPr lang="en-US" altLang="ko-KR" sz="1400" dirty="0">
+              <a:solidFill>
+                <a:srgbClr val="FF0000"/>
+              </a:solidFill>
+            </a:endParaRPr>
+          </a:p>
+        </p:txBody>
+      </p:sp>
+      <p:sp>
+        <p:nvSpPr>
+          <p:cNvPr id="17" name="TextBox 16">
+            <a:extLst>
+              <a:ext uri="{FF2B5EF4-FFF2-40B4-BE49-F238E27FC236}">
+                <a16:creationId xmlns:a16="http://schemas.microsoft.com/office/drawing/2014/main" id="{99E23039-C946-489F-9A22-3D34B8256898}"/>
+              </a:ext>
+            </a:extLst>
+          </p:cNvPr>
+          <p:cNvSpPr txBox="1"/>
+          <p:nvPr/>
+        </p:nvSpPr>
+        <p:spPr>
+          <a:xfrm>
+            <a:off x="6941820" y="4283814"/>
+            <a:ext cx="838691" cy="338554"/>
+          </a:xfrm>
+          <a:prstGeom prst="rect">
+            <a:avLst/>
+          </a:prstGeom>
+          <a:noFill/>
+        </p:spPr>
+        <p:txBody>
+          <a:bodyPr wrap="none" rtlCol="0">
+            <a:spAutoFit/>
+          </a:bodyPr>
+          <a:lstStyle>
+            <a:defPPr>
+              <a:defRPr lang="en-US"/>
+            </a:defPPr>
+            <a:lvl1pPr>
+              <a:defRPr sz="1600">
+                <a:solidFill>
+                  <a:srgbClr val="FF0000"/>
+                </a:solidFill>
+              </a:defRPr>
+            </a:lvl1pPr>
+          </a:lstStyle>
+          <a:p>
+            <a:r>
+              <a:rPr lang="en-US" altLang="ko-KR" dirty="0">
+                <a:solidFill>
+                  <a:srgbClr val="0000FF"/>
+                </a:solidFill>
+              </a:rPr>
+              <a:t>③ push</a:t>
+            </a:r>
+            <a:endParaRPr lang="ko-KR" altLang="en-US" dirty="0">
+              <a:solidFill>
+                <a:srgbClr val="0000FF"/>
+              </a:solidFill>
+            </a:endParaRPr>
+          </a:p>
+        </p:txBody>
+      </p:sp>
+      <p:sp>
+        <p:nvSpPr>
+          <p:cNvPr id="3" name="슬라이드 번호 개체 틀 2">
+            <a:extLst>
+              <a:ext uri="{FF2B5EF4-FFF2-40B4-BE49-F238E27FC236}">
+                <a16:creationId xmlns:a16="http://schemas.microsoft.com/office/drawing/2014/main" id="{DF472566-400E-4521-A3D9-B48913F05581}"/>
+              </a:ext>
+            </a:extLst>
+          </p:cNvPr>
+          <p:cNvSpPr>
+            <a:spLocks noGrp="1"/>
+          </p:cNvSpPr>
+          <p:nvPr>
+            <p:ph type="sldNum" sz="quarter" idx="12"/>
+          </p:nvPr>
+        </p:nvSpPr>
+        <p:spPr/>
+        <p:txBody>
+          <a:bodyPr/>
+          <a:lstStyle/>
+          <a:p>
+            <a:fld id="{526ADF51-C4A2-4521-899C-87F34FDB9C0A}" type="slidenum">
+              <a:rPr lang="ko-KR" altLang="en-US" smtClean="0"/>
+              <a:pPr/>
+              <a:t>31</a:t>
+            </a:fld>
+            <a:r>
+              <a:rPr lang="en-US" altLang="ko-KR"/>
+              <a:t>/37</a:t>
+            </a:r>
+            <a:endParaRPr lang="ko-KR" altLang="en-US" dirty="0"/>
+          </a:p>
+        </p:txBody>
+      </p:sp>
+      <p:sp>
+        <p:nvSpPr>
+          <p:cNvPr id="18" name="모서리가 둥근 직사각형 1">
+            <a:extLst>
+              <a:ext uri="{FF2B5EF4-FFF2-40B4-BE49-F238E27FC236}">
+                <a16:creationId xmlns:a16="http://schemas.microsoft.com/office/drawing/2014/main" id="{7014267D-63BC-4903-9B3F-CD162D7BADDA}"/>
+              </a:ext>
+            </a:extLst>
+          </p:cNvPr>
+          <p:cNvSpPr/>
+          <p:nvPr/>
+        </p:nvSpPr>
+        <p:spPr>
+          <a:xfrm>
+            <a:off x="4728581" y="3215426"/>
+            <a:ext cx="1907435" cy="420964"/>
+          </a:xfrm>
+          <a:prstGeom prst="roundRect">
+            <a:avLst>
+              <a:gd name="adj" fmla="val 5181"/>
+            </a:avLst>
+          </a:prstGeom>
+          <a:solidFill>
+            <a:schemeClr val="bg1">
+              <a:lumMod val="95000"/>
+            </a:schemeClr>
+          </a:solidFill>
+          <a:ln w="19050">
+            <a:solidFill>
+              <a:schemeClr val="tx1">
+                <a:lumMod val="50000"/>
+                <a:lumOff val="50000"/>
+              </a:schemeClr>
+            </a:solidFill>
+          </a:ln>
+        </p:spPr>
+        <p:style>
+          <a:lnRef idx="2">
+            <a:schemeClr val="accent1">
+              <a:shade val="50000"/>
+            </a:schemeClr>
+          </a:lnRef>
+          <a:fillRef idx="1">
+            <a:schemeClr val="accent1"/>
+          </a:fillRef>
+          <a:effectRef idx="0">
+            <a:schemeClr val="accent1"/>
+          </a:effectRef>
+          <a:fontRef idx="minor">
+            <a:schemeClr val="lt1"/>
+          </a:fontRef>
+        </p:style>
+        <p:txBody>
+          <a:bodyPr rtlCol="0" anchor="ctr"/>
+          <a:lstStyle/>
+          <a:p>
+            <a:pPr algn="ctr"/>
+            <a:r>
+              <a:rPr lang="en-US" altLang="ko-KR" sz="1400" dirty="0" smtClean="0">
+                <a:solidFill>
+                  <a:schemeClr val="tx1"/>
+                </a:solidFill>
+              </a:rPr>
+              <a:t>main</a:t>
+            </a:r>
+            <a:r>
+              <a:rPr lang="en-US" altLang="ko-KR" sz="1400" dirty="0" smtClean="0">
+                <a:solidFill>
+                  <a:schemeClr val="tx1"/>
+                </a:solidFill>
+              </a:rPr>
+              <a:t>      </a:t>
+            </a:r>
+            <a:endParaRPr lang="ko-KR" altLang="en-US" sz="1400" dirty="0">
+              <a:solidFill>
+                <a:schemeClr val="tx1"/>
+              </a:solidFill>
+            </a:endParaRPr>
+          </a:p>
+        </p:txBody>
+      </p:sp>
+      <p:sp>
+        <p:nvSpPr>
+          <p:cNvPr id="19" name="모서리가 둥근 직사각형 1">
+            <a:extLst>
+              <a:ext uri="{FF2B5EF4-FFF2-40B4-BE49-F238E27FC236}">
+                <a16:creationId xmlns:a16="http://schemas.microsoft.com/office/drawing/2014/main" id="{7014267D-63BC-4903-9B3F-CD162D7BADDA}"/>
+              </a:ext>
+            </a:extLst>
+          </p:cNvPr>
+          <p:cNvSpPr/>
+          <p:nvPr/>
+        </p:nvSpPr>
+        <p:spPr>
+          <a:xfrm>
+            <a:off x="4728581" y="4444447"/>
+            <a:ext cx="1907435" cy="420964"/>
+          </a:xfrm>
+          <a:prstGeom prst="roundRect">
+            <a:avLst>
+              <a:gd name="adj" fmla="val 5181"/>
+            </a:avLst>
+          </a:prstGeom>
+          <a:solidFill>
+            <a:schemeClr val="bg1">
+              <a:lumMod val="95000"/>
+            </a:schemeClr>
+          </a:solidFill>
+          <a:ln w="19050">
+            <a:solidFill>
+              <a:schemeClr val="tx1">
+                <a:lumMod val="50000"/>
+                <a:lumOff val="50000"/>
+              </a:schemeClr>
+            </a:solidFill>
+          </a:ln>
+        </p:spPr>
+        <p:style>
+          <a:lnRef idx="2">
+            <a:schemeClr val="accent1">
+              <a:shade val="50000"/>
+            </a:schemeClr>
+          </a:lnRef>
+          <a:fillRef idx="1">
+            <a:schemeClr val="accent1"/>
+          </a:fillRef>
+          <a:effectRef idx="0">
+            <a:schemeClr val="accent1"/>
+          </a:effectRef>
+          <a:fontRef idx="minor">
+            <a:schemeClr val="lt1"/>
+          </a:fontRef>
+        </p:style>
+        <p:txBody>
+          <a:bodyPr rtlCol="0" anchor="ctr"/>
+          <a:lstStyle/>
+          <a:p>
+            <a:pPr algn="ctr"/>
+            <a:r>
+              <a:rPr lang="en-US" altLang="ko-KR" sz="1400" dirty="0" smtClean="0">
+                <a:solidFill>
+                  <a:schemeClr val="tx1"/>
+                </a:solidFill>
+              </a:rPr>
+              <a:t>main</a:t>
+            </a:r>
+            <a:r>
+              <a:rPr lang="en-US" altLang="ko-KR" sz="1400" dirty="0" smtClean="0">
+                <a:solidFill>
+                  <a:schemeClr val="tx1"/>
+                </a:solidFill>
+              </a:rPr>
+              <a:t>      </a:t>
+            </a:r>
+            <a:endParaRPr lang="ko-KR" altLang="en-US" sz="1400" dirty="0">
+              <a:solidFill>
+                <a:schemeClr val="tx1"/>
+              </a:solidFill>
+            </a:endParaRPr>
+          </a:p>
+        </p:txBody>
+      </p:sp>
+      <p:cxnSp>
+        <p:nvCxnSpPr>
+          <p:cNvPr id="20" name="직선 화살표 연결선 19">
+            <a:extLst>
+              <a:ext uri="{FF2B5EF4-FFF2-40B4-BE49-F238E27FC236}">
+                <a16:creationId xmlns:a16="http://schemas.microsoft.com/office/drawing/2014/main" id="{065FDE89-7A48-41F0-A131-9A5F396B23F5}"/>
+              </a:ext>
+            </a:extLst>
+          </p:cNvPr>
+          <p:cNvCxnSpPr/>
+          <p:nvPr/>
+        </p:nvCxnSpPr>
+        <p:spPr>
+          <a:xfrm flipV="1">
+            <a:off x="3163603" y="3377596"/>
+            <a:ext cx="1564978" cy="1"/>
+          </a:xfrm>
+          <a:prstGeom prst="straightConnector1">
+            <a:avLst/>
+          </a:prstGeom>
+          <a:ln w="38100">
+            <a:solidFill>
+              <a:schemeClr val="accent1">
+                <a:lumMod val="60000"/>
+                <a:lumOff val="40000"/>
+              </a:schemeClr>
+            </a:solidFill>
+            <a:tailEnd type="triangle"/>
+          </a:ln>
+        </p:spPr>
+        <p:style>
+          <a:lnRef idx="1">
+            <a:schemeClr val="accent1"/>
+          </a:lnRef>
+          <a:fillRef idx="0">
+            <a:schemeClr val="accent1"/>
+          </a:fillRef>
+          <a:effectRef idx="0">
+            <a:schemeClr val="accent1"/>
+          </a:effectRef>
+          <a:fontRef idx="minor">
+            <a:schemeClr val="tx1"/>
+          </a:fontRef>
+        </p:style>
+      </p:cxnSp>
+      <p:cxnSp>
+        <p:nvCxnSpPr>
+          <p:cNvPr id="21" name="직선 화살표 연결선 20">
+            <a:extLst>
+              <a:ext uri="{FF2B5EF4-FFF2-40B4-BE49-F238E27FC236}">
+                <a16:creationId xmlns:a16="http://schemas.microsoft.com/office/drawing/2014/main" id="{065FDE89-7A48-41F0-A131-9A5F396B23F5}"/>
+              </a:ext>
+            </a:extLst>
+          </p:cNvPr>
+          <p:cNvCxnSpPr/>
+          <p:nvPr/>
+        </p:nvCxnSpPr>
+        <p:spPr>
+          <a:xfrm>
+            <a:off x="4967926" y="3647954"/>
+            <a:ext cx="0" cy="793163"/>
+          </a:xfrm>
+          <a:prstGeom prst="straightConnector1">
+            <a:avLst/>
+          </a:prstGeom>
+          <a:ln w="38100">
+            <a:solidFill>
+              <a:schemeClr val="accent1">
+                <a:lumMod val="60000"/>
+                <a:lumOff val="40000"/>
+              </a:schemeClr>
+            </a:solidFill>
+            <a:tailEnd type="triangle"/>
+          </a:ln>
+        </p:spPr>
+        <p:style>
+          <a:lnRef idx="1">
+            <a:schemeClr val="accent1"/>
+          </a:lnRef>
+          <a:fillRef idx="0">
+            <a:schemeClr val="accent1"/>
+          </a:fillRef>
+          <a:effectRef idx="0">
+            <a:schemeClr val="accent1"/>
+          </a:effectRef>
+          <a:fontRef idx="minor">
+            <a:schemeClr val="tx1"/>
+          </a:fontRef>
+        </p:style>
+      </p:cxnSp>
+      <p:cxnSp>
+        <p:nvCxnSpPr>
+          <p:cNvPr id="28" name="꺾인 연결선 27"/>
+          <p:cNvCxnSpPr/>
+          <p:nvPr/>
+        </p:nvCxnSpPr>
+        <p:spPr>
+          <a:xfrm>
+            <a:off x="5593080" y="4775199"/>
+            <a:ext cx="289245" cy="262328"/>
+          </a:xfrm>
+          <a:prstGeom prst="bentConnector3">
+            <a:avLst>
+              <a:gd name="adj1" fmla="val 4556"/>
+            </a:avLst>
+          </a:prstGeom>
+          <a:ln w="31750">
+            <a:solidFill>
+              <a:srgbClr val="0000FF"/>
+            </a:solidFill>
+            <a:tailEnd type="triangle"/>
+          </a:ln>
+        </p:spPr>
+        <p:style>
+          <a:lnRef idx="1">
+            <a:schemeClr val="accent1"/>
+          </a:lnRef>
+          <a:fillRef idx="0">
+            <a:schemeClr val="accent1"/>
+          </a:fillRef>
+          <a:effectRef idx="0">
+            <a:schemeClr val="accent1"/>
+          </a:effectRef>
+          <a:fontRef idx="minor">
+            <a:schemeClr val="tx1"/>
+          </a:fontRef>
+        </p:style>
+      </p:cxnSp>
+      <p:sp>
+        <p:nvSpPr>
+          <p:cNvPr id="39" name="TextBox 38">
+            <a:extLst>
+              <a:ext uri="{FF2B5EF4-FFF2-40B4-BE49-F238E27FC236}">
+                <a16:creationId xmlns:a16="http://schemas.microsoft.com/office/drawing/2014/main" id="{99E23039-C946-489F-9A22-3D34B8256898}"/>
+              </a:ext>
+            </a:extLst>
+          </p:cNvPr>
+          <p:cNvSpPr txBox="1"/>
+          <p:nvPr/>
+        </p:nvSpPr>
+        <p:spPr>
+          <a:xfrm>
+            <a:off x="4285060" y="4894642"/>
+            <a:ext cx="1034642" cy="307777"/>
+          </a:xfrm>
+          <a:prstGeom prst="rect">
+            <a:avLst/>
+          </a:prstGeom>
+          <a:noFill/>
+        </p:spPr>
+        <p:txBody>
+          <a:bodyPr wrap="none" rtlCol="0">
+            <a:spAutoFit/>
+          </a:bodyPr>
+          <a:lstStyle/>
+          <a:p>
+            <a:r>
+              <a:rPr lang="en-US" altLang="ko-KR" sz="1400" dirty="0" smtClean="0">
+                <a:solidFill>
+                  <a:srgbClr val="0000FF"/>
+                </a:solidFill>
+              </a:rPr>
+              <a:t>checkout -b</a:t>
+            </a:r>
+            <a:endParaRPr lang="ko-KR" altLang="en-US" sz="1400" dirty="0">
+              <a:solidFill>
+                <a:srgbClr val="0000FF"/>
+              </a:solidFill>
+            </a:endParaRPr>
+          </a:p>
+        </p:txBody>
+      </p:sp>
+      <p:sp>
+        <p:nvSpPr>
+          <p:cNvPr id="40" name="TextBox 39">
+            <a:extLst>
+              <a:ext uri="{FF2B5EF4-FFF2-40B4-BE49-F238E27FC236}">
+                <a16:creationId xmlns:a16="http://schemas.microsoft.com/office/drawing/2014/main" id="{BDB8BFA2-DBDC-42FD-B340-32D99B3F8ED2}"/>
+              </a:ext>
+            </a:extLst>
+          </p:cNvPr>
+          <p:cNvSpPr txBox="1"/>
+          <p:nvPr/>
+        </p:nvSpPr>
+        <p:spPr>
+          <a:xfrm>
+            <a:off x="3565899" y="3032111"/>
+            <a:ext cx="768672" cy="338554"/>
+          </a:xfrm>
+          <a:prstGeom prst="rect">
+            <a:avLst/>
+          </a:prstGeom>
+          <a:noFill/>
+        </p:spPr>
+        <p:txBody>
+          <a:bodyPr wrap="none" rtlCol="0">
+            <a:spAutoFit/>
+          </a:bodyPr>
+          <a:lstStyle>
+            <a:defPPr>
+              <a:defRPr lang="en-US"/>
+            </a:defPPr>
+            <a:lvl1pPr>
+              <a:defRPr sz="1600">
+                <a:solidFill>
+                  <a:srgbClr val="FF0000"/>
+                </a:solidFill>
+              </a:defRPr>
+            </a:lvl1pPr>
+          </a:lstStyle>
+          <a:p>
+            <a:r>
+              <a:rPr lang="en-US" altLang="ko-KR" dirty="0"/>
+              <a:t>① </a:t>
+            </a:r>
+            <a:r>
+              <a:rPr lang="en-US" altLang="ko-KR" dirty="0"/>
+              <a:t>fork</a:t>
+            </a:r>
+            <a:endParaRPr lang="ko-KR" altLang="en-US" dirty="0"/>
+          </a:p>
+        </p:txBody>
+      </p:sp>
+      <p:cxnSp>
+        <p:nvCxnSpPr>
+          <p:cNvPr id="42" name="직선 화살표 연결선 41"/>
+          <p:cNvCxnSpPr/>
+          <p:nvPr/>
+        </p:nvCxnSpPr>
+        <p:spPr>
+          <a:xfrm flipV="1">
+            <a:off x="6941820" y="4009998"/>
+            <a:ext cx="0" cy="855411"/>
+          </a:xfrm>
+          <a:prstGeom prst="straightConnector1">
+            <a:avLst/>
+          </a:prstGeom>
+          <a:ln w="31750">
+            <a:solidFill>
+              <a:srgbClr val="0000FF"/>
+            </a:solidFill>
+            <a:tailEnd type="triangle"/>
+          </a:ln>
+        </p:spPr>
+        <p:style>
+          <a:lnRef idx="1">
+            <a:schemeClr val="accent1"/>
+          </a:lnRef>
+          <a:fillRef idx="0">
+            <a:schemeClr val="accent1"/>
+          </a:fillRef>
+          <a:effectRef idx="0">
+            <a:schemeClr val="accent1"/>
+          </a:effectRef>
+          <a:fontRef idx="minor">
+            <a:schemeClr val="tx1"/>
+          </a:fontRef>
+        </p:style>
+      </p:cxnSp>
+      <p:cxnSp>
+        <p:nvCxnSpPr>
+          <p:cNvPr id="46" name="꺾인 연결선 45"/>
+          <p:cNvCxnSpPr>
+            <a:stCxn id="6" idx="1"/>
+            <a:endCxn id="5" idx="2"/>
+          </p:cNvCxnSpPr>
+          <p:nvPr/>
+        </p:nvCxnSpPr>
+        <p:spPr>
+          <a:xfrm rot="10800000">
+            <a:off x="2212023" y="3636390"/>
+            <a:ext cx="3063316" cy="186804"/>
+          </a:xfrm>
+          <a:prstGeom prst="bentConnector2">
+            <a:avLst/>
+          </a:prstGeom>
+          <a:ln w="31750">
+            <a:solidFill>
+              <a:srgbClr val="0000FF"/>
+            </a:solidFill>
+            <a:tailEnd type="triangle"/>
+          </a:ln>
+        </p:spPr>
+        <p:style>
+          <a:lnRef idx="1">
+            <a:schemeClr val="accent1"/>
+          </a:lnRef>
+          <a:fillRef idx="0">
+            <a:schemeClr val="accent1"/>
+          </a:fillRef>
+          <a:effectRef idx="0">
+            <a:schemeClr val="accent1"/>
+          </a:effectRef>
+          <a:fontRef idx="minor">
+            <a:schemeClr val="tx1"/>
+          </a:fontRef>
+        </p:style>
+      </p:cxnSp>
+      <p:sp>
+        <p:nvSpPr>
+          <p:cNvPr id="49" name="TextBox 48">
+            <a:extLst>
+              <a:ext uri="{FF2B5EF4-FFF2-40B4-BE49-F238E27FC236}">
+                <a16:creationId xmlns:a16="http://schemas.microsoft.com/office/drawing/2014/main" id="{8CE5E28C-5578-40B1-901B-4D1BA75C9A76}"/>
+              </a:ext>
+            </a:extLst>
+          </p:cNvPr>
+          <p:cNvSpPr txBox="1"/>
+          <p:nvPr/>
+        </p:nvSpPr>
+        <p:spPr>
+          <a:xfrm>
+            <a:off x="4125261" y="3987596"/>
+            <a:ext cx="888385" cy="338554"/>
+          </a:xfrm>
+          <a:prstGeom prst="rect">
+            <a:avLst/>
+          </a:prstGeom>
+          <a:noFill/>
+        </p:spPr>
+        <p:txBody>
+          <a:bodyPr wrap="none" rtlCol="0">
+            <a:spAutoFit/>
+          </a:bodyPr>
+          <a:lstStyle/>
+          <a:p>
+            <a:r>
+              <a:rPr lang="en-US" altLang="ko-KR" sz="1600" dirty="0">
+                <a:solidFill>
+                  <a:srgbClr val="FF0000"/>
+                </a:solidFill>
+              </a:rPr>
+              <a:t>② clone</a:t>
+            </a:r>
+            <a:endParaRPr lang="ko-KR" altLang="en-US" sz="1600" dirty="0">
+              <a:solidFill>
+                <a:srgbClr val="FF0000"/>
+              </a:solidFill>
+            </a:endParaRPr>
+          </a:p>
+        </p:txBody>
+      </p:sp>
+      <p:sp>
+        <p:nvSpPr>
+          <p:cNvPr id="52" name="TextBox 51">
+            <a:extLst>
+              <a:ext uri="{FF2B5EF4-FFF2-40B4-BE49-F238E27FC236}">
+                <a16:creationId xmlns:a16="http://schemas.microsoft.com/office/drawing/2014/main" id="{DD6D3F4E-AA8D-4A10-A1F2-C35B189C130A}"/>
+              </a:ext>
+            </a:extLst>
+          </p:cNvPr>
+          <p:cNvSpPr txBox="1"/>
+          <p:nvPr/>
+        </p:nvSpPr>
+        <p:spPr>
+          <a:xfrm>
+            <a:off x="1434124" y="3377596"/>
+            <a:ext cx="829971" cy="307777"/>
+          </a:xfrm>
+          <a:prstGeom prst="rect">
+            <a:avLst/>
+          </a:prstGeom>
+          <a:noFill/>
+        </p:spPr>
+        <p:txBody>
+          <a:bodyPr wrap="none" rtlCol="0">
+            <a:spAutoFit/>
+          </a:bodyPr>
+          <a:lstStyle/>
+          <a:p>
+            <a:r>
+              <a:rPr lang="en-US" altLang="ko-KR" sz="1400" dirty="0"/>
+              <a:t>⑤merge</a:t>
+            </a:r>
+            <a:endParaRPr lang="ko-KR" altLang="en-US" sz="1400" dirty="0"/>
+          </a:p>
+        </p:txBody>
+      </p:sp>
+      <p:sp>
+        <p:nvSpPr>
+          <p:cNvPr id="53" name="TextBox 52">
+            <a:extLst>
+              <a:ext uri="{FF2B5EF4-FFF2-40B4-BE49-F238E27FC236}">
+                <a16:creationId xmlns:a16="http://schemas.microsoft.com/office/drawing/2014/main" id="{D9E81BF2-AB72-45C1-8878-5802E33A156A}"/>
+              </a:ext>
+            </a:extLst>
+          </p:cNvPr>
+          <p:cNvSpPr txBox="1"/>
+          <p:nvPr/>
+        </p:nvSpPr>
+        <p:spPr>
+          <a:xfrm>
+            <a:off x="2702233" y="3835957"/>
+            <a:ext cx="1464375" cy="338554"/>
+          </a:xfrm>
+          <a:prstGeom prst="rect">
+            <a:avLst/>
+          </a:prstGeom>
+          <a:noFill/>
+        </p:spPr>
+        <p:txBody>
+          <a:bodyPr wrap="none" rtlCol="0">
+            <a:spAutoFit/>
+          </a:bodyPr>
+          <a:lstStyle>
+            <a:defPPr>
+              <a:defRPr lang="en-US"/>
+            </a:defPPr>
+            <a:lvl1pPr>
+              <a:defRPr sz="1600">
+                <a:solidFill>
+                  <a:srgbClr val="0000FF"/>
+                </a:solidFill>
+              </a:defRPr>
+            </a:lvl1pPr>
+          </a:lstStyle>
+          <a:p>
+            <a:r>
+              <a:rPr lang="en-US" altLang="ko-KR" dirty="0"/>
+              <a:t>④ </a:t>
+            </a:r>
+            <a:r>
+              <a:rPr lang="en-US" altLang="ko-KR" dirty="0"/>
+              <a:t>Pull Request</a:t>
+            </a:r>
+            <a:endParaRPr lang="ko-KR" altLang="en-US" dirty="0"/>
+          </a:p>
+        </p:txBody>
+      </p:sp>
+    </p:spTree>
+    <p:extLst>
+      <p:ext uri="{BB962C8B-B14F-4D97-AF65-F5344CB8AC3E}">
+        <p14:creationId xmlns:p14="http://schemas.microsoft.com/office/powerpoint/2010/main" val="2164313808"/>
+      </p:ext>
+    </p:extLst>
+  </p:cSld>
+  <p:clrMapOvr>
+    <a:masterClrMapping/>
+  </p:clrMapOvr>
+</p:sld>
+</file>
+
+<file path=ppt/slides/slide32.xml><?xml version="1.0" encoding="utf-8"?>
+<p:sld xmlns:a="http://schemas.openxmlformats.org/drawingml/2006/main" xmlns:r="http://schemas.openxmlformats.org/officeDocument/2006/relationships" xmlns:p="http://schemas.openxmlformats.org/presentationml/2006/main">
+  <p:cSld>
+    <p:spTree>
+      <p:nvGrpSpPr>
+        <p:cNvPr id="1" name=""/>
+        <p:cNvGrpSpPr/>
+        <p:nvPr/>
+      </p:nvGrpSpPr>
+      <p:grpSpPr>
+        <a:xfrm>
+          <a:off x="0" y="0"/>
+          <a:ext cx="0" cy="0"/>
+          <a:chOff x="0" y="0"/>
+          <a:chExt cx="0" cy="0"/>
+        </a:xfrm>
+      </p:grpSpPr>
+      <p:sp>
+        <p:nvSpPr>
+          <p:cNvPr id="7" name="내용 개체 틀 2">
+            <a:extLst>
+              <a:ext uri="{FF2B5EF4-FFF2-40B4-BE49-F238E27FC236}">
+                <a16:creationId xmlns:a16="http://schemas.microsoft.com/office/drawing/2014/main" id="{A44AC902-3746-40D6-9827-94B46EEDDC67}"/>
+              </a:ext>
+            </a:extLst>
+          </p:cNvPr>
+          <p:cNvSpPr txBox="1">
+            <a:spLocks/>
+          </p:cNvSpPr>
+          <p:nvPr/>
+        </p:nvSpPr>
+        <p:spPr>
+          <a:xfrm>
+            <a:off x="341786" y="1120544"/>
+            <a:ext cx="8802213" cy="3883255"/>
+          </a:xfrm>
+          <a:prstGeom prst="rect">
+            <a:avLst/>
+          </a:prstGeom>
+        </p:spPr>
+        <p:txBody>
+          <a:bodyPr vert="horz" lIns="91440" tIns="45720" rIns="91440" bIns="45720" rtlCol="0">
+            <a:noAutofit/>
+          </a:bodyPr>
+          <a:lstStyle>
+            <a:lvl1pPr marL="266700" indent="-266700" defTabSz="914400" latinLnBrk="1">
+              <a:lnSpc>
+                <a:spcPct val="150000"/>
+              </a:lnSpc>
+              <a:spcBef>
+                <a:spcPct val="0"/>
+              </a:spcBef>
+              <a:buClr>
+                <a:schemeClr val="tx1">
+                  <a:lumMod val="65000"/>
+                  <a:lumOff val="35000"/>
+                </a:schemeClr>
+              </a:buClr>
+              <a:buFont typeface="Wingdings" pitchFamily="2" charset="2"/>
+              <a:buChar char="n"/>
+              <a:defRPr sz="2000" b="1">
+                <a:latin typeface="+mn-ea"/>
+              </a:defRPr>
+            </a:lvl1pPr>
+            <a:lvl2pPr marL="447675" lvl="1" indent="-180975" defTabSz="914400" latinLnBrk="1">
+              <a:lnSpc>
+                <a:spcPct val="150000"/>
+              </a:lnSpc>
+              <a:spcBef>
+                <a:spcPts val="0"/>
+              </a:spcBef>
+              <a:spcAft>
+                <a:spcPts val="0"/>
+              </a:spcAft>
+              <a:buClr>
+                <a:schemeClr val="tx1">
+                  <a:lumMod val="50000"/>
+                  <a:lumOff val="50000"/>
+                </a:schemeClr>
+              </a:buClr>
+              <a:buFont typeface="Wingdings" pitchFamily="2" charset="2"/>
+              <a:buChar char="§"/>
+              <a:defRPr sz="1600"/>
+            </a:lvl2pPr>
+            <a:lvl3pPr marL="628650" indent="-180975" defTabSz="914400" latinLnBrk="1">
+              <a:lnSpc>
+                <a:spcPct val="150000"/>
+              </a:lnSpc>
+              <a:spcBef>
+                <a:spcPts val="500"/>
+              </a:spcBef>
+              <a:spcAft>
+                <a:spcPts val="300"/>
+              </a:spcAft>
+              <a:buClr>
+                <a:schemeClr val="tx1">
+                  <a:lumMod val="65000"/>
+                  <a:lumOff val="35000"/>
+                </a:schemeClr>
+              </a:buClr>
+              <a:buFont typeface="Arial" panose="020B0604020202020204" pitchFamily="34" charset="0"/>
+              <a:buChar char="•"/>
+              <a:defRPr sz="1400"/>
+            </a:lvl3pPr>
+            <a:lvl4pPr marL="809625" indent="-180975" defTabSz="914400" latinLnBrk="1">
+              <a:lnSpc>
+                <a:spcPct val="150000"/>
+              </a:lnSpc>
+              <a:spcBef>
+                <a:spcPts val="500"/>
+              </a:spcBef>
+              <a:spcAft>
+                <a:spcPts val="300"/>
+              </a:spcAft>
+              <a:buClr>
+                <a:schemeClr val="tx1">
+                  <a:lumMod val="65000"/>
+                  <a:lumOff val="35000"/>
+                </a:schemeClr>
+              </a:buClr>
+              <a:buSzPct val="96000"/>
+              <a:buFont typeface="Arial" panose="020B0604020202020204" pitchFamily="34" charset="0"/>
+              <a:buChar char="•"/>
+              <a:defRPr sz="1200"/>
+            </a:lvl4pPr>
+            <a:lvl5pPr marL="990600" indent="-180975" defTabSz="914400" latinLnBrk="1">
+              <a:lnSpc>
+                <a:spcPct val="150000"/>
+              </a:lnSpc>
+              <a:spcBef>
+                <a:spcPts val="500"/>
+              </a:spcBef>
+              <a:buClr>
+                <a:schemeClr val="tx1">
+                  <a:lumMod val="65000"/>
+                  <a:lumOff val="35000"/>
+                </a:schemeClr>
+              </a:buClr>
+              <a:buFont typeface="Arial" panose="020B0604020202020204" pitchFamily="34" charset="0"/>
+              <a:buChar char="•"/>
+              <a:defRPr sz="1000"/>
+            </a:lvl5pPr>
+            <a:lvl6pPr marL="2514600" indent="-228600" defTabSz="914400" latinLnBrk="1">
+              <a:lnSpc>
+                <a:spcPct val="90000"/>
+              </a:lnSpc>
+              <a:spcBef>
+                <a:spcPts val="500"/>
+              </a:spcBef>
+              <a:buFont typeface="Arial" panose="020B0604020202020204" pitchFamily="34" charset="0"/>
+              <a:buChar char="•"/>
+            </a:lvl6pPr>
+            <a:lvl7pPr marL="2971800" indent="-228600" defTabSz="914400" latinLnBrk="1">
+              <a:lnSpc>
+                <a:spcPct val="90000"/>
+              </a:lnSpc>
+              <a:spcBef>
+                <a:spcPts val="500"/>
+              </a:spcBef>
+              <a:buFont typeface="Arial" panose="020B0604020202020204" pitchFamily="34" charset="0"/>
+              <a:buChar char="•"/>
+            </a:lvl7pPr>
+            <a:lvl8pPr marL="3429000" indent="-228600" defTabSz="914400" latinLnBrk="1">
+              <a:lnSpc>
+                <a:spcPct val="90000"/>
+              </a:lnSpc>
+              <a:spcBef>
+                <a:spcPts val="500"/>
+              </a:spcBef>
+              <a:buFont typeface="Arial" panose="020B0604020202020204" pitchFamily="34" charset="0"/>
+              <a:buChar char="•"/>
+            </a:lvl8pPr>
+            <a:lvl9pPr marL="3886200" indent="-228600" defTabSz="914400" latinLnBrk="1">
+              <a:lnSpc>
+                <a:spcPct val="90000"/>
+              </a:lnSpc>
+              <a:spcBef>
+                <a:spcPts val="500"/>
+              </a:spcBef>
+              <a:buFont typeface="Arial" panose="020B0604020202020204" pitchFamily="34" charset="0"/>
+              <a:buChar char="•"/>
+            </a:lvl9pPr>
+          </a:lstStyle>
+          <a:p>
+            <a:r>
+              <a:rPr lang="en-US" altLang="ko-KR" dirty="0" smtClean="0"/>
+              <a:t>Fork → Clone </a:t>
+            </a:r>
+            <a:r>
+              <a:rPr lang="en-US" altLang="ko-KR" dirty="0"/>
+              <a:t>→ </a:t>
+            </a:r>
+            <a:r>
+              <a:rPr lang="en-US" altLang="ko-KR" dirty="0" smtClean="0"/>
+              <a:t>Push </a:t>
+            </a:r>
+            <a:r>
+              <a:rPr lang="en-US" altLang="ko-KR" dirty="0"/>
+              <a:t>→ </a:t>
+            </a:r>
+            <a:r>
+              <a:rPr lang="en-US" altLang="ko-KR" dirty="0" smtClean="0"/>
+              <a:t>Pull Request</a:t>
+            </a:r>
+            <a:endParaRPr lang="en-US" altLang="ko-KR" dirty="0">
+              <a:latin typeface="+mn-ea"/>
+            </a:endParaRPr>
+          </a:p>
+          <a:p>
+            <a:pPr lvl="1"/>
+            <a:r>
+              <a:rPr lang="en-US" altLang="ko-KR" dirty="0">
+                <a:latin typeface="+mn-ea"/>
+              </a:rPr>
+              <a:t>u</a:t>
+            </a:r>
+            <a:r>
+              <a:rPr lang="en-US" altLang="ko-KR" dirty="0" smtClean="0">
+                <a:latin typeface="+mn-ea"/>
+              </a:rPr>
+              <a:t>pstream main (fork) → origin </a:t>
+            </a:r>
+            <a:r>
+              <a:rPr lang="en-US" altLang="ko-KR" dirty="0">
+                <a:latin typeface="+mn-ea"/>
+              </a:rPr>
+              <a:t>main </a:t>
+            </a:r>
+            <a:r>
+              <a:rPr lang="en-US" altLang="ko-KR" dirty="0" smtClean="0">
+                <a:latin typeface="+mn-ea"/>
+              </a:rPr>
+              <a:t>(clone) → local main (checkout) → local develop</a:t>
+            </a:r>
+            <a:endParaRPr lang="en-US" altLang="ko-KR" dirty="0">
+              <a:latin typeface="+mn-ea"/>
+            </a:endParaRPr>
+          </a:p>
+          <a:p>
+            <a:pPr lvl="1"/>
+            <a:r>
+              <a:rPr lang="en-US" altLang="ko-KR" dirty="0">
+                <a:latin typeface="+mn-ea"/>
+              </a:rPr>
+              <a:t>l</a:t>
+            </a:r>
+            <a:r>
+              <a:rPr lang="en-US" altLang="ko-KR" dirty="0" smtClean="0">
+                <a:latin typeface="+mn-ea"/>
+              </a:rPr>
+              <a:t>ocal </a:t>
+            </a:r>
+            <a:r>
+              <a:rPr lang="en-US" altLang="ko-KR" dirty="0" smtClean="0">
+                <a:latin typeface="+mn-ea"/>
+              </a:rPr>
+              <a:t>develop (push) </a:t>
+            </a:r>
+            <a:r>
+              <a:rPr lang="en-US" altLang="ko-KR" dirty="0">
+                <a:latin typeface="+mn-ea"/>
+              </a:rPr>
+              <a:t>→ origin </a:t>
+            </a:r>
+            <a:r>
+              <a:rPr lang="en-US" altLang="ko-KR" dirty="0" smtClean="0">
+                <a:latin typeface="+mn-ea"/>
+              </a:rPr>
+              <a:t>develop (pull request) </a:t>
+            </a:r>
+            <a:r>
+              <a:rPr lang="en-US" altLang="ko-KR" dirty="0">
+                <a:latin typeface="+mn-ea"/>
+              </a:rPr>
+              <a:t>→ </a:t>
+            </a:r>
+            <a:r>
+              <a:rPr lang="en-US" altLang="ko-KR" dirty="0" smtClean="0">
+                <a:latin typeface="+mn-ea"/>
+              </a:rPr>
+              <a:t>upstream (merge)</a:t>
+            </a:r>
+            <a:endParaRPr lang="en-US" altLang="ko-KR" dirty="0">
+              <a:latin typeface="+mn-ea"/>
+            </a:endParaRPr>
+          </a:p>
+          <a:p>
+            <a:pPr marL="266700" lvl="1" indent="0">
+              <a:buNone/>
+            </a:pPr>
+            <a:endParaRPr lang="en-US" altLang="ko-KR" dirty="0">
+              <a:latin typeface="+mn-ea"/>
+            </a:endParaRPr>
+          </a:p>
+          <a:p>
+            <a:pPr lvl="1"/>
+            <a:endParaRPr lang="en-US" altLang="ko-KR" dirty="0">
+              <a:latin typeface="+mn-ea"/>
+            </a:endParaRPr>
+          </a:p>
+          <a:p>
+            <a:pPr lvl="1"/>
+            <a:endParaRPr lang="en-US" altLang="ko-KR" dirty="0">
+              <a:latin typeface="+mn-ea"/>
+            </a:endParaRPr>
+          </a:p>
+          <a:p>
+            <a:pPr marL="266700" lvl="1" indent="0">
+              <a:buNone/>
+            </a:pPr>
+            <a:endParaRPr lang="en-US" altLang="ko-KR" dirty="0">
+              <a:latin typeface="+mn-ea"/>
+            </a:endParaRPr>
+          </a:p>
+          <a:p>
+            <a:pPr marL="266700" lvl="1" indent="0">
+              <a:buNone/>
+            </a:pPr>
+            <a:endParaRPr lang="en-US" altLang="ko-KR" dirty="0">
+              <a:latin typeface="+mn-ea"/>
+            </a:endParaRPr>
+          </a:p>
+          <a:p>
+            <a:pPr marL="266700" lvl="1" indent="0">
+              <a:buNone/>
+            </a:pPr>
+            <a:endParaRPr lang="en-US" altLang="ko-KR" dirty="0">
+              <a:latin typeface="+mn-ea"/>
+            </a:endParaRPr>
+          </a:p>
+          <a:p>
+            <a:pPr marL="266700" lvl="1" indent="0">
+              <a:buNone/>
+            </a:pPr>
+            <a:endParaRPr lang="en-US" altLang="ko-KR" dirty="0">
+              <a:latin typeface="+mn-ea"/>
+            </a:endParaRPr>
+          </a:p>
+          <a:p>
+            <a:pPr marL="266700" lvl="1" indent="0">
+              <a:buNone/>
+            </a:pPr>
+            <a:endParaRPr lang="en-US" altLang="ko-KR" dirty="0">
+              <a:latin typeface="+mn-ea"/>
+            </a:endParaRPr>
+          </a:p>
+          <a:p>
+            <a:pPr marL="266700" lvl="1" indent="0">
+              <a:buNone/>
+            </a:pPr>
+            <a:endParaRPr lang="en-US" altLang="ko-KR" dirty="0">
+              <a:latin typeface="+mn-ea"/>
+            </a:endParaRPr>
+          </a:p>
+        </p:txBody>
+      </p:sp>
+      <p:sp>
+        <p:nvSpPr>
+          <p:cNvPr id="4" name="제목 3">
+            <a:extLst>
+              <a:ext uri="{FF2B5EF4-FFF2-40B4-BE49-F238E27FC236}">
+                <a16:creationId xmlns:a16="http://schemas.microsoft.com/office/drawing/2014/main" id="{F0CEB32B-CB43-4410-BA08-A97E4BC47FCB}"/>
+              </a:ext>
+            </a:extLst>
+          </p:cNvPr>
+          <p:cNvSpPr>
+            <a:spLocks noGrp="1"/>
+          </p:cNvSpPr>
+          <p:nvPr>
+            <p:ph type="title"/>
+          </p:nvPr>
+        </p:nvSpPr>
+        <p:spPr>
+          <a:xfrm>
+            <a:off x="539551" y="192300"/>
+            <a:ext cx="8244853" cy="576064"/>
+          </a:xfrm>
+        </p:spPr>
+        <p:txBody>
+          <a:bodyPr>
+            <a:normAutofit/>
+          </a:bodyPr>
+          <a:lstStyle/>
+          <a:p>
+            <a:r>
+              <a:rPr lang="en-US" altLang="ko-KR" dirty="0"/>
+              <a:t>Pull Request </a:t>
+            </a:r>
+            <a:r>
+              <a:rPr lang="ko-KR" altLang="en-US" dirty="0"/>
+              <a:t>최종결과 확인 후 마무리 작업</a:t>
+            </a:r>
+          </a:p>
+        </p:txBody>
+      </p:sp>
+      <p:sp>
+        <p:nvSpPr>
+          <p:cNvPr id="5" name="모서리가 둥근 직사각형 1">
+            <a:extLst>
+              <a:ext uri="{FF2B5EF4-FFF2-40B4-BE49-F238E27FC236}">
+                <a16:creationId xmlns:a16="http://schemas.microsoft.com/office/drawing/2014/main" id="{7014267D-63BC-4903-9B3F-CD162D7BADDA}"/>
+              </a:ext>
+            </a:extLst>
+          </p:cNvPr>
+          <p:cNvSpPr/>
+          <p:nvPr/>
+        </p:nvSpPr>
+        <p:spPr>
+          <a:xfrm>
+            <a:off x="1258305" y="3215426"/>
+            <a:ext cx="1907435" cy="420964"/>
+          </a:xfrm>
+          <a:prstGeom prst="roundRect">
+            <a:avLst>
+              <a:gd name="adj" fmla="val 5181"/>
+            </a:avLst>
+          </a:prstGeom>
+          <a:solidFill>
+            <a:schemeClr val="bg1">
+              <a:lumMod val="95000"/>
+            </a:schemeClr>
+          </a:solidFill>
+          <a:ln w="19050">
+            <a:solidFill>
+              <a:schemeClr val="tx1">
+                <a:lumMod val="50000"/>
+                <a:lumOff val="50000"/>
+              </a:schemeClr>
+            </a:solidFill>
+          </a:ln>
+        </p:spPr>
+        <p:style>
+          <a:lnRef idx="2">
+            <a:schemeClr val="accent1">
+              <a:shade val="50000"/>
+            </a:schemeClr>
+          </a:lnRef>
+          <a:fillRef idx="1">
+            <a:schemeClr val="accent1"/>
+          </a:fillRef>
+          <a:effectRef idx="0">
+            <a:schemeClr val="accent1"/>
+          </a:effectRef>
+          <a:fontRef idx="minor">
+            <a:schemeClr val="lt1"/>
+          </a:fontRef>
+        </p:style>
+        <p:txBody>
+          <a:bodyPr rtlCol="0" anchor="ctr"/>
+          <a:lstStyle/>
+          <a:p>
+            <a:pPr algn="ctr"/>
+            <a:r>
+              <a:rPr lang="en-US" altLang="ko-KR" sz="1400" dirty="0" smtClean="0">
+                <a:solidFill>
+                  <a:schemeClr val="tx1"/>
+                </a:solidFill>
+              </a:rPr>
+              <a:t>main</a:t>
+            </a:r>
+            <a:r>
+              <a:rPr lang="en-US" altLang="ko-KR" sz="1400" dirty="0" smtClean="0">
+                <a:solidFill>
+                  <a:schemeClr val="tx1"/>
+                </a:solidFill>
+              </a:rPr>
+              <a:t>      </a:t>
+            </a:r>
+            <a:endParaRPr lang="ko-KR" altLang="en-US" sz="1400" dirty="0">
+              <a:solidFill>
+                <a:schemeClr val="tx1"/>
+              </a:solidFill>
+            </a:endParaRPr>
+          </a:p>
+        </p:txBody>
+      </p:sp>
+      <p:sp>
+        <p:nvSpPr>
+          <p:cNvPr id="6" name="모서리가 둥근 직사각형 7">
+            <a:extLst>
+              <a:ext uri="{FF2B5EF4-FFF2-40B4-BE49-F238E27FC236}">
+                <a16:creationId xmlns:a16="http://schemas.microsoft.com/office/drawing/2014/main" id="{B2BE4505-8867-44DB-B146-5CC8D0E24440}"/>
+              </a:ext>
+            </a:extLst>
+          </p:cNvPr>
+          <p:cNvSpPr/>
+          <p:nvPr/>
+        </p:nvSpPr>
+        <p:spPr>
+          <a:xfrm>
+            <a:off x="5275339" y="3636389"/>
+            <a:ext cx="1907435" cy="373609"/>
+          </a:xfrm>
+          <a:prstGeom prst="roundRect">
+            <a:avLst>
+              <a:gd name="adj" fmla="val 5181"/>
+            </a:avLst>
+          </a:prstGeom>
+          <a:solidFill>
+            <a:schemeClr val="bg1">
+              <a:lumMod val="95000"/>
+            </a:schemeClr>
+          </a:solidFill>
+          <a:ln w="15875">
+            <a:solidFill>
+              <a:srgbClr val="0000FF"/>
+            </a:solidFill>
+          </a:ln>
+        </p:spPr>
+        <p:style>
+          <a:lnRef idx="2">
+            <a:schemeClr val="accent1">
+              <a:shade val="50000"/>
+            </a:schemeClr>
+          </a:lnRef>
+          <a:fillRef idx="1">
+            <a:schemeClr val="accent1"/>
+          </a:fillRef>
+          <a:effectRef idx="0">
+            <a:schemeClr val="accent1"/>
+          </a:effectRef>
+          <a:fontRef idx="minor">
+            <a:schemeClr val="lt1"/>
+          </a:fontRef>
+        </p:style>
+        <p:txBody>
+          <a:bodyPr rtlCol="0" anchor="ctr"/>
+          <a:lstStyle/>
+          <a:p>
+            <a:pPr algn="ctr"/>
+            <a:r>
+              <a:rPr lang="en-US" altLang="ko-KR" sz="1400" dirty="0">
+                <a:solidFill>
+                  <a:srgbClr val="FF0000"/>
+                </a:solidFill>
+              </a:rPr>
+              <a:t>d</a:t>
+            </a:r>
+            <a:r>
+              <a:rPr lang="en-US" altLang="ko-KR" sz="1400" dirty="0" smtClean="0">
+                <a:solidFill>
+                  <a:srgbClr val="FF0000"/>
+                </a:solidFill>
+              </a:rPr>
+              <a:t>evelop</a:t>
+            </a:r>
+            <a:endParaRPr lang="en-US" altLang="ko-KR" sz="1400" dirty="0">
+              <a:solidFill>
+                <a:srgbClr val="FF0000"/>
+              </a:solidFill>
+            </a:endParaRPr>
+          </a:p>
+        </p:txBody>
+      </p:sp>
+      <p:sp>
+        <p:nvSpPr>
+          <p:cNvPr id="8" name="모서리가 둥근 직사각형 8">
+            <a:extLst>
+              <a:ext uri="{FF2B5EF4-FFF2-40B4-BE49-F238E27FC236}">
+                <a16:creationId xmlns:a16="http://schemas.microsoft.com/office/drawing/2014/main" id="{8EB018F2-D060-4225-8C5A-C79FC8D50203}"/>
+              </a:ext>
+            </a:extLst>
+          </p:cNvPr>
+          <p:cNvSpPr/>
+          <p:nvPr/>
+        </p:nvSpPr>
+        <p:spPr>
+          <a:xfrm>
+            <a:off x="1258306" y="2972387"/>
+            <a:ext cx="899565" cy="246177"/>
+          </a:xfrm>
+          <a:prstGeom prst="roundRect">
+            <a:avLst/>
+          </a:prstGeom>
+          <a:solidFill>
+            <a:schemeClr val="accent3">
+              <a:lumMod val="40000"/>
+              <a:lumOff val="60000"/>
+            </a:schemeClr>
+          </a:solidFill>
+          <a:ln w="19050">
+            <a:solidFill>
+              <a:schemeClr val="tx1"/>
+            </a:solidFill>
+          </a:ln>
+        </p:spPr>
+        <p:style>
+          <a:lnRef idx="2">
+            <a:schemeClr val="accent1">
+              <a:shade val="50000"/>
+            </a:schemeClr>
+          </a:lnRef>
+          <a:fillRef idx="1">
+            <a:schemeClr val="accent1"/>
+          </a:fillRef>
+          <a:effectRef idx="0">
+            <a:schemeClr val="accent1"/>
+          </a:effectRef>
+          <a:fontRef idx="minor">
+            <a:schemeClr val="lt1"/>
+          </a:fontRef>
+        </p:style>
+        <p:txBody>
+          <a:bodyPr rtlCol="0" anchor="ctr"/>
+          <a:lstStyle/>
+          <a:p>
+            <a:pPr algn="ctr"/>
+            <a:r>
+              <a:rPr lang="en-US" altLang="ko-KR" sz="1400" dirty="0">
+                <a:solidFill>
+                  <a:schemeClr val="tx1"/>
+                </a:solidFill>
+              </a:rPr>
+              <a:t>upstream</a:t>
+            </a:r>
+          </a:p>
+        </p:txBody>
+      </p:sp>
+      <p:sp>
+        <p:nvSpPr>
+          <p:cNvPr id="9" name="모서리가 둥근 직사각형 9">
+            <a:extLst>
+              <a:ext uri="{FF2B5EF4-FFF2-40B4-BE49-F238E27FC236}">
+                <a16:creationId xmlns:a16="http://schemas.microsoft.com/office/drawing/2014/main" id="{255AB00B-227B-4647-BBC7-3389FB2D7546}"/>
+              </a:ext>
+            </a:extLst>
+          </p:cNvPr>
+          <p:cNvSpPr/>
+          <p:nvPr/>
+        </p:nvSpPr>
+        <p:spPr>
+          <a:xfrm>
+            <a:off x="4728581" y="2972387"/>
+            <a:ext cx="899565" cy="246177"/>
+          </a:xfrm>
+          <a:prstGeom prst="roundRect">
+            <a:avLst/>
+          </a:prstGeom>
+          <a:solidFill>
+            <a:srgbClr val="92D050"/>
+          </a:solidFill>
+          <a:ln w="15875">
+            <a:solidFill>
+              <a:srgbClr val="0000FF"/>
+            </a:solidFill>
+          </a:ln>
+        </p:spPr>
+        <p:style>
+          <a:lnRef idx="2">
+            <a:schemeClr val="accent1">
+              <a:shade val="50000"/>
+            </a:schemeClr>
+          </a:lnRef>
+          <a:fillRef idx="1">
+            <a:schemeClr val="accent1"/>
+          </a:fillRef>
+          <a:effectRef idx="0">
+            <a:schemeClr val="accent1"/>
+          </a:effectRef>
+          <a:fontRef idx="minor">
+            <a:schemeClr val="lt1"/>
+          </a:fontRef>
+        </p:style>
+        <p:txBody>
+          <a:bodyPr rtlCol="0" anchor="ctr"/>
+          <a:lstStyle/>
+          <a:p>
+            <a:pPr algn="ctr"/>
+            <a:r>
+              <a:rPr lang="en-US" altLang="ko-KR" sz="1400" dirty="0">
+                <a:solidFill>
+                  <a:schemeClr val="tx1"/>
+                </a:solidFill>
+              </a:rPr>
+              <a:t>origin</a:t>
+            </a:r>
+          </a:p>
+        </p:txBody>
+      </p:sp>
+      <p:sp>
+        <p:nvSpPr>
+          <p:cNvPr id="10" name="모서리가 둥근 직사각형 10">
+            <a:extLst>
+              <a:ext uri="{FF2B5EF4-FFF2-40B4-BE49-F238E27FC236}">
+                <a16:creationId xmlns:a16="http://schemas.microsoft.com/office/drawing/2014/main" id="{8E588361-3C48-44B3-9C36-4A0181173179}"/>
+              </a:ext>
+            </a:extLst>
+          </p:cNvPr>
+          <p:cNvSpPr/>
+          <p:nvPr/>
+        </p:nvSpPr>
+        <p:spPr>
+          <a:xfrm>
+            <a:off x="5275338" y="4865409"/>
+            <a:ext cx="1907435" cy="344238"/>
+          </a:xfrm>
+          <a:prstGeom prst="roundRect">
+            <a:avLst>
+              <a:gd name="adj" fmla="val 5181"/>
+            </a:avLst>
+          </a:prstGeom>
+          <a:solidFill>
+            <a:schemeClr val="bg1">
+              <a:lumMod val="95000"/>
+            </a:schemeClr>
+          </a:solidFill>
+          <a:ln w="19050">
+            <a:solidFill>
+              <a:srgbClr val="C00000"/>
+            </a:solidFill>
+          </a:ln>
+        </p:spPr>
+        <p:style>
+          <a:lnRef idx="2">
+            <a:schemeClr val="accent1">
+              <a:shade val="50000"/>
+            </a:schemeClr>
+          </a:lnRef>
+          <a:fillRef idx="1">
+            <a:schemeClr val="accent1"/>
+          </a:fillRef>
+          <a:effectRef idx="0">
+            <a:schemeClr val="accent1"/>
+          </a:effectRef>
+          <a:fontRef idx="minor">
+            <a:schemeClr val="lt1"/>
+          </a:fontRef>
+        </p:style>
+        <p:txBody>
+          <a:bodyPr rtlCol="0" anchor="ctr"/>
+          <a:lstStyle/>
+          <a:p>
+            <a:pPr algn="ctr"/>
+            <a:r>
+              <a:rPr lang="en-US" altLang="ko-KR" sz="1400" dirty="0" smtClean="0">
+                <a:solidFill>
+                  <a:srgbClr val="FF0000"/>
+                </a:solidFill>
+              </a:rPr>
+              <a:t>develop</a:t>
+            </a:r>
+            <a:endParaRPr lang="en-US" altLang="ko-KR" sz="1400" dirty="0">
+              <a:solidFill>
+                <a:srgbClr val="FF0000"/>
+              </a:solidFill>
+            </a:endParaRPr>
+          </a:p>
+        </p:txBody>
+      </p:sp>
+      <p:sp>
+        <p:nvSpPr>
+          <p:cNvPr id="17" name="TextBox 16">
+            <a:extLst>
+              <a:ext uri="{FF2B5EF4-FFF2-40B4-BE49-F238E27FC236}">
+                <a16:creationId xmlns:a16="http://schemas.microsoft.com/office/drawing/2014/main" id="{99E23039-C946-489F-9A22-3D34B8256898}"/>
+              </a:ext>
+            </a:extLst>
+          </p:cNvPr>
+          <p:cNvSpPr txBox="1"/>
+          <p:nvPr/>
+        </p:nvSpPr>
+        <p:spPr>
+          <a:xfrm>
+            <a:off x="6941820" y="4283814"/>
+            <a:ext cx="838691" cy="338554"/>
+          </a:xfrm>
+          <a:prstGeom prst="rect">
+            <a:avLst/>
+          </a:prstGeom>
+          <a:noFill/>
+        </p:spPr>
+        <p:txBody>
+          <a:bodyPr wrap="none" rtlCol="0">
+            <a:spAutoFit/>
+          </a:bodyPr>
+          <a:lstStyle>
+            <a:defPPr>
+              <a:defRPr lang="en-US"/>
+            </a:defPPr>
+            <a:lvl1pPr>
+              <a:defRPr sz="1600">
+                <a:solidFill>
+                  <a:srgbClr val="FF0000"/>
+                </a:solidFill>
+              </a:defRPr>
+            </a:lvl1pPr>
+          </a:lstStyle>
+          <a:p>
+            <a:r>
+              <a:rPr lang="en-US" altLang="ko-KR" dirty="0">
+                <a:solidFill>
+                  <a:srgbClr val="0000FF"/>
+                </a:solidFill>
+              </a:rPr>
+              <a:t>③ push</a:t>
+            </a:r>
+            <a:endParaRPr lang="ko-KR" altLang="en-US" dirty="0">
+              <a:solidFill>
+                <a:srgbClr val="0000FF"/>
+              </a:solidFill>
+            </a:endParaRPr>
+          </a:p>
+        </p:txBody>
+      </p:sp>
+      <p:sp>
+        <p:nvSpPr>
+          <p:cNvPr id="3" name="슬라이드 번호 개체 틀 2">
+            <a:extLst>
+              <a:ext uri="{FF2B5EF4-FFF2-40B4-BE49-F238E27FC236}">
+                <a16:creationId xmlns:a16="http://schemas.microsoft.com/office/drawing/2014/main" id="{DF472566-400E-4521-A3D9-B48913F05581}"/>
+              </a:ext>
+            </a:extLst>
+          </p:cNvPr>
+          <p:cNvSpPr>
+            <a:spLocks noGrp="1"/>
+          </p:cNvSpPr>
+          <p:nvPr>
+            <p:ph type="sldNum" sz="quarter" idx="12"/>
+          </p:nvPr>
+        </p:nvSpPr>
+        <p:spPr/>
+        <p:txBody>
+          <a:bodyPr/>
+          <a:lstStyle/>
+          <a:p>
+            <a:fld id="{526ADF51-C4A2-4521-899C-87F34FDB9C0A}" type="slidenum">
+              <a:rPr lang="ko-KR" altLang="en-US" smtClean="0"/>
+              <a:pPr/>
+              <a:t>32</a:t>
+            </a:fld>
+            <a:r>
+              <a:rPr lang="en-US" altLang="ko-KR"/>
+              <a:t>/37</a:t>
+            </a:r>
+            <a:endParaRPr lang="ko-KR" altLang="en-US" dirty="0"/>
+          </a:p>
+        </p:txBody>
+      </p:sp>
+      <p:sp>
+        <p:nvSpPr>
+          <p:cNvPr id="18" name="모서리가 둥근 직사각형 1">
+            <a:extLst>
+              <a:ext uri="{FF2B5EF4-FFF2-40B4-BE49-F238E27FC236}">
+                <a16:creationId xmlns:a16="http://schemas.microsoft.com/office/drawing/2014/main" id="{7014267D-63BC-4903-9B3F-CD162D7BADDA}"/>
+              </a:ext>
+            </a:extLst>
+          </p:cNvPr>
+          <p:cNvSpPr/>
+          <p:nvPr/>
+        </p:nvSpPr>
+        <p:spPr>
+          <a:xfrm>
+            <a:off x="4728581" y="3215426"/>
+            <a:ext cx="1907435" cy="420964"/>
+          </a:xfrm>
+          <a:prstGeom prst="roundRect">
+            <a:avLst>
+              <a:gd name="adj" fmla="val 5181"/>
+            </a:avLst>
+          </a:prstGeom>
+          <a:solidFill>
+            <a:schemeClr val="bg1">
+              <a:lumMod val="95000"/>
+            </a:schemeClr>
+          </a:solidFill>
+          <a:ln w="19050">
+            <a:solidFill>
+              <a:schemeClr val="tx1">
+                <a:lumMod val="50000"/>
+                <a:lumOff val="50000"/>
+              </a:schemeClr>
+            </a:solidFill>
+          </a:ln>
+        </p:spPr>
+        <p:style>
+          <a:lnRef idx="2">
+            <a:schemeClr val="accent1">
+              <a:shade val="50000"/>
+            </a:schemeClr>
+          </a:lnRef>
+          <a:fillRef idx="1">
+            <a:schemeClr val="accent1"/>
+          </a:fillRef>
+          <a:effectRef idx="0">
+            <a:schemeClr val="accent1"/>
+          </a:effectRef>
+          <a:fontRef idx="minor">
+            <a:schemeClr val="lt1"/>
+          </a:fontRef>
+        </p:style>
+        <p:txBody>
+          <a:bodyPr rtlCol="0" anchor="ctr"/>
+          <a:lstStyle/>
+          <a:p>
+            <a:pPr algn="ctr"/>
+            <a:r>
+              <a:rPr lang="en-US" altLang="ko-KR" sz="1400" dirty="0" smtClean="0">
+                <a:solidFill>
+                  <a:schemeClr val="tx1"/>
+                </a:solidFill>
+              </a:rPr>
+              <a:t>main</a:t>
+            </a:r>
+            <a:r>
+              <a:rPr lang="en-US" altLang="ko-KR" sz="1400" dirty="0" smtClean="0">
+                <a:solidFill>
+                  <a:schemeClr val="tx1"/>
+                </a:solidFill>
+              </a:rPr>
+              <a:t>      </a:t>
+            </a:r>
+            <a:endParaRPr lang="ko-KR" altLang="en-US" sz="1400" dirty="0">
+              <a:solidFill>
+                <a:schemeClr val="tx1"/>
+              </a:solidFill>
+            </a:endParaRPr>
+          </a:p>
+        </p:txBody>
+      </p:sp>
+      <p:sp>
+        <p:nvSpPr>
+          <p:cNvPr id="19" name="모서리가 둥근 직사각형 1">
+            <a:extLst>
+              <a:ext uri="{FF2B5EF4-FFF2-40B4-BE49-F238E27FC236}">
+                <a16:creationId xmlns:a16="http://schemas.microsoft.com/office/drawing/2014/main" id="{7014267D-63BC-4903-9B3F-CD162D7BADDA}"/>
+              </a:ext>
+            </a:extLst>
+          </p:cNvPr>
+          <p:cNvSpPr/>
+          <p:nvPr/>
+        </p:nvSpPr>
+        <p:spPr>
+          <a:xfrm>
+            <a:off x="4728581" y="4444447"/>
+            <a:ext cx="1907435" cy="420964"/>
+          </a:xfrm>
+          <a:prstGeom prst="roundRect">
+            <a:avLst>
+              <a:gd name="adj" fmla="val 5181"/>
+            </a:avLst>
+          </a:prstGeom>
+          <a:solidFill>
+            <a:schemeClr val="bg1">
+              <a:lumMod val="95000"/>
+            </a:schemeClr>
+          </a:solidFill>
+          <a:ln w="19050">
+            <a:solidFill>
+              <a:schemeClr val="tx1">
+                <a:lumMod val="50000"/>
+                <a:lumOff val="50000"/>
+              </a:schemeClr>
+            </a:solidFill>
+          </a:ln>
+        </p:spPr>
+        <p:style>
+          <a:lnRef idx="2">
+            <a:schemeClr val="accent1">
+              <a:shade val="50000"/>
+            </a:schemeClr>
+          </a:lnRef>
+          <a:fillRef idx="1">
+            <a:schemeClr val="accent1"/>
+          </a:fillRef>
+          <a:effectRef idx="0">
+            <a:schemeClr val="accent1"/>
+          </a:effectRef>
+          <a:fontRef idx="minor">
+            <a:schemeClr val="lt1"/>
+          </a:fontRef>
+        </p:style>
+        <p:txBody>
+          <a:bodyPr rtlCol="0" anchor="ctr"/>
+          <a:lstStyle/>
+          <a:p>
+            <a:pPr algn="ctr"/>
+            <a:r>
+              <a:rPr lang="en-US" altLang="ko-KR" sz="1400" dirty="0" smtClean="0">
+                <a:solidFill>
+                  <a:schemeClr val="tx1"/>
+                </a:solidFill>
+              </a:rPr>
+              <a:t>main</a:t>
+            </a:r>
+            <a:r>
+              <a:rPr lang="en-US" altLang="ko-KR" sz="1400" dirty="0" smtClean="0">
+                <a:solidFill>
+                  <a:schemeClr val="tx1"/>
+                </a:solidFill>
+              </a:rPr>
+              <a:t>      </a:t>
+            </a:r>
+            <a:endParaRPr lang="ko-KR" altLang="en-US" sz="1400" dirty="0">
+              <a:solidFill>
+                <a:schemeClr val="tx1"/>
+              </a:solidFill>
+            </a:endParaRPr>
+          </a:p>
+        </p:txBody>
+      </p:sp>
+      <p:cxnSp>
+        <p:nvCxnSpPr>
+          <p:cNvPr id="20" name="직선 화살표 연결선 19">
+            <a:extLst>
+              <a:ext uri="{FF2B5EF4-FFF2-40B4-BE49-F238E27FC236}">
+                <a16:creationId xmlns:a16="http://schemas.microsoft.com/office/drawing/2014/main" id="{065FDE89-7A48-41F0-A131-9A5F396B23F5}"/>
+              </a:ext>
+            </a:extLst>
+          </p:cNvPr>
+          <p:cNvCxnSpPr/>
+          <p:nvPr/>
+        </p:nvCxnSpPr>
+        <p:spPr>
+          <a:xfrm flipV="1">
+            <a:off x="3163603" y="3377596"/>
+            <a:ext cx="1564978" cy="1"/>
+          </a:xfrm>
+          <a:prstGeom prst="straightConnector1">
+            <a:avLst/>
+          </a:prstGeom>
+          <a:ln w="38100">
+            <a:solidFill>
+              <a:schemeClr val="accent1">
+                <a:lumMod val="60000"/>
+                <a:lumOff val="40000"/>
+              </a:schemeClr>
+            </a:solidFill>
+            <a:tailEnd type="triangle"/>
+          </a:ln>
+        </p:spPr>
+        <p:style>
+          <a:lnRef idx="1">
+            <a:schemeClr val="accent1"/>
+          </a:lnRef>
+          <a:fillRef idx="0">
+            <a:schemeClr val="accent1"/>
+          </a:fillRef>
+          <a:effectRef idx="0">
+            <a:schemeClr val="accent1"/>
+          </a:effectRef>
+          <a:fontRef idx="minor">
+            <a:schemeClr val="tx1"/>
+          </a:fontRef>
+        </p:style>
+      </p:cxnSp>
+      <p:cxnSp>
+        <p:nvCxnSpPr>
+          <p:cNvPr id="21" name="직선 화살표 연결선 20">
+            <a:extLst>
+              <a:ext uri="{FF2B5EF4-FFF2-40B4-BE49-F238E27FC236}">
+                <a16:creationId xmlns:a16="http://schemas.microsoft.com/office/drawing/2014/main" id="{065FDE89-7A48-41F0-A131-9A5F396B23F5}"/>
+              </a:ext>
+            </a:extLst>
+          </p:cNvPr>
+          <p:cNvCxnSpPr/>
+          <p:nvPr/>
+        </p:nvCxnSpPr>
+        <p:spPr>
+          <a:xfrm>
+            <a:off x="4967926" y="3647954"/>
+            <a:ext cx="0" cy="793163"/>
+          </a:xfrm>
+          <a:prstGeom prst="straightConnector1">
+            <a:avLst/>
+          </a:prstGeom>
+          <a:ln w="38100">
+            <a:solidFill>
+              <a:schemeClr val="accent1">
+                <a:lumMod val="60000"/>
+                <a:lumOff val="40000"/>
+              </a:schemeClr>
+            </a:solidFill>
+            <a:tailEnd type="triangle"/>
+          </a:ln>
+        </p:spPr>
+        <p:style>
+          <a:lnRef idx="1">
+            <a:schemeClr val="accent1"/>
+          </a:lnRef>
+          <a:fillRef idx="0">
+            <a:schemeClr val="accent1"/>
+          </a:fillRef>
+          <a:effectRef idx="0">
+            <a:schemeClr val="accent1"/>
+          </a:effectRef>
+          <a:fontRef idx="minor">
+            <a:schemeClr val="tx1"/>
+          </a:fontRef>
+        </p:style>
+      </p:cxnSp>
+      <p:cxnSp>
+        <p:nvCxnSpPr>
+          <p:cNvPr id="28" name="꺾인 연결선 27"/>
+          <p:cNvCxnSpPr/>
+          <p:nvPr/>
+        </p:nvCxnSpPr>
+        <p:spPr>
+          <a:xfrm>
+            <a:off x="5593080" y="4775199"/>
+            <a:ext cx="289245" cy="262328"/>
+          </a:xfrm>
+          <a:prstGeom prst="bentConnector3">
+            <a:avLst>
+              <a:gd name="adj1" fmla="val 4556"/>
+            </a:avLst>
+          </a:prstGeom>
+          <a:ln w="31750">
+            <a:solidFill>
+              <a:srgbClr val="0000FF"/>
+            </a:solidFill>
+            <a:tailEnd type="triangle"/>
+          </a:ln>
+        </p:spPr>
+        <p:style>
+          <a:lnRef idx="1">
+            <a:schemeClr val="accent1"/>
+          </a:lnRef>
+          <a:fillRef idx="0">
+            <a:schemeClr val="accent1"/>
+          </a:fillRef>
+          <a:effectRef idx="0">
+            <a:schemeClr val="accent1"/>
+          </a:effectRef>
+          <a:fontRef idx="minor">
+            <a:schemeClr val="tx1"/>
+          </a:fontRef>
+        </p:style>
+      </p:cxnSp>
+      <p:sp>
+        <p:nvSpPr>
+          <p:cNvPr id="39" name="TextBox 38">
+            <a:extLst>
+              <a:ext uri="{FF2B5EF4-FFF2-40B4-BE49-F238E27FC236}">
+                <a16:creationId xmlns:a16="http://schemas.microsoft.com/office/drawing/2014/main" id="{99E23039-C946-489F-9A22-3D34B8256898}"/>
+              </a:ext>
+            </a:extLst>
+          </p:cNvPr>
+          <p:cNvSpPr txBox="1"/>
+          <p:nvPr/>
+        </p:nvSpPr>
+        <p:spPr>
+          <a:xfrm>
+            <a:off x="4285060" y="4894642"/>
+            <a:ext cx="1034642" cy="307777"/>
+          </a:xfrm>
+          <a:prstGeom prst="rect">
+            <a:avLst/>
+          </a:prstGeom>
+          <a:noFill/>
+        </p:spPr>
+        <p:txBody>
+          <a:bodyPr wrap="none" rtlCol="0">
+            <a:spAutoFit/>
+          </a:bodyPr>
+          <a:lstStyle/>
+          <a:p>
+            <a:r>
+              <a:rPr lang="en-US" altLang="ko-KR" sz="1400" dirty="0" smtClean="0">
+                <a:solidFill>
+                  <a:srgbClr val="0000FF"/>
+                </a:solidFill>
+              </a:rPr>
+              <a:t>checkout -b</a:t>
+            </a:r>
+            <a:endParaRPr lang="ko-KR" altLang="en-US" sz="1400" dirty="0">
+              <a:solidFill>
+                <a:srgbClr val="0000FF"/>
+              </a:solidFill>
+            </a:endParaRPr>
+          </a:p>
+        </p:txBody>
+      </p:sp>
+      <p:sp>
+        <p:nvSpPr>
+          <p:cNvPr id="40" name="TextBox 39">
+            <a:extLst>
+              <a:ext uri="{FF2B5EF4-FFF2-40B4-BE49-F238E27FC236}">
+                <a16:creationId xmlns:a16="http://schemas.microsoft.com/office/drawing/2014/main" id="{BDB8BFA2-DBDC-42FD-B340-32D99B3F8ED2}"/>
+              </a:ext>
+            </a:extLst>
+          </p:cNvPr>
+          <p:cNvSpPr txBox="1"/>
+          <p:nvPr/>
+        </p:nvSpPr>
+        <p:spPr>
+          <a:xfrm>
+            <a:off x="3565899" y="3032111"/>
+            <a:ext cx="768672" cy="338554"/>
+          </a:xfrm>
+          <a:prstGeom prst="rect">
+            <a:avLst/>
+          </a:prstGeom>
+          <a:noFill/>
+        </p:spPr>
+        <p:txBody>
+          <a:bodyPr wrap="none" rtlCol="0">
+            <a:spAutoFit/>
+          </a:bodyPr>
+          <a:lstStyle>
+            <a:defPPr>
+              <a:defRPr lang="en-US"/>
+            </a:defPPr>
+            <a:lvl1pPr>
+              <a:defRPr sz="1600">
+                <a:solidFill>
+                  <a:srgbClr val="FF0000"/>
+                </a:solidFill>
+              </a:defRPr>
+            </a:lvl1pPr>
+          </a:lstStyle>
+          <a:p>
+            <a:r>
+              <a:rPr lang="en-US" altLang="ko-KR" dirty="0"/>
+              <a:t>① </a:t>
+            </a:r>
+            <a:r>
+              <a:rPr lang="en-US" altLang="ko-KR" dirty="0"/>
+              <a:t>fork</a:t>
+            </a:r>
+            <a:endParaRPr lang="ko-KR" altLang="en-US" dirty="0"/>
+          </a:p>
+        </p:txBody>
+      </p:sp>
+      <p:cxnSp>
+        <p:nvCxnSpPr>
+          <p:cNvPr id="42" name="직선 화살표 연결선 41"/>
+          <p:cNvCxnSpPr/>
+          <p:nvPr/>
+        </p:nvCxnSpPr>
+        <p:spPr>
+          <a:xfrm flipV="1">
+            <a:off x="6941820" y="4009998"/>
+            <a:ext cx="0" cy="855411"/>
+          </a:xfrm>
+          <a:prstGeom prst="straightConnector1">
+            <a:avLst/>
+          </a:prstGeom>
+          <a:ln w="31750">
+            <a:solidFill>
+              <a:srgbClr val="0000FF"/>
+            </a:solidFill>
+            <a:tailEnd type="triangle"/>
+          </a:ln>
+        </p:spPr>
+        <p:style>
+          <a:lnRef idx="1">
+            <a:schemeClr val="accent1"/>
+          </a:lnRef>
+          <a:fillRef idx="0">
+            <a:schemeClr val="accent1"/>
+          </a:fillRef>
+          <a:effectRef idx="0">
+            <a:schemeClr val="accent1"/>
+          </a:effectRef>
+          <a:fontRef idx="minor">
+            <a:schemeClr val="tx1"/>
+          </a:fontRef>
+        </p:style>
+      </p:cxnSp>
+      <p:cxnSp>
+        <p:nvCxnSpPr>
+          <p:cNvPr id="46" name="꺾인 연결선 45"/>
+          <p:cNvCxnSpPr>
+            <a:stCxn id="5" idx="2"/>
+          </p:cNvCxnSpPr>
+          <p:nvPr/>
+        </p:nvCxnSpPr>
+        <p:spPr>
+          <a:xfrm rot="16200000" flipH="1">
+            <a:off x="2961033" y="2887380"/>
+            <a:ext cx="1018539" cy="2516558"/>
+          </a:xfrm>
+          <a:prstGeom prst="bentConnector2">
+            <a:avLst/>
+          </a:prstGeom>
+          <a:ln w="31750">
+            <a:solidFill>
+              <a:srgbClr val="0000FF"/>
+            </a:solidFill>
+            <a:tailEnd type="triangle"/>
+          </a:ln>
+        </p:spPr>
+        <p:style>
+          <a:lnRef idx="1">
+            <a:schemeClr val="accent1"/>
+          </a:lnRef>
+          <a:fillRef idx="0">
+            <a:schemeClr val="accent1"/>
+          </a:fillRef>
+          <a:effectRef idx="0">
+            <a:schemeClr val="accent1"/>
+          </a:effectRef>
+          <a:fontRef idx="minor">
+            <a:schemeClr val="tx1"/>
+          </a:fontRef>
+        </p:style>
+      </p:cxnSp>
+      <p:sp>
+        <p:nvSpPr>
+          <p:cNvPr id="49" name="TextBox 48">
+            <a:extLst>
+              <a:ext uri="{FF2B5EF4-FFF2-40B4-BE49-F238E27FC236}">
+                <a16:creationId xmlns:a16="http://schemas.microsoft.com/office/drawing/2014/main" id="{8CE5E28C-5578-40B1-901B-4D1BA75C9A76}"/>
+              </a:ext>
+            </a:extLst>
+          </p:cNvPr>
+          <p:cNvSpPr txBox="1"/>
+          <p:nvPr/>
+        </p:nvSpPr>
+        <p:spPr>
+          <a:xfrm>
+            <a:off x="4125261" y="3987596"/>
+            <a:ext cx="888385" cy="338554"/>
+          </a:xfrm>
+          <a:prstGeom prst="rect">
+            <a:avLst/>
+          </a:prstGeom>
+          <a:noFill/>
+        </p:spPr>
+        <p:txBody>
+          <a:bodyPr wrap="none" rtlCol="0">
+            <a:spAutoFit/>
+          </a:bodyPr>
+          <a:lstStyle/>
+          <a:p>
+            <a:r>
+              <a:rPr lang="en-US" altLang="ko-KR" sz="1600" dirty="0">
+                <a:solidFill>
+                  <a:srgbClr val="FF0000"/>
+                </a:solidFill>
+              </a:rPr>
+              <a:t>② clone</a:t>
+            </a:r>
+            <a:endParaRPr lang="ko-KR" altLang="en-US" sz="1600" dirty="0">
+              <a:solidFill>
+                <a:srgbClr val="FF0000"/>
+              </a:solidFill>
+            </a:endParaRPr>
+          </a:p>
+        </p:txBody>
+      </p:sp>
+      <p:sp>
+        <p:nvSpPr>
+          <p:cNvPr id="52" name="TextBox 51">
+            <a:extLst>
+              <a:ext uri="{FF2B5EF4-FFF2-40B4-BE49-F238E27FC236}">
+                <a16:creationId xmlns:a16="http://schemas.microsoft.com/office/drawing/2014/main" id="{DD6D3F4E-AA8D-4A10-A1F2-C35B189C130A}"/>
+              </a:ext>
+            </a:extLst>
+          </p:cNvPr>
+          <p:cNvSpPr txBox="1"/>
+          <p:nvPr/>
+        </p:nvSpPr>
+        <p:spPr>
+          <a:xfrm>
+            <a:off x="255401" y="3838582"/>
+            <a:ext cx="829971" cy="307777"/>
+          </a:xfrm>
+          <a:prstGeom prst="rect">
+            <a:avLst/>
+          </a:prstGeom>
+          <a:noFill/>
+        </p:spPr>
+        <p:txBody>
+          <a:bodyPr wrap="none" rtlCol="0">
+            <a:spAutoFit/>
+          </a:bodyPr>
+          <a:lstStyle/>
+          <a:p>
+            <a:r>
+              <a:rPr lang="en-US" altLang="ko-KR" sz="1400" dirty="0"/>
+              <a:t>⑤merge</a:t>
+            </a:r>
+            <a:endParaRPr lang="ko-KR" altLang="en-US" sz="1400" dirty="0"/>
+          </a:p>
+        </p:txBody>
+      </p:sp>
+      <p:sp>
+        <p:nvSpPr>
+          <p:cNvPr id="53" name="TextBox 52">
+            <a:extLst>
+              <a:ext uri="{FF2B5EF4-FFF2-40B4-BE49-F238E27FC236}">
+                <a16:creationId xmlns:a16="http://schemas.microsoft.com/office/drawing/2014/main" id="{D9E81BF2-AB72-45C1-8878-5802E33A156A}"/>
+              </a:ext>
+            </a:extLst>
+          </p:cNvPr>
+          <p:cNvSpPr txBox="1"/>
+          <p:nvPr/>
+        </p:nvSpPr>
+        <p:spPr>
+          <a:xfrm>
+            <a:off x="2702233" y="3835957"/>
+            <a:ext cx="1464375" cy="338554"/>
+          </a:xfrm>
+          <a:prstGeom prst="rect">
+            <a:avLst/>
+          </a:prstGeom>
+          <a:noFill/>
+        </p:spPr>
+        <p:txBody>
+          <a:bodyPr wrap="none" rtlCol="0">
+            <a:spAutoFit/>
+          </a:bodyPr>
+          <a:lstStyle>
+            <a:defPPr>
+              <a:defRPr lang="en-US"/>
+            </a:defPPr>
+            <a:lvl1pPr>
+              <a:defRPr sz="1600">
+                <a:solidFill>
+                  <a:srgbClr val="0000FF"/>
+                </a:solidFill>
+              </a:defRPr>
+            </a:lvl1pPr>
+          </a:lstStyle>
+          <a:p>
+            <a:r>
+              <a:rPr lang="en-US" altLang="ko-KR" dirty="0"/>
+              <a:t>④ </a:t>
+            </a:r>
+            <a:r>
+              <a:rPr lang="en-US" altLang="ko-KR" dirty="0"/>
+              <a:t>Pull Request</a:t>
+            </a:r>
+            <a:endParaRPr lang="ko-KR" altLang="en-US" dirty="0"/>
+          </a:p>
+        </p:txBody>
+      </p:sp>
+      <p:sp>
+        <p:nvSpPr>
+          <p:cNvPr id="25" name="TextBox 24">
+            <a:extLst>
+              <a:ext uri="{FF2B5EF4-FFF2-40B4-BE49-F238E27FC236}">
+                <a16:creationId xmlns:a16="http://schemas.microsoft.com/office/drawing/2014/main" id="{8CE5E28C-5578-40B1-901B-4D1BA75C9A76}"/>
+              </a:ext>
+            </a:extLst>
+          </p:cNvPr>
+          <p:cNvSpPr txBox="1"/>
+          <p:nvPr/>
+        </p:nvSpPr>
+        <p:spPr>
+          <a:xfrm>
+            <a:off x="2181549" y="4222918"/>
+            <a:ext cx="888385" cy="338554"/>
+          </a:xfrm>
+          <a:prstGeom prst="rect">
+            <a:avLst/>
+          </a:prstGeom>
+          <a:noFill/>
+        </p:spPr>
+        <p:txBody>
+          <a:bodyPr wrap="none" rtlCol="0">
+            <a:spAutoFit/>
+          </a:bodyPr>
+          <a:lstStyle/>
+          <a:p>
+            <a:r>
+              <a:rPr lang="en-US" altLang="ko-KR" sz="1600" dirty="0">
+                <a:solidFill>
+                  <a:srgbClr val="FF0000"/>
+                </a:solidFill>
+              </a:rPr>
+              <a:t>② clone</a:t>
+            </a:r>
+            <a:endParaRPr lang="ko-KR" altLang="en-US" sz="1600" dirty="0">
+              <a:solidFill>
+                <a:srgbClr val="FF0000"/>
+              </a:solidFill>
+            </a:endParaRPr>
+          </a:p>
+        </p:txBody>
+      </p:sp>
+    </p:spTree>
+    <p:extLst>
+      <p:ext uri="{BB962C8B-B14F-4D97-AF65-F5344CB8AC3E}">
+        <p14:creationId xmlns:p14="http://schemas.microsoft.com/office/powerpoint/2010/main" val="1382898893"/>
+      </p:ext>
+    </p:extLst>
+  </p:cSld>
+  <p:clrMapOvr>
+    <a:masterClrMapping/>
+  </p:clrMapOvr>
+</p:sld>
+</file>
+
+<file path=ppt/slides/slide33.xml><?xml version="1.0" encoding="utf-8"?>
+<p:sld xmlns:a="http://schemas.openxmlformats.org/drawingml/2006/main" xmlns:r="http://schemas.openxmlformats.org/officeDocument/2006/relationships" xmlns:p="http://schemas.openxmlformats.org/presentationml/2006/main">
+  <p:cSld>
+    <p:spTree>
+      <p:nvGrpSpPr>
+        <p:cNvPr id="1" name=""/>
+        <p:cNvGrpSpPr/>
+        <p:nvPr/>
+      </p:nvGrpSpPr>
+      <p:grpSpPr>
+        <a:xfrm>
+          <a:off x="0" y="0"/>
+          <a:ext cx="0" cy="0"/>
+          <a:chOff x="0" y="0"/>
+          <a:chExt cx="0" cy="0"/>
+        </a:xfrm>
+      </p:grpSpPr>
+      <p:sp>
+        <p:nvSpPr>
+          <p:cNvPr id="7" name="내용 개체 틀 2">
+            <a:extLst>
+              <a:ext uri="{FF2B5EF4-FFF2-40B4-BE49-F238E27FC236}">
+                <a16:creationId xmlns:a16="http://schemas.microsoft.com/office/drawing/2014/main" id="{A44AC902-3746-40D6-9827-94B46EEDDC67}"/>
+              </a:ext>
+            </a:extLst>
+          </p:cNvPr>
+          <p:cNvSpPr txBox="1">
+            <a:spLocks/>
+          </p:cNvSpPr>
+          <p:nvPr/>
+        </p:nvSpPr>
+        <p:spPr>
+          <a:xfrm>
             <a:off x="341787" y="1120544"/>
             <a:ext cx="8642350" cy="3883255"/>
           </a:xfrm>
@@ -23091,7 +26188,7 @@
             <a:fld id="{526ADF51-C4A2-4521-899C-87F34FDB9C0A}" type="slidenum">
               <a:rPr lang="ko-KR" altLang="en-US" smtClean="0"/>
               <a:pPr/>
-              <a:t>31</a:t>
+              <a:t>33</a:t>
             </a:fld>
             <a:r>
               <a:rPr lang="en-US" altLang="ko-KR"/>
@@ -23104,7 +26201,7 @@
     </p:spTree>
     <p:extLst>
       <p:ext uri="{BB962C8B-B14F-4D97-AF65-F5344CB8AC3E}">
-        <p14:creationId xmlns:p14="http://schemas.microsoft.com/office/powerpoint/2010/main" val="2164313808"/>
+        <p14:creationId xmlns:p14="http://schemas.microsoft.com/office/powerpoint/2010/main" val="2817378831"/>
       </p:ext>
     </p:extLst>
   </p:cSld>
@@ -23114,7 +26211,7 @@
 </p:sld>
 </file>
 
-<file path=ppt/slides/slide32.xml><?xml version="1.0" encoding="utf-8"?>
+<file path=ppt/slides/slide34.xml><?xml version="1.0" encoding="utf-8"?>
 <p:sld xmlns:a="http://schemas.openxmlformats.org/drawingml/2006/main" xmlns:r="http://schemas.openxmlformats.org/officeDocument/2006/relationships" xmlns:p="http://schemas.openxmlformats.org/presentationml/2006/main">
   <p:cSld>
     <p:spTree>
@@ -23765,7 +26862,7 @@
             <a:fld id="{526ADF51-C4A2-4521-899C-87F34FDB9C0A}" type="slidenum">
               <a:rPr lang="ko-KR" altLang="en-US" smtClean="0"/>
               <a:pPr/>
-              <a:t>32</a:t>
+              <a:t>34</a:t>
             </a:fld>
             <a:r>
               <a:rPr lang="en-US" altLang="ko-KR"/>
@@ -23788,7 +26885,7 @@
 </p:sld>
 </file>
 
-<file path=ppt/slides/slide33.xml><?xml version="1.0" encoding="utf-8"?>
+<file path=ppt/slides/slide35.xml><?xml version="1.0" encoding="utf-8"?>
 <p:sld xmlns:a="http://schemas.openxmlformats.org/drawingml/2006/main" xmlns:r="http://schemas.openxmlformats.org/officeDocument/2006/relationships" xmlns:p="http://schemas.openxmlformats.org/presentationml/2006/main">
   <p:cSld>
     <p:spTree>
@@ -24295,7 +27392,7 @@
             <a:fld id="{526ADF51-C4A2-4521-899C-87F34FDB9C0A}" type="slidenum">
               <a:rPr lang="ko-KR" altLang="en-US" smtClean="0"/>
               <a:pPr/>
-              <a:t>33</a:t>
+              <a:t>35</a:t>
             </a:fld>
             <a:r>
               <a:rPr lang="en-US" altLang="ko-KR"/>
@@ -24318,7 +27415,7 @@
 </p:sld>
 </file>
 
-<file path=ppt/slides/slide34.xml><?xml version="1.0" encoding="utf-8"?>
+<file path=ppt/slides/slide36.xml><?xml version="1.0" encoding="utf-8"?>
 <p:sld xmlns:a="http://schemas.openxmlformats.org/drawingml/2006/main" xmlns:r="http://schemas.openxmlformats.org/officeDocument/2006/relationships" xmlns:p="http://schemas.openxmlformats.org/presentationml/2006/main">
   <p:cSld>
     <p:spTree>
@@ -24848,7 +27945,7 @@
             <a:fld id="{526ADF51-C4A2-4521-899C-87F34FDB9C0A}" type="slidenum">
               <a:rPr lang="ko-KR" altLang="en-US" smtClean="0"/>
               <a:pPr/>
-              <a:t>34</a:t>
+              <a:t>36</a:t>
             </a:fld>
             <a:r>
               <a:rPr lang="en-US" altLang="ko-KR"/>
@@ -24871,7 +27968,7 @@
 </p:sld>
 </file>
 
-<file path=ppt/slides/slide35.xml><?xml version="1.0" encoding="utf-8"?>
+<file path=ppt/slides/slide37.xml><?xml version="1.0" encoding="utf-8"?>
 <p:sld xmlns:a="http://schemas.openxmlformats.org/drawingml/2006/main" xmlns:r="http://schemas.openxmlformats.org/officeDocument/2006/relationships" xmlns:p="http://schemas.openxmlformats.org/presentationml/2006/main">
   <p:cSld>
     <p:spTree>
@@ -25673,7 +28770,7 @@
             <a:fld id="{526ADF51-C4A2-4521-899C-87F34FDB9C0A}" type="slidenum">
               <a:rPr lang="ko-KR" altLang="en-US" smtClean="0"/>
               <a:pPr/>
-              <a:t>35</a:t>
+              <a:t>37</a:t>
             </a:fld>
             <a:r>
               <a:rPr lang="en-US" altLang="ko-KR"/>
@@ -25696,7 +28793,7 @@
 </p:sld>
 </file>
 
-<file path=ppt/slides/slide36.xml><?xml version="1.0" encoding="utf-8"?>
+<file path=ppt/slides/slide38.xml><?xml version="1.0" encoding="utf-8"?>
 <p:sld xmlns:a="http://schemas.openxmlformats.org/drawingml/2006/main" xmlns:r="http://schemas.openxmlformats.org/officeDocument/2006/relationships" xmlns:p="http://schemas.openxmlformats.org/presentationml/2006/main">
   <p:cSld>
     <p:spTree>
@@ -26633,7 +29730,7 @@
             <a:fld id="{526ADF51-C4A2-4521-899C-87F34FDB9C0A}" type="slidenum">
               <a:rPr lang="ko-KR" altLang="en-US" smtClean="0"/>
               <a:pPr/>
-              <a:t>36</a:t>
+              <a:t>38</a:t>
             </a:fld>
             <a:r>
               <a:rPr lang="en-US" altLang="ko-KR"/>
@@ -26656,7 +29753,7 @@
 </p:sld>
 </file>
 
-<file path=ppt/slides/slide37.xml><?xml version="1.0" encoding="utf-8"?>
+<file path=ppt/slides/slide39.xml><?xml version="1.0" encoding="utf-8"?>
 <p:sld xmlns:a="http://schemas.openxmlformats.org/drawingml/2006/main" xmlns:r="http://schemas.openxmlformats.org/officeDocument/2006/relationships" xmlns:p="http://schemas.openxmlformats.org/presentationml/2006/main">
   <p:cSld>
     <p:spTree>
@@ -27426,7 +30523,7 @@
             <a:fld id="{526ADF51-C4A2-4521-899C-87F34FDB9C0A}" type="slidenum">
               <a:rPr lang="ko-KR" altLang="en-US" smtClean="0"/>
               <a:pPr/>
-              <a:t>37</a:t>
+              <a:t>39</a:t>
             </a:fld>
             <a:r>
               <a:rPr lang="en-US" altLang="ko-KR"/>
@@ -27449,7 +30546,7 @@
 </p:sld>
 </file>
 
-<file path=ppt/slides/slide38.xml><?xml version="1.0" encoding="utf-8"?>
+<file path=ppt/slides/slide4.xml><?xml version="1.0" encoding="utf-8"?>
 <p:sld xmlns:a="http://schemas.openxmlformats.org/drawingml/2006/main" xmlns:r="http://schemas.openxmlformats.org/officeDocument/2006/relationships" xmlns:p="http://schemas.openxmlformats.org/presentationml/2006/main">
   <p:cSld>
     <p:spTree>
@@ -27466,44 +30563,39 @@
           <a:chExt cx="0" cy="0"/>
         </a:xfrm>
       </p:grpSpPr>
-      <p:sp>
-        <p:nvSpPr>
-          <p:cNvPr id="4" name="제목 3">
+      <p:pic>
+        <p:nvPicPr>
+          <p:cNvPr id="4" name="그림 3">
             <a:extLst>
               <a:ext uri="{FF2B5EF4-FFF2-40B4-BE49-F238E27FC236}">
-                <a16:creationId xmlns:a16="http://schemas.microsoft.com/office/drawing/2014/main" id="{F0CEB32B-CB43-4410-BA08-A97E4BC47FCB}"/>
+                <a16:creationId xmlns:a16="http://schemas.microsoft.com/office/drawing/2014/main" id="{F0F774BD-1722-4265-93E0-0A78341E747C}"/>
               </a:ext>
             </a:extLst>
           </p:cNvPr>
-          <p:cNvSpPr>
-            <a:spLocks noGrp="1"/>
-          </p:cNvSpPr>
-          <p:nvPr>
-            <p:ph type="title"/>
-          </p:nvPr>
-        </p:nvSpPr>
+          <p:cNvPicPr>
+            <a:picLocks noChangeAspect="1"/>
+          </p:cNvPicPr>
+          <p:nvPr/>
+        </p:nvPicPr>
+        <p:blipFill>
+          <a:blip r:embed="rId3"/>
+          <a:stretch>
+            <a:fillRect/>
+          </a:stretch>
+        </p:blipFill>
         <p:spPr>
           <a:xfrm>
-            <a:off x="539551" y="192300"/>
-            <a:ext cx="8244853" cy="576064"/>
+            <a:off x="708964" y="2030212"/>
+            <a:ext cx="7931558" cy="2782727"/>
           </a:xfrm>
+          <a:prstGeom prst="rect">
+            <a:avLst/>
+          </a:prstGeom>
         </p:spPr>
-        <p:txBody>
-          <a:bodyPr>
-            <a:normAutofit/>
-          </a:bodyPr>
-          <a:lstStyle/>
-          <a:p>
-            <a:r>
-              <a:rPr lang="ko-KR" altLang="en-US" dirty="0"/>
-              <a:t>오픈소스 참조</a:t>
-            </a:r>
-          </a:p>
-        </p:txBody>
-      </p:sp>
-      <p:sp>
-        <p:nvSpPr>
-          <p:cNvPr id="11" name="내용 개체 틀 2">
+      </p:pic>
+      <p:sp>
+        <p:nvSpPr>
+          <p:cNvPr id="7" name="내용 개체 틀 2">
             <a:extLst>
               <a:ext uri="{FF2B5EF4-FFF2-40B4-BE49-F238E27FC236}">
                 <a16:creationId xmlns:a16="http://schemas.microsoft.com/office/drawing/2014/main" id="{A44AC902-3746-40D6-9827-94B46EEDDC67}"/>
@@ -27517,8 +30609,8 @@
         </p:nvSpPr>
         <p:spPr>
           <a:xfrm>
-            <a:off x="341787" y="957257"/>
-            <a:ext cx="8642350" cy="5225829"/>
+            <a:off x="341787" y="1120544"/>
+            <a:ext cx="8642350" cy="3883255"/>
           </a:xfrm>
           <a:prstGeom prst="rect">
             <a:avLst/>
@@ -27670,6 +30762,619 @@
           <a:p>
             <a:r>
               <a:rPr lang="ko-KR" altLang="en-US" dirty="0"/>
+              <a:t>남의 원격저장소</a:t>
+            </a:r>
+            <a:r>
+              <a:rPr lang="en-US" altLang="ko-KR" dirty="0"/>
+              <a:t>(upstream)</a:t>
+            </a:r>
+            <a:r>
+              <a:rPr lang="ko-KR" altLang="en-US" dirty="0"/>
+              <a:t>를 나의 원격저장소로 복제하기</a:t>
+            </a:r>
+            <a:r>
+              <a:rPr lang="en-US" altLang="ko-KR" dirty="0"/>
+              <a:t>(fork)</a:t>
+            </a:r>
+          </a:p>
+          <a:p>
+            <a:pPr lvl="1"/>
+            <a:r>
+              <a:rPr lang="en-US" altLang="ko-KR" dirty="0" err="1">
+                <a:latin typeface="+mn-ea"/>
+              </a:rPr>
+              <a:t>paichaisw</a:t>
+            </a:r>
+            <a:r>
+              <a:rPr lang="en-US" altLang="ko-KR" dirty="0">
+                <a:latin typeface="+mn-ea"/>
+              </a:rPr>
+              <a:t>/</a:t>
+            </a:r>
+            <a:r>
+              <a:rPr lang="en-US" altLang="ko-KR" dirty="0" err="1">
+                <a:latin typeface="+mn-ea"/>
+              </a:rPr>
+              <a:t>daniel-hw</a:t>
+            </a:r>
+            <a:r>
+              <a:rPr lang="en-US" altLang="ko-KR" dirty="0">
+                <a:latin typeface="+mn-ea"/>
+              </a:rPr>
+              <a:t> </a:t>
+            </a:r>
+            <a:r>
+              <a:rPr lang="ko-KR" altLang="en-US" dirty="0">
+                <a:latin typeface="+mn-ea"/>
+              </a:rPr>
+              <a:t>화면</a:t>
+            </a:r>
+            <a:endParaRPr lang="en-US" altLang="ko-KR" dirty="0">
+              <a:latin typeface="+mn-ea"/>
+            </a:endParaRPr>
+          </a:p>
+          <a:p>
+            <a:pPr lvl="1"/>
+            <a:endParaRPr lang="en-US" altLang="ko-KR" dirty="0">
+              <a:latin typeface="+mn-ea"/>
+            </a:endParaRPr>
+          </a:p>
+          <a:p>
+            <a:pPr lvl="1"/>
+            <a:endParaRPr lang="en-US" altLang="ko-KR" dirty="0">
+              <a:latin typeface="+mn-ea"/>
+            </a:endParaRPr>
+          </a:p>
+          <a:p>
+            <a:pPr lvl="1"/>
+            <a:endParaRPr lang="en-US" altLang="ko-KR" dirty="0">
+              <a:latin typeface="+mn-ea"/>
+            </a:endParaRPr>
+          </a:p>
+          <a:p>
+            <a:pPr lvl="1"/>
+            <a:endParaRPr lang="en-US" altLang="ko-KR" dirty="0">
+              <a:latin typeface="+mn-ea"/>
+            </a:endParaRPr>
+          </a:p>
+          <a:p>
+            <a:pPr marL="266700" lvl="1" indent="0">
+              <a:buNone/>
+            </a:pPr>
+            <a:endParaRPr lang="en-US" altLang="ko-KR" dirty="0">
+              <a:latin typeface="+mn-ea"/>
+            </a:endParaRPr>
+          </a:p>
+          <a:p>
+            <a:pPr marL="266700" lvl="1" indent="0">
+              <a:buNone/>
+            </a:pPr>
+            <a:endParaRPr lang="en-US" altLang="ko-KR" dirty="0">
+              <a:latin typeface="+mn-ea"/>
+            </a:endParaRPr>
+          </a:p>
+          <a:p>
+            <a:pPr marL="266700" lvl="1" indent="0">
+              <a:buNone/>
+            </a:pPr>
+            <a:r>
+              <a:rPr lang="en-US" altLang="ko-KR" dirty="0">
+                <a:latin typeface="+mn-ea"/>
+              </a:rPr>
+              <a:t>  </a:t>
+            </a:r>
+          </a:p>
+          <a:p>
+            <a:pPr marL="266700" lvl="1" indent="0">
+              <a:buNone/>
+            </a:pPr>
+            <a:endParaRPr lang="en-US" altLang="ko-KR" dirty="0">
+              <a:latin typeface="+mn-ea"/>
+            </a:endParaRPr>
+          </a:p>
+          <a:p>
+            <a:pPr lvl="1"/>
+            <a:r>
+              <a:rPr lang="en-US" altLang="ko-KR" dirty="0">
+                <a:latin typeface="+mn-ea"/>
+              </a:rPr>
+              <a:t>Fork </a:t>
+            </a:r>
+            <a:r>
+              <a:rPr lang="ko-KR" altLang="en-US" dirty="0">
+                <a:latin typeface="+mn-ea"/>
+              </a:rPr>
+              <a:t>클릭</a:t>
+            </a:r>
+            <a:endParaRPr lang="en-US" altLang="ko-KR" dirty="0">
+              <a:latin typeface="+mn-ea"/>
+            </a:endParaRPr>
+          </a:p>
+          <a:p>
+            <a:pPr marL="266700" lvl="1" indent="0">
+              <a:buNone/>
+            </a:pPr>
+            <a:r>
+              <a:rPr lang="en-US" altLang="ko-KR" dirty="0">
+                <a:latin typeface="+mn-ea"/>
+              </a:rPr>
+              <a:t>  - </a:t>
+            </a:r>
+            <a:r>
+              <a:rPr lang="ko-KR" altLang="en-US" dirty="0">
+                <a:latin typeface="+mn-ea"/>
+              </a:rPr>
+              <a:t>클릭하자마자 곧 바로 나의 원격저장소에 복사 시작됨</a:t>
+            </a:r>
+            <a:endParaRPr lang="en-US" altLang="ko-KR" dirty="0">
+              <a:latin typeface="+mn-ea"/>
+            </a:endParaRPr>
+          </a:p>
+        </p:txBody>
+      </p:sp>
+      <p:sp>
+        <p:nvSpPr>
+          <p:cNvPr id="12" name="직사각형 11">
+            <a:extLst>
+              <a:ext uri="{FF2B5EF4-FFF2-40B4-BE49-F238E27FC236}">
+                <a16:creationId xmlns:a16="http://schemas.microsoft.com/office/drawing/2014/main" id="{D016F6C0-103E-4F67-8F59-3C6A668F1283}"/>
+              </a:ext>
+            </a:extLst>
+          </p:cNvPr>
+          <p:cNvSpPr/>
+          <p:nvPr/>
+        </p:nvSpPr>
+        <p:spPr>
+          <a:xfrm>
+            <a:off x="7767798" y="2599708"/>
+            <a:ext cx="508010" cy="213023"/>
+          </a:xfrm>
+          <a:prstGeom prst="rect">
+            <a:avLst/>
+          </a:prstGeom>
+          <a:noFill/>
+          <a:ln w="28575">
+            <a:solidFill>
+              <a:srgbClr val="FF0000"/>
+            </a:solidFill>
+          </a:ln>
+        </p:spPr>
+        <p:style>
+          <a:lnRef idx="2">
+            <a:schemeClr val="accent1">
+              <a:shade val="50000"/>
+            </a:schemeClr>
+          </a:lnRef>
+          <a:fillRef idx="1">
+            <a:schemeClr val="accent1"/>
+          </a:fillRef>
+          <a:effectRef idx="0">
+            <a:schemeClr val="accent1"/>
+          </a:effectRef>
+          <a:fontRef idx="minor">
+            <a:schemeClr val="lt1"/>
+          </a:fontRef>
+        </p:style>
+        <p:txBody>
+          <a:bodyPr rtlCol="0" anchor="ctr"/>
+          <a:lstStyle/>
+          <a:p>
+            <a:endParaRPr lang="ko-KR" altLang="en-US" b="1" dirty="0">
+              <a:solidFill>
+                <a:srgbClr val="FF0000"/>
+              </a:solidFill>
+            </a:endParaRPr>
+          </a:p>
+        </p:txBody>
+      </p:sp>
+      <p:sp>
+        <p:nvSpPr>
+          <p:cNvPr id="17" name="직사각형 16">
+            <a:extLst>
+              <a:ext uri="{FF2B5EF4-FFF2-40B4-BE49-F238E27FC236}">
+                <a16:creationId xmlns:a16="http://schemas.microsoft.com/office/drawing/2014/main" id="{F7C73F28-D263-4045-ABBE-1AD64C65C6AB}"/>
+              </a:ext>
+            </a:extLst>
+          </p:cNvPr>
+          <p:cNvSpPr/>
+          <p:nvPr/>
+        </p:nvSpPr>
+        <p:spPr>
+          <a:xfrm>
+            <a:off x="1081817" y="2602351"/>
+            <a:ext cx="1592403" cy="229994"/>
+          </a:xfrm>
+          <a:prstGeom prst="rect">
+            <a:avLst/>
+          </a:prstGeom>
+          <a:noFill/>
+          <a:ln w="28575">
+            <a:solidFill>
+              <a:srgbClr val="FF0000"/>
+            </a:solidFill>
+          </a:ln>
+        </p:spPr>
+        <p:style>
+          <a:lnRef idx="2">
+            <a:schemeClr val="accent1">
+              <a:shade val="50000"/>
+            </a:schemeClr>
+          </a:lnRef>
+          <a:fillRef idx="1">
+            <a:schemeClr val="accent1"/>
+          </a:fillRef>
+          <a:effectRef idx="0">
+            <a:schemeClr val="accent1"/>
+          </a:effectRef>
+          <a:fontRef idx="minor">
+            <a:schemeClr val="lt1"/>
+          </a:fontRef>
+        </p:style>
+        <p:txBody>
+          <a:bodyPr rtlCol="0" anchor="ctr"/>
+          <a:lstStyle/>
+          <a:p>
+            <a:endParaRPr lang="ko-KR" altLang="en-US" b="1" dirty="0">
+              <a:solidFill>
+                <a:srgbClr val="FF0000"/>
+              </a:solidFill>
+            </a:endParaRPr>
+          </a:p>
+        </p:txBody>
+      </p:sp>
+      <p:cxnSp>
+        <p:nvCxnSpPr>
+          <p:cNvPr id="32" name="직선 화살표 연결선 31">
+            <a:extLst>
+              <a:ext uri="{FF2B5EF4-FFF2-40B4-BE49-F238E27FC236}">
+                <a16:creationId xmlns:a16="http://schemas.microsoft.com/office/drawing/2014/main" id="{D5A5DF10-72B7-4888-8DE8-C9F08F9537CE}"/>
+              </a:ext>
+            </a:extLst>
+          </p:cNvPr>
+          <p:cNvCxnSpPr>
+            <a:cxnSpLocks/>
+          </p:cNvCxnSpPr>
+          <p:nvPr/>
+        </p:nvCxnSpPr>
+        <p:spPr>
+          <a:xfrm flipV="1">
+            <a:off x="1787702" y="2832345"/>
+            <a:ext cx="5980096" cy="2266884"/>
+          </a:xfrm>
+          <a:prstGeom prst="straightConnector1">
+            <a:avLst/>
+          </a:prstGeom>
+          <a:ln w="25400">
+            <a:solidFill>
+              <a:schemeClr val="accent1">
+                <a:lumMod val="60000"/>
+                <a:lumOff val="40000"/>
+              </a:schemeClr>
+            </a:solidFill>
+            <a:tailEnd type="triangle"/>
+          </a:ln>
+        </p:spPr>
+        <p:style>
+          <a:lnRef idx="1">
+            <a:schemeClr val="accent1"/>
+          </a:lnRef>
+          <a:fillRef idx="0">
+            <a:schemeClr val="accent1"/>
+          </a:fillRef>
+          <a:effectRef idx="0">
+            <a:schemeClr val="accent1"/>
+          </a:effectRef>
+          <a:fontRef idx="minor">
+            <a:schemeClr val="tx1"/>
+          </a:fontRef>
+        </p:style>
+      </p:cxnSp>
+      <p:sp>
+        <p:nvSpPr>
+          <p:cNvPr id="16" name="제목 3">
+            <a:extLst>
+              <a:ext uri="{FF2B5EF4-FFF2-40B4-BE49-F238E27FC236}">
+                <a16:creationId xmlns:a16="http://schemas.microsoft.com/office/drawing/2014/main" id="{E2121789-1822-4DD9-8CD2-88DC05740951}"/>
+              </a:ext>
+            </a:extLst>
+          </p:cNvPr>
+          <p:cNvSpPr>
+            <a:spLocks noGrp="1"/>
+          </p:cNvSpPr>
+          <p:nvPr>
+            <p:ph type="title"/>
+          </p:nvPr>
+        </p:nvSpPr>
+        <p:spPr>
+          <a:xfrm>
+            <a:off x="539551" y="192300"/>
+            <a:ext cx="7272113" cy="576064"/>
+          </a:xfrm>
+        </p:spPr>
+        <p:txBody>
+          <a:bodyPr/>
+          <a:lstStyle/>
+          <a:p>
+            <a:r>
+              <a:rPr lang="ko-KR" altLang="en-US" dirty="0"/>
+              <a:t>남의 원격저장소를 나의 원격저장소에 복제하기 </a:t>
+            </a:r>
+            <a:r>
+              <a:rPr lang="en-US" altLang="ko-KR" dirty="0"/>
+              <a:t>(fork)</a:t>
+            </a:r>
+            <a:endParaRPr lang="ko-KR" altLang="en-US" dirty="0"/>
+          </a:p>
+        </p:txBody>
+      </p:sp>
+      <p:sp>
+        <p:nvSpPr>
+          <p:cNvPr id="2" name="슬라이드 번호 개체 틀 1">
+            <a:extLst>
+              <a:ext uri="{FF2B5EF4-FFF2-40B4-BE49-F238E27FC236}">
+                <a16:creationId xmlns:a16="http://schemas.microsoft.com/office/drawing/2014/main" id="{C7723EF2-0803-4C00-82FD-5E2ED2C0E386}"/>
+              </a:ext>
+            </a:extLst>
+          </p:cNvPr>
+          <p:cNvSpPr>
+            <a:spLocks noGrp="1"/>
+          </p:cNvSpPr>
+          <p:nvPr>
+            <p:ph type="sldNum" sz="quarter" idx="12"/>
+          </p:nvPr>
+        </p:nvSpPr>
+        <p:spPr/>
+        <p:txBody>
+          <a:bodyPr/>
+          <a:lstStyle/>
+          <a:p>
+            <a:fld id="{526ADF51-C4A2-4521-899C-87F34FDB9C0A}" type="slidenum">
+              <a:rPr lang="ko-KR" altLang="en-US" smtClean="0"/>
+              <a:pPr/>
+              <a:t>4</a:t>
+            </a:fld>
+            <a:r>
+              <a:rPr lang="en-US" altLang="ko-KR"/>
+              <a:t>/37</a:t>
+            </a:r>
+            <a:endParaRPr lang="ko-KR" altLang="en-US" dirty="0"/>
+          </a:p>
+        </p:txBody>
+      </p:sp>
+    </p:spTree>
+    <p:extLst>
+      <p:ext uri="{BB962C8B-B14F-4D97-AF65-F5344CB8AC3E}">
+        <p14:creationId xmlns:p14="http://schemas.microsoft.com/office/powerpoint/2010/main" val="3134526642"/>
+      </p:ext>
+    </p:extLst>
+  </p:cSld>
+  <p:clrMapOvr>
+    <a:masterClrMapping/>
+  </p:clrMapOvr>
+</p:sld>
+</file>
+
+<file path=ppt/slides/slide40.xml><?xml version="1.0" encoding="utf-8"?>
+<p:sld xmlns:a="http://schemas.openxmlformats.org/drawingml/2006/main" xmlns:r="http://schemas.openxmlformats.org/officeDocument/2006/relationships" xmlns:p="http://schemas.openxmlformats.org/presentationml/2006/main">
+  <p:cSld>
+    <p:spTree>
+      <p:nvGrpSpPr>
+        <p:cNvPr id="1" name=""/>
+        <p:cNvGrpSpPr/>
+        <p:nvPr/>
+      </p:nvGrpSpPr>
+      <p:grpSpPr>
+        <a:xfrm>
+          <a:off x="0" y="0"/>
+          <a:ext cx="0" cy="0"/>
+          <a:chOff x="0" y="0"/>
+          <a:chExt cx="0" cy="0"/>
+        </a:xfrm>
+      </p:grpSpPr>
+      <p:sp>
+        <p:nvSpPr>
+          <p:cNvPr id="4" name="제목 3">
+            <a:extLst>
+              <a:ext uri="{FF2B5EF4-FFF2-40B4-BE49-F238E27FC236}">
+                <a16:creationId xmlns:a16="http://schemas.microsoft.com/office/drawing/2014/main" id="{F0CEB32B-CB43-4410-BA08-A97E4BC47FCB}"/>
+              </a:ext>
+            </a:extLst>
+          </p:cNvPr>
+          <p:cNvSpPr>
+            <a:spLocks noGrp="1"/>
+          </p:cNvSpPr>
+          <p:nvPr>
+            <p:ph type="title"/>
+          </p:nvPr>
+        </p:nvSpPr>
+        <p:spPr>
+          <a:xfrm>
+            <a:off x="539551" y="192300"/>
+            <a:ext cx="8244853" cy="576064"/>
+          </a:xfrm>
+        </p:spPr>
+        <p:txBody>
+          <a:bodyPr>
+            <a:normAutofit/>
+          </a:bodyPr>
+          <a:lstStyle/>
+          <a:p>
+            <a:r>
+              <a:rPr lang="ko-KR" altLang="en-US" dirty="0"/>
+              <a:t>오픈소스 참조</a:t>
+            </a:r>
+          </a:p>
+        </p:txBody>
+      </p:sp>
+      <p:sp>
+        <p:nvSpPr>
+          <p:cNvPr id="11" name="내용 개체 틀 2">
+            <a:extLst>
+              <a:ext uri="{FF2B5EF4-FFF2-40B4-BE49-F238E27FC236}">
+                <a16:creationId xmlns:a16="http://schemas.microsoft.com/office/drawing/2014/main" id="{A44AC902-3746-40D6-9827-94B46EEDDC67}"/>
+              </a:ext>
+            </a:extLst>
+          </p:cNvPr>
+          <p:cNvSpPr txBox="1">
+            <a:spLocks/>
+          </p:cNvSpPr>
+          <p:nvPr/>
+        </p:nvSpPr>
+        <p:spPr>
+          <a:xfrm>
+            <a:off x="341787" y="957257"/>
+            <a:ext cx="8642350" cy="5225829"/>
+          </a:xfrm>
+          <a:prstGeom prst="rect">
+            <a:avLst/>
+          </a:prstGeom>
+        </p:spPr>
+        <p:txBody>
+          <a:bodyPr vert="horz" lIns="91440" tIns="45720" rIns="91440" bIns="45720" rtlCol="0">
+            <a:noAutofit/>
+          </a:bodyPr>
+          <a:lstStyle>
+            <a:lvl1pPr marL="266700" indent="-266700" defTabSz="914400" latinLnBrk="1">
+              <a:lnSpc>
+                <a:spcPct val="150000"/>
+              </a:lnSpc>
+              <a:spcBef>
+                <a:spcPct val="0"/>
+              </a:spcBef>
+              <a:buClr>
+                <a:schemeClr val="tx1">
+                  <a:lumMod val="65000"/>
+                  <a:lumOff val="35000"/>
+                </a:schemeClr>
+              </a:buClr>
+              <a:buFont typeface="Wingdings" pitchFamily="2" charset="2"/>
+              <a:buChar char="n"/>
+              <a:defRPr sz="2000" b="1">
+                <a:latin typeface="+mn-ea"/>
+              </a:defRPr>
+            </a:lvl1pPr>
+            <a:lvl2pPr marL="447675" lvl="1" indent="-180975" defTabSz="914400" latinLnBrk="1">
+              <a:lnSpc>
+                <a:spcPct val="150000"/>
+              </a:lnSpc>
+              <a:spcBef>
+                <a:spcPts val="0"/>
+              </a:spcBef>
+              <a:spcAft>
+                <a:spcPts val="0"/>
+              </a:spcAft>
+              <a:buClr>
+                <a:schemeClr val="tx1">
+                  <a:lumMod val="50000"/>
+                  <a:lumOff val="50000"/>
+                </a:schemeClr>
+              </a:buClr>
+              <a:buFont typeface="Wingdings" pitchFamily="2" charset="2"/>
+              <a:buChar char="§"/>
+              <a:defRPr sz="1600"/>
+            </a:lvl2pPr>
+            <a:lvl3pPr marL="628650" indent="-180975" defTabSz="914400" latinLnBrk="1">
+              <a:lnSpc>
+                <a:spcPct val="150000"/>
+              </a:lnSpc>
+              <a:spcBef>
+                <a:spcPts val="500"/>
+              </a:spcBef>
+              <a:spcAft>
+                <a:spcPts val="300"/>
+              </a:spcAft>
+              <a:buClr>
+                <a:schemeClr val="tx1">
+                  <a:lumMod val="65000"/>
+                  <a:lumOff val="35000"/>
+                </a:schemeClr>
+              </a:buClr>
+              <a:buFont typeface="Arial" panose="020B0604020202020204" pitchFamily="34" charset="0"/>
+              <a:buChar char="•"/>
+              <a:defRPr sz="1400"/>
+            </a:lvl3pPr>
+            <a:lvl4pPr marL="809625" indent="-180975" defTabSz="914400" latinLnBrk="1">
+              <a:lnSpc>
+                <a:spcPct val="150000"/>
+              </a:lnSpc>
+              <a:spcBef>
+                <a:spcPts val="500"/>
+              </a:spcBef>
+              <a:spcAft>
+                <a:spcPts val="300"/>
+              </a:spcAft>
+              <a:buClr>
+                <a:schemeClr val="tx1">
+                  <a:lumMod val="65000"/>
+                  <a:lumOff val="35000"/>
+                </a:schemeClr>
+              </a:buClr>
+              <a:buSzPct val="96000"/>
+              <a:buFont typeface="Arial" panose="020B0604020202020204" pitchFamily="34" charset="0"/>
+              <a:buChar char="•"/>
+              <a:defRPr sz="1200"/>
+            </a:lvl4pPr>
+            <a:lvl5pPr marL="990600" indent="-180975" defTabSz="914400" latinLnBrk="1">
+              <a:lnSpc>
+                <a:spcPct val="150000"/>
+              </a:lnSpc>
+              <a:spcBef>
+                <a:spcPts val="500"/>
+              </a:spcBef>
+              <a:buClr>
+                <a:schemeClr val="tx1">
+                  <a:lumMod val="65000"/>
+                  <a:lumOff val="35000"/>
+                </a:schemeClr>
+              </a:buClr>
+              <a:buFont typeface="Arial" panose="020B0604020202020204" pitchFamily="34" charset="0"/>
+              <a:buChar char="•"/>
+              <a:defRPr sz="1000"/>
+            </a:lvl5pPr>
+            <a:lvl6pPr marL="2514600" indent="-228600" defTabSz="914400" latinLnBrk="1">
+              <a:lnSpc>
+                <a:spcPct val="90000"/>
+              </a:lnSpc>
+              <a:spcBef>
+                <a:spcPts val="500"/>
+              </a:spcBef>
+              <a:buFont typeface="Arial" panose="020B0604020202020204" pitchFamily="34" charset="0"/>
+              <a:buChar char="•"/>
+            </a:lvl6pPr>
+            <a:lvl7pPr marL="2971800" indent="-228600" defTabSz="914400" latinLnBrk="1">
+              <a:lnSpc>
+                <a:spcPct val="90000"/>
+              </a:lnSpc>
+              <a:spcBef>
+                <a:spcPts val="500"/>
+              </a:spcBef>
+              <a:buFont typeface="Arial" panose="020B0604020202020204" pitchFamily="34" charset="0"/>
+              <a:buChar char="•"/>
+            </a:lvl7pPr>
+            <a:lvl8pPr marL="3429000" indent="-228600" defTabSz="914400" latinLnBrk="1">
+              <a:lnSpc>
+                <a:spcPct val="90000"/>
+              </a:lnSpc>
+              <a:spcBef>
+                <a:spcPts val="500"/>
+              </a:spcBef>
+              <a:buFont typeface="Arial" panose="020B0604020202020204" pitchFamily="34" charset="0"/>
+              <a:buChar char="•"/>
+            </a:lvl8pPr>
+            <a:lvl9pPr marL="3886200" indent="-228600" defTabSz="914400" latinLnBrk="1">
+              <a:lnSpc>
+                <a:spcPct val="90000"/>
+              </a:lnSpc>
+              <a:spcBef>
+                <a:spcPts val="500"/>
+              </a:spcBef>
+              <a:buFont typeface="Arial" panose="020B0604020202020204" pitchFamily="34" charset="0"/>
+              <a:buChar char="•"/>
+            </a:lvl9pPr>
+          </a:lstStyle>
+          <a:p>
+            <a:r>
+              <a:rPr lang="ko-KR" altLang="en-US" dirty="0"/>
               <a:t>오픈소스 소개</a:t>
             </a:r>
             <a:endParaRPr lang="en-US" altLang="ko-KR" dirty="0"/>
@@ -27753,7 +31458,7 @@
             <a:fld id="{526ADF51-C4A2-4521-899C-87F34FDB9C0A}" type="slidenum">
               <a:rPr lang="ko-KR" altLang="en-US" smtClean="0"/>
               <a:pPr/>
-              <a:t>38</a:t>
+              <a:t>40</a:t>
             </a:fld>
             <a:r>
               <a:rPr lang="en-US" altLang="ko-KR"/>
@@ -27776,7 +31481,7 @@
 </p:sld>
 </file>
 
-<file path=ppt/slides/slide39.xml><?xml version="1.0" encoding="utf-8"?>
+<file path=ppt/slides/slide41.xml><?xml version="1.0" encoding="utf-8"?>
 <p:sld xmlns:a="http://schemas.openxmlformats.org/drawingml/2006/main" xmlns:r="http://schemas.openxmlformats.org/officeDocument/2006/relationships" xmlns:p="http://schemas.openxmlformats.org/presentationml/2006/main">
   <p:cSld>
     <p:spTree>
@@ -28548,7 +32253,7 @@
             <a:fld id="{526ADF51-C4A2-4521-899C-87F34FDB9C0A}" type="slidenum">
               <a:rPr lang="ko-KR" altLang="en-US" smtClean="0"/>
               <a:pPr/>
-              <a:t>39</a:t>
+              <a:t>41</a:t>
             </a:fld>
             <a:r>
               <a:rPr lang="en-US" altLang="ko-KR"/>
@@ -28562,614 +32267,6 @@
     <p:extLst>
       <p:ext uri="{BB962C8B-B14F-4D97-AF65-F5344CB8AC3E}">
         <p14:creationId xmlns:p14="http://schemas.microsoft.com/office/powerpoint/2010/main" val="284537333"/>
-      </p:ext>
-    </p:extLst>
-  </p:cSld>
-  <p:clrMapOvr>
-    <a:masterClrMapping/>
-  </p:clrMapOvr>
-</p:sld>
-</file>
-
-<file path=ppt/slides/slide4.xml><?xml version="1.0" encoding="utf-8"?>
-<p:sld xmlns:a="http://schemas.openxmlformats.org/drawingml/2006/main" xmlns:r="http://schemas.openxmlformats.org/officeDocument/2006/relationships" xmlns:p="http://schemas.openxmlformats.org/presentationml/2006/main">
-  <p:cSld>
-    <p:spTree>
-      <p:nvGrpSpPr>
-        <p:cNvPr id="1" name=""/>
-        <p:cNvGrpSpPr/>
-        <p:nvPr/>
-      </p:nvGrpSpPr>
-      <p:grpSpPr>
-        <a:xfrm>
-          <a:off x="0" y="0"/>
-          <a:ext cx="0" cy="0"/>
-          <a:chOff x="0" y="0"/>
-          <a:chExt cx="0" cy="0"/>
-        </a:xfrm>
-      </p:grpSpPr>
-      <p:pic>
-        <p:nvPicPr>
-          <p:cNvPr id="4" name="그림 3">
-            <a:extLst>
-              <a:ext uri="{FF2B5EF4-FFF2-40B4-BE49-F238E27FC236}">
-                <a16:creationId xmlns:a16="http://schemas.microsoft.com/office/drawing/2014/main" id="{F0F774BD-1722-4265-93E0-0A78341E747C}"/>
-              </a:ext>
-            </a:extLst>
-          </p:cNvPr>
-          <p:cNvPicPr>
-            <a:picLocks noChangeAspect="1"/>
-          </p:cNvPicPr>
-          <p:nvPr/>
-        </p:nvPicPr>
-        <p:blipFill>
-          <a:blip r:embed="rId3"/>
-          <a:stretch>
-            <a:fillRect/>
-          </a:stretch>
-        </p:blipFill>
-        <p:spPr>
-          <a:xfrm>
-            <a:off x="708964" y="2030212"/>
-            <a:ext cx="7931558" cy="2782727"/>
-          </a:xfrm>
-          <a:prstGeom prst="rect">
-            <a:avLst/>
-          </a:prstGeom>
-        </p:spPr>
-      </p:pic>
-      <p:sp>
-        <p:nvSpPr>
-          <p:cNvPr id="7" name="내용 개체 틀 2">
-            <a:extLst>
-              <a:ext uri="{FF2B5EF4-FFF2-40B4-BE49-F238E27FC236}">
-                <a16:creationId xmlns:a16="http://schemas.microsoft.com/office/drawing/2014/main" id="{A44AC902-3746-40D6-9827-94B46EEDDC67}"/>
-              </a:ext>
-            </a:extLst>
-          </p:cNvPr>
-          <p:cNvSpPr txBox="1">
-            <a:spLocks/>
-          </p:cNvSpPr>
-          <p:nvPr/>
-        </p:nvSpPr>
-        <p:spPr>
-          <a:xfrm>
-            <a:off x="341787" y="1120544"/>
-            <a:ext cx="8642350" cy="3883255"/>
-          </a:xfrm>
-          <a:prstGeom prst="rect">
-            <a:avLst/>
-          </a:prstGeom>
-        </p:spPr>
-        <p:txBody>
-          <a:bodyPr vert="horz" lIns="91440" tIns="45720" rIns="91440" bIns="45720" rtlCol="0">
-            <a:noAutofit/>
-          </a:bodyPr>
-          <a:lstStyle>
-            <a:lvl1pPr marL="266700" indent="-266700" defTabSz="914400" latinLnBrk="1">
-              <a:lnSpc>
-                <a:spcPct val="150000"/>
-              </a:lnSpc>
-              <a:spcBef>
-                <a:spcPct val="0"/>
-              </a:spcBef>
-              <a:buClr>
-                <a:schemeClr val="tx1">
-                  <a:lumMod val="65000"/>
-                  <a:lumOff val="35000"/>
-                </a:schemeClr>
-              </a:buClr>
-              <a:buFont typeface="Wingdings" pitchFamily="2" charset="2"/>
-              <a:buChar char="n"/>
-              <a:defRPr sz="2000" b="1">
-                <a:latin typeface="+mn-ea"/>
-              </a:defRPr>
-            </a:lvl1pPr>
-            <a:lvl2pPr marL="447675" lvl="1" indent="-180975" defTabSz="914400" latinLnBrk="1">
-              <a:lnSpc>
-                <a:spcPct val="150000"/>
-              </a:lnSpc>
-              <a:spcBef>
-                <a:spcPts val="0"/>
-              </a:spcBef>
-              <a:spcAft>
-                <a:spcPts val="0"/>
-              </a:spcAft>
-              <a:buClr>
-                <a:schemeClr val="tx1">
-                  <a:lumMod val="50000"/>
-                  <a:lumOff val="50000"/>
-                </a:schemeClr>
-              </a:buClr>
-              <a:buFont typeface="Wingdings" pitchFamily="2" charset="2"/>
-              <a:buChar char="§"/>
-              <a:defRPr sz="1600"/>
-            </a:lvl2pPr>
-            <a:lvl3pPr marL="628650" indent="-180975" defTabSz="914400" latinLnBrk="1">
-              <a:lnSpc>
-                <a:spcPct val="150000"/>
-              </a:lnSpc>
-              <a:spcBef>
-                <a:spcPts val="500"/>
-              </a:spcBef>
-              <a:spcAft>
-                <a:spcPts val="300"/>
-              </a:spcAft>
-              <a:buClr>
-                <a:schemeClr val="tx1">
-                  <a:lumMod val="65000"/>
-                  <a:lumOff val="35000"/>
-                </a:schemeClr>
-              </a:buClr>
-              <a:buFont typeface="Arial" panose="020B0604020202020204" pitchFamily="34" charset="0"/>
-              <a:buChar char="•"/>
-              <a:defRPr sz="1400"/>
-            </a:lvl3pPr>
-            <a:lvl4pPr marL="809625" indent="-180975" defTabSz="914400" latinLnBrk="1">
-              <a:lnSpc>
-                <a:spcPct val="150000"/>
-              </a:lnSpc>
-              <a:spcBef>
-                <a:spcPts val="500"/>
-              </a:spcBef>
-              <a:spcAft>
-                <a:spcPts val="300"/>
-              </a:spcAft>
-              <a:buClr>
-                <a:schemeClr val="tx1">
-                  <a:lumMod val="65000"/>
-                  <a:lumOff val="35000"/>
-                </a:schemeClr>
-              </a:buClr>
-              <a:buSzPct val="96000"/>
-              <a:buFont typeface="Arial" panose="020B0604020202020204" pitchFamily="34" charset="0"/>
-              <a:buChar char="•"/>
-              <a:defRPr sz="1200"/>
-            </a:lvl4pPr>
-            <a:lvl5pPr marL="990600" indent="-180975" defTabSz="914400" latinLnBrk="1">
-              <a:lnSpc>
-                <a:spcPct val="150000"/>
-              </a:lnSpc>
-              <a:spcBef>
-                <a:spcPts val="500"/>
-              </a:spcBef>
-              <a:buClr>
-                <a:schemeClr val="tx1">
-                  <a:lumMod val="65000"/>
-                  <a:lumOff val="35000"/>
-                </a:schemeClr>
-              </a:buClr>
-              <a:buFont typeface="Arial" panose="020B0604020202020204" pitchFamily="34" charset="0"/>
-              <a:buChar char="•"/>
-              <a:defRPr sz="1000"/>
-            </a:lvl5pPr>
-            <a:lvl6pPr marL="2514600" indent="-228600" defTabSz="914400" latinLnBrk="1">
-              <a:lnSpc>
-                <a:spcPct val="90000"/>
-              </a:lnSpc>
-              <a:spcBef>
-                <a:spcPts val="500"/>
-              </a:spcBef>
-              <a:buFont typeface="Arial" panose="020B0604020202020204" pitchFamily="34" charset="0"/>
-              <a:buChar char="•"/>
-            </a:lvl6pPr>
-            <a:lvl7pPr marL="2971800" indent="-228600" defTabSz="914400" latinLnBrk="1">
-              <a:lnSpc>
-                <a:spcPct val="90000"/>
-              </a:lnSpc>
-              <a:spcBef>
-                <a:spcPts val="500"/>
-              </a:spcBef>
-              <a:buFont typeface="Arial" panose="020B0604020202020204" pitchFamily="34" charset="0"/>
-              <a:buChar char="•"/>
-            </a:lvl7pPr>
-            <a:lvl8pPr marL="3429000" indent="-228600" defTabSz="914400" latinLnBrk="1">
-              <a:lnSpc>
-                <a:spcPct val="90000"/>
-              </a:lnSpc>
-              <a:spcBef>
-                <a:spcPts val="500"/>
-              </a:spcBef>
-              <a:buFont typeface="Arial" panose="020B0604020202020204" pitchFamily="34" charset="0"/>
-              <a:buChar char="•"/>
-            </a:lvl8pPr>
-            <a:lvl9pPr marL="3886200" indent="-228600" defTabSz="914400" latinLnBrk="1">
-              <a:lnSpc>
-                <a:spcPct val="90000"/>
-              </a:lnSpc>
-              <a:spcBef>
-                <a:spcPts val="500"/>
-              </a:spcBef>
-              <a:buFont typeface="Arial" panose="020B0604020202020204" pitchFamily="34" charset="0"/>
-              <a:buChar char="•"/>
-            </a:lvl9pPr>
-          </a:lstStyle>
-          <a:p>
-            <a:r>
-              <a:rPr lang="ko-KR" altLang="en-US" dirty="0"/>
-              <a:t>남의 원격저장소</a:t>
-            </a:r>
-            <a:r>
-              <a:rPr lang="en-US" altLang="ko-KR" dirty="0"/>
-              <a:t>(upstream)</a:t>
-            </a:r>
-            <a:r>
-              <a:rPr lang="ko-KR" altLang="en-US" dirty="0"/>
-              <a:t>를 나의 원격저장소로 복제하기</a:t>
-            </a:r>
-            <a:r>
-              <a:rPr lang="en-US" altLang="ko-KR" dirty="0"/>
-              <a:t>(fork)</a:t>
-            </a:r>
-          </a:p>
-          <a:p>
-            <a:pPr lvl="1"/>
-            <a:r>
-              <a:rPr lang="en-US" altLang="ko-KR" dirty="0" err="1">
-                <a:latin typeface="+mn-ea"/>
-              </a:rPr>
-              <a:t>paichaisw</a:t>
-            </a:r>
-            <a:r>
-              <a:rPr lang="en-US" altLang="ko-KR" dirty="0">
-                <a:latin typeface="+mn-ea"/>
-              </a:rPr>
-              <a:t>/</a:t>
-            </a:r>
-            <a:r>
-              <a:rPr lang="en-US" altLang="ko-KR" dirty="0" err="1">
-                <a:latin typeface="+mn-ea"/>
-              </a:rPr>
-              <a:t>daniel-hw</a:t>
-            </a:r>
-            <a:r>
-              <a:rPr lang="en-US" altLang="ko-KR" dirty="0">
-                <a:latin typeface="+mn-ea"/>
-              </a:rPr>
-              <a:t> </a:t>
-            </a:r>
-            <a:r>
-              <a:rPr lang="ko-KR" altLang="en-US" dirty="0">
-                <a:latin typeface="+mn-ea"/>
-              </a:rPr>
-              <a:t>화면</a:t>
-            </a:r>
-            <a:endParaRPr lang="en-US" altLang="ko-KR" dirty="0">
-              <a:latin typeface="+mn-ea"/>
-            </a:endParaRPr>
-          </a:p>
-          <a:p>
-            <a:pPr lvl="1"/>
-            <a:endParaRPr lang="en-US" altLang="ko-KR" dirty="0">
-              <a:latin typeface="+mn-ea"/>
-            </a:endParaRPr>
-          </a:p>
-          <a:p>
-            <a:pPr lvl="1"/>
-            <a:endParaRPr lang="en-US" altLang="ko-KR" dirty="0">
-              <a:latin typeface="+mn-ea"/>
-            </a:endParaRPr>
-          </a:p>
-          <a:p>
-            <a:pPr lvl="1"/>
-            <a:endParaRPr lang="en-US" altLang="ko-KR" dirty="0">
-              <a:latin typeface="+mn-ea"/>
-            </a:endParaRPr>
-          </a:p>
-          <a:p>
-            <a:pPr lvl="1"/>
-            <a:endParaRPr lang="en-US" altLang="ko-KR" dirty="0">
-              <a:latin typeface="+mn-ea"/>
-            </a:endParaRPr>
-          </a:p>
-          <a:p>
-            <a:pPr marL="266700" lvl="1" indent="0">
-              <a:buNone/>
-            </a:pPr>
-            <a:endParaRPr lang="en-US" altLang="ko-KR" dirty="0">
-              <a:latin typeface="+mn-ea"/>
-            </a:endParaRPr>
-          </a:p>
-          <a:p>
-            <a:pPr marL="266700" lvl="1" indent="0">
-              <a:buNone/>
-            </a:pPr>
-            <a:endParaRPr lang="en-US" altLang="ko-KR" dirty="0">
-              <a:latin typeface="+mn-ea"/>
-            </a:endParaRPr>
-          </a:p>
-          <a:p>
-            <a:pPr marL="266700" lvl="1" indent="0">
-              <a:buNone/>
-            </a:pPr>
-            <a:r>
-              <a:rPr lang="en-US" altLang="ko-KR" dirty="0">
-                <a:latin typeface="+mn-ea"/>
-              </a:rPr>
-              <a:t>  </a:t>
-            </a:r>
-          </a:p>
-          <a:p>
-            <a:pPr marL="266700" lvl="1" indent="0">
-              <a:buNone/>
-            </a:pPr>
-            <a:endParaRPr lang="en-US" altLang="ko-KR" dirty="0">
-              <a:latin typeface="+mn-ea"/>
-            </a:endParaRPr>
-          </a:p>
-          <a:p>
-            <a:pPr lvl="1"/>
-            <a:r>
-              <a:rPr lang="en-US" altLang="ko-KR" dirty="0">
-                <a:latin typeface="+mn-ea"/>
-              </a:rPr>
-              <a:t>Fork </a:t>
-            </a:r>
-            <a:r>
-              <a:rPr lang="ko-KR" altLang="en-US" dirty="0">
-                <a:latin typeface="+mn-ea"/>
-              </a:rPr>
-              <a:t>클릭</a:t>
-            </a:r>
-            <a:endParaRPr lang="en-US" altLang="ko-KR" dirty="0">
-              <a:latin typeface="+mn-ea"/>
-            </a:endParaRPr>
-          </a:p>
-          <a:p>
-            <a:pPr marL="266700" lvl="1" indent="0">
-              <a:buNone/>
-            </a:pPr>
-            <a:r>
-              <a:rPr lang="en-US" altLang="ko-KR" dirty="0">
-                <a:latin typeface="+mn-ea"/>
-              </a:rPr>
-              <a:t>  - </a:t>
-            </a:r>
-            <a:r>
-              <a:rPr lang="ko-KR" altLang="en-US" dirty="0">
-                <a:latin typeface="+mn-ea"/>
-              </a:rPr>
-              <a:t>클릭하자마자 곧 바로 나의 원격저장소에 복사 시작됨</a:t>
-            </a:r>
-            <a:endParaRPr lang="en-US" altLang="ko-KR" dirty="0">
-              <a:latin typeface="+mn-ea"/>
-            </a:endParaRPr>
-          </a:p>
-        </p:txBody>
-      </p:sp>
-      <p:sp>
-        <p:nvSpPr>
-          <p:cNvPr id="12" name="직사각형 11">
-            <a:extLst>
-              <a:ext uri="{FF2B5EF4-FFF2-40B4-BE49-F238E27FC236}">
-                <a16:creationId xmlns:a16="http://schemas.microsoft.com/office/drawing/2014/main" id="{D016F6C0-103E-4F67-8F59-3C6A668F1283}"/>
-              </a:ext>
-            </a:extLst>
-          </p:cNvPr>
-          <p:cNvSpPr/>
-          <p:nvPr/>
-        </p:nvSpPr>
-        <p:spPr>
-          <a:xfrm>
-            <a:off x="7767798" y="2599708"/>
-            <a:ext cx="508010" cy="213023"/>
-          </a:xfrm>
-          <a:prstGeom prst="rect">
-            <a:avLst/>
-          </a:prstGeom>
-          <a:noFill/>
-          <a:ln w="28575">
-            <a:solidFill>
-              <a:srgbClr val="FF0000"/>
-            </a:solidFill>
-          </a:ln>
-        </p:spPr>
-        <p:style>
-          <a:lnRef idx="2">
-            <a:schemeClr val="accent1">
-              <a:shade val="50000"/>
-            </a:schemeClr>
-          </a:lnRef>
-          <a:fillRef idx="1">
-            <a:schemeClr val="accent1"/>
-          </a:fillRef>
-          <a:effectRef idx="0">
-            <a:schemeClr val="accent1"/>
-          </a:effectRef>
-          <a:fontRef idx="minor">
-            <a:schemeClr val="lt1"/>
-          </a:fontRef>
-        </p:style>
-        <p:txBody>
-          <a:bodyPr rtlCol="0" anchor="ctr"/>
-          <a:lstStyle/>
-          <a:p>
-            <a:endParaRPr lang="ko-KR" altLang="en-US" b="1" dirty="0">
-              <a:solidFill>
-                <a:srgbClr val="FF0000"/>
-              </a:solidFill>
-            </a:endParaRPr>
-          </a:p>
-        </p:txBody>
-      </p:sp>
-      <p:sp>
-        <p:nvSpPr>
-          <p:cNvPr id="17" name="직사각형 16">
-            <a:extLst>
-              <a:ext uri="{FF2B5EF4-FFF2-40B4-BE49-F238E27FC236}">
-                <a16:creationId xmlns:a16="http://schemas.microsoft.com/office/drawing/2014/main" id="{F7C73F28-D263-4045-ABBE-1AD64C65C6AB}"/>
-              </a:ext>
-            </a:extLst>
-          </p:cNvPr>
-          <p:cNvSpPr/>
-          <p:nvPr/>
-        </p:nvSpPr>
-        <p:spPr>
-          <a:xfrm>
-            <a:off x="1081817" y="2602351"/>
-            <a:ext cx="1592403" cy="229994"/>
-          </a:xfrm>
-          <a:prstGeom prst="rect">
-            <a:avLst/>
-          </a:prstGeom>
-          <a:noFill/>
-          <a:ln w="28575">
-            <a:solidFill>
-              <a:srgbClr val="FF0000"/>
-            </a:solidFill>
-          </a:ln>
-        </p:spPr>
-        <p:style>
-          <a:lnRef idx="2">
-            <a:schemeClr val="accent1">
-              <a:shade val="50000"/>
-            </a:schemeClr>
-          </a:lnRef>
-          <a:fillRef idx="1">
-            <a:schemeClr val="accent1"/>
-          </a:fillRef>
-          <a:effectRef idx="0">
-            <a:schemeClr val="accent1"/>
-          </a:effectRef>
-          <a:fontRef idx="minor">
-            <a:schemeClr val="lt1"/>
-          </a:fontRef>
-        </p:style>
-        <p:txBody>
-          <a:bodyPr rtlCol="0" anchor="ctr"/>
-          <a:lstStyle/>
-          <a:p>
-            <a:endParaRPr lang="ko-KR" altLang="en-US" b="1" dirty="0">
-              <a:solidFill>
-                <a:srgbClr val="FF0000"/>
-              </a:solidFill>
-            </a:endParaRPr>
-          </a:p>
-        </p:txBody>
-      </p:sp>
-      <p:cxnSp>
-        <p:nvCxnSpPr>
-          <p:cNvPr id="32" name="직선 화살표 연결선 31">
-            <a:extLst>
-              <a:ext uri="{FF2B5EF4-FFF2-40B4-BE49-F238E27FC236}">
-                <a16:creationId xmlns:a16="http://schemas.microsoft.com/office/drawing/2014/main" id="{D5A5DF10-72B7-4888-8DE8-C9F08F9537CE}"/>
-              </a:ext>
-            </a:extLst>
-          </p:cNvPr>
-          <p:cNvCxnSpPr>
-            <a:cxnSpLocks/>
-          </p:cNvCxnSpPr>
-          <p:nvPr/>
-        </p:nvCxnSpPr>
-        <p:spPr>
-          <a:xfrm flipV="1">
-            <a:off x="1787702" y="2832345"/>
-            <a:ext cx="5980096" cy="2266884"/>
-          </a:xfrm>
-          <a:prstGeom prst="straightConnector1">
-            <a:avLst/>
-          </a:prstGeom>
-          <a:ln w="25400">
-            <a:solidFill>
-              <a:schemeClr val="accent1">
-                <a:lumMod val="60000"/>
-                <a:lumOff val="40000"/>
-              </a:schemeClr>
-            </a:solidFill>
-            <a:tailEnd type="triangle"/>
-          </a:ln>
-        </p:spPr>
-        <p:style>
-          <a:lnRef idx="1">
-            <a:schemeClr val="accent1"/>
-          </a:lnRef>
-          <a:fillRef idx="0">
-            <a:schemeClr val="accent1"/>
-          </a:fillRef>
-          <a:effectRef idx="0">
-            <a:schemeClr val="accent1"/>
-          </a:effectRef>
-          <a:fontRef idx="minor">
-            <a:schemeClr val="tx1"/>
-          </a:fontRef>
-        </p:style>
-      </p:cxnSp>
-      <p:sp>
-        <p:nvSpPr>
-          <p:cNvPr id="16" name="제목 3">
-            <a:extLst>
-              <a:ext uri="{FF2B5EF4-FFF2-40B4-BE49-F238E27FC236}">
-                <a16:creationId xmlns:a16="http://schemas.microsoft.com/office/drawing/2014/main" id="{E2121789-1822-4DD9-8CD2-88DC05740951}"/>
-              </a:ext>
-            </a:extLst>
-          </p:cNvPr>
-          <p:cNvSpPr>
-            <a:spLocks noGrp="1"/>
-          </p:cNvSpPr>
-          <p:nvPr>
-            <p:ph type="title"/>
-          </p:nvPr>
-        </p:nvSpPr>
-        <p:spPr>
-          <a:xfrm>
-            <a:off x="539551" y="192300"/>
-            <a:ext cx="7272113" cy="576064"/>
-          </a:xfrm>
-        </p:spPr>
-        <p:txBody>
-          <a:bodyPr/>
-          <a:lstStyle/>
-          <a:p>
-            <a:r>
-              <a:rPr lang="ko-KR" altLang="en-US" dirty="0"/>
-              <a:t>남의 원격저장소를 나의 원격저장소에 복제하기 </a:t>
-            </a:r>
-            <a:r>
-              <a:rPr lang="en-US" altLang="ko-KR" dirty="0"/>
-              <a:t>(fork)</a:t>
-            </a:r>
-            <a:endParaRPr lang="ko-KR" altLang="en-US" dirty="0"/>
-          </a:p>
-        </p:txBody>
-      </p:sp>
-      <p:sp>
-        <p:nvSpPr>
-          <p:cNvPr id="2" name="슬라이드 번호 개체 틀 1">
-            <a:extLst>
-              <a:ext uri="{FF2B5EF4-FFF2-40B4-BE49-F238E27FC236}">
-                <a16:creationId xmlns:a16="http://schemas.microsoft.com/office/drawing/2014/main" id="{C7723EF2-0803-4C00-82FD-5E2ED2C0E386}"/>
-              </a:ext>
-            </a:extLst>
-          </p:cNvPr>
-          <p:cNvSpPr>
-            <a:spLocks noGrp="1"/>
-          </p:cNvSpPr>
-          <p:nvPr>
-            <p:ph type="sldNum" sz="quarter" idx="12"/>
-          </p:nvPr>
-        </p:nvSpPr>
-        <p:spPr/>
-        <p:txBody>
-          <a:bodyPr/>
-          <a:lstStyle/>
-          <a:p>
-            <a:fld id="{526ADF51-C4A2-4521-899C-87F34FDB9C0A}" type="slidenum">
-              <a:rPr lang="ko-KR" altLang="en-US" smtClean="0"/>
-              <a:pPr/>
-              <a:t>4</a:t>
-            </a:fld>
-            <a:r>
-              <a:rPr lang="en-US" altLang="ko-KR"/>
-              <a:t>/37</a:t>
-            </a:r>
-            <a:endParaRPr lang="ko-KR" altLang="en-US" dirty="0"/>
-          </a:p>
-        </p:txBody>
-      </p:sp>
-    </p:spTree>
-    <p:extLst>
-      <p:ext uri="{BB962C8B-B14F-4D97-AF65-F5344CB8AC3E}">
-        <p14:creationId xmlns:p14="http://schemas.microsoft.com/office/powerpoint/2010/main" val="3134526642"/>
       </p:ext>
     </p:extLst>
   </p:cSld>

--- a/git및github첫걸음3-forkclonePR.pptx
+++ b/git및github첫걸음3-forkclonePR.pptx
@@ -5,7 +5,7 @@
     <p:sldMasterId id="2147483660" r:id="rId1"/>
   </p:sldMasterIdLst>
   <p:notesMasterIdLst>
-    <p:notesMasterId r:id="rId50"/>
+    <p:notesMasterId r:id="rId49"/>
   </p:notesMasterIdLst>
   <p:sldIdLst>
     <p:sldId id="369" r:id="rId2"/>
@@ -52,10 +52,9 @@
     <p:sldId id="492" r:id="rId43"/>
     <p:sldId id="491" r:id="rId44"/>
     <p:sldId id="493" r:id="rId45"/>
-    <p:sldId id="485" r:id="rId46"/>
-    <p:sldId id="476" r:id="rId47"/>
-    <p:sldId id="480" r:id="rId48"/>
-    <p:sldId id="479" r:id="rId49"/>
+    <p:sldId id="476" r:id="rId46"/>
+    <p:sldId id="480" r:id="rId47"/>
+    <p:sldId id="479" r:id="rId48"/>
   </p:sldIdLst>
   <p:sldSz cx="9144000" cy="6858000" type="screen4x3"/>
   <p:notesSz cx="6858000" cy="9144000"/>
@@ -4859,6 +4858,14 @@
           <a:bodyPr/>
           <a:lstStyle/>
           <a:p>
+            <a:r>
+              <a:rPr lang="ko-KR" altLang="en-US" dirty="0"/>
+              <a:t>참조 </a:t>
+            </a:r>
+            <a:r>
+              <a:rPr lang="en-US" altLang="ko-KR" dirty="0"/>
+              <a:t>: https://opensource.com/article/19/7/create-pull-request-github</a:t>
+            </a:r>
             <a:endParaRPr lang="ko-KR" altLang="en-US" dirty="0"/>
           </a:p>
         </p:txBody>
@@ -4889,7 +4896,7 @@
     </p:spTree>
     <p:extLst>
       <p:ext uri="{BB962C8B-B14F-4D97-AF65-F5344CB8AC3E}">
-        <p14:creationId xmlns:p14="http://schemas.microsoft.com/office/powerpoint/2010/main" val="799643044"/>
+        <p14:creationId xmlns:p14="http://schemas.microsoft.com/office/powerpoint/2010/main" val="3921415717"/>
       </p:ext>
     </p:extLst>
   </p:cSld>
@@ -4943,14 +4950,6 @@
           <a:bodyPr/>
           <a:lstStyle/>
           <a:p>
-            <a:r>
-              <a:rPr lang="ko-KR" altLang="en-US" dirty="0"/>
-              <a:t>참조 </a:t>
-            </a:r>
-            <a:r>
-              <a:rPr lang="en-US" altLang="ko-KR" dirty="0"/>
-              <a:t>: https://opensource.com/article/19/7/create-pull-request-github</a:t>
-            </a:r>
             <a:endParaRPr lang="ko-KR" altLang="en-US" dirty="0"/>
           </a:p>
         </p:txBody>
@@ -4981,7 +4980,7 @@
     </p:spTree>
     <p:extLst>
       <p:ext uri="{BB962C8B-B14F-4D97-AF65-F5344CB8AC3E}">
-        <p14:creationId xmlns:p14="http://schemas.microsoft.com/office/powerpoint/2010/main" val="3921415717"/>
+        <p14:creationId xmlns:p14="http://schemas.microsoft.com/office/powerpoint/2010/main" val="643792404"/>
       </p:ext>
     </p:extLst>
   </p:cSld>
@@ -5057,90 +5056,6 @@
             <a:fld id="{625D4AC4-540A-4436-887D-BF6A8FCF1275}" type="slidenum">
               <a:rPr lang="ko-KR" altLang="en-US" smtClean="0"/>
               <a:t>47</a:t>
-            </a:fld>
-            <a:endParaRPr lang="ko-KR" altLang="en-US"/>
-          </a:p>
-        </p:txBody>
-      </p:sp>
-    </p:spTree>
-    <p:extLst>
-      <p:ext uri="{BB962C8B-B14F-4D97-AF65-F5344CB8AC3E}">
-        <p14:creationId xmlns:p14="http://schemas.microsoft.com/office/powerpoint/2010/main" val="643792404"/>
-      </p:ext>
-    </p:extLst>
-  </p:cSld>
-  <p:clrMapOvr>
-    <a:masterClrMapping/>
-  </p:clrMapOvr>
-</p:notes>
-</file>
-
-<file path=ppt/notesSlides/notesSlide47.xml><?xml version="1.0" encoding="utf-8"?>
-<p:notes xmlns:a="http://schemas.openxmlformats.org/drawingml/2006/main" xmlns:r="http://schemas.openxmlformats.org/officeDocument/2006/relationships" xmlns:p="http://schemas.openxmlformats.org/presentationml/2006/main">
-  <p:cSld>
-    <p:spTree>
-      <p:nvGrpSpPr>
-        <p:cNvPr id="1" name=""/>
-        <p:cNvGrpSpPr/>
-        <p:nvPr/>
-      </p:nvGrpSpPr>
-      <p:grpSpPr>
-        <a:xfrm>
-          <a:off x="0" y="0"/>
-          <a:ext cx="0" cy="0"/>
-          <a:chOff x="0" y="0"/>
-          <a:chExt cx="0" cy="0"/>
-        </a:xfrm>
-      </p:grpSpPr>
-      <p:sp>
-        <p:nvSpPr>
-          <p:cNvPr id="2" name="슬라이드 이미지 개체 틀 1"/>
-          <p:cNvSpPr>
-            <a:spLocks noGrp="1" noRot="1" noChangeAspect="1"/>
-          </p:cNvSpPr>
-          <p:nvPr>
-            <p:ph type="sldImg"/>
-          </p:nvPr>
-        </p:nvSpPr>
-        <p:spPr/>
-      </p:sp>
-      <p:sp>
-        <p:nvSpPr>
-          <p:cNvPr id="3" name="슬라이드 노트 개체 틀 2"/>
-          <p:cNvSpPr>
-            <a:spLocks noGrp="1"/>
-          </p:cNvSpPr>
-          <p:nvPr>
-            <p:ph type="body" idx="1"/>
-          </p:nvPr>
-        </p:nvSpPr>
-        <p:spPr/>
-        <p:txBody>
-          <a:bodyPr/>
-          <a:lstStyle/>
-          <a:p>
-            <a:endParaRPr lang="ko-KR" altLang="en-US" dirty="0"/>
-          </a:p>
-        </p:txBody>
-      </p:sp>
-      <p:sp>
-        <p:nvSpPr>
-          <p:cNvPr id="4" name="슬라이드 번호 개체 틀 3"/>
-          <p:cNvSpPr>
-            <a:spLocks noGrp="1"/>
-          </p:cNvSpPr>
-          <p:nvPr>
-            <p:ph type="sldNum" sz="quarter" idx="10"/>
-          </p:nvPr>
-        </p:nvSpPr>
-        <p:spPr/>
-        <p:txBody>
-          <a:bodyPr/>
-          <a:lstStyle/>
-          <a:p>
-            <a:fld id="{625D4AC4-540A-4436-887D-BF6A8FCF1275}" type="slidenum">
-              <a:rPr lang="ko-KR" altLang="en-US" smtClean="0"/>
-              <a:t>48</a:t>
             </a:fld>
             <a:endParaRPr lang="ko-KR" altLang="en-US"/>
           </a:p>
@@ -6048,7 +5963,7 @@
             </a:fld>
             <a:r>
               <a:rPr lang="en-US" altLang="ko-KR" dirty="0"/>
-              <a:t>/46</a:t>
+              <a:t>/45</a:t>
             </a:r>
             <a:endParaRPr lang="ko-KR" altLang="en-US" dirty="0"/>
           </a:p>
@@ -6866,6 +6781,35 @@
           </a:prstGeom>
         </p:spPr>
       </p:pic>
+      <p:sp>
+        <p:nvSpPr>
+          <p:cNvPr id="2" name="슬라이드 번호 개체 틀 1">
+            <a:extLst>
+              <a:ext uri="{FF2B5EF4-FFF2-40B4-BE49-F238E27FC236}">
+                <a16:creationId xmlns:a16="http://schemas.microsoft.com/office/drawing/2014/main" id="{698286EB-201F-4677-BCD0-C157CD4A40D8}"/>
+              </a:ext>
+            </a:extLst>
+          </p:cNvPr>
+          <p:cNvSpPr>
+            <a:spLocks noGrp="1"/>
+          </p:cNvSpPr>
+          <p:nvPr>
+            <p:ph type="sldNum" sz="quarter" idx="12"/>
+          </p:nvPr>
+        </p:nvSpPr>
+        <p:spPr/>
+        <p:txBody>
+          <a:bodyPr/>
+          <a:lstStyle/>
+          <a:p>
+            <a:fld id="{526ADF51-C4A2-4521-899C-87F34FDB9C0A}" type="slidenum">
+              <a:rPr lang="ko-KR" altLang="en-US" smtClean="0"/>
+              <a:t>1</a:t>
+            </a:fld>
+            <a:endParaRPr lang="ko-KR" altLang="en-US"/>
+          </a:p>
+        </p:txBody>
+      </p:sp>
     </p:spTree>
     <p:extLst>
       <p:ext uri="{BB962C8B-B14F-4D97-AF65-F5344CB8AC3E}">
@@ -33481,10 +33425,10 @@
       </p:sp>
       <p:sp>
         <p:nvSpPr>
-          <p:cNvPr id="2" name="슬라이드 번호 개체 틀 1">
+          <p:cNvPr id="3" name="슬라이드 번호 개체 틀 2">
             <a:extLst>
               <a:ext uri="{FF2B5EF4-FFF2-40B4-BE49-F238E27FC236}">
-                <a16:creationId xmlns:a16="http://schemas.microsoft.com/office/drawing/2014/main" id="{7493F549-F94F-4E10-88B0-683DA31109AB}"/>
+                <a16:creationId xmlns:a16="http://schemas.microsoft.com/office/drawing/2014/main" id="{57394F24-8F04-446A-A2ED-C05CEAF35BFA}"/>
               </a:ext>
             </a:extLst>
           </p:cNvPr>
@@ -33507,7 +33451,7 @@
             </a:fld>
             <a:r>
               <a:rPr lang="en-US" altLang="ko-KR"/>
-              <a:t>/46</a:t>
+              <a:t>/45</a:t>
             </a:r>
             <a:endParaRPr lang="ko-KR" altLang="en-US" dirty="0"/>
           </a:p>
@@ -36627,8 +36571,8 @@
         </p:nvSpPr>
         <p:spPr>
           <a:xfrm>
-            <a:off x="341787" y="1120544"/>
-            <a:ext cx="8642350" cy="3883255"/>
+            <a:off x="341787" y="1120545"/>
+            <a:ext cx="8642350" cy="1417394"/>
           </a:xfrm>
           <a:prstGeom prst="rect">
             <a:avLst/>
@@ -36779,30 +36723,60 @@
           </a:lstStyle>
           <a:p>
             <a:r>
+              <a:rPr lang="en-US" altLang="ko-KR" dirty="0">
+                <a:latin typeface="+mn-ea"/>
+              </a:rPr>
+              <a:t>Fork</a:t>
+            </a:r>
+            <a:r>
+              <a:rPr lang="ko-KR" altLang="en-US" dirty="0"/>
+              <a:t>하는 방식으로 해서 </a:t>
+            </a:r>
+            <a:r>
               <a:rPr lang="en-US" altLang="ko-KR" dirty="0"/>
-              <a:t>Upstream</a:t>
+              <a:t>3</a:t>
             </a:r>
             <a:r>
               <a:rPr lang="ko-KR" altLang="en-US" dirty="0"/>
-              <a:t> </a:t>
+              <a:t>군데 내용을 일치시키면 안되나</a:t>
             </a:r>
             <a:r>
               <a:rPr lang="en-US" altLang="ko-KR" dirty="0"/>
-              <a:t>=</a:t>
-            </a:r>
-            <a:r>
-              <a:rPr lang="ko-KR" altLang="en-US" dirty="0"/>
-              <a:t> 로컬저장소 </a:t>
-            </a:r>
-            <a:r>
-              <a:rPr lang="en-US" altLang="ko-KR" dirty="0"/>
-              <a:t>= origin</a:t>
-            </a:r>
-            <a:r>
-              <a:rPr lang="ko-KR" altLang="en-US" dirty="0"/>
-              <a:t> 일치시키기</a:t>
-            </a:r>
-            <a:endParaRPr lang="en-US" altLang="ko-KR" dirty="0"/>
+              <a:t>?</a:t>
+            </a:r>
+          </a:p>
+          <a:p>
+            <a:pPr marL="466725" lvl="1" indent="-201613"/>
+            <a:r>
+              <a:rPr lang="en-US" altLang="ko-KR" dirty="0">
+                <a:latin typeface="+mn-ea"/>
+              </a:rPr>
+              <a:t>Fork</a:t>
+            </a:r>
+            <a:r>
+              <a:rPr lang="ko-KR" altLang="en-US" dirty="0">
+                <a:latin typeface="+mn-ea"/>
+              </a:rPr>
+              <a:t>를 시도해 보면 → </a:t>
+            </a:r>
+            <a:r>
+              <a:rPr lang="en-US" altLang="ko-KR" dirty="0">
+                <a:latin typeface="+mn-ea"/>
+              </a:rPr>
+              <a:t>you’ve already forked !  </a:t>
+            </a:r>
+            <a:r>
+              <a:rPr lang="ko-KR" altLang="en-US" dirty="0">
+                <a:latin typeface="+mn-ea"/>
+              </a:rPr>
+              <a:t>메시지 발생함</a:t>
+            </a:r>
+            <a:r>
+              <a:rPr lang="en-US" altLang="ko-KR" dirty="0">
+                <a:latin typeface="+mn-ea"/>
+              </a:rPr>
+              <a:t>.</a:t>
+            </a:r>
           </a:p>
           <a:p>
             <a:pPr lvl="1"/>
@@ -36810,159 +36784,50 @@
               <a:rPr lang="ko-KR" altLang="en-US" dirty="0">
                 <a:latin typeface="+mn-ea"/>
               </a:rPr>
-              <a:t>원격과 로컬 </a:t>
+              <a:t>이미 </a:t>
             </a:r>
             <a:r>
               <a:rPr lang="en-US" altLang="ko-KR" dirty="0">
                 <a:latin typeface="+mn-ea"/>
               </a:rPr>
-              <a:t>main</a:t>
+              <a:t>Fork</a:t>
             </a:r>
             <a:r>
               <a:rPr lang="ko-KR" altLang="en-US" dirty="0">
                 <a:latin typeface="+mn-ea"/>
               </a:rPr>
-              <a:t>은 고치지 않고 </a:t>
+              <a:t>된 </a:t>
             </a:r>
             <a:r>
               <a:rPr lang="en-US" altLang="ko-KR" dirty="0">
                 <a:latin typeface="+mn-ea"/>
               </a:rPr>
-              <a:t>branch</a:t>
+              <a:t>repo</a:t>
             </a:r>
             <a:r>
               <a:rPr lang="ko-KR" altLang="en-US" dirty="0">
                 <a:latin typeface="+mn-ea"/>
               </a:rPr>
-              <a:t>만 이용하였기 때문에 </a:t>
-            </a:r>
-            <a:endParaRPr lang="en-US" altLang="ko-KR" dirty="0">
-              <a:latin typeface="+mn-ea"/>
-            </a:endParaRPr>
-          </a:p>
-          <a:p>
-            <a:pPr marL="266700" lvl="1" indent="0">
-              <a:buNone/>
-            </a:pPr>
+              <a:t>에는 덮어쓰기가 안 됨</a:t>
+            </a:r>
             <a:r>
               <a:rPr lang="en-US" altLang="ko-KR" dirty="0">
                 <a:latin typeface="+mn-ea"/>
               </a:rPr>
-              <a:t>   </a:t>
+              <a:t>. </a:t>
             </a:r>
             <a:r>
               <a:rPr lang="ko-KR" altLang="en-US" dirty="0">
                 <a:latin typeface="+mn-ea"/>
               </a:rPr>
-              <a:t>로컬과 </a:t>
+              <a:t>따라서 이 방식으로는 안됨</a:t>
             </a:r>
             <a:r>
               <a:rPr lang="en-US" altLang="ko-KR" dirty="0">
                 <a:latin typeface="+mn-ea"/>
               </a:rPr>
-              <a:t>origin</a:t>
-            </a:r>
-            <a:r>
-              <a:rPr lang="ko-KR" altLang="en-US" dirty="0">
-                <a:latin typeface="+mn-ea"/>
-              </a:rPr>
-              <a:t>의 </a:t>
-            </a:r>
-            <a:r>
-              <a:rPr lang="en-US" altLang="ko-KR" dirty="0">
-                <a:latin typeface="+mn-ea"/>
-              </a:rPr>
-              <a:t>main</a:t>
-            </a:r>
-            <a:r>
-              <a:rPr lang="ko-KR" altLang="en-US" dirty="0">
-                <a:latin typeface="+mn-ea"/>
-              </a:rPr>
-              <a:t>을 수정된 </a:t>
-            </a:r>
-            <a:r>
-              <a:rPr lang="en-US" altLang="ko-KR" dirty="0">
-                <a:latin typeface="+mn-ea"/>
-              </a:rPr>
-              <a:t>upstream</a:t>
-            </a:r>
-            <a:r>
-              <a:rPr lang="ko-KR" altLang="en-US" dirty="0">
-                <a:latin typeface="+mn-ea"/>
-              </a:rPr>
-              <a:t>과 일치시킴</a:t>
-            </a:r>
-            <a:endParaRPr lang="en-US" altLang="ko-KR" dirty="0">
-              <a:latin typeface="+mn-ea"/>
-            </a:endParaRPr>
-          </a:p>
-          <a:p>
-            <a:pPr lvl="1"/>
-            <a:r>
-              <a:rPr lang="ko-KR" altLang="en-US" dirty="0">
-                <a:latin typeface="+mn-ea"/>
-              </a:rPr>
-              <a:t>내용을 일치시키고 사용된 작업 </a:t>
-            </a:r>
-            <a:r>
-              <a:rPr lang="ko-KR" altLang="en-US" dirty="0" err="1">
-                <a:latin typeface="+mn-ea"/>
-              </a:rPr>
-              <a:t>브랜치</a:t>
-            </a:r>
-            <a:r>
-              <a:rPr lang="ko-KR" altLang="en-US" dirty="0">
-                <a:latin typeface="+mn-ea"/>
-              </a:rPr>
-              <a:t> </a:t>
-            </a:r>
-            <a:r>
-              <a:rPr lang="en-US" altLang="ko-KR" dirty="0">
-                <a:latin typeface="+mn-ea"/>
-              </a:rPr>
-              <a:t>(develop </a:t>
-            </a:r>
-            <a:r>
-              <a:rPr lang="ko-KR" altLang="en-US" dirty="0" err="1">
-                <a:latin typeface="+mn-ea"/>
-              </a:rPr>
-              <a:t>브랜치</a:t>
-            </a:r>
-            <a:r>
-              <a:rPr lang="en-US" altLang="ko-KR" dirty="0">
-                <a:latin typeface="+mn-ea"/>
-              </a:rPr>
-              <a:t>)</a:t>
-            </a:r>
-            <a:r>
-              <a:rPr lang="ko-KR" altLang="en-US" dirty="0">
-                <a:latin typeface="+mn-ea"/>
-              </a:rPr>
-              <a:t>를 삭제</a:t>
-            </a:r>
-            <a:endParaRPr lang="en-US" altLang="ko-KR" dirty="0">
-              <a:latin typeface="+mn-ea"/>
-            </a:endParaRPr>
-          </a:p>
-          <a:p>
-            <a:pPr marL="266700" lvl="1" indent="0">
-              <a:buNone/>
-            </a:pPr>
-            <a:endParaRPr lang="en-US" altLang="ko-KR" dirty="0">
-              <a:latin typeface="+mn-ea"/>
-            </a:endParaRPr>
-          </a:p>
-          <a:p>
-            <a:pPr lvl="1"/>
-            <a:endParaRPr lang="en-US" altLang="ko-KR" dirty="0">
-              <a:latin typeface="+mn-ea"/>
-            </a:endParaRPr>
-          </a:p>
-          <a:p>
-            <a:pPr lvl="1"/>
-            <a:endParaRPr lang="en-US" altLang="ko-KR" dirty="0">
-              <a:latin typeface="+mn-ea"/>
-            </a:endParaRPr>
+              <a:t>.</a:t>
+            </a:r>
           </a:p>
           <a:p>
             <a:pPr marL="266700" lvl="1" indent="0">
@@ -37048,6 +36913,110 @@
           </a:p>
         </p:txBody>
       </p:sp>
+      <p:sp>
+        <p:nvSpPr>
+          <p:cNvPr id="21" name="굽은 화살표 4">
+            <a:extLst>
+              <a:ext uri="{FF2B5EF4-FFF2-40B4-BE49-F238E27FC236}">
+                <a16:creationId xmlns:a16="http://schemas.microsoft.com/office/drawing/2014/main" id="{981FE439-FC48-4D78-B811-9C06D3F42FA4}"/>
+              </a:ext>
+            </a:extLst>
+          </p:cNvPr>
+          <p:cNvSpPr/>
+          <p:nvPr/>
+        </p:nvSpPr>
+        <p:spPr>
+          <a:xfrm rot="5400000">
+            <a:off x="3435897" y="2525466"/>
+            <a:ext cx="1050314" cy="2829447"/>
+          </a:xfrm>
+          <a:prstGeom prst="bentArrow">
+            <a:avLst>
+              <a:gd name="adj1" fmla="val 6679"/>
+              <a:gd name="adj2" fmla="val 8397"/>
+              <a:gd name="adj3" fmla="val 12023"/>
+              <a:gd name="adj4" fmla="val 43750"/>
+            </a:avLst>
+          </a:prstGeom>
+          <a:solidFill>
+            <a:schemeClr val="accent1">
+              <a:alpha val="37000"/>
+            </a:schemeClr>
+          </a:solidFill>
+        </p:spPr>
+        <p:style>
+          <a:lnRef idx="2">
+            <a:schemeClr val="accent1">
+              <a:shade val="50000"/>
+            </a:schemeClr>
+          </a:lnRef>
+          <a:fillRef idx="1">
+            <a:schemeClr val="accent1"/>
+          </a:fillRef>
+          <a:effectRef idx="0">
+            <a:schemeClr val="accent1"/>
+          </a:effectRef>
+          <a:fontRef idx="minor">
+            <a:schemeClr val="lt1"/>
+          </a:fontRef>
+        </p:style>
+        <p:txBody>
+          <a:bodyPr rtlCol="0" anchor="ctr"/>
+          <a:lstStyle/>
+          <a:p>
+            <a:pPr algn="ctr"/>
+            <a:endParaRPr lang="ko-KR" altLang="en-US">
+              <a:solidFill>
+                <a:schemeClr val="tx1"/>
+              </a:solidFill>
+            </a:endParaRPr>
+          </a:p>
+        </p:txBody>
+      </p:sp>
+      <p:cxnSp>
+        <p:nvCxnSpPr>
+          <p:cNvPr id="11" name="직선 화살표 연결선 10">
+            <a:extLst>
+              <a:ext uri="{FF2B5EF4-FFF2-40B4-BE49-F238E27FC236}">
+                <a16:creationId xmlns:a16="http://schemas.microsoft.com/office/drawing/2014/main" id="{FC55BA4C-B695-43D4-A41D-5F624A8C1CF1}"/>
+              </a:ext>
+            </a:extLst>
+          </p:cNvPr>
+          <p:cNvCxnSpPr>
+            <a:cxnSpLocks/>
+          </p:cNvCxnSpPr>
+          <p:nvPr/>
+        </p:nvCxnSpPr>
+        <p:spPr>
+          <a:xfrm flipH="1">
+            <a:off x="3681663" y="2343817"/>
+            <a:ext cx="1297650" cy="1050315"/>
+          </a:xfrm>
+          <a:prstGeom prst="straightConnector1">
+            <a:avLst/>
+          </a:prstGeom>
+          <a:ln w="31750">
+            <a:solidFill>
+              <a:srgbClr val="FF0000"/>
+            </a:solidFill>
+            <a:tailEnd type="triangle"/>
+          </a:ln>
+        </p:spPr>
+        <p:style>
+          <a:lnRef idx="1">
+            <a:schemeClr val="accent1"/>
+          </a:lnRef>
+          <a:fillRef idx="0">
+            <a:schemeClr val="accent1"/>
+          </a:fillRef>
+          <a:effectRef idx="0">
+            <a:schemeClr val="accent1"/>
+          </a:effectRef>
+          <a:fontRef idx="minor">
+            <a:schemeClr val="tx1"/>
+          </a:fontRef>
+        </p:style>
+      </p:cxnSp>
     </p:spTree>
     <p:extLst>
       <p:ext uri="{BB962C8B-B14F-4D97-AF65-F5344CB8AC3E}">
@@ -37080,7 +37049,42 @@
       </p:grpSpPr>
       <p:sp>
         <p:nvSpPr>
-          <p:cNvPr id="7" name="내용 개체 틀 2">
+          <p:cNvPr id="4" name="제목 3">
+            <a:extLst>
+              <a:ext uri="{FF2B5EF4-FFF2-40B4-BE49-F238E27FC236}">
+                <a16:creationId xmlns:a16="http://schemas.microsoft.com/office/drawing/2014/main" id="{F0CEB32B-CB43-4410-BA08-A97E4BC47FCB}"/>
+              </a:ext>
+            </a:extLst>
+          </p:cNvPr>
+          <p:cNvSpPr>
+            <a:spLocks noGrp="1"/>
+          </p:cNvSpPr>
+          <p:nvPr>
+            <p:ph type="title"/>
+          </p:nvPr>
+        </p:nvSpPr>
+        <p:spPr>
+          <a:xfrm>
+            <a:off x="539551" y="192300"/>
+            <a:ext cx="8244853" cy="576064"/>
+          </a:xfrm>
+        </p:spPr>
+        <p:txBody>
+          <a:bodyPr>
+            <a:normAutofit/>
+          </a:bodyPr>
+          <a:lstStyle/>
+          <a:p>
+            <a:r>
+              <a:rPr lang="ko-KR" altLang="en-US" dirty="0"/>
+              <a:t>전체 요약 순서</a:t>
+            </a:r>
+          </a:p>
+        </p:txBody>
+      </p:sp>
+      <p:sp>
+        <p:nvSpPr>
+          <p:cNvPr id="11" name="내용 개체 틀 2">
             <a:extLst>
               <a:ext uri="{FF2B5EF4-FFF2-40B4-BE49-F238E27FC236}">
                 <a16:creationId xmlns:a16="http://schemas.microsoft.com/office/drawing/2014/main" id="{A44AC902-3746-40D6-9827-94B46EEDDC67}"/>
@@ -37094,8 +37098,8 @@
         </p:nvSpPr>
         <p:spPr>
           <a:xfrm>
-            <a:off x="341787" y="1120544"/>
-            <a:ext cx="8642350" cy="3883255"/>
+            <a:off x="341787" y="957257"/>
+            <a:ext cx="8642350" cy="5225829"/>
           </a:xfrm>
           <a:prstGeom prst="rect">
             <a:avLst/>
@@ -37246,850 +37250,538 @@
           </a:lstStyle>
           <a:p>
             <a:r>
-              <a:rPr lang="en-US" altLang="ko-KR" dirty="0"/>
-              <a:t>Upstream</a:t>
-            </a:r>
-            <a:r>
               <a:rPr lang="ko-KR" altLang="en-US" dirty="0"/>
+              <a:t>전체 요약 순서</a:t>
+            </a:r>
+            <a:endParaRPr lang="en-US" altLang="ko-KR" dirty="0"/>
+          </a:p>
+          <a:p>
+            <a:pPr marL="533400" lvl="1" indent="-266700">
+              <a:buFont typeface="+mj-ea"/>
+              <a:buAutoNum type="circleNumDbPlain"/>
+            </a:pPr>
+            <a:r>
+              <a:rPr lang="ko-KR" altLang="en-US" dirty="0">
+                <a:latin typeface="+mn-ea"/>
+              </a:rPr>
+              <a:t>나의 </a:t>
+            </a:r>
+            <a:r>
+              <a:rPr lang="en-US" altLang="ko-KR" dirty="0" err="1">
+                <a:latin typeface="+mn-ea"/>
+              </a:rPr>
+              <a:t>github</a:t>
+            </a:r>
+            <a:r>
+              <a:rPr lang="en-US" altLang="ko-KR" dirty="0">
+                <a:latin typeface="+mn-ea"/>
+              </a:rPr>
               <a:t> </a:t>
             </a:r>
             <a:r>
-              <a:rPr lang="en-US" altLang="ko-KR" dirty="0"/>
-              <a:t>=</a:t>
-            </a:r>
-            <a:r>
-              <a:rPr lang="ko-KR" altLang="en-US" dirty="0"/>
-              <a:t> 로컬저장소 </a:t>
-            </a:r>
-            <a:r>
-              <a:rPr lang="en-US" altLang="ko-KR" dirty="0"/>
-              <a:t>= origin</a:t>
-            </a:r>
-            <a:r>
-              <a:rPr lang="ko-KR" altLang="en-US" dirty="0"/>
-              <a:t> 일치시키기</a:t>
-            </a:r>
-            <a:endParaRPr lang="en-US" altLang="ko-KR" dirty="0"/>
-          </a:p>
-          <a:p>
-            <a:pPr lvl="1"/>
-            <a:r>
               <a:rPr lang="ko-KR" altLang="en-US" dirty="0">
                 <a:latin typeface="+mn-ea"/>
               </a:rPr>
-              <a:t>원격과 로컬 </a:t>
-            </a:r>
-            <a:r>
-              <a:rPr lang="en-US" altLang="ko-KR" dirty="0">
-                <a:latin typeface="+mn-ea"/>
-              </a:rPr>
-              <a:t>main</a:t>
-            </a:r>
-            <a:r>
-              <a:rPr lang="ko-KR" altLang="en-US" dirty="0">
-                <a:latin typeface="+mn-ea"/>
-              </a:rPr>
-              <a:t>은 고치지 않고 </a:t>
-            </a:r>
-            <a:r>
-              <a:rPr lang="en-US" altLang="ko-KR" dirty="0">
-                <a:latin typeface="+mn-ea"/>
-              </a:rPr>
-              <a:t>branch</a:t>
-            </a:r>
-            <a:r>
-              <a:rPr lang="ko-KR" altLang="en-US" dirty="0">
-                <a:latin typeface="+mn-ea"/>
-              </a:rPr>
-              <a:t>만 이용하였기 때문에 </a:t>
+              <a:t>계정에 로그인</a:t>
             </a:r>
             <a:endParaRPr lang="en-US" altLang="ko-KR" dirty="0">
               <a:latin typeface="+mn-ea"/>
             </a:endParaRPr>
           </a:p>
           <a:p>
-            <a:pPr marL="266700" lvl="1" indent="0">
-              <a:buNone/>
+            <a:pPr marL="533400" lvl="1" indent="-266700">
+              <a:buFont typeface="+mj-ea"/>
+              <a:buAutoNum type="circleNumDbPlain"/>
             </a:pPr>
             <a:r>
+              <a:rPr lang="ko-KR" altLang="en-US" dirty="0">
+                <a:latin typeface="+mn-ea"/>
+              </a:rPr>
+              <a:t>참여하고 싶은 저장소</a:t>
+            </a:r>
+            <a:r>
               <a:rPr lang="en-US" altLang="ko-KR" dirty="0">
                 <a:latin typeface="+mn-ea"/>
               </a:rPr>
-              <a:t>   </a:t>
+              <a:t>(upstream)</a:t>
             </a:r>
             <a:r>
               <a:rPr lang="ko-KR" altLang="en-US" dirty="0">
                 <a:latin typeface="+mn-ea"/>
               </a:rPr>
-              <a:t>로컬과 </a:t>
-            </a:r>
-            <a:r>
-              <a:rPr lang="en-US" altLang="ko-KR" dirty="0">
-                <a:latin typeface="+mn-ea"/>
-              </a:rPr>
-              <a:t>origin</a:t>
-            </a:r>
-            <a:r>
-              <a:rPr lang="ko-KR" altLang="en-US" dirty="0">
-                <a:latin typeface="+mn-ea"/>
-              </a:rPr>
-              <a:t>의 </a:t>
-            </a:r>
-            <a:r>
-              <a:rPr lang="en-US" altLang="ko-KR" dirty="0">
-                <a:latin typeface="+mn-ea"/>
-              </a:rPr>
-              <a:t>main</a:t>
-            </a:r>
-            <a:r>
-              <a:rPr lang="ko-KR" altLang="en-US" dirty="0">
-                <a:latin typeface="+mn-ea"/>
-              </a:rPr>
-              <a:t>을 수정된 </a:t>
-            </a:r>
-            <a:r>
-              <a:rPr lang="en-US" altLang="ko-KR" dirty="0">
-                <a:latin typeface="+mn-ea"/>
-              </a:rPr>
-              <a:t>upstream</a:t>
-            </a:r>
-            <a:r>
-              <a:rPr lang="ko-KR" altLang="en-US" dirty="0">
-                <a:latin typeface="+mn-ea"/>
-              </a:rPr>
-              <a:t>과 일치시킴</a:t>
+              <a:t> 찾기</a:t>
             </a:r>
             <a:endParaRPr lang="en-US" altLang="ko-KR" dirty="0">
               <a:latin typeface="+mn-ea"/>
             </a:endParaRPr>
           </a:p>
           <a:p>
-            <a:pPr lvl="1"/>
+            <a:pPr marL="533400" lvl="1" indent="-266700">
+              <a:buFont typeface="+mj-ea"/>
+              <a:buAutoNum type="circleNumDbPlain"/>
+            </a:pPr>
             <a:r>
               <a:rPr lang="ko-KR" altLang="en-US" dirty="0">
                 <a:latin typeface="+mn-ea"/>
               </a:rPr>
-              <a:t>내용을 일치시키고 사용된 작업 </a:t>
-            </a:r>
-            <a:r>
-              <a:rPr lang="ko-KR" altLang="en-US" dirty="0" err="1">
-                <a:latin typeface="+mn-ea"/>
-              </a:rPr>
-              <a:t>브랜치</a:t>
+              <a:t>나의 원격저장소</a:t>
+            </a:r>
+            <a:r>
+              <a:rPr lang="en-US" altLang="ko-KR" dirty="0">
+                <a:latin typeface="+mn-ea"/>
+              </a:rPr>
+              <a:t>(origin)</a:t>
             </a:r>
             <a:r>
               <a:rPr lang="ko-KR" altLang="en-US" dirty="0">
                 <a:latin typeface="+mn-ea"/>
               </a:rPr>
-              <a:t> </a:t>
+              <a:t>로 </a:t>
             </a:r>
             <a:r>
               <a:rPr lang="en-US" altLang="ko-KR" dirty="0">
                 <a:latin typeface="+mn-ea"/>
               </a:rPr>
-              <a:t>(develop </a:t>
-            </a:r>
-            <a:r>
-              <a:rPr lang="ko-KR" altLang="en-US" dirty="0" err="1">
-                <a:latin typeface="+mn-ea"/>
-              </a:rPr>
-              <a:t>브랜치</a:t>
-            </a:r>
-            <a:r>
-              <a:rPr lang="en-US" altLang="ko-KR" dirty="0">
-                <a:latin typeface="+mn-ea"/>
-              </a:rPr>
-              <a:t>)</a:t>
+              <a:t>Fork</a:t>
             </a:r>
             <a:r>
               <a:rPr lang="ko-KR" altLang="en-US" dirty="0">
                 <a:latin typeface="+mn-ea"/>
               </a:rPr>
-              <a:t>를 삭제</a:t>
+              <a:t>하기</a:t>
             </a:r>
             <a:endParaRPr lang="en-US" altLang="ko-KR" dirty="0">
               <a:latin typeface="+mn-ea"/>
             </a:endParaRPr>
           </a:p>
           <a:p>
-            <a:pPr marL="266700" lvl="1" indent="0">
-              <a:buNone/>
+            <a:pPr marL="533400" lvl="1" indent="-266700">
+              <a:buFont typeface="+mj-ea"/>
+              <a:buAutoNum type="circleNumDbPlain"/>
+            </a:pPr>
+            <a:r>
+              <a:rPr lang="ko-KR" altLang="en-US" dirty="0">
+                <a:latin typeface="+mn-ea"/>
+              </a:rPr>
+              <a:t>나의 로컬저장소로 </a:t>
+            </a:r>
+            <a:r>
+              <a:rPr lang="en-US" altLang="ko-KR" dirty="0">
+                <a:latin typeface="+mn-ea"/>
+              </a:rPr>
+              <a:t>clone</a:t>
+            </a:r>
+            <a:r>
+              <a:rPr lang="ko-KR" altLang="en-US" dirty="0">
+                <a:latin typeface="+mn-ea"/>
+              </a:rPr>
+              <a:t>하기 </a:t>
+            </a:r>
+            <a:r>
+              <a:rPr lang="en-US" altLang="ko-KR" dirty="0">
+                <a:latin typeface="+mn-ea"/>
+              </a:rPr>
+              <a:t> ☞ git clone</a:t>
+            </a:r>
+            <a:r>
+              <a:rPr lang="ko-KR" altLang="en-US" dirty="0">
+                <a:latin typeface="+mn-ea"/>
+              </a:rPr>
+              <a:t> </a:t>
+            </a:r>
+            <a:r>
+              <a:rPr lang="en-US" altLang="ko-KR" dirty="0">
+                <a:latin typeface="+mn-ea"/>
+              </a:rPr>
+              <a:t>upstream-address</a:t>
+            </a:r>
+          </a:p>
+          <a:p>
+            <a:pPr marL="533400" lvl="1" indent="-266700">
+              <a:buFont typeface="+mj-ea"/>
+              <a:buAutoNum type="circleNumDbPlain"/>
+            </a:pPr>
+            <a:r>
+              <a:rPr lang="ko-KR" altLang="en-US" dirty="0">
+                <a:latin typeface="+mn-ea"/>
+              </a:rPr>
+              <a:t>로컬저장소에서 작업 </a:t>
+            </a:r>
+            <a:r>
+              <a:rPr lang="en-US" altLang="ko-KR" dirty="0">
+                <a:latin typeface="+mn-ea"/>
+              </a:rPr>
+              <a:t>branch </a:t>
+            </a:r>
+            <a:r>
+              <a:rPr lang="ko-KR" altLang="en-US" dirty="0">
+                <a:latin typeface="+mn-ea"/>
+              </a:rPr>
+              <a:t>만들기</a:t>
+            </a:r>
+            <a:r>
+              <a:rPr lang="en-US" altLang="ko-KR" dirty="0">
+                <a:latin typeface="+mn-ea"/>
+              </a:rPr>
+              <a:t> ☞ git checkout</a:t>
+            </a:r>
+            <a:r>
+              <a:rPr lang="ko-KR" altLang="en-US" dirty="0">
+                <a:latin typeface="+mn-ea"/>
+              </a:rPr>
+              <a:t> </a:t>
+            </a:r>
+            <a:r>
+              <a:rPr lang="en-US" altLang="ko-KR" dirty="0">
+                <a:latin typeface="+mn-ea"/>
+              </a:rPr>
+              <a:t>-b</a:t>
+            </a:r>
+            <a:r>
+              <a:rPr lang="ko-KR" altLang="en-US" dirty="0">
+                <a:latin typeface="+mn-ea"/>
+              </a:rPr>
+              <a:t> </a:t>
+            </a:r>
+            <a:r>
+              <a:rPr lang="en-US" altLang="ko-KR" dirty="0">
+                <a:latin typeface="+mn-ea"/>
+              </a:rPr>
+              <a:t>new-branch</a:t>
+            </a:r>
+          </a:p>
+          <a:p>
+            <a:pPr marL="533400" lvl="1" indent="-266700">
+              <a:buFont typeface="+mj-ea"/>
+              <a:buAutoNum type="circleNumDbPlain"/>
+            </a:pPr>
+            <a:r>
+              <a:rPr lang="ko-KR" altLang="en-US" dirty="0">
+                <a:latin typeface="+mn-ea"/>
+              </a:rPr>
+              <a:t>기여할 내용 수정작업하기</a:t>
+            </a:r>
+            <a:endParaRPr lang="en-US" altLang="ko-KR" dirty="0">
+              <a:latin typeface="+mn-ea"/>
+            </a:endParaRPr>
+          </a:p>
+          <a:p>
+            <a:pPr marL="533400" lvl="1" indent="-266700">
+              <a:buFont typeface="+mj-ea"/>
+              <a:buAutoNum type="circleNumDbPlain"/>
+            </a:pPr>
+            <a:r>
+              <a:rPr lang="ko-KR" altLang="en-US" dirty="0">
+                <a:latin typeface="+mn-ea"/>
+              </a:rPr>
+              <a:t>나의 원격저장소</a:t>
+            </a:r>
+            <a:r>
+              <a:rPr lang="en-US" altLang="ko-KR" dirty="0">
+                <a:latin typeface="+mn-ea"/>
+              </a:rPr>
+              <a:t>(origin)</a:t>
+            </a:r>
+            <a:r>
+              <a:rPr lang="ko-KR" altLang="en-US" dirty="0">
+                <a:latin typeface="+mn-ea"/>
+              </a:rPr>
+              <a:t>로 </a:t>
+            </a:r>
+            <a:r>
+              <a:rPr lang="en-US" altLang="ko-KR" dirty="0">
+                <a:latin typeface="+mn-ea"/>
+              </a:rPr>
+              <a:t>push</a:t>
+            </a:r>
+            <a:r>
+              <a:rPr lang="ko-KR" altLang="en-US" dirty="0">
+                <a:latin typeface="+mn-ea"/>
+              </a:rPr>
+              <a:t>하기</a:t>
+            </a:r>
+            <a:r>
+              <a:rPr lang="en-US" altLang="ko-KR" dirty="0">
+                <a:latin typeface="+mn-ea"/>
+              </a:rPr>
+              <a:t> ☞ git push -u origin new-branch</a:t>
+            </a:r>
+          </a:p>
+          <a:p>
+            <a:pPr marL="533400" lvl="1" indent="-266700">
+              <a:buFont typeface="+mj-ea"/>
+              <a:buAutoNum type="circleNumDbPlain"/>
+            </a:pPr>
+            <a:r>
+              <a:rPr lang="ko-KR" altLang="en-US" dirty="0">
+                <a:latin typeface="+mn-ea"/>
+              </a:rPr>
+              <a:t>나의 원격저장소</a:t>
+            </a:r>
+            <a:r>
+              <a:rPr lang="en-US" altLang="ko-KR" dirty="0">
+                <a:latin typeface="+mn-ea"/>
+              </a:rPr>
+              <a:t>(origin)</a:t>
+            </a:r>
+            <a:r>
+              <a:rPr lang="ko-KR" altLang="en-US" dirty="0">
+                <a:latin typeface="+mn-ea"/>
+              </a:rPr>
+              <a:t>에서 </a:t>
+            </a:r>
+            <a:r>
+              <a:rPr lang="en-US" altLang="ko-KR" dirty="0">
+                <a:latin typeface="+mn-ea"/>
+              </a:rPr>
+              <a:t>Compare &amp; pull request </a:t>
+            </a:r>
+            <a:r>
+              <a:rPr lang="ko-KR" altLang="en-US" dirty="0">
+                <a:latin typeface="+mn-ea"/>
+              </a:rPr>
+              <a:t>하기</a:t>
+            </a:r>
+            <a:endParaRPr lang="en-US" altLang="ko-KR" dirty="0">
+              <a:latin typeface="+mn-ea"/>
+            </a:endParaRPr>
+          </a:p>
+          <a:p>
+            <a:pPr marL="533400" lvl="1" indent="-266700">
+              <a:buFont typeface="+mj-ea"/>
+              <a:buAutoNum type="circleNumDbPlain"/>
+            </a:pPr>
+            <a:r>
+              <a:rPr lang="ko-KR" altLang="en-US" dirty="0">
+                <a:latin typeface="+mn-ea"/>
+              </a:rPr>
+              <a:t>나의 원격저장소</a:t>
+            </a:r>
+            <a:r>
+              <a:rPr lang="en-US" altLang="ko-KR" dirty="0">
+                <a:latin typeface="+mn-ea"/>
+              </a:rPr>
+              <a:t>(origin)</a:t>
+            </a:r>
+            <a:r>
+              <a:rPr lang="ko-KR" altLang="en-US" dirty="0">
+                <a:latin typeface="+mn-ea"/>
+              </a:rPr>
+              <a:t>에서</a:t>
+            </a:r>
+            <a:r>
+              <a:rPr lang="en-US" altLang="ko-KR" dirty="0">
+                <a:latin typeface="+mn-ea"/>
+              </a:rPr>
+              <a:t> Create</a:t>
+            </a:r>
+            <a:r>
+              <a:rPr lang="ko-KR" altLang="en-US" dirty="0">
+                <a:latin typeface="+mn-ea"/>
+              </a:rPr>
+              <a:t> </a:t>
+            </a:r>
+            <a:r>
+              <a:rPr lang="en-US" altLang="ko-KR" dirty="0">
+                <a:latin typeface="+mn-ea"/>
+              </a:rPr>
+              <a:t>pull request</a:t>
+            </a:r>
+            <a:r>
+              <a:rPr lang="ko-KR" altLang="en-US" dirty="0">
+                <a:latin typeface="+mn-ea"/>
+              </a:rPr>
+              <a:t>하기</a:t>
+            </a:r>
+            <a:endParaRPr lang="en-US" altLang="ko-KR" dirty="0">
+              <a:latin typeface="+mn-ea"/>
+            </a:endParaRPr>
+          </a:p>
+          <a:p>
+            <a:pPr marL="533400" lvl="1" indent="-266700">
+              <a:buFont typeface="+mj-ea"/>
+              <a:buAutoNum type="circleNumDbPlain"/>
+            </a:pPr>
+            <a:r>
+              <a:rPr lang="en-US" altLang="ko-KR" dirty="0">
+                <a:latin typeface="+mn-ea"/>
+              </a:rPr>
+              <a:t>Merge</a:t>
+            </a:r>
+            <a:r>
+              <a:rPr lang="ko-KR" altLang="en-US" dirty="0">
+                <a:latin typeface="+mn-ea"/>
+              </a:rPr>
+              <a:t>된 후</a:t>
+            </a:r>
+            <a:r>
+              <a:rPr lang="en-US" altLang="ko-KR" dirty="0">
+                <a:latin typeface="+mn-ea"/>
+              </a:rPr>
+              <a:t>, upstream</a:t>
+            </a:r>
+            <a:r>
+              <a:rPr lang="ko-KR" altLang="en-US" dirty="0">
+                <a:latin typeface="+mn-ea"/>
+              </a:rPr>
+              <a:t>내용을 </a:t>
+            </a:r>
+            <a:r>
+              <a:rPr lang="en-US" altLang="ko-KR" dirty="0">
+                <a:latin typeface="+mn-ea"/>
+              </a:rPr>
+              <a:t>local</a:t>
+            </a:r>
+            <a:r>
+              <a:rPr lang="ko-KR" altLang="en-US" dirty="0">
+                <a:latin typeface="+mn-ea"/>
+              </a:rPr>
+              <a:t> 저장소에 </a:t>
+            </a:r>
+            <a:r>
+              <a:rPr lang="en-US" altLang="ko-KR" dirty="0">
+                <a:latin typeface="+mn-ea"/>
+              </a:rPr>
+              <a:t>pull</a:t>
+            </a:r>
+            <a:r>
+              <a:rPr lang="ko-KR" altLang="en-US" dirty="0">
+                <a:latin typeface="+mn-ea"/>
+              </a:rPr>
+              <a:t>하기</a:t>
+            </a:r>
+            <a:r>
+              <a:rPr lang="en-US" altLang="ko-KR" dirty="0">
+                <a:latin typeface="+mn-ea"/>
+              </a:rPr>
+              <a:t> ☞ git pull upstream main</a:t>
+            </a:r>
+          </a:p>
+          <a:p>
+            <a:pPr marL="533400" lvl="1" indent="-266700">
+              <a:buFont typeface="+mj-ea"/>
+              <a:buAutoNum type="circleNumDbPlain"/>
+            </a:pPr>
+            <a:r>
+              <a:rPr lang="ko-KR" altLang="en-US" dirty="0">
+                <a:latin typeface="+mn-ea"/>
+              </a:rPr>
+              <a:t>로컬저장소에서 작업한 </a:t>
+            </a:r>
+            <a:r>
+              <a:rPr lang="en-US" altLang="ko-KR" dirty="0">
+                <a:latin typeface="+mn-ea"/>
+              </a:rPr>
+              <a:t>branch </a:t>
+            </a:r>
+            <a:r>
+              <a:rPr lang="ko-KR" altLang="en-US" dirty="0">
+                <a:latin typeface="+mn-ea"/>
+              </a:rPr>
+              <a:t>지우기</a:t>
+            </a:r>
+            <a:r>
+              <a:rPr lang="en-US" altLang="ko-KR" dirty="0">
+                <a:latin typeface="+mn-ea"/>
+              </a:rPr>
+              <a:t> ☞ git branch -d new-branch</a:t>
+            </a:r>
+          </a:p>
+          <a:p>
+            <a:pPr marL="533400" lvl="1" indent="-266700">
+              <a:buFont typeface="+mj-ea"/>
+              <a:buAutoNum type="circleNumDbPlain"/>
+            </a:pPr>
+            <a:r>
+              <a:rPr lang="ko-KR" altLang="en-US" dirty="0">
+                <a:latin typeface="+mn-ea"/>
+              </a:rPr>
+              <a:t>로컬저장소 내용을 </a:t>
+            </a:r>
+            <a:r>
+              <a:rPr lang="en-US" altLang="ko-KR" dirty="0">
+                <a:latin typeface="+mn-ea"/>
+              </a:rPr>
+              <a:t>origin</a:t>
+            </a:r>
+            <a:r>
+              <a:rPr lang="ko-KR" altLang="en-US" dirty="0">
+                <a:latin typeface="+mn-ea"/>
+              </a:rPr>
+              <a:t>으로 </a:t>
+            </a:r>
+            <a:r>
+              <a:rPr lang="en-US" altLang="ko-KR" dirty="0">
+                <a:latin typeface="+mn-ea"/>
+              </a:rPr>
+              <a:t>push</a:t>
+            </a:r>
+            <a:r>
+              <a:rPr lang="ko-KR" altLang="en-US" dirty="0">
+                <a:latin typeface="+mn-ea"/>
+              </a:rPr>
+              <a:t>하기</a:t>
+            </a:r>
+            <a:r>
+              <a:rPr lang="en-US" altLang="ko-KR" dirty="0">
+                <a:latin typeface="+mn-ea"/>
+              </a:rPr>
+              <a:t> ☞ git push origin main</a:t>
+            </a:r>
+          </a:p>
+          <a:p>
+            <a:pPr marL="533400" lvl="1" indent="-266700">
+              <a:buFont typeface="+mj-ea"/>
+              <a:buAutoNum type="circleNumDbPlain"/>
+            </a:pPr>
+            <a:r>
+              <a:rPr lang="ko-KR" altLang="en-US" dirty="0">
+                <a:latin typeface="+mn-ea"/>
+              </a:rPr>
+              <a:t>원격저장소</a:t>
+            </a:r>
+            <a:r>
+              <a:rPr lang="en-US" altLang="ko-KR" dirty="0">
+                <a:latin typeface="+mn-ea"/>
+              </a:rPr>
+              <a:t>(origin) </a:t>
+            </a:r>
+            <a:r>
+              <a:rPr lang="ko-KR" altLang="en-US" dirty="0" err="1">
+                <a:latin typeface="+mn-ea"/>
+              </a:rPr>
+              <a:t>브랜치</a:t>
+            </a:r>
+            <a:r>
+              <a:rPr lang="ko-KR" altLang="en-US" dirty="0">
+                <a:latin typeface="+mn-ea"/>
+              </a:rPr>
+              <a:t> 삭제하기</a:t>
+            </a:r>
+            <a:r>
+              <a:rPr lang="en-US" altLang="ko-KR" dirty="0">
+                <a:latin typeface="+mn-ea"/>
+              </a:rPr>
+              <a:t> ☞ git push -d origin new-branch </a:t>
+            </a:r>
+          </a:p>
+          <a:p>
+            <a:pPr marL="533400" lvl="1" indent="-266700">
+              <a:buFont typeface="+mj-ea"/>
+              <a:buAutoNum type="circleNumDbPlain"/>
             </a:pPr>
             <a:endParaRPr lang="en-US" altLang="ko-KR" dirty="0">
               <a:latin typeface="+mn-ea"/>
             </a:endParaRPr>
           </a:p>
-          <a:p>
-            <a:pPr lvl="1"/>
-            <a:endParaRPr lang="en-US" altLang="ko-KR" dirty="0">
-              <a:latin typeface="+mn-ea"/>
-            </a:endParaRPr>
-          </a:p>
-          <a:p>
-            <a:pPr lvl="1"/>
-            <a:endParaRPr lang="en-US" altLang="ko-KR" dirty="0">
-              <a:latin typeface="+mn-ea"/>
-            </a:endParaRPr>
-          </a:p>
-          <a:p>
-            <a:pPr marL="266700" lvl="1" indent="0">
-              <a:buNone/>
-            </a:pPr>
-            <a:endParaRPr lang="en-US" altLang="ko-KR" dirty="0">
-              <a:latin typeface="+mn-ea"/>
-            </a:endParaRPr>
-          </a:p>
-          <a:p>
-            <a:pPr marL="266700" lvl="1" indent="0">
-              <a:buNone/>
-            </a:pPr>
-            <a:endParaRPr lang="en-US" altLang="ko-KR" dirty="0">
-              <a:latin typeface="+mn-ea"/>
-            </a:endParaRPr>
-          </a:p>
-          <a:p>
-            <a:pPr marL="266700" lvl="1" indent="0">
-              <a:buNone/>
-            </a:pPr>
-            <a:endParaRPr lang="en-US" altLang="ko-KR" dirty="0">
-              <a:latin typeface="+mn-ea"/>
-            </a:endParaRPr>
-          </a:p>
-          <a:p>
-            <a:pPr marL="266700" lvl="1" indent="0">
-              <a:buNone/>
-            </a:pPr>
-            <a:endParaRPr lang="en-US" altLang="ko-KR" dirty="0">
-              <a:latin typeface="+mn-ea"/>
-            </a:endParaRPr>
-          </a:p>
-          <a:p>
-            <a:pPr marL="266700" lvl="1" indent="0">
-              <a:buNone/>
-            </a:pPr>
-            <a:endParaRPr lang="en-US" altLang="ko-KR" dirty="0">
-              <a:latin typeface="+mn-ea"/>
-            </a:endParaRPr>
-          </a:p>
-          <a:p>
-            <a:pPr marL="266700" lvl="1" indent="0">
-              <a:buNone/>
-            </a:pPr>
-            <a:endParaRPr lang="en-US" altLang="ko-KR" dirty="0">
-              <a:latin typeface="+mn-ea"/>
-            </a:endParaRPr>
-          </a:p>
-        </p:txBody>
-      </p:sp>
-      <p:sp>
-        <p:nvSpPr>
-          <p:cNvPr id="4" name="제목 3">
+        </p:txBody>
+      </p:sp>
+      <p:sp>
+        <p:nvSpPr>
+          <p:cNvPr id="3" name="슬라이드 번호 개체 틀 2">
             <a:extLst>
               <a:ext uri="{FF2B5EF4-FFF2-40B4-BE49-F238E27FC236}">
-                <a16:creationId xmlns:a16="http://schemas.microsoft.com/office/drawing/2014/main" id="{F0CEB32B-CB43-4410-BA08-A97E4BC47FCB}"/>
-              </a:ext>
-            </a:extLst>
-          </p:cNvPr>
-          <p:cNvSpPr>
-            <a:spLocks noGrp="1"/>
-          </p:cNvSpPr>
-          <p:nvPr>
-            <p:ph type="title"/>
-          </p:nvPr>
-        </p:nvSpPr>
-        <p:spPr>
-          <a:xfrm>
-            <a:off x="539551" y="192300"/>
-            <a:ext cx="8244853" cy="576064"/>
-          </a:xfrm>
-        </p:spPr>
-        <p:txBody>
-          <a:bodyPr>
-            <a:normAutofit/>
-          </a:bodyPr>
-          <a:lstStyle/>
-          <a:p>
-            <a:r>
-              <a:rPr lang="en-US" altLang="ko-KR" dirty="0"/>
-              <a:t>Pull Request </a:t>
-            </a:r>
-            <a:r>
-              <a:rPr lang="ko-KR" altLang="en-US" dirty="0"/>
-              <a:t>최종결과 확인 후 마무리 작업</a:t>
-            </a:r>
-          </a:p>
-        </p:txBody>
-      </p:sp>
-      <p:sp>
-        <p:nvSpPr>
-          <p:cNvPr id="5" name="모서리가 둥근 직사각형 1">
-            <a:extLst>
-              <a:ext uri="{FF2B5EF4-FFF2-40B4-BE49-F238E27FC236}">
-                <a16:creationId xmlns:a16="http://schemas.microsoft.com/office/drawing/2014/main" id="{7014267D-63BC-4903-9B3F-CD162D7BADDA}"/>
-              </a:ext>
-            </a:extLst>
-          </p:cNvPr>
-          <p:cNvSpPr/>
-          <p:nvPr/>
-        </p:nvSpPr>
-        <p:spPr>
-          <a:xfrm>
-            <a:off x="1258305" y="3444026"/>
-            <a:ext cx="2192893" cy="661886"/>
-          </a:xfrm>
-          <a:prstGeom prst="roundRect">
-            <a:avLst>
-              <a:gd name="adj" fmla="val 5181"/>
-            </a:avLst>
-          </a:prstGeom>
-          <a:solidFill>
-            <a:schemeClr val="bg1">
-              <a:lumMod val="95000"/>
-            </a:schemeClr>
-          </a:solidFill>
-          <a:ln w="19050">
-            <a:solidFill>
-              <a:schemeClr val="tx1">
-                <a:lumMod val="50000"/>
-                <a:lumOff val="50000"/>
-              </a:schemeClr>
-            </a:solidFill>
-          </a:ln>
-        </p:spPr>
-        <p:style>
-          <a:lnRef idx="2">
-            <a:schemeClr val="accent1">
-              <a:shade val="50000"/>
-            </a:schemeClr>
-          </a:lnRef>
-          <a:fillRef idx="1">
-            <a:schemeClr val="accent1"/>
-          </a:fillRef>
-          <a:effectRef idx="0">
-            <a:schemeClr val="accent1"/>
-          </a:effectRef>
-          <a:fontRef idx="minor">
-            <a:schemeClr val="lt1"/>
-          </a:fontRef>
-        </p:style>
-        <p:txBody>
-          <a:bodyPr rtlCol="0" anchor="ctr"/>
-          <a:lstStyle/>
-          <a:p>
-            <a:pPr algn="ctr"/>
-            <a:r>
-              <a:rPr lang="ko-KR" altLang="en-US" sz="1400" dirty="0">
-                <a:solidFill>
-                  <a:schemeClr val="tx1"/>
-                </a:solidFill>
-              </a:rPr>
-              <a:t>남의 </a:t>
-            </a:r>
-            <a:r>
-              <a:rPr lang="ko-KR" altLang="en-US" sz="1400" dirty="0" err="1">
-                <a:solidFill>
-                  <a:schemeClr val="tx1"/>
-                </a:solidFill>
-              </a:rPr>
-              <a:t>원격저장소</a:t>
-            </a:r>
-            <a:r>
-              <a:rPr lang="en-US" altLang="ko-KR" sz="1400" dirty="0">
-                <a:solidFill>
-                  <a:schemeClr val="tx1"/>
-                </a:solidFill>
-              </a:rPr>
-              <a:t>      </a:t>
-            </a:r>
-            <a:endParaRPr lang="ko-KR" altLang="en-US" sz="1400" dirty="0">
-              <a:solidFill>
-                <a:schemeClr val="tx1"/>
-              </a:solidFill>
-            </a:endParaRPr>
-          </a:p>
-        </p:txBody>
-      </p:sp>
-      <p:sp>
-        <p:nvSpPr>
-          <p:cNvPr id="6" name="모서리가 둥근 직사각형 7">
-            <a:extLst>
-              <a:ext uri="{FF2B5EF4-FFF2-40B4-BE49-F238E27FC236}">
-                <a16:creationId xmlns:a16="http://schemas.microsoft.com/office/drawing/2014/main" id="{B2BE4505-8867-44DB-B146-5CC8D0E24440}"/>
-              </a:ext>
-            </a:extLst>
-          </p:cNvPr>
-          <p:cNvSpPr/>
-          <p:nvPr/>
-        </p:nvSpPr>
-        <p:spPr>
-          <a:xfrm>
-            <a:off x="4728581" y="3444026"/>
-            <a:ext cx="2148964" cy="661886"/>
-          </a:xfrm>
-          <a:prstGeom prst="roundRect">
-            <a:avLst>
-              <a:gd name="adj" fmla="val 5181"/>
-            </a:avLst>
-          </a:prstGeom>
-          <a:solidFill>
-            <a:schemeClr val="bg1">
-              <a:lumMod val="95000"/>
-            </a:schemeClr>
-          </a:solidFill>
-          <a:ln w="15875">
-            <a:solidFill>
-              <a:srgbClr val="0000FF"/>
-            </a:solidFill>
-          </a:ln>
-        </p:spPr>
-        <p:style>
-          <a:lnRef idx="2">
-            <a:schemeClr val="accent1">
-              <a:shade val="50000"/>
-            </a:schemeClr>
-          </a:lnRef>
-          <a:fillRef idx="1">
-            <a:schemeClr val="accent1"/>
-          </a:fillRef>
-          <a:effectRef idx="0">
-            <a:schemeClr val="accent1"/>
-          </a:effectRef>
-          <a:fontRef idx="minor">
-            <a:schemeClr val="lt1"/>
-          </a:fontRef>
-        </p:style>
-        <p:txBody>
-          <a:bodyPr rtlCol="0" anchor="ctr"/>
-          <a:lstStyle/>
-          <a:p>
-            <a:pPr algn="ctr"/>
-            <a:r>
-              <a:rPr lang="ko-KR" altLang="en-US" sz="1400" dirty="0">
-                <a:solidFill>
-                  <a:schemeClr val="tx1"/>
-                </a:solidFill>
-              </a:rPr>
-              <a:t>나의 원격저장소</a:t>
-            </a:r>
-            <a:endParaRPr lang="en-US" altLang="ko-KR" sz="1400" dirty="0">
-              <a:solidFill>
-                <a:schemeClr val="tx1"/>
-              </a:solidFill>
-            </a:endParaRPr>
-          </a:p>
-          <a:p>
-            <a:pPr algn="ctr"/>
-            <a:r>
-              <a:rPr lang="en-US" altLang="ko-KR" sz="1400" dirty="0">
-                <a:solidFill>
-                  <a:schemeClr val="tx1"/>
-                </a:solidFill>
-              </a:rPr>
-              <a:t>④</a:t>
-            </a:r>
-            <a:r>
-              <a:rPr lang="en-US" altLang="ko-KR" sz="1400" dirty="0"/>
-              <a:t> </a:t>
-            </a:r>
-            <a:r>
-              <a:rPr lang="en-US" altLang="ko-KR" sz="1400" dirty="0">
-                <a:solidFill>
-                  <a:schemeClr val="tx1"/>
-                </a:solidFill>
-              </a:rPr>
-              <a:t>Delete develop</a:t>
-            </a:r>
-          </a:p>
-        </p:txBody>
-      </p:sp>
-      <p:sp>
-        <p:nvSpPr>
-          <p:cNvPr id="8" name="모서리가 둥근 직사각형 8">
-            <a:extLst>
-              <a:ext uri="{FF2B5EF4-FFF2-40B4-BE49-F238E27FC236}">
-                <a16:creationId xmlns:a16="http://schemas.microsoft.com/office/drawing/2014/main" id="{8EB018F2-D060-4225-8C5A-C79FC8D50203}"/>
-              </a:ext>
-            </a:extLst>
-          </p:cNvPr>
-          <p:cNvSpPr/>
-          <p:nvPr/>
-        </p:nvSpPr>
-        <p:spPr>
-          <a:xfrm>
-            <a:off x="1258306" y="3200987"/>
-            <a:ext cx="899565" cy="246177"/>
-          </a:xfrm>
-          <a:prstGeom prst="roundRect">
-            <a:avLst/>
-          </a:prstGeom>
-          <a:solidFill>
-            <a:schemeClr val="accent3">
-              <a:lumMod val="40000"/>
-              <a:lumOff val="60000"/>
-            </a:schemeClr>
-          </a:solidFill>
-          <a:ln w="19050">
-            <a:solidFill>
-              <a:schemeClr val="tx1"/>
-            </a:solidFill>
-          </a:ln>
-        </p:spPr>
-        <p:style>
-          <a:lnRef idx="2">
-            <a:schemeClr val="accent1">
-              <a:shade val="50000"/>
-            </a:schemeClr>
-          </a:lnRef>
-          <a:fillRef idx="1">
-            <a:schemeClr val="accent1"/>
-          </a:fillRef>
-          <a:effectRef idx="0">
-            <a:schemeClr val="accent1"/>
-          </a:effectRef>
-          <a:fontRef idx="minor">
-            <a:schemeClr val="lt1"/>
-          </a:fontRef>
-        </p:style>
-        <p:txBody>
-          <a:bodyPr rtlCol="0" anchor="ctr"/>
-          <a:lstStyle/>
-          <a:p>
-            <a:pPr algn="ctr"/>
-            <a:r>
-              <a:rPr lang="en-US" altLang="ko-KR" sz="1400" dirty="0">
-                <a:solidFill>
-                  <a:schemeClr val="tx1"/>
-                </a:solidFill>
-              </a:rPr>
-              <a:t>upstream</a:t>
-            </a:r>
-          </a:p>
-        </p:txBody>
-      </p:sp>
-      <p:sp>
-        <p:nvSpPr>
-          <p:cNvPr id="9" name="모서리가 둥근 직사각형 9">
-            <a:extLst>
-              <a:ext uri="{FF2B5EF4-FFF2-40B4-BE49-F238E27FC236}">
-                <a16:creationId xmlns:a16="http://schemas.microsoft.com/office/drawing/2014/main" id="{255AB00B-227B-4647-BBC7-3389FB2D7546}"/>
-              </a:ext>
-            </a:extLst>
-          </p:cNvPr>
-          <p:cNvSpPr/>
-          <p:nvPr/>
-        </p:nvSpPr>
-        <p:spPr>
-          <a:xfrm>
-            <a:off x="4728581" y="3200987"/>
-            <a:ext cx="899565" cy="246177"/>
-          </a:xfrm>
-          <a:prstGeom prst="roundRect">
-            <a:avLst/>
-          </a:prstGeom>
-          <a:solidFill>
-            <a:srgbClr val="92D050"/>
-          </a:solidFill>
-          <a:ln w="15875">
-            <a:solidFill>
-              <a:srgbClr val="0000FF"/>
-            </a:solidFill>
-          </a:ln>
-        </p:spPr>
-        <p:style>
-          <a:lnRef idx="2">
-            <a:schemeClr val="accent1">
-              <a:shade val="50000"/>
-            </a:schemeClr>
-          </a:lnRef>
-          <a:fillRef idx="1">
-            <a:schemeClr val="accent1"/>
-          </a:fillRef>
-          <a:effectRef idx="0">
-            <a:schemeClr val="accent1"/>
-          </a:effectRef>
-          <a:fontRef idx="minor">
-            <a:schemeClr val="lt1"/>
-          </a:fontRef>
-        </p:style>
-        <p:txBody>
-          <a:bodyPr rtlCol="0" anchor="ctr"/>
-          <a:lstStyle/>
-          <a:p>
-            <a:pPr algn="ctr"/>
-            <a:r>
-              <a:rPr lang="en-US" altLang="ko-KR" sz="1400" dirty="0">
-                <a:solidFill>
-                  <a:schemeClr val="tx1"/>
-                </a:solidFill>
-              </a:rPr>
-              <a:t>origin</a:t>
-            </a:r>
-          </a:p>
-        </p:txBody>
-      </p:sp>
-      <p:sp>
-        <p:nvSpPr>
-          <p:cNvPr id="10" name="모서리가 둥근 직사각형 10">
-            <a:extLst>
-              <a:ext uri="{FF2B5EF4-FFF2-40B4-BE49-F238E27FC236}">
-                <a16:creationId xmlns:a16="http://schemas.microsoft.com/office/drawing/2014/main" id="{8E588361-3C48-44B3-9C36-4A0181173179}"/>
-              </a:ext>
-            </a:extLst>
-          </p:cNvPr>
-          <p:cNvSpPr/>
-          <p:nvPr/>
-        </p:nvSpPr>
-        <p:spPr>
-          <a:xfrm>
-            <a:off x="4728581" y="4675926"/>
-            <a:ext cx="2148964" cy="661886"/>
-          </a:xfrm>
-          <a:prstGeom prst="roundRect">
-            <a:avLst>
-              <a:gd name="adj" fmla="val 5181"/>
-            </a:avLst>
-          </a:prstGeom>
-          <a:solidFill>
-            <a:schemeClr val="bg1">
-              <a:lumMod val="95000"/>
-            </a:schemeClr>
-          </a:solidFill>
-          <a:ln w="19050">
-            <a:solidFill>
-              <a:srgbClr val="C00000"/>
-            </a:solidFill>
-          </a:ln>
-        </p:spPr>
-        <p:style>
-          <a:lnRef idx="2">
-            <a:schemeClr val="accent1">
-              <a:shade val="50000"/>
-            </a:schemeClr>
-          </a:lnRef>
-          <a:fillRef idx="1">
-            <a:schemeClr val="accent1"/>
-          </a:fillRef>
-          <a:effectRef idx="0">
-            <a:schemeClr val="accent1"/>
-          </a:effectRef>
-          <a:fontRef idx="minor">
-            <a:schemeClr val="lt1"/>
-          </a:fontRef>
-        </p:style>
-        <p:txBody>
-          <a:bodyPr rtlCol="0" anchor="ctr"/>
-          <a:lstStyle/>
-          <a:p>
-            <a:pPr algn="ctr"/>
-            <a:r>
-              <a:rPr lang="ko-KR" altLang="en-US" sz="1400" dirty="0">
-                <a:solidFill>
-                  <a:schemeClr val="tx1"/>
-                </a:solidFill>
-              </a:rPr>
-              <a:t>나의 로컬저장소</a:t>
-            </a:r>
-            <a:endParaRPr lang="en-US" altLang="ko-KR" sz="1400" dirty="0">
-              <a:solidFill>
-                <a:schemeClr val="tx1"/>
-              </a:solidFill>
-            </a:endParaRPr>
-          </a:p>
-          <a:p>
-            <a:pPr algn="ctr"/>
-            <a:r>
-              <a:rPr lang="en-US" altLang="ko-KR" sz="1400" dirty="0">
-                <a:solidFill>
-                  <a:srgbClr val="FF0000"/>
-                </a:solidFill>
-              </a:rPr>
-              <a:t>② </a:t>
-            </a:r>
-            <a:r>
-              <a:rPr lang="en-US" altLang="ko-KR" sz="1400" dirty="0">
-                <a:solidFill>
-                  <a:schemeClr val="tx1"/>
-                </a:solidFill>
-              </a:rPr>
-              <a:t>Delete develop</a:t>
-            </a:r>
-          </a:p>
-        </p:txBody>
-      </p:sp>
-      <p:sp>
-        <p:nvSpPr>
-          <p:cNvPr id="12" name="TextBox 11">
-            <a:extLst>
-              <a:ext uri="{FF2B5EF4-FFF2-40B4-BE49-F238E27FC236}">
-                <a16:creationId xmlns:a16="http://schemas.microsoft.com/office/drawing/2014/main" id="{BDB8BFA2-DBDC-42FD-B340-32D99B3F8ED2}"/>
-              </a:ext>
-            </a:extLst>
-          </p:cNvPr>
-          <p:cNvSpPr txBox="1"/>
-          <p:nvPr/>
-        </p:nvSpPr>
-        <p:spPr>
-          <a:xfrm>
-            <a:off x="3349783" y="4719151"/>
-            <a:ext cx="676788" cy="307777"/>
-          </a:xfrm>
-          <a:prstGeom prst="rect">
-            <a:avLst/>
-          </a:prstGeom>
-          <a:noFill/>
-        </p:spPr>
-        <p:txBody>
-          <a:bodyPr wrap="none" rtlCol="0">
-            <a:spAutoFit/>
-          </a:bodyPr>
-          <a:lstStyle/>
-          <a:p>
-            <a:r>
-              <a:rPr lang="en-US" altLang="ko-KR" sz="1400" dirty="0"/>
-              <a:t>① pull</a:t>
-            </a:r>
-            <a:endParaRPr lang="ko-KR" altLang="en-US" sz="1400" dirty="0"/>
-          </a:p>
-        </p:txBody>
-      </p:sp>
-      <p:cxnSp>
-        <p:nvCxnSpPr>
-          <p:cNvPr id="15" name="직선 화살표 연결선 14">
-            <a:extLst>
-              <a:ext uri="{FF2B5EF4-FFF2-40B4-BE49-F238E27FC236}">
-                <a16:creationId xmlns:a16="http://schemas.microsoft.com/office/drawing/2014/main" id="{065FDE89-7A48-41F0-A131-9A5F396B23F5}"/>
-              </a:ext>
-            </a:extLst>
-          </p:cNvPr>
-          <p:cNvCxnSpPr/>
-          <p:nvPr/>
-        </p:nvCxnSpPr>
-        <p:spPr>
-          <a:xfrm flipH="1" flipV="1">
-            <a:off x="5832751" y="4105106"/>
-            <a:ext cx="4276" cy="570820"/>
-          </a:xfrm>
-          <a:prstGeom prst="straightConnector1">
-            <a:avLst/>
-          </a:prstGeom>
-          <a:ln w="25400">
-            <a:solidFill>
-              <a:schemeClr val="bg1">
-                <a:lumMod val="75000"/>
-              </a:schemeClr>
-            </a:solidFill>
-            <a:tailEnd type="triangle"/>
-          </a:ln>
-        </p:spPr>
-        <p:style>
-          <a:lnRef idx="1">
-            <a:schemeClr val="accent1"/>
-          </a:lnRef>
-          <a:fillRef idx="0">
-            <a:schemeClr val="accent1"/>
-          </a:fillRef>
-          <a:effectRef idx="0">
-            <a:schemeClr val="accent1"/>
-          </a:effectRef>
-          <a:fontRef idx="minor">
-            <a:schemeClr val="tx1"/>
-          </a:fontRef>
-        </p:style>
-      </p:cxnSp>
-      <p:sp>
-        <p:nvSpPr>
-          <p:cNvPr id="17" name="TextBox 16">
-            <a:extLst>
-              <a:ext uri="{FF2B5EF4-FFF2-40B4-BE49-F238E27FC236}">
-                <a16:creationId xmlns:a16="http://schemas.microsoft.com/office/drawing/2014/main" id="{99E23039-C946-489F-9A22-3D34B8256898}"/>
-              </a:ext>
-            </a:extLst>
-          </p:cNvPr>
-          <p:cNvSpPr txBox="1"/>
-          <p:nvPr/>
-        </p:nvSpPr>
-        <p:spPr>
-          <a:xfrm>
-            <a:off x="5078590" y="4238599"/>
-            <a:ext cx="758541" cy="307777"/>
-          </a:xfrm>
-          <a:prstGeom prst="rect">
-            <a:avLst/>
-          </a:prstGeom>
-          <a:noFill/>
-        </p:spPr>
-        <p:txBody>
-          <a:bodyPr wrap="none" rtlCol="0">
-            <a:spAutoFit/>
-          </a:bodyPr>
-          <a:lstStyle/>
-          <a:p>
-            <a:r>
-              <a:rPr lang="en-US" altLang="ko-KR" sz="1400" dirty="0"/>
-              <a:t>③ push</a:t>
-            </a:r>
-            <a:endParaRPr lang="ko-KR" altLang="en-US" sz="1400" dirty="0"/>
-          </a:p>
-        </p:txBody>
-      </p:sp>
-      <p:sp>
-        <p:nvSpPr>
-          <p:cNvPr id="2" name="화살표: 아래쪽 1">
-            <a:extLst>
-              <a:ext uri="{FF2B5EF4-FFF2-40B4-BE49-F238E27FC236}">
-                <a16:creationId xmlns:a16="http://schemas.microsoft.com/office/drawing/2014/main" id="{9A48A737-BC64-4462-A60C-284E3CA5BBA9}"/>
-              </a:ext>
-            </a:extLst>
-          </p:cNvPr>
-          <p:cNvSpPr/>
-          <p:nvPr/>
-        </p:nvSpPr>
-        <p:spPr>
-          <a:xfrm rot="18180744">
-            <a:off x="3843418" y="3808078"/>
-            <a:ext cx="154186" cy="1699998"/>
-          </a:xfrm>
-          <a:prstGeom prst="downArrow">
-            <a:avLst/>
-          </a:prstGeom>
-          <a:solidFill>
-            <a:schemeClr val="accent1">
-              <a:lumMod val="40000"/>
-              <a:lumOff val="60000"/>
-            </a:schemeClr>
-          </a:solidFill>
-        </p:spPr>
-        <p:style>
-          <a:lnRef idx="2">
-            <a:schemeClr val="accent1">
-              <a:shade val="50000"/>
-            </a:schemeClr>
-          </a:lnRef>
-          <a:fillRef idx="1">
-            <a:schemeClr val="accent1"/>
-          </a:fillRef>
-          <a:effectRef idx="0">
-            <a:schemeClr val="accent1"/>
-          </a:effectRef>
-          <a:fontRef idx="minor">
-            <a:schemeClr val="lt1"/>
-          </a:fontRef>
-        </p:style>
-        <p:txBody>
-          <a:bodyPr rtlCol="0" anchor="ctr"/>
-          <a:lstStyle/>
-          <a:p>
-            <a:pPr algn="ctr"/>
-            <a:endParaRPr lang="ko-KR" altLang="en-US" dirty="0"/>
-          </a:p>
-        </p:txBody>
-      </p:sp>
-      <p:sp>
-        <p:nvSpPr>
-          <p:cNvPr id="11" name="슬라이드 번호 개체 틀 10">
-            <a:extLst>
-              <a:ext uri="{FF2B5EF4-FFF2-40B4-BE49-F238E27FC236}">
-                <a16:creationId xmlns:a16="http://schemas.microsoft.com/office/drawing/2014/main" id="{BAA79097-55A0-4BCE-ACA3-76A09B5AFCBD}"/>
+                <a16:creationId xmlns:a16="http://schemas.microsoft.com/office/drawing/2014/main" id="{79775DA8-C328-47D1-90D8-4B02555F6B3F}"/>
               </a:ext>
             </a:extLst>
           </p:cNvPr>
@@ -38121,7 +37813,7 @@
     </p:spTree>
     <p:extLst>
       <p:ext uri="{BB962C8B-B14F-4D97-AF65-F5344CB8AC3E}">
-        <p14:creationId xmlns:p14="http://schemas.microsoft.com/office/powerpoint/2010/main" val="2817378831"/>
+        <p14:creationId xmlns:p14="http://schemas.microsoft.com/office/powerpoint/2010/main" val="473554646"/>
       </p:ext>
     </p:extLst>
   </p:cSld>
@@ -38178,7 +37870,7 @@
           <a:p>
             <a:r>
               <a:rPr lang="ko-KR" altLang="en-US" dirty="0"/>
-              <a:t>전체 요약 순서</a:t>
+              <a:t>오픈소스 참조</a:t>
             </a:r>
           </a:p>
         </p:txBody>
@@ -38352,519 +38044,53 @@
           <a:p>
             <a:r>
               <a:rPr lang="ko-KR" altLang="en-US" dirty="0"/>
-              <a:t>전체 요약 순서</a:t>
+              <a:t>오픈소스 소개</a:t>
             </a:r>
             <a:endParaRPr lang="en-US" altLang="ko-KR" dirty="0"/>
           </a:p>
           <a:p>
-            <a:pPr marL="533400" lvl="1" indent="-266700">
-              <a:buFont typeface="+mj-ea"/>
-              <a:buAutoNum type="circleNumDbPlain"/>
+            <a:pPr marL="0" indent="0">
+              <a:buNone/>
             </a:pPr>
             <a:r>
-              <a:rPr lang="ko-KR" altLang="en-US" dirty="0">
-                <a:latin typeface="+mn-ea"/>
-              </a:rPr>
-              <a:t>나의 </a:t>
-            </a:r>
-            <a:r>
-              <a:rPr lang="en-US" altLang="ko-KR" dirty="0" err="1">
-                <a:latin typeface="+mn-ea"/>
-              </a:rPr>
-              <a:t>github</a:t>
-            </a:r>
-            <a:r>
-              <a:rPr lang="en-US" altLang="ko-KR" dirty="0">
-                <a:latin typeface="+mn-ea"/>
-              </a:rPr>
-              <a:t> </a:t>
-            </a:r>
-            <a:r>
-              <a:rPr lang="ko-KR" altLang="en-US" dirty="0">
-                <a:latin typeface="+mn-ea"/>
-              </a:rPr>
-              <a:t>계정에 로그인</a:t>
-            </a:r>
-            <a:endParaRPr lang="en-US" altLang="ko-KR" dirty="0">
+              <a:rPr lang="en-US" altLang="ko-KR" sz="1800" b="0" dirty="0">
+                <a:latin typeface="+mn-ea"/>
+              </a:rPr>
+              <a:t>  </a:t>
+            </a:r>
+            <a:r>
+              <a:rPr lang="ko-KR" altLang="en-US" sz="1800" b="0" dirty="0">
+                <a:latin typeface="+mn-ea"/>
+              </a:rPr>
+              <a:t>네이버 오픈소스 가이드 </a:t>
+            </a:r>
+            <a:r>
+              <a:rPr lang="en-US" altLang="ko-KR" sz="1800" b="0" dirty="0">
+                <a:latin typeface="+mn-ea"/>
+              </a:rPr>
+              <a:t>:     </a:t>
+            </a:r>
+          </a:p>
+          <a:p>
+            <a:pPr marL="0" indent="0">
+              <a:buNone/>
+            </a:pPr>
+            <a:r>
+              <a:rPr lang="en-US" altLang="ko-KR" sz="1800" b="0" dirty="0">
+                <a:hlinkClick r:id="rId3"/>
+              </a:rPr>
+              <a:t>  </a:t>
+            </a:r>
+            <a:r>
+              <a:rPr lang="en-US" altLang="ko-KR" sz="1800" b="0" dirty="0">
+                <a:latin typeface="+mn-ea"/>
+                <a:hlinkClick r:id="rId3"/>
+              </a:rPr>
+              <a:t>https://naver.github.io/OpenSourceGuide/book/</a:t>
+            </a:r>
+            <a:endParaRPr lang="en-US" altLang="ko-KR" sz="1800" b="0" dirty="0">
               <a:latin typeface="+mn-ea"/>
             </a:endParaRPr>
-          </a:p>
-          <a:p>
-            <a:pPr marL="533400" lvl="1" indent="-266700">
-              <a:buFont typeface="+mj-ea"/>
-              <a:buAutoNum type="circleNumDbPlain"/>
-            </a:pPr>
-            <a:r>
-              <a:rPr lang="ko-KR" altLang="en-US" dirty="0">
-                <a:latin typeface="+mn-ea"/>
-              </a:rPr>
-              <a:t>참여하고 싶은 저장소</a:t>
-            </a:r>
-            <a:r>
-              <a:rPr lang="en-US" altLang="ko-KR" dirty="0">
-                <a:latin typeface="+mn-ea"/>
-              </a:rPr>
-              <a:t>(upstream)</a:t>
-            </a:r>
-            <a:r>
-              <a:rPr lang="ko-KR" altLang="en-US" dirty="0">
-                <a:latin typeface="+mn-ea"/>
-              </a:rPr>
-              <a:t> 찾기</a:t>
-            </a:r>
-            <a:endParaRPr lang="en-US" altLang="ko-KR" dirty="0">
-              <a:latin typeface="+mn-ea"/>
-            </a:endParaRPr>
-          </a:p>
-          <a:p>
-            <a:pPr marL="533400" lvl="1" indent="-266700">
-              <a:buFont typeface="+mj-ea"/>
-              <a:buAutoNum type="circleNumDbPlain"/>
-            </a:pPr>
-            <a:r>
-              <a:rPr lang="ko-KR" altLang="en-US" dirty="0">
-                <a:latin typeface="+mn-ea"/>
-              </a:rPr>
-              <a:t>나의 원격저장소</a:t>
-            </a:r>
-            <a:r>
-              <a:rPr lang="en-US" altLang="ko-KR" dirty="0">
-                <a:latin typeface="+mn-ea"/>
-              </a:rPr>
-              <a:t>(origin)</a:t>
-            </a:r>
-            <a:r>
-              <a:rPr lang="ko-KR" altLang="en-US" dirty="0">
-                <a:latin typeface="+mn-ea"/>
-              </a:rPr>
-              <a:t>로 </a:t>
-            </a:r>
-            <a:r>
-              <a:rPr lang="en-US" altLang="ko-KR" dirty="0">
-                <a:latin typeface="+mn-ea"/>
-              </a:rPr>
-              <a:t>Fork</a:t>
-            </a:r>
-            <a:r>
-              <a:rPr lang="ko-KR" altLang="en-US" dirty="0">
-                <a:latin typeface="+mn-ea"/>
-              </a:rPr>
-              <a:t>하기</a:t>
-            </a:r>
-            <a:endParaRPr lang="en-US" altLang="ko-KR" dirty="0">
-              <a:latin typeface="+mn-ea"/>
-            </a:endParaRPr>
-          </a:p>
-          <a:p>
-            <a:pPr marL="533400" lvl="1" indent="-266700">
-              <a:buFont typeface="+mj-ea"/>
-              <a:buAutoNum type="circleNumDbPlain"/>
-            </a:pPr>
-            <a:r>
-              <a:rPr lang="ko-KR" altLang="en-US" dirty="0">
-                <a:latin typeface="+mn-ea"/>
-              </a:rPr>
-              <a:t>나의 로컬저장소로 </a:t>
-            </a:r>
-            <a:r>
-              <a:rPr lang="en-US" altLang="ko-KR" dirty="0">
-                <a:latin typeface="+mn-ea"/>
-              </a:rPr>
-              <a:t>clone</a:t>
-            </a:r>
-            <a:r>
-              <a:rPr lang="ko-KR" altLang="en-US" dirty="0">
-                <a:latin typeface="+mn-ea"/>
-              </a:rPr>
-              <a:t>하기 </a:t>
-            </a:r>
-            <a:r>
-              <a:rPr lang="en-US" altLang="ko-KR" dirty="0">
-                <a:latin typeface="+mn-ea"/>
-              </a:rPr>
-              <a:t> ☞ git clone</a:t>
-            </a:r>
-            <a:r>
-              <a:rPr lang="ko-KR" altLang="en-US" dirty="0">
-                <a:latin typeface="+mn-ea"/>
-              </a:rPr>
-              <a:t> </a:t>
-            </a:r>
-            <a:r>
-              <a:rPr lang="en-US" altLang="ko-KR" dirty="0">
-                <a:latin typeface="+mn-ea"/>
-              </a:rPr>
-              <a:t>upstream-address</a:t>
-            </a:r>
-          </a:p>
-          <a:p>
-            <a:pPr marL="533400" lvl="1" indent="-266700">
-              <a:buFont typeface="+mj-ea"/>
-              <a:buAutoNum type="circleNumDbPlain"/>
-            </a:pPr>
-            <a:r>
-              <a:rPr lang="ko-KR" altLang="en-US" dirty="0">
-                <a:latin typeface="+mn-ea"/>
-              </a:rPr>
-              <a:t>로컬저장소에서 작업 </a:t>
-            </a:r>
-            <a:r>
-              <a:rPr lang="en-US" altLang="ko-KR" dirty="0">
-                <a:latin typeface="+mn-ea"/>
-              </a:rPr>
-              <a:t>branch </a:t>
-            </a:r>
-            <a:r>
-              <a:rPr lang="ko-KR" altLang="en-US" dirty="0">
-                <a:latin typeface="+mn-ea"/>
-              </a:rPr>
-              <a:t>만들기</a:t>
-            </a:r>
-            <a:r>
-              <a:rPr lang="en-US" altLang="ko-KR" dirty="0">
-                <a:latin typeface="+mn-ea"/>
-              </a:rPr>
-              <a:t> ☞ git checkout</a:t>
-            </a:r>
-            <a:r>
-              <a:rPr lang="ko-KR" altLang="en-US" dirty="0">
-                <a:latin typeface="+mn-ea"/>
-              </a:rPr>
-              <a:t> </a:t>
-            </a:r>
-            <a:r>
-              <a:rPr lang="en-US" altLang="ko-KR" dirty="0">
-                <a:latin typeface="+mn-ea"/>
-              </a:rPr>
-              <a:t>-b</a:t>
-            </a:r>
-            <a:r>
-              <a:rPr lang="ko-KR" altLang="en-US" dirty="0">
-                <a:latin typeface="+mn-ea"/>
-              </a:rPr>
-              <a:t> </a:t>
-            </a:r>
-            <a:r>
-              <a:rPr lang="en-US" altLang="ko-KR" dirty="0">
-                <a:latin typeface="+mn-ea"/>
-              </a:rPr>
-              <a:t>new-branch</a:t>
-            </a:r>
-          </a:p>
-          <a:p>
-            <a:pPr marL="533400" lvl="1" indent="-266700">
-              <a:buFont typeface="+mj-ea"/>
-              <a:buAutoNum type="circleNumDbPlain"/>
-            </a:pPr>
-            <a:r>
-              <a:rPr lang="ko-KR" altLang="en-US" dirty="0">
-                <a:latin typeface="+mn-ea"/>
-              </a:rPr>
-              <a:t>기여할 내용 수정작업하기</a:t>
-            </a:r>
-            <a:endParaRPr lang="en-US" altLang="ko-KR" dirty="0">
-              <a:latin typeface="+mn-ea"/>
-            </a:endParaRPr>
-          </a:p>
-          <a:p>
-            <a:pPr marL="533400" lvl="1" indent="-266700">
-              <a:buFont typeface="+mj-ea"/>
-              <a:buAutoNum type="circleNumDbPlain"/>
-            </a:pPr>
-            <a:r>
-              <a:rPr lang="ko-KR" altLang="en-US" dirty="0">
-                <a:latin typeface="+mn-ea"/>
-              </a:rPr>
-              <a:t>나의 원격저장소</a:t>
-            </a:r>
-            <a:r>
-              <a:rPr lang="en-US" altLang="ko-KR" dirty="0">
-                <a:latin typeface="+mn-ea"/>
-              </a:rPr>
-              <a:t>(origin)</a:t>
-            </a:r>
-            <a:r>
-              <a:rPr lang="ko-KR" altLang="en-US" dirty="0">
-                <a:latin typeface="+mn-ea"/>
-              </a:rPr>
-              <a:t>로 </a:t>
-            </a:r>
-            <a:r>
-              <a:rPr lang="en-US" altLang="ko-KR" dirty="0">
-                <a:latin typeface="+mn-ea"/>
-              </a:rPr>
-              <a:t>push</a:t>
-            </a:r>
-            <a:r>
-              <a:rPr lang="ko-KR" altLang="en-US" dirty="0">
-                <a:latin typeface="+mn-ea"/>
-              </a:rPr>
-              <a:t>하기</a:t>
-            </a:r>
-            <a:r>
-              <a:rPr lang="en-US" altLang="ko-KR" dirty="0">
-                <a:latin typeface="+mn-ea"/>
-              </a:rPr>
-              <a:t> ☞ git push -u origin new-branch</a:t>
-            </a:r>
-          </a:p>
-          <a:p>
-            <a:pPr marL="533400" lvl="1" indent="-266700">
-              <a:buFont typeface="+mj-ea"/>
-              <a:buAutoNum type="circleNumDbPlain"/>
-            </a:pPr>
-            <a:r>
-              <a:rPr lang="ko-KR" altLang="en-US" dirty="0">
-                <a:latin typeface="+mn-ea"/>
-              </a:rPr>
-              <a:t>나의 원격저장소</a:t>
-            </a:r>
-            <a:r>
-              <a:rPr lang="en-US" altLang="ko-KR" dirty="0">
-                <a:latin typeface="+mn-ea"/>
-              </a:rPr>
-              <a:t>(origin)</a:t>
-            </a:r>
-            <a:r>
-              <a:rPr lang="ko-KR" altLang="en-US" dirty="0">
-                <a:latin typeface="+mn-ea"/>
-              </a:rPr>
-              <a:t>에서 </a:t>
-            </a:r>
-            <a:r>
-              <a:rPr lang="en-US" altLang="ko-KR" dirty="0">
-                <a:latin typeface="+mn-ea"/>
-              </a:rPr>
-              <a:t>Compare &amp; pull request </a:t>
-            </a:r>
-            <a:r>
-              <a:rPr lang="ko-KR" altLang="en-US" dirty="0">
-                <a:latin typeface="+mn-ea"/>
-              </a:rPr>
-              <a:t>하기</a:t>
-            </a:r>
-            <a:endParaRPr lang="en-US" altLang="ko-KR" dirty="0">
-              <a:latin typeface="+mn-ea"/>
-            </a:endParaRPr>
-          </a:p>
-          <a:p>
-            <a:pPr marL="533400" lvl="1" indent="-266700">
-              <a:buFont typeface="+mj-ea"/>
-              <a:buAutoNum type="circleNumDbPlain"/>
-            </a:pPr>
-            <a:r>
-              <a:rPr lang="ko-KR" altLang="en-US" dirty="0">
-                <a:latin typeface="+mn-ea"/>
-              </a:rPr>
-              <a:t>나의 원격저장소</a:t>
-            </a:r>
-            <a:r>
-              <a:rPr lang="en-US" altLang="ko-KR" dirty="0">
-                <a:latin typeface="+mn-ea"/>
-              </a:rPr>
-              <a:t>(origin)</a:t>
-            </a:r>
-            <a:r>
-              <a:rPr lang="ko-KR" altLang="en-US" dirty="0">
-                <a:latin typeface="+mn-ea"/>
-              </a:rPr>
-              <a:t>에서</a:t>
-            </a:r>
-            <a:r>
-              <a:rPr lang="en-US" altLang="ko-KR" dirty="0">
-                <a:latin typeface="+mn-ea"/>
-              </a:rPr>
-              <a:t> Create</a:t>
-            </a:r>
-            <a:r>
-              <a:rPr lang="ko-KR" altLang="en-US" dirty="0">
-                <a:latin typeface="+mn-ea"/>
-              </a:rPr>
-              <a:t> </a:t>
-            </a:r>
-            <a:r>
-              <a:rPr lang="en-US" altLang="ko-KR" dirty="0">
-                <a:latin typeface="+mn-ea"/>
-              </a:rPr>
-              <a:t>pull request</a:t>
-            </a:r>
-            <a:r>
-              <a:rPr lang="ko-KR" altLang="en-US" dirty="0">
-                <a:latin typeface="+mn-ea"/>
-              </a:rPr>
-              <a:t>하기</a:t>
-            </a:r>
-            <a:endParaRPr lang="en-US" altLang="ko-KR" dirty="0">
-              <a:latin typeface="+mn-ea"/>
-            </a:endParaRPr>
-          </a:p>
-          <a:p>
-            <a:pPr marL="533400" lvl="1" indent="-266700">
-              <a:buFont typeface="+mj-ea"/>
-              <a:buAutoNum type="circleNumDbPlain"/>
-            </a:pPr>
-            <a:r>
-              <a:rPr lang="en-US" altLang="ko-KR" dirty="0">
-                <a:latin typeface="+mn-ea"/>
-              </a:rPr>
-              <a:t>Merge</a:t>
-            </a:r>
-            <a:r>
-              <a:rPr lang="ko-KR" altLang="en-US" dirty="0">
-                <a:latin typeface="+mn-ea"/>
-              </a:rPr>
-              <a:t>된 후</a:t>
-            </a:r>
-            <a:r>
-              <a:rPr lang="en-US" altLang="ko-KR" dirty="0">
-                <a:latin typeface="+mn-ea"/>
-              </a:rPr>
-              <a:t>, upstream</a:t>
-            </a:r>
-            <a:r>
-              <a:rPr lang="ko-KR" altLang="en-US" dirty="0">
-                <a:latin typeface="+mn-ea"/>
-              </a:rPr>
-              <a:t>내용을 </a:t>
-            </a:r>
-            <a:r>
-              <a:rPr lang="en-US" altLang="ko-KR" dirty="0">
-                <a:latin typeface="+mn-ea"/>
-              </a:rPr>
-              <a:t>local</a:t>
-            </a:r>
-            <a:r>
-              <a:rPr lang="ko-KR" altLang="en-US" dirty="0">
-                <a:latin typeface="+mn-ea"/>
-              </a:rPr>
-              <a:t> 저장소에 </a:t>
-            </a:r>
-            <a:r>
-              <a:rPr lang="en-US" altLang="ko-KR" dirty="0">
-                <a:latin typeface="+mn-ea"/>
-              </a:rPr>
-              <a:t>pull</a:t>
-            </a:r>
-            <a:r>
-              <a:rPr lang="ko-KR" altLang="en-US" dirty="0">
-                <a:latin typeface="+mn-ea"/>
-              </a:rPr>
-              <a:t>하기</a:t>
-            </a:r>
-            <a:r>
-              <a:rPr lang="en-US" altLang="ko-KR" dirty="0">
-                <a:latin typeface="+mn-ea"/>
-              </a:rPr>
-              <a:t> ☞ git pull upstream main</a:t>
-            </a:r>
-          </a:p>
-          <a:p>
-            <a:pPr marL="533400" lvl="1" indent="-266700">
-              <a:buFont typeface="+mj-ea"/>
-              <a:buAutoNum type="circleNumDbPlain"/>
-            </a:pPr>
-            <a:r>
-              <a:rPr lang="ko-KR" altLang="en-US" dirty="0">
-                <a:latin typeface="+mn-ea"/>
-              </a:rPr>
-              <a:t>로컬저장소에서 작업한 </a:t>
-            </a:r>
-            <a:r>
-              <a:rPr lang="en-US" altLang="ko-KR" dirty="0">
-                <a:latin typeface="+mn-ea"/>
-              </a:rPr>
-              <a:t>branch </a:t>
-            </a:r>
-            <a:r>
-              <a:rPr lang="ko-KR" altLang="en-US" dirty="0">
-                <a:latin typeface="+mn-ea"/>
-              </a:rPr>
-              <a:t>지우기</a:t>
-            </a:r>
-            <a:r>
-              <a:rPr lang="en-US" altLang="ko-KR" dirty="0">
-                <a:latin typeface="+mn-ea"/>
-              </a:rPr>
-              <a:t> ☞ git branch -d new-branch</a:t>
-            </a:r>
-          </a:p>
-          <a:p>
-            <a:pPr marL="533400" lvl="1" indent="-266700">
-              <a:buFont typeface="+mj-ea"/>
-              <a:buAutoNum type="circleNumDbPlain"/>
-            </a:pPr>
-            <a:r>
-              <a:rPr lang="ko-KR" altLang="en-US" dirty="0">
-                <a:latin typeface="+mn-ea"/>
-              </a:rPr>
-              <a:t>로컬저장소 내용을 </a:t>
-            </a:r>
-            <a:r>
-              <a:rPr lang="en-US" altLang="ko-KR" dirty="0">
-                <a:latin typeface="+mn-ea"/>
-              </a:rPr>
-              <a:t>origin</a:t>
-            </a:r>
-            <a:r>
-              <a:rPr lang="ko-KR" altLang="en-US" dirty="0">
-                <a:latin typeface="+mn-ea"/>
-              </a:rPr>
-              <a:t>으로 </a:t>
-            </a:r>
-            <a:r>
-              <a:rPr lang="en-US" altLang="ko-KR" dirty="0">
-                <a:latin typeface="+mn-ea"/>
-              </a:rPr>
-              <a:t>push</a:t>
-            </a:r>
-            <a:r>
-              <a:rPr lang="ko-KR" altLang="en-US" dirty="0">
-                <a:latin typeface="+mn-ea"/>
-              </a:rPr>
-              <a:t>하기</a:t>
-            </a:r>
-            <a:r>
-              <a:rPr lang="en-US" altLang="ko-KR" dirty="0">
-                <a:latin typeface="+mn-ea"/>
-              </a:rPr>
-              <a:t> ☞ git push origin main</a:t>
-            </a:r>
-          </a:p>
-          <a:p>
-            <a:pPr marL="533400" lvl="1" indent="-266700">
-              <a:buFont typeface="+mj-ea"/>
-              <a:buAutoNum type="circleNumDbPlain"/>
-            </a:pPr>
-            <a:r>
-              <a:rPr lang="ko-KR" altLang="en-US" dirty="0">
-                <a:latin typeface="+mn-ea"/>
-              </a:rPr>
-              <a:t>원격저장소</a:t>
-            </a:r>
-            <a:r>
-              <a:rPr lang="en-US" altLang="ko-KR" dirty="0">
-                <a:latin typeface="+mn-ea"/>
-              </a:rPr>
-              <a:t>(origin) </a:t>
-            </a:r>
-            <a:r>
-              <a:rPr lang="ko-KR" altLang="en-US" dirty="0" err="1">
-                <a:latin typeface="+mn-ea"/>
-              </a:rPr>
-              <a:t>브랜치</a:t>
-            </a:r>
-            <a:r>
-              <a:rPr lang="ko-KR" altLang="en-US" dirty="0">
-                <a:latin typeface="+mn-ea"/>
-              </a:rPr>
-              <a:t> 삭제하기</a:t>
-            </a:r>
-            <a:r>
-              <a:rPr lang="en-US" altLang="ko-KR" dirty="0">
-                <a:latin typeface="+mn-ea"/>
-              </a:rPr>
-              <a:t> ☞ git push -d origin new-branch </a:t>
-            </a:r>
           </a:p>
           <a:p>
             <a:pPr marL="533400" lvl="1" indent="-266700">
@@ -38882,7 +38108,7 @@
           <p:cNvPr id="3" name="슬라이드 번호 개체 틀 2">
             <a:extLst>
               <a:ext uri="{FF2B5EF4-FFF2-40B4-BE49-F238E27FC236}">
-                <a16:creationId xmlns:a16="http://schemas.microsoft.com/office/drawing/2014/main" id="{79775DA8-C328-47D1-90D8-4B02555F6B3F}"/>
+                <a16:creationId xmlns:a16="http://schemas.microsoft.com/office/drawing/2014/main" id="{E7077362-8864-43F0-9B0D-3A411B8CBC1E}"/>
               </a:ext>
             </a:extLst>
           </p:cNvPr>
@@ -38914,7 +38140,7 @@
     </p:spTree>
     <p:extLst>
       <p:ext uri="{BB962C8B-B14F-4D97-AF65-F5344CB8AC3E}">
-        <p14:creationId xmlns:p14="http://schemas.microsoft.com/office/powerpoint/2010/main" val="473554646"/>
+        <p14:creationId xmlns:p14="http://schemas.microsoft.com/office/powerpoint/2010/main" val="643486013"/>
       </p:ext>
     </p:extLst>
   </p:cSld>
@@ -38970,9 +38196,26 @@
           <a:lstStyle/>
           <a:p>
             <a:r>
+              <a:rPr lang="en-US" altLang="ko-KR" dirty="0"/>
+              <a:t>Fork</a:t>
+            </a:r>
+            <a:r>
               <a:rPr lang="ko-KR" altLang="en-US" dirty="0"/>
-              <a:t>오픈소스 참조</a:t>
-            </a:r>
+              <a:t>후</a:t>
+            </a:r>
+            <a:r>
+              <a:rPr lang="en-US" altLang="ko-KR" dirty="0"/>
+              <a:t>, collaborator </a:t>
+            </a:r>
+            <a:r>
+              <a:rPr lang="ko-KR" altLang="en-US" dirty="0"/>
+              <a:t>선정되면</a:t>
+            </a:r>
+            <a:r>
+              <a:rPr lang="en-US" altLang="ko-KR" dirty="0"/>
+              <a:t>?</a:t>
+            </a:r>
+            <a:endParaRPr lang="ko-KR" altLang="en-US" dirty="0"/>
           </a:p>
         </p:txBody>
       </p:sp>
@@ -39145,350 +38388,6 @@
           <a:p>
             <a:r>
               <a:rPr lang="ko-KR" altLang="en-US" dirty="0"/>
-              <a:t>오픈소스 소개</a:t>
-            </a:r>
-            <a:endParaRPr lang="en-US" altLang="ko-KR" dirty="0"/>
-          </a:p>
-          <a:p>
-            <a:pPr marL="0" indent="0">
-              <a:buNone/>
-            </a:pPr>
-            <a:r>
-              <a:rPr lang="en-US" altLang="ko-KR" sz="1800" b="0" dirty="0">
-                <a:latin typeface="+mn-ea"/>
-              </a:rPr>
-              <a:t>  </a:t>
-            </a:r>
-            <a:r>
-              <a:rPr lang="ko-KR" altLang="en-US" sz="1800" b="0" dirty="0">
-                <a:latin typeface="+mn-ea"/>
-              </a:rPr>
-              <a:t>네이버 오픈소스 가이드 </a:t>
-            </a:r>
-            <a:r>
-              <a:rPr lang="en-US" altLang="ko-KR" sz="1800" b="0" dirty="0">
-                <a:latin typeface="+mn-ea"/>
-              </a:rPr>
-              <a:t>:     </a:t>
-            </a:r>
-          </a:p>
-          <a:p>
-            <a:pPr marL="0" indent="0">
-              <a:buNone/>
-            </a:pPr>
-            <a:r>
-              <a:rPr lang="en-US" altLang="ko-KR" sz="1800" b="0" dirty="0">
-                <a:hlinkClick r:id="rId3"/>
-              </a:rPr>
-              <a:t>  </a:t>
-            </a:r>
-            <a:r>
-              <a:rPr lang="en-US" altLang="ko-KR" sz="1800" b="0" dirty="0">
-                <a:latin typeface="+mn-ea"/>
-                <a:hlinkClick r:id="rId3"/>
-              </a:rPr>
-              <a:t>https://naver.github.io/OpenSourceGuide/book/</a:t>
-            </a:r>
-            <a:endParaRPr lang="en-US" altLang="ko-KR" sz="1800" b="0" dirty="0">
-              <a:latin typeface="+mn-ea"/>
-            </a:endParaRPr>
-          </a:p>
-          <a:p>
-            <a:pPr marL="533400" lvl="1" indent="-266700">
-              <a:buFont typeface="+mj-ea"/>
-              <a:buAutoNum type="circleNumDbPlain"/>
-            </a:pPr>
-            <a:endParaRPr lang="en-US" altLang="ko-KR" dirty="0">
-              <a:latin typeface="+mn-ea"/>
-            </a:endParaRPr>
-          </a:p>
-        </p:txBody>
-      </p:sp>
-      <p:sp>
-        <p:nvSpPr>
-          <p:cNvPr id="3" name="슬라이드 번호 개체 틀 2">
-            <a:extLst>
-              <a:ext uri="{FF2B5EF4-FFF2-40B4-BE49-F238E27FC236}">
-                <a16:creationId xmlns:a16="http://schemas.microsoft.com/office/drawing/2014/main" id="{E7077362-8864-43F0-9B0D-3A411B8CBC1E}"/>
-              </a:ext>
-            </a:extLst>
-          </p:cNvPr>
-          <p:cNvSpPr>
-            <a:spLocks noGrp="1"/>
-          </p:cNvSpPr>
-          <p:nvPr>
-            <p:ph type="sldNum" sz="quarter" idx="12"/>
-          </p:nvPr>
-        </p:nvSpPr>
-        <p:spPr/>
-        <p:txBody>
-          <a:bodyPr/>
-          <a:lstStyle/>
-          <a:p>
-            <a:fld id="{526ADF51-C4A2-4521-899C-87F34FDB9C0A}" type="slidenum">
-              <a:rPr lang="ko-KR" altLang="en-US" smtClean="0"/>
-              <a:pPr/>
-              <a:t>47</a:t>
-            </a:fld>
-            <a:r>
-              <a:rPr lang="en-US" altLang="ko-KR"/>
-              <a:t>/46</a:t>
-            </a:r>
-            <a:endParaRPr lang="ko-KR" altLang="en-US" dirty="0"/>
-          </a:p>
-        </p:txBody>
-      </p:sp>
-    </p:spTree>
-    <p:extLst>
-      <p:ext uri="{BB962C8B-B14F-4D97-AF65-F5344CB8AC3E}">
-        <p14:creationId xmlns:p14="http://schemas.microsoft.com/office/powerpoint/2010/main" val="643486013"/>
-      </p:ext>
-    </p:extLst>
-  </p:cSld>
-  <p:clrMapOvr>
-    <a:masterClrMapping/>
-  </p:clrMapOvr>
-</p:sld>
-</file>
-
-<file path=ppt/slides/slide48.xml><?xml version="1.0" encoding="utf-8"?>
-<p:sld xmlns:a="http://schemas.openxmlformats.org/drawingml/2006/main" xmlns:r="http://schemas.openxmlformats.org/officeDocument/2006/relationships" xmlns:p="http://schemas.openxmlformats.org/presentationml/2006/main">
-  <p:cSld>
-    <p:spTree>
-      <p:nvGrpSpPr>
-        <p:cNvPr id="1" name=""/>
-        <p:cNvGrpSpPr/>
-        <p:nvPr/>
-      </p:nvGrpSpPr>
-      <p:grpSpPr>
-        <a:xfrm>
-          <a:off x="0" y="0"/>
-          <a:ext cx="0" cy="0"/>
-          <a:chOff x="0" y="0"/>
-          <a:chExt cx="0" cy="0"/>
-        </a:xfrm>
-      </p:grpSpPr>
-      <p:sp>
-        <p:nvSpPr>
-          <p:cNvPr id="4" name="제목 3">
-            <a:extLst>
-              <a:ext uri="{FF2B5EF4-FFF2-40B4-BE49-F238E27FC236}">
-                <a16:creationId xmlns:a16="http://schemas.microsoft.com/office/drawing/2014/main" id="{F0CEB32B-CB43-4410-BA08-A97E4BC47FCB}"/>
-              </a:ext>
-            </a:extLst>
-          </p:cNvPr>
-          <p:cNvSpPr>
-            <a:spLocks noGrp="1"/>
-          </p:cNvSpPr>
-          <p:nvPr>
-            <p:ph type="title"/>
-          </p:nvPr>
-        </p:nvSpPr>
-        <p:spPr>
-          <a:xfrm>
-            <a:off x="539551" y="192300"/>
-            <a:ext cx="8244853" cy="576064"/>
-          </a:xfrm>
-        </p:spPr>
-        <p:txBody>
-          <a:bodyPr>
-            <a:normAutofit/>
-          </a:bodyPr>
-          <a:lstStyle/>
-          <a:p>
-            <a:r>
-              <a:rPr lang="en-US" altLang="ko-KR" dirty="0"/>
-              <a:t>Fork</a:t>
-            </a:r>
-            <a:r>
-              <a:rPr lang="ko-KR" altLang="en-US" dirty="0"/>
-              <a:t>후</a:t>
-            </a:r>
-            <a:r>
-              <a:rPr lang="en-US" altLang="ko-KR" dirty="0"/>
-              <a:t>, collaborator </a:t>
-            </a:r>
-            <a:r>
-              <a:rPr lang="ko-KR" altLang="en-US" dirty="0"/>
-              <a:t>선정되면</a:t>
-            </a:r>
-            <a:r>
-              <a:rPr lang="en-US" altLang="ko-KR" dirty="0"/>
-              <a:t>?</a:t>
-            </a:r>
-            <a:endParaRPr lang="ko-KR" altLang="en-US" dirty="0"/>
-          </a:p>
-        </p:txBody>
-      </p:sp>
-      <p:sp>
-        <p:nvSpPr>
-          <p:cNvPr id="11" name="내용 개체 틀 2">
-            <a:extLst>
-              <a:ext uri="{FF2B5EF4-FFF2-40B4-BE49-F238E27FC236}">
-                <a16:creationId xmlns:a16="http://schemas.microsoft.com/office/drawing/2014/main" id="{A44AC902-3746-40D6-9827-94B46EEDDC67}"/>
-              </a:ext>
-            </a:extLst>
-          </p:cNvPr>
-          <p:cNvSpPr txBox="1">
-            <a:spLocks/>
-          </p:cNvSpPr>
-          <p:nvPr/>
-        </p:nvSpPr>
-        <p:spPr>
-          <a:xfrm>
-            <a:off x="341787" y="957257"/>
-            <a:ext cx="8642350" cy="5225829"/>
-          </a:xfrm>
-          <a:prstGeom prst="rect">
-            <a:avLst/>
-          </a:prstGeom>
-        </p:spPr>
-        <p:txBody>
-          <a:bodyPr vert="horz" lIns="91440" tIns="45720" rIns="91440" bIns="45720" rtlCol="0">
-            <a:noAutofit/>
-          </a:bodyPr>
-          <a:lstStyle>
-            <a:lvl1pPr marL="266700" indent="-266700" defTabSz="914400" latinLnBrk="1">
-              <a:lnSpc>
-                <a:spcPct val="150000"/>
-              </a:lnSpc>
-              <a:spcBef>
-                <a:spcPct val="0"/>
-              </a:spcBef>
-              <a:buClr>
-                <a:schemeClr val="tx1">
-                  <a:lumMod val="65000"/>
-                  <a:lumOff val="35000"/>
-                </a:schemeClr>
-              </a:buClr>
-              <a:buFont typeface="Wingdings" pitchFamily="2" charset="2"/>
-              <a:buChar char="n"/>
-              <a:defRPr sz="2000" b="1">
-                <a:latin typeface="+mn-ea"/>
-              </a:defRPr>
-            </a:lvl1pPr>
-            <a:lvl2pPr marL="447675" lvl="1" indent="-180975" defTabSz="914400" latinLnBrk="1">
-              <a:lnSpc>
-                <a:spcPct val="150000"/>
-              </a:lnSpc>
-              <a:spcBef>
-                <a:spcPts val="0"/>
-              </a:spcBef>
-              <a:spcAft>
-                <a:spcPts val="0"/>
-              </a:spcAft>
-              <a:buClr>
-                <a:schemeClr val="tx1">
-                  <a:lumMod val="50000"/>
-                  <a:lumOff val="50000"/>
-                </a:schemeClr>
-              </a:buClr>
-              <a:buFont typeface="Wingdings" pitchFamily="2" charset="2"/>
-              <a:buChar char="§"/>
-              <a:defRPr sz="1600"/>
-            </a:lvl2pPr>
-            <a:lvl3pPr marL="628650" indent="-180975" defTabSz="914400" latinLnBrk="1">
-              <a:lnSpc>
-                <a:spcPct val="150000"/>
-              </a:lnSpc>
-              <a:spcBef>
-                <a:spcPts val="500"/>
-              </a:spcBef>
-              <a:spcAft>
-                <a:spcPts val="300"/>
-              </a:spcAft>
-              <a:buClr>
-                <a:schemeClr val="tx1">
-                  <a:lumMod val="65000"/>
-                  <a:lumOff val="35000"/>
-                </a:schemeClr>
-              </a:buClr>
-              <a:buFont typeface="Arial" panose="020B0604020202020204" pitchFamily="34" charset="0"/>
-              <a:buChar char="•"/>
-              <a:defRPr sz="1400"/>
-            </a:lvl3pPr>
-            <a:lvl4pPr marL="809625" indent="-180975" defTabSz="914400" latinLnBrk="1">
-              <a:lnSpc>
-                <a:spcPct val="150000"/>
-              </a:lnSpc>
-              <a:spcBef>
-                <a:spcPts val="500"/>
-              </a:spcBef>
-              <a:spcAft>
-                <a:spcPts val="300"/>
-              </a:spcAft>
-              <a:buClr>
-                <a:schemeClr val="tx1">
-                  <a:lumMod val="65000"/>
-                  <a:lumOff val="35000"/>
-                </a:schemeClr>
-              </a:buClr>
-              <a:buSzPct val="96000"/>
-              <a:buFont typeface="Arial" panose="020B0604020202020204" pitchFamily="34" charset="0"/>
-              <a:buChar char="•"/>
-              <a:defRPr sz="1200"/>
-            </a:lvl4pPr>
-            <a:lvl5pPr marL="990600" indent="-180975" defTabSz="914400" latinLnBrk="1">
-              <a:lnSpc>
-                <a:spcPct val="150000"/>
-              </a:lnSpc>
-              <a:spcBef>
-                <a:spcPts val="500"/>
-              </a:spcBef>
-              <a:buClr>
-                <a:schemeClr val="tx1">
-                  <a:lumMod val="65000"/>
-                  <a:lumOff val="35000"/>
-                </a:schemeClr>
-              </a:buClr>
-              <a:buFont typeface="Arial" panose="020B0604020202020204" pitchFamily="34" charset="0"/>
-              <a:buChar char="•"/>
-              <a:defRPr sz="1000"/>
-            </a:lvl5pPr>
-            <a:lvl6pPr marL="2514600" indent="-228600" defTabSz="914400" latinLnBrk="1">
-              <a:lnSpc>
-                <a:spcPct val="90000"/>
-              </a:lnSpc>
-              <a:spcBef>
-                <a:spcPts val="500"/>
-              </a:spcBef>
-              <a:buFont typeface="Arial" panose="020B0604020202020204" pitchFamily="34" charset="0"/>
-              <a:buChar char="•"/>
-            </a:lvl6pPr>
-            <a:lvl7pPr marL="2971800" indent="-228600" defTabSz="914400" latinLnBrk="1">
-              <a:lnSpc>
-                <a:spcPct val="90000"/>
-              </a:lnSpc>
-              <a:spcBef>
-                <a:spcPts val="500"/>
-              </a:spcBef>
-              <a:buFont typeface="Arial" panose="020B0604020202020204" pitchFamily="34" charset="0"/>
-              <a:buChar char="•"/>
-            </a:lvl7pPr>
-            <a:lvl8pPr marL="3429000" indent="-228600" defTabSz="914400" latinLnBrk="1">
-              <a:lnSpc>
-                <a:spcPct val="90000"/>
-              </a:lnSpc>
-              <a:spcBef>
-                <a:spcPts val="500"/>
-              </a:spcBef>
-              <a:buFont typeface="Arial" panose="020B0604020202020204" pitchFamily="34" charset="0"/>
-              <a:buChar char="•"/>
-            </a:lvl8pPr>
-            <a:lvl9pPr marL="3886200" indent="-228600" defTabSz="914400" latinLnBrk="1">
-              <a:lnSpc>
-                <a:spcPct val="90000"/>
-              </a:lnSpc>
-              <a:spcBef>
-                <a:spcPts val="500"/>
-              </a:spcBef>
-              <a:buFont typeface="Arial" panose="020B0604020202020204" pitchFamily="34" charset="0"/>
-              <a:buChar char="•"/>
-            </a:lvl9pPr>
-          </a:lstStyle>
-          <a:p>
-            <a:r>
-              <a:rPr lang="ko-KR" altLang="en-US" dirty="0"/>
               <a:t>나의 원격저장소에 </a:t>
             </a:r>
             <a:r>
@@ -40023,7 +38922,7 @@
             <a:fld id="{526ADF51-C4A2-4521-899C-87F34FDB9C0A}" type="slidenum">
               <a:rPr lang="ko-KR" altLang="en-US" smtClean="0"/>
               <a:pPr/>
-              <a:t>48</a:t>
+              <a:t>47</a:t>
             </a:fld>
             <a:r>
               <a:rPr lang="en-US" altLang="ko-KR"/>

--- a/git및github첫걸음3-forkclonePR.pptx
+++ b/git및github첫걸음3-forkclonePR.pptx
@@ -5,7 +5,7 @@
     <p:sldMasterId id="2147483660" r:id="rId1"/>
   </p:sldMasterIdLst>
   <p:notesMasterIdLst>
-    <p:notesMasterId r:id="rId50"/>
+    <p:notesMasterId r:id="rId51"/>
   </p:notesMasterIdLst>
   <p:sldIdLst>
     <p:sldId id="369" r:id="rId2"/>
@@ -53,9 +53,10 @@
     <p:sldId id="474" r:id="rId44"/>
     <p:sldId id="475" r:id="rId45"/>
     <p:sldId id="493" r:id="rId46"/>
-    <p:sldId id="476" r:id="rId47"/>
-    <p:sldId id="480" r:id="rId48"/>
-    <p:sldId id="479" r:id="rId49"/>
+    <p:sldId id="495" r:id="rId47"/>
+    <p:sldId id="476" r:id="rId48"/>
+    <p:sldId id="480" r:id="rId49"/>
+    <p:sldId id="479" r:id="rId50"/>
   </p:sldIdLst>
   <p:sldSz cx="9144000" cy="6858000" type="screen4x3"/>
   <p:notesSz cx="6858000" cy="9144000"/>
@@ -255,7 +256,7 @@
           <a:p>
             <a:fld id="{A17B9194-BDE3-40E3-983E-94CE6FA773AF}" type="datetimeFigureOut">
               <a:rPr lang="ko-KR" altLang="en-US" smtClean="0"/>
-              <a:t>2021-05-07</a:t>
+              <a:t>2021-07-13</a:t>
             </a:fld>
             <a:endParaRPr lang="ko-KR" altLang="en-US"/>
           </a:p>
@@ -4977,14 +4978,6 @@
           <a:bodyPr/>
           <a:lstStyle/>
           <a:p>
-            <a:r>
-              <a:rPr lang="ko-KR" altLang="en-US" dirty="0"/>
-              <a:t>참조 </a:t>
-            </a:r>
-            <a:r>
-              <a:rPr lang="en-US" altLang="ko-KR" dirty="0"/>
-              <a:t>: https://opensource.com/article/19/7/create-pull-request-github</a:t>
-            </a:r>
             <a:endParaRPr lang="ko-KR" altLang="en-US" dirty="0"/>
           </a:p>
         </p:txBody>
@@ -5015,7 +5008,7 @@
     </p:spTree>
     <p:extLst>
       <p:ext uri="{BB962C8B-B14F-4D97-AF65-F5344CB8AC3E}">
-        <p14:creationId xmlns:p14="http://schemas.microsoft.com/office/powerpoint/2010/main" val="3921415717"/>
+        <p14:creationId xmlns:p14="http://schemas.microsoft.com/office/powerpoint/2010/main" val="1152092910"/>
       </p:ext>
     </p:extLst>
   </p:cSld>
@@ -5069,6 +5062,14 @@
           <a:bodyPr/>
           <a:lstStyle/>
           <a:p>
+            <a:r>
+              <a:rPr lang="ko-KR" altLang="en-US" dirty="0"/>
+              <a:t>참조 </a:t>
+            </a:r>
+            <a:r>
+              <a:rPr lang="en-US" altLang="ko-KR" dirty="0"/>
+              <a:t>: https://opensource.com/article/19/7/create-pull-request-github</a:t>
+            </a:r>
             <a:endParaRPr lang="ko-KR" altLang="en-US" dirty="0"/>
           </a:p>
         </p:txBody>
@@ -5099,7 +5100,7 @@
     </p:spTree>
     <p:extLst>
       <p:ext uri="{BB962C8B-B14F-4D97-AF65-F5344CB8AC3E}">
-        <p14:creationId xmlns:p14="http://schemas.microsoft.com/office/powerpoint/2010/main" val="643792404"/>
+        <p14:creationId xmlns:p14="http://schemas.microsoft.com/office/powerpoint/2010/main" val="3921415717"/>
       </p:ext>
     </p:extLst>
   </p:cSld>
@@ -5175,6 +5176,90 @@
             <a:fld id="{625D4AC4-540A-4436-887D-BF6A8FCF1275}" type="slidenum">
               <a:rPr lang="ko-KR" altLang="en-US" smtClean="0"/>
               <a:t>48</a:t>
+            </a:fld>
+            <a:endParaRPr lang="ko-KR" altLang="en-US"/>
+          </a:p>
+        </p:txBody>
+      </p:sp>
+    </p:spTree>
+    <p:extLst>
+      <p:ext uri="{BB962C8B-B14F-4D97-AF65-F5344CB8AC3E}">
+        <p14:creationId xmlns:p14="http://schemas.microsoft.com/office/powerpoint/2010/main" val="643792404"/>
+      </p:ext>
+    </p:extLst>
+  </p:cSld>
+  <p:clrMapOvr>
+    <a:masterClrMapping/>
+  </p:clrMapOvr>
+</p:notes>
+</file>
+
+<file path=ppt/notesSlides/notesSlide48.xml><?xml version="1.0" encoding="utf-8"?>
+<p:notes xmlns:a="http://schemas.openxmlformats.org/drawingml/2006/main" xmlns:r="http://schemas.openxmlformats.org/officeDocument/2006/relationships" xmlns:p="http://schemas.openxmlformats.org/presentationml/2006/main">
+  <p:cSld>
+    <p:spTree>
+      <p:nvGrpSpPr>
+        <p:cNvPr id="1" name=""/>
+        <p:cNvGrpSpPr/>
+        <p:nvPr/>
+      </p:nvGrpSpPr>
+      <p:grpSpPr>
+        <a:xfrm>
+          <a:off x="0" y="0"/>
+          <a:ext cx="0" cy="0"/>
+          <a:chOff x="0" y="0"/>
+          <a:chExt cx="0" cy="0"/>
+        </a:xfrm>
+      </p:grpSpPr>
+      <p:sp>
+        <p:nvSpPr>
+          <p:cNvPr id="2" name="슬라이드 이미지 개체 틀 1"/>
+          <p:cNvSpPr>
+            <a:spLocks noGrp="1" noRot="1" noChangeAspect="1"/>
+          </p:cNvSpPr>
+          <p:nvPr>
+            <p:ph type="sldImg"/>
+          </p:nvPr>
+        </p:nvSpPr>
+        <p:spPr/>
+      </p:sp>
+      <p:sp>
+        <p:nvSpPr>
+          <p:cNvPr id="3" name="슬라이드 노트 개체 틀 2"/>
+          <p:cNvSpPr>
+            <a:spLocks noGrp="1"/>
+          </p:cNvSpPr>
+          <p:nvPr>
+            <p:ph type="body" idx="1"/>
+          </p:nvPr>
+        </p:nvSpPr>
+        <p:spPr/>
+        <p:txBody>
+          <a:bodyPr/>
+          <a:lstStyle/>
+          <a:p>
+            <a:endParaRPr lang="ko-KR" altLang="en-US" dirty="0"/>
+          </a:p>
+        </p:txBody>
+      </p:sp>
+      <p:sp>
+        <p:nvSpPr>
+          <p:cNvPr id="4" name="슬라이드 번호 개체 틀 3"/>
+          <p:cNvSpPr>
+            <a:spLocks noGrp="1"/>
+          </p:cNvSpPr>
+          <p:nvPr>
+            <p:ph type="sldNum" sz="quarter" idx="10"/>
+          </p:nvPr>
+        </p:nvSpPr>
+        <p:spPr/>
+        <p:txBody>
+          <a:bodyPr/>
+          <a:lstStyle/>
+          <a:p>
+            <a:fld id="{625D4AC4-540A-4436-887D-BF6A8FCF1275}" type="slidenum">
+              <a:rPr lang="ko-KR" altLang="en-US" smtClean="0"/>
+              <a:t>49</a:t>
             </a:fld>
             <a:endParaRPr lang="ko-KR" altLang="en-US"/>
           </a:p>
@@ -6082,7 +6167,7 @@
             </a:fld>
             <a:r>
               <a:rPr lang="en-US" altLang="ko-KR" dirty="0"/>
-              <a:t>/45</a:t>
+              <a:t>/47</a:t>
             </a:r>
             <a:endParaRPr lang="ko-KR" altLang="en-US" dirty="0"/>
           </a:p>
@@ -36609,754 +36694,6 @@
       </p:sp>
       <p:sp>
         <p:nvSpPr>
-          <p:cNvPr id="5" name="모서리가 둥근 직사각형 1">
-            <a:extLst>
-              <a:ext uri="{FF2B5EF4-FFF2-40B4-BE49-F238E27FC236}">
-                <a16:creationId xmlns:a16="http://schemas.microsoft.com/office/drawing/2014/main" id="{7014267D-63BC-4903-9B3F-CD162D7BADDA}"/>
-              </a:ext>
-            </a:extLst>
-          </p:cNvPr>
-          <p:cNvSpPr/>
-          <p:nvPr/>
-        </p:nvSpPr>
-        <p:spPr>
-          <a:xfrm>
-            <a:off x="1258305" y="3215426"/>
-            <a:ext cx="1907435" cy="420964"/>
-          </a:xfrm>
-          <a:prstGeom prst="roundRect">
-            <a:avLst>
-              <a:gd name="adj" fmla="val 5181"/>
-            </a:avLst>
-          </a:prstGeom>
-          <a:solidFill>
-            <a:schemeClr val="bg1">
-              <a:lumMod val="95000"/>
-            </a:schemeClr>
-          </a:solidFill>
-          <a:ln w="19050">
-            <a:solidFill>
-              <a:schemeClr val="tx1">
-                <a:lumMod val="50000"/>
-                <a:lumOff val="50000"/>
-              </a:schemeClr>
-            </a:solidFill>
-          </a:ln>
-        </p:spPr>
-        <p:style>
-          <a:lnRef idx="2">
-            <a:schemeClr val="accent1">
-              <a:shade val="50000"/>
-            </a:schemeClr>
-          </a:lnRef>
-          <a:fillRef idx="1">
-            <a:schemeClr val="accent1"/>
-          </a:fillRef>
-          <a:effectRef idx="0">
-            <a:schemeClr val="accent1"/>
-          </a:effectRef>
-          <a:fontRef idx="minor">
-            <a:schemeClr val="lt1"/>
-          </a:fontRef>
-        </p:style>
-        <p:txBody>
-          <a:bodyPr rtlCol="0" anchor="ctr"/>
-          <a:lstStyle/>
-          <a:p>
-            <a:pPr algn="ctr"/>
-            <a:r>
-              <a:rPr lang="en-US" altLang="ko-KR" sz="1400" dirty="0">
-                <a:solidFill>
-                  <a:schemeClr val="tx1"/>
-                </a:solidFill>
-              </a:rPr>
-              <a:t>main      </a:t>
-            </a:r>
-            <a:endParaRPr lang="ko-KR" altLang="en-US" sz="1400" dirty="0">
-              <a:solidFill>
-                <a:schemeClr val="tx1"/>
-              </a:solidFill>
-            </a:endParaRPr>
-          </a:p>
-        </p:txBody>
-      </p:sp>
-      <p:sp>
-        <p:nvSpPr>
-          <p:cNvPr id="6" name="모서리가 둥근 직사각형 7">
-            <a:extLst>
-              <a:ext uri="{FF2B5EF4-FFF2-40B4-BE49-F238E27FC236}">
-                <a16:creationId xmlns:a16="http://schemas.microsoft.com/office/drawing/2014/main" id="{B2BE4505-8867-44DB-B146-5CC8D0E24440}"/>
-              </a:ext>
-            </a:extLst>
-          </p:cNvPr>
-          <p:cNvSpPr/>
-          <p:nvPr/>
-        </p:nvSpPr>
-        <p:spPr>
-          <a:xfrm>
-            <a:off x="5275339" y="3636389"/>
-            <a:ext cx="1907435" cy="373609"/>
-          </a:xfrm>
-          <a:prstGeom prst="roundRect">
-            <a:avLst>
-              <a:gd name="adj" fmla="val 5181"/>
-            </a:avLst>
-          </a:prstGeom>
-          <a:solidFill>
-            <a:schemeClr val="bg1">
-              <a:lumMod val="95000"/>
-            </a:schemeClr>
-          </a:solidFill>
-          <a:ln w="15875">
-            <a:solidFill>
-              <a:srgbClr val="0000FF"/>
-            </a:solidFill>
-          </a:ln>
-        </p:spPr>
-        <p:style>
-          <a:lnRef idx="2">
-            <a:schemeClr val="accent1">
-              <a:shade val="50000"/>
-            </a:schemeClr>
-          </a:lnRef>
-          <a:fillRef idx="1">
-            <a:schemeClr val="accent1"/>
-          </a:fillRef>
-          <a:effectRef idx="0">
-            <a:schemeClr val="accent1"/>
-          </a:effectRef>
-          <a:fontRef idx="minor">
-            <a:schemeClr val="lt1"/>
-          </a:fontRef>
-        </p:style>
-        <p:txBody>
-          <a:bodyPr rtlCol="0" anchor="ctr"/>
-          <a:lstStyle/>
-          <a:p>
-            <a:pPr algn="ctr"/>
-            <a:r>
-              <a:rPr lang="en-US" altLang="ko-KR" sz="1400" dirty="0">
-                <a:solidFill>
-                  <a:srgbClr val="FF0000"/>
-                </a:solidFill>
-              </a:rPr>
-              <a:t>develop</a:t>
-            </a:r>
-          </a:p>
-        </p:txBody>
-      </p:sp>
-      <p:sp>
-        <p:nvSpPr>
-          <p:cNvPr id="8" name="모서리가 둥근 직사각형 8">
-            <a:extLst>
-              <a:ext uri="{FF2B5EF4-FFF2-40B4-BE49-F238E27FC236}">
-                <a16:creationId xmlns:a16="http://schemas.microsoft.com/office/drawing/2014/main" id="{8EB018F2-D060-4225-8C5A-C79FC8D50203}"/>
-              </a:ext>
-            </a:extLst>
-          </p:cNvPr>
-          <p:cNvSpPr/>
-          <p:nvPr/>
-        </p:nvSpPr>
-        <p:spPr>
-          <a:xfrm>
-            <a:off x="1258306" y="2972387"/>
-            <a:ext cx="899565" cy="246177"/>
-          </a:xfrm>
-          <a:prstGeom prst="roundRect">
-            <a:avLst/>
-          </a:prstGeom>
-          <a:solidFill>
-            <a:schemeClr val="accent3">
-              <a:lumMod val="40000"/>
-              <a:lumOff val="60000"/>
-            </a:schemeClr>
-          </a:solidFill>
-          <a:ln w="19050">
-            <a:solidFill>
-              <a:schemeClr val="tx1"/>
-            </a:solidFill>
-          </a:ln>
-        </p:spPr>
-        <p:style>
-          <a:lnRef idx="2">
-            <a:schemeClr val="accent1">
-              <a:shade val="50000"/>
-            </a:schemeClr>
-          </a:lnRef>
-          <a:fillRef idx="1">
-            <a:schemeClr val="accent1"/>
-          </a:fillRef>
-          <a:effectRef idx="0">
-            <a:schemeClr val="accent1"/>
-          </a:effectRef>
-          <a:fontRef idx="minor">
-            <a:schemeClr val="lt1"/>
-          </a:fontRef>
-        </p:style>
-        <p:txBody>
-          <a:bodyPr rtlCol="0" anchor="ctr"/>
-          <a:lstStyle/>
-          <a:p>
-            <a:pPr algn="ctr"/>
-            <a:r>
-              <a:rPr lang="en-US" altLang="ko-KR" sz="1400" dirty="0">
-                <a:solidFill>
-                  <a:schemeClr val="tx1"/>
-                </a:solidFill>
-              </a:rPr>
-              <a:t>upstream</a:t>
-            </a:r>
-          </a:p>
-        </p:txBody>
-      </p:sp>
-      <p:sp>
-        <p:nvSpPr>
-          <p:cNvPr id="9" name="모서리가 둥근 직사각형 9">
-            <a:extLst>
-              <a:ext uri="{FF2B5EF4-FFF2-40B4-BE49-F238E27FC236}">
-                <a16:creationId xmlns:a16="http://schemas.microsoft.com/office/drawing/2014/main" id="{255AB00B-227B-4647-BBC7-3389FB2D7546}"/>
-              </a:ext>
-            </a:extLst>
-          </p:cNvPr>
-          <p:cNvSpPr/>
-          <p:nvPr/>
-        </p:nvSpPr>
-        <p:spPr>
-          <a:xfrm>
-            <a:off x="4728581" y="2972387"/>
-            <a:ext cx="899565" cy="246177"/>
-          </a:xfrm>
-          <a:prstGeom prst="roundRect">
-            <a:avLst/>
-          </a:prstGeom>
-          <a:solidFill>
-            <a:srgbClr val="92D050"/>
-          </a:solidFill>
-          <a:ln w="15875">
-            <a:solidFill>
-              <a:srgbClr val="0000FF"/>
-            </a:solidFill>
-          </a:ln>
-        </p:spPr>
-        <p:style>
-          <a:lnRef idx="2">
-            <a:schemeClr val="accent1">
-              <a:shade val="50000"/>
-            </a:schemeClr>
-          </a:lnRef>
-          <a:fillRef idx="1">
-            <a:schemeClr val="accent1"/>
-          </a:fillRef>
-          <a:effectRef idx="0">
-            <a:schemeClr val="accent1"/>
-          </a:effectRef>
-          <a:fontRef idx="minor">
-            <a:schemeClr val="lt1"/>
-          </a:fontRef>
-        </p:style>
-        <p:txBody>
-          <a:bodyPr rtlCol="0" anchor="ctr"/>
-          <a:lstStyle/>
-          <a:p>
-            <a:pPr algn="ctr"/>
-            <a:r>
-              <a:rPr lang="en-US" altLang="ko-KR" sz="1400" dirty="0">
-                <a:solidFill>
-                  <a:schemeClr val="tx1"/>
-                </a:solidFill>
-              </a:rPr>
-              <a:t>origin</a:t>
-            </a:r>
-          </a:p>
-        </p:txBody>
-      </p:sp>
-      <p:sp>
-        <p:nvSpPr>
-          <p:cNvPr id="10" name="모서리가 둥근 직사각형 10">
-            <a:extLst>
-              <a:ext uri="{FF2B5EF4-FFF2-40B4-BE49-F238E27FC236}">
-                <a16:creationId xmlns:a16="http://schemas.microsoft.com/office/drawing/2014/main" id="{8E588361-3C48-44B3-9C36-4A0181173179}"/>
-              </a:ext>
-            </a:extLst>
-          </p:cNvPr>
-          <p:cNvSpPr/>
-          <p:nvPr/>
-        </p:nvSpPr>
-        <p:spPr>
-          <a:xfrm>
-            <a:off x="5275338" y="4865409"/>
-            <a:ext cx="1907435" cy="344238"/>
-          </a:xfrm>
-          <a:prstGeom prst="roundRect">
-            <a:avLst>
-              <a:gd name="adj" fmla="val 5181"/>
-            </a:avLst>
-          </a:prstGeom>
-          <a:solidFill>
-            <a:schemeClr val="bg1">
-              <a:lumMod val="95000"/>
-            </a:schemeClr>
-          </a:solidFill>
-          <a:ln w="19050">
-            <a:solidFill>
-              <a:srgbClr val="C00000"/>
-            </a:solidFill>
-          </a:ln>
-        </p:spPr>
-        <p:style>
-          <a:lnRef idx="2">
-            <a:schemeClr val="accent1">
-              <a:shade val="50000"/>
-            </a:schemeClr>
-          </a:lnRef>
-          <a:fillRef idx="1">
-            <a:schemeClr val="accent1"/>
-          </a:fillRef>
-          <a:effectRef idx="0">
-            <a:schemeClr val="accent1"/>
-          </a:effectRef>
-          <a:fontRef idx="minor">
-            <a:schemeClr val="lt1"/>
-          </a:fontRef>
-        </p:style>
-        <p:txBody>
-          <a:bodyPr rtlCol="0" anchor="ctr"/>
-          <a:lstStyle/>
-          <a:p>
-            <a:pPr algn="ctr"/>
-            <a:r>
-              <a:rPr lang="en-US" altLang="ko-KR" sz="1400" dirty="0">
-                <a:solidFill>
-                  <a:srgbClr val="FF0000"/>
-                </a:solidFill>
-              </a:rPr>
-              <a:t>develop</a:t>
-            </a:r>
-          </a:p>
-        </p:txBody>
-      </p:sp>
-      <p:sp>
-        <p:nvSpPr>
-          <p:cNvPr id="17" name="TextBox 16">
-            <a:extLst>
-              <a:ext uri="{FF2B5EF4-FFF2-40B4-BE49-F238E27FC236}">
-                <a16:creationId xmlns:a16="http://schemas.microsoft.com/office/drawing/2014/main" id="{99E23039-C946-489F-9A22-3D34B8256898}"/>
-              </a:ext>
-            </a:extLst>
-          </p:cNvPr>
-          <p:cNvSpPr txBox="1"/>
-          <p:nvPr/>
-        </p:nvSpPr>
-        <p:spPr>
-          <a:xfrm>
-            <a:off x="4140622" y="3935626"/>
-            <a:ext cx="838691" cy="338554"/>
-          </a:xfrm>
-          <a:prstGeom prst="rect">
-            <a:avLst/>
-          </a:prstGeom>
-          <a:noFill/>
-        </p:spPr>
-        <p:txBody>
-          <a:bodyPr wrap="none" rtlCol="0">
-            <a:spAutoFit/>
-          </a:bodyPr>
-          <a:lstStyle>
-            <a:defPPr>
-              <a:defRPr lang="en-US"/>
-            </a:defPPr>
-            <a:lvl1pPr>
-              <a:defRPr sz="1600">
-                <a:solidFill>
-                  <a:srgbClr val="FF0000"/>
-                </a:solidFill>
-              </a:defRPr>
-            </a:lvl1pPr>
-          </a:lstStyle>
-          <a:p>
-            <a:r>
-              <a:rPr lang="en-US" altLang="ko-KR" sz="1600" dirty="0">
-                <a:solidFill>
-                  <a:srgbClr val="0000FF"/>
-                </a:solidFill>
-              </a:rPr>
-              <a:t>②</a:t>
-            </a:r>
-            <a:r>
-              <a:rPr lang="en-US" altLang="ko-KR" dirty="0">
-                <a:solidFill>
-                  <a:srgbClr val="0000FF"/>
-                </a:solidFill>
-              </a:rPr>
-              <a:t> push</a:t>
-            </a:r>
-            <a:endParaRPr lang="ko-KR" altLang="en-US" dirty="0">
-              <a:solidFill>
-                <a:srgbClr val="0000FF"/>
-              </a:solidFill>
-            </a:endParaRPr>
-          </a:p>
-        </p:txBody>
-      </p:sp>
-      <p:sp>
-        <p:nvSpPr>
-          <p:cNvPr id="18" name="모서리가 둥근 직사각형 1">
-            <a:extLst>
-              <a:ext uri="{FF2B5EF4-FFF2-40B4-BE49-F238E27FC236}">
-                <a16:creationId xmlns:a16="http://schemas.microsoft.com/office/drawing/2014/main" id="{7014267D-63BC-4903-9B3F-CD162D7BADDA}"/>
-              </a:ext>
-            </a:extLst>
-          </p:cNvPr>
-          <p:cNvSpPr/>
-          <p:nvPr/>
-        </p:nvSpPr>
-        <p:spPr>
-          <a:xfrm>
-            <a:off x="4728581" y="3215426"/>
-            <a:ext cx="1907435" cy="420964"/>
-          </a:xfrm>
-          <a:prstGeom prst="roundRect">
-            <a:avLst>
-              <a:gd name="adj" fmla="val 5181"/>
-            </a:avLst>
-          </a:prstGeom>
-          <a:solidFill>
-            <a:schemeClr val="bg1">
-              <a:lumMod val="95000"/>
-            </a:schemeClr>
-          </a:solidFill>
-          <a:ln w="19050">
-            <a:solidFill>
-              <a:schemeClr val="tx1">
-                <a:lumMod val="50000"/>
-                <a:lumOff val="50000"/>
-              </a:schemeClr>
-            </a:solidFill>
-          </a:ln>
-        </p:spPr>
-        <p:style>
-          <a:lnRef idx="2">
-            <a:schemeClr val="accent1">
-              <a:shade val="50000"/>
-            </a:schemeClr>
-          </a:lnRef>
-          <a:fillRef idx="1">
-            <a:schemeClr val="accent1"/>
-          </a:fillRef>
-          <a:effectRef idx="0">
-            <a:schemeClr val="accent1"/>
-          </a:effectRef>
-          <a:fontRef idx="minor">
-            <a:schemeClr val="lt1"/>
-          </a:fontRef>
-        </p:style>
-        <p:txBody>
-          <a:bodyPr rtlCol="0" anchor="ctr"/>
-          <a:lstStyle/>
-          <a:p>
-            <a:pPr algn="ctr"/>
-            <a:r>
-              <a:rPr lang="en-US" altLang="ko-KR" sz="1400" dirty="0">
-                <a:solidFill>
-                  <a:schemeClr val="tx1"/>
-                </a:solidFill>
-              </a:rPr>
-              <a:t>main      </a:t>
-            </a:r>
-            <a:endParaRPr lang="ko-KR" altLang="en-US" sz="1400" dirty="0">
-              <a:solidFill>
-                <a:schemeClr val="tx1"/>
-              </a:solidFill>
-            </a:endParaRPr>
-          </a:p>
-        </p:txBody>
-      </p:sp>
-      <p:sp>
-        <p:nvSpPr>
-          <p:cNvPr id="19" name="모서리가 둥근 직사각형 1">
-            <a:extLst>
-              <a:ext uri="{FF2B5EF4-FFF2-40B4-BE49-F238E27FC236}">
-                <a16:creationId xmlns:a16="http://schemas.microsoft.com/office/drawing/2014/main" id="{7014267D-63BC-4903-9B3F-CD162D7BADDA}"/>
-              </a:ext>
-            </a:extLst>
-          </p:cNvPr>
-          <p:cNvSpPr/>
-          <p:nvPr/>
-        </p:nvSpPr>
-        <p:spPr>
-          <a:xfrm>
-            <a:off x="4728581" y="4444447"/>
-            <a:ext cx="1907435" cy="420964"/>
-          </a:xfrm>
-          <a:prstGeom prst="roundRect">
-            <a:avLst>
-              <a:gd name="adj" fmla="val 5181"/>
-            </a:avLst>
-          </a:prstGeom>
-          <a:solidFill>
-            <a:schemeClr val="bg1">
-              <a:lumMod val="95000"/>
-            </a:schemeClr>
-          </a:solidFill>
-          <a:ln w="19050">
-            <a:solidFill>
-              <a:schemeClr val="tx1">
-                <a:lumMod val="50000"/>
-                <a:lumOff val="50000"/>
-              </a:schemeClr>
-            </a:solidFill>
-          </a:ln>
-        </p:spPr>
-        <p:style>
-          <a:lnRef idx="2">
-            <a:schemeClr val="accent1">
-              <a:shade val="50000"/>
-            </a:schemeClr>
-          </a:lnRef>
-          <a:fillRef idx="1">
-            <a:schemeClr val="accent1"/>
-          </a:fillRef>
-          <a:effectRef idx="0">
-            <a:schemeClr val="accent1"/>
-          </a:effectRef>
-          <a:fontRef idx="minor">
-            <a:schemeClr val="lt1"/>
-          </a:fontRef>
-        </p:style>
-        <p:txBody>
-          <a:bodyPr rtlCol="0" anchor="ctr"/>
-          <a:lstStyle/>
-          <a:p>
-            <a:pPr algn="ctr"/>
-            <a:r>
-              <a:rPr lang="en-US" altLang="ko-KR" sz="1400" dirty="0">
-                <a:solidFill>
-                  <a:schemeClr val="tx1"/>
-                </a:solidFill>
-              </a:rPr>
-              <a:t>main      </a:t>
-            </a:r>
-            <a:endParaRPr lang="ko-KR" altLang="en-US" sz="1400" dirty="0">
-              <a:solidFill>
-                <a:schemeClr val="tx1"/>
-              </a:solidFill>
-            </a:endParaRPr>
-          </a:p>
-        </p:txBody>
-      </p:sp>
-      <p:sp>
-        <p:nvSpPr>
-          <p:cNvPr id="39" name="TextBox 38">
-            <a:extLst>
-              <a:ext uri="{FF2B5EF4-FFF2-40B4-BE49-F238E27FC236}">
-                <a16:creationId xmlns:a16="http://schemas.microsoft.com/office/drawing/2014/main" id="{99E23039-C946-489F-9A22-3D34B8256898}"/>
-              </a:ext>
-            </a:extLst>
-          </p:cNvPr>
-          <p:cNvSpPr txBox="1"/>
-          <p:nvPr/>
-        </p:nvSpPr>
-        <p:spPr>
-          <a:xfrm>
-            <a:off x="4381316" y="4894642"/>
-            <a:ext cx="878317" cy="307777"/>
-          </a:xfrm>
-          <a:prstGeom prst="rect">
-            <a:avLst/>
-          </a:prstGeom>
-          <a:noFill/>
-        </p:spPr>
-        <p:txBody>
-          <a:bodyPr wrap="none" rtlCol="0">
-            <a:spAutoFit/>
-          </a:bodyPr>
-          <a:lstStyle/>
-          <a:p>
-            <a:r>
-              <a:rPr lang="en-US" altLang="ko-KR" sz="1400" dirty="0">
-                <a:solidFill>
-                  <a:srgbClr val="0000FF"/>
-                </a:solidFill>
-              </a:rPr>
-              <a:t>branch -d</a:t>
-            </a:r>
-            <a:endParaRPr lang="ko-KR" altLang="en-US" sz="1400" dirty="0">
-              <a:solidFill>
-                <a:srgbClr val="0000FF"/>
-              </a:solidFill>
-            </a:endParaRPr>
-          </a:p>
-        </p:txBody>
-      </p:sp>
-      <p:cxnSp>
-        <p:nvCxnSpPr>
-          <p:cNvPr id="42" name="직선 화살표 연결선 41"/>
-          <p:cNvCxnSpPr>
-            <a:cxnSpLocks/>
-          </p:cNvCxnSpPr>
-          <p:nvPr/>
-        </p:nvCxnSpPr>
-        <p:spPr>
-          <a:xfrm flipV="1">
-            <a:off x="4915719" y="3636100"/>
-            <a:ext cx="0" cy="808347"/>
-          </a:xfrm>
-          <a:prstGeom prst="straightConnector1">
-            <a:avLst/>
-          </a:prstGeom>
-          <a:ln w="31750">
-            <a:solidFill>
-              <a:srgbClr val="0000FF"/>
-            </a:solidFill>
-            <a:tailEnd type="triangle"/>
-          </a:ln>
-        </p:spPr>
-        <p:style>
-          <a:lnRef idx="1">
-            <a:schemeClr val="accent1"/>
-          </a:lnRef>
-          <a:fillRef idx="0">
-            <a:schemeClr val="accent1"/>
-          </a:fillRef>
-          <a:effectRef idx="0">
-            <a:schemeClr val="accent1"/>
-          </a:effectRef>
-          <a:fontRef idx="minor">
-            <a:schemeClr val="tx1"/>
-          </a:fontRef>
-        </p:style>
-      </p:cxnSp>
-      <p:cxnSp>
-        <p:nvCxnSpPr>
-          <p:cNvPr id="46" name="꺾인 연결선 45"/>
-          <p:cNvCxnSpPr>
-            <a:stCxn id="5" idx="2"/>
-          </p:cNvCxnSpPr>
-          <p:nvPr/>
-        </p:nvCxnSpPr>
-        <p:spPr>
-          <a:xfrm rot="16200000" flipH="1">
-            <a:off x="2961033" y="2887380"/>
-            <a:ext cx="1018539" cy="2516558"/>
-          </a:xfrm>
-          <a:prstGeom prst="bentConnector2">
-            <a:avLst/>
-          </a:prstGeom>
-          <a:ln w="31750">
-            <a:solidFill>
-              <a:srgbClr val="0000FF"/>
-            </a:solidFill>
-            <a:tailEnd type="triangle"/>
-          </a:ln>
-        </p:spPr>
-        <p:style>
-          <a:lnRef idx="1">
-            <a:schemeClr val="accent1"/>
-          </a:lnRef>
-          <a:fillRef idx="0">
-            <a:schemeClr val="accent1"/>
-          </a:fillRef>
-          <a:effectRef idx="0">
-            <a:schemeClr val="accent1"/>
-          </a:effectRef>
-          <a:fontRef idx="minor">
-            <a:schemeClr val="tx1"/>
-          </a:fontRef>
-        </p:style>
-      </p:cxnSp>
-      <p:sp>
-        <p:nvSpPr>
-          <p:cNvPr id="25" name="TextBox 24">
-            <a:extLst>
-              <a:ext uri="{FF2B5EF4-FFF2-40B4-BE49-F238E27FC236}">
-                <a16:creationId xmlns:a16="http://schemas.microsoft.com/office/drawing/2014/main" id="{8CE5E28C-5578-40B1-901B-4D1BA75C9A76}"/>
-              </a:ext>
-            </a:extLst>
-          </p:cNvPr>
-          <p:cNvSpPr txBox="1"/>
-          <p:nvPr/>
-        </p:nvSpPr>
-        <p:spPr>
-          <a:xfrm>
-            <a:off x="2181549" y="4222918"/>
-            <a:ext cx="744114" cy="338554"/>
-          </a:xfrm>
-          <a:prstGeom prst="rect">
-            <a:avLst/>
-          </a:prstGeom>
-          <a:noFill/>
-        </p:spPr>
-        <p:txBody>
-          <a:bodyPr wrap="none" rtlCol="0">
-            <a:spAutoFit/>
-          </a:bodyPr>
-          <a:lstStyle/>
-          <a:p>
-            <a:r>
-              <a:rPr lang="en-US" altLang="ko-KR" sz="1600" dirty="0">
-                <a:solidFill>
-                  <a:srgbClr val="0000FF"/>
-                </a:solidFill>
-              </a:rPr>
-              <a:t>① pull</a:t>
-            </a:r>
-            <a:endParaRPr lang="ko-KR" altLang="en-US" sz="1600" dirty="0">
-              <a:solidFill>
-                <a:srgbClr val="0000FF"/>
-              </a:solidFill>
-            </a:endParaRPr>
-          </a:p>
-        </p:txBody>
-      </p:sp>
-      <p:sp>
-        <p:nvSpPr>
-          <p:cNvPr id="27" name="TextBox 26">
-            <a:extLst>
-              <a:ext uri="{FF2B5EF4-FFF2-40B4-BE49-F238E27FC236}">
-                <a16:creationId xmlns:a16="http://schemas.microsoft.com/office/drawing/2014/main" id="{BABC2C11-3900-4247-A951-8BE6111DB728}"/>
-              </a:ext>
-            </a:extLst>
-          </p:cNvPr>
-          <p:cNvSpPr txBox="1"/>
-          <p:nvPr/>
-        </p:nvSpPr>
-        <p:spPr>
-          <a:xfrm>
-            <a:off x="5472996" y="3984280"/>
-            <a:ext cx="1852367" cy="307777"/>
-          </a:xfrm>
-          <a:prstGeom prst="rect">
-            <a:avLst/>
-          </a:prstGeom>
-          <a:noFill/>
-        </p:spPr>
-        <p:txBody>
-          <a:bodyPr wrap="none" rtlCol="0">
-            <a:spAutoFit/>
-          </a:bodyPr>
-          <a:lstStyle>
-            <a:defPPr>
-              <a:defRPr lang="en-US"/>
-            </a:defPPr>
-            <a:lvl1pPr>
-              <a:defRPr sz="1400">
-                <a:solidFill>
-                  <a:srgbClr val="0000FF"/>
-                </a:solidFill>
-              </a:defRPr>
-            </a:lvl1pPr>
-          </a:lstStyle>
-          <a:p>
-            <a:r>
-              <a:rPr lang="en-US" altLang="ko-KR" dirty="0"/>
-              <a:t>push -d origin develop </a:t>
-            </a:r>
-            <a:endParaRPr lang="ko-KR" altLang="en-US" dirty="0"/>
-          </a:p>
-        </p:txBody>
-      </p:sp>
-      <p:sp>
-        <p:nvSpPr>
           <p:cNvPr id="20" name="내용 개체 틀 2">
             <a:extLst>
               <a:ext uri="{FF2B5EF4-FFF2-40B4-BE49-F238E27FC236}">
@@ -37371,8 +36708,8 @@
         </p:nvSpPr>
         <p:spPr>
           <a:xfrm>
-            <a:off x="341787" y="1120545"/>
-            <a:ext cx="8642350" cy="1417394"/>
+            <a:off x="341787" y="1120544"/>
+            <a:ext cx="8642350" cy="1641361"/>
           </a:xfrm>
           <a:prstGeom prst="rect">
             <a:avLst/>
@@ -37579,55 +36916,127 @@
             </a:r>
           </a:p>
           <a:p>
+            <a:pPr marL="266700" lvl="1" indent="0">
+              <a:buNone/>
+            </a:pPr>
+            <a:r>
+              <a:rPr lang="ko-KR" altLang="en-US" dirty="0">
+                <a:latin typeface="+mn-ea"/>
+              </a:rPr>
+              <a:t>   </a:t>
+            </a:r>
+            <a:r>
+              <a:rPr lang="en-US" altLang="ko-KR" dirty="0">
+                <a:latin typeface="+mn-ea"/>
+              </a:rPr>
+              <a:t>. </a:t>
+            </a:r>
+            <a:r>
+              <a:rPr lang="ko-KR" altLang="en-US" dirty="0">
+                <a:latin typeface="+mn-ea"/>
+              </a:rPr>
+              <a:t>이미 </a:t>
+            </a:r>
+            <a:r>
+              <a:rPr lang="en-US" altLang="ko-KR" dirty="0">
+                <a:latin typeface="+mn-ea"/>
+              </a:rPr>
+              <a:t>Fork</a:t>
+            </a:r>
+            <a:r>
+              <a:rPr lang="ko-KR" altLang="en-US" dirty="0">
+                <a:latin typeface="+mn-ea"/>
+              </a:rPr>
+              <a:t>된 </a:t>
+            </a:r>
+            <a:r>
+              <a:rPr lang="en-US" altLang="ko-KR" dirty="0">
+                <a:latin typeface="+mn-ea"/>
+              </a:rPr>
+              <a:t>repo</a:t>
+            </a:r>
+            <a:r>
+              <a:rPr lang="ko-KR" altLang="en-US" dirty="0">
+                <a:latin typeface="+mn-ea"/>
+              </a:rPr>
+              <a:t>에는 덮어쓰기가 안 됨</a:t>
+            </a:r>
+            <a:r>
+              <a:rPr lang="en-US" altLang="ko-KR" dirty="0">
+                <a:latin typeface="+mn-ea"/>
+              </a:rPr>
+              <a:t>. </a:t>
+            </a:r>
+            <a:r>
+              <a:rPr lang="ko-KR" altLang="en-US" dirty="0">
+                <a:latin typeface="+mn-ea"/>
+              </a:rPr>
+              <a:t>따라서 이 방식으로는 안됨</a:t>
+            </a:r>
+            <a:r>
+              <a:rPr lang="en-US" altLang="ko-KR" dirty="0">
+                <a:latin typeface="+mn-ea"/>
+              </a:rPr>
+              <a:t>.</a:t>
+            </a:r>
+          </a:p>
+          <a:p>
             <a:pPr lvl="1"/>
-            <a:r>
-              <a:rPr lang="ko-KR" altLang="en-US" dirty="0">
-                <a:latin typeface="+mn-ea"/>
-              </a:rPr>
-              <a:t>이미 </a:t>
-            </a:r>
+            <a:endParaRPr lang="en-US" altLang="ko-KR" dirty="0">
+              <a:latin typeface="+mn-ea"/>
+            </a:endParaRPr>
+          </a:p>
+          <a:p>
+            <a:pPr lvl="1"/>
+            <a:endParaRPr lang="en-US" altLang="ko-KR" dirty="0">
+              <a:latin typeface="+mn-ea"/>
+            </a:endParaRPr>
+          </a:p>
+          <a:p>
+            <a:pPr lvl="1"/>
+            <a:endParaRPr lang="en-US" altLang="ko-KR" dirty="0">
+              <a:latin typeface="+mn-ea"/>
+            </a:endParaRPr>
+          </a:p>
+          <a:p>
+            <a:pPr lvl="1"/>
+            <a:endParaRPr lang="en-US" altLang="ko-KR" dirty="0">
+              <a:latin typeface="+mn-ea"/>
+            </a:endParaRPr>
+          </a:p>
+          <a:p>
+            <a:pPr marL="266700" lvl="1" indent="0">
+              <a:buNone/>
+            </a:pPr>
             <a:r>
               <a:rPr lang="en-US" altLang="ko-KR" dirty="0">
                 <a:latin typeface="+mn-ea"/>
               </a:rPr>
-              <a:t>Fork</a:t>
-            </a:r>
-            <a:r>
-              <a:rPr lang="ko-KR" altLang="en-US" dirty="0">
-                <a:latin typeface="+mn-ea"/>
-              </a:rPr>
-              <a:t>된 </a:t>
-            </a:r>
+              <a:t> </a:t>
+            </a:r>
+          </a:p>
+          <a:p>
+            <a:pPr lvl="1"/>
+            <a:endParaRPr lang="en-US" altLang="ko-KR" dirty="0">
+              <a:latin typeface="+mn-ea"/>
+            </a:endParaRPr>
+          </a:p>
+          <a:p>
+            <a:pPr marL="266700" lvl="1" indent="0">
+              <a:buNone/>
+            </a:pPr>
             <a:r>
               <a:rPr lang="en-US" altLang="ko-KR" dirty="0">
                 <a:latin typeface="+mn-ea"/>
               </a:rPr>
-              <a:t>repo</a:t>
-            </a:r>
-            <a:r>
-              <a:rPr lang="ko-KR" altLang="en-US" dirty="0">
-                <a:latin typeface="+mn-ea"/>
-              </a:rPr>
-              <a:t>에는 덮어쓰기가 안 됨</a:t>
-            </a:r>
-            <a:r>
-              <a:rPr lang="en-US" altLang="ko-KR" dirty="0">
-                <a:latin typeface="+mn-ea"/>
-              </a:rPr>
-              <a:t>. </a:t>
-            </a:r>
-            <a:r>
-              <a:rPr lang="ko-KR" altLang="en-US" dirty="0">
-                <a:latin typeface="+mn-ea"/>
-              </a:rPr>
-              <a:t>따라서 이 방식으로는 안됨</a:t>
-            </a:r>
-            <a:r>
-              <a:rPr lang="en-US" altLang="ko-KR" dirty="0">
-                <a:latin typeface="+mn-ea"/>
-              </a:rPr>
-              <a:t>.</a:t>
-            </a:r>
+              <a:t> </a:t>
+            </a:r>
+          </a:p>
+          <a:p>
+            <a:pPr lvl="1"/>
+            <a:endParaRPr lang="en-US" altLang="ko-KR" dirty="0">
+              <a:latin typeface="+mn-ea"/>
+            </a:endParaRPr>
           </a:p>
           <a:p>
             <a:pPr marL="266700" lvl="1" indent="0">
@@ -37715,10 +37124,770 @@
       </p:sp>
       <p:sp>
         <p:nvSpPr>
-          <p:cNvPr id="21" name="굽은 화살표 4">
+          <p:cNvPr id="47" name="모서리가 둥근 직사각형 1">
             <a:extLst>
               <a:ext uri="{FF2B5EF4-FFF2-40B4-BE49-F238E27FC236}">
-                <a16:creationId xmlns:a16="http://schemas.microsoft.com/office/drawing/2014/main" id="{981FE439-FC48-4D78-B811-9C06D3F42FA4}"/>
+                <a16:creationId xmlns:a16="http://schemas.microsoft.com/office/drawing/2014/main" id="{51E35B9C-B618-461A-A823-BCE271712C3E}"/>
+              </a:ext>
+            </a:extLst>
+          </p:cNvPr>
+          <p:cNvSpPr/>
+          <p:nvPr/>
+        </p:nvSpPr>
+        <p:spPr>
+          <a:xfrm>
+            <a:off x="1258305" y="3215426"/>
+            <a:ext cx="1907435" cy="420964"/>
+          </a:xfrm>
+          <a:prstGeom prst="roundRect">
+            <a:avLst>
+              <a:gd name="adj" fmla="val 5181"/>
+            </a:avLst>
+          </a:prstGeom>
+          <a:solidFill>
+            <a:schemeClr val="bg1">
+              <a:lumMod val="95000"/>
+            </a:schemeClr>
+          </a:solidFill>
+          <a:ln w="19050">
+            <a:solidFill>
+              <a:schemeClr val="tx1">
+                <a:lumMod val="50000"/>
+                <a:lumOff val="50000"/>
+              </a:schemeClr>
+            </a:solidFill>
+          </a:ln>
+        </p:spPr>
+        <p:style>
+          <a:lnRef idx="2">
+            <a:schemeClr val="accent1">
+              <a:shade val="50000"/>
+            </a:schemeClr>
+          </a:lnRef>
+          <a:fillRef idx="1">
+            <a:schemeClr val="accent1"/>
+          </a:fillRef>
+          <a:effectRef idx="0">
+            <a:schemeClr val="accent1"/>
+          </a:effectRef>
+          <a:fontRef idx="minor">
+            <a:schemeClr val="lt1"/>
+          </a:fontRef>
+        </p:style>
+        <p:txBody>
+          <a:bodyPr rtlCol="0" anchor="ctr"/>
+          <a:lstStyle/>
+          <a:p>
+            <a:pPr algn="ctr"/>
+            <a:r>
+              <a:rPr lang="en-US" altLang="ko-KR" sz="1400" dirty="0">
+                <a:solidFill>
+                  <a:schemeClr val="tx1"/>
+                </a:solidFill>
+              </a:rPr>
+              <a:t>main      </a:t>
+            </a:r>
+            <a:endParaRPr lang="ko-KR" altLang="en-US" sz="1400" dirty="0">
+              <a:solidFill>
+                <a:schemeClr val="tx1"/>
+              </a:solidFill>
+            </a:endParaRPr>
+          </a:p>
+        </p:txBody>
+      </p:sp>
+      <p:sp>
+        <p:nvSpPr>
+          <p:cNvPr id="48" name="모서리가 둥근 직사각형 7">
+            <a:extLst>
+              <a:ext uri="{FF2B5EF4-FFF2-40B4-BE49-F238E27FC236}">
+                <a16:creationId xmlns:a16="http://schemas.microsoft.com/office/drawing/2014/main" id="{C5644702-C26A-42EE-8E97-5041A3E77AD1}"/>
+              </a:ext>
+            </a:extLst>
+          </p:cNvPr>
+          <p:cNvSpPr/>
+          <p:nvPr/>
+        </p:nvSpPr>
+        <p:spPr>
+          <a:xfrm>
+            <a:off x="5275339" y="3636389"/>
+            <a:ext cx="1907435" cy="373609"/>
+          </a:xfrm>
+          <a:prstGeom prst="roundRect">
+            <a:avLst>
+              <a:gd name="adj" fmla="val 5181"/>
+            </a:avLst>
+          </a:prstGeom>
+          <a:solidFill>
+            <a:schemeClr val="bg1">
+              <a:lumMod val="95000"/>
+            </a:schemeClr>
+          </a:solidFill>
+          <a:ln w="15875">
+            <a:solidFill>
+              <a:srgbClr val="0000FF"/>
+            </a:solidFill>
+          </a:ln>
+        </p:spPr>
+        <p:style>
+          <a:lnRef idx="2">
+            <a:schemeClr val="accent1">
+              <a:shade val="50000"/>
+            </a:schemeClr>
+          </a:lnRef>
+          <a:fillRef idx="1">
+            <a:schemeClr val="accent1"/>
+          </a:fillRef>
+          <a:effectRef idx="0">
+            <a:schemeClr val="accent1"/>
+          </a:effectRef>
+          <a:fontRef idx="minor">
+            <a:schemeClr val="lt1"/>
+          </a:fontRef>
+        </p:style>
+        <p:txBody>
+          <a:bodyPr rtlCol="0" anchor="ctr"/>
+          <a:lstStyle/>
+          <a:p>
+            <a:pPr algn="ctr"/>
+            <a:r>
+              <a:rPr lang="en-US" altLang="ko-KR" sz="1400" dirty="0">
+                <a:solidFill>
+                  <a:srgbClr val="FF0000"/>
+                </a:solidFill>
+              </a:rPr>
+              <a:t>develop</a:t>
+            </a:r>
+          </a:p>
+        </p:txBody>
+      </p:sp>
+      <p:sp>
+        <p:nvSpPr>
+          <p:cNvPr id="49" name="모서리가 둥근 직사각형 8">
+            <a:extLst>
+              <a:ext uri="{FF2B5EF4-FFF2-40B4-BE49-F238E27FC236}">
+                <a16:creationId xmlns:a16="http://schemas.microsoft.com/office/drawing/2014/main" id="{4B3A763A-DA55-45A3-96FF-259FD02CEA8D}"/>
+              </a:ext>
+            </a:extLst>
+          </p:cNvPr>
+          <p:cNvSpPr/>
+          <p:nvPr/>
+        </p:nvSpPr>
+        <p:spPr>
+          <a:xfrm>
+            <a:off x="1258306" y="2972387"/>
+            <a:ext cx="899565" cy="246177"/>
+          </a:xfrm>
+          <a:prstGeom prst="roundRect">
+            <a:avLst/>
+          </a:prstGeom>
+          <a:solidFill>
+            <a:schemeClr val="accent3">
+              <a:lumMod val="40000"/>
+              <a:lumOff val="60000"/>
+            </a:schemeClr>
+          </a:solidFill>
+          <a:ln w="19050">
+            <a:solidFill>
+              <a:schemeClr val="tx1"/>
+            </a:solidFill>
+          </a:ln>
+        </p:spPr>
+        <p:style>
+          <a:lnRef idx="2">
+            <a:schemeClr val="accent1">
+              <a:shade val="50000"/>
+            </a:schemeClr>
+          </a:lnRef>
+          <a:fillRef idx="1">
+            <a:schemeClr val="accent1"/>
+          </a:fillRef>
+          <a:effectRef idx="0">
+            <a:schemeClr val="accent1"/>
+          </a:effectRef>
+          <a:fontRef idx="minor">
+            <a:schemeClr val="lt1"/>
+          </a:fontRef>
+        </p:style>
+        <p:txBody>
+          <a:bodyPr rtlCol="0" anchor="ctr"/>
+          <a:lstStyle/>
+          <a:p>
+            <a:pPr algn="ctr"/>
+            <a:r>
+              <a:rPr lang="en-US" altLang="ko-KR" sz="1400" dirty="0">
+                <a:solidFill>
+                  <a:schemeClr val="tx1"/>
+                </a:solidFill>
+              </a:rPr>
+              <a:t>upstream</a:t>
+            </a:r>
+          </a:p>
+        </p:txBody>
+      </p:sp>
+      <p:sp>
+        <p:nvSpPr>
+          <p:cNvPr id="50" name="모서리가 둥근 직사각형 9">
+            <a:extLst>
+              <a:ext uri="{FF2B5EF4-FFF2-40B4-BE49-F238E27FC236}">
+                <a16:creationId xmlns:a16="http://schemas.microsoft.com/office/drawing/2014/main" id="{E2353565-E7AB-47E9-9622-C74E2861F679}"/>
+              </a:ext>
+            </a:extLst>
+          </p:cNvPr>
+          <p:cNvSpPr/>
+          <p:nvPr/>
+        </p:nvSpPr>
+        <p:spPr>
+          <a:xfrm>
+            <a:off x="4728581" y="2972387"/>
+            <a:ext cx="899565" cy="246177"/>
+          </a:xfrm>
+          <a:prstGeom prst="roundRect">
+            <a:avLst/>
+          </a:prstGeom>
+          <a:solidFill>
+            <a:srgbClr val="92D050"/>
+          </a:solidFill>
+          <a:ln w="15875">
+            <a:solidFill>
+              <a:srgbClr val="0000FF"/>
+            </a:solidFill>
+          </a:ln>
+        </p:spPr>
+        <p:style>
+          <a:lnRef idx="2">
+            <a:schemeClr val="accent1">
+              <a:shade val="50000"/>
+            </a:schemeClr>
+          </a:lnRef>
+          <a:fillRef idx="1">
+            <a:schemeClr val="accent1"/>
+          </a:fillRef>
+          <a:effectRef idx="0">
+            <a:schemeClr val="accent1"/>
+          </a:effectRef>
+          <a:fontRef idx="minor">
+            <a:schemeClr val="lt1"/>
+          </a:fontRef>
+        </p:style>
+        <p:txBody>
+          <a:bodyPr rtlCol="0" anchor="ctr"/>
+          <a:lstStyle/>
+          <a:p>
+            <a:pPr algn="ctr"/>
+            <a:r>
+              <a:rPr lang="en-US" altLang="ko-KR" sz="1400" dirty="0">
+                <a:solidFill>
+                  <a:schemeClr val="tx1"/>
+                </a:solidFill>
+              </a:rPr>
+              <a:t>origin</a:t>
+            </a:r>
+          </a:p>
+        </p:txBody>
+      </p:sp>
+      <p:sp>
+        <p:nvSpPr>
+          <p:cNvPr id="51" name="모서리가 둥근 직사각형 10">
+            <a:extLst>
+              <a:ext uri="{FF2B5EF4-FFF2-40B4-BE49-F238E27FC236}">
+                <a16:creationId xmlns:a16="http://schemas.microsoft.com/office/drawing/2014/main" id="{B4BE23EF-4DC2-4682-8770-751847C63C24}"/>
+              </a:ext>
+            </a:extLst>
+          </p:cNvPr>
+          <p:cNvSpPr/>
+          <p:nvPr/>
+        </p:nvSpPr>
+        <p:spPr>
+          <a:xfrm>
+            <a:off x="5275338" y="4865409"/>
+            <a:ext cx="1907435" cy="344238"/>
+          </a:xfrm>
+          <a:prstGeom prst="roundRect">
+            <a:avLst>
+              <a:gd name="adj" fmla="val 5181"/>
+            </a:avLst>
+          </a:prstGeom>
+          <a:solidFill>
+            <a:schemeClr val="bg1">
+              <a:lumMod val="95000"/>
+            </a:schemeClr>
+          </a:solidFill>
+          <a:ln w="19050">
+            <a:solidFill>
+              <a:srgbClr val="C00000"/>
+            </a:solidFill>
+          </a:ln>
+        </p:spPr>
+        <p:style>
+          <a:lnRef idx="2">
+            <a:schemeClr val="accent1">
+              <a:shade val="50000"/>
+            </a:schemeClr>
+          </a:lnRef>
+          <a:fillRef idx="1">
+            <a:schemeClr val="accent1"/>
+          </a:fillRef>
+          <a:effectRef idx="0">
+            <a:schemeClr val="accent1"/>
+          </a:effectRef>
+          <a:fontRef idx="minor">
+            <a:schemeClr val="lt1"/>
+          </a:fontRef>
+        </p:style>
+        <p:txBody>
+          <a:bodyPr rtlCol="0" anchor="ctr"/>
+          <a:lstStyle/>
+          <a:p>
+            <a:pPr algn="ctr"/>
+            <a:r>
+              <a:rPr lang="en-US" altLang="ko-KR" sz="1400" dirty="0">
+                <a:solidFill>
+                  <a:srgbClr val="FF0000"/>
+                </a:solidFill>
+              </a:rPr>
+              <a:t>develop</a:t>
+            </a:r>
+          </a:p>
+        </p:txBody>
+      </p:sp>
+      <p:sp>
+        <p:nvSpPr>
+          <p:cNvPr id="52" name="TextBox 51">
+            <a:extLst>
+              <a:ext uri="{FF2B5EF4-FFF2-40B4-BE49-F238E27FC236}">
+                <a16:creationId xmlns:a16="http://schemas.microsoft.com/office/drawing/2014/main" id="{A93B84DF-CDB4-4DCD-A057-B6CBCC4710A1}"/>
+              </a:ext>
+            </a:extLst>
+          </p:cNvPr>
+          <p:cNvSpPr txBox="1"/>
+          <p:nvPr/>
+        </p:nvSpPr>
+        <p:spPr>
+          <a:xfrm>
+            <a:off x="4140622" y="3935626"/>
+            <a:ext cx="838691" cy="338554"/>
+          </a:xfrm>
+          <a:prstGeom prst="rect">
+            <a:avLst/>
+          </a:prstGeom>
+          <a:noFill/>
+        </p:spPr>
+        <p:txBody>
+          <a:bodyPr wrap="none" rtlCol="0">
+            <a:spAutoFit/>
+          </a:bodyPr>
+          <a:lstStyle>
+            <a:defPPr>
+              <a:defRPr lang="en-US"/>
+            </a:defPPr>
+            <a:lvl1pPr>
+              <a:defRPr sz="1600">
+                <a:solidFill>
+                  <a:srgbClr val="FF0000"/>
+                </a:solidFill>
+              </a:defRPr>
+            </a:lvl1pPr>
+          </a:lstStyle>
+          <a:p>
+            <a:r>
+              <a:rPr lang="en-US" altLang="ko-KR" sz="1600" dirty="0">
+                <a:solidFill>
+                  <a:srgbClr val="0000FF"/>
+                </a:solidFill>
+              </a:rPr>
+              <a:t>②</a:t>
+            </a:r>
+            <a:r>
+              <a:rPr lang="en-US" altLang="ko-KR" dirty="0">
+                <a:solidFill>
+                  <a:srgbClr val="0000FF"/>
+                </a:solidFill>
+              </a:rPr>
+              <a:t> push</a:t>
+            </a:r>
+            <a:endParaRPr lang="ko-KR" altLang="en-US" dirty="0">
+              <a:solidFill>
+                <a:srgbClr val="0000FF"/>
+              </a:solidFill>
+            </a:endParaRPr>
+          </a:p>
+        </p:txBody>
+      </p:sp>
+      <p:sp>
+        <p:nvSpPr>
+          <p:cNvPr id="53" name="모서리가 둥근 직사각형 1">
+            <a:extLst>
+              <a:ext uri="{FF2B5EF4-FFF2-40B4-BE49-F238E27FC236}">
+                <a16:creationId xmlns:a16="http://schemas.microsoft.com/office/drawing/2014/main" id="{81164674-1219-47B3-849F-624D32E90086}"/>
+              </a:ext>
+            </a:extLst>
+          </p:cNvPr>
+          <p:cNvSpPr/>
+          <p:nvPr/>
+        </p:nvSpPr>
+        <p:spPr>
+          <a:xfrm>
+            <a:off x="4728581" y="3215426"/>
+            <a:ext cx="1907435" cy="420964"/>
+          </a:xfrm>
+          <a:prstGeom prst="roundRect">
+            <a:avLst>
+              <a:gd name="adj" fmla="val 5181"/>
+            </a:avLst>
+          </a:prstGeom>
+          <a:solidFill>
+            <a:schemeClr val="bg1">
+              <a:lumMod val="95000"/>
+            </a:schemeClr>
+          </a:solidFill>
+          <a:ln w="19050">
+            <a:solidFill>
+              <a:schemeClr val="tx1">
+                <a:lumMod val="50000"/>
+                <a:lumOff val="50000"/>
+              </a:schemeClr>
+            </a:solidFill>
+          </a:ln>
+        </p:spPr>
+        <p:style>
+          <a:lnRef idx="2">
+            <a:schemeClr val="accent1">
+              <a:shade val="50000"/>
+            </a:schemeClr>
+          </a:lnRef>
+          <a:fillRef idx="1">
+            <a:schemeClr val="accent1"/>
+          </a:fillRef>
+          <a:effectRef idx="0">
+            <a:schemeClr val="accent1"/>
+          </a:effectRef>
+          <a:fontRef idx="minor">
+            <a:schemeClr val="lt1"/>
+          </a:fontRef>
+        </p:style>
+        <p:txBody>
+          <a:bodyPr rtlCol="0" anchor="ctr"/>
+          <a:lstStyle/>
+          <a:p>
+            <a:pPr algn="ctr"/>
+            <a:r>
+              <a:rPr lang="en-US" altLang="ko-KR" sz="1400" dirty="0">
+                <a:solidFill>
+                  <a:schemeClr val="tx1"/>
+                </a:solidFill>
+              </a:rPr>
+              <a:t>main      </a:t>
+            </a:r>
+            <a:endParaRPr lang="ko-KR" altLang="en-US" sz="1400" dirty="0">
+              <a:solidFill>
+                <a:schemeClr val="tx1"/>
+              </a:solidFill>
+            </a:endParaRPr>
+          </a:p>
+        </p:txBody>
+      </p:sp>
+      <p:sp>
+        <p:nvSpPr>
+          <p:cNvPr id="54" name="모서리가 둥근 직사각형 1">
+            <a:extLst>
+              <a:ext uri="{FF2B5EF4-FFF2-40B4-BE49-F238E27FC236}">
+                <a16:creationId xmlns:a16="http://schemas.microsoft.com/office/drawing/2014/main" id="{4C54DFB5-0E3C-43D5-81C8-435748770F39}"/>
+              </a:ext>
+            </a:extLst>
+          </p:cNvPr>
+          <p:cNvSpPr/>
+          <p:nvPr/>
+        </p:nvSpPr>
+        <p:spPr>
+          <a:xfrm>
+            <a:off x="4728581" y="4444447"/>
+            <a:ext cx="1907435" cy="420964"/>
+          </a:xfrm>
+          <a:prstGeom prst="roundRect">
+            <a:avLst>
+              <a:gd name="adj" fmla="val 5181"/>
+            </a:avLst>
+          </a:prstGeom>
+          <a:solidFill>
+            <a:schemeClr val="bg1">
+              <a:lumMod val="95000"/>
+            </a:schemeClr>
+          </a:solidFill>
+          <a:ln w="19050">
+            <a:solidFill>
+              <a:schemeClr val="tx1">
+                <a:lumMod val="50000"/>
+                <a:lumOff val="50000"/>
+              </a:schemeClr>
+            </a:solidFill>
+          </a:ln>
+        </p:spPr>
+        <p:style>
+          <a:lnRef idx="2">
+            <a:schemeClr val="accent1">
+              <a:shade val="50000"/>
+            </a:schemeClr>
+          </a:lnRef>
+          <a:fillRef idx="1">
+            <a:schemeClr val="accent1"/>
+          </a:fillRef>
+          <a:effectRef idx="0">
+            <a:schemeClr val="accent1"/>
+          </a:effectRef>
+          <a:fontRef idx="minor">
+            <a:schemeClr val="lt1"/>
+          </a:fontRef>
+        </p:style>
+        <p:txBody>
+          <a:bodyPr rtlCol="0" anchor="ctr"/>
+          <a:lstStyle/>
+          <a:p>
+            <a:pPr algn="ctr"/>
+            <a:r>
+              <a:rPr lang="en-US" altLang="ko-KR" sz="1400" dirty="0">
+                <a:solidFill>
+                  <a:schemeClr val="tx1"/>
+                </a:solidFill>
+              </a:rPr>
+              <a:t>main      </a:t>
+            </a:r>
+            <a:endParaRPr lang="ko-KR" altLang="en-US" sz="1400" dirty="0">
+              <a:solidFill>
+                <a:schemeClr val="tx1"/>
+              </a:solidFill>
+            </a:endParaRPr>
+          </a:p>
+        </p:txBody>
+      </p:sp>
+      <p:sp>
+        <p:nvSpPr>
+          <p:cNvPr id="55" name="TextBox 54">
+            <a:extLst>
+              <a:ext uri="{FF2B5EF4-FFF2-40B4-BE49-F238E27FC236}">
+                <a16:creationId xmlns:a16="http://schemas.microsoft.com/office/drawing/2014/main" id="{B6EA01FB-437A-4C45-B259-23740F5FC4D7}"/>
+              </a:ext>
+            </a:extLst>
+          </p:cNvPr>
+          <p:cNvSpPr txBox="1"/>
+          <p:nvPr/>
+        </p:nvSpPr>
+        <p:spPr>
+          <a:xfrm>
+            <a:off x="4381316" y="4894642"/>
+            <a:ext cx="878317" cy="307777"/>
+          </a:xfrm>
+          <a:prstGeom prst="rect">
+            <a:avLst/>
+          </a:prstGeom>
+          <a:noFill/>
+        </p:spPr>
+        <p:txBody>
+          <a:bodyPr wrap="none" rtlCol="0">
+            <a:spAutoFit/>
+          </a:bodyPr>
+          <a:lstStyle/>
+          <a:p>
+            <a:r>
+              <a:rPr lang="en-US" altLang="ko-KR" sz="1400" dirty="0">
+                <a:solidFill>
+                  <a:srgbClr val="0000FF"/>
+                </a:solidFill>
+              </a:rPr>
+              <a:t>branch -d</a:t>
+            </a:r>
+            <a:endParaRPr lang="ko-KR" altLang="en-US" sz="1400" dirty="0">
+              <a:solidFill>
+                <a:srgbClr val="0000FF"/>
+              </a:solidFill>
+            </a:endParaRPr>
+          </a:p>
+        </p:txBody>
+      </p:sp>
+      <p:cxnSp>
+        <p:nvCxnSpPr>
+          <p:cNvPr id="56" name="직선 화살표 연결선 55">
+            <a:extLst>
+              <a:ext uri="{FF2B5EF4-FFF2-40B4-BE49-F238E27FC236}">
+                <a16:creationId xmlns:a16="http://schemas.microsoft.com/office/drawing/2014/main" id="{76E262A3-7AE1-434A-B06F-2F7C4ED59F99}"/>
+              </a:ext>
+            </a:extLst>
+          </p:cNvPr>
+          <p:cNvCxnSpPr>
+            <a:cxnSpLocks/>
+          </p:cNvCxnSpPr>
+          <p:nvPr/>
+        </p:nvCxnSpPr>
+        <p:spPr>
+          <a:xfrm flipV="1">
+            <a:off x="4915719" y="3636100"/>
+            <a:ext cx="0" cy="808347"/>
+          </a:xfrm>
+          <a:prstGeom prst="straightConnector1">
+            <a:avLst/>
+          </a:prstGeom>
+          <a:ln w="31750">
+            <a:solidFill>
+              <a:srgbClr val="0000FF"/>
+            </a:solidFill>
+            <a:tailEnd type="triangle"/>
+          </a:ln>
+        </p:spPr>
+        <p:style>
+          <a:lnRef idx="1">
+            <a:schemeClr val="accent1"/>
+          </a:lnRef>
+          <a:fillRef idx="0">
+            <a:schemeClr val="accent1"/>
+          </a:fillRef>
+          <a:effectRef idx="0">
+            <a:schemeClr val="accent1"/>
+          </a:effectRef>
+          <a:fontRef idx="minor">
+            <a:schemeClr val="tx1"/>
+          </a:fontRef>
+        </p:style>
+      </p:cxnSp>
+      <p:cxnSp>
+        <p:nvCxnSpPr>
+          <p:cNvPr id="57" name="꺾인 연결선 45">
+            <a:extLst>
+              <a:ext uri="{FF2B5EF4-FFF2-40B4-BE49-F238E27FC236}">
+                <a16:creationId xmlns:a16="http://schemas.microsoft.com/office/drawing/2014/main" id="{A03BAA58-37CA-460A-A839-85D7F749274A}"/>
+              </a:ext>
+            </a:extLst>
+          </p:cNvPr>
+          <p:cNvCxnSpPr>
+            <a:stCxn id="47" idx="2"/>
+          </p:cNvCxnSpPr>
+          <p:nvPr/>
+        </p:nvCxnSpPr>
+        <p:spPr>
+          <a:xfrm rot="16200000" flipH="1">
+            <a:off x="2961033" y="2887380"/>
+            <a:ext cx="1018539" cy="2516558"/>
+          </a:xfrm>
+          <a:prstGeom prst="bentConnector2">
+            <a:avLst/>
+          </a:prstGeom>
+          <a:ln w="31750">
+            <a:solidFill>
+              <a:srgbClr val="0000FF"/>
+            </a:solidFill>
+            <a:tailEnd type="triangle"/>
+          </a:ln>
+        </p:spPr>
+        <p:style>
+          <a:lnRef idx="1">
+            <a:schemeClr val="accent1"/>
+          </a:lnRef>
+          <a:fillRef idx="0">
+            <a:schemeClr val="accent1"/>
+          </a:fillRef>
+          <a:effectRef idx="0">
+            <a:schemeClr val="accent1"/>
+          </a:effectRef>
+          <a:fontRef idx="minor">
+            <a:schemeClr val="tx1"/>
+          </a:fontRef>
+        </p:style>
+      </p:cxnSp>
+      <p:sp>
+        <p:nvSpPr>
+          <p:cNvPr id="58" name="TextBox 57">
+            <a:extLst>
+              <a:ext uri="{FF2B5EF4-FFF2-40B4-BE49-F238E27FC236}">
+                <a16:creationId xmlns:a16="http://schemas.microsoft.com/office/drawing/2014/main" id="{8E9AA8BE-ACF6-4E60-B213-2C053026C00C}"/>
+              </a:ext>
+            </a:extLst>
+          </p:cNvPr>
+          <p:cNvSpPr txBox="1"/>
+          <p:nvPr/>
+        </p:nvSpPr>
+        <p:spPr>
+          <a:xfrm>
+            <a:off x="2181549" y="4222918"/>
+            <a:ext cx="744114" cy="338554"/>
+          </a:xfrm>
+          <a:prstGeom prst="rect">
+            <a:avLst/>
+          </a:prstGeom>
+          <a:noFill/>
+        </p:spPr>
+        <p:txBody>
+          <a:bodyPr wrap="none" rtlCol="0">
+            <a:spAutoFit/>
+          </a:bodyPr>
+          <a:lstStyle/>
+          <a:p>
+            <a:r>
+              <a:rPr lang="en-US" altLang="ko-KR" sz="1600" dirty="0">
+                <a:solidFill>
+                  <a:srgbClr val="0000FF"/>
+                </a:solidFill>
+              </a:rPr>
+              <a:t>① pull</a:t>
+            </a:r>
+            <a:endParaRPr lang="ko-KR" altLang="en-US" sz="1600" dirty="0">
+              <a:solidFill>
+                <a:srgbClr val="0000FF"/>
+              </a:solidFill>
+            </a:endParaRPr>
+          </a:p>
+        </p:txBody>
+      </p:sp>
+      <p:sp>
+        <p:nvSpPr>
+          <p:cNvPr id="59" name="TextBox 58">
+            <a:extLst>
+              <a:ext uri="{FF2B5EF4-FFF2-40B4-BE49-F238E27FC236}">
+                <a16:creationId xmlns:a16="http://schemas.microsoft.com/office/drawing/2014/main" id="{DA51B3F3-085B-43F4-A878-A6D794DA98F8}"/>
+              </a:ext>
+            </a:extLst>
+          </p:cNvPr>
+          <p:cNvSpPr txBox="1"/>
+          <p:nvPr/>
+        </p:nvSpPr>
+        <p:spPr>
+          <a:xfrm>
+            <a:off x="5472996" y="3984280"/>
+            <a:ext cx="1852367" cy="307777"/>
+          </a:xfrm>
+          <a:prstGeom prst="rect">
+            <a:avLst/>
+          </a:prstGeom>
+          <a:noFill/>
+        </p:spPr>
+        <p:txBody>
+          <a:bodyPr wrap="none" rtlCol="0">
+            <a:spAutoFit/>
+          </a:bodyPr>
+          <a:lstStyle>
+            <a:defPPr>
+              <a:defRPr lang="en-US"/>
+            </a:defPPr>
+            <a:lvl1pPr>
+              <a:defRPr sz="1400">
+                <a:solidFill>
+                  <a:srgbClr val="0000FF"/>
+                </a:solidFill>
+              </a:defRPr>
+            </a:lvl1pPr>
+          </a:lstStyle>
+          <a:p>
+            <a:r>
+              <a:rPr lang="en-US" altLang="ko-KR" dirty="0"/>
+              <a:t>push -d origin develop </a:t>
+            </a:r>
+            <a:endParaRPr lang="ko-KR" altLang="en-US" dirty="0"/>
+          </a:p>
+        </p:txBody>
+      </p:sp>
+      <p:sp>
+        <p:nvSpPr>
+          <p:cNvPr id="60" name="굽은 화살표 4">
+            <a:extLst>
+              <a:ext uri="{FF2B5EF4-FFF2-40B4-BE49-F238E27FC236}">
+                <a16:creationId xmlns:a16="http://schemas.microsoft.com/office/drawing/2014/main" id="{09508E37-11B9-4358-89CA-CD0AB6D335AC}"/>
               </a:ext>
             </a:extLst>
           </p:cNvPr>
@@ -37775,10 +37944,10 @@
       </p:sp>
       <p:cxnSp>
         <p:nvCxnSpPr>
-          <p:cNvPr id="11" name="직선 화살표 연결선 10">
+          <p:cNvPr id="19" name="직선 화살표 연결선 18">
             <a:extLst>
               <a:ext uri="{FF2B5EF4-FFF2-40B4-BE49-F238E27FC236}">
-                <a16:creationId xmlns:a16="http://schemas.microsoft.com/office/drawing/2014/main" id="{FC55BA4C-B695-43D4-A41D-5F624A8C1CF1}"/>
+                <a16:creationId xmlns:a16="http://schemas.microsoft.com/office/drawing/2014/main" id="{1A8A2622-D5C0-4377-AAED-B254A7998542}"/>
               </a:ext>
             </a:extLst>
           </p:cNvPr>
@@ -37847,6 +38016,36 @@
           <a:chExt cx="0" cy="0"/>
         </a:xfrm>
       </p:grpSpPr>
+      <p:pic>
+        <p:nvPicPr>
+          <p:cNvPr id="10" name="그림 9">
+            <a:extLst>
+              <a:ext uri="{FF2B5EF4-FFF2-40B4-BE49-F238E27FC236}">
+                <a16:creationId xmlns:a16="http://schemas.microsoft.com/office/drawing/2014/main" id="{952D56A8-C533-4ACC-B5A3-35D2913EE28A}"/>
+              </a:ext>
+            </a:extLst>
+          </p:cNvPr>
+          <p:cNvPicPr>
+            <a:picLocks noChangeAspect="1"/>
+          </p:cNvPicPr>
+          <p:nvPr/>
+        </p:nvPicPr>
+        <p:blipFill>
+          <a:blip r:embed="rId3"/>
+          <a:stretch>
+            <a:fillRect/>
+          </a:stretch>
+        </p:blipFill>
+        <p:spPr>
+          <a:xfrm>
+            <a:off x="733626" y="1960942"/>
+            <a:ext cx="7676748" cy="2536445"/>
+          </a:xfrm>
+          <a:prstGeom prst="rect">
+            <a:avLst/>
+          </a:prstGeom>
+        </p:spPr>
+      </p:pic>
       <p:sp>
         <p:nvSpPr>
           <p:cNvPr id="4" name="제목 3">
@@ -37876,18 +38075,35 @@
           <a:lstStyle/>
           <a:p>
             <a:r>
+              <a:rPr lang="en-US" altLang="ko-KR" dirty="0"/>
+              <a:t>Pull Request </a:t>
+            </a:r>
+            <a:r>
               <a:rPr lang="ko-KR" altLang="en-US" dirty="0"/>
-              <a:t>전체 요약 순서</a:t>
-            </a:r>
-          </a:p>
-        </p:txBody>
-      </p:sp>
-      <p:sp>
-        <p:nvSpPr>
-          <p:cNvPr id="11" name="내용 개체 틀 2">
+              <a:t>최종결과 확인 후 마무리 작업 </a:t>
+            </a:r>
+            <a:r>
+              <a:rPr lang="en-US" altLang="ko-KR" dirty="0"/>
+              <a:t>(</a:t>
+            </a:r>
+            <a:r>
+              <a:rPr lang="ko-KR" altLang="en-US" dirty="0"/>
+              <a:t>참고</a:t>
+            </a:r>
+            <a:r>
+              <a:rPr lang="en-US" altLang="ko-KR" dirty="0"/>
+              <a:t>)</a:t>
+            </a:r>
+            <a:endParaRPr lang="ko-KR" altLang="en-US" dirty="0"/>
+          </a:p>
+        </p:txBody>
+      </p:sp>
+      <p:sp>
+        <p:nvSpPr>
+          <p:cNvPr id="20" name="내용 개체 틀 2">
             <a:extLst>
               <a:ext uri="{FF2B5EF4-FFF2-40B4-BE49-F238E27FC236}">
-                <a16:creationId xmlns:a16="http://schemas.microsoft.com/office/drawing/2014/main" id="{A44AC902-3746-40D6-9827-94B46EEDDC67}"/>
+                <a16:creationId xmlns:a16="http://schemas.microsoft.com/office/drawing/2014/main" id="{E61B19CC-4D07-4C10-AF2C-75E43785A964}"/>
               </a:ext>
             </a:extLst>
           </p:cNvPr>
@@ -37898,8 +38114,8 @@
         </p:nvSpPr>
         <p:spPr>
           <a:xfrm>
-            <a:off x="341787" y="957257"/>
-            <a:ext cx="8642350" cy="5225829"/>
+            <a:off x="341787" y="1120544"/>
+            <a:ext cx="8642350" cy="1641361"/>
           </a:xfrm>
           <a:prstGeom prst="rect">
             <a:avLst/>
@@ -38050,538 +38266,233 @@
           </a:lstStyle>
           <a:p>
             <a:r>
+              <a:rPr lang="en-US" altLang="ko-KR" dirty="0">
+                <a:latin typeface="+mn-ea"/>
+              </a:rPr>
+              <a:t>Fork</a:t>
+            </a:r>
+            <a:r>
               <a:rPr lang="ko-KR" altLang="en-US" dirty="0"/>
-              <a:t>전체 요약 순서</a:t>
-            </a:r>
-            <a:endParaRPr lang="en-US" altLang="ko-KR" dirty="0"/>
-          </a:p>
-          <a:p>
-            <a:pPr marL="533400" lvl="1" indent="-266700">
-              <a:buFont typeface="+mj-ea"/>
-              <a:buAutoNum type="circleNumDbPlain"/>
-            </a:pPr>
+              <a:t>하는 방식으로 해서 </a:t>
+            </a:r>
+            <a:r>
+              <a:rPr lang="en-US" altLang="ko-KR" dirty="0"/>
+              <a:t>3</a:t>
+            </a:r>
+            <a:r>
+              <a:rPr lang="ko-KR" altLang="en-US" dirty="0"/>
+              <a:t>군데 내용을 일치시키면 안되나</a:t>
+            </a:r>
+            <a:r>
+              <a:rPr lang="en-US" altLang="ko-KR" dirty="0"/>
+              <a:t>?</a:t>
+            </a:r>
+          </a:p>
+          <a:p>
+            <a:pPr marL="466725" lvl="1" indent="-201613"/>
+            <a:r>
+              <a:rPr lang="en-US" altLang="ko-KR" dirty="0">
+                <a:latin typeface="+mn-ea"/>
+              </a:rPr>
+              <a:t>Fetch</a:t>
+            </a:r>
             <a:r>
               <a:rPr lang="ko-KR" altLang="en-US" dirty="0">
                 <a:latin typeface="+mn-ea"/>
               </a:rPr>
-              <a:t>나의 </a:t>
-            </a:r>
-            <a:r>
-              <a:rPr lang="en-US" altLang="ko-KR" dirty="0" err="1">
-                <a:latin typeface="+mn-ea"/>
-              </a:rPr>
-              <a:t>github</a:t>
+              <a:t> </a:t>
             </a:r>
             <a:r>
               <a:rPr lang="en-US" altLang="ko-KR" dirty="0">
                 <a:latin typeface="+mn-ea"/>
               </a:rPr>
-              <a:t> </a:t>
+              <a:t>upstream </a:t>
             </a:r>
             <a:r>
               <a:rPr lang="ko-KR" altLang="en-US" dirty="0">
                 <a:latin typeface="+mn-ea"/>
               </a:rPr>
-              <a:t>계정에 로그인</a:t>
+              <a:t>사용</a:t>
             </a:r>
             <a:endParaRPr lang="en-US" altLang="ko-KR" dirty="0">
               <a:latin typeface="+mn-ea"/>
             </a:endParaRPr>
           </a:p>
           <a:p>
-            <a:pPr marL="533400" lvl="1" indent="-266700">
-              <a:buFont typeface="+mj-ea"/>
-              <a:buAutoNum type="circleNumDbPlain"/>
-            </a:pPr>
-            <a:r>
-              <a:rPr lang="ko-KR" altLang="en-US" dirty="0">
-                <a:latin typeface="+mn-ea"/>
-              </a:rPr>
-              <a:t>참여하고 싶은 저장소</a:t>
-            </a:r>
-            <a:r>
-              <a:rPr lang="en-US" altLang="ko-KR" dirty="0">
-                <a:latin typeface="+mn-ea"/>
-              </a:rPr>
-              <a:t>(upstream)</a:t>
-            </a:r>
-            <a:r>
-              <a:rPr lang="ko-KR" altLang="en-US" dirty="0">
-                <a:latin typeface="+mn-ea"/>
-              </a:rPr>
-              <a:t> 찾기</a:t>
-            </a:r>
+            <a:pPr lvl="1"/>
             <a:endParaRPr lang="en-US" altLang="ko-KR" dirty="0">
               <a:latin typeface="+mn-ea"/>
             </a:endParaRPr>
           </a:p>
           <a:p>
-            <a:pPr marL="533400" lvl="1" indent="-266700">
-              <a:buFont typeface="+mj-ea"/>
-              <a:buAutoNum type="circleNumDbPlain"/>
-            </a:pPr>
-            <a:r>
-              <a:rPr lang="ko-KR" altLang="en-US" dirty="0">
-                <a:latin typeface="+mn-ea"/>
-              </a:rPr>
-              <a:t>나의 원격저장소</a:t>
-            </a:r>
-            <a:r>
-              <a:rPr lang="en-US" altLang="ko-KR" dirty="0">
-                <a:latin typeface="+mn-ea"/>
-              </a:rPr>
-              <a:t>(origin)</a:t>
-            </a:r>
-            <a:r>
-              <a:rPr lang="ko-KR" altLang="en-US" dirty="0">
-                <a:latin typeface="+mn-ea"/>
-              </a:rPr>
-              <a:t>로 </a:t>
-            </a:r>
-            <a:r>
-              <a:rPr lang="en-US" altLang="ko-KR" dirty="0">
-                <a:latin typeface="+mn-ea"/>
-              </a:rPr>
-              <a:t>Fork</a:t>
-            </a:r>
-            <a:r>
-              <a:rPr lang="ko-KR" altLang="en-US" dirty="0">
-                <a:latin typeface="+mn-ea"/>
-              </a:rPr>
-              <a:t>하기</a:t>
-            </a:r>
+            <a:pPr lvl="1"/>
             <a:endParaRPr lang="en-US" altLang="ko-KR" dirty="0">
               <a:latin typeface="+mn-ea"/>
             </a:endParaRPr>
           </a:p>
           <a:p>
-            <a:pPr marL="533400" lvl="1" indent="-266700">
-              <a:buFont typeface="+mj-ea"/>
-              <a:buAutoNum type="circleNumDbPlain"/>
-            </a:pPr>
-            <a:r>
-              <a:rPr lang="ko-KR" altLang="en-US" dirty="0">
-                <a:latin typeface="+mn-ea"/>
-              </a:rPr>
-              <a:t>나의 로컬저장소로 </a:t>
-            </a:r>
-            <a:r>
-              <a:rPr lang="en-US" altLang="ko-KR" dirty="0">
-                <a:latin typeface="+mn-ea"/>
-              </a:rPr>
-              <a:t>clone</a:t>
-            </a:r>
-            <a:r>
-              <a:rPr lang="ko-KR" altLang="en-US" dirty="0">
-                <a:latin typeface="+mn-ea"/>
-              </a:rPr>
-              <a:t>하기 </a:t>
-            </a:r>
-            <a:r>
-              <a:rPr lang="en-US" altLang="ko-KR" dirty="0">
-                <a:latin typeface="+mn-ea"/>
-              </a:rPr>
-              <a:t> ☞ git clone</a:t>
-            </a:r>
-            <a:r>
-              <a:rPr lang="ko-KR" altLang="en-US" dirty="0">
-                <a:latin typeface="+mn-ea"/>
-              </a:rPr>
-              <a:t> </a:t>
-            </a:r>
-            <a:r>
-              <a:rPr lang="en-US" altLang="ko-KR" dirty="0">
-                <a:latin typeface="+mn-ea"/>
-              </a:rPr>
-              <a:t>upstream-address</a:t>
-            </a:r>
-          </a:p>
-          <a:p>
-            <a:pPr marL="533400" lvl="1" indent="-266700">
-              <a:buFont typeface="+mj-ea"/>
-              <a:buAutoNum type="circleNumDbPlain"/>
-            </a:pPr>
-            <a:r>
-              <a:rPr lang="ko-KR" altLang="en-US" dirty="0">
-                <a:latin typeface="+mn-ea"/>
-              </a:rPr>
-              <a:t>로컬저장소에서 작업 </a:t>
-            </a:r>
-            <a:r>
-              <a:rPr lang="en-US" altLang="ko-KR" dirty="0">
-                <a:latin typeface="+mn-ea"/>
-              </a:rPr>
-              <a:t>branch </a:t>
-            </a:r>
-            <a:r>
-              <a:rPr lang="ko-KR" altLang="en-US" dirty="0">
-                <a:latin typeface="+mn-ea"/>
-              </a:rPr>
-              <a:t>만들기</a:t>
-            </a:r>
-            <a:r>
-              <a:rPr lang="en-US" altLang="ko-KR" dirty="0">
-                <a:latin typeface="+mn-ea"/>
-              </a:rPr>
-              <a:t> ☞ git checkout</a:t>
-            </a:r>
-            <a:r>
-              <a:rPr lang="ko-KR" altLang="en-US" dirty="0">
-                <a:latin typeface="+mn-ea"/>
-              </a:rPr>
-              <a:t> </a:t>
-            </a:r>
-            <a:r>
-              <a:rPr lang="en-US" altLang="ko-KR" dirty="0">
-                <a:latin typeface="+mn-ea"/>
-              </a:rPr>
-              <a:t>-b</a:t>
-            </a:r>
-            <a:r>
-              <a:rPr lang="ko-KR" altLang="en-US" dirty="0">
-                <a:latin typeface="+mn-ea"/>
-              </a:rPr>
-              <a:t> </a:t>
-            </a:r>
-            <a:r>
-              <a:rPr lang="en-US" altLang="ko-KR" dirty="0">
-                <a:latin typeface="+mn-ea"/>
-              </a:rPr>
-              <a:t>new-branch</a:t>
-            </a:r>
-          </a:p>
-          <a:p>
-            <a:pPr marL="533400" lvl="1" indent="-266700">
-              <a:buFont typeface="+mj-ea"/>
-              <a:buAutoNum type="circleNumDbPlain"/>
-            </a:pPr>
-            <a:r>
-              <a:rPr lang="ko-KR" altLang="en-US" dirty="0">
-                <a:latin typeface="+mn-ea"/>
-              </a:rPr>
-              <a:t>기여할 내용 수정작업하기</a:t>
-            </a:r>
+            <a:pPr lvl="1"/>
             <a:endParaRPr lang="en-US" altLang="ko-KR" dirty="0">
               <a:latin typeface="+mn-ea"/>
             </a:endParaRPr>
           </a:p>
           <a:p>
-            <a:pPr marL="533400" lvl="1" indent="-266700">
-              <a:buFont typeface="+mj-ea"/>
-              <a:buAutoNum type="circleNumDbPlain"/>
-            </a:pPr>
-            <a:r>
-              <a:rPr lang="ko-KR" altLang="en-US" dirty="0">
-                <a:latin typeface="+mn-ea"/>
-              </a:rPr>
-              <a:t>나의 원격저장소</a:t>
-            </a:r>
-            <a:r>
-              <a:rPr lang="en-US" altLang="ko-KR" dirty="0">
-                <a:latin typeface="+mn-ea"/>
-              </a:rPr>
-              <a:t>(origin)</a:t>
-            </a:r>
-            <a:r>
-              <a:rPr lang="ko-KR" altLang="en-US" dirty="0">
-                <a:latin typeface="+mn-ea"/>
-              </a:rPr>
-              <a:t>로 </a:t>
-            </a:r>
-            <a:r>
-              <a:rPr lang="en-US" altLang="ko-KR" dirty="0">
-                <a:latin typeface="+mn-ea"/>
-              </a:rPr>
-              <a:t>push</a:t>
-            </a:r>
-            <a:r>
-              <a:rPr lang="ko-KR" altLang="en-US" dirty="0">
-                <a:latin typeface="+mn-ea"/>
-              </a:rPr>
-              <a:t>하기</a:t>
-            </a:r>
-            <a:r>
-              <a:rPr lang="en-US" altLang="ko-KR" dirty="0">
-                <a:latin typeface="+mn-ea"/>
-              </a:rPr>
-              <a:t> ☞ git push -u origin new-branch</a:t>
-            </a:r>
-          </a:p>
-          <a:p>
-            <a:pPr marL="533400" lvl="1" indent="-266700">
-              <a:buFont typeface="+mj-ea"/>
-              <a:buAutoNum type="circleNumDbPlain"/>
-            </a:pPr>
-            <a:r>
-              <a:rPr lang="ko-KR" altLang="en-US" dirty="0">
-                <a:latin typeface="+mn-ea"/>
-              </a:rPr>
-              <a:t>나의 원격저장소</a:t>
-            </a:r>
-            <a:r>
-              <a:rPr lang="en-US" altLang="ko-KR" dirty="0">
-                <a:latin typeface="+mn-ea"/>
-              </a:rPr>
-              <a:t>(origin)</a:t>
-            </a:r>
-            <a:r>
-              <a:rPr lang="ko-KR" altLang="en-US" dirty="0">
-                <a:latin typeface="+mn-ea"/>
-              </a:rPr>
-              <a:t>에서 </a:t>
-            </a:r>
-            <a:r>
-              <a:rPr lang="en-US" altLang="ko-KR" dirty="0">
-                <a:latin typeface="+mn-ea"/>
-              </a:rPr>
-              <a:t>Compare &amp; pull request </a:t>
-            </a:r>
-            <a:r>
-              <a:rPr lang="ko-KR" altLang="en-US" dirty="0">
-                <a:latin typeface="+mn-ea"/>
-              </a:rPr>
-              <a:t>하기</a:t>
-            </a:r>
+            <a:pPr lvl="1"/>
             <a:endParaRPr lang="en-US" altLang="ko-KR" dirty="0">
               <a:latin typeface="+mn-ea"/>
             </a:endParaRPr>
           </a:p>
           <a:p>
-            <a:pPr marL="533400" lvl="1" indent="-266700">
-              <a:buFont typeface="+mj-ea"/>
-              <a:buAutoNum type="circleNumDbPlain"/>
-            </a:pPr>
-            <a:r>
-              <a:rPr lang="ko-KR" altLang="en-US" dirty="0">
-                <a:latin typeface="+mn-ea"/>
-              </a:rPr>
-              <a:t>나의 원격저장소</a:t>
-            </a:r>
-            <a:r>
-              <a:rPr lang="en-US" altLang="ko-KR" dirty="0">
-                <a:latin typeface="+mn-ea"/>
-              </a:rPr>
-              <a:t>(origin)</a:t>
-            </a:r>
-            <a:r>
-              <a:rPr lang="ko-KR" altLang="en-US" dirty="0">
-                <a:latin typeface="+mn-ea"/>
-              </a:rPr>
-              <a:t>에서</a:t>
-            </a:r>
-            <a:r>
-              <a:rPr lang="en-US" altLang="ko-KR" dirty="0">
-                <a:latin typeface="+mn-ea"/>
-              </a:rPr>
-              <a:t> Create</a:t>
-            </a:r>
-            <a:r>
-              <a:rPr lang="ko-KR" altLang="en-US" dirty="0">
-                <a:latin typeface="+mn-ea"/>
-              </a:rPr>
-              <a:t> </a:t>
-            </a:r>
-            <a:r>
-              <a:rPr lang="en-US" altLang="ko-KR" dirty="0">
-                <a:latin typeface="+mn-ea"/>
-              </a:rPr>
-              <a:t>pull request</a:t>
-            </a:r>
-            <a:r>
-              <a:rPr lang="ko-KR" altLang="en-US" dirty="0">
-                <a:latin typeface="+mn-ea"/>
-              </a:rPr>
-              <a:t>하기</a:t>
-            </a:r>
+            <a:pPr lvl="1"/>
             <a:endParaRPr lang="en-US" altLang="ko-KR" dirty="0">
               <a:latin typeface="+mn-ea"/>
             </a:endParaRPr>
           </a:p>
           <a:p>
-            <a:pPr marL="533400" lvl="1" indent="-266700">
-              <a:buFont typeface="+mj-ea"/>
-              <a:buAutoNum type="circleNumDbPlain"/>
+            <a:pPr lvl="1"/>
+            <a:endParaRPr lang="en-US" altLang="ko-KR" dirty="0">
+              <a:latin typeface="+mn-ea"/>
+            </a:endParaRPr>
+          </a:p>
+          <a:p>
+            <a:pPr lvl="1"/>
+            <a:endParaRPr lang="en-US" altLang="ko-KR" dirty="0">
+              <a:latin typeface="+mn-ea"/>
+            </a:endParaRPr>
+          </a:p>
+          <a:p>
+            <a:pPr lvl="1"/>
+            <a:r>
+              <a:rPr lang="en-US" altLang="ko-KR" dirty="0">
+                <a:latin typeface="+mn-ea"/>
+              </a:rPr>
+              <a:t> Compare</a:t>
+            </a:r>
+            <a:r>
+              <a:rPr lang="ko-KR" altLang="en-US" dirty="0">
+                <a:latin typeface="+mn-ea"/>
+              </a:rPr>
+              <a:t>사용시 </a:t>
+            </a:r>
+            <a:r>
+              <a:rPr lang="en-US" altLang="ko-KR" dirty="0">
+                <a:latin typeface="+mn-ea"/>
+              </a:rPr>
+              <a:t>upstream</a:t>
+            </a:r>
+            <a:r>
+              <a:rPr lang="ko-KR" altLang="en-US" dirty="0">
+                <a:latin typeface="+mn-ea"/>
+              </a:rPr>
+              <a:t>으로부터 </a:t>
+            </a:r>
+            <a:r>
+              <a:rPr lang="en-US" altLang="ko-KR" dirty="0">
+                <a:latin typeface="+mn-ea"/>
+              </a:rPr>
+              <a:t>PR </a:t>
+            </a:r>
+            <a:r>
+              <a:rPr lang="ko-KR" altLang="en-US" dirty="0">
+                <a:latin typeface="+mn-ea"/>
+              </a:rPr>
+              <a:t>및 </a:t>
+            </a:r>
+            <a:r>
+              <a:rPr lang="en-US" altLang="ko-KR" dirty="0">
+                <a:latin typeface="+mn-ea"/>
+              </a:rPr>
+              <a:t>merge</a:t>
+            </a:r>
+            <a:r>
+              <a:rPr lang="ko-KR" altLang="en-US" dirty="0">
+                <a:latin typeface="+mn-ea"/>
+              </a:rPr>
+              <a:t> 작업 진행</a:t>
+            </a:r>
+            <a:endParaRPr lang="en-US" altLang="ko-KR" dirty="0">
+              <a:latin typeface="+mn-ea"/>
+            </a:endParaRPr>
+          </a:p>
+          <a:p>
+            <a:pPr lvl="1"/>
+            <a:endParaRPr lang="en-US" altLang="ko-KR" dirty="0">
+              <a:latin typeface="+mn-ea"/>
+            </a:endParaRPr>
+          </a:p>
+          <a:p>
+            <a:pPr marL="266700" lvl="1" indent="0">
+              <a:buNone/>
             </a:pPr>
             <a:r>
               <a:rPr lang="en-US" altLang="ko-KR" dirty="0">
                 <a:latin typeface="+mn-ea"/>
               </a:rPr>
-              <a:t>Merge</a:t>
-            </a:r>
-            <a:r>
-              <a:rPr lang="ko-KR" altLang="en-US" dirty="0">
-                <a:latin typeface="+mn-ea"/>
-              </a:rPr>
-              <a:t>된 후</a:t>
-            </a:r>
-            <a:r>
-              <a:rPr lang="en-US" altLang="ko-KR" dirty="0">
-                <a:latin typeface="+mn-ea"/>
-              </a:rPr>
-              <a:t>, upstream</a:t>
-            </a:r>
-            <a:r>
-              <a:rPr lang="ko-KR" altLang="en-US" dirty="0">
-                <a:latin typeface="+mn-ea"/>
-              </a:rPr>
-              <a:t>내용을 </a:t>
-            </a:r>
-            <a:r>
-              <a:rPr lang="en-US" altLang="ko-KR" dirty="0">
-                <a:latin typeface="+mn-ea"/>
-              </a:rPr>
-              <a:t>local</a:t>
-            </a:r>
-            <a:r>
-              <a:rPr lang="ko-KR" altLang="en-US" dirty="0">
-                <a:latin typeface="+mn-ea"/>
-              </a:rPr>
-              <a:t> 저장소에 </a:t>
-            </a:r>
-            <a:r>
-              <a:rPr lang="en-US" altLang="ko-KR" dirty="0">
-                <a:latin typeface="+mn-ea"/>
-              </a:rPr>
-              <a:t>pull</a:t>
-            </a:r>
-            <a:r>
-              <a:rPr lang="ko-KR" altLang="en-US" dirty="0">
-                <a:latin typeface="+mn-ea"/>
-              </a:rPr>
-              <a:t>하기</a:t>
-            </a:r>
-            <a:r>
-              <a:rPr lang="en-US" altLang="ko-KR" dirty="0">
-                <a:latin typeface="+mn-ea"/>
-              </a:rPr>
-              <a:t> ☞ git pull upstream main</a:t>
-            </a:r>
-          </a:p>
-          <a:p>
-            <a:pPr marL="533400" lvl="1" indent="-266700">
-              <a:buFont typeface="+mj-ea"/>
-              <a:buAutoNum type="circleNumDbPlain"/>
-            </a:pPr>
-            <a:r>
-              <a:rPr lang="ko-KR" altLang="en-US" dirty="0">
-                <a:latin typeface="+mn-ea"/>
-              </a:rPr>
-              <a:t>로컬저장소에서 작업한 </a:t>
-            </a:r>
-            <a:r>
-              <a:rPr lang="en-US" altLang="ko-KR" dirty="0">
-                <a:latin typeface="+mn-ea"/>
-              </a:rPr>
-              <a:t>branch </a:t>
-            </a:r>
-            <a:r>
-              <a:rPr lang="ko-KR" altLang="en-US" dirty="0">
-                <a:latin typeface="+mn-ea"/>
-              </a:rPr>
-              <a:t>지우기</a:t>
-            </a:r>
-            <a:r>
-              <a:rPr lang="en-US" altLang="ko-KR" dirty="0">
-                <a:latin typeface="+mn-ea"/>
-              </a:rPr>
-              <a:t> ☞ git branch -d new-branch</a:t>
-            </a:r>
-          </a:p>
-          <a:p>
-            <a:pPr marL="533400" lvl="1" indent="-266700">
-              <a:buFont typeface="+mj-ea"/>
-              <a:buAutoNum type="circleNumDbPlain"/>
-            </a:pPr>
-            <a:r>
-              <a:rPr lang="ko-KR" altLang="en-US" dirty="0">
-                <a:latin typeface="+mn-ea"/>
-              </a:rPr>
-              <a:t>로컬저장소 내용을 </a:t>
-            </a:r>
-            <a:r>
-              <a:rPr lang="en-US" altLang="ko-KR" dirty="0">
-                <a:latin typeface="+mn-ea"/>
-              </a:rPr>
-              <a:t>origin</a:t>
-            </a:r>
-            <a:r>
-              <a:rPr lang="ko-KR" altLang="en-US" dirty="0">
-                <a:latin typeface="+mn-ea"/>
-              </a:rPr>
-              <a:t>으로 </a:t>
-            </a:r>
-            <a:r>
-              <a:rPr lang="en-US" altLang="ko-KR" dirty="0">
-                <a:latin typeface="+mn-ea"/>
-              </a:rPr>
-              <a:t>push</a:t>
-            </a:r>
-            <a:r>
-              <a:rPr lang="ko-KR" altLang="en-US" dirty="0">
-                <a:latin typeface="+mn-ea"/>
-              </a:rPr>
-              <a:t>하기</a:t>
-            </a:r>
-            <a:r>
-              <a:rPr lang="en-US" altLang="ko-KR" dirty="0">
-                <a:latin typeface="+mn-ea"/>
-              </a:rPr>
-              <a:t> ☞ git push origin main</a:t>
-            </a:r>
-          </a:p>
-          <a:p>
-            <a:pPr marL="533400" lvl="1" indent="-266700">
-              <a:buFont typeface="+mj-ea"/>
-              <a:buAutoNum type="circleNumDbPlain"/>
-            </a:pPr>
-            <a:r>
-              <a:rPr lang="ko-KR" altLang="en-US" dirty="0">
-                <a:latin typeface="+mn-ea"/>
-              </a:rPr>
-              <a:t>원격저장소</a:t>
-            </a:r>
-            <a:r>
-              <a:rPr lang="en-US" altLang="ko-KR" dirty="0">
-                <a:latin typeface="+mn-ea"/>
-              </a:rPr>
-              <a:t>(origin) </a:t>
-            </a:r>
-            <a:r>
-              <a:rPr lang="ko-KR" altLang="en-US" dirty="0" err="1">
-                <a:latin typeface="+mn-ea"/>
-              </a:rPr>
-              <a:t>브랜치</a:t>
-            </a:r>
-            <a:r>
-              <a:rPr lang="ko-KR" altLang="en-US" dirty="0">
-                <a:latin typeface="+mn-ea"/>
-              </a:rPr>
-              <a:t> 삭제하기</a:t>
-            </a:r>
-            <a:r>
-              <a:rPr lang="en-US" altLang="ko-KR" dirty="0">
-                <a:latin typeface="+mn-ea"/>
-              </a:rPr>
-              <a:t> ☞ git push -d origin new-branch </a:t>
-            </a:r>
-          </a:p>
-          <a:p>
-            <a:pPr marL="533400" lvl="1" indent="-266700">
-              <a:buFont typeface="+mj-ea"/>
-              <a:buAutoNum type="circleNumDbPlain"/>
+              <a:t> </a:t>
+            </a:r>
+          </a:p>
+          <a:p>
+            <a:pPr lvl="1"/>
+            <a:endParaRPr lang="en-US" altLang="ko-KR" dirty="0">
+              <a:latin typeface="+mn-ea"/>
+            </a:endParaRPr>
+          </a:p>
+          <a:p>
+            <a:pPr marL="266700" lvl="1" indent="0">
+              <a:buNone/>
             </a:pPr>
             <a:endParaRPr lang="en-US" altLang="ko-KR" dirty="0">
               <a:latin typeface="+mn-ea"/>
             </a:endParaRPr>
           </a:p>
-        </p:txBody>
-      </p:sp>
-      <p:sp>
-        <p:nvSpPr>
-          <p:cNvPr id="3" name="슬라이드 번호 개체 틀 2">
+          <a:p>
+            <a:pPr marL="266700" lvl="1" indent="0">
+              <a:buNone/>
+            </a:pPr>
+            <a:endParaRPr lang="en-US" altLang="ko-KR" dirty="0">
+              <a:latin typeface="+mn-ea"/>
+            </a:endParaRPr>
+          </a:p>
+          <a:p>
+            <a:pPr marL="266700" lvl="1" indent="0">
+              <a:buNone/>
+            </a:pPr>
+            <a:endParaRPr lang="en-US" altLang="ko-KR" dirty="0">
+              <a:latin typeface="+mn-ea"/>
+            </a:endParaRPr>
+          </a:p>
+          <a:p>
+            <a:pPr marL="266700" lvl="1" indent="0">
+              <a:buNone/>
+            </a:pPr>
+            <a:endParaRPr lang="en-US" altLang="ko-KR" dirty="0">
+              <a:latin typeface="+mn-ea"/>
+            </a:endParaRPr>
+          </a:p>
+          <a:p>
+            <a:pPr marL="266700" lvl="1" indent="0">
+              <a:buNone/>
+            </a:pPr>
+            <a:endParaRPr lang="en-US" altLang="ko-KR" dirty="0">
+              <a:latin typeface="+mn-ea"/>
+            </a:endParaRPr>
+          </a:p>
+          <a:p>
+            <a:pPr marL="266700" lvl="1" indent="0">
+              <a:buNone/>
+            </a:pPr>
+            <a:endParaRPr lang="en-US" altLang="ko-KR" dirty="0">
+              <a:latin typeface="+mn-ea"/>
+            </a:endParaRPr>
+          </a:p>
+        </p:txBody>
+      </p:sp>
+      <p:sp>
+        <p:nvSpPr>
+          <p:cNvPr id="2" name="슬라이드 번호 개체 틀 1">
             <a:extLst>
               <a:ext uri="{FF2B5EF4-FFF2-40B4-BE49-F238E27FC236}">
-                <a16:creationId xmlns:a16="http://schemas.microsoft.com/office/drawing/2014/main" id="{79775DA8-C328-47D1-90D8-4B02555F6B3F}"/>
+                <a16:creationId xmlns:a16="http://schemas.microsoft.com/office/drawing/2014/main" id="{D6BC65D2-2E7E-4A4E-A239-2EAB558EF9E1}"/>
               </a:ext>
             </a:extLst>
           </p:cNvPr>
@@ -38610,10 +38521,266 @@
           </a:p>
         </p:txBody>
       </p:sp>
+      <p:sp>
+        <p:nvSpPr>
+          <p:cNvPr id="8" name="직사각형 7">
+            <a:extLst>
+              <a:ext uri="{FF2B5EF4-FFF2-40B4-BE49-F238E27FC236}">
+                <a16:creationId xmlns:a16="http://schemas.microsoft.com/office/drawing/2014/main" id="{37DA4DD4-B49A-49A3-AF10-B61947A2C5B6}"/>
+              </a:ext>
+            </a:extLst>
+          </p:cNvPr>
+          <p:cNvSpPr/>
+          <p:nvPr/>
+        </p:nvSpPr>
+        <p:spPr>
+          <a:xfrm flipH="1">
+            <a:off x="7030682" y="2529169"/>
+            <a:ext cx="1111049" cy="196318"/>
+          </a:xfrm>
+          <a:prstGeom prst="rect">
+            <a:avLst/>
+          </a:prstGeom>
+          <a:noFill/>
+          <a:ln w="28575">
+            <a:solidFill>
+              <a:srgbClr val="FF0000"/>
+            </a:solidFill>
+          </a:ln>
+        </p:spPr>
+        <p:style>
+          <a:lnRef idx="2">
+            <a:schemeClr val="accent1">
+              <a:shade val="50000"/>
+            </a:schemeClr>
+          </a:lnRef>
+          <a:fillRef idx="1">
+            <a:schemeClr val="accent1"/>
+          </a:fillRef>
+          <a:effectRef idx="0">
+            <a:schemeClr val="accent1"/>
+          </a:effectRef>
+          <a:fontRef idx="minor">
+            <a:schemeClr val="lt1"/>
+          </a:fontRef>
+        </p:style>
+        <p:txBody>
+          <a:bodyPr rtlCol="0" anchor="ctr"/>
+          <a:lstStyle/>
+          <a:p>
+            <a:endParaRPr lang="ko-KR" altLang="en-US" b="1" dirty="0">
+              <a:solidFill>
+                <a:srgbClr val="FF0000"/>
+              </a:solidFill>
+            </a:endParaRPr>
+          </a:p>
+        </p:txBody>
+      </p:sp>
+      <p:sp>
+        <p:nvSpPr>
+          <p:cNvPr id="14" name="직사각형 13">
+            <a:extLst>
+              <a:ext uri="{FF2B5EF4-FFF2-40B4-BE49-F238E27FC236}">
+                <a16:creationId xmlns:a16="http://schemas.microsoft.com/office/drawing/2014/main" id="{C80F7F54-F729-44F8-9ECD-B5FD4988FB80}"/>
+              </a:ext>
+            </a:extLst>
+          </p:cNvPr>
+          <p:cNvSpPr/>
+          <p:nvPr/>
+        </p:nvSpPr>
+        <p:spPr>
+          <a:xfrm flipH="1">
+            <a:off x="6667124" y="3910988"/>
+            <a:ext cx="1441555" cy="269914"/>
+          </a:xfrm>
+          <a:prstGeom prst="rect">
+            <a:avLst/>
+          </a:prstGeom>
+          <a:noFill/>
+          <a:ln w="28575">
+            <a:solidFill>
+              <a:srgbClr val="FF0000"/>
+            </a:solidFill>
+          </a:ln>
+        </p:spPr>
+        <p:style>
+          <a:lnRef idx="2">
+            <a:schemeClr val="accent1">
+              <a:shade val="50000"/>
+            </a:schemeClr>
+          </a:lnRef>
+          <a:fillRef idx="1">
+            <a:schemeClr val="accent1"/>
+          </a:fillRef>
+          <a:effectRef idx="0">
+            <a:schemeClr val="accent1"/>
+          </a:effectRef>
+          <a:fontRef idx="minor">
+            <a:schemeClr val="lt1"/>
+          </a:fontRef>
+        </p:style>
+        <p:txBody>
+          <a:bodyPr rtlCol="0" anchor="ctr"/>
+          <a:lstStyle/>
+          <a:p>
+            <a:endParaRPr lang="ko-KR" altLang="en-US" b="1" dirty="0">
+              <a:solidFill>
+                <a:srgbClr val="FF0000"/>
+              </a:solidFill>
+            </a:endParaRPr>
+          </a:p>
+        </p:txBody>
+      </p:sp>
+      <p:cxnSp>
+        <p:nvCxnSpPr>
+          <p:cNvPr id="15" name="직선 화살표 연결선 14">
+            <a:extLst>
+              <a:ext uri="{FF2B5EF4-FFF2-40B4-BE49-F238E27FC236}">
+                <a16:creationId xmlns:a16="http://schemas.microsoft.com/office/drawing/2014/main" id="{CD48FAD8-C8AF-40F2-801C-F6789A8671FE}"/>
+              </a:ext>
+            </a:extLst>
+          </p:cNvPr>
+          <p:cNvCxnSpPr>
+            <a:cxnSpLocks/>
+          </p:cNvCxnSpPr>
+          <p:nvPr/>
+        </p:nvCxnSpPr>
+        <p:spPr>
+          <a:xfrm flipH="1">
+            <a:off x="7700790" y="2761905"/>
+            <a:ext cx="121186" cy="1149083"/>
+          </a:xfrm>
+          <a:prstGeom prst="straightConnector1">
+            <a:avLst/>
+          </a:prstGeom>
+          <a:ln w="25400">
+            <a:solidFill>
+              <a:schemeClr val="accent1">
+                <a:lumMod val="60000"/>
+                <a:lumOff val="40000"/>
+              </a:schemeClr>
+            </a:solidFill>
+            <a:tailEnd type="triangle"/>
+          </a:ln>
+        </p:spPr>
+        <p:style>
+          <a:lnRef idx="1">
+            <a:schemeClr val="accent1"/>
+          </a:lnRef>
+          <a:fillRef idx="0">
+            <a:schemeClr val="accent1"/>
+          </a:fillRef>
+          <a:effectRef idx="0">
+            <a:schemeClr val="accent1"/>
+          </a:effectRef>
+          <a:fontRef idx="minor">
+            <a:schemeClr val="tx1"/>
+          </a:fontRef>
+        </p:style>
+      </p:cxnSp>
+      <p:sp>
+        <p:nvSpPr>
+          <p:cNvPr id="17" name="직사각형 16">
+            <a:extLst>
+              <a:ext uri="{FF2B5EF4-FFF2-40B4-BE49-F238E27FC236}">
+                <a16:creationId xmlns:a16="http://schemas.microsoft.com/office/drawing/2014/main" id="{FB62AEBB-6396-44E3-AD09-3BAE3557C859}"/>
+              </a:ext>
+            </a:extLst>
+          </p:cNvPr>
+          <p:cNvSpPr/>
+          <p:nvPr/>
+        </p:nvSpPr>
+        <p:spPr>
+          <a:xfrm flipH="1">
+            <a:off x="5212897" y="3910988"/>
+            <a:ext cx="1167523" cy="269914"/>
+          </a:xfrm>
+          <a:prstGeom prst="rect">
+            <a:avLst/>
+          </a:prstGeom>
+          <a:noFill/>
+          <a:ln w="28575">
+            <a:solidFill>
+              <a:srgbClr val="0000FF"/>
+            </a:solidFill>
+          </a:ln>
+        </p:spPr>
+        <p:style>
+          <a:lnRef idx="2">
+            <a:schemeClr val="accent1">
+              <a:shade val="50000"/>
+            </a:schemeClr>
+          </a:lnRef>
+          <a:fillRef idx="1">
+            <a:schemeClr val="accent1"/>
+          </a:fillRef>
+          <a:effectRef idx="0">
+            <a:schemeClr val="accent1"/>
+          </a:effectRef>
+          <a:fontRef idx="minor">
+            <a:schemeClr val="lt1"/>
+          </a:fontRef>
+        </p:style>
+        <p:txBody>
+          <a:bodyPr rtlCol="0" anchor="ctr"/>
+          <a:lstStyle/>
+          <a:p>
+            <a:endParaRPr lang="ko-KR" altLang="en-US" b="1" dirty="0">
+              <a:solidFill>
+                <a:srgbClr val="FF0000"/>
+              </a:solidFill>
+            </a:endParaRPr>
+          </a:p>
+        </p:txBody>
+      </p:sp>
+      <p:cxnSp>
+        <p:nvCxnSpPr>
+          <p:cNvPr id="18" name="직선 화살표 연결선 17">
+            <a:extLst>
+              <a:ext uri="{FF2B5EF4-FFF2-40B4-BE49-F238E27FC236}">
+                <a16:creationId xmlns:a16="http://schemas.microsoft.com/office/drawing/2014/main" id="{0D6E1E7B-7F55-441E-A493-BF3A0468ED4F}"/>
+              </a:ext>
+            </a:extLst>
+          </p:cNvPr>
+          <p:cNvCxnSpPr>
+            <a:cxnSpLocks/>
+          </p:cNvCxnSpPr>
+          <p:nvPr/>
+        </p:nvCxnSpPr>
+        <p:spPr>
+          <a:xfrm flipV="1">
+            <a:off x="1344058" y="4180903"/>
+            <a:ext cx="3868839" cy="490249"/>
+          </a:xfrm>
+          <a:prstGeom prst="straightConnector1">
+            <a:avLst/>
+          </a:prstGeom>
+          <a:ln w="25400">
+            <a:solidFill>
+              <a:srgbClr val="0000FF"/>
+            </a:solidFill>
+            <a:tailEnd type="triangle"/>
+          </a:ln>
+        </p:spPr>
+        <p:style>
+          <a:lnRef idx="1">
+            <a:schemeClr val="accent1"/>
+          </a:lnRef>
+          <a:fillRef idx="0">
+            <a:schemeClr val="accent1"/>
+          </a:fillRef>
+          <a:effectRef idx="0">
+            <a:schemeClr val="accent1"/>
+          </a:effectRef>
+          <a:fontRef idx="minor">
+            <a:schemeClr val="tx1"/>
+          </a:fontRef>
+        </p:style>
+      </p:cxnSp>
     </p:spTree>
     <p:extLst>
       <p:ext uri="{BB962C8B-B14F-4D97-AF65-F5344CB8AC3E}">
-        <p14:creationId xmlns:p14="http://schemas.microsoft.com/office/powerpoint/2010/main" val="473554646"/>
+        <p14:creationId xmlns:p14="http://schemas.microsoft.com/office/powerpoint/2010/main" val="2476377210"/>
       </p:ext>
     </p:extLst>
   </p:cSld>
@@ -38670,7 +38837,7 @@
           <a:p>
             <a:r>
               <a:rPr lang="ko-KR" altLang="en-US" dirty="0"/>
-              <a:t>오픈소스 참조</a:t>
+              <a:t>전체 요약 순서</a:t>
             </a:r>
           </a:p>
         </p:txBody>
@@ -38844,53 +39011,519 @@
           <a:p>
             <a:r>
               <a:rPr lang="ko-KR" altLang="en-US" dirty="0"/>
-              <a:t>오픈소스 소개</a:t>
+              <a:t>전체 요약 순서</a:t>
             </a:r>
             <a:endParaRPr lang="en-US" altLang="ko-KR" dirty="0"/>
           </a:p>
           <a:p>
-            <a:pPr marL="0" indent="0">
-              <a:buNone/>
+            <a:pPr marL="533400" lvl="1" indent="-266700">
+              <a:buFont typeface="+mj-ea"/>
+              <a:buAutoNum type="circleNumDbPlain"/>
             </a:pPr>
             <a:r>
-              <a:rPr lang="en-US" altLang="ko-KR" sz="1800" b="0" dirty="0">
-                <a:latin typeface="+mn-ea"/>
-              </a:rPr>
-              <a:t>  </a:t>
-            </a:r>
-            <a:r>
-              <a:rPr lang="ko-KR" altLang="en-US" sz="1800" b="0" dirty="0">
-                <a:latin typeface="+mn-ea"/>
-              </a:rPr>
-              <a:t>네이버 오픈소스 가이드 </a:t>
-            </a:r>
-            <a:r>
-              <a:rPr lang="en-US" altLang="ko-KR" sz="1800" b="0" dirty="0">
-                <a:latin typeface="+mn-ea"/>
-              </a:rPr>
-              <a:t>:     </a:t>
-            </a:r>
-          </a:p>
-          <a:p>
-            <a:pPr marL="0" indent="0">
-              <a:buNone/>
+              <a:rPr lang="ko-KR" altLang="en-US" dirty="0">
+                <a:latin typeface="+mn-ea"/>
+              </a:rPr>
+              <a:t>나의 </a:t>
+            </a:r>
+            <a:r>
+              <a:rPr lang="en-US" altLang="ko-KR" dirty="0" err="1">
+                <a:latin typeface="+mn-ea"/>
+              </a:rPr>
+              <a:t>github</a:t>
+            </a:r>
+            <a:r>
+              <a:rPr lang="en-US" altLang="ko-KR" dirty="0">
+                <a:latin typeface="+mn-ea"/>
+              </a:rPr>
+              <a:t> </a:t>
+            </a:r>
+            <a:r>
+              <a:rPr lang="ko-KR" altLang="en-US" dirty="0">
+                <a:latin typeface="+mn-ea"/>
+              </a:rPr>
+              <a:t>계정에 로그인</a:t>
+            </a:r>
+            <a:endParaRPr lang="en-US" altLang="ko-KR" dirty="0">
+              <a:latin typeface="+mn-ea"/>
+            </a:endParaRPr>
+          </a:p>
+          <a:p>
+            <a:pPr marL="533400" lvl="1" indent="-266700">
+              <a:buFont typeface="+mj-ea"/>
+              <a:buAutoNum type="circleNumDbPlain"/>
             </a:pPr>
             <a:r>
-              <a:rPr lang="en-US" altLang="ko-KR" sz="1800" b="0" dirty="0">
-                <a:hlinkClick r:id="rId3"/>
-              </a:rPr>
-              <a:t>  </a:t>
-            </a:r>
-            <a:r>
-              <a:rPr lang="en-US" altLang="ko-KR" sz="1800" b="0" dirty="0">
-                <a:latin typeface="+mn-ea"/>
-                <a:hlinkClick r:id="rId3"/>
-              </a:rPr>
-              <a:t>https://naver.github.io/OpenSourceGuide/book/</a:t>
-            </a:r>
-            <a:endParaRPr lang="en-US" altLang="ko-KR" sz="1800" b="0" dirty="0">
+              <a:rPr lang="ko-KR" altLang="en-US" dirty="0">
+                <a:latin typeface="+mn-ea"/>
+              </a:rPr>
+              <a:t>참여하고 싶은 저장소</a:t>
+            </a:r>
+            <a:r>
+              <a:rPr lang="en-US" altLang="ko-KR" dirty="0">
+                <a:latin typeface="+mn-ea"/>
+              </a:rPr>
+              <a:t>(upstream)</a:t>
+            </a:r>
+            <a:r>
+              <a:rPr lang="ko-KR" altLang="en-US" dirty="0">
+                <a:latin typeface="+mn-ea"/>
+              </a:rPr>
+              <a:t> 찾기</a:t>
+            </a:r>
+            <a:endParaRPr lang="en-US" altLang="ko-KR" dirty="0">
               <a:latin typeface="+mn-ea"/>
             </a:endParaRPr>
+          </a:p>
+          <a:p>
+            <a:pPr marL="533400" lvl="1" indent="-266700">
+              <a:buFont typeface="+mj-ea"/>
+              <a:buAutoNum type="circleNumDbPlain"/>
+            </a:pPr>
+            <a:r>
+              <a:rPr lang="ko-KR" altLang="en-US" dirty="0">
+                <a:latin typeface="+mn-ea"/>
+              </a:rPr>
+              <a:t>나의 원격저장소</a:t>
+            </a:r>
+            <a:r>
+              <a:rPr lang="en-US" altLang="ko-KR" dirty="0">
+                <a:latin typeface="+mn-ea"/>
+              </a:rPr>
+              <a:t>(origin)</a:t>
+            </a:r>
+            <a:r>
+              <a:rPr lang="ko-KR" altLang="en-US" dirty="0">
+                <a:latin typeface="+mn-ea"/>
+              </a:rPr>
+              <a:t>로 </a:t>
+            </a:r>
+            <a:r>
+              <a:rPr lang="en-US" altLang="ko-KR" dirty="0">
+                <a:latin typeface="+mn-ea"/>
+              </a:rPr>
+              <a:t>Fork</a:t>
+            </a:r>
+            <a:r>
+              <a:rPr lang="ko-KR" altLang="en-US" dirty="0">
+                <a:latin typeface="+mn-ea"/>
+              </a:rPr>
+              <a:t>하기</a:t>
+            </a:r>
+            <a:endParaRPr lang="en-US" altLang="ko-KR" dirty="0">
+              <a:latin typeface="+mn-ea"/>
+            </a:endParaRPr>
+          </a:p>
+          <a:p>
+            <a:pPr marL="533400" lvl="1" indent="-266700">
+              <a:buFont typeface="+mj-ea"/>
+              <a:buAutoNum type="circleNumDbPlain"/>
+            </a:pPr>
+            <a:r>
+              <a:rPr lang="ko-KR" altLang="en-US" dirty="0">
+                <a:latin typeface="+mn-ea"/>
+              </a:rPr>
+              <a:t>나의 로컬저장소로 </a:t>
+            </a:r>
+            <a:r>
+              <a:rPr lang="en-US" altLang="ko-KR" dirty="0">
+                <a:latin typeface="+mn-ea"/>
+              </a:rPr>
+              <a:t>clone</a:t>
+            </a:r>
+            <a:r>
+              <a:rPr lang="ko-KR" altLang="en-US" dirty="0">
+                <a:latin typeface="+mn-ea"/>
+              </a:rPr>
+              <a:t>하기 </a:t>
+            </a:r>
+            <a:r>
+              <a:rPr lang="en-US" altLang="ko-KR" dirty="0">
+                <a:latin typeface="+mn-ea"/>
+              </a:rPr>
+              <a:t> ☞ git clone</a:t>
+            </a:r>
+            <a:r>
+              <a:rPr lang="ko-KR" altLang="en-US" dirty="0">
+                <a:latin typeface="+mn-ea"/>
+              </a:rPr>
+              <a:t> </a:t>
+            </a:r>
+            <a:r>
+              <a:rPr lang="en-US" altLang="ko-KR" dirty="0">
+                <a:latin typeface="+mn-ea"/>
+              </a:rPr>
+              <a:t>upstream-address</a:t>
+            </a:r>
+          </a:p>
+          <a:p>
+            <a:pPr marL="533400" lvl="1" indent="-266700">
+              <a:buFont typeface="+mj-ea"/>
+              <a:buAutoNum type="circleNumDbPlain"/>
+            </a:pPr>
+            <a:r>
+              <a:rPr lang="ko-KR" altLang="en-US" dirty="0">
+                <a:latin typeface="+mn-ea"/>
+              </a:rPr>
+              <a:t>로컬저장소에서 작업 </a:t>
+            </a:r>
+            <a:r>
+              <a:rPr lang="en-US" altLang="ko-KR" dirty="0">
+                <a:latin typeface="+mn-ea"/>
+              </a:rPr>
+              <a:t>branch </a:t>
+            </a:r>
+            <a:r>
+              <a:rPr lang="ko-KR" altLang="en-US" dirty="0">
+                <a:latin typeface="+mn-ea"/>
+              </a:rPr>
+              <a:t>만들기</a:t>
+            </a:r>
+            <a:r>
+              <a:rPr lang="en-US" altLang="ko-KR" dirty="0">
+                <a:latin typeface="+mn-ea"/>
+              </a:rPr>
+              <a:t> ☞ git checkout</a:t>
+            </a:r>
+            <a:r>
+              <a:rPr lang="ko-KR" altLang="en-US" dirty="0">
+                <a:latin typeface="+mn-ea"/>
+              </a:rPr>
+              <a:t> </a:t>
+            </a:r>
+            <a:r>
+              <a:rPr lang="en-US" altLang="ko-KR" dirty="0">
+                <a:latin typeface="+mn-ea"/>
+              </a:rPr>
+              <a:t>-b</a:t>
+            </a:r>
+            <a:r>
+              <a:rPr lang="ko-KR" altLang="en-US" dirty="0">
+                <a:latin typeface="+mn-ea"/>
+              </a:rPr>
+              <a:t> </a:t>
+            </a:r>
+            <a:r>
+              <a:rPr lang="en-US" altLang="ko-KR" dirty="0">
+                <a:latin typeface="+mn-ea"/>
+              </a:rPr>
+              <a:t>new-branch</a:t>
+            </a:r>
+          </a:p>
+          <a:p>
+            <a:pPr marL="533400" lvl="1" indent="-266700">
+              <a:buFont typeface="+mj-ea"/>
+              <a:buAutoNum type="circleNumDbPlain"/>
+            </a:pPr>
+            <a:r>
+              <a:rPr lang="ko-KR" altLang="en-US" dirty="0">
+                <a:latin typeface="+mn-ea"/>
+              </a:rPr>
+              <a:t>기여할 내용 수정작업하기</a:t>
+            </a:r>
+            <a:endParaRPr lang="en-US" altLang="ko-KR" dirty="0">
+              <a:latin typeface="+mn-ea"/>
+            </a:endParaRPr>
+          </a:p>
+          <a:p>
+            <a:pPr marL="533400" lvl="1" indent="-266700">
+              <a:buFont typeface="+mj-ea"/>
+              <a:buAutoNum type="circleNumDbPlain"/>
+            </a:pPr>
+            <a:r>
+              <a:rPr lang="ko-KR" altLang="en-US" dirty="0">
+                <a:latin typeface="+mn-ea"/>
+              </a:rPr>
+              <a:t>나의 원격저장소</a:t>
+            </a:r>
+            <a:r>
+              <a:rPr lang="en-US" altLang="ko-KR" dirty="0">
+                <a:latin typeface="+mn-ea"/>
+              </a:rPr>
+              <a:t>(origin)</a:t>
+            </a:r>
+            <a:r>
+              <a:rPr lang="ko-KR" altLang="en-US" dirty="0">
+                <a:latin typeface="+mn-ea"/>
+              </a:rPr>
+              <a:t>로 </a:t>
+            </a:r>
+            <a:r>
+              <a:rPr lang="en-US" altLang="ko-KR" dirty="0">
+                <a:latin typeface="+mn-ea"/>
+              </a:rPr>
+              <a:t>push</a:t>
+            </a:r>
+            <a:r>
+              <a:rPr lang="ko-KR" altLang="en-US" dirty="0">
+                <a:latin typeface="+mn-ea"/>
+              </a:rPr>
+              <a:t>하기</a:t>
+            </a:r>
+            <a:r>
+              <a:rPr lang="en-US" altLang="ko-KR" dirty="0">
+                <a:latin typeface="+mn-ea"/>
+              </a:rPr>
+              <a:t> ☞ git push -u origin new-branch</a:t>
+            </a:r>
+          </a:p>
+          <a:p>
+            <a:pPr marL="533400" lvl="1" indent="-266700">
+              <a:buFont typeface="+mj-ea"/>
+              <a:buAutoNum type="circleNumDbPlain"/>
+            </a:pPr>
+            <a:r>
+              <a:rPr lang="ko-KR" altLang="en-US" dirty="0">
+                <a:latin typeface="+mn-ea"/>
+              </a:rPr>
+              <a:t>나의 원격저장소</a:t>
+            </a:r>
+            <a:r>
+              <a:rPr lang="en-US" altLang="ko-KR" dirty="0">
+                <a:latin typeface="+mn-ea"/>
+              </a:rPr>
+              <a:t>(origin)</a:t>
+            </a:r>
+            <a:r>
+              <a:rPr lang="ko-KR" altLang="en-US" dirty="0">
+                <a:latin typeface="+mn-ea"/>
+              </a:rPr>
+              <a:t>에서 </a:t>
+            </a:r>
+            <a:r>
+              <a:rPr lang="en-US" altLang="ko-KR" dirty="0">
+                <a:latin typeface="+mn-ea"/>
+              </a:rPr>
+              <a:t>Compare &amp; pull request </a:t>
+            </a:r>
+            <a:r>
+              <a:rPr lang="ko-KR" altLang="en-US" dirty="0">
+                <a:latin typeface="+mn-ea"/>
+              </a:rPr>
+              <a:t>하기</a:t>
+            </a:r>
+            <a:endParaRPr lang="en-US" altLang="ko-KR" dirty="0">
+              <a:latin typeface="+mn-ea"/>
+            </a:endParaRPr>
+          </a:p>
+          <a:p>
+            <a:pPr marL="533400" lvl="1" indent="-266700">
+              <a:buFont typeface="+mj-ea"/>
+              <a:buAutoNum type="circleNumDbPlain"/>
+            </a:pPr>
+            <a:r>
+              <a:rPr lang="ko-KR" altLang="en-US" dirty="0">
+                <a:latin typeface="+mn-ea"/>
+              </a:rPr>
+              <a:t>나의 원격저장소</a:t>
+            </a:r>
+            <a:r>
+              <a:rPr lang="en-US" altLang="ko-KR" dirty="0">
+                <a:latin typeface="+mn-ea"/>
+              </a:rPr>
+              <a:t>(origin)</a:t>
+            </a:r>
+            <a:r>
+              <a:rPr lang="ko-KR" altLang="en-US" dirty="0">
+                <a:latin typeface="+mn-ea"/>
+              </a:rPr>
+              <a:t>에서</a:t>
+            </a:r>
+            <a:r>
+              <a:rPr lang="en-US" altLang="ko-KR" dirty="0">
+                <a:latin typeface="+mn-ea"/>
+              </a:rPr>
+              <a:t> Create</a:t>
+            </a:r>
+            <a:r>
+              <a:rPr lang="ko-KR" altLang="en-US" dirty="0">
+                <a:latin typeface="+mn-ea"/>
+              </a:rPr>
+              <a:t> </a:t>
+            </a:r>
+            <a:r>
+              <a:rPr lang="en-US" altLang="ko-KR" dirty="0">
+                <a:latin typeface="+mn-ea"/>
+              </a:rPr>
+              <a:t>pull request</a:t>
+            </a:r>
+            <a:r>
+              <a:rPr lang="ko-KR" altLang="en-US" dirty="0">
+                <a:latin typeface="+mn-ea"/>
+              </a:rPr>
+              <a:t>하기</a:t>
+            </a:r>
+            <a:endParaRPr lang="en-US" altLang="ko-KR" dirty="0">
+              <a:latin typeface="+mn-ea"/>
+            </a:endParaRPr>
+          </a:p>
+          <a:p>
+            <a:pPr marL="533400" lvl="1" indent="-266700">
+              <a:buFont typeface="+mj-ea"/>
+              <a:buAutoNum type="circleNumDbPlain"/>
+            </a:pPr>
+            <a:r>
+              <a:rPr lang="en-US" altLang="ko-KR" dirty="0">
+                <a:latin typeface="+mn-ea"/>
+              </a:rPr>
+              <a:t>Merge</a:t>
+            </a:r>
+            <a:r>
+              <a:rPr lang="ko-KR" altLang="en-US" dirty="0">
+                <a:latin typeface="+mn-ea"/>
+              </a:rPr>
+              <a:t>된 후</a:t>
+            </a:r>
+            <a:r>
+              <a:rPr lang="en-US" altLang="ko-KR" dirty="0">
+                <a:latin typeface="+mn-ea"/>
+              </a:rPr>
+              <a:t>, upstream</a:t>
+            </a:r>
+            <a:r>
+              <a:rPr lang="ko-KR" altLang="en-US" dirty="0">
+                <a:latin typeface="+mn-ea"/>
+              </a:rPr>
+              <a:t>내용을 </a:t>
+            </a:r>
+            <a:r>
+              <a:rPr lang="en-US" altLang="ko-KR" dirty="0">
+                <a:latin typeface="+mn-ea"/>
+              </a:rPr>
+              <a:t>local</a:t>
+            </a:r>
+            <a:r>
+              <a:rPr lang="ko-KR" altLang="en-US" dirty="0">
+                <a:latin typeface="+mn-ea"/>
+              </a:rPr>
+              <a:t> 저장소에 </a:t>
+            </a:r>
+            <a:r>
+              <a:rPr lang="en-US" altLang="ko-KR" dirty="0">
+                <a:latin typeface="+mn-ea"/>
+              </a:rPr>
+              <a:t>pull</a:t>
+            </a:r>
+            <a:r>
+              <a:rPr lang="ko-KR" altLang="en-US" dirty="0">
+                <a:latin typeface="+mn-ea"/>
+              </a:rPr>
+              <a:t>하기</a:t>
+            </a:r>
+            <a:r>
+              <a:rPr lang="en-US" altLang="ko-KR" dirty="0">
+                <a:latin typeface="+mn-ea"/>
+              </a:rPr>
+              <a:t> ☞ git pull upstream main</a:t>
+            </a:r>
+          </a:p>
+          <a:p>
+            <a:pPr marL="533400" lvl="1" indent="-266700">
+              <a:buFont typeface="+mj-ea"/>
+              <a:buAutoNum type="circleNumDbPlain"/>
+            </a:pPr>
+            <a:r>
+              <a:rPr lang="ko-KR" altLang="en-US" dirty="0">
+                <a:latin typeface="+mn-ea"/>
+              </a:rPr>
+              <a:t>로컬저장소에서 작업한 </a:t>
+            </a:r>
+            <a:r>
+              <a:rPr lang="en-US" altLang="ko-KR" dirty="0">
+                <a:latin typeface="+mn-ea"/>
+              </a:rPr>
+              <a:t>branch </a:t>
+            </a:r>
+            <a:r>
+              <a:rPr lang="ko-KR" altLang="en-US" dirty="0">
+                <a:latin typeface="+mn-ea"/>
+              </a:rPr>
+              <a:t>지우기</a:t>
+            </a:r>
+            <a:r>
+              <a:rPr lang="en-US" altLang="ko-KR" dirty="0">
+                <a:latin typeface="+mn-ea"/>
+              </a:rPr>
+              <a:t> ☞ git branch -d new-branch</a:t>
+            </a:r>
+          </a:p>
+          <a:p>
+            <a:pPr marL="533400" lvl="1" indent="-266700">
+              <a:buFont typeface="+mj-ea"/>
+              <a:buAutoNum type="circleNumDbPlain"/>
+            </a:pPr>
+            <a:r>
+              <a:rPr lang="ko-KR" altLang="en-US" dirty="0">
+                <a:latin typeface="+mn-ea"/>
+              </a:rPr>
+              <a:t>로컬저장소 내용을 </a:t>
+            </a:r>
+            <a:r>
+              <a:rPr lang="en-US" altLang="ko-KR" dirty="0">
+                <a:latin typeface="+mn-ea"/>
+              </a:rPr>
+              <a:t>origin</a:t>
+            </a:r>
+            <a:r>
+              <a:rPr lang="ko-KR" altLang="en-US" dirty="0">
+                <a:latin typeface="+mn-ea"/>
+              </a:rPr>
+              <a:t>으로 </a:t>
+            </a:r>
+            <a:r>
+              <a:rPr lang="en-US" altLang="ko-KR" dirty="0">
+                <a:latin typeface="+mn-ea"/>
+              </a:rPr>
+              <a:t>push</a:t>
+            </a:r>
+            <a:r>
+              <a:rPr lang="ko-KR" altLang="en-US" dirty="0">
+                <a:latin typeface="+mn-ea"/>
+              </a:rPr>
+              <a:t>하기</a:t>
+            </a:r>
+            <a:r>
+              <a:rPr lang="en-US" altLang="ko-KR" dirty="0">
+                <a:latin typeface="+mn-ea"/>
+              </a:rPr>
+              <a:t> ☞ git push origin main</a:t>
+            </a:r>
+          </a:p>
+          <a:p>
+            <a:pPr marL="533400" lvl="1" indent="-266700">
+              <a:buFont typeface="+mj-ea"/>
+              <a:buAutoNum type="circleNumDbPlain"/>
+            </a:pPr>
+            <a:r>
+              <a:rPr lang="ko-KR" altLang="en-US" dirty="0">
+                <a:latin typeface="+mn-ea"/>
+              </a:rPr>
+              <a:t>원격저장소</a:t>
+            </a:r>
+            <a:r>
+              <a:rPr lang="en-US" altLang="ko-KR" dirty="0">
+                <a:latin typeface="+mn-ea"/>
+              </a:rPr>
+              <a:t>(origin) </a:t>
+            </a:r>
+            <a:r>
+              <a:rPr lang="ko-KR" altLang="en-US" dirty="0" err="1">
+                <a:latin typeface="+mn-ea"/>
+              </a:rPr>
+              <a:t>브랜치</a:t>
+            </a:r>
+            <a:r>
+              <a:rPr lang="ko-KR" altLang="en-US" dirty="0">
+                <a:latin typeface="+mn-ea"/>
+              </a:rPr>
+              <a:t> 삭제하기</a:t>
+            </a:r>
+            <a:r>
+              <a:rPr lang="en-US" altLang="ko-KR" dirty="0">
+                <a:latin typeface="+mn-ea"/>
+              </a:rPr>
+              <a:t> ☞ git push -d origin new-branch </a:t>
+            </a:r>
           </a:p>
           <a:p>
             <a:pPr marL="533400" lvl="1" indent="-266700">
@@ -38908,7 +39541,7 @@
           <p:cNvPr id="3" name="슬라이드 번호 개체 틀 2">
             <a:extLst>
               <a:ext uri="{FF2B5EF4-FFF2-40B4-BE49-F238E27FC236}">
-                <a16:creationId xmlns:a16="http://schemas.microsoft.com/office/drawing/2014/main" id="{E7077362-8864-43F0-9B0D-3A411B8CBC1E}"/>
+                <a16:creationId xmlns:a16="http://schemas.microsoft.com/office/drawing/2014/main" id="{79775DA8-C328-47D1-90D8-4B02555F6B3F}"/>
               </a:ext>
             </a:extLst>
           </p:cNvPr>
@@ -38940,7 +39573,7 @@
     </p:spTree>
     <p:extLst>
       <p:ext uri="{BB962C8B-B14F-4D97-AF65-F5344CB8AC3E}">
-        <p14:creationId xmlns:p14="http://schemas.microsoft.com/office/powerpoint/2010/main" val="643486013"/>
+        <p14:creationId xmlns:p14="http://schemas.microsoft.com/office/powerpoint/2010/main" val="473554646"/>
       </p:ext>
     </p:extLst>
   </p:cSld>
@@ -38996,26 +39629,9 @@
           <a:lstStyle/>
           <a:p>
             <a:r>
-              <a:rPr lang="en-US" altLang="ko-KR" dirty="0"/>
-              <a:t>Fork</a:t>
-            </a:r>
-            <a:r>
               <a:rPr lang="ko-KR" altLang="en-US" dirty="0"/>
-              <a:t>후</a:t>
-            </a:r>
-            <a:r>
-              <a:rPr lang="en-US" altLang="ko-KR" dirty="0"/>
-              <a:t>, collaborator </a:t>
-            </a:r>
-            <a:r>
-              <a:rPr lang="ko-KR" altLang="en-US" dirty="0"/>
-              <a:t>선정되면</a:t>
-            </a:r>
-            <a:r>
-              <a:rPr lang="en-US" altLang="ko-KR" dirty="0"/>
-              <a:t>?</a:t>
-            </a:r>
-            <a:endParaRPr lang="ko-KR" altLang="en-US" dirty="0"/>
+              <a:t>오픈소스 참조</a:t>
+            </a:r>
           </a:p>
         </p:txBody>
       </p:sp>
@@ -39188,6 +39804,350 @@
           <a:p>
             <a:r>
               <a:rPr lang="ko-KR" altLang="en-US" dirty="0"/>
+              <a:t>오픈소스 소개</a:t>
+            </a:r>
+            <a:endParaRPr lang="en-US" altLang="ko-KR" dirty="0"/>
+          </a:p>
+          <a:p>
+            <a:pPr marL="0" indent="0">
+              <a:buNone/>
+            </a:pPr>
+            <a:r>
+              <a:rPr lang="en-US" altLang="ko-KR" sz="1800" b="0" dirty="0">
+                <a:latin typeface="+mn-ea"/>
+              </a:rPr>
+              <a:t>  </a:t>
+            </a:r>
+            <a:r>
+              <a:rPr lang="ko-KR" altLang="en-US" sz="1800" b="0" dirty="0">
+                <a:latin typeface="+mn-ea"/>
+              </a:rPr>
+              <a:t>네이버 오픈소스 가이드 </a:t>
+            </a:r>
+            <a:r>
+              <a:rPr lang="en-US" altLang="ko-KR" sz="1800" b="0" dirty="0">
+                <a:latin typeface="+mn-ea"/>
+              </a:rPr>
+              <a:t>:     </a:t>
+            </a:r>
+          </a:p>
+          <a:p>
+            <a:pPr marL="0" indent="0">
+              <a:buNone/>
+            </a:pPr>
+            <a:r>
+              <a:rPr lang="en-US" altLang="ko-KR" sz="1800" b="0" dirty="0">
+                <a:hlinkClick r:id="rId3"/>
+              </a:rPr>
+              <a:t>  </a:t>
+            </a:r>
+            <a:r>
+              <a:rPr lang="en-US" altLang="ko-KR" sz="1800" b="0" dirty="0">
+                <a:latin typeface="+mn-ea"/>
+                <a:hlinkClick r:id="rId3"/>
+              </a:rPr>
+              <a:t>https://naver.github.io/OpenSourceGuide/book/</a:t>
+            </a:r>
+            <a:endParaRPr lang="en-US" altLang="ko-KR" sz="1800" b="0" dirty="0">
+              <a:latin typeface="+mn-ea"/>
+            </a:endParaRPr>
+          </a:p>
+          <a:p>
+            <a:pPr marL="533400" lvl="1" indent="-266700">
+              <a:buFont typeface="+mj-ea"/>
+              <a:buAutoNum type="circleNumDbPlain"/>
+            </a:pPr>
+            <a:endParaRPr lang="en-US" altLang="ko-KR" dirty="0">
+              <a:latin typeface="+mn-ea"/>
+            </a:endParaRPr>
+          </a:p>
+        </p:txBody>
+      </p:sp>
+      <p:sp>
+        <p:nvSpPr>
+          <p:cNvPr id="3" name="슬라이드 번호 개체 틀 2">
+            <a:extLst>
+              <a:ext uri="{FF2B5EF4-FFF2-40B4-BE49-F238E27FC236}">
+                <a16:creationId xmlns:a16="http://schemas.microsoft.com/office/drawing/2014/main" id="{E7077362-8864-43F0-9B0D-3A411B8CBC1E}"/>
+              </a:ext>
+            </a:extLst>
+          </p:cNvPr>
+          <p:cNvSpPr>
+            <a:spLocks noGrp="1"/>
+          </p:cNvSpPr>
+          <p:nvPr>
+            <p:ph type="sldNum" sz="quarter" idx="12"/>
+          </p:nvPr>
+        </p:nvSpPr>
+        <p:spPr/>
+        <p:txBody>
+          <a:bodyPr/>
+          <a:lstStyle/>
+          <a:p>
+            <a:fld id="{526ADF51-C4A2-4521-899C-87F34FDB9C0A}" type="slidenum">
+              <a:rPr lang="ko-KR" altLang="en-US" smtClean="0"/>
+              <a:pPr/>
+              <a:t>48</a:t>
+            </a:fld>
+            <a:r>
+              <a:rPr lang="en-US" altLang="ko-KR"/>
+              <a:t>/46</a:t>
+            </a:r>
+            <a:endParaRPr lang="ko-KR" altLang="en-US" dirty="0"/>
+          </a:p>
+        </p:txBody>
+      </p:sp>
+    </p:spTree>
+    <p:extLst>
+      <p:ext uri="{BB962C8B-B14F-4D97-AF65-F5344CB8AC3E}">
+        <p14:creationId xmlns:p14="http://schemas.microsoft.com/office/powerpoint/2010/main" val="643486013"/>
+      </p:ext>
+    </p:extLst>
+  </p:cSld>
+  <p:clrMapOvr>
+    <a:masterClrMapping/>
+  </p:clrMapOvr>
+</p:sld>
+</file>
+
+<file path=ppt/slides/slide49.xml><?xml version="1.0" encoding="utf-8"?>
+<p:sld xmlns:a="http://schemas.openxmlformats.org/drawingml/2006/main" xmlns:r="http://schemas.openxmlformats.org/officeDocument/2006/relationships" xmlns:p="http://schemas.openxmlformats.org/presentationml/2006/main">
+  <p:cSld>
+    <p:spTree>
+      <p:nvGrpSpPr>
+        <p:cNvPr id="1" name=""/>
+        <p:cNvGrpSpPr/>
+        <p:nvPr/>
+      </p:nvGrpSpPr>
+      <p:grpSpPr>
+        <a:xfrm>
+          <a:off x="0" y="0"/>
+          <a:ext cx="0" cy="0"/>
+          <a:chOff x="0" y="0"/>
+          <a:chExt cx="0" cy="0"/>
+        </a:xfrm>
+      </p:grpSpPr>
+      <p:sp>
+        <p:nvSpPr>
+          <p:cNvPr id="4" name="제목 3">
+            <a:extLst>
+              <a:ext uri="{FF2B5EF4-FFF2-40B4-BE49-F238E27FC236}">
+                <a16:creationId xmlns:a16="http://schemas.microsoft.com/office/drawing/2014/main" id="{F0CEB32B-CB43-4410-BA08-A97E4BC47FCB}"/>
+              </a:ext>
+            </a:extLst>
+          </p:cNvPr>
+          <p:cNvSpPr>
+            <a:spLocks noGrp="1"/>
+          </p:cNvSpPr>
+          <p:nvPr>
+            <p:ph type="title"/>
+          </p:nvPr>
+        </p:nvSpPr>
+        <p:spPr>
+          <a:xfrm>
+            <a:off x="539551" y="192300"/>
+            <a:ext cx="8244853" cy="576064"/>
+          </a:xfrm>
+        </p:spPr>
+        <p:txBody>
+          <a:bodyPr>
+            <a:normAutofit/>
+          </a:bodyPr>
+          <a:lstStyle/>
+          <a:p>
+            <a:r>
+              <a:rPr lang="en-US" altLang="ko-KR" dirty="0"/>
+              <a:t>Fork</a:t>
+            </a:r>
+            <a:r>
+              <a:rPr lang="ko-KR" altLang="en-US" dirty="0"/>
+              <a:t>후</a:t>
+            </a:r>
+            <a:r>
+              <a:rPr lang="en-US" altLang="ko-KR" dirty="0"/>
+              <a:t>, collaborator </a:t>
+            </a:r>
+            <a:r>
+              <a:rPr lang="ko-KR" altLang="en-US" dirty="0"/>
+              <a:t>선정되면</a:t>
+            </a:r>
+            <a:r>
+              <a:rPr lang="en-US" altLang="ko-KR" dirty="0"/>
+              <a:t>?</a:t>
+            </a:r>
+            <a:endParaRPr lang="ko-KR" altLang="en-US" dirty="0"/>
+          </a:p>
+        </p:txBody>
+      </p:sp>
+      <p:sp>
+        <p:nvSpPr>
+          <p:cNvPr id="11" name="내용 개체 틀 2">
+            <a:extLst>
+              <a:ext uri="{FF2B5EF4-FFF2-40B4-BE49-F238E27FC236}">
+                <a16:creationId xmlns:a16="http://schemas.microsoft.com/office/drawing/2014/main" id="{A44AC902-3746-40D6-9827-94B46EEDDC67}"/>
+              </a:ext>
+            </a:extLst>
+          </p:cNvPr>
+          <p:cNvSpPr txBox="1">
+            <a:spLocks/>
+          </p:cNvSpPr>
+          <p:nvPr/>
+        </p:nvSpPr>
+        <p:spPr>
+          <a:xfrm>
+            <a:off x="341787" y="957257"/>
+            <a:ext cx="8642350" cy="5225829"/>
+          </a:xfrm>
+          <a:prstGeom prst="rect">
+            <a:avLst/>
+          </a:prstGeom>
+        </p:spPr>
+        <p:txBody>
+          <a:bodyPr vert="horz" lIns="91440" tIns="45720" rIns="91440" bIns="45720" rtlCol="0">
+            <a:noAutofit/>
+          </a:bodyPr>
+          <a:lstStyle>
+            <a:lvl1pPr marL="266700" indent="-266700" defTabSz="914400" latinLnBrk="1">
+              <a:lnSpc>
+                <a:spcPct val="150000"/>
+              </a:lnSpc>
+              <a:spcBef>
+                <a:spcPct val="0"/>
+              </a:spcBef>
+              <a:buClr>
+                <a:schemeClr val="tx1">
+                  <a:lumMod val="65000"/>
+                  <a:lumOff val="35000"/>
+                </a:schemeClr>
+              </a:buClr>
+              <a:buFont typeface="Wingdings" pitchFamily="2" charset="2"/>
+              <a:buChar char="n"/>
+              <a:defRPr sz="2000" b="1">
+                <a:latin typeface="+mn-ea"/>
+              </a:defRPr>
+            </a:lvl1pPr>
+            <a:lvl2pPr marL="447675" lvl="1" indent="-180975" defTabSz="914400" latinLnBrk="1">
+              <a:lnSpc>
+                <a:spcPct val="150000"/>
+              </a:lnSpc>
+              <a:spcBef>
+                <a:spcPts val="0"/>
+              </a:spcBef>
+              <a:spcAft>
+                <a:spcPts val="0"/>
+              </a:spcAft>
+              <a:buClr>
+                <a:schemeClr val="tx1">
+                  <a:lumMod val="50000"/>
+                  <a:lumOff val="50000"/>
+                </a:schemeClr>
+              </a:buClr>
+              <a:buFont typeface="Wingdings" pitchFamily="2" charset="2"/>
+              <a:buChar char="§"/>
+              <a:defRPr sz="1600"/>
+            </a:lvl2pPr>
+            <a:lvl3pPr marL="628650" indent="-180975" defTabSz="914400" latinLnBrk="1">
+              <a:lnSpc>
+                <a:spcPct val="150000"/>
+              </a:lnSpc>
+              <a:spcBef>
+                <a:spcPts val="500"/>
+              </a:spcBef>
+              <a:spcAft>
+                <a:spcPts val="300"/>
+              </a:spcAft>
+              <a:buClr>
+                <a:schemeClr val="tx1">
+                  <a:lumMod val="65000"/>
+                  <a:lumOff val="35000"/>
+                </a:schemeClr>
+              </a:buClr>
+              <a:buFont typeface="Arial" panose="020B0604020202020204" pitchFamily="34" charset="0"/>
+              <a:buChar char="•"/>
+              <a:defRPr sz="1400"/>
+            </a:lvl3pPr>
+            <a:lvl4pPr marL="809625" indent="-180975" defTabSz="914400" latinLnBrk="1">
+              <a:lnSpc>
+                <a:spcPct val="150000"/>
+              </a:lnSpc>
+              <a:spcBef>
+                <a:spcPts val="500"/>
+              </a:spcBef>
+              <a:spcAft>
+                <a:spcPts val="300"/>
+              </a:spcAft>
+              <a:buClr>
+                <a:schemeClr val="tx1">
+                  <a:lumMod val="65000"/>
+                  <a:lumOff val="35000"/>
+                </a:schemeClr>
+              </a:buClr>
+              <a:buSzPct val="96000"/>
+              <a:buFont typeface="Arial" panose="020B0604020202020204" pitchFamily="34" charset="0"/>
+              <a:buChar char="•"/>
+              <a:defRPr sz="1200"/>
+            </a:lvl4pPr>
+            <a:lvl5pPr marL="990600" indent="-180975" defTabSz="914400" latinLnBrk="1">
+              <a:lnSpc>
+                <a:spcPct val="150000"/>
+              </a:lnSpc>
+              <a:spcBef>
+                <a:spcPts val="500"/>
+              </a:spcBef>
+              <a:buClr>
+                <a:schemeClr val="tx1">
+                  <a:lumMod val="65000"/>
+                  <a:lumOff val="35000"/>
+                </a:schemeClr>
+              </a:buClr>
+              <a:buFont typeface="Arial" panose="020B0604020202020204" pitchFamily="34" charset="0"/>
+              <a:buChar char="•"/>
+              <a:defRPr sz="1000"/>
+            </a:lvl5pPr>
+            <a:lvl6pPr marL="2514600" indent="-228600" defTabSz="914400" latinLnBrk="1">
+              <a:lnSpc>
+                <a:spcPct val="90000"/>
+              </a:lnSpc>
+              <a:spcBef>
+                <a:spcPts val="500"/>
+              </a:spcBef>
+              <a:buFont typeface="Arial" panose="020B0604020202020204" pitchFamily="34" charset="0"/>
+              <a:buChar char="•"/>
+            </a:lvl6pPr>
+            <a:lvl7pPr marL="2971800" indent="-228600" defTabSz="914400" latinLnBrk="1">
+              <a:lnSpc>
+                <a:spcPct val="90000"/>
+              </a:lnSpc>
+              <a:spcBef>
+                <a:spcPts val="500"/>
+              </a:spcBef>
+              <a:buFont typeface="Arial" panose="020B0604020202020204" pitchFamily="34" charset="0"/>
+              <a:buChar char="•"/>
+            </a:lvl7pPr>
+            <a:lvl8pPr marL="3429000" indent="-228600" defTabSz="914400" latinLnBrk="1">
+              <a:lnSpc>
+                <a:spcPct val="90000"/>
+              </a:lnSpc>
+              <a:spcBef>
+                <a:spcPts val="500"/>
+              </a:spcBef>
+              <a:buFont typeface="Arial" panose="020B0604020202020204" pitchFamily="34" charset="0"/>
+              <a:buChar char="•"/>
+            </a:lvl8pPr>
+            <a:lvl9pPr marL="3886200" indent="-228600" defTabSz="914400" latinLnBrk="1">
+              <a:lnSpc>
+                <a:spcPct val="90000"/>
+              </a:lnSpc>
+              <a:spcBef>
+                <a:spcPts val="500"/>
+              </a:spcBef>
+              <a:buFont typeface="Arial" panose="020B0604020202020204" pitchFamily="34" charset="0"/>
+              <a:buChar char="•"/>
+            </a:lvl9pPr>
+          </a:lstStyle>
+          <a:p>
+            <a:r>
+              <a:rPr lang="ko-KR" altLang="en-US" dirty="0"/>
               <a:t>나의 원격저장소에 </a:t>
             </a:r>
             <a:r>
@@ -39722,7 +40682,7 @@
             <a:fld id="{526ADF51-C4A2-4521-899C-87F34FDB9C0A}" type="slidenum">
               <a:rPr lang="ko-KR" altLang="en-US" smtClean="0"/>
               <a:pPr/>
-              <a:t>48</a:t>
+              <a:t>49</a:t>
             </a:fld>
             <a:r>
               <a:rPr lang="en-US" altLang="ko-KR"/>
